--- a/오진호 포트폴리오.pptx
+++ b/오진호 포트폴리오.pptx
@@ -203,7 +203,7 @@
           <a:p>
             <a:fld id="{67406EAE-9ED8-4493-8307-E0CBB87D5314}" type="datetimeFigureOut">
               <a:rPr lang="ko-KR" altLang="en-US" smtClean="0"/>
-              <a:t>2022-01-17</a:t>
+              <a:t>2022-01-23</a:t>
             </a:fld>
             <a:endParaRPr lang="ko-KR" altLang="en-US"/>
           </a:p>
@@ -617,7 +617,7 @@
           <a:p>
             <a:fld id="{7E1FD04A-7A57-4ABB-A4D2-40192FED31D2}" type="datetimeFigureOut">
               <a:rPr lang="ko-KR" altLang="en-US" smtClean="0"/>
-              <a:t>2022-01-17</a:t>
+              <a:t>2022-01-23</a:t>
             </a:fld>
             <a:endParaRPr lang="ko-KR" altLang="en-US"/>
           </a:p>
@@ -815,7 +815,7 @@
           <a:p>
             <a:fld id="{7E1FD04A-7A57-4ABB-A4D2-40192FED31D2}" type="datetimeFigureOut">
               <a:rPr lang="ko-KR" altLang="en-US" smtClean="0"/>
-              <a:t>2022-01-17</a:t>
+              <a:t>2022-01-23</a:t>
             </a:fld>
             <a:endParaRPr lang="ko-KR" altLang="en-US"/>
           </a:p>
@@ -1023,7 +1023,7 @@
           <a:p>
             <a:fld id="{7E1FD04A-7A57-4ABB-A4D2-40192FED31D2}" type="datetimeFigureOut">
               <a:rPr lang="ko-KR" altLang="en-US" smtClean="0"/>
-              <a:t>2022-01-17</a:t>
+              <a:t>2022-01-23</a:t>
             </a:fld>
             <a:endParaRPr lang="ko-KR" altLang="en-US"/>
           </a:p>
@@ -1221,7 +1221,7 @@
           <a:p>
             <a:fld id="{7E1FD04A-7A57-4ABB-A4D2-40192FED31D2}" type="datetimeFigureOut">
               <a:rPr lang="ko-KR" altLang="en-US" smtClean="0"/>
-              <a:t>2022-01-17</a:t>
+              <a:t>2022-01-23</a:t>
             </a:fld>
             <a:endParaRPr lang="ko-KR" altLang="en-US"/>
           </a:p>
@@ -1496,7 +1496,7 @@
           <a:p>
             <a:fld id="{7E1FD04A-7A57-4ABB-A4D2-40192FED31D2}" type="datetimeFigureOut">
               <a:rPr lang="ko-KR" altLang="en-US" smtClean="0"/>
-              <a:t>2022-01-17</a:t>
+              <a:t>2022-01-23</a:t>
             </a:fld>
             <a:endParaRPr lang="ko-KR" altLang="en-US"/>
           </a:p>
@@ -1761,7 +1761,7 @@
           <a:p>
             <a:fld id="{7E1FD04A-7A57-4ABB-A4D2-40192FED31D2}" type="datetimeFigureOut">
               <a:rPr lang="ko-KR" altLang="en-US" smtClean="0"/>
-              <a:t>2022-01-17</a:t>
+              <a:t>2022-01-23</a:t>
             </a:fld>
             <a:endParaRPr lang="ko-KR" altLang="en-US"/>
           </a:p>
@@ -2173,7 +2173,7 @@
           <a:p>
             <a:fld id="{7E1FD04A-7A57-4ABB-A4D2-40192FED31D2}" type="datetimeFigureOut">
               <a:rPr lang="ko-KR" altLang="en-US" smtClean="0"/>
-              <a:t>2022-01-17</a:t>
+              <a:t>2022-01-23</a:t>
             </a:fld>
             <a:endParaRPr lang="ko-KR" altLang="en-US"/>
           </a:p>
@@ -2314,7 +2314,7 @@
           <a:p>
             <a:fld id="{7E1FD04A-7A57-4ABB-A4D2-40192FED31D2}" type="datetimeFigureOut">
               <a:rPr lang="ko-KR" altLang="en-US" smtClean="0"/>
-              <a:t>2022-01-17</a:t>
+              <a:t>2022-01-23</a:t>
             </a:fld>
             <a:endParaRPr lang="ko-KR" altLang="en-US"/>
           </a:p>
@@ -2427,7 +2427,7 @@
           <a:p>
             <a:fld id="{7E1FD04A-7A57-4ABB-A4D2-40192FED31D2}" type="datetimeFigureOut">
               <a:rPr lang="ko-KR" altLang="en-US" smtClean="0"/>
-              <a:t>2022-01-17</a:t>
+              <a:t>2022-01-23</a:t>
             </a:fld>
             <a:endParaRPr lang="ko-KR" altLang="en-US"/>
           </a:p>
@@ -2738,7 +2738,7 @@
           <a:p>
             <a:fld id="{7E1FD04A-7A57-4ABB-A4D2-40192FED31D2}" type="datetimeFigureOut">
               <a:rPr lang="ko-KR" altLang="en-US" smtClean="0"/>
-              <a:t>2022-01-17</a:t>
+              <a:t>2022-01-23</a:t>
             </a:fld>
             <a:endParaRPr lang="ko-KR" altLang="en-US"/>
           </a:p>
@@ -3026,7 +3026,7 @@
           <a:p>
             <a:fld id="{7E1FD04A-7A57-4ABB-A4D2-40192FED31D2}" type="datetimeFigureOut">
               <a:rPr lang="ko-KR" altLang="en-US" smtClean="0"/>
-              <a:t>2022-01-17</a:t>
+              <a:t>2022-01-23</a:t>
             </a:fld>
             <a:endParaRPr lang="ko-KR" altLang="en-US"/>
           </a:p>
@@ -3267,7 +3267,7 @@
           <a:p>
             <a:fld id="{7E1FD04A-7A57-4ABB-A4D2-40192FED31D2}" type="datetimeFigureOut">
               <a:rPr lang="ko-KR" altLang="en-US" smtClean="0"/>
-              <a:t>2022-01-17</a:t>
+              <a:t>2022-01-23</a:t>
             </a:fld>
             <a:endParaRPr lang="ko-KR" altLang="en-US"/>
           </a:p>
@@ -3796,7 +3796,7 @@
         </p:nvSpPr>
         <p:spPr>
           <a:xfrm>
-            <a:off x="5783580" y="3578227"/>
+            <a:off x="5803140" y="3832276"/>
             <a:ext cx="6278880" cy="261610"/>
           </a:xfrm>
           <a:prstGeom prst="rect">
@@ -4314,7 +4314,7 @@
         </p:nvSpPr>
         <p:spPr>
           <a:xfrm>
-            <a:off x="5783580" y="3850618"/>
+            <a:off x="5800832" y="3572155"/>
             <a:ext cx="6278880" cy="261610"/>
           </a:xfrm>
           <a:prstGeom prst="rect">
@@ -4362,7 +4362,7 @@
             </a:r>
             <a:r>
               <a:rPr lang="en-US" altLang="ko-KR" sz="1100" dirty="0"/>
-              <a:t>– 2021.12.29 ~ 2021.02)</a:t>
+              <a:t>– 2021.12.29 ~ 2022.02)</a:t>
             </a:r>
             <a:endParaRPr lang="ko-KR" altLang="en-US" sz="1100" dirty="0"/>
           </a:p>
@@ -4669,7 +4669,7 @@
         </p:nvSpPr>
         <p:spPr>
           <a:xfrm>
-            <a:off x="5599771" y="697174"/>
+            <a:off x="5599771" y="757334"/>
             <a:ext cx="127155" cy="121059"/>
           </a:xfrm>
           <a:prstGeom prst="rect">
@@ -4704,7 +4704,7 @@
         </p:nvSpPr>
         <p:spPr>
           <a:xfrm>
-            <a:off x="6096000" y="547081"/>
+            <a:off x="6096000" y="607241"/>
             <a:ext cx="2390775" cy="369332"/>
           </a:xfrm>
           <a:prstGeom prst="rect">
@@ -4740,7 +4740,7 @@
         </p:nvSpPr>
         <p:spPr>
           <a:xfrm>
-            <a:off x="6116831" y="916413"/>
+            <a:off x="6116831" y="976573"/>
             <a:ext cx="2349112" cy="307777"/>
           </a:xfrm>
           <a:prstGeom prst="rect">
@@ -4779,7 +4779,7 @@
         </p:nvSpPr>
         <p:spPr>
           <a:xfrm>
-            <a:off x="5599771" y="1629319"/>
+            <a:off x="5599771" y="1797762"/>
             <a:ext cx="127155" cy="121059"/>
           </a:xfrm>
           <a:prstGeom prst="rect">
@@ -4814,7 +4814,7 @@
         </p:nvSpPr>
         <p:spPr>
           <a:xfrm>
-            <a:off x="6096000" y="1479226"/>
+            <a:off x="6096000" y="1647669"/>
             <a:ext cx="2390775" cy="369332"/>
           </a:xfrm>
           <a:prstGeom prst="rect">
@@ -4850,7 +4850,7 @@
         </p:nvSpPr>
         <p:spPr>
           <a:xfrm>
-            <a:off x="6096000" y="1801620"/>
+            <a:off x="6096000" y="1970063"/>
             <a:ext cx="5835588" cy="523220"/>
           </a:xfrm>
           <a:prstGeom prst="rect">
@@ -4933,7 +4933,7 @@
         </p:nvSpPr>
         <p:spPr>
           <a:xfrm>
-            <a:off x="5600623" y="2694132"/>
+            <a:off x="5600623" y="2946801"/>
             <a:ext cx="127155" cy="121059"/>
           </a:xfrm>
           <a:prstGeom prst="rect">
@@ -4968,7 +4968,7 @@
         </p:nvSpPr>
         <p:spPr>
           <a:xfrm>
-            <a:off x="6116831" y="2544039"/>
+            <a:off x="6116831" y="2796708"/>
             <a:ext cx="2390775" cy="369332"/>
           </a:xfrm>
           <a:prstGeom prst="rect">
@@ -5004,7 +5004,7 @@
         </p:nvSpPr>
         <p:spPr>
           <a:xfrm>
-            <a:off x="5599772" y="3918481"/>
+            <a:off x="5599772" y="4291465"/>
             <a:ext cx="127155" cy="121059"/>
           </a:xfrm>
           <a:prstGeom prst="rect">
@@ -5039,7 +5039,7 @@
         </p:nvSpPr>
         <p:spPr>
           <a:xfrm>
-            <a:off x="6096001" y="3768388"/>
+            <a:off x="6096001" y="4141372"/>
             <a:ext cx="2390775" cy="369332"/>
           </a:xfrm>
           <a:prstGeom prst="rect">
@@ -5075,8 +5075,8 @@
         </p:nvSpPr>
         <p:spPr>
           <a:xfrm>
-            <a:off x="6116831" y="4231802"/>
-            <a:ext cx="5881580" cy="2816156"/>
+            <a:off x="6116831" y="4604786"/>
+            <a:ext cx="5881580" cy="2477601"/>
           </a:xfrm>
           <a:prstGeom prst="rect">
             <a:avLst/>
@@ -5194,136 +5194,75 @@
           <a:p>
             <a:r>
               <a:rPr lang="ko-KR" altLang="en-US" sz="1100" dirty="0"/>
-              <a:t>⨀ 자바</a:t>
+              <a:t>⨀ 프로젝트의 유일한 </a:t>
+            </a:r>
+            <a:r>
+              <a:rPr lang="ko-KR" altLang="en-US" sz="1100" dirty="0" err="1"/>
+              <a:t>백엔드</a:t>
+            </a:r>
+            <a:r>
+              <a:rPr lang="ko-KR" altLang="en-US" sz="1100" dirty="0"/>
+              <a:t> 개발자로 참여</a:t>
+            </a:r>
+            <a:endParaRPr lang="en-US" altLang="ko-KR" sz="1100" dirty="0"/>
+          </a:p>
+          <a:p>
+            <a:endParaRPr lang="en-US" altLang="ko-KR" sz="1100" dirty="0"/>
+          </a:p>
+          <a:p>
+            <a:r>
+              <a:rPr lang="ko-KR" altLang="en-US" sz="1100" dirty="0"/>
+              <a:t>⨀ 데이터베이스 설계 </a:t>
             </a:r>
             <a:r>
               <a:rPr lang="en-US" altLang="ko-KR" sz="1100" dirty="0"/>
-              <a:t>, </a:t>
+              <a:t>–&gt; </a:t>
+            </a:r>
+            <a:r>
+              <a:rPr lang="ko-KR" altLang="en-US" sz="1100" dirty="0" err="1"/>
+              <a:t>백엔드</a:t>
             </a:r>
             <a:r>
               <a:rPr lang="ko-KR" altLang="en-US" sz="1100" dirty="0"/>
-              <a:t>스프링에서 제공하는 </a:t>
+              <a:t> </a:t>
             </a:r>
             <a:r>
               <a:rPr lang="en-US" altLang="ko-KR" sz="1100" dirty="0"/>
-              <a:t>Optional, </a:t>
-            </a:r>
-            <a:r>
-              <a:rPr lang="en-US" altLang="ko-KR" sz="1100" dirty="0" err="1"/>
-              <a:t>ExceptionHandler</a:t>
+              <a:t>API </a:t>
+            </a:r>
+            <a:r>
+              <a:rPr lang="ko-KR" altLang="en-US" sz="1100" dirty="0"/>
+              <a:t>구현 </a:t>
             </a:r>
             <a:r>
               <a:rPr lang="en-US" altLang="ko-KR" sz="1100" dirty="0"/>
-              <a:t>, </a:t>
-            </a:r>
-          </a:p>
-          <a:p>
+              <a:t>–&gt; </a:t>
+            </a:r>
+            <a:r>
+              <a:rPr lang="ko-KR" altLang="en-US" sz="1100" dirty="0"/>
+              <a:t>배포</a:t>
+            </a:r>
             <a:r>
               <a:rPr lang="en-US" altLang="ko-KR" sz="1100" dirty="0"/>
-              <a:t>    </a:t>
-            </a:r>
-            <a:r>
-              <a:rPr lang="en-US" altLang="ko-KR" sz="1100" dirty="0" err="1"/>
-              <a:t>ControllerAdvice</a:t>
-            </a:r>
+              <a:t>(CICD)</a:t>
+            </a:r>
+            <a:r>
+              <a:rPr lang="ko-KR" altLang="en-US" sz="1100" dirty="0"/>
+              <a:t>의 모든 과정을 진행</a:t>
+            </a:r>
+            <a:endParaRPr lang="en-US" altLang="ko-KR" sz="1100" dirty="0"/>
+          </a:p>
+          <a:p>
             <a:r>
               <a:rPr lang="en-US" altLang="ko-KR" sz="1100" dirty="0"/>
-              <a:t>, </a:t>
-            </a:r>
-            <a:r>
-              <a:rPr lang="en-US" altLang="ko-KR" sz="1100" dirty="0" err="1"/>
-              <a:t>ResponseEntity</a:t>
-            </a:r>
+              <a:t>       </a:t>
+            </a:r>
+          </a:p>
+          <a:p>
             <a:r>
               <a:rPr lang="en-US" altLang="ko-KR" sz="1100" dirty="0"/>
               <a:t> </a:t>
             </a:r>
-            <a:r>
-              <a:rPr lang="ko-KR" altLang="en-US" sz="1100" dirty="0"/>
-              <a:t>등을 이용하여 코드의 통일성 추구</a:t>
-            </a:r>
-            <a:endParaRPr lang="en-US" altLang="ko-KR" sz="1100" dirty="0"/>
-          </a:p>
-          <a:p>
-            <a:endParaRPr lang="en-US" altLang="ko-KR" sz="1100" dirty="0"/>
-          </a:p>
-          <a:p>
-            <a:r>
-              <a:rPr lang="ko-KR" altLang="en-US" sz="1100" dirty="0"/>
-              <a:t>⨀ 데이터베이스 설계 </a:t>
-            </a:r>
-            <a:r>
-              <a:rPr lang="en-US" altLang="ko-KR" sz="1100" dirty="0"/>
-              <a:t>–&gt; </a:t>
-            </a:r>
-            <a:r>
-              <a:rPr lang="ko-KR" altLang="en-US" sz="1100" dirty="0" err="1"/>
-              <a:t>백엔드</a:t>
-            </a:r>
-            <a:r>
-              <a:rPr lang="ko-KR" altLang="en-US" sz="1100" dirty="0"/>
-              <a:t> </a:t>
-            </a:r>
-            <a:r>
-              <a:rPr lang="en-US" altLang="ko-KR" sz="1100" dirty="0"/>
-              <a:t>API </a:t>
-            </a:r>
-            <a:r>
-              <a:rPr lang="ko-KR" altLang="en-US" sz="1100" dirty="0"/>
-              <a:t>구현 </a:t>
-            </a:r>
-            <a:r>
-              <a:rPr lang="en-US" altLang="ko-KR" sz="1100" dirty="0"/>
-              <a:t>–&gt; </a:t>
-            </a:r>
-            <a:r>
-              <a:rPr lang="ko-KR" altLang="en-US" sz="1100" dirty="0"/>
-              <a:t>배포</a:t>
-            </a:r>
-            <a:r>
-              <a:rPr lang="en-US" altLang="ko-KR" sz="1100" dirty="0"/>
-              <a:t>(CICD)</a:t>
-            </a:r>
-            <a:r>
-              <a:rPr lang="ko-KR" altLang="en-US" sz="1100" dirty="0"/>
-              <a:t>의 모든 과정을 진행</a:t>
-            </a:r>
-            <a:endParaRPr lang="en-US" altLang="ko-KR" sz="1100" dirty="0"/>
-          </a:p>
-          <a:p>
-            <a:r>
-              <a:rPr lang="en-US" altLang="ko-KR" sz="1100" dirty="0"/>
-              <a:t>       </a:t>
-            </a:r>
-          </a:p>
-          <a:p>
-            <a:r>
-              <a:rPr lang="en-US" altLang="ko-KR" sz="1100" dirty="0"/>
-              <a:t> </a:t>
-            </a:r>
-            <a:r>
-              <a:rPr lang="en-US" altLang="ko-KR" sz="1050" dirty="0"/>
-              <a:t>- CTO</a:t>
-            </a:r>
-            <a:r>
-              <a:rPr lang="ko-KR" altLang="en-US" sz="1050" dirty="0"/>
-              <a:t>님을 제외한 유일한 </a:t>
-            </a:r>
-            <a:r>
-              <a:rPr lang="ko-KR" altLang="en-US" sz="1050" dirty="0" err="1"/>
-              <a:t>백엔드</a:t>
-            </a:r>
-            <a:r>
-              <a:rPr lang="ko-KR" altLang="en-US" sz="1050" dirty="0"/>
-              <a:t> 개발자로 참여하였습니다</a:t>
-            </a:r>
-            <a:r>
-              <a:rPr lang="en-US" altLang="ko-KR" sz="1050" dirty="0"/>
-              <a:t>.</a:t>
-            </a:r>
-          </a:p>
-          <a:p>
-            <a:endParaRPr lang="en-US" altLang="ko-KR" sz="1100" dirty="0"/>
           </a:p>
           <a:p>
             <a:r>
@@ -5347,7 +5286,7 @@
         </p:nvSpPr>
         <p:spPr>
           <a:xfrm>
-            <a:off x="6063740" y="2913371"/>
+            <a:off x="6063740" y="3166040"/>
             <a:ext cx="4817620" cy="646331"/>
           </a:xfrm>
           <a:prstGeom prst="rect">
@@ -5513,7 +5452,7 @@
         </p:nvSpPr>
         <p:spPr>
           <a:xfrm>
-            <a:off x="2815879" y="5327609"/>
+            <a:off x="2642924" y="4991738"/>
             <a:ext cx="788311" cy="143482"/>
           </a:xfrm>
           <a:prstGeom prst="rect">
@@ -5968,12 +5907,53 @@
           </a:p>
         </p:txBody>
       </p:sp>
+      <p:sp>
+        <p:nvSpPr>
+          <p:cNvPr id="14" name="TextBox 13">
+            <a:extLst>
+              <a:ext uri="{FF2B5EF4-FFF2-40B4-BE49-F238E27FC236}">
+                <a16:creationId xmlns:a16="http://schemas.microsoft.com/office/drawing/2014/main" id="{818F613F-EB1F-4BFE-847A-4334F108C6AE}"/>
+              </a:ext>
+            </a:extLst>
+          </p:cNvPr>
+          <p:cNvSpPr txBox="1"/>
+          <p:nvPr/>
+        </p:nvSpPr>
+        <p:spPr>
+          <a:xfrm>
+            <a:off x="552199" y="293343"/>
+            <a:ext cx="579992" cy="646331"/>
+          </a:xfrm>
+          <a:prstGeom prst="rect">
+            <a:avLst/>
+          </a:prstGeom>
+          <a:noFill/>
+        </p:spPr>
+        <p:txBody>
+          <a:bodyPr wrap="square" rtlCol="0">
+            <a:spAutoFit/>
+          </a:bodyPr>
+          <a:lstStyle/>
+          <a:p>
+            <a:r>
+              <a:rPr lang="en-US" altLang="ko-KR" sz="900" dirty="0"/>
+              <a:t>CLIENT</a:t>
+            </a:r>
+          </a:p>
+          <a:p>
+            <a:endParaRPr lang="en-US" altLang="ko-KR" sz="900" dirty="0"/>
+          </a:p>
+          <a:p>
+            <a:endParaRPr lang="ko-KR" altLang="en-US" dirty="0"/>
+          </a:p>
+        </p:txBody>
+      </p:sp>
       <p:cxnSp>
         <p:nvCxnSpPr>
-          <p:cNvPr id="11" name="직선 화살표 연결선 10">
-            <a:extLst>
-              <a:ext uri="{FF2B5EF4-FFF2-40B4-BE49-F238E27FC236}">
-                <a16:creationId xmlns:a16="http://schemas.microsoft.com/office/drawing/2014/main" id="{A9A8AB30-3F88-42CD-81D9-215589A6D62C}"/>
+          <p:cNvPr id="17" name="직선 화살표 연결선 16">
+            <a:extLst>
+              <a:ext uri="{FF2B5EF4-FFF2-40B4-BE49-F238E27FC236}">
+                <a16:creationId xmlns:a16="http://schemas.microsoft.com/office/drawing/2014/main" id="{A14F0017-020E-4976-99B9-40C5D4D84687}"/>
               </a:ext>
             </a:extLst>
           </p:cNvPr>
@@ -5984,124 +5964,7 @@
         </p:nvCxnSpPr>
         <p:spPr>
           <a:xfrm>
-            <a:off x="1071608" y="674127"/>
-            <a:ext cx="2495151" cy="0"/>
-          </a:xfrm>
-          <a:prstGeom prst="straightConnector1">
-            <a:avLst/>
-          </a:prstGeom>
-          <a:ln>
-            <a:tailEnd type="triangle"/>
-          </a:ln>
-        </p:spPr>
-        <p:style>
-          <a:lnRef idx="1">
-            <a:schemeClr val="accent1"/>
-          </a:lnRef>
-          <a:fillRef idx="0">
-            <a:schemeClr val="accent1"/>
-          </a:fillRef>
-          <a:effectRef idx="0">
-            <a:schemeClr val="accent1"/>
-          </a:effectRef>
-          <a:fontRef idx="minor">
-            <a:schemeClr val="tx1"/>
-          </a:fontRef>
-        </p:style>
-      </p:cxnSp>
-      <p:sp>
-        <p:nvSpPr>
-          <p:cNvPr id="14" name="TextBox 13">
-            <a:extLst>
-              <a:ext uri="{FF2B5EF4-FFF2-40B4-BE49-F238E27FC236}">
-                <a16:creationId xmlns:a16="http://schemas.microsoft.com/office/drawing/2014/main" id="{818F613F-EB1F-4BFE-847A-4334F108C6AE}"/>
-              </a:ext>
-            </a:extLst>
-          </p:cNvPr>
-          <p:cNvSpPr txBox="1"/>
-          <p:nvPr/>
-        </p:nvSpPr>
-        <p:spPr>
-          <a:xfrm>
-            <a:off x="552199" y="293343"/>
-            <a:ext cx="579992" cy="646331"/>
-          </a:xfrm>
-          <a:prstGeom prst="rect">
-            <a:avLst/>
-          </a:prstGeom>
-          <a:noFill/>
-        </p:spPr>
-        <p:txBody>
-          <a:bodyPr wrap="square" rtlCol="0">
-            <a:spAutoFit/>
-          </a:bodyPr>
-          <a:lstStyle/>
-          <a:p>
-            <a:r>
-              <a:rPr lang="en-US" altLang="ko-KR" sz="900" dirty="0"/>
-              <a:t>CLIENT</a:t>
-            </a:r>
-          </a:p>
-          <a:p>
-            <a:endParaRPr lang="en-US" altLang="ko-KR" sz="900" dirty="0"/>
-          </a:p>
-          <a:p>
-            <a:endParaRPr lang="ko-KR" altLang="en-US" dirty="0"/>
-          </a:p>
-        </p:txBody>
-      </p:sp>
-      <p:sp>
-        <p:nvSpPr>
-          <p:cNvPr id="15" name="TextBox 14">
-            <a:extLst>
-              <a:ext uri="{FF2B5EF4-FFF2-40B4-BE49-F238E27FC236}">
-                <a16:creationId xmlns:a16="http://schemas.microsoft.com/office/drawing/2014/main" id="{D3372B1F-6B80-4291-8A15-E9FC1249F175}"/>
-              </a:ext>
-            </a:extLst>
-          </p:cNvPr>
-          <p:cNvSpPr txBox="1"/>
-          <p:nvPr/>
-        </p:nvSpPr>
-        <p:spPr>
-          <a:xfrm>
-            <a:off x="2083464" y="438974"/>
-            <a:ext cx="2144198" cy="215444"/>
-          </a:xfrm>
-          <a:prstGeom prst="rect">
-            <a:avLst/>
-          </a:prstGeom>
-          <a:noFill/>
-        </p:spPr>
-        <p:txBody>
-          <a:bodyPr wrap="square" rtlCol="0">
-            <a:spAutoFit/>
-          </a:bodyPr>
-          <a:lstStyle/>
-          <a:p>
-            <a:r>
-              <a:rPr lang="ko-KR" altLang="en-US" sz="800" dirty="0"/>
-              <a:t>로그인</a:t>
-            </a:r>
-          </a:p>
-        </p:txBody>
-      </p:sp>
-      <p:cxnSp>
-        <p:nvCxnSpPr>
-          <p:cNvPr id="17" name="직선 화살표 연결선 16">
-            <a:extLst>
-              <a:ext uri="{FF2B5EF4-FFF2-40B4-BE49-F238E27FC236}">
-                <a16:creationId xmlns:a16="http://schemas.microsoft.com/office/drawing/2014/main" id="{A14F0017-020E-4976-99B9-40C5D4D84687}"/>
-              </a:ext>
-            </a:extLst>
-          </p:cNvPr>
-          <p:cNvCxnSpPr>
-            <a:cxnSpLocks/>
-          </p:cNvCxnSpPr>
-          <p:nvPr/>
-        </p:nvCxnSpPr>
-        <p:spPr>
-          <a:xfrm>
-            <a:off x="1672697" y="2102937"/>
+            <a:off x="1639825" y="1421458"/>
             <a:ext cx="1852305" cy="1061"/>
           </a:xfrm>
           <a:prstGeom prst="straightConnector1">
@@ -6141,91 +6004,9 @@
           <p:nvPr/>
         </p:nvCxnSpPr>
         <p:spPr>
-          <a:xfrm>
-            <a:off x="1654749" y="4705838"/>
-            <a:ext cx="1843592" cy="0"/>
-          </a:xfrm>
-          <a:prstGeom prst="straightConnector1">
-            <a:avLst/>
-          </a:prstGeom>
-          <a:ln>
-            <a:tailEnd type="triangle"/>
-          </a:ln>
-        </p:spPr>
-        <p:style>
-          <a:lnRef idx="1">
-            <a:schemeClr val="accent1"/>
-          </a:lnRef>
-          <a:fillRef idx="0">
-            <a:schemeClr val="accent1"/>
-          </a:fillRef>
-          <a:effectRef idx="0">
-            <a:schemeClr val="accent1"/>
-          </a:effectRef>
-          <a:fontRef idx="minor">
-            <a:schemeClr val="tx1"/>
-          </a:fontRef>
-        </p:style>
-      </p:cxnSp>
-      <p:cxnSp>
-        <p:nvCxnSpPr>
-          <p:cNvPr id="19" name="직선 화살표 연결선 18">
-            <a:extLst>
-              <a:ext uri="{FF2B5EF4-FFF2-40B4-BE49-F238E27FC236}">
-                <a16:creationId xmlns:a16="http://schemas.microsoft.com/office/drawing/2014/main" id="{A75056B8-1E8C-451F-9B51-47277FD83441}"/>
-              </a:ext>
-            </a:extLst>
-          </p:cNvPr>
-          <p:cNvCxnSpPr>
-            <a:cxnSpLocks/>
-          </p:cNvCxnSpPr>
-          <p:nvPr/>
-        </p:nvCxnSpPr>
-        <p:spPr>
-          <a:xfrm>
-            <a:off x="3727435" y="1282785"/>
-            <a:ext cx="1864643" cy="31416"/>
-          </a:xfrm>
-          <a:prstGeom prst="straightConnector1">
-            <a:avLst/>
-          </a:prstGeom>
-          <a:ln>
-            <a:tailEnd type="triangle"/>
-          </a:ln>
-        </p:spPr>
-        <p:style>
-          <a:lnRef idx="1">
-            <a:schemeClr val="accent1"/>
-          </a:lnRef>
-          <a:fillRef idx="0">
-            <a:schemeClr val="accent1"/>
-          </a:fillRef>
-          <a:effectRef idx="0">
-            <a:schemeClr val="accent1"/>
-          </a:effectRef>
-          <a:fontRef idx="minor">
-            <a:schemeClr val="tx1"/>
-          </a:fontRef>
-        </p:style>
-      </p:cxnSp>
-      <p:cxnSp>
-        <p:nvCxnSpPr>
-          <p:cNvPr id="26" name="직선 화살표 연결선 25">
-            <a:extLst>
-              <a:ext uri="{FF2B5EF4-FFF2-40B4-BE49-F238E27FC236}">
-                <a16:creationId xmlns:a16="http://schemas.microsoft.com/office/drawing/2014/main" id="{ABC1E173-1F7D-4A17-8A10-69276C5A2BE2}"/>
-              </a:ext>
-            </a:extLst>
-          </p:cNvPr>
-          <p:cNvCxnSpPr>
-            <a:cxnSpLocks/>
-          </p:cNvCxnSpPr>
-          <p:nvPr/>
-        </p:nvCxnSpPr>
-        <p:spPr>
-          <a:xfrm flipH="1">
-            <a:off x="1029851" y="1286875"/>
-            <a:ext cx="2495151" cy="0"/>
+          <a:xfrm flipV="1">
+            <a:off x="1471623" y="4074460"/>
+            <a:ext cx="2030809" cy="23368"/>
           </a:xfrm>
           <a:prstGeom prst="straightConnector1">
             <a:avLst/>
@@ -6265,7 +6046,7 @@
         </p:nvCxnSpPr>
         <p:spPr>
           <a:xfrm flipH="1">
-            <a:off x="1621939" y="4038106"/>
+            <a:off x="1599369" y="2976489"/>
             <a:ext cx="1903063" cy="0"/>
           </a:xfrm>
           <a:prstGeom prst="straightConnector1">
@@ -6292,10 +6073,10 @@
       </p:cxnSp>
       <p:sp>
         <p:nvSpPr>
-          <p:cNvPr id="37" name="TextBox 36">
-            <a:extLst>
-              <a:ext uri="{FF2B5EF4-FFF2-40B4-BE49-F238E27FC236}">
-                <a16:creationId xmlns:a16="http://schemas.microsoft.com/office/drawing/2014/main" id="{6388393E-0002-4714-BCE2-31AD8B4B24B9}"/>
+          <p:cNvPr id="44" name="TextBox 43">
+            <a:extLst>
+              <a:ext uri="{FF2B5EF4-FFF2-40B4-BE49-F238E27FC236}">
+                <a16:creationId xmlns:a16="http://schemas.microsoft.com/office/drawing/2014/main" id="{E47B4CCE-B9CD-4445-A8E0-CA92748937D2}"/>
               </a:ext>
             </a:extLst>
           </p:cNvPr>
@@ -6304,8 +6085,8 @@
         </p:nvSpPr>
         <p:spPr>
           <a:xfrm>
-            <a:off x="1386227" y="1069966"/>
-            <a:ext cx="1865911" cy="215444"/>
+            <a:off x="1481794" y="1213701"/>
+            <a:ext cx="2195212" cy="215444"/>
           </a:xfrm>
           <a:prstGeom prst="rect">
             <a:avLst/>
@@ -6324,25 +6105,17 @@
             </a:r>
             <a:r>
               <a:rPr lang="ko-KR" altLang="en-US" sz="800" dirty="0"/>
-              <a:t>과 </a:t>
-            </a:r>
-            <a:r>
-              <a:rPr lang="en-US" altLang="ko-KR" sz="800" dirty="0"/>
-              <a:t>Refresh token </a:t>
-            </a:r>
-            <a:r>
-              <a:rPr lang="ko-KR" altLang="en-US" sz="800" dirty="0"/>
-              <a:t>반환</a:t>
-            </a:r>
-          </a:p>
-        </p:txBody>
-      </p:sp>
-      <p:sp>
-        <p:nvSpPr>
-          <p:cNvPr id="44" name="TextBox 43">
-            <a:extLst>
-              <a:ext uri="{FF2B5EF4-FFF2-40B4-BE49-F238E27FC236}">
-                <a16:creationId xmlns:a16="http://schemas.microsoft.com/office/drawing/2014/main" id="{E47B4CCE-B9CD-4445-A8E0-CA92748937D2}"/>
+              <a:t>과 함께 원하는 로직 요청</a:t>
+            </a:r>
+          </a:p>
+        </p:txBody>
+      </p:sp>
+      <p:sp>
+        <p:nvSpPr>
+          <p:cNvPr id="46" name="TextBox 45">
+            <a:extLst>
+              <a:ext uri="{FF2B5EF4-FFF2-40B4-BE49-F238E27FC236}">
+                <a16:creationId xmlns:a16="http://schemas.microsoft.com/office/drawing/2014/main" id="{0C64D2EB-5269-4F11-A3C8-74584E4D35A2}"/>
               </a:ext>
             </a:extLst>
           </p:cNvPr>
@@ -6351,8 +6124,8 @@
         </p:nvSpPr>
         <p:spPr>
           <a:xfrm>
-            <a:off x="1514666" y="1895180"/>
-            <a:ext cx="2195212" cy="215444"/>
+            <a:off x="1686160" y="2761045"/>
+            <a:ext cx="2221638" cy="215444"/>
           </a:xfrm>
           <a:prstGeom prst="rect">
             <a:avLst/>
@@ -6366,22 +6139,26 @@
           <a:lstStyle/>
           <a:p>
             <a:r>
+              <a:rPr lang="ko-KR" altLang="en-US" sz="800" dirty="0"/>
+              <a:t>로직 수행 후 </a:t>
+            </a:r>
+            <a:r>
               <a:rPr lang="en-US" altLang="ko-KR" sz="800" dirty="0"/>
-              <a:t>Access token</a:t>
+              <a:t>response </a:t>
             </a:r>
             <a:r>
               <a:rPr lang="ko-KR" altLang="en-US" sz="800" dirty="0"/>
-              <a:t>과 함께 원하는 로직 요청</a:t>
-            </a:r>
-          </a:p>
-        </p:txBody>
-      </p:sp>
-      <p:sp>
-        <p:nvSpPr>
-          <p:cNvPr id="46" name="TextBox 45">
-            <a:extLst>
-              <a:ext uri="{FF2B5EF4-FFF2-40B4-BE49-F238E27FC236}">
-                <a16:creationId xmlns:a16="http://schemas.microsoft.com/office/drawing/2014/main" id="{0C64D2EB-5269-4F11-A3C8-74584E4D35A2}"/>
+              <a:t>반환</a:t>
+            </a:r>
+          </a:p>
+        </p:txBody>
+      </p:sp>
+      <p:sp>
+        <p:nvSpPr>
+          <p:cNvPr id="49" name="TextBox 48">
+            <a:extLst>
+              <a:ext uri="{FF2B5EF4-FFF2-40B4-BE49-F238E27FC236}">
+                <a16:creationId xmlns:a16="http://schemas.microsoft.com/office/drawing/2014/main" id="{15FE7C44-683F-41D6-85F7-3422BE4D35BA}"/>
               </a:ext>
             </a:extLst>
           </p:cNvPr>
@@ -6390,8 +6167,8 @@
         </p:nvSpPr>
         <p:spPr>
           <a:xfrm>
-            <a:off x="1708730" y="3822662"/>
-            <a:ext cx="2221638" cy="215444"/>
+            <a:off x="1989327" y="3757890"/>
+            <a:ext cx="1262100" cy="338554"/>
           </a:xfrm>
           <a:prstGeom prst="rect">
             <a:avLst/>
@@ -6405,26 +6182,33 @@
           <a:lstStyle/>
           <a:p>
             <a:r>
+              <a:rPr lang="en-US" altLang="ko-KR" sz="800" dirty="0" err="1"/>
+              <a:t>userName</a:t>
+            </a:r>
+            <a:r>
               <a:rPr lang="ko-KR" altLang="en-US" sz="800" dirty="0"/>
-              <a:t>로직 수행 후 </a:t>
-            </a:r>
+              <a:t>과</a:t>
+            </a:r>
+            <a:endParaRPr lang="en-US" altLang="ko-KR" sz="800" dirty="0"/>
+          </a:p>
+          <a:p>
             <a:r>
               <a:rPr lang="en-US" altLang="ko-KR" sz="800" dirty="0"/>
-              <a:t>response </a:t>
+              <a:t>Refresh Token</a:t>
             </a:r>
             <a:r>
               <a:rPr lang="ko-KR" altLang="en-US" sz="800" dirty="0"/>
-              <a:t>반환</a:t>
-            </a:r>
-          </a:p>
-        </p:txBody>
-      </p:sp>
-      <p:sp>
-        <p:nvSpPr>
-          <p:cNvPr id="49" name="TextBox 48">
-            <a:extLst>
-              <a:ext uri="{FF2B5EF4-FFF2-40B4-BE49-F238E27FC236}">
-                <a16:creationId xmlns:a16="http://schemas.microsoft.com/office/drawing/2014/main" id="{15FE7C44-683F-41D6-85F7-3422BE4D35BA}"/>
+              <a:t> 보냄</a:t>
+            </a:r>
+          </a:p>
+        </p:txBody>
+      </p:sp>
+      <p:sp>
+        <p:nvSpPr>
+          <p:cNvPr id="72" name="TextBox 71">
+            <a:extLst>
+              <a:ext uri="{FF2B5EF4-FFF2-40B4-BE49-F238E27FC236}">
+                <a16:creationId xmlns:a16="http://schemas.microsoft.com/office/drawing/2014/main" id="{65022745-CA87-4756-A736-1A42FB412CB8}"/>
               </a:ext>
             </a:extLst>
           </p:cNvPr>
@@ -6433,8 +6217,8 @@
         </p:nvSpPr>
         <p:spPr>
           <a:xfrm>
-            <a:off x="2053216" y="4392886"/>
-            <a:ext cx="1262100" cy="338554"/>
+            <a:off x="1531749" y="5870771"/>
+            <a:ext cx="2323835" cy="215444"/>
           </a:xfrm>
           <a:prstGeom prst="rect">
             <a:avLst/>
@@ -6448,56 +6232,6 @@
           <a:lstStyle/>
           <a:p>
             <a:r>
-              <a:rPr lang="en-US" altLang="ko-KR" sz="800" dirty="0" err="1"/>
-              <a:t>userName</a:t>
-            </a:r>
-            <a:r>
-              <a:rPr lang="ko-KR" altLang="en-US" sz="800" dirty="0"/>
-              <a:t>과</a:t>
-            </a:r>
-            <a:endParaRPr lang="en-US" altLang="ko-KR" sz="800" dirty="0"/>
-          </a:p>
-          <a:p>
-            <a:r>
-              <a:rPr lang="en-US" altLang="ko-KR" sz="800" dirty="0"/>
-              <a:t>Refresh Token</a:t>
-            </a:r>
-            <a:r>
-              <a:rPr lang="ko-KR" altLang="en-US" sz="800" dirty="0"/>
-              <a:t> 보냄</a:t>
-            </a:r>
-          </a:p>
-        </p:txBody>
-      </p:sp>
-      <p:sp>
-        <p:nvSpPr>
-          <p:cNvPr id="72" name="TextBox 71">
-            <a:extLst>
-              <a:ext uri="{FF2B5EF4-FFF2-40B4-BE49-F238E27FC236}">
-                <a16:creationId xmlns:a16="http://schemas.microsoft.com/office/drawing/2014/main" id="{65022745-CA87-4756-A736-1A42FB412CB8}"/>
-              </a:ext>
-            </a:extLst>
-          </p:cNvPr>
-          <p:cNvSpPr txBox="1"/>
-          <p:nvPr/>
-        </p:nvSpPr>
-        <p:spPr>
-          <a:xfrm>
-            <a:off x="1703706" y="6092861"/>
-            <a:ext cx="2323835" cy="215444"/>
-          </a:xfrm>
-          <a:prstGeom prst="rect">
-            <a:avLst/>
-          </a:prstGeom>
-          <a:noFill/>
-        </p:spPr>
-        <p:txBody>
-          <a:bodyPr wrap="square" rtlCol="0">
-            <a:spAutoFit/>
-          </a:bodyPr>
-          <a:lstStyle/>
-          <a:p>
-            <a:r>
               <a:rPr lang="en-US" altLang="ko-KR" sz="800" dirty="0"/>
               <a:t>Access token</a:t>
             </a:r>
@@ -6512,70 +6246,6 @@
             <a:r>
               <a:rPr lang="ko-KR" altLang="en-US" sz="800" dirty="0"/>
               <a:t> 반환</a:t>
-            </a:r>
-          </a:p>
-        </p:txBody>
-      </p:sp>
-      <p:sp>
-        <p:nvSpPr>
-          <p:cNvPr id="75" name="TextBox 74">
-            <a:extLst>
-              <a:ext uri="{FF2B5EF4-FFF2-40B4-BE49-F238E27FC236}">
-                <a16:creationId xmlns:a16="http://schemas.microsoft.com/office/drawing/2014/main" id="{9645C855-2A98-4F4F-A168-1D38762833CA}"/>
-              </a:ext>
-            </a:extLst>
-          </p:cNvPr>
-          <p:cNvSpPr txBox="1"/>
-          <p:nvPr/>
-        </p:nvSpPr>
-        <p:spPr>
-          <a:xfrm>
-            <a:off x="3867374" y="1059019"/>
-            <a:ext cx="1647731" cy="215444"/>
-          </a:xfrm>
-          <a:prstGeom prst="rect">
-            <a:avLst/>
-          </a:prstGeom>
-          <a:noFill/>
-        </p:spPr>
-        <p:txBody>
-          <a:bodyPr wrap="square" rtlCol="0">
-            <a:spAutoFit/>
-          </a:bodyPr>
-          <a:lstStyle/>
-          <a:p>
-            <a:pPr algn="ctr"/>
-            <a:r>
-              <a:rPr lang="en-US" altLang="ko-KR" sz="800" dirty="0">
-                <a:solidFill>
-                  <a:schemeClr val="tx1"/>
-                </a:solidFill>
-              </a:rPr>
-              <a:t>DB</a:t>
-            </a:r>
-            <a:r>
-              <a:rPr lang="ko-KR" altLang="en-US" sz="800" dirty="0">
-                <a:solidFill>
-                  <a:schemeClr val="tx1"/>
-                </a:solidFill>
-              </a:rPr>
-              <a:t>에 </a:t>
-            </a:r>
-            <a:r>
-              <a:rPr lang="en-US" altLang="ko-KR" sz="800" dirty="0">
-                <a:solidFill>
-                  <a:schemeClr val="tx1"/>
-                </a:solidFill>
-              </a:rPr>
-              <a:t>refresh token </a:t>
-            </a:r>
-            <a:r>
-              <a:rPr lang="ko-KR" altLang="en-US" sz="800" dirty="0">
-                <a:solidFill>
-                  <a:schemeClr val="tx1"/>
-                </a:solidFill>
-              </a:rPr>
-              <a:t>저장</a:t>
             </a:r>
           </a:p>
         </p:txBody>
@@ -6596,8 +6266,8 @@
         </p:nvCxnSpPr>
         <p:spPr>
           <a:xfrm>
-            <a:off x="3642928" y="4827287"/>
-            <a:ext cx="1904318" cy="0"/>
+            <a:off x="3702598" y="4318943"/>
+            <a:ext cx="1894026" cy="0"/>
           </a:xfrm>
           <a:prstGeom prst="straightConnector1">
             <a:avLst/>
@@ -6635,7 +6305,7 @@
         </p:nvSpPr>
         <p:spPr>
           <a:xfrm>
-            <a:off x="3442762" y="4477200"/>
+            <a:off x="3488046" y="3975136"/>
             <a:ext cx="2304650" cy="338554"/>
           </a:xfrm>
           <a:prstGeom prst="rect">
@@ -6984,10 +6654,10 @@
       </p:cxnSp>
       <p:sp>
         <p:nvSpPr>
-          <p:cNvPr id="48" name="직사각형 47">
-            <a:extLst>
-              <a:ext uri="{FF2B5EF4-FFF2-40B4-BE49-F238E27FC236}">
-                <a16:creationId xmlns:a16="http://schemas.microsoft.com/office/drawing/2014/main" id="{7B26972A-E740-414B-B294-C15C0F06D364}"/>
+          <p:cNvPr id="54" name="직사각형 53">
+            <a:extLst>
+              <a:ext uri="{FF2B5EF4-FFF2-40B4-BE49-F238E27FC236}">
+                <a16:creationId xmlns:a16="http://schemas.microsoft.com/office/drawing/2014/main" id="{656EE5DF-ABE4-480E-A791-7A4D5156F472}"/>
               </a:ext>
             </a:extLst>
           </p:cNvPr>
@@ -6996,8 +6666,8 @@
         </p:nvSpPr>
         <p:spPr>
           <a:xfrm>
-            <a:off x="495880" y="1465472"/>
-            <a:ext cx="5545956" cy="293740"/>
+            <a:off x="2501140" y="4912944"/>
+            <a:ext cx="2011585" cy="795491"/>
           </a:xfrm>
           <a:prstGeom prst="rect">
             <a:avLst/>
@@ -7033,10 +6703,10 @@
       </p:sp>
       <p:sp>
         <p:nvSpPr>
-          <p:cNvPr id="50" name="TextBox 49">
-            <a:extLst>
-              <a:ext uri="{FF2B5EF4-FFF2-40B4-BE49-F238E27FC236}">
-                <a16:creationId xmlns:a16="http://schemas.microsoft.com/office/drawing/2014/main" id="{4E01F07C-58A0-4387-BD9D-D735B2794A92}"/>
+          <p:cNvPr id="55" name="TextBox 54">
+            <a:extLst>
+              <a:ext uri="{FF2B5EF4-FFF2-40B4-BE49-F238E27FC236}">
+                <a16:creationId xmlns:a16="http://schemas.microsoft.com/office/drawing/2014/main" id="{CB500238-20FC-4F6B-A9E2-ED6390FAD625}"/>
               </a:ext>
             </a:extLst>
           </p:cNvPr>
@@ -7045,8 +6715,8 @@
         </p:nvSpPr>
         <p:spPr>
           <a:xfrm>
-            <a:off x="1228250" y="1487936"/>
-            <a:ext cx="4940226" cy="246221"/>
+            <a:off x="2556305" y="4967450"/>
+            <a:ext cx="2996803" cy="707886"/>
           </a:xfrm>
           <a:prstGeom prst="rect">
             <a:avLst/>
@@ -7060,34 +6730,119 @@
           <a:lstStyle/>
           <a:p>
             <a:r>
-              <a:rPr lang="ko-KR" altLang="en-US" sz="1000" dirty="0"/>
-              <a:t>로그인 이후 </a:t>
-            </a:r>
-            <a:r>
-              <a:rPr lang="en-US" altLang="ko-KR" sz="1000" dirty="0"/>
-              <a:t>Access token</a:t>
-            </a:r>
-            <a:r>
-              <a:rPr lang="ko-KR" altLang="en-US" sz="1000" dirty="0"/>
-              <a:t>의 유효성에 따라 </a:t>
-            </a:r>
-            <a:r>
-              <a:rPr lang="en-US" altLang="ko-KR" sz="1000" dirty="0"/>
-              <a:t>2</a:t>
-            </a:r>
-            <a:r>
-              <a:rPr lang="ko-KR" altLang="en-US" sz="1000" dirty="0"/>
-              <a:t>가지의 상황이 발생한다</a:t>
-            </a:r>
-          </a:p>
-        </p:txBody>
-      </p:sp>
-      <p:sp>
-        <p:nvSpPr>
-          <p:cNvPr id="54" name="직사각형 53">
-            <a:extLst>
-              <a:ext uri="{FF2B5EF4-FFF2-40B4-BE49-F238E27FC236}">
-                <a16:creationId xmlns:a16="http://schemas.microsoft.com/office/drawing/2014/main" id="{656EE5DF-ABE4-480E-A791-7A4D5156F472}"/>
+              <a:rPr lang="en-US" altLang="ko-KR" sz="800" dirty="0"/>
+              <a:t>1. Refresh Token</a:t>
+            </a:r>
+            <a:r>
+              <a:rPr lang="ko-KR" altLang="en-US" sz="800" dirty="0"/>
+              <a:t>과 </a:t>
+            </a:r>
+            <a:r>
+              <a:rPr lang="en-US" altLang="ko-KR" sz="800" dirty="0"/>
+              <a:t>Db Refresh token</a:t>
+            </a:r>
+            <a:r>
+              <a:rPr lang="ko-KR" altLang="en-US" sz="800" dirty="0"/>
+              <a:t>의</a:t>
+            </a:r>
+            <a:endParaRPr lang="en-US" altLang="ko-KR" sz="800" dirty="0"/>
+          </a:p>
+          <a:p>
+            <a:r>
+              <a:rPr lang="ko-KR" altLang="en-US" sz="800" dirty="0"/>
+              <a:t>동일성 확인</a:t>
+            </a:r>
+            <a:endParaRPr lang="en-US" altLang="ko-KR" sz="800" dirty="0"/>
+          </a:p>
+          <a:p>
+            <a:endParaRPr lang="en-US" altLang="ko-KR" sz="800" dirty="0"/>
+          </a:p>
+          <a:p>
+            <a:r>
+              <a:rPr lang="en-US" altLang="ko-KR" sz="800" dirty="0"/>
+              <a:t>2. Refresh token</a:t>
+            </a:r>
+            <a:r>
+              <a:rPr lang="ko-KR" altLang="en-US" sz="800" dirty="0"/>
+              <a:t>의 유효시간 검사 및</a:t>
+            </a:r>
+            <a:endParaRPr lang="en-US" altLang="ko-KR" sz="800" dirty="0"/>
+          </a:p>
+          <a:p>
+            <a:r>
+              <a:rPr lang="en-US" altLang="ko-KR" sz="800" dirty="0" err="1"/>
+              <a:t>Aceess</a:t>
+            </a:r>
+            <a:r>
+              <a:rPr lang="ko-KR" altLang="en-US" sz="800" dirty="0"/>
+              <a:t> </a:t>
+            </a:r>
+            <a:r>
+              <a:rPr lang="en-US" altLang="ko-KR" sz="800" dirty="0"/>
+              <a:t>token,</a:t>
+            </a:r>
+            <a:r>
+              <a:rPr lang="ko-KR" altLang="en-US" sz="800" dirty="0"/>
+              <a:t> </a:t>
+            </a:r>
+            <a:r>
+              <a:rPr lang="en-US" altLang="ko-KR" sz="800" dirty="0"/>
+              <a:t>refresh token </a:t>
+            </a:r>
+            <a:r>
+              <a:rPr lang="ko-KR" altLang="en-US" sz="800" dirty="0"/>
+              <a:t>재발급</a:t>
+            </a:r>
+          </a:p>
+        </p:txBody>
+      </p:sp>
+      <p:cxnSp>
+        <p:nvCxnSpPr>
+          <p:cNvPr id="59" name="직선 화살표 연결선 58">
+            <a:extLst>
+              <a:ext uri="{FF2B5EF4-FFF2-40B4-BE49-F238E27FC236}">
+                <a16:creationId xmlns:a16="http://schemas.microsoft.com/office/drawing/2014/main" id="{ABC0AC0C-58E4-4CD5-8871-63D2BF153C07}"/>
+              </a:ext>
+            </a:extLst>
+          </p:cNvPr>
+          <p:cNvCxnSpPr>
+            <a:cxnSpLocks/>
+          </p:cNvCxnSpPr>
+          <p:nvPr/>
+        </p:nvCxnSpPr>
+        <p:spPr>
+          <a:xfrm flipH="1">
+            <a:off x="1455054" y="6101714"/>
+            <a:ext cx="2051878" cy="0"/>
+          </a:xfrm>
+          <a:prstGeom prst="straightConnector1">
+            <a:avLst/>
+          </a:prstGeom>
+          <a:ln>
+            <a:tailEnd type="triangle"/>
+          </a:ln>
+        </p:spPr>
+        <p:style>
+          <a:lnRef idx="1">
+            <a:schemeClr val="accent1"/>
+          </a:lnRef>
+          <a:fillRef idx="0">
+            <a:schemeClr val="accent1"/>
+          </a:fillRef>
+          <a:effectRef idx="0">
+            <a:schemeClr val="accent1"/>
+          </a:effectRef>
+          <a:fontRef idx="minor">
+            <a:schemeClr val="tx1"/>
+          </a:fontRef>
+        </p:style>
+      </p:cxnSp>
+      <p:sp>
+        <p:nvSpPr>
+          <p:cNvPr id="61" name="직사각형 60">
+            <a:extLst>
+              <a:ext uri="{FF2B5EF4-FFF2-40B4-BE49-F238E27FC236}">
+                <a16:creationId xmlns:a16="http://schemas.microsoft.com/office/drawing/2014/main" id="{585B0B5F-2A26-4AE2-AEB8-6D6923DD7932}"/>
               </a:ext>
             </a:extLst>
           </p:cNvPr>
@@ -7096,8 +6851,8 @@
         </p:nvSpPr>
         <p:spPr>
           <a:xfrm>
-            <a:off x="2674095" y="5248815"/>
-            <a:ext cx="2011585" cy="795491"/>
+            <a:off x="715590" y="3757890"/>
+            <a:ext cx="612442" cy="2450717"/>
           </a:xfrm>
           <a:prstGeom prst="rect">
             <a:avLst/>
@@ -7127,16 +6882,16 @@
           <a:lstStyle/>
           <a:p>
             <a:pPr algn="ctr"/>
-            <a:endParaRPr lang="ko-KR" altLang="en-US"/>
-          </a:p>
-        </p:txBody>
-      </p:sp>
-      <p:sp>
-        <p:nvSpPr>
-          <p:cNvPr id="55" name="TextBox 54">
-            <a:extLst>
-              <a:ext uri="{FF2B5EF4-FFF2-40B4-BE49-F238E27FC236}">
-                <a16:creationId xmlns:a16="http://schemas.microsoft.com/office/drawing/2014/main" id="{CB500238-20FC-4F6B-A9E2-ED6390FAD625}"/>
+            <a:endParaRPr lang="ko-KR" altLang="en-US" dirty="0"/>
+          </a:p>
+        </p:txBody>
+      </p:sp>
+      <p:sp>
+        <p:nvSpPr>
+          <p:cNvPr id="62" name="TextBox 61">
+            <a:extLst>
+              <a:ext uri="{FF2B5EF4-FFF2-40B4-BE49-F238E27FC236}">
+                <a16:creationId xmlns:a16="http://schemas.microsoft.com/office/drawing/2014/main" id="{EF7DFFE8-A026-4FF1-87F9-1451AAA264C2}"/>
               </a:ext>
             </a:extLst>
           </p:cNvPr>
@@ -7145,8 +6900,8 @@
         </p:nvSpPr>
         <p:spPr>
           <a:xfrm>
-            <a:off x="2729260" y="5303321"/>
-            <a:ext cx="2996803" cy="707886"/>
+            <a:off x="766635" y="4552361"/>
+            <a:ext cx="808341" cy="861774"/>
           </a:xfrm>
           <a:prstGeom prst="rect">
             <a:avLst/>
@@ -7160,78 +6915,42 @@
           <a:lstStyle/>
           <a:p>
             <a:r>
-              <a:rPr lang="en-US" altLang="ko-KR" sz="800" dirty="0"/>
-              <a:t>1. Refresh Token</a:t>
-            </a:r>
-            <a:r>
-              <a:rPr lang="ko-KR" altLang="en-US" sz="800" dirty="0"/>
-              <a:t>과 </a:t>
-            </a:r>
-            <a:r>
-              <a:rPr lang="en-US" altLang="ko-KR" sz="800" dirty="0"/>
-              <a:t>Db Refresh token</a:t>
-            </a:r>
-            <a:r>
-              <a:rPr lang="ko-KR" altLang="en-US" sz="800" dirty="0"/>
-              <a:t>의</a:t>
-            </a:r>
-            <a:endParaRPr lang="en-US" altLang="ko-KR" sz="800" dirty="0"/>
-          </a:p>
-          <a:p>
-            <a:r>
-              <a:rPr lang="ko-KR" altLang="en-US" sz="800" dirty="0"/>
-              <a:t>동일성 확인</a:t>
-            </a:r>
-            <a:endParaRPr lang="en-US" altLang="ko-KR" sz="800" dirty="0"/>
-          </a:p>
-          <a:p>
-            <a:endParaRPr lang="en-US" altLang="ko-KR" sz="800" dirty="0"/>
-          </a:p>
-          <a:p>
-            <a:r>
-              <a:rPr lang="en-US" altLang="ko-KR" sz="800" dirty="0"/>
-              <a:t>2. Refresh token</a:t>
-            </a:r>
-            <a:r>
-              <a:rPr lang="ko-KR" altLang="en-US" sz="800" dirty="0"/>
-              <a:t>의 유효시간 검사 및</a:t>
-            </a:r>
-            <a:endParaRPr lang="en-US" altLang="ko-KR" sz="800" dirty="0"/>
-          </a:p>
-          <a:p>
-            <a:r>
-              <a:rPr lang="en-US" altLang="ko-KR" sz="800" dirty="0" err="1"/>
-              <a:t>Aceess</a:t>
-            </a:r>
-            <a:r>
-              <a:rPr lang="ko-KR" altLang="en-US" sz="800" dirty="0"/>
-              <a:t> </a:t>
-            </a:r>
-            <a:r>
-              <a:rPr lang="en-US" altLang="ko-KR" sz="800" dirty="0"/>
-              <a:t>token,</a:t>
-            </a:r>
-            <a:r>
-              <a:rPr lang="ko-KR" altLang="en-US" sz="800" dirty="0"/>
-              <a:t> </a:t>
-            </a:r>
-            <a:r>
-              <a:rPr lang="en-US" altLang="ko-KR" sz="800" dirty="0"/>
-              <a:t>refresh token </a:t>
-            </a:r>
-            <a:r>
-              <a:rPr lang="ko-KR" altLang="en-US" sz="800" dirty="0"/>
-              <a:t>재발급</a:t>
-            </a:r>
+              <a:rPr lang="ko-KR" altLang="en-US" sz="1000" dirty="0"/>
+              <a:t>상황 </a:t>
+            </a:r>
+            <a:r>
+              <a:rPr lang="en-US" altLang="ko-KR" sz="1000" dirty="0"/>
+              <a:t>B</a:t>
+            </a:r>
+          </a:p>
+          <a:p>
+            <a:endParaRPr lang="en-US" altLang="ko-KR" sz="1000" dirty="0"/>
+          </a:p>
+          <a:p>
+            <a:r>
+              <a:rPr lang="en-US" altLang="ko-KR" sz="1000" dirty="0"/>
+              <a:t>Access token </a:t>
+            </a:r>
+          </a:p>
+          <a:p>
+            <a:r>
+              <a:rPr lang="ko-KR" altLang="en-US" sz="1000" dirty="0"/>
+              <a:t>유효</a:t>
+            </a:r>
+            <a:r>
+              <a:rPr lang="en-US" altLang="ko-KR" sz="1000" dirty="0"/>
+              <a:t>x</a:t>
+            </a:r>
+            <a:endParaRPr lang="ko-KR" altLang="en-US" sz="1000" dirty="0"/>
           </a:p>
         </p:txBody>
       </p:sp>
       <p:cxnSp>
         <p:nvCxnSpPr>
-          <p:cNvPr id="59" name="직선 화살표 연결선 58">
-            <a:extLst>
-              <a:ext uri="{FF2B5EF4-FFF2-40B4-BE49-F238E27FC236}">
-                <a16:creationId xmlns:a16="http://schemas.microsoft.com/office/drawing/2014/main" id="{ABC0AC0C-58E4-4CD5-8871-63D2BF153C07}"/>
+          <p:cNvPr id="66" name="직선 화살표 연결선 65">
+            <a:extLst>
+              <a:ext uri="{FF2B5EF4-FFF2-40B4-BE49-F238E27FC236}">
+                <a16:creationId xmlns:a16="http://schemas.microsoft.com/office/drawing/2014/main" id="{CE46C643-941D-4BE7-8C47-0F82854FD958}"/>
               </a:ext>
             </a:extLst>
           </p:cNvPr>
@@ -7242,8 +6961,8 @@
         </p:nvCxnSpPr>
         <p:spPr>
           <a:xfrm flipH="1">
-            <a:off x="1552312" y="6286085"/>
-            <a:ext cx="2051878" cy="0"/>
+            <a:off x="3702598" y="4552361"/>
+            <a:ext cx="1897506" cy="0"/>
           </a:xfrm>
           <a:prstGeom prst="straightConnector1">
             <a:avLst/>
@@ -7269,10 +6988,50 @@
       </p:cxnSp>
       <p:sp>
         <p:nvSpPr>
-          <p:cNvPr id="61" name="직사각형 60">
-            <a:extLst>
-              <a:ext uri="{FF2B5EF4-FFF2-40B4-BE49-F238E27FC236}">
-                <a16:creationId xmlns:a16="http://schemas.microsoft.com/office/drawing/2014/main" id="{585B0B5F-2A26-4AE2-AEB8-6D6923DD7932}"/>
+          <p:cNvPr id="68" name="TextBox 67">
+            <a:extLst>
+              <a:ext uri="{FF2B5EF4-FFF2-40B4-BE49-F238E27FC236}">
+                <a16:creationId xmlns:a16="http://schemas.microsoft.com/office/drawing/2014/main" id="{9D9CEC72-13DE-417C-BD41-E66BC3EA41D4}"/>
+              </a:ext>
+            </a:extLst>
+          </p:cNvPr>
+          <p:cNvSpPr txBox="1"/>
+          <p:nvPr/>
+        </p:nvSpPr>
+        <p:spPr>
+          <a:xfrm>
+            <a:off x="3951010" y="4379611"/>
+            <a:ext cx="1572693" cy="215444"/>
+          </a:xfrm>
+          <a:prstGeom prst="rect">
+            <a:avLst/>
+          </a:prstGeom>
+          <a:noFill/>
+        </p:spPr>
+        <p:txBody>
+          <a:bodyPr wrap="square" rtlCol="0">
+            <a:spAutoFit/>
+          </a:bodyPr>
+          <a:lstStyle/>
+          <a:p>
+            <a:pPr algn="ctr"/>
+            <a:r>
+              <a:rPr lang="en-US" altLang="ko-KR" sz="800" dirty="0"/>
+              <a:t>Db Refresh token </a:t>
+            </a:r>
+            <a:r>
+              <a:rPr lang="ko-KR" altLang="en-US" sz="800" dirty="0"/>
+              <a:t>반환</a:t>
+            </a:r>
+          </a:p>
+        </p:txBody>
+      </p:sp>
+      <p:sp>
+        <p:nvSpPr>
+          <p:cNvPr id="79" name="object 6">
+            <a:extLst>
+              <a:ext uri="{FF2B5EF4-FFF2-40B4-BE49-F238E27FC236}">
+                <a16:creationId xmlns:a16="http://schemas.microsoft.com/office/drawing/2014/main" id="{4F544C21-56AA-4A5C-80E1-69AA06A445D6}"/>
               </a:ext>
             </a:extLst>
           </p:cNvPr>
@@ -7281,8 +7040,43 @@
         </p:nvSpPr>
         <p:spPr>
           <a:xfrm>
-            <a:off x="888545" y="4572894"/>
-            <a:ext cx="612442" cy="1971583"/>
+            <a:off x="6777658" y="1074099"/>
+            <a:ext cx="127155" cy="121059"/>
+          </a:xfrm>
+          <a:prstGeom prst="rect">
+            <a:avLst/>
+          </a:prstGeom>
+          <a:blipFill>
+            <a:blip r:embed="rId2" cstate="print"/>
+            <a:stretch>
+              <a:fillRect/>
+            </a:stretch>
+          </a:blipFill>
+        </p:spPr>
+        <p:txBody>
+          <a:bodyPr wrap="square" lIns="0" tIns="0" rIns="0" bIns="0" rtlCol="0"/>
+          <a:lstStyle/>
+          <a:p>
+            <a:endParaRPr/>
+          </a:p>
+        </p:txBody>
+      </p:sp>
+      <p:sp>
+        <p:nvSpPr>
+          <p:cNvPr id="80" name="직사각형 79">
+            <a:extLst>
+              <a:ext uri="{FF2B5EF4-FFF2-40B4-BE49-F238E27FC236}">
+                <a16:creationId xmlns:a16="http://schemas.microsoft.com/office/drawing/2014/main" id="{7933DD7C-74D0-492B-900B-898CEFBE2103}"/>
+              </a:ext>
+            </a:extLst>
+          </p:cNvPr>
+          <p:cNvSpPr/>
+          <p:nvPr/>
+        </p:nvSpPr>
+        <p:spPr>
+          <a:xfrm>
+            <a:off x="820161" y="1011012"/>
+            <a:ext cx="612442" cy="2397389"/>
           </a:xfrm>
           <a:prstGeom prst="rect">
             <a:avLst/>
@@ -7318,10 +7112,10 @@
       </p:sp>
       <p:sp>
         <p:nvSpPr>
-          <p:cNvPr id="62" name="TextBox 61">
-            <a:extLst>
-              <a:ext uri="{FF2B5EF4-FFF2-40B4-BE49-F238E27FC236}">
-                <a16:creationId xmlns:a16="http://schemas.microsoft.com/office/drawing/2014/main" id="{EF7DFFE8-A026-4FF1-87F9-1451AAA264C2}"/>
+          <p:cNvPr id="83" name="TextBox 82">
+            <a:extLst>
+              <a:ext uri="{FF2B5EF4-FFF2-40B4-BE49-F238E27FC236}">
+                <a16:creationId xmlns:a16="http://schemas.microsoft.com/office/drawing/2014/main" id="{54C1E80B-0FA8-4E09-8EA9-A1C7C5406C28}"/>
               </a:ext>
             </a:extLst>
           </p:cNvPr>
@@ -7330,7 +7124,7 @@
         </p:nvSpPr>
         <p:spPr>
           <a:xfrm>
-            <a:off x="915512" y="5154777"/>
+            <a:off x="848963" y="1845916"/>
             <a:ext cx="808341" cy="861774"/>
           </a:xfrm>
           <a:prstGeom prst="rect">
@@ -7350,7 +7144,7 @@
             </a:r>
             <a:r>
               <a:rPr lang="en-US" altLang="ko-KR" sz="1000" dirty="0"/>
-              <a:t>B</a:t>
+              <a:t>A</a:t>
             </a:r>
           </a:p>
           <a:p>
@@ -7365,11 +7159,11 @@
           <a:p>
             <a:r>
               <a:rPr lang="ko-KR" altLang="en-US" sz="1000" dirty="0"/>
-              <a:t>유효</a:t>
+              <a:t>유효 </a:t>
             </a:r>
             <a:r>
               <a:rPr lang="en-US" altLang="ko-KR" sz="1000" dirty="0"/>
-              <a:t>x</a:t>
+              <a:t>o</a:t>
             </a:r>
             <a:endParaRPr lang="ko-KR" altLang="en-US" sz="1000" dirty="0"/>
           </a:p>
@@ -7377,10 +7171,10 @@
       </p:sp>
       <p:cxnSp>
         <p:nvCxnSpPr>
-          <p:cNvPr id="66" name="직선 화살표 연결선 65">
-            <a:extLst>
-              <a:ext uri="{FF2B5EF4-FFF2-40B4-BE49-F238E27FC236}">
-                <a16:creationId xmlns:a16="http://schemas.microsoft.com/office/drawing/2014/main" id="{CE46C643-941D-4BE7-8C47-0F82854FD958}"/>
+          <p:cNvPr id="51" name="직선 화살표 연결선 50">
+            <a:extLst>
+              <a:ext uri="{FF2B5EF4-FFF2-40B4-BE49-F238E27FC236}">
+                <a16:creationId xmlns:a16="http://schemas.microsoft.com/office/drawing/2014/main" id="{3921F717-3BC9-492F-A8B1-2F6FC2339111}"/>
               </a:ext>
             </a:extLst>
           </p:cNvPr>
@@ -7390,9 +7184,9 @@
           <p:nvPr/>
         </p:nvCxnSpPr>
         <p:spPr>
-          <a:xfrm flipH="1">
-            <a:off x="3649741" y="5167126"/>
-            <a:ext cx="1897505" cy="0"/>
+          <a:xfrm>
+            <a:off x="3709275" y="6106228"/>
+            <a:ext cx="1887349" cy="9520"/>
           </a:xfrm>
           <a:prstGeom prst="straightConnector1">
             <a:avLst/>
@@ -7418,10 +7212,10 @@
       </p:cxnSp>
       <p:sp>
         <p:nvSpPr>
-          <p:cNvPr id="68" name="TextBox 67">
-            <a:extLst>
-              <a:ext uri="{FF2B5EF4-FFF2-40B4-BE49-F238E27FC236}">
-                <a16:creationId xmlns:a16="http://schemas.microsoft.com/office/drawing/2014/main" id="{9D9CEC72-13DE-417C-BD41-E66BC3EA41D4}"/>
+          <p:cNvPr id="52" name="TextBox 51">
+            <a:extLst>
+              <a:ext uri="{FF2B5EF4-FFF2-40B4-BE49-F238E27FC236}">
+                <a16:creationId xmlns:a16="http://schemas.microsoft.com/office/drawing/2014/main" id="{265BCF5C-F163-481F-86F3-E5C378DC93FF}"/>
               </a:ext>
             </a:extLst>
           </p:cNvPr>
@@ -7430,8 +7224,8 @@
         </p:nvSpPr>
         <p:spPr>
           <a:xfrm>
-            <a:off x="3905105" y="4869994"/>
-            <a:ext cx="1572693" cy="215444"/>
+            <a:off x="3855584" y="5852838"/>
+            <a:ext cx="1663764" cy="215444"/>
           </a:xfrm>
           <a:prstGeom prst="rect">
             <a:avLst/>
@@ -7446,22 +7240,46 @@
           <a:p>
             <a:pPr algn="ctr"/>
             <a:r>
-              <a:rPr lang="en-US" altLang="ko-KR" sz="800" dirty="0"/>
-              <a:t>Db Refresh token </a:t>
-            </a:r>
-            <a:r>
-              <a:rPr lang="ko-KR" altLang="en-US" sz="800" dirty="0"/>
-              <a:t>반환</a:t>
-            </a:r>
-          </a:p>
-        </p:txBody>
-      </p:sp>
-      <p:sp>
-        <p:nvSpPr>
-          <p:cNvPr id="79" name="object 6">
-            <a:extLst>
-              <a:ext uri="{FF2B5EF4-FFF2-40B4-BE49-F238E27FC236}">
-                <a16:creationId xmlns:a16="http://schemas.microsoft.com/office/drawing/2014/main" id="{4F544C21-56AA-4A5C-80E1-69AA06A445D6}"/>
+              <a:rPr lang="en-US" altLang="ko-KR" sz="800" dirty="0">
+                <a:solidFill>
+                  <a:schemeClr val="tx1"/>
+                </a:solidFill>
+              </a:rPr>
+              <a:t>DB</a:t>
+            </a:r>
+            <a:r>
+              <a:rPr lang="ko-KR" altLang="en-US" sz="800" dirty="0">
+                <a:solidFill>
+                  <a:schemeClr val="tx1"/>
+                </a:solidFill>
+              </a:rPr>
+              <a:t>에 </a:t>
+            </a:r>
+            <a:r>
+              <a:rPr lang="en-US" altLang="ko-KR" sz="800" dirty="0">
+                <a:solidFill>
+                  <a:schemeClr val="tx1"/>
+                </a:solidFill>
+              </a:rPr>
+              <a:t>refresh token </a:t>
+            </a:r>
+            <a:r>
+              <a:rPr lang="ko-KR" altLang="en-US" sz="800" dirty="0">
+                <a:solidFill>
+                  <a:schemeClr val="tx1"/>
+                </a:solidFill>
+              </a:rPr>
+              <a:t>저장</a:t>
+            </a:r>
+          </a:p>
+        </p:txBody>
+      </p:sp>
+      <p:sp>
+        <p:nvSpPr>
+          <p:cNvPr id="69" name="직사각형 68">
+            <a:extLst>
+              <a:ext uri="{FF2B5EF4-FFF2-40B4-BE49-F238E27FC236}">
+                <a16:creationId xmlns:a16="http://schemas.microsoft.com/office/drawing/2014/main" id="{A65F57D3-817A-4372-9CC0-C97CE0AF9AA0}"/>
               </a:ext>
             </a:extLst>
           </p:cNvPr>
@@ -7470,43 +7288,8 @@
         </p:nvSpPr>
         <p:spPr>
           <a:xfrm>
-            <a:off x="6777658" y="1074099"/>
-            <a:ext cx="127155" cy="121059"/>
-          </a:xfrm>
-          <a:prstGeom prst="rect">
-            <a:avLst/>
-          </a:prstGeom>
-          <a:blipFill>
-            <a:blip r:embed="rId2" cstate="print"/>
-            <a:stretch>
-              <a:fillRect/>
-            </a:stretch>
-          </a:blipFill>
-        </p:spPr>
-        <p:txBody>
-          <a:bodyPr wrap="square" lIns="0" tIns="0" rIns="0" bIns="0" rtlCol="0"/>
-          <a:lstStyle/>
-          <a:p>
-            <a:endParaRPr/>
-          </a:p>
-        </p:txBody>
-      </p:sp>
-      <p:sp>
-        <p:nvSpPr>
-          <p:cNvPr id="80" name="직사각형 79">
-            <a:extLst>
-              <a:ext uri="{FF2B5EF4-FFF2-40B4-BE49-F238E27FC236}">
-                <a16:creationId xmlns:a16="http://schemas.microsoft.com/office/drawing/2014/main" id="{7933DD7C-74D0-492B-900B-898CEFBE2103}"/>
-              </a:ext>
-            </a:extLst>
-          </p:cNvPr>
-          <p:cNvSpPr/>
-          <p:nvPr/>
-        </p:nvSpPr>
-        <p:spPr>
-          <a:xfrm>
-            <a:off x="886709" y="1862829"/>
-            <a:ext cx="612442" cy="2397389"/>
+            <a:off x="2228795" y="1592911"/>
+            <a:ext cx="2496784" cy="994448"/>
           </a:xfrm>
           <a:prstGeom prst="rect">
             <a:avLst/>
@@ -7542,10 +7325,10 @@
       </p:sp>
       <p:sp>
         <p:nvSpPr>
-          <p:cNvPr id="83" name="TextBox 82">
-            <a:extLst>
-              <a:ext uri="{FF2B5EF4-FFF2-40B4-BE49-F238E27FC236}">
-                <a16:creationId xmlns:a16="http://schemas.microsoft.com/office/drawing/2014/main" id="{54C1E80B-0FA8-4E09-8EA9-A1C7C5406C28}"/>
+          <p:cNvPr id="70" name="TextBox 69">
+            <a:extLst>
+              <a:ext uri="{FF2B5EF4-FFF2-40B4-BE49-F238E27FC236}">
+                <a16:creationId xmlns:a16="http://schemas.microsoft.com/office/drawing/2014/main" id="{0D7836FD-1AFA-4DE8-8153-AE3710F94EF8}"/>
               </a:ext>
             </a:extLst>
           </p:cNvPr>
@@ -7554,406 +7337,7 @@
         </p:nvSpPr>
         <p:spPr>
           <a:xfrm>
-            <a:off x="915511" y="2697733"/>
-            <a:ext cx="808341" cy="861774"/>
-          </a:xfrm>
-          <a:prstGeom prst="rect">
-            <a:avLst/>
-          </a:prstGeom>
-          <a:noFill/>
-        </p:spPr>
-        <p:txBody>
-          <a:bodyPr wrap="square" rtlCol="0">
-            <a:spAutoFit/>
-          </a:bodyPr>
-          <a:lstStyle/>
-          <a:p>
-            <a:r>
-              <a:rPr lang="ko-KR" altLang="en-US" sz="1000" dirty="0"/>
-              <a:t>상황 </a:t>
-            </a:r>
-            <a:r>
-              <a:rPr lang="en-US" altLang="ko-KR" sz="1000" dirty="0"/>
-              <a:t>A</a:t>
-            </a:r>
-          </a:p>
-          <a:p>
-            <a:endParaRPr lang="en-US" altLang="ko-KR" sz="1000" dirty="0"/>
-          </a:p>
-          <a:p>
-            <a:r>
-              <a:rPr lang="en-US" altLang="ko-KR" sz="1000" dirty="0"/>
-              <a:t>Access token </a:t>
-            </a:r>
-          </a:p>
-          <a:p>
-            <a:r>
-              <a:rPr lang="ko-KR" altLang="en-US" sz="1000" dirty="0"/>
-              <a:t>유효 </a:t>
-            </a:r>
-            <a:r>
-              <a:rPr lang="en-US" altLang="ko-KR" sz="1000" dirty="0"/>
-              <a:t>o</a:t>
-            </a:r>
-            <a:endParaRPr lang="ko-KR" altLang="en-US" sz="1000" dirty="0"/>
-          </a:p>
-        </p:txBody>
-      </p:sp>
-      <p:cxnSp>
-        <p:nvCxnSpPr>
-          <p:cNvPr id="51" name="직선 화살표 연결선 50">
-            <a:extLst>
-              <a:ext uri="{FF2B5EF4-FFF2-40B4-BE49-F238E27FC236}">
-                <a16:creationId xmlns:a16="http://schemas.microsoft.com/office/drawing/2014/main" id="{3921F717-3BC9-492F-A8B1-2F6FC2339111}"/>
-              </a:ext>
-            </a:extLst>
-          </p:cNvPr>
-          <p:cNvCxnSpPr>
-            <a:cxnSpLocks/>
-          </p:cNvCxnSpPr>
-          <p:nvPr/>
-        </p:nvCxnSpPr>
-        <p:spPr>
-          <a:xfrm>
-            <a:off x="3648462" y="6276565"/>
-            <a:ext cx="1864643" cy="31416"/>
-          </a:xfrm>
-          <a:prstGeom prst="straightConnector1">
-            <a:avLst/>
-          </a:prstGeom>
-          <a:ln>
-            <a:tailEnd type="triangle"/>
-          </a:ln>
-        </p:spPr>
-        <p:style>
-          <a:lnRef idx="1">
-            <a:schemeClr val="accent1"/>
-          </a:lnRef>
-          <a:fillRef idx="0">
-            <a:schemeClr val="accent1"/>
-          </a:fillRef>
-          <a:effectRef idx="0">
-            <a:schemeClr val="accent1"/>
-          </a:effectRef>
-          <a:fontRef idx="minor">
-            <a:schemeClr val="tx1"/>
-          </a:fontRef>
-        </p:style>
-      </p:cxnSp>
-      <p:sp>
-        <p:nvSpPr>
-          <p:cNvPr id="52" name="TextBox 51">
-            <a:extLst>
-              <a:ext uri="{FF2B5EF4-FFF2-40B4-BE49-F238E27FC236}">
-                <a16:creationId xmlns:a16="http://schemas.microsoft.com/office/drawing/2014/main" id="{265BCF5C-F163-481F-86F3-E5C378DC93FF}"/>
-              </a:ext>
-            </a:extLst>
-          </p:cNvPr>
-          <p:cNvSpPr txBox="1"/>
-          <p:nvPr/>
-        </p:nvSpPr>
-        <p:spPr>
-          <a:xfrm>
-            <a:off x="3752126" y="6080508"/>
-            <a:ext cx="1663764" cy="215444"/>
-          </a:xfrm>
-          <a:prstGeom prst="rect">
-            <a:avLst/>
-          </a:prstGeom>
-          <a:noFill/>
-        </p:spPr>
-        <p:txBody>
-          <a:bodyPr wrap="square" rtlCol="0">
-            <a:spAutoFit/>
-          </a:bodyPr>
-          <a:lstStyle/>
-          <a:p>
-            <a:pPr algn="ctr"/>
-            <a:r>
-              <a:rPr lang="en-US" altLang="ko-KR" sz="800" dirty="0">
-                <a:solidFill>
-                  <a:schemeClr val="tx1"/>
-                </a:solidFill>
-              </a:rPr>
-              <a:t>DB</a:t>
-            </a:r>
-            <a:r>
-              <a:rPr lang="ko-KR" altLang="en-US" sz="800" dirty="0">
-                <a:solidFill>
-                  <a:schemeClr val="tx1"/>
-                </a:solidFill>
-              </a:rPr>
-              <a:t>에 </a:t>
-            </a:r>
-            <a:r>
-              <a:rPr lang="en-US" altLang="ko-KR" sz="800" dirty="0">
-                <a:solidFill>
-                  <a:schemeClr val="tx1"/>
-                </a:solidFill>
-              </a:rPr>
-              <a:t>refresh token </a:t>
-            </a:r>
-            <a:r>
-              <a:rPr lang="ko-KR" altLang="en-US" sz="800" dirty="0">
-                <a:solidFill>
-                  <a:schemeClr val="tx1"/>
-                </a:solidFill>
-              </a:rPr>
-              <a:t>저장</a:t>
-            </a:r>
-          </a:p>
-        </p:txBody>
-      </p:sp>
-      <p:sp>
-        <p:nvSpPr>
-          <p:cNvPr id="60" name="직사각형 59">
-            <a:extLst>
-              <a:ext uri="{FF2B5EF4-FFF2-40B4-BE49-F238E27FC236}">
-                <a16:creationId xmlns:a16="http://schemas.microsoft.com/office/drawing/2014/main" id="{9531155D-331E-4371-BCD7-11EB65153757}"/>
-              </a:ext>
-            </a:extLst>
-          </p:cNvPr>
-          <p:cNvSpPr/>
-          <p:nvPr/>
-        </p:nvSpPr>
-        <p:spPr>
-          <a:xfrm>
-            <a:off x="2815879" y="784707"/>
-            <a:ext cx="1663419" cy="250417"/>
-          </a:xfrm>
-          <a:prstGeom prst="rect">
-            <a:avLst/>
-          </a:prstGeom>
-          <a:solidFill>
-            <a:schemeClr val="bg1"/>
-          </a:solidFill>
-        </p:spPr>
-        <p:style>
-          <a:lnRef idx="2">
-            <a:schemeClr val="accent1">
-              <a:shade val="50000"/>
-            </a:schemeClr>
-          </a:lnRef>
-          <a:fillRef idx="1">
-            <a:schemeClr val="accent1"/>
-          </a:fillRef>
-          <a:effectRef idx="0">
-            <a:schemeClr val="accent1"/>
-          </a:effectRef>
-          <a:fontRef idx="minor">
-            <a:schemeClr val="lt1"/>
-          </a:fontRef>
-        </p:style>
-        <p:txBody>
-          <a:bodyPr rtlCol="0" anchor="ctr"/>
-          <a:lstStyle/>
-          <a:p>
-            <a:pPr algn="ctr"/>
-            <a:endParaRPr lang="ko-KR" altLang="en-US"/>
-          </a:p>
-        </p:txBody>
-      </p:sp>
-      <p:sp>
-        <p:nvSpPr>
-          <p:cNvPr id="67" name="TextBox 66">
-            <a:extLst>
-              <a:ext uri="{FF2B5EF4-FFF2-40B4-BE49-F238E27FC236}">
-                <a16:creationId xmlns:a16="http://schemas.microsoft.com/office/drawing/2014/main" id="{9CB42709-213A-4885-98EE-70E05156280C}"/>
-              </a:ext>
-            </a:extLst>
-          </p:cNvPr>
-          <p:cNvSpPr txBox="1"/>
-          <p:nvPr/>
-        </p:nvSpPr>
-        <p:spPr>
-          <a:xfrm>
-            <a:off x="2815879" y="809604"/>
-            <a:ext cx="2996803" cy="215444"/>
-          </a:xfrm>
-          <a:prstGeom prst="rect">
-            <a:avLst/>
-          </a:prstGeom>
-          <a:noFill/>
-        </p:spPr>
-        <p:txBody>
-          <a:bodyPr wrap="square" rtlCol="0">
-            <a:spAutoFit/>
-          </a:bodyPr>
-          <a:lstStyle/>
-          <a:p>
-            <a:r>
-              <a:rPr lang="en-US" altLang="ko-KR" sz="800" dirty="0"/>
-              <a:t>Access</a:t>
-            </a:r>
-            <a:r>
-              <a:rPr lang="ko-KR" altLang="en-US" sz="800" dirty="0"/>
-              <a:t> </a:t>
-            </a:r>
-            <a:r>
-              <a:rPr lang="en-US" altLang="ko-KR" sz="800" dirty="0"/>
-              <a:t>token,</a:t>
-            </a:r>
-            <a:r>
-              <a:rPr lang="ko-KR" altLang="en-US" sz="800" dirty="0"/>
-              <a:t> </a:t>
-            </a:r>
-            <a:r>
-              <a:rPr lang="en-US" altLang="ko-KR" sz="800" dirty="0"/>
-              <a:t>refresh token </a:t>
-            </a:r>
-            <a:r>
-              <a:rPr lang="ko-KR" altLang="en-US" sz="800" dirty="0"/>
-              <a:t>발급</a:t>
-            </a:r>
-          </a:p>
-        </p:txBody>
-      </p:sp>
-      <p:cxnSp>
-        <p:nvCxnSpPr>
-          <p:cNvPr id="23" name="직선 화살표 연결선 22">
-            <a:extLst>
-              <a:ext uri="{FF2B5EF4-FFF2-40B4-BE49-F238E27FC236}">
-                <a16:creationId xmlns:a16="http://schemas.microsoft.com/office/drawing/2014/main" id="{3D98E341-C1A1-460A-BCD1-363DB214DBCE}"/>
-              </a:ext>
-            </a:extLst>
-          </p:cNvPr>
-          <p:cNvCxnSpPr>
-            <a:cxnSpLocks/>
-          </p:cNvCxnSpPr>
-          <p:nvPr/>
-        </p:nvCxnSpPr>
-        <p:spPr>
-          <a:xfrm flipH="1" flipV="1">
-            <a:off x="2738662" y="4724961"/>
-            <a:ext cx="416904" cy="602648"/>
-          </a:xfrm>
-          <a:prstGeom prst="straightConnector1">
-            <a:avLst/>
-          </a:prstGeom>
-          <a:ln>
-            <a:tailEnd type="triangle"/>
-          </a:ln>
-        </p:spPr>
-        <p:style>
-          <a:lnRef idx="1">
-            <a:schemeClr val="accent1"/>
-          </a:lnRef>
-          <a:fillRef idx="0">
-            <a:schemeClr val="accent1"/>
-          </a:fillRef>
-          <a:effectRef idx="0">
-            <a:schemeClr val="accent1"/>
-          </a:effectRef>
-          <a:fontRef idx="minor">
-            <a:schemeClr val="tx1"/>
-          </a:fontRef>
-        </p:style>
-      </p:cxnSp>
-      <p:cxnSp>
-        <p:nvCxnSpPr>
-          <p:cNvPr id="25" name="직선 화살표 연결선 24">
-            <a:extLst>
-              <a:ext uri="{FF2B5EF4-FFF2-40B4-BE49-F238E27FC236}">
-                <a16:creationId xmlns:a16="http://schemas.microsoft.com/office/drawing/2014/main" id="{94A83DB7-29A9-455A-BC1B-20BD5B9C7A1B}"/>
-              </a:ext>
-            </a:extLst>
-          </p:cNvPr>
-          <p:cNvCxnSpPr>
-            <a:stCxn id="55" idx="0"/>
-          </p:cNvCxnSpPr>
-          <p:nvPr/>
-        </p:nvCxnSpPr>
-        <p:spPr>
-          <a:xfrm flipV="1">
-            <a:off x="4227662" y="5085438"/>
-            <a:ext cx="251636" cy="217883"/>
-          </a:xfrm>
-          <a:prstGeom prst="straightConnector1">
-            <a:avLst/>
-          </a:prstGeom>
-          <a:ln>
-            <a:tailEnd type="triangle"/>
-          </a:ln>
-        </p:spPr>
-        <p:style>
-          <a:lnRef idx="1">
-            <a:schemeClr val="accent1"/>
-          </a:lnRef>
-          <a:fillRef idx="0">
-            <a:schemeClr val="accent1"/>
-          </a:fillRef>
-          <a:effectRef idx="0">
-            <a:schemeClr val="accent1"/>
-          </a:effectRef>
-          <a:fontRef idx="minor">
-            <a:schemeClr val="tx1"/>
-          </a:fontRef>
-        </p:style>
-      </p:cxnSp>
-      <p:sp>
-        <p:nvSpPr>
-          <p:cNvPr id="69" name="직사각형 68">
-            <a:extLst>
-              <a:ext uri="{FF2B5EF4-FFF2-40B4-BE49-F238E27FC236}">
-                <a16:creationId xmlns:a16="http://schemas.microsoft.com/office/drawing/2014/main" id="{A65F57D3-817A-4372-9CC0-C97CE0AF9AA0}"/>
-              </a:ext>
-            </a:extLst>
-          </p:cNvPr>
-          <p:cNvSpPr/>
-          <p:nvPr/>
-        </p:nvSpPr>
-        <p:spPr>
-          <a:xfrm>
-            <a:off x="2342386" y="2538952"/>
-            <a:ext cx="2496784" cy="994448"/>
-          </a:xfrm>
-          <a:prstGeom prst="rect">
-            <a:avLst/>
-          </a:prstGeom>
-          <a:solidFill>
-            <a:schemeClr val="bg1"/>
-          </a:solidFill>
-        </p:spPr>
-        <p:style>
-          <a:lnRef idx="2">
-            <a:schemeClr val="accent1">
-              <a:shade val="50000"/>
-            </a:schemeClr>
-          </a:lnRef>
-          <a:fillRef idx="1">
-            <a:schemeClr val="accent1"/>
-          </a:fillRef>
-          <a:effectRef idx="0">
-            <a:schemeClr val="accent1"/>
-          </a:effectRef>
-          <a:fontRef idx="minor">
-            <a:schemeClr val="lt1"/>
-          </a:fontRef>
-        </p:style>
-        <p:txBody>
-          <a:bodyPr rtlCol="0" anchor="ctr"/>
-          <a:lstStyle/>
-          <a:p>
-            <a:pPr algn="ctr"/>
-            <a:endParaRPr lang="ko-KR" altLang="en-US" dirty="0"/>
-          </a:p>
-        </p:txBody>
-      </p:sp>
-      <p:sp>
-        <p:nvSpPr>
-          <p:cNvPr id="70" name="TextBox 69">
-            <a:extLst>
-              <a:ext uri="{FF2B5EF4-FFF2-40B4-BE49-F238E27FC236}">
-                <a16:creationId xmlns:a16="http://schemas.microsoft.com/office/drawing/2014/main" id="{0D7836FD-1AFA-4DE8-8153-AE3710F94EF8}"/>
-              </a:ext>
-            </a:extLst>
-          </p:cNvPr>
-          <p:cNvSpPr txBox="1"/>
-          <p:nvPr/>
-        </p:nvSpPr>
-        <p:spPr>
-          <a:xfrm>
-            <a:off x="2416117" y="2620770"/>
+            <a:off x="2302526" y="1674729"/>
             <a:ext cx="2481689" cy="830997"/>
           </a:xfrm>
           <a:prstGeom prst="rect">
@@ -12174,7 +11558,7 @@
         </p:nvSpPr>
         <p:spPr>
           <a:xfrm>
-            <a:off x="6096000" y="668318"/>
+            <a:off x="6155144" y="367841"/>
             <a:ext cx="127155" cy="121059"/>
           </a:xfrm>
           <a:prstGeom prst="rect">
@@ -12209,7 +11593,7 @@
         </p:nvSpPr>
         <p:spPr>
           <a:xfrm>
-            <a:off x="6311153" y="544181"/>
+            <a:off x="6370297" y="243704"/>
             <a:ext cx="5241363" cy="369332"/>
           </a:xfrm>
           <a:prstGeom prst="rect">
@@ -12257,7 +11641,7 @@
         </p:nvSpPr>
         <p:spPr>
           <a:xfrm>
-            <a:off x="6223154" y="997562"/>
+            <a:off x="6282298" y="697085"/>
             <a:ext cx="5766807" cy="1754326"/>
           </a:xfrm>
           <a:prstGeom prst="rect">
@@ -12476,45 +11860,10 @@
       </p:pic>
       <p:sp>
         <p:nvSpPr>
-          <p:cNvPr id="9" name="object 6">
-            <a:extLst>
-              <a:ext uri="{FF2B5EF4-FFF2-40B4-BE49-F238E27FC236}">
-                <a16:creationId xmlns:a16="http://schemas.microsoft.com/office/drawing/2014/main" id="{20C5B563-C6B2-4C9C-97DF-67A89993BD55}"/>
-              </a:ext>
-            </a:extLst>
-          </p:cNvPr>
-          <p:cNvSpPr/>
-          <p:nvPr/>
-        </p:nvSpPr>
-        <p:spPr>
-          <a:xfrm>
-            <a:off x="6161024" y="3651752"/>
-            <a:ext cx="127155" cy="110942"/>
-          </a:xfrm>
-          <a:prstGeom prst="rect">
-            <a:avLst/>
-          </a:prstGeom>
-          <a:blipFill>
-            <a:blip r:embed="rId2" cstate="print"/>
-            <a:stretch>
-              <a:fillRect/>
-            </a:stretch>
-          </a:blipFill>
-        </p:spPr>
-        <p:txBody>
-          <a:bodyPr wrap="square" lIns="0" tIns="0" rIns="0" bIns="0" rtlCol="0"/>
-          <a:lstStyle/>
-          <a:p>
-            <a:endParaRPr/>
-          </a:p>
-        </p:txBody>
-      </p:sp>
-      <p:sp>
-        <p:nvSpPr>
-          <p:cNvPr id="10" name="TextBox 9">
-            <a:extLst>
-              <a:ext uri="{FF2B5EF4-FFF2-40B4-BE49-F238E27FC236}">
-                <a16:creationId xmlns:a16="http://schemas.microsoft.com/office/drawing/2014/main" id="{6DD1D900-F4B9-408C-BBCA-7430E6C3E24C}"/>
+          <p:cNvPr id="11" name="TextBox 10">
+            <a:extLst>
+              <a:ext uri="{FF2B5EF4-FFF2-40B4-BE49-F238E27FC236}">
+                <a16:creationId xmlns:a16="http://schemas.microsoft.com/office/drawing/2014/main" id="{04A25905-51E5-40DF-9276-A01D5AE50313}"/>
               </a:ext>
             </a:extLst>
           </p:cNvPr>
@@ -12523,52 +11872,8 @@
         </p:nvSpPr>
         <p:spPr>
           <a:xfrm>
-            <a:off x="6376177" y="3527614"/>
-            <a:ext cx="5241363" cy="369332"/>
-          </a:xfrm>
-          <a:prstGeom prst="rect">
-            <a:avLst/>
-          </a:prstGeom>
-          <a:noFill/>
-        </p:spPr>
-        <p:txBody>
-          <a:bodyPr wrap="square" rtlCol="0">
-            <a:spAutoFit/>
-          </a:bodyPr>
-          <a:lstStyle/>
-          <a:p>
-            <a:r>
-              <a:rPr lang="en-US" altLang="ko-KR" sz="1800" b="1" dirty="0"/>
-              <a:t>@Scheduled </a:t>
-            </a:r>
-            <a:r>
-              <a:rPr lang="ko-KR" altLang="en-US" sz="1800" b="1" dirty="0" err="1"/>
-              <a:t>어노테이션을</a:t>
-            </a:r>
-            <a:r>
-              <a:rPr lang="ko-KR" altLang="en-US" sz="1800" b="1" dirty="0"/>
-              <a:t> 통한 자동화</a:t>
-            </a:r>
-            <a:endParaRPr lang="en-US" altLang="ko-KR" sz="1800" b="1" dirty="0"/>
-          </a:p>
-        </p:txBody>
-      </p:sp>
-      <p:sp>
-        <p:nvSpPr>
-          <p:cNvPr id="11" name="TextBox 10">
-            <a:extLst>
-              <a:ext uri="{FF2B5EF4-FFF2-40B4-BE49-F238E27FC236}">
-                <a16:creationId xmlns:a16="http://schemas.microsoft.com/office/drawing/2014/main" id="{04A25905-51E5-40DF-9276-A01D5AE50313}"/>
-              </a:ext>
-            </a:extLst>
-          </p:cNvPr>
-          <p:cNvSpPr txBox="1"/>
-          <p:nvPr/>
-        </p:nvSpPr>
-        <p:spPr>
-          <a:xfrm>
-            <a:off x="6288178" y="3993966"/>
-            <a:ext cx="5766807" cy="2923877"/>
+            <a:off x="6315127" y="3365064"/>
+            <a:ext cx="5766807" cy="2369880"/>
           </a:xfrm>
           <a:prstGeom prst="rect">
             <a:avLst/>
@@ -12713,7 +12018,7 @@
               <a:rPr lang="ko-KR" altLang="en-US" sz="1200" dirty="0"/>
               <a:t>가 들어오면 데이터 베이스에 저장해 놓은 데이터를 반환 함</a:t>
             </a:r>
-            <a:endParaRPr lang="en-US" altLang="ko-KR" sz="1200" dirty="0"/>
+            <a:endParaRPr lang="en-US" altLang="ko-KR" sz="1600" dirty="0"/>
           </a:p>
           <a:p>
             <a:pPr marL="228600" indent="-228600">
@@ -12721,51 +12026,6 @@
             </a:pPr>
             <a:endParaRPr lang="en-US" altLang="ko-KR" sz="1200" dirty="0"/>
           </a:p>
-          <a:p>
-            <a:r>
-              <a:rPr lang="en-US" altLang="ko-KR" sz="1200" b="1" dirty="0"/>
-              <a:t>&lt;</a:t>
-            </a:r>
-            <a:r>
-              <a:rPr lang="ko-KR" altLang="en-US" sz="1200" b="1" dirty="0" err="1"/>
-              <a:t>리팩토링</a:t>
-            </a:r>
-            <a:r>
-              <a:rPr lang="ko-KR" altLang="en-US" sz="1200" b="1" dirty="0"/>
-              <a:t> 결과</a:t>
-            </a:r>
-            <a:r>
-              <a:rPr lang="en-US" altLang="ko-KR" sz="1200" b="1" dirty="0"/>
-              <a:t>&gt; </a:t>
-            </a:r>
-            <a:r>
-              <a:rPr lang="ko-KR" altLang="en-US" sz="1200" b="1" dirty="0"/>
-              <a:t>수행 시간이 </a:t>
-            </a:r>
-            <a:r>
-              <a:rPr lang="en-US" altLang="ko-KR" sz="1200" b="1" dirty="0"/>
-              <a:t>1561ms</a:t>
-            </a:r>
-            <a:r>
-              <a:rPr lang="ko-KR" altLang="en-US" sz="1200" b="1" dirty="0"/>
-              <a:t> </a:t>
-            </a:r>
-            <a:r>
-              <a:rPr lang="en-US" altLang="ko-KR" sz="1200" b="1" dirty="0"/>
-              <a:t>-&gt; 213ms</a:t>
-            </a:r>
-            <a:r>
-              <a:rPr lang="ko-KR" altLang="en-US" sz="1200" b="1" dirty="0"/>
-              <a:t>로 줄어드는 성능 향상을 보였습니다</a:t>
-            </a:r>
-            <a:endParaRPr lang="en-US" altLang="ko-KR" sz="1200" b="1" dirty="0"/>
-          </a:p>
-          <a:p>
-            <a:pPr marL="228600" indent="-228600">
-              <a:buAutoNum type="arabicPeriod" startAt="2"/>
-            </a:pPr>
-            <a:endParaRPr lang="en-US" altLang="ko-KR" sz="1200" dirty="0"/>
-          </a:p>
         </p:txBody>
       </p:sp>
       <p:sp>
@@ -12782,7 +12042,7 @@
         </p:nvSpPr>
         <p:spPr>
           <a:xfrm>
-            <a:off x="7704557" y="2632836"/>
+            <a:off x="7763701" y="2332359"/>
             <a:ext cx="607633" cy="800482"/>
           </a:xfrm>
           <a:prstGeom prst="downArrow">
@@ -12828,7 +12088,7 @@
         </p:nvSpPr>
         <p:spPr>
           <a:xfrm>
-            <a:off x="8569851" y="2837948"/>
+            <a:off x="8628995" y="2537471"/>
             <a:ext cx="2461942" cy="307777"/>
           </a:xfrm>
           <a:prstGeom prst="rect">
@@ -13717,6 +12977,81 @@
           </a:fontRef>
         </p:style>
       </p:cxnSp>
+      <p:sp>
+        <p:nvSpPr>
+          <p:cNvPr id="33" name="TextBox 32">
+            <a:extLst>
+              <a:ext uri="{FF2B5EF4-FFF2-40B4-BE49-F238E27FC236}">
+                <a16:creationId xmlns:a16="http://schemas.microsoft.com/office/drawing/2014/main" id="{1F20BE13-55BC-49E5-94D9-15A72C52B0D7}"/>
+              </a:ext>
+            </a:extLst>
+          </p:cNvPr>
+          <p:cNvSpPr txBox="1"/>
+          <p:nvPr/>
+        </p:nvSpPr>
+        <p:spPr>
+          <a:xfrm>
+            <a:off x="6057900" y="5728257"/>
+            <a:ext cx="6388770" cy="584775"/>
+          </a:xfrm>
+          <a:prstGeom prst="rect">
+            <a:avLst/>
+          </a:prstGeom>
+          <a:noFill/>
+        </p:spPr>
+        <p:txBody>
+          <a:bodyPr wrap="square">
+            <a:spAutoFit/>
+          </a:bodyPr>
+          <a:lstStyle/>
+          <a:p>
+            <a:r>
+              <a:rPr lang="en-US" altLang="ko-KR" sz="1600" b="1" dirty="0"/>
+              <a:t>&lt;</a:t>
+            </a:r>
+            <a:r>
+              <a:rPr lang="ko-KR" altLang="en-US" sz="1600" b="1" dirty="0" err="1"/>
+              <a:t>리팩토링</a:t>
+            </a:r>
+            <a:r>
+              <a:rPr lang="ko-KR" altLang="en-US" sz="1600" b="1" dirty="0"/>
+              <a:t> 결과</a:t>
+            </a:r>
+            <a:r>
+              <a:rPr lang="en-US" altLang="ko-KR" sz="1600" b="1" dirty="0"/>
+              <a:t>&gt; </a:t>
+            </a:r>
+            <a:r>
+              <a:rPr lang="ko-KR" altLang="en-US" sz="1600" b="1" dirty="0"/>
+              <a:t>수행 시간이 </a:t>
+            </a:r>
+            <a:r>
+              <a:rPr lang="en-US" altLang="ko-KR" sz="1600" b="1" dirty="0"/>
+              <a:t>1561ms</a:t>
+            </a:r>
+            <a:r>
+              <a:rPr lang="ko-KR" altLang="en-US" sz="1600" b="1" dirty="0"/>
+              <a:t> </a:t>
+            </a:r>
+            <a:r>
+              <a:rPr lang="en-US" altLang="ko-KR" sz="1600" b="1" dirty="0"/>
+              <a:t>-&gt; 213ms</a:t>
+            </a:r>
+            <a:r>
+              <a:rPr lang="ko-KR" altLang="en-US" sz="1600" b="1" dirty="0"/>
+              <a:t>로 줄어드는</a:t>
+            </a:r>
+            <a:endParaRPr lang="en-US" altLang="ko-KR" sz="1600" b="1" dirty="0"/>
+          </a:p>
+          <a:p>
+            <a:r>
+              <a:rPr lang="ko-KR" altLang="en-US" sz="1600" b="1" dirty="0"/>
+              <a:t> 성능 향상을 보였습니다</a:t>
+            </a:r>
+            <a:endParaRPr lang="en-US" altLang="ko-KR" sz="1600" b="1" dirty="0"/>
+          </a:p>
+        </p:txBody>
+      </p:sp>
     </p:spTree>
     <p:extLst>
       <p:ext uri="{BB962C8B-B14F-4D97-AF65-F5344CB8AC3E}">

--- a/오진호 포트폴리오.pptx
+++ b/오진호 포트폴리오.pptx
@@ -5,16 +5,17 @@
     <p:sldMasterId id="2147483648" r:id="rId1"/>
   </p:sldMasterIdLst>
   <p:notesMasterIdLst>
-    <p:notesMasterId r:id="rId9"/>
+    <p:notesMasterId r:id="rId10"/>
   </p:notesMasterIdLst>
   <p:sldIdLst>
     <p:sldId id="256" r:id="rId2"/>
     <p:sldId id="268" r:id="rId3"/>
     <p:sldId id="269" r:id="rId4"/>
-    <p:sldId id="270" r:id="rId5"/>
-    <p:sldId id="271" r:id="rId6"/>
-    <p:sldId id="260" r:id="rId7"/>
-    <p:sldId id="261" r:id="rId8"/>
+    <p:sldId id="272" r:id="rId5"/>
+    <p:sldId id="270" r:id="rId6"/>
+    <p:sldId id="271" r:id="rId7"/>
+    <p:sldId id="260" r:id="rId8"/>
+    <p:sldId id="261" r:id="rId9"/>
   </p:sldIdLst>
   <p:sldSz cx="12192000" cy="6858000"/>
   <p:notesSz cx="6858000" cy="9144000"/>
@@ -203,7 +204,7 @@
           <a:p>
             <a:fld id="{67406EAE-9ED8-4493-8307-E0CBB87D5314}" type="datetimeFigureOut">
               <a:rPr lang="ko-KR" altLang="en-US" smtClean="0"/>
-              <a:t>2022-01-23</a:t>
+              <a:t>2022-01-24</a:t>
             </a:fld>
             <a:endParaRPr lang="ko-KR" altLang="en-US"/>
           </a:p>
@@ -617,7 +618,7 @@
           <a:p>
             <a:fld id="{7E1FD04A-7A57-4ABB-A4D2-40192FED31D2}" type="datetimeFigureOut">
               <a:rPr lang="ko-KR" altLang="en-US" smtClean="0"/>
-              <a:t>2022-01-23</a:t>
+              <a:t>2022-01-24</a:t>
             </a:fld>
             <a:endParaRPr lang="ko-KR" altLang="en-US"/>
           </a:p>
@@ -815,7 +816,7 @@
           <a:p>
             <a:fld id="{7E1FD04A-7A57-4ABB-A4D2-40192FED31D2}" type="datetimeFigureOut">
               <a:rPr lang="ko-KR" altLang="en-US" smtClean="0"/>
-              <a:t>2022-01-23</a:t>
+              <a:t>2022-01-24</a:t>
             </a:fld>
             <a:endParaRPr lang="ko-KR" altLang="en-US"/>
           </a:p>
@@ -1023,7 +1024,7 @@
           <a:p>
             <a:fld id="{7E1FD04A-7A57-4ABB-A4D2-40192FED31D2}" type="datetimeFigureOut">
               <a:rPr lang="ko-KR" altLang="en-US" smtClean="0"/>
-              <a:t>2022-01-23</a:t>
+              <a:t>2022-01-24</a:t>
             </a:fld>
             <a:endParaRPr lang="ko-KR" altLang="en-US"/>
           </a:p>
@@ -1221,7 +1222,7 @@
           <a:p>
             <a:fld id="{7E1FD04A-7A57-4ABB-A4D2-40192FED31D2}" type="datetimeFigureOut">
               <a:rPr lang="ko-KR" altLang="en-US" smtClean="0"/>
-              <a:t>2022-01-23</a:t>
+              <a:t>2022-01-24</a:t>
             </a:fld>
             <a:endParaRPr lang="ko-KR" altLang="en-US"/>
           </a:p>
@@ -1496,7 +1497,7 @@
           <a:p>
             <a:fld id="{7E1FD04A-7A57-4ABB-A4D2-40192FED31D2}" type="datetimeFigureOut">
               <a:rPr lang="ko-KR" altLang="en-US" smtClean="0"/>
-              <a:t>2022-01-23</a:t>
+              <a:t>2022-01-24</a:t>
             </a:fld>
             <a:endParaRPr lang="ko-KR" altLang="en-US"/>
           </a:p>
@@ -1761,7 +1762,7 @@
           <a:p>
             <a:fld id="{7E1FD04A-7A57-4ABB-A4D2-40192FED31D2}" type="datetimeFigureOut">
               <a:rPr lang="ko-KR" altLang="en-US" smtClean="0"/>
-              <a:t>2022-01-23</a:t>
+              <a:t>2022-01-24</a:t>
             </a:fld>
             <a:endParaRPr lang="ko-KR" altLang="en-US"/>
           </a:p>
@@ -2173,7 +2174,7 @@
           <a:p>
             <a:fld id="{7E1FD04A-7A57-4ABB-A4D2-40192FED31D2}" type="datetimeFigureOut">
               <a:rPr lang="ko-KR" altLang="en-US" smtClean="0"/>
-              <a:t>2022-01-23</a:t>
+              <a:t>2022-01-24</a:t>
             </a:fld>
             <a:endParaRPr lang="ko-KR" altLang="en-US"/>
           </a:p>
@@ -2314,7 +2315,7 @@
           <a:p>
             <a:fld id="{7E1FD04A-7A57-4ABB-A4D2-40192FED31D2}" type="datetimeFigureOut">
               <a:rPr lang="ko-KR" altLang="en-US" smtClean="0"/>
-              <a:t>2022-01-23</a:t>
+              <a:t>2022-01-24</a:t>
             </a:fld>
             <a:endParaRPr lang="ko-KR" altLang="en-US"/>
           </a:p>
@@ -2427,7 +2428,7 @@
           <a:p>
             <a:fld id="{7E1FD04A-7A57-4ABB-A4D2-40192FED31D2}" type="datetimeFigureOut">
               <a:rPr lang="ko-KR" altLang="en-US" smtClean="0"/>
-              <a:t>2022-01-23</a:t>
+              <a:t>2022-01-24</a:t>
             </a:fld>
             <a:endParaRPr lang="ko-KR" altLang="en-US"/>
           </a:p>
@@ -2738,7 +2739,7 @@
           <a:p>
             <a:fld id="{7E1FD04A-7A57-4ABB-A4D2-40192FED31D2}" type="datetimeFigureOut">
               <a:rPr lang="ko-KR" altLang="en-US" smtClean="0"/>
-              <a:t>2022-01-23</a:t>
+              <a:t>2022-01-24</a:t>
             </a:fld>
             <a:endParaRPr lang="ko-KR" altLang="en-US"/>
           </a:p>
@@ -3026,7 +3027,7 @@
           <a:p>
             <a:fld id="{7E1FD04A-7A57-4ABB-A4D2-40192FED31D2}" type="datetimeFigureOut">
               <a:rPr lang="ko-KR" altLang="en-US" smtClean="0"/>
-              <a:t>2022-01-23</a:t>
+              <a:t>2022-01-24</a:t>
             </a:fld>
             <a:endParaRPr lang="ko-KR" altLang="en-US"/>
           </a:p>
@@ -3267,7 +3268,7 @@
           <a:p>
             <a:fld id="{7E1FD04A-7A57-4ABB-A4D2-40192FED31D2}" type="datetimeFigureOut">
               <a:rPr lang="ko-KR" altLang="en-US" smtClean="0"/>
-              <a:t>2022-01-23</a:t>
+              <a:t>2022-01-24</a:t>
             </a:fld>
             <a:endParaRPr lang="ko-KR" altLang="en-US"/>
           </a:p>
@@ -4933,7 +4934,7 @@
         </p:nvSpPr>
         <p:spPr>
           <a:xfrm>
-            <a:off x="5600623" y="2946801"/>
+            <a:off x="5600623" y="2982195"/>
             <a:ext cx="127155" cy="121059"/>
           </a:xfrm>
           <a:prstGeom prst="rect">
@@ -4968,7 +4969,7 @@
         </p:nvSpPr>
         <p:spPr>
           <a:xfrm>
-            <a:off x="6116831" y="2796708"/>
+            <a:off x="6116831" y="2832102"/>
             <a:ext cx="2390775" cy="369332"/>
           </a:xfrm>
           <a:prstGeom prst="rect">
@@ -5004,7 +5005,7 @@
         </p:nvSpPr>
         <p:spPr>
           <a:xfrm>
-            <a:off x="5599772" y="4291465"/>
+            <a:off x="5599772" y="4326859"/>
             <a:ext cx="127155" cy="121059"/>
           </a:xfrm>
           <a:prstGeom prst="rect">
@@ -5039,7 +5040,7 @@
         </p:nvSpPr>
         <p:spPr>
           <a:xfrm>
-            <a:off x="6096001" y="4141372"/>
+            <a:off x="6096001" y="4176766"/>
             <a:ext cx="2390775" cy="369332"/>
           </a:xfrm>
           <a:prstGeom prst="rect">
@@ -5075,8 +5076,8 @@
         </p:nvSpPr>
         <p:spPr>
           <a:xfrm>
-            <a:off x="6116831" y="4604786"/>
-            <a:ext cx="5881580" cy="2477601"/>
+            <a:off x="6116831" y="4657877"/>
+            <a:ext cx="5881580" cy="2139047"/>
           </a:xfrm>
           <a:prstGeom prst="rect">
             <a:avLst/>
@@ -5091,37 +5092,15 @@
           <a:p>
             <a:r>
               <a:rPr lang="ko-KR" altLang="en-US" sz="1100" dirty="0"/>
-              <a:t>⨀ </a:t>
+              <a:t>⨀ 서버 </a:t>
             </a:r>
             <a:r>
               <a:rPr lang="en-US" altLang="ko-KR" sz="1100" dirty="0"/>
-              <a:t>JWT</a:t>
+              <a:t>API </a:t>
             </a:r>
             <a:r>
               <a:rPr lang="ko-KR" altLang="en-US" sz="1100" dirty="0"/>
-              <a:t>와 </a:t>
-            </a:r>
-            <a:r>
-              <a:rPr lang="en-US" altLang="ko-KR" sz="1100" dirty="0"/>
-              <a:t>Interceptor</a:t>
-            </a:r>
-            <a:r>
-              <a:rPr lang="ko-KR" altLang="en-US" sz="1100" dirty="0"/>
-              <a:t>를 이용한 로그인 및 보안 강화</a:t>
-            </a:r>
-            <a:endParaRPr lang="en-US" altLang="ko-KR" sz="1100" dirty="0"/>
-          </a:p>
-          <a:p>
-            <a:endParaRPr lang="en-US" altLang="ko-KR" sz="1100" dirty="0"/>
-          </a:p>
-          <a:p>
-            <a:r>
-              <a:rPr lang="ko-KR" altLang="en-US" sz="1100" dirty="0"/>
-              <a:t>⨀ 비밀번호 변경 </a:t>
-            </a:r>
-            <a:r>
-              <a:rPr lang="en-US" altLang="ko-KR" sz="1100" dirty="0" err="1"/>
-              <a:t>url</a:t>
+              <a:t>구현</a:t>
             </a:r>
             <a:r>
               <a:rPr lang="en-US" altLang="ko-KR" sz="1100" dirty="0"/>
@@ -5129,140 +5108,132 @@
             </a:r>
             <a:r>
               <a:rPr lang="ko-KR" altLang="en-US" sz="1100" dirty="0"/>
-              <a:t>생성 시 암호화</a:t>
-            </a:r>
+              <a:t>및 핵심 비즈니스 로직 작성</a:t>
+            </a:r>
+            <a:endParaRPr lang="en-US" altLang="ko-KR" sz="1100" dirty="0"/>
+          </a:p>
+          <a:p>
+            <a:endParaRPr lang="en-US" altLang="ko-KR" sz="1100" dirty="0"/>
+          </a:p>
+          <a:p>
+            <a:r>
+              <a:rPr lang="ko-KR" altLang="en-US" sz="1100" dirty="0"/>
+              <a:t>⨀ </a:t>
+            </a:r>
+            <a:r>
+              <a:rPr lang="en-US" altLang="ko-KR" sz="1100" dirty="0"/>
+              <a:t>AWS Cloud </a:t>
+            </a:r>
+            <a:r>
+              <a:rPr lang="ko-KR" altLang="en-US" sz="1100" dirty="0"/>
+              <a:t>서비스를 이용한 서버 구축 </a:t>
+            </a:r>
+            <a:r>
+              <a:rPr lang="en-US" altLang="ko-KR" sz="1100" dirty="0"/>
+              <a:t>- EC2, RDS, S3, CloudFront</a:t>
+            </a:r>
+          </a:p>
+          <a:p>
+            <a:endParaRPr lang="en-US" altLang="ko-KR" sz="1100" dirty="0"/>
+          </a:p>
+          <a:p>
+            <a:r>
+              <a:rPr lang="ko-KR" altLang="en-US" sz="1100" dirty="0"/>
+              <a:t>⨀ </a:t>
+            </a:r>
+            <a:r>
+              <a:rPr lang="ko-KR" altLang="en-US" sz="1100" dirty="0" err="1"/>
+              <a:t>스웨거를</a:t>
+            </a:r>
+            <a:r>
+              <a:rPr lang="ko-KR" altLang="en-US" sz="1100" dirty="0"/>
+              <a:t> 이용한 </a:t>
+            </a:r>
+            <a:r>
+              <a:rPr lang="en-US" altLang="ko-KR" sz="1100" dirty="0"/>
+              <a:t>API </a:t>
+            </a:r>
+            <a:r>
+              <a:rPr lang="ko-KR" altLang="en-US" sz="1100" dirty="0"/>
+              <a:t>문서 자동화 </a:t>
+            </a:r>
+            <a:endParaRPr lang="en-US" altLang="ko-KR" sz="1100" dirty="0"/>
+          </a:p>
+          <a:p>
+            <a:endParaRPr lang="en-US" altLang="ko-KR" sz="1100" dirty="0"/>
+          </a:p>
+          <a:p>
+            <a:r>
+              <a:rPr lang="ko-KR" altLang="en-US" sz="1100" dirty="0"/>
+              <a:t>⨀ 프로젝트의 유일한 </a:t>
+            </a:r>
+            <a:r>
+              <a:rPr lang="ko-KR" altLang="en-US" sz="1100" dirty="0" err="1"/>
+              <a:t>백엔드</a:t>
+            </a:r>
+            <a:r>
+              <a:rPr lang="ko-KR" altLang="en-US" sz="1100" dirty="0"/>
+              <a:t> 개발자로 참여</a:t>
+            </a:r>
+            <a:endParaRPr lang="en-US" altLang="ko-KR" sz="1100" dirty="0"/>
+          </a:p>
+          <a:p>
+            <a:endParaRPr lang="en-US" altLang="ko-KR" sz="1100" dirty="0"/>
+          </a:p>
+          <a:p>
+            <a:r>
+              <a:rPr lang="ko-KR" altLang="en-US" sz="1100" dirty="0"/>
+              <a:t>⨀ 데이터베이스 설계 </a:t>
+            </a:r>
+            <a:r>
+              <a:rPr lang="en-US" altLang="ko-KR" sz="1100" dirty="0"/>
+              <a:t>–&gt; </a:t>
+            </a:r>
+            <a:r>
+              <a:rPr lang="ko-KR" altLang="en-US" sz="1100" dirty="0" err="1"/>
+              <a:t>백엔드</a:t>
+            </a:r>
+            <a:r>
+              <a:rPr lang="ko-KR" altLang="en-US" sz="1100" dirty="0"/>
+              <a:t> </a:t>
+            </a:r>
+            <a:r>
+              <a:rPr lang="en-US" altLang="ko-KR" sz="1100" dirty="0"/>
+              <a:t>API </a:t>
+            </a:r>
+            <a:r>
+              <a:rPr lang="ko-KR" altLang="en-US" sz="1100" dirty="0"/>
+              <a:t>구현 </a:t>
+            </a:r>
+            <a:r>
+              <a:rPr lang="en-US" altLang="ko-KR" sz="1100" dirty="0"/>
+              <a:t>–&gt; </a:t>
+            </a:r>
+            <a:r>
+              <a:rPr lang="ko-KR" altLang="en-US" sz="1100" dirty="0"/>
+              <a:t>배포</a:t>
+            </a:r>
+            <a:r>
+              <a:rPr lang="en-US" altLang="ko-KR" sz="1100" dirty="0"/>
+              <a:t>(CICD)</a:t>
+            </a:r>
+            <a:r>
+              <a:rPr lang="ko-KR" altLang="en-US" sz="1100" dirty="0"/>
+              <a:t>의 모든 과정을 진행</a:t>
+            </a:r>
+            <a:endParaRPr lang="en-US" altLang="ko-KR" sz="1100" dirty="0"/>
+          </a:p>
+          <a:p>
+            <a:r>
+              <a:rPr lang="en-US" altLang="ko-KR" sz="1100" dirty="0"/>
+              <a:t>       </a:t>
+            </a:r>
+          </a:p>
+          <a:p>
             <a:r>
               <a:rPr lang="en-US" altLang="ko-KR" sz="1100" dirty="0"/>
               <a:t> </a:t>
             </a:r>
-            <a:r>
-              <a:rPr lang="ko-KR" altLang="en-US" sz="1100" dirty="0"/>
-              <a:t>진행</a:t>
-            </a:r>
-            <a:endParaRPr lang="en-US" altLang="ko-KR" sz="1100" dirty="0"/>
-          </a:p>
-          <a:p>
-            <a:endParaRPr lang="en-US" altLang="ko-KR" sz="1100" dirty="0"/>
-          </a:p>
-          <a:p>
-            <a:r>
-              <a:rPr lang="ko-KR" altLang="en-US" sz="1100" dirty="0"/>
-              <a:t>⨀ </a:t>
-            </a:r>
-            <a:r>
-              <a:rPr lang="en-US" altLang="ko-KR" sz="1100" dirty="0"/>
-              <a:t>AWS Cloud </a:t>
-            </a:r>
-            <a:r>
-              <a:rPr lang="ko-KR" altLang="en-US" sz="1100" dirty="0"/>
-              <a:t>서비스 사용 </a:t>
-            </a:r>
-            <a:r>
-              <a:rPr lang="en-US" altLang="ko-KR" sz="1100" dirty="0"/>
-              <a:t>- EC2, RDS, S3, CloudFront</a:t>
-            </a:r>
-          </a:p>
-          <a:p>
-            <a:endParaRPr lang="en-US" altLang="ko-KR" sz="1100" dirty="0"/>
-          </a:p>
-          <a:p>
-            <a:r>
-              <a:rPr lang="ko-KR" altLang="en-US" sz="1100" dirty="0"/>
-              <a:t>⨀ </a:t>
-            </a:r>
-            <a:r>
-              <a:rPr lang="ko-KR" altLang="en-US" sz="1100" dirty="0" err="1"/>
-              <a:t>스웨거를</a:t>
-            </a:r>
-            <a:r>
-              <a:rPr lang="ko-KR" altLang="en-US" sz="1100" dirty="0"/>
-              <a:t> 이용한 </a:t>
-            </a:r>
-            <a:r>
-              <a:rPr lang="en-US" altLang="ko-KR" sz="1100" dirty="0"/>
-              <a:t>API </a:t>
-            </a:r>
-            <a:r>
-              <a:rPr lang="ko-KR" altLang="en-US" sz="1100" dirty="0"/>
-              <a:t>문서 자동화 </a:t>
-            </a:r>
-            <a:endParaRPr lang="en-US" altLang="ko-KR" sz="1100" dirty="0"/>
-          </a:p>
-          <a:p>
-            <a:endParaRPr lang="en-US" altLang="ko-KR" sz="1100" dirty="0"/>
-          </a:p>
-          <a:p>
-            <a:r>
-              <a:rPr lang="ko-KR" altLang="en-US" sz="1100" dirty="0"/>
-              <a:t>⨀ 프로젝트의 유일한 </a:t>
-            </a:r>
-            <a:r>
-              <a:rPr lang="ko-KR" altLang="en-US" sz="1100" dirty="0" err="1"/>
-              <a:t>백엔드</a:t>
-            </a:r>
-            <a:r>
-              <a:rPr lang="ko-KR" altLang="en-US" sz="1100" dirty="0"/>
-              <a:t> 개발자로 참여</a:t>
-            </a:r>
-            <a:endParaRPr lang="en-US" altLang="ko-KR" sz="1100" dirty="0"/>
-          </a:p>
-          <a:p>
-            <a:endParaRPr lang="en-US" altLang="ko-KR" sz="1100" dirty="0"/>
-          </a:p>
-          <a:p>
-            <a:r>
-              <a:rPr lang="ko-KR" altLang="en-US" sz="1100" dirty="0"/>
-              <a:t>⨀ 데이터베이스 설계 </a:t>
-            </a:r>
-            <a:r>
-              <a:rPr lang="en-US" altLang="ko-KR" sz="1100" dirty="0"/>
-              <a:t>–&gt; </a:t>
-            </a:r>
-            <a:r>
-              <a:rPr lang="ko-KR" altLang="en-US" sz="1100" dirty="0" err="1"/>
-              <a:t>백엔드</a:t>
-            </a:r>
-            <a:r>
-              <a:rPr lang="ko-KR" altLang="en-US" sz="1100" dirty="0"/>
-              <a:t> </a:t>
-            </a:r>
-            <a:r>
-              <a:rPr lang="en-US" altLang="ko-KR" sz="1100" dirty="0"/>
-              <a:t>API </a:t>
-            </a:r>
-            <a:r>
-              <a:rPr lang="ko-KR" altLang="en-US" sz="1100" dirty="0"/>
-              <a:t>구현 </a:t>
-            </a:r>
-            <a:r>
-              <a:rPr lang="en-US" altLang="ko-KR" sz="1100" dirty="0"/>
-              <a:t>–&gt; </a:t>
-            </a:r>
-            <a:r>
-              <a:rPr lang="ko-KR" altLang="en-US" sz="1100" dirty="0"/>
-              <a:t>배포</a:t>
-            </a:r>
-            <a:r>
-              <a:rPr lang="en-US" altLang="ko-KR" sz="1100" dirty="0"/>
-              <a:t>(CICD)</a:t>
-            </a:r>
-            <a:r>
-              <a:rPr lang="ko-KR" altLang="en-US" sz="1100" dirty="0"/>
-              <a:t>의 모든 과정을 진행</a:t>
-            </a:r>
-            <a:endParaRPr lang="en-US" altLang="ko-KR" sz="1100" dirty="0"/>
-          </a:p>
-          <a:p>
-            <a:r>
-              <a:rPr lang="en-US" altLang="ko-KR" sz="1100" dirty="0"/>
-              <a:t>       </a:t>
-            </a:r>
-          </a:p>
-          <a:p>
-            <a:r>
-              <a:rPr lang="en-US" altLang="ko-KR" sz="1100" dirty="0"/>
-              <a:t> </a:t>
-            </a:r>
           </a:p>
           <a:p>
             <a:r>
@@ -5286,7 +5257,7 @@
         </p:nvSpPr>
         <p:spPr>
           <a:xfrm>
-            <a:off x="6063740" y="3166040"/>
+            <a:off x="6063740" y="3201434"/>
             <a:ext cx="4817620" cy="646331"/>
           </a:xfrm>
           <a:prstGeom prst="rect">
@@ -5963,9 +5934,9 @@
           <p:nvPr/>
         </p:nvCxnSpPr>
         <p:spPr>
-          <a:xfrm>
-            <a:off x="1639825" y="1421458"/>
-            <a:ext cx="1852305" cy="1061"/>
+          <a:xfrm flipV="1">
+            <a:off x="1281719" y="1422519"/>
+            <a:ext cx="2210411" cy="6626"/>
           </a:xfrm>
           <a:prstGeom prst="straightConnector1">
             <a:avLst/>
@@ -6005,8 +5976,8 @@
         </p:nvCxnSpPr>
         <p:spPr>
           <a:xfrm flipV="1">
-            <a:off x="1471623" y="4074460"/>
-            <a:ext cx="2030809" cy="23368"/>
+            <a:off x="1236814" y="4080906"/>
+            <a:ext cx="2309337" cy="17145"/>
           </a:xfrm>
           <a:prstGeom prst="straightConnector1">
             <a:avLst/>
@@ -6046,8 +6017,8 @@
         </p:nvCxnSpPr>
         <p:spPr>
           <a:xfrm flipH="1">
-            <a:off x="1599369" y="2976489"/>
-            <a:ext cx="1903063" cy="0"/>
+            <a:off x="1281719" y="2976489"/>
+            <a:ext cx="2220714" cy="0"/>
           </a:xfrm>
           <a:prstGeom prst="straightConnector1">
             <a:avLst/>
@@ -6085,7 +6056,7 @@
         </p:nvSpPr>
         <p:spPr>
           <a:xfrm>
-            <a:off x="1481794" y="1213701"/>
+            <a:off x="1386173" y="1208267"/>
             <a:ext cx="2195212" cy="215444"/>
           </a:xfrm>
           <a:prstGeom prst="rect">
@@ -6167,8 +6138,8 @@
         </p:nvSpPr>
         <p:spPr>
           <a:xfrm>
-            <a:off x="1989327" y="3757890"/>
-            <a:ext cx="1262100" cy="338554"/>
+            <a:off x="1577810" y="3867414"/>
+            <a:ext cx="1806419" cy="215444"/>
           </a:xfrm>
           <a:prstGeom prst="rect">
             <a:avLst/>
@@ -6182,16 +6153,21 @@
           <a:lstStyle/>
           <a:p>
             <a:r>
-              <a:rPr lang="en-US" altLang="ko-KR" sz="800" dirty="0" err="1"/>
-              <a:t>userName</a:t>
+              <a:rPr lang="en-US" altLang="ko-KR" sz="800" dirty="0"/>
+              <a:t>User</a:t>
             </a:r>
             <a:r>
               <a:rPr lang="ko-KR" altLang="en-US" sz="800" dirty="0"/>
-              <a:t>과</a:t>
-            </a:r>
-            <a:endParaRPr lang="en-US" altLang="ko-KR" sz="800" dirty="0"/>
-          </a:p>
-          <a:p>
+              <a:t> </a:t>
+            </a:r>
+            <a:r>
+              <a:rPr lang="en-US" altLang="ko-KR" sz="800" dirty="0"/>
+              <a:t>PK</a:t>
+            </a:r>
+            <a:r>
+              <a:rPr lang="ko-KR" altLang="en-US" sz="800" dirty="0"/>
+              <a:t>와 </a:t>
+            </a:r>
             <a:r>
               <a:rPr lang="en-US" altLang="ko-KR" sz="800" dirty="0"/>
               <a:t>Refresh Token</a:t>
@@ -6217,7 +6193,7 @@
         </p:nvSpPr>
         <p:spPr>
           <a:xfrm>
-            <a:off x="1531749" y="5870771"/>
+            <a:off x="1472756" y="5823579"/>
             <a:ext cx="2323835" cy="215444"/>
           </a:xfrm>
           <a:prstGeom prst="rect">
@@ -6812,8 +6788,8 @@
         </p:nvCxnSpPr>
         <p:spPr>
           <a:xfrm flipH="1">
-            <a:off x="1455054" y="6101714"/>
-            <a:ext cx="2051878" cy="0"/>
+            <a:off x="1203522" y="6054522"/>
+            <a:ext cx="2292276" cy="0"/>
           </a:xfrm>
           <a:prstGeom prst="straightConnector1">
             <a:avLst/>
@@ -6851,7 +6827,7 @@
         </p:nvSpPr>
         <p:spPr>
           <a:xfrm>
-            <a:off x="715590" y="3757890"/>
+            <a:off x="520880" y="3766379"/>
             <a:ext cx="612442" cy="2450717"/>
           </a:xfrm>
           <a:prstGeom prst="rect">
@@ -6900,7 +6876,7 @@
         </p:nvSpPr>
         <p:spPr>
           <a:xfrm>
-            <a:off x="766635" y="4552361"/>
+            <a:off x="560163" y="4552361"/>
             <a:ext cx="808341" cy="861774"/>
           </a:xfrm>
           <a:prstGeom prst="rect">
@@ -7075,7 +7051,7 @@
         </p:nvSpPr>
         <p:spPr>
           <a:xfrm>
-            <a:off x="820161" y="1011012"/>
+            <a:off x="519301" y="1011012"/>
             <a:ext cx="612442" cy="2397389"/>
           </a:xfrm>
           <a:prstGeom prst="rect">
@@ -7124,7 +7100,7 @@
         </p:nvSpPr>
         <p:spPr>
           <a:xfrm>
-            <a:off x="848963" y="1845916"/>
+            <a:off x="548103" y="1845916"/>
             <a:ext cx="808341" cy="861774"/>
           </a:xfrm>
           <a:prstGeom prst="rect">
@@ -7185,7 +7161,7 @@
         </p:nvCxnSpPr>
         <p:spPr>
           <a:xfrm>
-            <a:off x="3709275" y="6106228"/>
+            <a:off x="3709275" y="6047238"/>
             <a:ext cx="1887349" cy="9520"/>
           </a:xfrm>
           <a:prstGeom prst="straightConnector1">
@@ -7224,7 +7200,7 @@
         </p:nvSpPr>
         <p:spPr>
           <a:xfrm>
-            <a:off x="3855584" y="5852838"/>
+            <a:off x="3855584" y="5793848"/>
             <a:ext cx="1663764" cy="215444"/>
           </a:xfrm>
           <a:prstGeom prst="rect">
@@ -7470,8 +7446,8 @@
         </p:nvSpPr>
         <p:spPr>
           <a:xfrm>
-            <a:off x="7280503" y="1258146"/>
-            <a:ext cx="1085290" cy="369332"/>
+            <a:off x="341245" y="248258"/>
+            <a:ext cx="2901783" cy="369332"/>
           </a:xfrm>
           <a:prstGeom prst="rect">
             <a:avLst/>
@@ -7486,7 +7462,7 @@
           <a:p>
             <a:r>
               <a:rPr lang="ko-KR" altLang="en-US" b="1" dirty="0"/>
-              <a:t>암호화</a:t>
+              <a:t> 아는 사람 피하기 기능</a:t>
             </a:r>
             <a:endParaRPr lang="en-US" altLang="ko-KR" b="1" dirty="0"/>
           </a:p>
@@ -7506,7 +7482,7 @@
         </p:nvSpPr>
         <p:spPr>
           <a:xfrm>
-            <a:off x="7147305" y="1382447"/>
+            <a:off x="208048" y="372559"/>
             <a:ext cx="139510" cy="121059"/>
           </a:xfrm>
           <a:prstGeom prst="rect">
@@ -7529,56 +7505,10 @@
       </p:sp>
       <p:sp>
         <p:nvSpPr>
-          <p:cNvPr id="58" name="직사각형 57">
-            <a:extLst>
-              <a:ext uri="{FF2B5EF4-FFF2-40B4-BE49-F238E27FC236}">
-                <a16:creationId xmlns:a16="http://schemas.microsoft.com/office/drawing/2014/main" id="{09CD0A36-2C4E-41FA-8609-3C7BD738348D}"/>
-              </a:ext>
-            </a:extLst>
-          </p:cNvPr>
-          <p:cNvSpPr/>
-          <p:nvPr/>
-        </p:nvSpPr>
-        <p:spPr>
-          <a:xfrm>
-            <a:off x="220766" y="617421"/>
-            <a:ext cx="746760" cy="369330"/>
-          </a:xfrm>
-          <a:prstGeom prst="rect">
-            <a:avLst/>
-          </a:prstGeom>
-        </p:spPr>
-        <p:style>
-          <a:lnRef idx="2">
-            <a:schemeClr val="accent3">
-              <a:shade val="50000"/>
-            </a:schemeClr>
-          </a:lnRef>
-          <a:fillRef idx="1">
-            <a:schemeClr val="accent3"/>
-          </a:fillRef>
-          <a:effectRef idx="0">
-            <a:schemeClr val="accent3"/>
-          </a:effectRef>
-          <a:fontRef idx="minor">
-            <a:schemeClr val="lt1"/>
-          </a:fontRef>
-        </p:style>
-        <p:txBody>
-          <a:bodyPr rtlCol="0" anchor="ctr"/>
-          <a:lstStyle/>
-          <a:p>
-            <a:pPr algn="ctr"/>
-            <a:endParaRPr lang="ko-KR" altLang="en-US" dirty="0"/>
-          </a:p>
-        </p:txBody>
-      </p:sp>
-      <p:sp>
-        <p:nvSpPr>
-          <p:cNvPr id="64" name="TextBox 63">
-            <a:extLst>
-              <a:ext uri="{FF2B5EF4-FFF2-40B4-BE49-F238E27FC236}">
-                <a16:creationId xmlns:a16="http://schemas.microsoft.com/office/drawing/2014/main" id="{B6F2C02C-C1CC-4F9D-A88C-93D8A6635BD3}"/>
+          <p:cNvPr id="138" name="TextBox 137">
+            <a:extLst>
+              <a:ext uri="{FF2B5EF4-FFF2-40B4-BE49-F238E27FC236}">
+                <a16:creationId xmlns:a16="http://schemas.microsoft.com/office/drawing/2014/main" id="{1102772D-1A8B-4FBE-9DE2-A45A8749E250}"/>
               </a:ext>
             </a:extLst>
           </p:cNvPr>
@@ -7587,8 +7517,8 @@
         </p:nvSpPr>
         <p:spPr>
           <a:xfrm>
-            <a:off x="305068" y="688759"/>
-            <a:ext cx="579992" cy="646331"/>
+            <a:off x="244896" y="736677"/>
+            <a:ext cx="5513135" cy="6001643"/>
           </a:xfrm>
           <a:prstGeom prst="rect">
             <a:avLst/>
@@ -7601,71 +7531,767 @@
           </a:bodyPr>
           <a:lstStyle/>
           <a:p>
-            <a:r>
-              <a:rPr lang="en-US" altLang="ko-KR" sz="900" dirty="0"/>
-              <a:t>CLIENT</a:t>
-            </a:r>
-          </a:p>
-          <a:p>
-            <a:endParaRPr lang="en-US" altLang="ko-KR" sz="900" dirty="0"/>
-          </a:p>
-          <a:p>
-            <a:endParaRPr lang="ko-KR" altLang="en-US" dirty="0"/>
-          </a:p>
-        </p:txBody>
-      </p:sp>
-      <p:sp>
-        <p:nvSpPr>
-          <p:cNvPr id="91" name="직사각형 90">
-            <a:extLst>
-              <a:ext uri="{FF2B5EF4-FFF2-40B4-BE49-F238E27FC236}">
-                <a16:creationId xmlns:a16="http://schemas.microsoft.com/office/drawing/2014/main" id="{C6AEE795-6D3A-4139-9970-A38B56E1E9D0}"/>
-              </a:ext>
-            </a:extLst>
-          </p:cNvPr>
-          <p:cNvSpPr/>
-          <p:nvPr/>
-        </p:nvSpPr>
-        <p:spPr>
-          <a:xfrm>
-            <a:off x="2671927" y="618308"/>
-            <a:ext cx="746760" cy="369330"/>
+            <a:endParaRPr lang="en-US" altLang="ko-KR" sz="1200" dirty="0"/>
+          </a:p>
+          <a:p>
+            <a:r>
+              <a:rPr lang="ko-KR" altLang="en-US" sz="1200" dirty="0"/>
+              <a:t>⨀ 기능에 필요한 테이블</a:t>
+            </a:r>
+            <a:endParaRPr lang="en-US" altLang="ko-KR" sz="1200" dirty="0"/>
+          </a:p>
+          <a:p>
+            <a:r>
+              <a:rPr lang="en-US" altLang="ko-KR" sz="1200" dirty="0"/>
+              <a:t>     </a:t>
+            </a:r>
+          </a:p>
+          <a:p>
+            <a:pPr marL="228600" indent="-228600">
+              <a:buAutoNum type="arabicPeriod"/>
+            </a:pPr>
+            <a:r>
+              <a:rPr lang="en-US" altLang="ko-KR" sz="1200" dirty="0"/>
+              <a:t>User Table(User</a:t>
+            </a:r>
+            <a:r>
+              <a:rPr lang="ko-KR" altLang="en-US" sz="1200" dirty="0"/>
+              <a:t>의 </a:t>
+            </a:r>
+            <a:r>
+              <a:rPr lang="en-US" altLang="ko-KR" sz="1200" dirty="0"/>
+              <a:t>‘Avoid Acquaintance’</a:t>
+            </a:r>
+            <a:r>
+              <a:rPr lang="ko-KR" altLang="en-US" sz="1200" dirty="0"/>
+              <a:t>가 </a:t>
+            </a:r>
+            <a:r>
+              <a:rPr lang="en-US" altLang="ko-KR" sz="1200" dirty="0"/>
+              <a:t>True</a:t>
+            </a:r>
+            <a:r>
+              <a:rPr lang="ko-KR" altLang="en-US" sz="1200" dirty="0"/>
+              <a:t>이면 아는 사람 피하기 기능을 사용하는 것임</a:t>
+            </a:r>
+            <a:r>
+              <a:rPr lang="en-US" altLang="ko-KR" sz="1200" dirty="0"/>
+              <a:t>)</a:t>
+            </a:r>
+            <a:r>
+              <a:rPr lang="ko-KR" altLang="en-US" sz="1200" dirty="0"/>
+              <a:t> </a:t>
+            </a:r>
+            <a:endParaRPr lang="en-US" altLang="ko-KR" sz="1200" dirty="0"/>
+          </a:p>
+          <a:p>
+            <a:pPr marL="228600" indent="-228600">
+              <a:buAutoNum type="arabicPeriod"/>
+            </a:pPr>
+            <a:endParaRPr lang="en-US" altLang="ko-KR" sz="1200" dirty="0"/>
+          </a:p>
+          <a:p>
+            <a:r>
+              <a:rPr lang="en-US" altLang="ko-KR" sz="1200" dirty="0"/>
+              <a:t>2. </a:t>
+            </a:r>
+            <a:r>
+              <a:rPr lang="en-US" altLang="ko-KR" sz="1200" dirty="0" err="1"/>
+              <a:t>AcquaintancePhoneNumber</a:t>
+            </a:r>
+            <a:r>
+              <a:rPr lang="en-US" altLang="ko-KR" sz="1200" dirty="0"/>
+              <a:t> Table</a:t>
+            </a:r>
+          </a:p>
+          <a:p>
+            <a:r>
+              <a:rPr lang="en-US" altLang="ko-KR" sz="1200" dirty="0"/>
+              <a:t>  - User</a:t>
+            </a:r>
+            <a:r>
+              <a:rPr lang="ko-KR" altLang="en-US" sz="1200" dirty="0"/>
+              <a:t> </a:t>
+            </a:r>
+            <a:r>
+              <a:rPr lang="en-US" altLang="ko-KR" sz="1200" dirty="0"/>
+              <a:t>Table</a:t>
+            </a:r>
+            <a:r>
+              <a:rPr lang="ko-KR" altLang="en-US" sz="1200" dirty="0"/>
+              <a:t>과 </a:t>
+            </a:r>
+            <a:r>
+              <a:rPr lang="en-US" altLang="ko-KR" sz="1200" dirty="0"/>
+              <a:t>N : 1</a:t>
+            </a:r>
+            <a:r>
+              <a:rPr lang="ko-KR" altLang="en-US" sz="1200" dirty="0"/>
+              <a:t>의 관계로 </a:t>
+            </a:r>
+            <a:r>
+              <a:rPr lang="ko-KR" altLang="en-US" sz="1200" dirty="0" err="1"/>
+              <a:t>매핑된</a:t>
+            </a:r>
+            <a:r>
+              <a:rPr lang="ko-KR" altLang="en-US" sz="1200" dirty="0"/>
+              <a:t> 테이블입니다</a:t>
+            </a:r>
+            <a:r>
+              <a:rPr lang="en-US" altLang="ko-KR" sz="1200" dirty="0"/>
+              <a:t>. User</a:t>
+            </a:r>
+            <a:r>
+              <a:rPr lang="ko-KR" altLang="en-US" sz="1200" dirty="0"/>
+              <a:t>의 핸드폰에 저장된 모든 연락처를 저장합니다</a:t>
+            </a:r>
+            <a:r>
+              <a:rPr lang="en-US" altLang="ko-KR" sz="1200" dirty="0"/>
+              <a:t>.</a:t>
+            </a:r>
+          </a:p>
+          <a:p>
+            <a:endParaRPr lang="en-US" altLang="ko-KR" sz="1200" dirty="0"/>
+          </a:p>
+          <a:p>
+            <a:r>
+              <a:rPr lang="en-US" altLang="ko-KR" sz="1200" dirty="0"/>
+              <a:t>3. </a:t>
+            </a:r>
+            <a:r>
+              <a:rPr lang="en-US" altLang="ko-KR" sz="1200" dirty="0" err="1"/>
+              <a:t>AcquaintanceRelation</a:t>
+            </a:r>
+            <a:r>
+              <a:rPr lang="ko-KR" altLang="en-US" sz="1200" dirty="0"/>
+              <a:t> </a:t>
+            </a:r>
+            <a:r>
+              <a:rPr lang="en-US" altLang="ko-KR" sz="1200" dirty="0"/>
+              <a:t>Table (</a:t>
+            </a:r>
+            <a:r>
+              <a:rPr lang="ko-KR" altLang="en-US" sz="1200" dirty="0"/>
+              <a:t>두 이용자가 아는 사이임을 나타내는 테이블</a:t>
+            </a:r>
+            <a:r>
+              <a:rPr lang="en-US" altLang="ko-KR" sz="1200" dirty="0"/>
+              <a:t>)</a:t>
+            </a:r>
+          </a:p>
+          <a:p>
+            <a:r>
+              <a:rPr lang="en-US" altLang="ko-KR" sz="1200" dirty="0"/>
+              <a:t>  - User </a:t>
+            </a:r>
+            <a:r>
+              <a:rPr lang="ko-KR" altLang="en-US" sz="1200" dirty="0"/>
+              <a:t>대 </a:t>
+            </a:r>
+            <a:r>
+              <a:rPr lang="en-US" altLang="ko-KR" sz="1200" dirty="0"/>
+              <a:t>User </a:t>
+            </a:r>
+            <a:r>
+              <a:rPr lang="ko-KR" altLang="en-US" sz="1200" dirty="0"/>
+              <a:t>의 </a:t>
+            </a:r>
+            <a:r>
+              <a:rPr lang="en-US" altLang="ko-KR" sz="1200" dirty="0"/>
+              <a:t>N:N </a:t>
+            </a:r>
+            <a:r>
+              <a:rPr lang="ko-KR" altLang="en-US" sz="1200" dirty="0"/>
+              <a:t>관계를 풀어낸 테이블입니다</a:t>
+            </a:r>
+            <a:r>
+              <a:rPr lang="en-US" altLang="ko-KR" sz="1200" dirty="0"/>
+              <a:t>. </a:t>
+            </a:r>
+            <a:r>
+              <a:rPr lang="ko-KR" altLang="en-US" sz="1200" dirty="0"/>
+              <a:t>즉 </a:t>
+            </a:r>
+            <a:r>
+              <a:rPr lang="en-US" altLang="ko-KR" sz="1200" dirty="0"/>
+              <a:t>FK</a:t>
+            </a:r>
+            <a:r>
+              <a:rPr lang="ko-KR" altLang="en-US" sz="1200" dirty="0"/>
+              <a:t>로 두 유저의 </a:t>
+            </a:r>
+            <a:r>
+              <a:rPr lang="en-US" altLang="ko-KR" sz="1200" dirty="0"/>
+              <a:t>PK</a:t>
+            </a:r>
+            <a:r>
+              <a:rPr lang="ko-KR" altLang="en-US" sz="1200" dirty="0"/>
+              <a:t>를 갖습니다</a:t>
+            </a:r>
+            <a:r>
+              <a:rPr lang="en-US" altLang="ko-KR" sz="1200" dirty="0"/>
+              <a:t>.</a:t>
+            </a:r>
+          </a:p>
+          <a:p>
+            <a:pPr marL="171450" indent="-171450">
+              <a:buFontTx/>
+              <a:buChar char="-"/>
+            </a:pPr>
+            <a:endParaRPr lang="en-US" altLang="ko-KR" sz="1200" dirty="0"/>
+          </a:p>
+          <a:p>
+            <a:endParaRPr lang="en-US" altLang="ko-KR" sz="1200" dirty="0"/>
+          </a:p>
+          <a:p>
+            <a:pPr marL="171450" indent="-171450">
+              <a:buFontTx/>
+              <a:buChar char="-"/>
+            </a:pPr>
+            <a:endParaRPr lang="en-US" altLang="ko-KR" sz="1200" dirty="0"/>
+          </a:p>
+          <a:p>
+            <a:r>
+              <a:rPr lang="ko-KR" altLang="en-US" sz="1200" b="1" dirty="0"/>
+              <a:t>⨀ 상황 </a:t>
+            </a:r>
+            <a:r>
+              <a:rPr lang="en-US" altLang="ko-KR" sz="1200" b="1" dirty="0"/>
+              <a:t>1 –  </a:t>
+            </a:r>
+            <a:r>
+              <a:rPr lang="ko-KR" altLang="en-US" sz="1200" b="1" dirty="0"/>
+              <a:t>아는 사람 피하기 기능 </a:t>
+            </a:r>
+            <a:r>
+              <a:rPr lang="en-US" altLang="ko-KR" sz="1200" b="1" dirty="0"/>
+              <a:t>On</a:t>
+            </a:r>
+          </a:p>
+          <a:p>
+            <a:endParaRPr lang="en-US" altLang="ko-KR" sz="1200" dirty="0"/>
+          </a:p>
+          <a:p>
+            <a:r>
+              <a:rPr lang="en-US" altLang="ko-KR" sz="1200" dirty="0"/>
+              <a:t>1) </a:t>
+            </a:r>
+            <a:r>
+              <a:rPr lang="ko-KR" altLang="en-US" sz="1200" dirty="0"/>
+              <a:t>신규 유저의 핸드폰에 저장된 모든 번호를 받아옵니다</a:t>
+            </a:r>
+            <a:r>
+              <a:rPr lang="en-US" altLang="ko-KR" sz="1200" dirty="0"/>
+              <a:t>. </a:t>
+            </a:r>
+            <a:r>
+              <a:rPr lang="ko-KR" altLang="en-US" sz="1200" dirty="0"/>
+              <a:t>이후 </a:t>
+            </a:r>
+            <a:r>
+              <a:rPr lang="en-US" altLang="ko-KR" sz="1200" dirty="0"/>
+              <a:t>Acquaintance </a:t>
+            </a:r>
+            <a:r>
+              <a:rPr lang="en-US" altLang="ko-KR" sz="1200" dirty="0" err="1"/>
+              <a:t>PhoneNumber</a:t>
+            </a:r>
+            <a:r>
+              <a:rPr lang="en-US" altLang="ko-KR" sz="1200" dirty="0"/>
+              <a:t> </a:t>
+            </a:r>
+            <a:r>
+              <a:rPr lang="ko-KR" altLang="en-US" sz="1200" dirty="0"/>
+              <a:t>테이블에 저장합니다</a:t>
+            </a:r>
+            <a:r>
+              <a:rPr lang="en-US" altLang="ko-KR" sz="1200" dirty="0"/>
+              <a:t>.</a:t>
+            </a:r>
+          </a:p>
+          <a:p>
+            <a:endParaRPr lang="en-US" altLang="ko-KR" sz="1200" dirty="0"/>
+          </a:p>
+          <a:p>
+            <a:r>
+              <a:rPr lang="en-US" altLang="ko-KR" sz="1200" dirty="0"/>
+              <a:t>2) </a:t>
+            </a:r>
+            <a:r>
+              <a:rPr lang="ko-KR" altLang="en-US" sz="1200" dirty="0"/>
+              <a:t>해당 번호로 가입한 기존 유저를 리스트로 받아옵니다</a:t>
+            </a:r>
+            <a:r>
+              <a:rPr lang="en-US" altLang="ko-KR" sz="1200" dirty="0"/>
+              <a:t>.</a:t>
+            </a:r>
+          </a:p>
+          <a:p>
+            <a:endParaRPr lang="en-US" altLang="ko-KR" sz="1200" dirty="0"/>
+          </a:p>
+          <a:p>
+            <a:r>
+              <a:rPr lang="en-US" altLang="ko-KR" sz="1200" dirty="0"/>
+              <a:t>3) </a:t>
+            </a:r>
+            <a:r>
+              <a:rPr lang="ko-KR" altLang="en-US" sz="1200" dirty="0"/>
+              <a:t>기존 유저들과 신규 유저가 아는 사이임을 </a:t>
+            </a:r>
+            <a:r>
+              <a:rPr lang="en-US" altLang="ko-KR" sz="1200" dirty="0" err="1"/>
+              <a:t>AcquaintanceRelation</a:t>
+            </a:r>
+            <a:r>
+              <a:rPr lang="en-US" altLang="ko-KR" sz="1200" dirty="0"/>
+              <a:t> </a:t>
+            </a:r>
+            <a:r>
+              <a:rPr lang="ko-KR" altLang="en-US" sz="1200" dirty="0"/>
+              <a:t>테이블에 저장합니다</a:t>
+            </a:r>
+            <a:r>
+              <a:rPr lang="en-US" altLang="ko-KR" sz="1200" dirty="0"/>
+              <a:t>.</a:t>
+            </a:r>
+          </a:p>
+          <a:p>
+            <a:endParaRPr lang="en-US" altLang="ko-KR" sz="1200" dirty="0"/>
+          </a:p>
+          <a:p>
+            <a:endParaRPr lang="en-US" altLang="ko-KR" sz="1200" dirty="0"/>
+          </a:p>
+          <a:p>
+            <a:endParaRPr lang="en-US" altLang="ko-KR" sz="1200" dirty="0"/>
+          </a:p>
+          <a:p>
+            <a:endParaRPr lang="en-US" altLang="ko-KR" sz="1200" dirty="0"/>
+          </a:p>
+          <a:p>
+            <a:r>
+              <a:rPr lang="en-US" altLang="ko-KR" sz="1200" dirty="0"/>
+              <a:t>4) </a:t>
+            </a:r>
+            <a:r>
+              <a:rPr lang="ko-KR" altLang="en-US" sz="1200" dirty="0"/>
+              <a:t>이미 아는 사이로 등록된 관계인 경우 </a:t>
+            </a:r>
+            <a:r>
+              <a:rPr lang="en-US" altLang="ko-KR" sz="1200" dirty="0" err="1"/>
+              <a:t>AcquaintanceRelation</a:t>
+            </a:r>
+            <a:r>
+              <a:rPr lang="en-US" altLang="ko-KR" sz="1200" dirty="0"/>
+              <a:t> </a:t>
+            </a:r>
+            <a:r>
+              <a:rPr lang="ko-KR" altLang="en-US" sz="1200" dirty="0"/>
+              <a:t>테이블에 데이터를 </a:t>
+            </a:r>
+            <a:r>
+              <a:rPr lang="ko-KR" altLang="en-US" sz="1200" dirty="0" err="1"/>
+              <a:t>추가등록하지</a:t>
+            </a:r>
+            <a:r>
+              <a:rPr lang="ko-KR" altLang="en-US" sz="1200" dirty="0"/>
+              <a:t> 않습니다</a:t>
+            </a:r>
+            <a:r>
+              <a:rPr lang="en-US" altLang="ko-KR" sz="1200" dirty="0"/>
+              <a:t>.</a:t>
+            </a:r>
+          </a:p>
+        </p:txBody>
+      </p:sp>
+      <p:sp>
+        <p:nvSpPr>
+          <p:cNvPr id="2" name="Rectangle 1">
+            <a:extLst>
+              <a:ext uri="{FF2B5EF4-FFF2-40B4-BE49-F238E27FC236}">
+                <a16:creationId xmlns:a16="http://schemas.microsoft.com/office/drawing/2014/main" id="{E2B51FE0-D35F-480F-8B99-5B08004334D1}"/>
+              </a:ext>
+            </a:extLst>
+          </p:cNvPr>
+          <p:cNvSpPr>
+            <a:spLocks noChangeArrowheads="1"/>
+          </p:cNvSpPr>
+          <p:nvPr/>
+        </p:nvSpPr>
+        <p:spPr bwMode="auto">
+          <a:xfrm>
+            <a:off x="6375837" y="1052826"/>
+            <a:ext cx="3498318" cy="369332"/>
           </a:xfrm>
           <a:prstGeom prst="rect">
             <a:avLst/>
           </a:prstGeom>
-        </p:spPr>
-        <p:style>
-          <a:lnRef idx="2">
-            <a:schemeClr val="accent3">
-              <a:shade val="50000"/>
-            </a:schemeClr>
-          </a:lnRef>
-          <a:fillRef idx="1">
-            <a:schemeClr val="accent3"/>
-          </a:fillRef>
-          <a:effectRef idx="0">
-            <a:schemeClr val="accent3"/>
-          </a:effectRef>
-          <a:fontRef idx="minor">
-            <a:schemeClr val="lt1"/>
-          </a:fontRef>
-        </p:style>
-        <p:txBody>
-          <a:bodyPr rtlCol="0" anchor="ctr"/>
-          <a:lstStyle/>
-          <a:p>
-            <a:pPr algn="ctr"/>
-            <a:endParaRPr lang="ko-KR" altLang="en-US" dirty="0"/>
-          </a:p>
-        </p:txBody>
-      </p:sp>
-      <p:sp>
-        <p:nvSpPr>
-          <p:cNvPr id="92" name="TextBox 91">
-            <a:extLst>
-              <a:ext uri="{FF2B5EF4-FFF2-40B4-BE49-F238E27FC236}">
-                <a16:creationId xmlns:a16="http://schemas.microsoft.com/office/drawing/2014/main" id="{3D5A38BF-411C-4277-B32F-E0B133EFF133}"/>
+          <a:solidFill>
+            <a:srgbClr val="2B2B2B"/>
+          </a:solidFill>
+          <a:ln>
+            <a:noFill/>
+          </a:ln>
+          <a:effectLst/>
+          <a:extLst>
+            <a:ext uri="{91240B29-F687-4F45-9708-019B960494DF}">
+              <a14:hiddenLine xmlns:a14="http://schemas.microsoft.com/office/drawing/2010/main" w="9525">
+                <a:solidFill>
+                  <a:schemeClr val="tx1"/>
+                </a:solidFill>
+                <a:miter lim="800000"/>
+                <a:headEnd/>
+                <a:tailEnd/>
+              </a14:hiddenLine>
+            </a:ext>
+            <a:ext uri="{AF507438-7753-43E0-B8FC-AC1667EBCBE1}">
+              <a14:hiddenEffects xmlns:a14="http://schemas.microsoft.com/office/drawing/2010/main">
+                <a:effectLst>
+                  <a:outerShdw dist="35921" dir="2700000" algn="ctr" rotWithShape="0">
+                    <a:schemeClr val="bg2"/>
+                  </a:outerShdw>
+                </a:effectLst>
+              </a14:hiddenEffects>
+            </a:ext>
+          </a:extLst>
+        </p:spPr>
+        <p:txBody>
+          <a:bodyPr vert="horz" wrap="square" lIns="91440" tIns="45720" rIns="91440" bIns="45720" numCol="1" anchor="ctr" anchorCtr="0" compatLnSpc="1">
+            <a:prstTxWarp prst="textNoShape">
+              <a:avLst/>
+            </a:prstTxWarp>
+            <a:spAutoFit/>
+          </a:bodyPr>
+          <a:lstStyle/>
+          <a:p>
+            <a:pPr marL="0" marR="0" lvl="0" indent="0" algn="l" defTabSz="914400" rtl="0" eaLnBrk="0" fontAlgn="base" latinLnBrk="0" hangingPunct="0">
+              <a:lnSpc>
+                <a:spcPct val="100000"/>
+              </a:lnSpc>
+              <a:spcBef>
+                <a:spcPct val="0"/>
+              </a:spcBef>
+              <a:spcAft>
+                <a:spcPct val="0"/>
+              </a:spcAft>
+              <a:buClrTx/>
+              <a:buSzTx/>
+              <a:buFontTx/>
+              <a:buNone/>
+              <a:tabLst/>
+            </a:pPr>
+            <a:r>
+              <a:rPr kumimoji="0" lang="ko-KR" altLang="ko-KR" sz="900" b="0" i="0" u="none" strike="noStrike" cap="none" normalizeH="0" baseline="0" dirty="0">
+                <a:ln>
+                  <a:noFill/>
+                </a:ln>
+                <a:solidFill>
+                  <a:srgbClr val="6A8759"/>
+                </a:solidFill>
+                <a:effectLst/>
+                <a:latin typeface="Arial Unicode MS"/>
+                <a:ea typeface="JetBrains Mono"/>
+              </a:rPr>
+              <a:t>"</a:t>
+            </a:r>
+            <a:r>
+              <a:rPr kumimoji="0" lang="ko-KR" altLang="ko-KR" sz="900" b="0" i="0" u="none" strike="noStrike" cap="none" normalizeH="0" baseline="0" dirty="0" err="1">
+                <a:ln>
+                  <a:noFill/>
+                </a:ln>
+                <a:solidFill>
+                  <a:srgbClr val="6A8759"/>
+                </a:solidFill>
+                <a:effectLst/>
+                <a:latin typeface="Arial Unicode MS"/>
+                <a:ea typeface="JetBrains Mono"/>
+              </a:rPr>
+              <a:t>select</a:t>
+            </a:r>
+            <a:r>
+              <a:rPr kumimoji="0" lang="ko-KR" altLang="ko-KR" sz="900" b="0" i="0" u="none" strike="noStrike" cap="none" normalizeH="0" baseline="0" dirty="0">
+                <a:ln>
+                  <a:noFill/>
+                </a:ln>
+                <a:solidFill>
+                  <a:srgbClr val="6A8759"/>
+                </a:solidFill>
+                <a:effectLst/>
+                <a:latin typeface="Arial Unicode MS"/>
+                <a:ea typeface="JetBrains Mono"/>
+              </a:rPr>
+              <a:t> </a:t>
+            </a:r>
+            <a:r>
+              <a:rPr kumimoji="0" lang="ko-KR" altLang="ko-KR" sz="900" b="0" i="0" u="none" strike="noStrike" cap="none" normalizeH="0" baseline="0" dirty="0" err="1">
+                <a:ln>
+                  <a:noFill/>
+                </a:ln>
+                <a:solidFill>
+                  <a:srgbClr val="6A8759"/>
+                </a:solidFill>
+                <a:effectLst/>
+                <a:latin typeface="Arial Unicode MS"/>
+                <a:ea typeface="JetBrains Mono"/>
+              </a:rPr>
+              <a:t>a</a:t>
+            </a:r>
+            <a:r>
+              <a:rPr kumimoji="0" lang="ko-KR" altLang="ko-KR" sz="900" b="0" i="0" u="none" strike="noStrike" cap="none" normalizeH="0" baseline="0" dirty="0">
+                <a:ln>
+                  <a:noFill/>
+                </a:ln>
+                <a:solidFill>
+                  <a:srgbClr val="6A8759"/>
+                </a:solidFill>
+                <a:effectLst/>
+                <a:latin typeface="Arial Unicode MS"/>
+                <a:ea typeface="JetBrains Mono"/>
+              </a:rPr>
+              <a:t> </a:t>
+            </a:r>
+            <a:r>
+              <a:rPr kumimoji="0" lang="ko-KR" altLang="ko-KR" sz="900" b="0" i="0" u="none" strike="noStrike" cap="none" normalizeH="0" baseline="0" dirty="0" err="1">
+                <a:ln>
+                  <a:noFill/>
+                </a:ln>
+                <a:solidFill>
+                  <a:srgbClr val="6A8759"/>
+                </a:solidFill>
+                <a:effectLst/>
+                <a:latin typeface="Arial Unicode MS"/>
+                <a:ea typeface="JetBrains Mono"/>
+              </a:rPr>
+              <a:t>from</a:t>
+            </a:r>
+            <a:r>
+              <a:rPr kumimoji="0" lang="ko-KR" altLang="ko-KR" sz="900" b="0" i="0" u="none" strike="noStrike" cap="none" normalizeH="0" baseline="0" dirty="0">
+                <a:ln>
+                  <a:noFill/>
+                </a:ln>
+                <a:solidFill>
+                  <a:srgbClr val="6A8759"/>
+                </a:solidFill>
+                <a:effectLst/>
+                <a:latin typeface="Arial Unicode MS"/>
+                <a:ea typeface="JetBrains Mono"/>
+              </a:rPr>
+              <a:t> </a:t>
+            </a:r>
+            <a:r>
+              <a:rPr kumimoji="0" lang="ko-KR" altLang="ko-KR" sz="900" b="0" i="0" u="none" strike="noStrike" cap="none" normalizeH="0" baseline="0" dirty="0" err="1">
+                <a:ln>
+                  <a:noFill/>
+                </a:ln>
+                <a:solidFill>
+                  <a:srgbClr val="6A8759"/>
+                </a:solidFill>
+                <a:effectLst/>
+                <a:latin typeface="Arial Unicode MS"/>
+                <a:ea typeface="JetBrains Mono"/>
+              </a:rPr>
+              <a:t>AcquaintancePhoneNumber</a:t>
+            </a:r>
+            <a:r>
+              <a:rPr kumimoji="0" lang="ko-KR" altLang="ko-KR" sz="900" b="0" i="0" u="none" strike="noStrike" cap="none" normalizeH="0" baseline="0" dirty="0">
+                <a:ln>
+                  <a:noFill/>
+                </a:ln>
+                <a:solidFill>
+                  <a:srgbClr val="6A8759"/>
+                </a:solidFill>
+                <a:effectLst/>
+                <a:latin typeface="Arial Unicode MS"/>
+                <a:ea typeface="JetBrains Mono"/>
+              </a:rPr>
+              <a:t> </a:t>
+            </a:r>
+            <a:r>
+              <a:rPr kumimoji="0" lang="ko-KR" altLang="ko-KR" sz="900" b="0" i="0" u="none" strike="noStrike" cap="none" normalizeH="0" baseline="0" dirty="0" err="1">
+                <a:ln>
+                  <a:noFill/>
+                </a:ln>
+                <a:solidFill>
+                  <a:srgbClr val="6A8759"/>
+                </a:solidFill>
+                <a:effectLst/>
+                <a:latin typeface="Arial Unicode MS"/>
+                <a:ea typeface="JetBrains Mono"/>
+              </a:rPr>
+              <a:t>a</a:t>
+            </a:r>
+            <a:r>
+              <a:rPr kumimoji="0" lang="ko-KR" altLang="ko-KR" sz="900" b="0" i="0" u="none" strike="noStrike" cap="none" normalizeH="0" baseline="0" dirty="0">
+                <a:ln>
+                  <a:noFill/>
+                </a:ln>
+                <a:solidFill>
+                  <a:srgbClr val="6A8759"/>
+                </a:solidFill>
+                <a:effectLst/>
+                <a:latin typeface="Arial Unicode MS"/>
+                <a:ea typeface="JetBrains Mono"/>
+              </a:rPr>
+              <a:t> </a:t>
+            </a:r>
+            <a:r>
+              <a:rPr kumimoji="0" lang="ko-KR" altLang="ko-KR" sz="900" b="0" i="0" u="none" strike="noStrike" cap="none" normalizeH="0" baseline="0" dirty="0" err="1">
+                <a:ln>
+                  <a:noFill/>
+                </a:ln>
+                <a:solidFill>
+                  <a:srgbClr val="6A8759"/>
+                </a:solidFill>
+                <a:effectLst/>
+                <a:latin typeface="Arial Unicode MS"/>
+                <a:ea typeface="JetBrains Mono"/>
+              </a:rPr>
+              <a:t>where</a:t>
+            </a:r>
+            <a:r>
+              <a:rPr kumimoji="0" lang="ko-KR" altLang="ko-KR" sz="900" b="0" i="0" u="none" strike="noStrike" cap="none" normalizeH="0" baseline="0" dirty="0">
+                <a:ln>
+                  <a:noFill/>
+                </a:ln>
+                <a:solidFill>
+                  <a:srgbClr val="6A8759"/>
+                </a:solidFill>
+                <a:effectLst/>
+                <a:latin typeface="Arial Unicode MS"/>
+                <a:ea typeface="JetBrains Mono"/>
+              </a:rPr>
+              <a:t> </a:t>
+            </a:r>
+            <a:r>
+              <a:rPr kumimoji="0" lang="ko-KR" altLang="ko-KR" sz="900" b="0" i="0" u="none" strike="noStrike" cap="none" normalizeH="0" baseline="0" dirty="0" err="1">
+                <a:ln>
+                  <a:noFill/>
+                </a:ln>
+                <a:solidFill>
+                  <a:srgbClr val="6A8759"/>
+                </a:solidFill>
+                <a:effectLst/>
+                <a:latin typeface="Arial Unicode MS"/>
+                <a:ea typeface="JetBrains Mono"/>
+              </a:rPr>
+              <a:t>a.user</a:t>
+            </a:r>
+            <a:r>
+              <a:rPr kumimoji="0" lang="ko-KR" altLang="ko-KR" sz="900" b="0" i="0" u="none" strike="noStrike" cap="none" normalizeH="0" baseline="0" dirty="0">
+                <a:ln>
+                  <a:noFill/>
+                </a:ln>
+                <a:solidFill>
+                  <a:srgbClr val="6A8759"/>
+                </a:solidFill>
+                <a:effectLst/>
+                <a:latin typeface="Arial Unicode MS"/>
+                <a:ea typeface="JetBrains Mono"/>
+              </a:rPr>
+              <a:t> =:</a:t>
+            </a:r>
+            <a:r>
+              <a:rPr kumimoji="0" lang="ko-KR" altLang="ko-KR" sz="900" b="0" i="0" u="none" strike="noStrike" cap="none" normalizeH="0" baseline="0" dirty="0" err="1">
+                <a:ln>
+                  <a:noFill/>
+                </a:ln>
+                <a:solidFill>
+                  <a:srgbClr val="6A8759"/>
+                </a:solidFill>
+                <a:effectLst/>
+                <a:latin typeface="Arial Unicode MS"/>
+                <a:ea typeface="JetBrains Mono"/>
+              </a:rPr>
+              <a:t>user</a:t>
+            </a:r>
+            <a:r>
+              <a:rPr kumimoji="0" lang="ko-KR" altLang="ko-KR" sz="900" b="0" i="0" u="none" strike="noStrike" cap="none" normalizeH="0" baseline="0" dirty="0">
+                <a:ln>
+                  <a:noFill/>
+                </a:ln>
+                <a:solidFill>
+                  <a:srgbClr val="6A8759"/>
+                </a:solidFill>
+                <a:effectLst/>
+                <a:latin typeface="Arial Unicode MS"/>
+                <a:ea typeface="JetBrains Mono"/>
+              </a:rPr>
+              <a:t> and </a:t>
+            </a:r>
+            <a:r>
+              <a:rPr kumimoji="0" lang="ko-KR" altLang="ko-KR" sz="900" b="0" i="0" u="none" strike="noStrike" cap="none" normalizeH="0" baseline="0" dirty="0" err="1">
+                <a:ln>
+                  <a:noFill/>
+                </a:ln>
+                <a:solidFill>
+                  <a:srgbClr val="6A8759"/>
+                </a:solidFill>
+                <a:effectLst/>
+                <a:latin typeface="Arial Unicode MS"/>
+                <a:ea typeface="JetBrains Mono"/>
+              </a:rPr>
+              <a:t>a.acquaintancePhoneNumber</a:t>
+            </a:r>
+            <a:r>
+              <a:rPr kumimoji="0" lang="ko-KR" altLang="ko-KR" sz="900" b="0" i="0" u="none" strike="noStrike" cap="none" normalizeH="0" baseline="0" dirty="0">
+                <a:ln>
+                  <a:noFill/>
+                </a:ln>
+                <a:solidFill>
+                  <a:srgbClr val="6A8759"/>
+                </a:solidFill>
+                <a:effectLst/>
+                <a:latin typeface="Arial Unicode MS"/>
+                <a:ea typeface="JetBrains Mono"/>
+              </a:rPr>
+              <a:t> =:</a:t>
+            </a:r>
+            <a:r>
+              <a:rPr kumimoji="0" lang="ko-KR" altLang="ko-KR" sz="900" b="0" i="0" u="none" strike="noStrike" cap="none" normalizeH="0" baseline="0" dirty="0" err="1">
+                <a:ln>
+                  <a:noFill/>
+                </a:ln>
+                <a:solidFill>
+                  <a:srgbClr val="6A8759"/>
+                </a:solidFill>
+                <a:effectLst/>
+                <a:latin typeface="Arial Unicode MS"/>
+                <a:ea typeface="JetBrains Mono"/>
+              </a:rPr>
+              <a:t>phoneNumber</a:t>
+            </a:r>
+            <a:r>
+              <a:rPr kumimoji="0" lang="ko-KR" altLang="ko-KR" sz="900" b="0" i="0" u="none" strike="noStrike" cap="none" normalizeH="0" baseline="0" dirty="0">
+                <a:ln>
+                  <a:noFill/>
+                </a:ln>
+                <a:solidFill>
+                  <a:srgbClr val="6A8759"/>
+                </a:solidFill>
+                <a:effectLst/>
+                <a:latin typeface="Arial Unicode MS"/>
+                <a:ea typeface="JetBrains Mono"/>
+              </a:rPr>
+              <a:t>"</a:t>
+            </a:r>
+            <a:endParaRPr kumimoji="0" lang="ko-KR" altLang="ko-KR" sz="1800" b="0" i="0" u="none" strike="noStrike" cap="none" normalizeH="0" baseline="0" dirty="0">
+              <a:ln>
+                <a:noFill/>
+              </a:ln>
+              <a:solidFill>
+                <a:schemeClr val="tx1"/>
+              </a:solidFill>
+              <a:effectLst/>
+              <a:latin typeface="Arial" panose="020B0604020202020204" pitchFamily="34" charset="0"/>
+            </a:endParaRPr>
+          </a:p>
+        </p:txBody>
+      </p:sp>
+      <p:sp>
+        <p:nvSpPr>
+          <p:cNvPr id="28" name="TextBox 27">
+            <a:extLst>
+              <a:ext uri="{FF2B5EF4-FFF2-40B4-BE49-F238E27FC236}">
+                <a16:creationId xmlns:a16="http://schemas.microsoft.com/office/drawing/2014/main" id="{73909CA5-1DE6-43C9-83F4-147148F20DB1}"/>
               </a:ext>
             </a:extLst>
           </p:cNvPr>
@@ -7674,8 +8300,8 @@
         </p:nvSpPr>
         <p:spPr>
           <a:xfrm>
-            <a:off x="2786109" y="694856"/>
-            <a:ext cx="579992" cy="646331"/>
+            <a:off x="6096000" y="-11803"/>
+            <a:ext cx="5513135" cy="5262979"/>
           </a:xfrm>
           <a:prstGeom prst="rect">
             <a:avLst/>
@@ -7688,112 +8314,689 @@
           </a:bodyPr>
           <a:lstStyle/>
           <a:p>
-            <a:r>
-              <a:rPr lang="en-US" altLang="ko-KR" sz="900" dirty="0"/>
-              <a:t>Server</a:t>
-            </a:r>
-          </a:p>
-          <a:p>
+            <a:endParaRPr lang="en-US" altLang="ko-KR" sz="1200" dirty="0"/>
+          </a:p>
+          <a:p>
+            <a:r>
+              <a:rPr lang="ko-KR" altLang="en-US" sz="1200" b="1" dirty="0"/>
+              <a:t>⨀ 상황 </a:t>
+            </a:r>
+            <a:r>
+              <a:rPr lang="en-US" altLang="ko-KR" sz="1200" b="1" dirty="0"/>
+              <a:t>2 - </a:t>
+            </a:r>
+            <a:r>
+              <a:rPr lang="ko-KR" altLang="en-US" sz="1200" b="1" dirty="0"/>
+              <a:t>새로운 유저 가입</a:t>
+            </a:r>
+            <a:endParaRPr lang="en-US" altLang="ko-KR" sz="1200" b="1" dirty="0"/>
+          </a:p>
+          <a:p>
+            <a:r>
+              <a:rPr lang="en-US" altLang="ko-KR" sz="1200" dirty="0"/>
+              <a:t> </a:t>
+            </a:r>
+          </a:p>
+          <a:p>
+            <a:pPr marL="228600" indent="-228600">
+              <a:buAutoNum type="arabicParenR"/>
+            </a:pPr>
+            <a:r>
+              <a:rPr lang="ko-KR" altLang="en-US" sz="1200" dirty="0"/>
+              <a:t>새로운 유저 가입시 신규 유저의 전화번호를 통해 기존 유저와 아는 사이인지 확인한 후 리스트로 </a:t>
+            </a:r>
+            <a:r>
+              <a:rPr lang="ko-KR" altLang="en-US" sz="1200" dirty="0" err="1"/>
+              <a:t>받아옴</a:t>
+            </a:r>
+            <a:r>
+              <a:rPr lang="en-US" altLang="ko-KR" sz="1200" dirty="0"/>
+              <a:t>(</a:t>
+            </a:r>
+            <a:r>
+              <a:rPr lang="en-US" altLang="ko-KR" sz="1200" dirty="0" err="1"/>
+              <a:t>AcquaintancePhoneNumble</a:t>
+            </a:r>
+            <a:r>
+              <a:rPr lang="en-US" altLang="ko-KR" sz="1200" dirty="0"/>
+              <a:t> </a:t>
+            </a:r>
+            <a:r>
+              <a:rPr lang="ko-KR" altLang="en-US" sz="1200" dirty="0"/>
+              <a:t>테이블 이용</a:t>
+            </a:r>
+            <a:r>
+              <a:rPr lang="en-US" altLang="ko-KR" sz="1200" dirty="0"/>
+              <a:t>)</a:t>
+            </a:r>
+          </a:p>
+          <a:p>
+            <a:pPr marL="228600" indent="-228600">
+              <a:buAutoNum type="arabicParenR"/>
+            </a:pPr>
+            <a:endParaRPr lang="en-US" altLang="ko-KR" sz="1200" dirty="0"/>
+          </a:p>
+          <a:p>
+            <a:pPr marL="228600" indent="-228600">
+              <a:buAutoNum type="arabicPeriod"/>
+            </a:pPr>
+            <a:endParaRPr lang="en-US" altLang="ko-KR" sz="1200" dirty="0"/>
+          </a:p>
+          <a:p>
+            <a:endParaRPr lang="en-US" altLang="ko-KR" sz="1200" dirty="0"/>
+          </a:p>
+          <a:p>
+            <a:endParaRPr lang="en-US" altLang="ko-KR" sz="1200" dirty="0"/>
+          </a:p>
+          <a:p>
+            <a:r>
+              <a:rPr lang="en-US" altLang="ko-KR" sz="1200" dirty="0"/>
+              <a:t>2) </a:t>
+            </a:r>
+            <a:r>
+              <a:rPr lang="en-US" altLang="ko-KR" sz="1200" dirty="0" err="1"/>
+              <a:t>AcquaintanceRelation</a:t>
+            </a:r>
+            <a:r>
+              <a:rPr lang="en-US" altLang="ko-KR" sz="1200" dirty="0"/>
+              <a:t> </a:t>
+            </a:r>
+            <a:r>
+              <a:rPr lang="ko-KR" altLang="en-US" sz="1200" dirty="0"/>
+              <a:t>테이블에 리스트에 있는 기존 유저와 신규유저가 아는 사이임을 등록합니다</a:t>
+            </a:r>
+            <a:r>
+              <a:rPr lang="en-US" altLang="ko-KR" sz="1200" dirty="0"/>
+              <a:t>.</a:t>
+            </a:r>
             <a:endParaRPr lang="en-US" altLang="ko-KR" sz="900" dirty="0"/>
           </a:p>
           <a:p>
-            <a:endParaRPr lang="ko-KR" altLang="en-US" dirty="0"/>
-          </a:p>
-        </p:txBody>
-      </p:sp>
-      <p:sp>
-        <p:nvSpPr>
-          <p:cNvPr id="93" name="직사각형 92">
-            <a:extLst>
-              <a:ext uri="{FF2B5EF4-FFF2-40B4-BE49-F238E27FC236}">
-                <a16:creationId xmlns:a16="http://schemas.microsoft.com/office/drawing/2014/main" id="{32E7E611-9115-4ED5-974E-197C352FA1CA}"/>
-              </a:ext>
-            </a:extLst>
-          </p:cNvPr>
-          <p:cNvSpPr/>
-          <p:nvPr/>
-        </p:nvSpPr>
-        <p:spPr>
-          <a:xfrm>
-            <a:off x="5146796" y="624198"/>
-            <a:ext cx="746760" cy="369330"/>
+            <a:endParaRPr lang="en-US" altLang="ko-KR" sz="1200" dirty="0"/>
+          </a:p>
+          <a:p>
+            <a:endParaRPr lang="en-US" altLang="ko-KR" sz="1200" dirty="0"/>
+          </a:p>
+          <a:p>
+            <a:endParaRPr lang="en-US" altLang="ko-KR" sz="1200" dirty="0"/>
+          </a:p>
+          <a:p>
+            <a:endParaRPr lang="en-US" altLang="ko-KR" sz="1200" dirty="0"/>
+          </a:p>
+          <a:p>
+            <a:r>
+              <a:rPr lang="ko-KR" altLang="en-US" sz="1200" b="1" dirty="0"/>
+              <a:t>⨀ 상황 </a:t>
+            </a:r>
+            <a:r>
+              <a:rPr lang="en-US" altLang="ko-KR" sz="1200" b="1" dirty="0"/>
+              <a:t>3 – </a:t>
+            </a:r>
+            <a:r>
+              <a:rPr lang="ko-KR" altLang="en-US" sz="1200" b="1" dirty="0"/>
+              <a:t>아는 사람 피하기 기능 </a:t>
+            </a:r>
+            <a:r>
+              <a:rPr lang="en-US" altLang="ko-KR" sz="1200" b="1" dirty="0"/>
+              <a:t>Off</a:t>
+            </a:r>
+          </a:p>
+          <a:p>
+            <a:r>
+              <a:rPr lang="en-US" altLang="ko-KR" sz="1200" dirty="0"/>
+              <a:t> </a:t>
+            </a:r>
+          </a:p>
+          <a:p>
+            <a:pPr marL="228600" indent="-228600">
+              <a:buAutoNum type="arabicParenR"/>
+            </a:pPr>
+            <a:r>
+              <a:rPr lang="en-US" altLang="ko-KR" sz="1200" dirty="0" err="1"/>
+              <a:t>AcquaintancePhoneNumber</a:t>
+            </a:r>
+            <a:r>
+              <a:rPr lang="ko-KR" altLang="en-US" sz="1200" dirty="0"/>
+              <a:t> 테이블에서 </a:t>
+            </a:r>
+            <a:r>
+              <a:rPr lang="en-US" altLang="ko-KR" sz="1200" dirty="0"/>
+              <a:t>User</a:t>
+            </a:r>
+            <a:r>
+              <a:rPr lang="ko-KR" altLang="en-US" sz="1200" dirty="0"/>
+              <a:t>와 </a:t>
+            </a:r>
+            <a:r>
+              <a:rPr lang="ko-KR" altLang="en-US" sz="1200" dirty="0" err="1"/>
+              <a:t>연결되어있는</a:t>
+            </a:r>
+            <a:r>
+              <a:rPr lang="ko-KR" altLang="en-US" sz="1200" dirty="0"/>
+              <a:t> 모든 </a:t>
+            </a:r>
+            <a:r>
+              <a:rPr lang="en-US" altLang="ko-KR" sz="1200" dirty="0"/>
+              <a:t>Row</a:t>
+            </a:r>
+            <a:r>
+              <a:rPr lang="ko-KR" altLang="en-US" sz="1200" dirty="0"/>
+              <a:t>를 삭제합니다</a:t>
+            </a:r>
+            <a:r>
+              <a:rPr lang="en-US" altLang="ko-KR" sz="1200" dirty="0"/>
+              <a:t>.</a:t>
+            </a:r>
+          </a:p>
+          <a:p>
+            <a:pPr marL="228600" indent="-228600">
+              <a:buAutoNum type="arabicParenR"/>
+            </a:pPr>
+            <a:endParaRPr lang="en-US" altLang="ko-KR" sz="1200" dirty="0"/>
+          </a:p>
+          <a:p>
+            <a:pPr marL="228600" indent="-228600">
+              <a:buAutoNum type="arabicParenR"/>
+            </a:pPr>
+            <a:r>
+              <a:rPr lang="ko-KR" altLang="en-US" sz="1200" dirty="0"/>
+              <a:t>주의할 점 </a:t>
+            </a:r>
+            <a:r>
+              <a:rPr lang="en-US" altLang="ko-KR" sz="1200" dirty="0"/>
+              <a:t>: ‘</a:t>
+            </a:r>
+            <a:r>
+              <a:rPr lang="en-US" altLang="ko-KR" sz="1200" dirty="0" err="1"/>
+              <a:t>AcquaintanceRelation</a:t>
+            </a:r>
+            <a:r>
+              <a:rPr lang="en-US" altLang="ko-KR" sz="1200" dirty="0"/>
+              <a:t>’ </a:t>
+            </a:r>
+            <a:r>
+              <a:rPr lang="ko-KR" altLang="en-US" sz="1200" dirty="0"/>
+              <a:t>테이블은 </a:t>
+            </a:r>
+            <a:r>
+              <a:rPr lang="en-US" altLang="ko-KR" sz="1200" dirty="0"/>
+              <a:t>‘</a:t>
+            </a:r>
+            <a:r>
+              <a:rPr lang="en-US" altLang="ko-KR" sz="1200" dirty="0" err="1"/>
+              <a:t>AcquaintancePhoneNumber</a:t>
+            </a:r>
+            <a:r>
+              <a:rPr lang="en-US" altLang="ko-KR" sz="1200" dirty="0"/>
+              <a:t>’</a:t>
+            </a:r>
+            <a:r>
+              <a:rPr lang="ko-KR" altLang="en-US" sz="1200" dirty="0"/>
+              <a:t> 테이블과 달리 </a:t>
+            </a:r>
+            <a:r>
+              <a:rPr lang="en-US" altLang="ko-KR" sz="1200" dirty="0"/>
+              <a:t>User</a:t>
+            </a:r>
+            <a:r>
+              <a:rPr lang="ko-KR" altLang="en-US" sz="1200" dirty="0"/>
+              <a:t>와 연결되어 있는 모든 </a:t>
+            </a:r>
+            <a:r>
+              <a:rPr lang="en-US" altLang="ko-KR" sz="1200" dirty="0"/>
+              <a:t>Row</a:t>
+            </a:r>
+            <a:r>
+              <a:rPr lang="ko-KR" altLang="en-US" sz="1200" dirty="0"/>
+              <a:t>를 지우면 안됩니다</a:t>
+            </a:r>
+            <a:r>
+              <a:rPr lang="en-US" altLang="ko-KR" sz="1200" dirty="0"/>
+              <a:t>. </a:t>
+            </a:r>
+          </a:p>
+          <a:p>
+            <a:pPr marL="228600" indent="-228600">
+              <a:buAutoNum type="arabicParenR"/>
+            </a:pPr>
+            <a:endParaRPr lang="en-US" altLang="ko-KR" sz="1200" dirty="0"/>
+          </a:p>
+          <a:p>
+            <a:r>
+              <a:rPr lang="en-US" altLang="ko-KR" sz="1200" dirty="0"/>
+              <a:t>  -  </a:t>
+            </a:r>
+            <a:r>
+              <a:rPr lang="en-US" altLang="ko-KR" sz="1200" dirty="0" err="1"/>
+              <a:t>UserA</a:t>
+            </a:r>
+            <a:r>
+              <a:rPr lang="ko-KR" altLang="en-US" sz="1200" dirty="0"/>
+              <a:t>와 아는 사이라고 </a:t>
+            </a:r>
+            <a:r>
+              <a:rPr lang="ko-KR" altLang="en-US" sz="1200" dirty="0" err="1"/>
+              <a:t>등록되어있는</a:t>
+            </a:r>
+            <a:r>
+              <a:rPr lang="ko-KR" altLang="en-US" sz="1200" dirty="0"/>
+              <a:t> </a:t>
+            </a:r>
+            <a:r>
+              <a:rPr lang="en-US" altLang="ko-KR" sz="1200" dirty="0" err="1"/>
+              <a:t>UserB</a:t>
+            </a:r>
+            <a:r>
+              <a:rPr lang="ko-KR" altLang="en-US" sz="1200" dirty="0"/>
+              <a:t>가 아는 사람 피하기 기능을 사용하고 있다면 </a:t>
+            </a:r>
+            <a:r>
+              <a:rPr lang="en-US" altLang="ko-KR" sz="1200" dirty="0"/>
+              <a:t>Row</a:t>
+            </a:r>
+            <a:r>
+              <a:rPr lang="ko-KR" altLang="en-US" sz="1200" dirty="0"/>
+              <a:t>을 삭제하면 안됩니다</a:t>
+            </a:r>
+            <a:r>
+              <a:rPr lang="en-US" altLang="ko-KR" sz="1200" dirty="0"/>
+              <a:t>. </a:t>
+            </a:r>
+          </a:p>
+          <a:p>
+            <a:endParaRPr lang="en-US" altLang="ko-KR" sz="1200" dirty="0"/>
+          </a:p>
+          <a:p>
+            <a:r>
+              <a:rPr lang="en-US" altLang="ko-KR" sz="1200" dirty="0"/>
+              <a:t>  -  </a:t>
+            </a:r>
+            <a:r>
+              <a:rPr lang="en-US" altLang="ko-KR" sz="1200" dirty="0" err="1"/>
+              <a:t>UserA</a:t>
+            </a:r>
+            <a:r>
+              <a:rPr lang="ko-KR" altLang="en-US" sz="1200" dirty="0"/>
+              <a:t>와 아는 사이라고 </a:t>
+            </a:r>
+            <a:r>
+              <a:rPr lang="ko-KR" altLang="en-US" sz="1200" dirty="0" err="1"/>
+              <a:t>등록되어있는</a:t>
+            </a:r>
+            <a:r>
+              <a:rPr lang="ko-KR" altLang="en-US" sz="1200" dirty="0"/>
+              <a:t> </a:t>
+            </a:r>
+            <a:r>
+              <a:rPr lang="en-US" altLang="ko-KR" sz="1200" dirty="0" err="1"/>
+              <a:t>UserB</a:t>
+            </a:r>
+            <a:r>
+              <a:rPr lang="ko-KR" altLang="en-US" sz="1200" dirty="0"/>
+              <a:t>가 아는 사람 피하기 기능을 사용하지 않는다면 해당 </a:t>
+            </a:r>
+            <a:r>
+              <a:rPr lang="en-US" altLang="ko-KR" sz="1200" dirty="0"/>
+              <a:t>Row</a:t>
+            </a:r>
+            <a:r>
+              <a:rPr lang="ko-KR" altLang="en-US" sz="1200" dirty="0"/>
+              <a:t>를 삭제할 수 있습니다</a:t>
+            </a:r>
+            <a:r>
+              <a:rPr lang="en-US" altLang="ko-KR" sz="1200" dirty="0"/>
+              <a:t>. </a:t>
+            </a:r>
+          </a:p>
+        </p:txBody>
+      </p:sp>
+      <p:sp>
+        <p:nvSpPr>
+          <p:cNvPr id="3" name="Rectangle 2">
+            <a:extLst>
+              <a:ext uri="{FF2B5EF4-FFF2-40B4-BE49-F238E27FC236}">
+                <a16:creationId xmlns:a16="http://schemas.microsoft.com/office/drawing/2014/main" id="{3CD6BB29-C50B-42D0-BAC9-458D8774ED7C}"/>
+              </a:ext>
+            </a:extLst>
+          </p:cNvPr>
+          <p:cNvSpPr>
+            <a:spLocks noChangeArrowheads="1"/>
+          </p:cNvSpPr>
+          <p:nvPr/>
+        </p:nvSpPr>
+        <p:spPr bwMode="auto">
+          <a:xfrm>
+            <a:off x="277803" y="5483163"/>
+            <a:ext cx="5119262" cy="369332"/>
           </a:xfrm>
           <a:prstGeom prst="rect">
             <a:avLst/>
           </a:prstGeom>
-        </p:spPr>
-        <p:style>
-          <a:lnRef idx="2">
-            <a:schemeClr val="accent3">
-              <a:shade val="50000"/>
-            </a:schemeClr>
-          </a:lnRef>
-          <a:fillRef idx="1">
-            <a:schemeClr val="accent3"/>
-          </a:fillRef>
-          <a:effectRef idx="0">
-            <a:schemeClr val="accent3"/>
-          </a:effectRef>
-          <a:fontRef idx="minor">
-            <a:schemeClr val="lt1"/>
-          </a:fontRef>
-        </p:style>
-        <p:txBody>
-          <a:bodyPr rtlCol="0" anchor="ctr"/>
-          <a:lstStyle/>
-          <a:p>
-            <a:pPr algn="ctr"/>
-            <a:endParaRPr lang="ko-KR" altLang="en-US" dirty="0"/>
-          </a:p>
-        </p:txBody>
-      </p:sp>
-      <p:sp>
-        <p:nvSpPr>
-          <p:cNvPr id="94" name="TextBox 93">
-            <a:extLst>
-              <a:ext uri="{FF2B5EF4-FFF2-40B4-BE49-F238E27FC236}">
-                <a16:creationId xmlns:a16="http://schemas.microsoft.com/office/drawing/2014/main" id="{FF481613-7B00-483D-A8D0-E602B999E312}"/>
-              </a:ext>
-            </a:extLst>
-          </p:cNvPr>
-          <p:cNvSpPr txBox="1"/>
-          <p:nvPr/>
-        </p:nvSpPr>
-        <p:spPr>
-          <a:xfrm>
-            <a:off x="5275052" y="688759"/>
-            <a:ext cx="579992" cy="646331"/>
-          </a:xfrm>
-          <a:prstGeom prst="rect">
-            <a:avLst/>
-          </a:prstGeom>
-          <a:noFill/>
-        </p:spPr>
-        <p:txBody>
-          <a:bodyPr wrap="square" rtlCol="0">
+          <a:solidFill>
+            <a:srgbClr val="2B2B2B"/>
+          </a:solidFill>
+          <a:ln>
+            <a:noFill/>
+          </a:ln>
+          <a:effectLst/>
+          <a:extLst>
+            <a:ext uri="{91240B29-F687-4F45-9708-019B960494DF}">
+              <a14:hiddenLine xmlns:a14="http://schemas.microsoft.com/office/drawing/2010/main" w="9525">
+                <a:solidFill>
+                  <a:schemeClr val="tx1"/>
+                </a:solidFill>
+                <a:miter lim="800000"/>
+                <a:headEnd/>
+                <a:tailEnd/>
+              </a14:hiddenLine>
+            </a:ext>
+            <a:ext uri="{AF507438-7753-43E0-B8FC-AC1667EBCBE1}">
+              <a14:hiddenEffects xmlns:a14="http://schemas.microsoft.com/office/drawing/2010/main">
+                <a:effectLst>
+                  <a:outerShdw dist="35921" dir="2700000" algn="ctr" rotWithShape="0">
+                    <a:schemeClr val="bg2"/>
+                  </a:outerShdw>
+                </a:effectLst>
+              </a14:hiddenEffects>
+            </a:ext>
+          </a:extLst>
+        </p:spPr>
+        <p:txBody>
+          <a:bodyPr vert="horz" wrap="square" lIns="91440" tIns="45720" rIns="91440" bIns="45720" numCol="1" anchor="ctr" anchorCtr="0" compatLnSpc="1">
+            <a:prstTxWarp prst="textNoShape">
+              <a:avLst/>
+            </a:prstTxWarp>
             <a:spAutoFit/>
           </a:bodyPr>
           <a:lstStyle/>
           <a:p>
-            <a:r>
-              <a:rPr lang="en-US" altLang="ko-KR" sz="900" dirty="0"/>
-              <a:t>EMAIL</a:t>
-            </a:r>
-          </a:p>
-          <a:p>
-            <a:endParaRPr lang="en-US" altLang="ko-KR" sz="900" dirty="0"/>
-          </a:p>
-          <a:p>
-            <a:endParaRPr lang="ko-KR" altLang="en-US" dirty="0"/>
+            <a:pPr marL="0" marR="0" lvl="0" indent="0" algn="l" defTabSz="914400" rtl="0" eaLnBrk="0" fontAlgn="base" latinLnBrk="0" hangingPunct="0">
+              <a:lnSpc>
+                <a:spcPct val="100000"/>
+              </a:lnSpc>
+              <a:spcBef>
+                <a:spcPct val="0"/>
+              </a:spcBef>
+              <a:spcAft>
+                <a:spcPct val="0"/>
+              </a:spcAft>
+              <a:buClrTx/>
+              <a:buSzTx/>
+              <a:buFontTx/>
+              <a:buNone/>
+              <a:tabLst/>
+            </a:pPr>
+            <a:r>
+              <a:rPr kumimoji="0" lang="ko-KR" altLang="ko-KR" sz="900" b="0" i="0" u="none" strike="noStrike" cap="none" normalizeH="0" baseline="0" dirty="0" err="1">
+                <a:ln>
+                  <a:noFill/>
+                </a:ln>
+                <a:solidFill>
+                  <a:srgbClr val="9876AA"/>
+                </a:solidFill>
+                <a:effectLst/>
+                <a:latin typeface="Arial Unicode MS"/>
+                <a:ea typeface="JetBrains Mono"/>
+              </a:rPr>
+              <a:t>userRepository</a:t>
+            </a:r>
+            <a:r>
+              <a:rPr kumimoji="0" lang="ko-KR" altLang="ko-KR" sz="900" b="0" i="0" u="none" strike="noStrike" cap="none" normalizeH="0" baseline="0" dirty="0" err="1">
+                <a:ln>
+                  <a:noFill/>
+                </a:ln>
+                <a:solidFill>
+                  <a:srgbClr val="A9B7C6"/>
+                </a:solidFill>
+                <a:effectLst/>
+                <a:latin typeface="Arial Unicode MS"/>
+                <a:ea typeface="JetBrains Mono"/>
+              </a:rPr>
+              <a:t>.findByPhoneNumber</a:t>
+            </a:r>
+            <a:r>
+              <a:rPr kumimoji="0" lang="ko-KR" altLang="ko-KR" sz="900" b="0" i="0" u="none" strike="noStrike" cap="none" normalizeH="0" baseline="0" dirty="0">
+                <a:ln>
+                  <a:noFill/>
+                </a:ln>
+                <a:solidFill>
+                  <a:srgbClr val="A9B7C6"/>
+                </a:solidFill>
+                <a:effectLst/>
+                <a:latin typeface="Arial Unicode MS"/>
+                <a:ea typeface="JetBrains Mono"/>
+              </a:rPr>
+              <a:t>(</a:t>
+            </a:r>
+            <a:r>
+              <a:rPr kumimoji="0" lang="ko-KR" altLang="ko-KR" sz="900" b="0" i="0" u="none" strike="noStrike" cap="none" normalizeH="0" baseline="0" dirty="0" err="1">
+                <a:ln>
+                  <a:noFill/>
+                </a:ln>
+                <a:solidFill>
+                  <a:srgbClr val="A9B7C6"/>
+                </a:solidFill>
+                <a:effectLst/>
+                <a:latin typeface="Arial Unicode MS"/>
+                <a:ea typeface="JetBrains Mono"/>
+              </a:rPr>
+              <a:t>phoneNumber</a:t>
+            </a:r>
+            <a:r>
+              <a:rPr kumimoji="0" lang="ko-KR" altLang="ko-KR" sz="900" b="0" i="0" u="none" strike="noStrike" cap="none" normalizeH="0" baseline="0" dirty="0">
+                <a:ln>
+                  <a:noFill/>
+                </a:ln>
+                <a:solidFill>
+                  <a:srgbClr val="A9B7C6"/>
+                </a:solidFill>
+                <a:effectLst/>
+                <a:latin typeface="Arial Unicode MS"/>
+                <a:ea typeface="JetBrains Mono"/>
+              </a:rPr>
+              <a:t>).</a:t>
+            </a:r>
+            <a:r>
+              <a:rPr kumimoji="0" lang="ko-KR" altLang="ko-KR" sz="900" b="0" i="0" u="none" strike="noStrike" cap="none" normalizeH="0" baseline="0" dirty="0" err="1">
+                <a:ln>
+                  <a:noFill/>
+                </a:ln>
+                <a:solidFill>
+                  <a:srgbClr val="A9B7C6"/>
+                </a:solidFill>
+                <a:effectLst/>
+                <a:latin typeface="Arial Unicode MS"/>
+                <a:ea typeface="JetBrains Mono"/>
+              </a:rPr>
+              <a:t>ifPresent</a:t>
+            </a:r>
+            <a:r>
+              <a:rPr kumimoji="0" lang="ko-KR" altLang="ko-KR" sz="900" b="0" i="0" u="none" strike="noStrike" cap="none" normalizeH="0" baseline="0" dirty="0">
+                <a:ln>
+                  <a:noFill/>
+                </a:ln>
+                <a:solidFill>
+                  <a:srgbClr val="A9B7C6"/>
+                </a:solidFill>
+                <a:effectLst/>
+                <a:latin typeface="Arial Unicode MS"/>
+                <a:ea typeface="JetBrains Mono"/>
+              </a:rPr>
+              <a:t>(</a:t>
+            </a:r>
+            <a:r>
+              <a:rPr kumimoji="0" lang="ko-KR" altLang="ko-KR" sz="900" b="0" i="0" u="none" strike="noStrike" cap="none" normalizeH="0" baseline="0" dirty="0" err="1">
+                <a:ln>
+                  <a:noFill/>
+                </a:ln>
+                <a:solidFill>
+                  <a:srgbClr val="A9B7C6"/>
+                </a:solidFill>
+                <a:effectLst/>
+                <a:latin typeface="Arial Unicode MS"/>
+                <a:ea typeface="JetBrains Mono"/>
+              </a:rPr>
+              <a:t>targetUser</a:t>
+            </a:r>
+            <a:r>
+              <a:rPr kumimoji="0" lang="ko-KR" altLang="ko-KR" sz="900" b="0" i="0" u="none" strike="noStrike" cap="none" normalizeH="0" baseline="0" dirty="0">
+                <a:ln>
+                  <a:noFill/>
+                </a:ln>
+                <a:solidFill>
+                  <a:srgbClr val="A9B7C6"/>
+                </a:solidFill>
+                <a:effectLst/>
+                <a:latin typeface="Arial Unicode MS"/>
+                <a:ea typeface="JetBrains Mono"/>
+              </a:rPr>
+              <a:t> -&gt; {</a:t>
+            </a:r>
+            <a:r>
+              <a:rPr kumimoji="0" lang="ko-KR" altLang="ko-KR" sz="900" b="0" i="0" u="none" strike="noStrike" cap="none" normalizeH="0" baseline="0" dirty="0" err="1">
+                <a:ln>
+                  <a:noFill/>
+                </a:ln>
+                <a:solidFill>
+                  <a:srgbClr val="A9B7C6"/>
+                </a:solidFill>
+                <a:effectLst/>
+                <a:latin typeface="Arial Unicode MS"/>
+                <a:ea typeface="JetBrains Mono"/>
+              </a:rPr>
+              <a:t>registerNewAcquaintance</a:t>
+            </a:r>
+            <a:r>
+              <a:rPr kumimoji="0" lang="ko-KR" altLang="ko-KR" sz="900" b="0" i="0" u="none" strike="noStrike" cap="none" normalizeH="0" baseline="0" dirty="0">
+                <a:ln>
+                  <a:noFill/>
+                </a:ln>
+                <a:solidFill>
+                  <a:srgbClr val="A9B7C6"/>
+                </a:solidFill>
+                <a:effectLst/>
+                <a:latin typeface="Arial Unicode MS"/>
+                <a:ea typeface="JetBrains Mono"/>
+              </a:rPr>
+              <a:t>(</a:t>
+            </a:r>
+            <a:r>
+              <a:rPr kumimoji="0" lang="ko-KR" altLang="ko-KR" sz="900" b="0" i="0" u="none" strike="noStrike" cap="none" normalizeH="0" baseline="0" dirty="0" err="1">
+                <a:ln>
+                  <a:noFill/>
+                </a:ln>
+                <a:solidFill>
+                  <a:srgbClr val="B389C5"/>
+                </a:solidFill>
+                <a:effectLst/>
+                <a:latin typeface="Arial Unicode MS"/>
+                <a:ea typeface="JetBrains Mono"/>
+              </a:rPr>
+              <a:t>user</a:t>
+            </a:r>
+            <a:r>
+              <a:rPr kumimoji="0" lang="ko-KR" altLang="ko-KR" sz="900" b="0" i="0" u="none" strike="noStrike" cap="none" normalizeH="0" baseline="0" dirty="0">
+                <a:ln>
+                  <a:noFill/>
+                </a:ln>
+                <a:solidFill>
+                  <a:srgbClr val="CC7832"/>
+                </a:solidFill>
+                <a:effectLst/>
+                <a:latin typeface="Arial Unicode MS"/>
+                <a:ea typeface="JetBrains Mono"/>
+              </a:rPr>
+              <a:t>, </a:t>
+            </a:r>
+            <a:r>
+              <a:rPr kumimoji="0" lang="ko-KR" altLang="ko-KR" sz="900" b="0" i="0" u="none" strike="noStrike" cap="none" normalizeH="0" baseline="0" dirty="0" err="1">
+                <a:ln>
+                  <a:noFill/>
+                </a:ln>
+                <a:solidFill>
+                  <a:srgbClr val="A9B7C6"/>
+                </a:solidFill>
+                <a:effectLst/>
+                <a:latin typeface="Arial Unicode MS"/>
+                <a:ea typeface="JetBrains Mono"/>
+              </a:rPr>
+              <a:t>targetUser</a:t>
+            </a:r>
+            <a:r>
+              <a:rPr kumimoji="0" lang="ko-KR" altLang="ko-KR" sz="900" b="0" i="0" u="none" strike="noStrike" cap="none" normalizeH="0" baseline="0" dirty="0">
+                <a:ln>
+                  <a:noFill/>
+                </a:ln>
+                <a:solidFill>
+                  <a:srgbClr val="A9B7C6"/>
+                </a:solidFill>
+                <a:effectLst/>
+                <a:latin typeface="Arial Unicode MS"/>
+                <a:ea typeface="JetBrains Mono"/>
+              </a:rPr>
+              <a:t>)</a:t>
+            </a:r>
+            <a:r>
+              <a:rPr kumimoji="0" lang="ko-KR" altLang="ko-KR" sz="900" b="0" i="0" u="none" strike="noStrike" cap="none" normalizeH="0" baseline="0" dirty="0">
+                <a:ln>
+                  <a:noFill/>
+                </a:ln>
+                <a:solidFill>
+                  <a:srgbClr val="CC7832"/>
+                </a:solidFill>
+                <a:effectLst/>
+                <a:latin typeface="Arial Unicode MS"/>
+                <a:ea typeface="JetBrains Mono"/>
+              </a:rPr>
+              <a:t>;</a:t>
+            </a:r>
+            <a:r>
+              <a:rPr kumimoji="0" lang="ko-KR" altLang="ko-KR" sz="900" b="0" i="0" u="none" strike="noStrike" cap="none" normalizeH="0" baseline="0" dirty="0">
+                <a:ln>
+                  <a:noFill/>
+                </a:ln>
+                <a:solidFill>
+                  <a:srgbClr val="A9B7C6"/>
+                </a:solidFill>
+                <a:effectLst/>
+                <a:latin typeface="Arial Unicode MS"/>
+                <a:ea typeface="JetBrains Mono"/>
+              </a:rPr>
+              <a:t>})</a:t>
+            </a:r>
+            <a:r>
+              <a:rPr kumimoji="0" lang="ko-KR" altLang="ko-KR" sz="900" b="0" i="0" u="none" strike="noStrike" cap="none" normalizeH="0" baseline="0" dirty="0">
+                <a:ln>
+                  <a:noFill/>
+                </a:ln>
+                <a:solidFill>
+                  <a:srgbClr val="CC7832"/>
+                </a:solidFill>
+                <a:effectLst/>
+                <a:latin typeface="Arial Unicode MS"/>
+                <a:ea typeface="JetBrains Mono"/>
+              </a:rPr>
+              <a:t>;</a:t>
+            </a:r>
+            <a:endParaRPr kumimoji="0" lang="ko-KR" altLang="ko-KR" sz="1800" b="0" i="0" u="none" strike="noStrike" cap="none" normalizeH="0" baseline="0" dirty="0">
+              <a:ln>
+                <a:noFill/>
+              </a:ln>
+              <a:solidFill>
+                <a:schemeClr val="tx1"/>
+              </a:solidFill>
+              <a:effectLst/>
+              <a:latin typeface="Arial" panose="020B0604020202020204" pitchFamily="34" charset="0"/>
+            </a:endParaRPr>
           </a:p>
         </p:txBody>
       </p:sp>
       <p:cxnSp>
         <p:nvCxnSpPr>
-          <p:cNvPr id="95" name="직선 연결선 94">
-            <a:extLst>
-              <a:ext uri="{FF2B5EF4-FFF2-40B4-BE49-F238E27FC236}">
-                <a16:creationId xmlns:a16="http://schemas.microsoft.com/office/drawing/2014/main" id="{F4D15714-C196-46ED-B010-321F5CC9CB0A}"/>
+          <p:cNvPr id="33" name="직선 연결선 32">
+            <a:extLst>
+              <a:ext uri="{FF2B5EF4-FFF2-40B4-BE49-F238E27FC236}">
+                <a16:creationId xmlns:a16="http://schemas.microsoft.com/office/drawing/2014/main" id="{785243D1-A0FB-4082-9E04-BCB027922D97}"/>
               </a:ext>
             </a:extLst>
           </p:cNvPr>
@@ -7804,8 +9007,8 @@
         </p:nvCxnSpPr>
         <p:spPr>
           <a:xfrm flipH="1">
-            <a:off x="553322" y="986750"/>
-            <a:ext cx="19708" cy="5562331"/>
+            <a:off x="5890996" y="0"/>
+            <a:ext cx="17734" cy="6858000"/>
           </a:xfrm>
           <a:prstGeom prst="line">
             <a:avLst/>
@@ -7826,1481 +9029,992 @@
           </a:fontRef>
         </p:style>
       </p:cxnSp>
-      <p:cxnSp>
-        <p:nvCxnSpPr>
-          <p:cNvPr id="96" name="직선 연결선 95">
-            <a:extLst>
-              <a:ext uri="{FF2B5EF4-FFF2-40B4-BE49-F238E27FC236}">
-                <a16:creationId xmlns:a16="http://schemas.microsoft.com/office/drawing/2014/main" id="{94CE9D00-C90A-495A-8F7F-FA9E3430A674}"/>
-              </a:ext>
-            </a:extLst>
-          </p:cNvPr>
-          <p:cNvCxnSpPr>
-            <a:cxnSpLocks/>
-          </p:cNvCxnSpPr>
-          <p:nvPr/>
-        </p:nvCxnSpPr>
-        <p:spPr>
-          <a:xfrm flipH="1">
-            <a:off x="3022204" y="1049134"/>
-            <a:ext cx="19708" cy="5499947"/>
-          </a:xfrm>
-          <a:prstGeom prst="line">
-            <a:avLst/>
-          </a:prstGeom>
-        </p:spPr>
-        <p:style>
-          <a:lnRef idx="1">
-            <a:schemeClr val="dk1"/>
-          </a:lnRef>
-          <a:fillRef idx="0">
-            <a:schemeClr val="dk1"/>
-          </a:fillRef>
-          <a:effectRef idx="0">
-            <a:schemeClr val="dk1"/>
-          </a:effectRef>
-          <a:fontRef idx="minor">
-            <a:schemeClr val="tx1"/>
-          </a:fontRef>
-        </p:style>
-      </p:cxnSp>
-      <p:cxnSp>
-        <p:nvCxnSpPr>
-          <p:cNvPr id="97" name="직선 연결선 96">
-            <a:extLst>
-              <a:ext uri="{FF2B5EF4-FFF2-40B4-BE49-F238E27FC236}">
-                <a16:creationId xmlns:a16="http://schemas.microsoft.com/office/drawing/2014/main" id="{1590DA13-D6CA-4FE5-8A5B-3B5C3E409B8D}"/>
-              </a:ext>
-            </a:extLst>
-          </p:cNvPr>
-          <p:cNvCxnSpPr>
-            <a:cxnSpLocks/>
-          </p:cNvCxnSpPr>
-          <p:nvPr/>
-        </p:nvCxnSpPr>
-        <p:spPr>
-          <a:xfrm>
-            <a:off x="5516125" y="986750"/>
-            <a:ext cx="19708" cy="5499947"/>
-          </a:xfrm>
-          <a:prstGeom prst="line">
-            <a:avLst/>
-          </a:prstGeom>
-        </p:spPr>
-        <p:style>
-          <a:lnRef idx="1">
-            <a:schemeClr val="dk1"/>
-          </a:lnRef>
-          <a:fillRef idx="0">
-            <a:schemeClr val="dk1"/>
-          </a:fillRef>
-          <a:effectRef idx="0">
-            <a:schemeClr val="dk1"/>
-          </a:effectRef>
-          <a:fontRef idx="minor">
-            <a:schemeClr val="tx1"/>
-          </a:fontRef>
-        </p:style>
-      </p:cxnSp>
-      <p:cxnSp>
-        <p:nvCxnSpPr>
-          <p:cNvPr id="6" name="직선 화살표 연결선 5">
-            <a:extLst>
-              <a:ext uri="{FF2B5EF4-FFF2-40B4-BE49-F238E27FC236}">
-                <a16:creationId xmlns:a16="http://schemas.microsoft.com/office/drawing/2014/main" id="{C7EE7BC7-486C-443C-BEE6-32DCE4C0AFE4}"/>
-              </a:ext>
-            </a:extLst>
-          </p:cNvPr>
-          <p:cNvCxnSpPr>
-            <a:cxnSpLocks/>
-          </p:cNvCxnSpPr>
-          <p:nvPr/>
-        </p:nvCxnSpPr>
-        <p:spPr>
-          <a:xfrm>
-            <a:off x="579207" y="1415408"/>
-            <a:ext cx="2449459" cy="2327"/>
-          </a:xfrm>
-          <a:prstGeom prst="straightConnector1">
-            <a:avLst/>
-          </a:prstGeom>
+      <p:sp>
+        <p:nvSpPr>
+          <p:cNvPr id="10" name="Rectangle 6">
+            <a:extLst>
+              <a:ext uri="{FF2B5EF4-FFF2-40B4-BE49-F238E27FC236}">
+                <a16:creationId xmlns:a16="http://schemas.microsoft.com/office/drawing/2014/main" id="{26774717-31BF-4E4F-974A-B24EC1988F48}"/>
+              </a:ext>
+            </a:extLst>
+          </p:cNvPr>
+          <p:cNvSpPr>
+            <a:spLocks noChangeArrowheads="1"/>
+          </p:cNvSpPr>
+          <p:nvPr/>
+        </p:nvSpPr>
+        <p:spPr bwMode="auto">
+          <a:xfrm>
+            <a:off x="6272236" y="5308860"/>
+            <a:ext cx="5641961" cy="1200329"/>
+          </a:xfrm>
+          <a:prstGeom prst="rect">
+            <a:avLst/>
+          </a:prstGeom>
+          <a:solidFill>
+            <a:srgbClr val="2B2B2B"/>
+          </a:solidFill>
           <a:ln>
-            <a:tailEnd type="triangle"/>
+            <a:noFill/>
           </a:ln>
-        </p:spPr>
-        <p:style>
-          <a:lnRef idx="1">
-            <a:schemeClr val="accent1"/>
-          </a:lnRef>
-          <a:fillRef idx="0">
-            <a:schemeClr val="accent1"/>
-          </a:fillRef>
-          <a:effectRef idx="0">
-            <a:schemeClr val="accent1"/>
-          </a:effectRef>
-          <a:fontRef idx="minor">
-            <a:schemeClr val="tx1"/>
-          </a:fontRef>
-        </p:style>
-      </p:cxnSp>
-      <p:sp>
-        <p:nvSpPr>
-          <p:cNvPr id="117" name="TextBox 116">
-            <a:extLst>
-              <a:ext uri="{FF2B5EF4-FFF2-40B4-BE49-F238E27FC236}">
-                <a16:creationId xmlns:a16="http://schemas.microsoft.com/office/drawing/2014/main" id="{5895C2B1-8D24-40F1-B152-753305E33BE5}"/>
-              </a:ext>
-            </a:extLst>
-          </p:cNvPr>
-          <p:cNvSpPr txBox="1"/>
-          <p:nvPr/>
-        </p:nvSpPr>
-        <p:spPr>
-          <a:xfrm>
-            <a:off x="636826" y="1227368"/>
-            <a:ext cx="2669021" cy="215444"/>
-          </a:xfrm>
-          <a:prstGeom prst="rect">
-            <a:avLst/>
-          </a:prstGeom>
-          <a:noFill/>
-        </p:spPr>
-        <p:txBody>
-          <a:bodyPr wrap="square" rtlCol="0">
+          <a:effectLst/>
+          <a:extLst>
+            <a:ext uri="{91240B29-F687-4F45-9708-019B960494DF}">
+              <a14:hiddenLine xmlns:a14="http://schemas.microsoft.com/office/drawing/2010/main" w="9525">
+                <a:solidFill>
+                  <a:schemeClr val="tx1"/>
+                </a:solidFill>
+                <a:miter lim="800000"/>
+                <a:headEnd/>
+                <a:tailEnd/>
+              </a14:hiddenLine>
+            </a:ext>
+            <a:ext uri="{AF507438-7753-43E0-B8FC-AC1667EBCBE1}">
+              <a14:hiddenEffects xmlns:a14="http://schemas.microsoft.com/office/drawing/2010/main">
+                <a:effectLst>
+                  <a:outerShdw dist="35921" dir="2700000" algn="ctr" rotWithShape="0">
+                    <a:schemeClr val="bg2"/>
+                  </a:outerShdw>
+                </a:effectLst>
+              </a14:hiddenEffects>
+            </a:ext>
+          </a:extLst>
+        </p:spPr>
+        <p:txBody>
+          <a:bodyPr vert="horz" wrap="square" lIns="91440" tIns="45720" rIns="91440" bIns="45720" numCol="1" anchor="ctr" anchorCtr="0" compatLnSpc="1">
+            <a:prstTxWarp prst="textNoShape">
+              <a:avLst/>
+            </a:prstTxWarp>
             <a:spAutoFit/>
           </a:bodyPr>
           <a:lstStyle/>
           <a:p>
-            <a:r>
-              <a:rPr lang="ko-KR" altLang="en-US" sz="800" dirty="0"/>
-              <a:t>    이메일 주소와 함께 비밀번호 변경 요청</a:t>
-            </a:r>
-          </a:p>
-        </p:txBody>
-      </p:sp>
-      <p:sp>
-        <p:nvSpPr>
-          <p:cNvPr id="118" name="직사각형 117">
-            <a:extLst>
-              <a:ext uri="{FF2B5EF4-FFF2-40B4-BE49-F238E27FC236}">
-                <a16:creationId xmlns:a16="http://schemas.microsoft.com/office/drawing/2014/main" id="{7C9C0E09-7020-4A6C-9E6A-976E07F2EF1F}"/>
-              </a:ext>
-            </a:extLst>
-          </p:cNvPr>
-          <p:cNvSpPr/>
-          <p:nvPr/>
-        </p:nvSpPr>
-        <p:spPr>
-          <a:xfrm>
-            <a:off x="1752095" y="1575026"/>
-            <a:ext cx="2496784" cy="945752"/>
-          </a:xfrm>
-          <a:prstGeom prst="rect">
-            <a:avLst/>
-          </a:prstGeom>
-          <a:solidFill>
-            <a:schemeClr val="bg1"/>
-          </a:solidFill>
-        </p:spPr>
-        <p:style>
-          <a:lnRef idx="2">
-            <a:schemeClr val="accent1">
-              <a:shade val="50000"/>
-            </a:schemeClr>
-          </a:lnRef>
-          <a:fillRef idx="1">
-            <a:schemeClr val="accent1"/>
-          </a:fillRef>
-          <a:effectRef idx="0">
-            <a:schemeClr val="accent1"/>
-          </a:effectRef>
-          <a:fontRef idx="minor">
-            <a:schemeClr val="lt1"/>
-          </a:fontRef>
-        </p:style>
-        <p:txBody>
-          <a:bodyPr rtlCol="0" anchor="ctr"/>
-          <a:lstStyle/>
-          <a:p>
-            <a:pPr marL="228600" indent="-228600">
-              <a:buAutoNum type="arabicPeriod"/>
+            <a:pPr marL="0" marR="0" lvl="0" indent="0" algn="l" defTabSz="914400" rtl="0" eaLnBrk="0" fontAlgn="base" latinLnBrk="0" hangingPunct="0">
+              <a:lnSpc>
+                <a:spcPct val="100000"/>
+              </a:lnSpc>
+              <a:spcBef>
+                <a:spcPct val="0"/>
+              </a:spcBef>
+              <a:spcAft>
+                <a:spcPct val="0"/>
+              </a:spcAft>
+              <a:buClrTx/>
+              <a:buSzTx/>
+              <a:buFontTx/>
+              <a:buNone/>
+              <a:tabLst/>
             </a:pPr>
-            <a:endParaRPr lang="en-US" altLang="ko-KR" sz="800" dirty="0">
+            <a:r>
+              <a:rPr kumimoji="0" lang="ko-KR" altLang="ko-KR" sz="900" b="0" i="0" u="none" strike="noStrike" cap="none" normalizeH="0" baseline="0" dirty="0" err="1">
+                <a:ln>
+                  <a:noFill/>
+                </a:ln>
+                <a:solidFill>
+                  <a:srgbClr val="9876AA"/>
+                </a:solidFill>
+                <a:effectLst/>
+                <a:latin typeface="Arial Unicode MS"/>
+                <a:ea typeface="JetBrains Mono"/>
+              </a:rPr>
+              <a:t>acquaintanceRelationRepository</a:t>
+            </a:r>
+            <a:br>
+              <a:rPr kumimoji="0" lang="ko-KR" altLang="ko-KR" sz="900" b="0" i="0" u="none" strike="noStrike" cap="none" normalizeH="0" baseline="0" dirty="0">
+                <a:ln>
+                  <a:noFill/>
+                </a:ln>
+                <a:solidFill>
+                  <a:srgbClr val="9876AA"/>
+                </a:solidFill>
+                <a:effectLst/>
+                <a:latin typeface="Arial Unicode MS"/>
+                <a:ea typeface="JetBrains Mono"/>
+              </a:rPr>
+            </a:br>
+            <a:r>
+              <a:rPr kumimoji="0" lang="ko-KR" altLang="ko-KR" sz="900" b="0" i="0" u="none" strike="noStrike" cap="none" normalizeH="0" baseline="0" dirty="0">
+                <a:ln>
+                  <a:noFill/>
+                </a:ln>
+                <a:solidFill>
+                  <a:srgbClr val="9876AA"/>
+                </a:solidFill>
+                <a:effectLst/>
+                <a:latin typeface="Arial Unicode MS"/>
+                <a:ea typeface="JetBrains Mono"/>
+              </a:rPr>
+              <a:t>        </a:t>
+            </a:r>
+            <a:r>
+              <a:rPr kumimoji="0" lang="ko-KR" altLang="ko-KR" sz="900" b="0" i="0" u="none" strike="noStrike" cap="none" normalizeH="0" baseline="0" dirty="0">
+                <a:ln>
+                  <a:noFill/>
+                </a:ln>
+                <a:solidFill>
+                  <a:srgbClr val="A9B7C6"/>
+                </a:solidFill>
+                <a:effectLst/>
+                <a:latin typeface="Arial Unicode MS"/>
+                <a:ea typeface="JetBrains Mono"/>
+              </a:rPr>
+              <a:t>.</a:t>
+            </a:r>
+            <a:r>
+              <a:rPr kumimoji="0" lang="ko-KR" altLang="ko-KR" sz="900" b="0" i="0" u="none" strike="noStrike" cap="none" normalizeH="0" baseline="0" dirty="0" err="1">
+                <a:ln>
+                  <a:noFill/>
+                </a:ln>
+                <a:solidFill>
+                  <a:srgbClr val="A9B7C6"/>
+                </a:solidFill>
+                <a:effectLst/>
+                <a:latin typeface="Arial Unicode MS"/>
+                <a:ea typeface="JetBrains Mono"/>
+              </a:rPr>
+              <a:t>findMyAcquaintanceList</a:t>
+            </a:r>
+            <a:r>
+              <a:rPr kumimoji="0" lang="ko-KR" altLang="ko-KR" sz="900" b="0" i="0" u="none" strike="noStrike" cap="none" normalizeH="0" baseline="0" dirty="0">
+                <a:ln>
+                  <a:noFill/>
+                </a:ln>
+                <a:solidFill>
+                  <a:srgbClr val="A9B7C6"/>
+                </a:solidFill>
+                <a:effectLst/>
+                <a:latin typeface="Arial Unicode MS"/>
+                <a:ea typeface="JetBrains Mono"/>
+              </a:rPr>
+              <a:t>(</a:t>
+            </a:r>
+            <a:r>
+              <a:rPr kumimoji="0" lang="ko-KR" altLang="ko-KR" sz="900" b="0" i="0" u="none" strike="noStrike" cap="none" normalizeH="0" baseline="0" dirty="0" err="1">
+                <a:ln>
+                  <a:noFill/>
+                </a:ln>
+                <a:solidFill>
+                  <a:srgbClr val="A9B7C6"/>
+                </a:solidFill>
+                <a:effectLst/>
+                <a:latin typeface="Arial Unicode MS"/>
+                <a:ea typeface="JetBrains Mono"/>
+              </a:rPr>
+              <a:t>user</a:t>
+            </a:r>
+            <a:r>
+              <a:rPr kumimoji="0" lang="ko-KR" altLang="ko-KR" sz="900" b="0" i="0" u="none" strike="noStrike" cap="none" normalizeH="0" baseline="0" dirty="0">
+                <a:ln>
+                  <a:noFill/>
+                </a:ln>
+                <a:solidFill>
+                  <a:srgbClr val="A9B7C6"/>
+                </a:solidFill>
+                <a:effectLst/>
+                <a:latin typeface="Arial Unicode MS"/>
+                <a:ea typeface="JetBrains Mono"/>
+              </a:rPr>
+              <a:t>)</a:t>
+            </a:r>
+            <a:br>
+              <a:rPr kumimoji="0" lang="ko-KR" altLang="ko-KR" sz="900" b="0" i="0" u="none" strike="noStrike" cap="none" normalizeH="0" baseline="0" dirty="0">
+                <a:ln>
+                  <a:noFill/>
+                </a:ln>
+                <a:solidFill>
+                  <a:srgbClr val="A9B7C6"/>
+                </a:solidFill>
+                <a:effectLst/>
+                <a:latin typeface="Arial Unicode MS"/>
+                <a:ea typeface="JetBrains Mono"/>
+              </a:rPr>
+            </a:br>
+            <a:r>
+              <a:rPr kumimoji="0" lang="ko-KR" altLang="ko-KR" sz="900" b="0" i="0" u="none" strike="noStrike" cap="none" normalizeH="0" baseline="0" dirty="0">
+                <a:ln>
+                  <a:noFill/>
+                </a:ln>
+                <a:solidFill>
+                  <a:srgbClr val="A9B7C6"/>
+                </a:solidFill>
+                <a:effectLst/>
+                <a:latin typeface="Arial Unicode MS"/>
+                <a:ea typeface="JetBrains Mono"/>
+              </a:rPr>
+              <a:t>        .</a:t>
+            </a:r>
+            <a:r>
+              <a:rPr kumimoji="0" lang="ko-KR" altLang="ko-KR" sz="900" b="0" i="0" u="none" strike="noStrike" cap="none" normalizeH="0" baseline="0" dirty="0" err="1">
+                <a:ln>
+                  <a:noFill/>
+                </a:ln>
+                <a:solidFill>
+                  <a:srgbClr val="A9B7C6"/>
+                </a:solidFill>
+                <a:effectLst/>
+                <a:latin typeface="Arial Unicode MS"/>
+                <a:ea typeface="JetBrains Mono"/>
+              </a:rPr>
+              <a:t>stream</a:t>
+            </a:r>
+            <a:r>
+              <a:rPr kumimoji="0" lang="ko-KR" altLang="ko-KR" sz="900" b="0" i="0" u="none" strike="noStrike" cap="none" normalizeH="0" baseline="0" dirty="0">
+                <a:ln>
+                  <a:noFill/>
+                </a:ln>
+                <a:solidFill>
+                  <a:srgbClr val="A9B7C6"/>
+                </a:solidFill>
+                <a:effectLst/>
+                <a:latin typeface="Arial Unicode MS"/>
+                <a:ea typeface="JetBrains Mono"/>
+              </a:rPr>
+              <a:t>()</a:t>
+            </a:r>
+            <a:br>
+              <a:rPr kumimoji="0" lang="ko-KR" altLang="ko-KR" sz="900" b="0" i="0" u="none" strike="noStrike" cap="none" normalizeH="0" baseline="0" dirty="0">
+                <a:ln>
+                  <a:noFill/>
+                </a:ln>
+                <a:solidFill>
+                  <a:srgbClr val="A9B7C6"/>
+                </a:solidFill>
+                <a:effectLst/>
+                <a:latin typeface="Arial Unicode MS"/>
+                <a:ea typeface="JetBrains Mono"/>
+              </a:rPr>
+            </a:br>
+            <a:r>
+              <a:rPr kumimoji="0" lang="ko-KR" altLang="ko-KR" sz="900" b="0" i="0" u="none" strike="noStrike" cap="none" normalizeH="0" baseline="0" dirty="0">
+                <a:ln>
+                  <a:noFill/>
+                </a:ln>
+                <a:solidFill>
+                  <a:srgbClr val="A9B7C6"/>
+                </a:solidFill>
+                <a:effectLst/>
+                <a:latin typeface="Arial Unicode MS"/>
+                <a:ea typeface="JetBrains Mono"/>
+              </a:rPr>
+              <a:t>        .</a:t>
+            </a:r>
+            <a:r>
+              <a:rPr kumimoji="0" lang="ko-KR" altLang="ko-KR" sz="900" b="0" i="0" u="none" strike="noStrike" cap="none" normalizeH="0" baseline="0" dirty="0" err="1">
+                <a:ln>
+                  <a:noFill/>
+                </a:ln>
+                <a:solidFill>
+                  <a:srgbClr val="A9B7C6"/>
+                </a:solidFill>
+                <a:effectLst/>
+                <a:latin typeface="Arial Unicode MS"/>
+                <a:ea typeface="JetBrains Mono"/>
+              </a:rPr>
+              <a:t>filter</a:t>
+            </a:r>
+            <a:r>
+              <a:rPr kumimoji="0" lang="ko-KR" altLang="ko-KR" sz="900" b="0" i="0" u="none" strike="noStrike" cap="none" normalizeH="0" baseline="0" dirty="0">
+                <a:ln>
+                  <a:noFill/>
+                </a:ln>
+                <a:solidFill>
+                  <a:srgbClr val="A9B7C6"/>
+                </a:solidFill>
+                <a:effectLst/>
+                <a:latin typeface="Arial Unicode MS"/>
+                <a:ea typeface="JetBrains Mono"/>
+              </a:rPr>
+              <a:t>(</a:t>
+            </a:r>
+            <a:r>
+              <a:rPr kumimoji="0" lang="ko-KR" altLang="ko-KR" sz="900" b="0" i="0" u="none" strike="noStrike" cap="none" normalizeH="0" baseline="0" dirty="0" err="1">
+                <a:ln>
+                  <a:noFill/>
+                </a:ln>
+                <a:solidFill>
+                  <a:srgbClr val="A9B7C6"/>
+                </a:solidFill>
+                <a:effectLst/>
+                <a:latin typeface="Arial Unicode MS"/>
+                <a:ea typeface="JetBrains Mono"/>
+              </a:rPr>
+              <a:t>ac</a:t>
+            </a:r>
+            <a:r>
+              <a:rPr kumimoji="0" lang="ko-KR" altLang="ko-KR" sz="900" b="0" i="0" u="none" strike="noStrike" cap="none" normalizeH="0" baseline="0" dirty="0">
+                <a:ln>
+                  <a:noFill/>
+                </a:ln>
+                <a:solidFill>
+                  <a:srgbClr val="A9B7C6"/>
+                </a:solidFill>
+                <a:effectLst/>
+                <a:latin typeface="Arial Unicode MS"/>
+                <a:ea typeface="JetBrains Mono"/>
+              </a:rPr>
+              <a:t> -&gt; </a:t>
+            </a:r>
+            <a:r>
+              <a:rPr kumimoji="0" lang="ko-KR" altLang="ko-KR" sz="900" b="0" i="0" u="none" strike="noStrike" cap="none" normalizeH="0" baseline="0" dirty="0" err="1">
+                <a:ln>
+                  <a:noFill/>
+                </a:ln>
+                <a:solidFill>
+                  <a:srgbClr val="9876AA"/>
+                </a:solidFill>
+                <a:effectLst/>
+                <a:latin typeface="Arial Unicode MS"/>
+                <a:ea typeface="JetBrains Mono"/>
+              </a:rPr>
+              <a:t>userRepository</a:t>
+            </a:r>
+            <a:r>
+              <a:rPr kumimoji="0" lang="ko-KR" altLang="ko-KR" sz="900" b="0" i="0" u="none" strike="noStrike" cap="none" normalizeH="0" baseline="0" dirty="0" err="1">
+                <a:ln>
+                  <a:noFill/>
+                </a:ln>
+                <a:solidFill>
+                  <a:srgbClr val="A9B7C6"/>
+                </a:solidFill>
+                <a:effectLst/>
+                <a:latin typeface="Arial Unicode MS"/>
+                <a:ea typeface="JetBrains Mono"/>
+              </a:rPr>
+              <a:t>.findById</a:t>
+            </a:r>
+            <a:r>
+              <a:rPr kumimoji="0" lang="ko-KR" altLang="ko-KR" sz="900" b="0" i="0" u="none" strike="noStrike" cap="none" normalizeH="0" baseline="0" dirty="0">
+                <a:ln>
+                  <a:noFill/>
+                </a:ln>
+                <a:solidFill>
+                  <a:srgbClr val="A9B7C6"/>
+                </a:solidFill>
+                <a:effectLst/>
+                <a:latin typeface="Arial Unicode MS"/>
+                <a:ea typeface="JetBrains Mono"/>
+              </a:rPr>
+              <a:t>(</a:t>
+            </a:r>
+            <a:r>
+              <a:rPr kumimoji="0" lang="ko-KR" altLang="ko-KR" sz="900" b="0" i="0" u="none" strike="noStrike" cap="none" normalizeH="0" baseline="0" dirty="0" err="1">
+                <a:ln>
+                  <a:noFill/>
+                </a:ln>
+                <a:solidFill>
+                  <a:srgbClr val="A9B7C6"/>
+                </a:solidFill>
+                <a:effectLst/>
+                <a:latin typeface="Arial Unicode MS"/>
+                <a:ea typeface="JetBrains Mono"/>
+              </a:rPr>
+              <a:t>ac.getUserId</a:t>
+            </a:r>
+            <a:r>
+              <a:rPr kumimoji="0" lang="ko-KR" altLang="ko-KR" sz="900" b="0" i="0" u="none" strike="noStrike" cap="none" normalizeH="0" baseline="0" dirty="0">
+                <a:ln>
+                  <a:noFill/>
+                </a:ln>
+                <a:solidFill>
+                  <a:srgbClr val="A9B7C6"/>
+                </a:solidFill>
+                <a:effectLst/>
+                <a:latin typeface="Arial Unicode MS"/>
+                <a:ea typeface="JetBrains Mono"/>
+              </a:rPr>
+              <a:t>()).</a:t>
+            </a:r>
+            <a:r>
+              <a:rPr kumimoji="0" lang="ko-KR" altLang="ko-KR" sz="900" b="0" i="0" u="none" strike="noStrike" cap="none" normalizeH="0" baseline="0" dirty="0" err="1">
+                <a:ln>
+                  <a:noFill/>
+                </a:ln>
+                <a:solidFill>
+                  <a:srgbClr val="A9B7C6"/>
+                </a:solidFill>
+                <a:effectLst/>
+                <a:latin typeface="Arial Unicode MS"/>
+                <a:ea typeface="JetBrains Mono"/>
+              </a:rPr>
+              <a:t>isPresent</a:t>
+            </a:r>
+            <a:r>
+              <a:rPr kumimoji="0" lang="ko-KR" altLang="ko-KR" sz="900" b="0" i="0" u="none" strike="noStrike" cap="none" normalizeH="0" baseline="0" dirty="0">
+                <a:ln>
+                  <a:noFill/>
+                </a:ln>
+                <a:solidFill>
+                  <a:srgbClr val="A9B7C6"/>
+                </a:solidFill>
+                <a:effectLst/>
+                <a:latin typeface="Arial Unicode MS"/>
+                <a:ea typeface="JetBrains Mono"/>
+              </a:rPr>
+              <a:t>())</a:t>
+            </a:r>
+            <a:br>
+              <a:rPr kumimoji="0" lang="ko-KR" altLang="ko-KR" sz="900" b="0" i="0" u="none" strike="noStrike" cap="none" normalizeH="0" baseline="0" dirty="0">
+                <a:ln>
+                  <a:noFill/>
+                </a:ln>
+                <a:solidFill>
+                  <a:srgbClr val="A9B7C6"/>
+                </a:solidFill>
+                <a:effectLst/>
+                <a:latin typeface="Arial Unicode MS"/>
+                <a:ea typeface="JetBrains Mono"/>
+              </a:rPr>
+            </a:br>
+            <a:r>
+              <a:rPr kumimoji="0" lang="ko-KR" altLang="ko-KR" sz="900" b="0" i="0" u="none" strike="noStrike" cap="none" normalizeH="0" baseline="0" dirty="0">
+                <a:ln>
+                  <a:noFill/>
+                </a:ln>
+                <a:solidFill>
+                  <a:srgbClr val="A9B7C6"/>
+                </a:solidFill>
+                <a:effectLst/>
+                <a:latin typeface="Arial Unicode MS"/>
+                <a:ea typeface="JetBrains Mono"/>
+              </a:rPr>
+              <a:t>        .</a:t>
+            </a:r>
+            <a:r>
+              <a:rPr kumimoji="0" lang="ko-KR" altLang="ko-KR" sz="900" b="0" i="0" u="none" strike="noStrike" cap="none" normalizeH="0" baseline="0" dirty="0" err="1">
+                <a:ln>
+                  <a:noFill/>
+                </a:ln>
+                <a:solidFill>
+                  <a:srgbClr val="A9B7C6"/>
+                </a:solidFill>
+                <a:effectLst/>
+                <a:latin typeface="Arial Unicode MS"/>
+                <a:ea typeface="JetBrains Mono"/>
+              </a:rPr>
+              <a:t>filter</a:t>
+            </a:r>
+            <a:r>
+              <a:rPr kumimoji="0" lang="ko-KR" altLang="ko-KR" sz="900" b="0" i="0" u="none" strike="noStrike" cap="none" normalizeH="0" baseline="0" dirty="0">
+                <a:ln>
+                  <a:noFill/>
+                </a:ln>
+                <a:solidFill>
+                  <a:srgbClr val="A9B7C6"/>
+                </a:solidFill>
+                <a:effectLst/>
+                <a:latin typeface="Arial Unicode MS"/>
+                <a:ea typeface="JetBrains Mono"/>
+              </a:rPr>
+              <a:t>(</a:t>
+            </a:r>
+            <a:r>
+              <a:rPr kumimoji="0" lang="ko-KR" altLang="ko-KR" sz="900" b="0" i="0" u="none" strike="noStrike" cap="none" normalizeH="0" baseline="0" dirty="0" err="1">
+                <a:ln>
+                  <a:noFill/>
+                </a:ln>
+                <a:solidFill>
+                  <a:srgbClr val="A9B7C6"/>
+                </a:solidFill>
+                <a:effectLst/>
+                <a:latin typeface="Arial Unicode MS"/>
+                <a:ea typeface="JetBrains Mono"/>
+              </a:rPr>
+              <a:t>ac</a:t>
+            </a:r>
+            <a:r>
+              <a:rPr kumimoji="0" lang="ko-KR" altLang="ko-KR" sz="900" b="0" i="0" u="none" strike="noStrike" cap="none" normalizeH="0" baseline="0" dirty="0">
+                <a:ln>
+                  <a:noFill/>
+                </a:ln>
+                <a:solidFill>
+                  <a:srgbClr val="A9B7C6"/>
+                </a:solidFill>
+                <a:effectLst/>
+                <a:latin typeface="Arial Unicode MS"/>
+                <a:ea typeface="JetBrains Mono"/>
+              </a:rPr>
+              <a:t> -&gt; !</a:t>
+            </a:r>
+            <a:r>
+              <a:rPr kumimoji="0" lang="ko-KR" altLang="ko-KR" sz="900" b="0" i="0" u="none" strike="noStrike" cap="none" normalizeH="0" baseline="0" dirty="0" err="1">
+                <a:ln>
+                  <a:noFill/>
+                </a:ln>
+                <a:solidFill>
+                  <a:srgbClr val="A9B7C6"/>
+                </a:solidFill>
+                <a:effectLst/>
+                <a:latin typeface="Arial Unicode MS"/>
+                <a:ea typeface="JetBrains Mono"/>
+              </a:rPr>
+              <a:t>ac.getAvoidingAcquaintance</a:t>
+            </a:r>
+            <a:r>
+              <a:rPr kumimoji="0" lang="ko-KR" altLang="ko-KR" sz="900" b="0" i="0" u="none" strike="noStrike" cap="none" normalizeH="0" baseline="0" dirty="0">
+                <a:ln>
+                  <a:noFill/>
+                </a:ln>
+                <a:solidFill>
+                  <a:srgbClr val="A9B7C6"/>
+                </a:solidFill>
+                <a:effectLst/>
+                <a:latin typeface="Arial Unicode MS"/>
+                <a:ea typeface="JetBrains Mono"/>
+              </a:rPr>
+              <a:t>())</a:t>
+            </a:r>
+            <a:br>
+              <a:rPr kumimoji="0" lang="ko-KR" altLang="ko-KR" sz="900" b="0" i="0" u="none" strike="noStrike" cap="none" normalizeH="0" baseline="0" dirty="0">
+                <a:ln>
+                  <a:noFill/>
+                </a:ln>
+                <a:solidFill>
+                  <a:srgbClr val="A9B7C6"/>
+                </a:solidFill>
+                <a:effectLst/>
+                <a:latin typeface="Arial Unicode MS"/>
+                <a:ea typeface="JetBrains Mono"/>
+              </a:rPr>
+            </a:br>
+            <a:r>
+              <a:rPr kumimoji="0" lang="ko-KR" altLang="ko-KR" sz="900" b="0" i="0" u="none" strike="noStrike" cap="none" normalizeH="0" baseline="0" dirty="0">
+                <a:ln>
+                  <a:noFill/>
+                </a:ln>
+                <a:solidFill>
+                  <a:srgbClr val="A9B7C6"/>
+                </a:solidFill>
+                <a:effectLst/>
+                <a:latin typeface="Arial Unicode MS"/>
+                <a:ea typeface="JetBrains Mono"/>
+              </a:rPr>
+              <a:t>        .</a:t>
+            </a:r>
+            <a:r>
+              <a:rPr kumimoji="0" lang="ko-KR" altLang="ko-KR" sz="900" b="0" i="0" u="none" strike="noStrike" cap="none" normalizeH="0" baseline="0" dirty="0" err="1">
+                <a:ln>
+                  <a:noFill/>
+                </a:ln>
+                <a:solidFill>
+                  <a:srgbClr val="A9B7C6"/>
+                </a:solidFill>
+                <a:effectLst/>
+                <a:latin typeface="Arial Unicode MS"/>
+                <a:ea typeface="JetBrains Mono"/>
+              </a:rPr>
+              <a:t>forEach</a:t>
+            </a:r>
+            <a:r>
+              <a:rPr kumimoji="0" lang="ko-KR" altLang="ko-KR" sz="900" b="0" i="0" u="none" strike="noStrike" cap="none" normalizeH="0" baseline="0" dirty="0">
+                <a:ln>
+                  <a:noFill/>
+                </a:ln>
+                <a:solidFill>
+                  <a:srgbClr val="A9B7C6"/>
+                </a:solidFill>
+                <a:effectLst/>
+                <a:latin typeface="Arial Unicode MS"/>
+                <a:ea typeface="JetBrains Mono"/>
+              </a:rPr>
+              <a:t>(</a:t>
+            </a:r>
+            <a:r>
+              <a:rPr kumimoji="0" lang="ko-KR" altLang="ko-KR" sz="900" b="0" i="0" u="none" strike="noStrike" cap="none" normalizeH="0" baseline="0" dirty="0" err="1">
+                <a:ln>
+                  <a:noFill/>
+                </a:ln>
+                <a:solidFill>
+                  <a:srgbClr val="A9B7C6"/>
+                </a:solidFill>
+                <a:effectLst/>
+                <a:latin typeface="Arial Unicode MS"/>
+                <a:ea typeface="JetBrains Mono"/>
+              </a:rPr>
+              <a:t>ac</a:t>
+            </a:r>
+            <a:r>
+              <a:rPr kumimoji="0" lang="ko-KR" altLang="ko-KR" sz="900" b="0" i="0" u="none" strike="noStrike" cap="none" normalizeH="0" baseline="0" dirty="0">
+                <a:ln>
+                  <a:noFill/>
+                </a:ln>
+                <a:solidFill>
+                  <a:srgbClr val="A9B7C6"/>
+                </a:solidFill>
+                <a:effectLst/>
+                <a:latin typeface="Arial Unicode MS"/>
+                <a:ea typeface="JetBrains Mono"/>
+              </a:rPr>
+              <a:t> -&gt; </a:t>
+            </a:r>
+            <a:r>
+              <a:rPr kumimoji="0" lang="ko-KR" altLang="ko-KR" sz="900" b="0" i="0" u="none" strike="noStrike" cap="none" normalizeH="0" baseline="0" dirty="0" err="1">
+                <a:ln>
+                  <a:noFill/>
+                </a:ln>
+                <a:solidFill>
+                  <a:srgbClr val="9876AA"/>
+                </a:solidFill>
+                <a:effectLst/>
+                <a:latin typeface="Arial Unicode MS"/>
+                <a:ea typeface="JetBrains Mono"/>
+              </a:rPr>
+              <a:t>acquaintanceRelationRepository</a:t>
+            </a:r>
+            <a:r>
+              <a:rPr kumimoji="0" lang="ko-KR" altLang="ko-KR" sz="900" b="0" i="0" u="none" strike="noStrike" cap="none" normalizeH="0" baseline="0" dirty="0" err="1">
+                <a:ln>
+                  <a:noFill/>
+                </a:ln>
+                <a:solidFill>
+                  <a:srgbClr val="A9B7C6"/>
+                </a:solidFill>
+                <a:effectLst/>
+                <a:latin typeface="Arial Unicode MS"/>
+                <a:ea typeface="JetBrains Mono"/>
+              </a:rPr>
+              <a:t>.deleteAcquaintanceRelation</a:t>
+            </a:r>
+            <a:r>
+              <a:rPr kumimoji="0" lang="ko-KR" altLang="ko-KR" sz="900" b="0" i="0" u="none" strike="noStrike" cap="none" normalizeH="0" baseline="0" dirty="0">
+                <a:ln>
+                  <a:noFill/>
+                </a:ln>
+                <a:solidFill>
+                  <a:srgbClr val="A9B7C6"/>
+                </a:solidFill>
+                <a:effectLst/>
+                <a:latin typeface="Arial Unicode MS"/>
+                <a:ea typeface="JetBrains Mono"/>
+              </a:rPr>
+              <a:t>(</a:t>
+            </a:r>
+            <a:r>
+              <a:rPr kumimoji="0" lang="ko-KR" altLang="ko-KR" sz="900" b="0" i="0" u="none" strike="noStrike" cap="none" normalizeH="0" baseline="0" dirty="0" err="1">
+                <a:ln>
+                  <a:noFill/>
+                </a:ln>
+                <a:solidFill>
+                  <a:srgbClr val="9876AA"/>
+                </a:solidFill>
+                <a:effectLst/>
+                <a:latin typeface="Arial Unicode MS"/>
+                <a:ea typeface="JetBrains Mono"/>
+              </a:rPr>
+              <a:t>userRepository</a:t>
+            </a:r>
+            <a:r>
+              <a:rPr kumimoji="0" lang="ko-KR" altLang="ko-KR" sz="900" b="0" i="0" u="none" strike="noStrike" cap="none" normalizeH="0" baseline="0" dirty="0" err="1">
+                <a:ln>
+                  <a:noFill/>
+                </a:ln>
+                <a:solidFill>
+                  <a:srgbClr val="A9B7C6"/>
+                </a:solidFill>
+                <a:effectLst/>
+                <a:latin typeface="Arial Unicode MS"/>
+                <a:ea typeface="JetBrains Mono"/>
+              </a:rPr>
+              <a:t>.findById</a:t>
+            </a:r>
+            <a:r>
+              <a:rPr kumimoji="0" lang="ko-KR" altLang="ko-KR" sz="900" b="0" i="0" u="none" strike="noStrike" cap="none" normalizeH="0" baseline="0" dirty="0">
+                <a:ln>
+                  <a:noFill/>
+                </a:ln>
+                <a:solidFill>
+                  <a:srgbClr val="A9B7C6"/>
+                </a:solidFill>
+                <a:effectLst/>
+                <a:latin typeface="Arial Unicode MS"/>
+                <a:ea typeface="JetBrains Mono"/>
+              </a:rPr>
+              <a:t>(</a:t>
+            </a:r>
+            <a:r>
+              <a:rPr kumimoji="0" lang="ko-KR" altLang="ko-KR" sz="900" b="0" i="0" u="none" strike="noStrike" cap="none" normalizeH="0" baseline="0" dirty="0" err="1">
+                <a:ln>
+                  <a:noFill/>
+                </a:ln>
+                <a:solidFill>
+                  <a:srgbClr val="B389C5"/>
+                </a:solidFill>
+                <a:effectLst/>
+                <a:latin typeface="Arial Unicode MS"/>
+                <a:ea typeface="JetBrains Mono"/>
+              </a:rPr>
+              <a:t>userId</a:t>
+            </a:r>
+            <a:r>
+              <a:rPr kumimoji="0" lang="ko-KR" altLang="ko-KR" sz="900" b="0" i="0" u="none" strike="noStrike" cap="none" normalizeH="0" baseline="0" dirty="0">
+                <a:ln>
+                  <a:noFill/>
+                </a:ln>
+                <a:solidFill>
+                  <a:srgbClr val="A9B7C6"/>
+                </a:solidFill>
+                <a:effectLst/>
+                <a:latin typeface="Arial Unicode MS"/>
+                <a:ea typeface="JetBrains Mono"/>
+              </a:rPr>
+              <a:t>).</a:t>
+            </a:r>
+            <a:r>
+              <a:rPr kumimoji="0" lang="ko-KR" altLang="ko-KR" sz="900" b="0" i="0" u="none" strike="noStrike" cap="none" normalizeH="0" baseline="0" dirty="0" err="1">
+                <a:ln>
+                  <a:noFill/>
+                </a:ln>
+                <a:solidFill>
+                  <a:srgbClr val="A9B7C6"/>
+                </a:solidFill>
+                <a:effectLst/>
+                <a:latin typeface="Arial Unicode MS"/>
+                <a:ea typeface="JetBrains Mono"/>
+              </a:rPr>
+              <a:t>orElseThrow</a:t>
+            </a:r>
+            <a:r>
+              <a:rPr kumimoji="0" lang="ko-KR" altLang="ko-KR" sz="900" b="0" i="0" u="none" strike="noStrike" cap="none" normalizeH="0" baseline="0" dirty="0">
+                <a:ln>
+                  <a:noFill/>
+                </a:ln>
+                <a:solidFill>
+                  <a:srgbClr val="A9B7C6"/>
+                </a:solidFill>
+                <a:effectLst/>
+                <a:latin typeface="Arial Unicode MS"/>
+                <a:ea typeface="JetBrains Mono"/>
+              </a:rPr>
+              <a:t>(()-&gt; </a:t>
+            </a:r>
+            <a:r>
+              <a:rPr kumimoji="0" lang="ko-KR" altLang="ko-KR" sz="900" b="0" i="0" u="none" strike="noStrike" cap="none" normalizeH="0" baseline="0" dirty="0" err="1">
+                <a:ln>
+                  <a:noFill/>
+                </a:ln>
+                <a:solidFill>
+                  <a:srgbClr val="CC7832"/>
+                </a:solidFill>
+                <a:effectLst/>
+                <a:latin typeface="Arial Unicode MS"/>
+                <a:ea typeface="JetBrains Mono"/>
+              </a:rPr>
+              <a:t>new</a:t>
+            </a:r>
+            <a:r>
+              <a:rPr kumimoji="0" lang="ko-KR" altLang="ko-KR" sz="900" b="0" i="0" u="none" strike="noStrike" cap="none" normalizeH="0" baseline="0" dirty="0">
+                <a:ln>
+                  <a:noFill/>
+                </a:ln>
+                <a:solidFill>
+                  <a:srgbClr val="CC7832"/>
+                </a:solidFill>
+                <a:effectLst/>
+                <a:latin typeface="Arial Unicode MS"/>
+                <a:ea typeface="JetBrains Mono"/>
+              </a:rPr>
+              <a:t> </a:t>
+            </a:r>
+            <a:r>
+              <a:rPr kumimoji="0" lang="ko-KR" altLang="ko-KR" sz="900" b="0" i="0" u="none" strike="noStrike" cap="none" normalizeH="0" baseline="0" dirty="0" err="1">
+                <a:ln>
+                  <a:noFill/>
+                </a:ln>
+                <a:solidFill>
+                  <a:srgbClr val="A9B7C6"/>
+                </a:solidFill>
+                <a:effectLst/>
+                <a:latin typeface="Arial Unicode MS"/>
+                <a:ea typeface="JetBrains Mono"/>
+              </a:rPr>
+              <a:t>NoSuchElementException</a:t>
+            </a:r>
+            <a:r>
+              <a:rPr kumimoji="0" lang="ko-KR" altLang="ko-KR" sz="900" b="0" i="0" u="none" strike="noStrike" cap="none" normalizeH="0" baseline="0" dirty="0">
+                <a:ln>
+                  <a:noFill/>
+                </a:ln>
+                <a:solidFill>
+                  <a:srgbClr val="A9B7C6"/>
+                </a:solidFill>
+                <a:effectLst/>
+                <a:latin typeface="Arial Unicode MS"/>
+                <a:ea typeface="JetBrains Mono"/>
+              </a:rPr>
+              <a:t>(</a:t>
+            </a:r>
+            <a:r>
+              <a:rPr kumimoji="0" lang="ko-KR" altLang="ko-KR" sz="900" b="0" i="0" u="none" strike="noStrike" cap="none" normalizeH="0" baseline="0" dirty="0">
+                <a:ln>
+                  <a:noFill/>
+                </a:ln>
+                <a:solidFill>
+                  <a:srgbClr val="6A8759"/>
+                </a:solidFill>
+                <a:effectLst/>
+                <a:latin typeface="Arial Unicode MS"/>
+                <a:ea typeface="JetBrains Mono"/>
+              </a:rPr>
+              <a:t>"</a:t>
+            </a:r>
+            <a:r>
+              <a:rPr kumimoji="0" lang="ko-KR" altLang="ko-KR" sz="900" b="0" i="0" u="none" strike="noStrike" cap="none" normalizeH="0" baseline="0" dirty="0">
+                <a:ln>
+                  <a:noFill/>
+                </a:ln>
+                <a:solidFill>
+                  <a:srgbClr val="6A8759"/>
+                </a:solidFill>
+                <a:effectLst/>
+                <a:latin typeface="Courier New" panose="02070309020205020404" pitchFamily="49" charset="0"/>
+                <a:ea typeface="JetBrains Mono"/>
+                <a:cs typeface="Courier New" panose="02070309020205020404" pitchFamily="49" charset="0"/>
+              </a:rPr>
+              <a:t>존재하지 않는 회원</a:t>
+            </a:r>
+            <a:r>
+              <a:rPr kumimoji="0" lang="ko-KR" altLang="ko-KR" sz="900" b="0" i="0" u="none" strike="noStrike" cap="none" normalizeH="0" baseline="0" dirty="0">
+                <a:ln>
+                  <a:noFill/>
+                </a:ln>
+                <a:solidFill>
+                  <a:srgbClr val="6A8759"/>
+                </a:solidFill>
+                <a:effectLst/>
+                <a:latin typeface="Arial Unicode MS"/>
+                <a:ea typeface="JetBrains Mono"/>
+              </a:rPr>
+              <a:t> </a:t>
+            </a:r>
+            <a:r>
+              <a:rPr kumimoji="0" lang="ko-KR" altLang="ko-KR" sz="900" b="0" i="0" u="none" strike="noStrike" cap="none" normalizeH="0" baseline="0" dirty="0" err="1">
+                <a:ln>
+                  <a:noFill/>
+                </a:ln>
+                <a:solidFill>
+                  <a:srgbClr val="6A8759"/>
+                </a:solidFill>
+                <a:effectLst/>
+                <a:latin typeface="Arial Unicode MS"/>
+                <a:ea typeface="JetBrains Mono"/>
+              </a:rPr>
+              <a:t>pk</a:t>
+            </a:r>
+            <a:r>
+              <a:rPr kumimoji="0" lang="ko-KR" altLang="ko-KR" sz="900" b="0" i="0" u="none" strike="noStrike" cap="none" normalizeH="0" baseline="0" dirty="0" err="1">
+                <a:ln>
+                  <a:noFill/>
+                </a:ln>
+                <a:solidFill>
+                  <a:srgbClr val="6A8759"/>
+                </a:solidFill>
+                <a:effectLst/>
+                <a:latin typeface="Courier New" panose="02070309020205020404" pitchFamily="49" charset="0"/>
+                <a:ea typeface="JetBrains Mono"/>
+                <a:cs typeface="Courier New" panose="02070309020205020404" pitchFamily="49" charset="0"/>
+              </a:rPr>
+              <a:t>입니다</a:t>
+            </a:r>
+            <a:r>
+              <a:rPr kumimoji="0" lang="ko-KR" altLang="ko-KR" sz="900" b="0" i="0" u="none" strike="noStrike" cap="none" normalizeH="0" baseline="0" dirty="0">
+                <a:ln>
+                  <a:noFill/>
+                </a:ln>
+                <a:solidFill>
+                  <a:srgbClr val="6A8759"/>
+                </a:solidFill>
+                <a:effectLst/>
+                <a:latin typeface="Arial Unicode MS"/>
+                <a:ea typeface="JetBrains Mono"/>
+              </a:rPr>
+              <a:t>"</a:t>
+            </a:r>
+            <a:r>
+              <a:rPr kumimoji="0" lang="ko-KR" altLang="ko-KR" sz="900" b="0" i="0" u="none" strike="noStrike" cap="none" normalizeH="0" baseline="0" dirty="0">
+                <a:ln>
+                  <a:noFill/>
+                </a:ln>
+                <a:solidFill>
+                  <a:srgbClr val="A9B7C6"/>
+                </a:solidFill>
+                <a:effectLst/>
+                <a:latin typeface="Arial Unicode MS"/>
+                <a:ea typeface="JetBrains Mono"/>
+              </a:rPr>
+              <a:t>))</a:t>
+            </a:r>
+            <a:r>
+              <a:rPr kumimoji="0" lang="ko-KR" altLang="ko-KR" sz="900" b="0" i="0" u="none" strike="noStrike" cap="none" normalizeH="0" baseline="0" dirty="0">
+                <a:ln>
+                  <a:noFill/>
+                </a:ln>
+                <a:solidFill>
+                  <a:srgbClr val="CC7832"/>
+                </a:solidFill>
+                <a:effectLst/>
+                <a:latin typeface="Arial Unicode MS"/>
+                <a:ea typeface="JetBrains Mono"/>
+              </a:rPr>
+              <a:t>,</a:t>
+            </a:r>
+            <a:r>
+              <a:rPr kumimoji="0" lang="ko-KR" altLang="ko-KR" sz="900" b="0" i="0" u="none" strike="noStrike" cap="none" normalizeH="0" baseline="0" dirty="0" err="1">
+                <a:ln>
+                  <a:noFill/>
+                </a:ln>
+                <a:solidFill>
+                  <a:srgbClr val="A9B7C6"/>
+                </a:solidFill>
+                <a:effectLst/>
+                <a:latin typeface="Arial Unicode MS"/>
+                <a:ea typeface="JetBrains Mono"/>
+              </a:rPr>
+              <a:t>ac</a:t>
+            </a:r>
+            <a:r>
+              <a:rPr kumimoji="0" lang="ko-KR" altLang="ko-KR" sz="900" b="0" i="0" u="none" strike="noStrike" cap="none" normalizeH="0" baseline="0" dirty="0">
+                <a:ln>
+                  <a:noFill/>
+                </a:ln>
+                <a:solidFill>
+                  <a:srgbClr val="A9B7C6"/>
+                </a:solidFill>
+                <a:effectLst/>
+                <a:latin typeface="Arial Unicode MS"/>
+                <a:ea typeface="JetBrains Mono"/>
+              </a:rPr>
+              <a:t>))</a:t>
+            </a:r>
+            <a:r>
+              <a:rPr kumimoji="0" lang="ko-KR" altLang="ko-KR" sz="900" b="0" i="0" u="none" strike="noStrike" cap="none" normalizeH="0" baseline="0" dirty="0">
+                <a:ln>
+                  <a:noFill/>
+                </a:ln>
+                <a:solidFill>
+                  <a:srgbClr val="CC7832"/>
+                </a:solidFill>
+                <a:effectLst/>
+                <a:latin typeface="Arial Unicode MS"/>
+                <a:ea typeface="JetBrains Mono"/>
+              </a:rPr>
+              <a:t>;</a:t>
+            </a:r>
+            <a:endParaRPr kumimoji="0" lang="ko-KR" altLang="ko-KR" sz="1800" b="0" i="0" u="none" strike="noStrike" cap="none" normalizeH="0" baseline="0" dirty="0">
+              <a:ln>
+                <a:noFill/>
+              </a:ln>
               <a:solidFill>
                 <a:schemeClr val="tx1"/>
               </a:solidFill>
+              <a:effectLst/>
+              <a:latin typeface="Arial" panose="020B0604020202020204" pitchFamily="34" charset="0"/>
             </a:endParaRPr>
-          </a:p>
-          <a:p>
-            <a:pPr marL="228600" indent="-228600">
-              <a:buAutoNum type="arabicPeriod"/>
-            </a:pPr>
-            <a:endParaRPr lang="en-US" altLang="ko-KR" sz="800" dirty="0">
-              <a:solidFill>
-                <a:schemeClr val="tx1"/>
-              </a:solidFill>
-            </a:endParaRPr>
-          </a:p>
-          <a:p>
-            <a:pPr marL="228600" indent="-228600">
-              <a:buAutoNum type="arabicPeriod"/>
-            </a:pPr>
-            <a:r>
-              <a:rPr lang="ko-KR" altLang="en-US" sz="800" dirty="0">
-                <a:solidFill>
-                  <a:schemeClr val="tx1"/>
-                </a:solidFill>
-              </a:rPr>
-              <a:t>등록된 이메일인지 확인</a:t>
-            </a:r>
-            <a:endParaRPr lang="en-US" altLang="ko-KR" sz="800" dirty="0">
-              <a:solidFill>
-                <a:schemeClr val="tx1"/>
-              </a:solidFill>
-            </a:endParaRPr>
-          </a:p>
-          <a:p>
-            <a:pPr marL="228600" indent="-228600">
-              <a:buAutoNum type="arabicPeriod"/>
-            </a:pPr>
-            <a:r>
-              <a:rPr lang="ko-KR" altLang="en-US" sz="800" dirty="0">
-                <a:solidFill>
-                  <a:schemeClr val="tx1"/>
-                </a:solidFill>
-              </a:rPr>
-              <a:t>등록된 이메일이라면 이메일과 현재 시간을 조합하여 </a:t>
-            </a:r>
-            <a:r>
-              <a:rPr lang="en-US" altLang="ko-KR" sz="800" dirty="0" err="1">
-                <a:solidFill>
-                  <a:schemeClr val="tx1"/>
-                </a:solidFill>
-              </a:rPr>
-              <a:t>url</a:t>
-            </a:r>
-            <a:r>
-              <a:rPr lang="en-US" altLang="ko-KR" sz="800" dirty="0">
-                <a:solidFill>
-                  <a:schemeClr val="tx1"/>
-                </a:solidFill>
-              </a:rPr>
-              <a:t> </a:t>
-            </a:r>
-            <a:r>
-              <a:rPr lang="ko-KR" altLang="en-US" sz="800" dirty="0">
-                <a:solidFill>
-                  <a:schemeClr val="tx1"/>
-                </a:solidFill>
-              </a:rPr>
-              <a:t>생성</a:t>
-            </a:r>
-            <a:endParaRPr lang="en-US" altLang="ko-KR" sz="800" dirty="0">
-              <a:solidFill>
-                <a:schemeClr val="tx1"/>
-              </a:solidFill>
-            </a:endParaRPr>
-          </a:p>
-          <a:p>
-            <a:pPr marL="228600" indent="-228600">
-              <a:buAutoNum type="arabicPeriod"/>
-            </a:pPr>
-            <a:r>
-              <a:rPr lang="en-US" altLang="ko-KR" sz="800" dirty="0" err="1">
-                <a:solidFill>
-                  <a:schemeClr val="tx1"/>
-                </a:solidFill>
-              </a:rPr>
-              <a:t>url</a:t>
-            </a:r>
-            <a:r>
-              <a:rPr lang="en-US" altLang="ko-KR" sz="800" dirty="0">
-                <a:solidFill>
-                  <a:schemeClr val="tx1"/>
-                </a:solidFill>
-              </a:rPr>
-              <a:t> </a:t>
-            </a:r>
-            <a:r>
-              <a:rPr lang="ko-KR" altLang="en-US" sz="800" dirty="0">
-                <a:solidFill>
-                  <a:schemeClr val="tx1"/>
-                </a:solidFill>
-              </a:rPr>
-              <a:t>생성시 암호화 진행</a:t>
-            </a:r>
-            <a:r>
-              <a:rPr lang="en-US" altLang="ko-KR" sz="800" dirty="0">
-                <a:solidFill>
-                  <a:schemeClr val="tx1"/>
-                </a:solidFill>
-              </a:rPr>
-              <a:t>(</a:t>
-            </a:r>
-            <a:r>
-              <a:rPr lang="ko-KR" altLang="en-US" sz="800" dirty="0">
-                <a:solidFill>
-                  <a:schemeClr val="tx1"/>
-                </a:solidFill>
-              </a:rPr>
-              <a:t>암호화 과정은 오른쪽 설명란  참조</a:t>
-            </a:r>
-            <a:r>
-              <a:rPr lang="en-US" altLang="ko-KR" sz="800" dirty="0">
-                <a:solidFill>
-                  <a:schemeClr val="tx1"/>
-                </a:solidFill>
-              </a:rPr>
-              <a:t>)</a:t>
-            </a:r>
-          </a:p>
-          <a:p>
-            <a:pPr marL="228600" indent="-228600">
-              <a:buAutoNum type="arabicPeriod"/>
-            </a:pPr>
-            <a:r>
-              <a:rPr lang="en-US" altLang="ko-KR" sz="800" dirty="0" err="1">
-                <a:solidFill>
-                  <a:schemeClr val="tx1"/>
-                </a:solidFill>
-              </a:rPr>
-              <a:t>url</a:t>
-            </a:r>
-            <a:r>
-              <a:rPr lang="ko-KR" altLang="en-US" sz="800" dirty="0">
-                <a:solidFill>
-                  <a:schemeClr val="tx1"/>
-                </a:solidFill>
-              </a:rPr>
-              <a:t>을</a:t>
-            </a:r>
-            <a:r>
-              <a:rPr lang="en-US" altLang="ko-KR" sz="800" dirty="0">
-                <a:solidFill>
-                  <a:schemeClr val="tx1"/>
-                </a:solidFill>
-              </a:rPr>
-              <a:t> email</a:t>
-            </a:r>
-            <a:r>
-              <a:rPr lang="ko-KR" altLang="en-US" sz="800" dirty="0">
-                <a:solidFill>
-                  <a:schemeClr val="tx1"/>
-                </a:solidFill>
-              </a:rPr>
-              <a:t>로 전송</a:t>
-            </a:r>
-            <a:endParaRPr lang="en-US" altLang="ko-KR" sz="800" dirty="0">
-              <a:solidFill>
-                <a:schemeClr val="tx1"/>
-              </a:solidFill>
-            </a:endParaRPr>
-          </a:p>
-          <a:p>
-            <a:pPr marL="228600" indent="-228600">
-              <a:buAutoNum type="arabicPeriod"/>
-            </a:pPr>
-            <a:endParaRPr lang="en-US" altLang="ko-KR" sz="800" dirty="0">
-              <a:solidFill>
-                <a:schemeClr val="tx1"/>
-              </a:solidFill>
-            </a:endParaRPr>
-          </a:p>
-          <a:p>
-            <a:pPr marL="228600" indent="-228600">
-              <a:buAutoNum type="arabicPeriod"/>
-            </a:pPr>
-            <a:endParaRPr lang="ko-KR" altLang="en-US" sz="800" dirty="0">
-              <a:solidFill>
-                <a:schemeClr val="tx1"/>
-              </a:solidFill>
-            </a:endParaRPr>
-          </a:p>
-        </p:txBody>
-      </p:sp>
-      <p:cxnSp>
-        <p:nvCxnSpPr>
-          <p:cNvPr id="119" name="직선 화살표 연결선 118">
-            <a:extLst>
-              <a:ext uri="{FF2B5EF4-FFF2-40B4-BE49-F238E27FC236}">
-                <a16:creationId xmlns:a16="http://schemas.microsoft.com/office/drawing/2014/main" id="{0A9FEC5F-43A8-4616-90BD-30BAE0F44BFB}"/>
-              </a:ext>
-            </a:extLst>
-          </p:cNvPr>
-          <p:cNvCxnSpPr>
-            <a:cxnSpLocks/>
-          </p:cNvCxnSpPr>
-          <p:nvPr/>
-        </p:nvCxnSpPr>
-        <p:spPr>
-          <a:xfrm>
-            <a:off x="3076197" y="2834302"/>
-            <a:ext cx="2387434" cy="0"/>
-          </a:xfrm>
-          <a:prstGeom prst="straightConnector1">
-            <a:avLst/>
-          </a:prstGeom>
-          <a:ln>
-            <a:tailEnd type="triangle"/>
-          </a:ln>
-        </p:spPr>
-        <p:style>
-          <a:lnRef idx="1">
-            <a:schemeClr val="accent1"/>
-          </a:lnRef>
-          <a:fillRef idx="0">
-            <a:schemeClr val="accent1"/>
-          </a:fillRef>
-          <a:effectRef idx="0">
-            <a:schemeClr val="accent1"/>
-          </a:effectRef>
-          <a:fontRef idx="minor">
-            <a:schemeClr val="tx1"/>
-          </a:fontRef>
-        </p:style>
-      </p:cxnSp>
-      <p:sp>
-        <p:nvSpPr>
-          <p:cNvPr id="120" name="TextBox 119">
-            <a:extLst>
-              <a:ext uri="{FF2B5EF4-FFF2-40B4-BE49-F238E27FC236}">
-                <a16:creationId xmlns:a16="http://schemas.microsoft.com/office/drawing/2014/main" id="{2292667F-04B0-4E05-BD37-521CD8C41291}"/>
-              </a:ext>
-            </a:extLst>
-          </p:cNvPr>
-          <p:cNvSpPr txBox="1"/>
-          <p:nvPr/>
-        </p:nvSpPr>
-        <p:spPr>
-          <a:xfrm>
-            <a:off x="2945258" y="2569430"/>
-            <a:ext cx="2669021" cy="215444"/>
-          </a:xfrm>
-          <a:prstGeom prst="rect">
-            <a:avLst/>
-          </a:prstGeom>
-          <a:noFill/>
-        </p:spPr>
-        <p:txBody>
-          <a:bodyPr wrap="square" rtlCol="0">
-            <a:spAutoFit/>
-          </a:bodyPr>
-          <a:lstStyle/>
-          <a:p>
-            <a:pPr algn="ctr"/>
-            <a:r>
-              <a:rPr lang="en-US" altLang="ko-KR" sz="800" dirty="0"/>
-              <a:t>URL </a:t>
-            </a:r>
-            <a:r>
-              <a:rPr lang="ko-KR" altLang="en-US" sz="800" dirty="0"/>
-              <a:t>전송</a:t>
-            </a:r>
-          </a:p>
-        </p:txBody>
-      </p:sp>
-      <p:cxnSp>
-        <p:nvCxnSpPr>
-          <p:cNvPr id="13" name="직선 화살표 연결선 12">
-            <a:extLst>
-              <a:ext uri="{FF2B5EF4-FFF2-40B4-BE49-F238E27FC236}">
-                <a16:creationId xmlns:a16="http://schemas.microsoft.com/office/drawing/2014/main" id="{880E1BC1-8B84-4EA9-B435-76798F627386}"/>
-              </a:ext>
-            </a:extLst>
-          </p:cNvPr>
-          <p:cNvCxnSpPr>
-            <a:cxnSpLocks/>
-          </p:cNvCxnSpPr>
-          <p:nvPr/>
-        </p:nvCxnSpPr>
-        <p:spPr>
-          <a:xfrm flipH="1">
-            <a:off x="3073086" y="4127169"/>
-            <a:ext cx="2387434" cy="0"/>
-          </a:xfrm>
-          <a:prstGeom prst="straightConnector1">
-            <a:avLst/>
-          </a:prstGeom>
-          <a:ln>
-            <a:tailEnd type="triangle"/>
-          </a:ln>
-        </p:spPr>
-        <p:style>
-          <a:lnRef idx="1">
-            <a:schemeClr val="accent1"/>
-          </a:lnRef>
-          <a:fillRef idx="0">
-            <a:schemeClr val="accent1"/>
-          </a:fillRef>
-          <a:effectRef idx="0">
-            <a:schemeClr val="accent1"/>
-          </a:effectRef>
-          <a:fontRef idx="minor">
-            <a:schemeClr val="tx1"/>
-          </a:fontRef>
-        </p:style>
-      </p:cxnSp>
-      <p:sp>
-        <p:nvSpPr>
-          <p:cNvPr id="121" name="TextBox 120">
-            <a:extLst>
-              <a:ext uri="{FF2B5EF4-FFF2-40B4-BE49-F238E27FC236}">
-                <a16:creationId xmlns:a16="http://schemas.microsoft.com/office/drawing/2014/main" id="{BC53056F-2B33-4C70-9740-60DE6A1877EF}"/>
-              </a:ext>
-            </a:extLst>
-          </p:cNvPr>
-          <p:cNvSpPr txBox="1"/>
-          <p:nvPr/>
-        </p:nvSpPr>
-        <p:spPr>
-          <a:xfrm>
-            <a:off x="2930026" y="3918439"/>
-            <a:ext cx="2669021" cy="215444"/>
-          </a:xfrm>
-          <a:prstGeom prst="rect">
-            <a:avLst/>
-          </a:prstGeom>
-          <a:noFill/>
-        </p:spPr>
-        <p:txBody>
-          <a:bodyPr wrap="square" rtlCol="0">
-            <a:spAutoFit/>
-          </a:bodyPr>
-          <a:lstStyle/>
-          <a:p>
-            <a:pPr algn="ctr"/>
-            <a:r>
-              <a:rPr lang="en-US" altLang="ko-KR" sz="800" dirty="0"/>
-              <a:t>URL </a:t>
-            </a:r>
-            <a:r>
-              <a:rPr lang="ko-KR" altLang="en-US" sz="800" dirty="0"/>
-              <a:t>클릭</a:t>
-            </a:r>
-          </a:p>
-        </p:txBody>
-      </p:sp>
-      <p:cxnSp>
-        <p:nvCxnSpPr>
-          <p:cNvPr id="126" name="직선 화살표 연결선 125">
-            <a:extLst>
-              <a:ext uri="{FF2B5EF4-FFF2-40B4-BE49-F238E27FC236}">
-                <a16:creationId xmlns:a16="http://schemas.microsoft.com/office/drawing/2014/main" id="{20B73B9C-9592-42B8-A101-74748325C9C4}"/>
-              </a:ext>
-            </a:extLst>
-          </p:cNvPr>
-          <p:cNvCxnSpPr>
-            <a:cxnSpLocks/>
-          </p:cNvCxnSpPr>
-          <p:nvPr/>
-        </p:nvCxnSpPr>
-        <p:spPr>
-          <a:xfrm>
-            <a:off x="3098857" y="4438630"/>
-            <a:ext cx="2387434" cy="0"/>
-          </a:xfrm>
-          <a:prstGeom prst="straightConnector1">
-            <a:avLst/>
-          </a:prstGeom>
-          <a:ln>
-            <a:tailEnd type="triangle"/>
-          </a:ln>
-        </p:spPr>
-        <p:style>
-          <a:lnRef idx="1">
-            <a:schemeClr val="accent1"/>
-          </a:lnRef>
-          <a:fillRef idx="0">
-            <a:schemeClr val="accent1"/>
-          </a:fillRef>
-          <a:effectRef idx="0">
-            <a:schemeClr val="accent1"/>
-          </a:effectRef>
-          <a:fontRef idx="minor">
-            <a:schemeClr val="tx1"/>
-          </a:fontRef>
-        </p:style>
-      </p:cxnSp>
-      <p:sp>
-        <p:nvSpPr>
-          <p:cNvPr id="127" name="TextBox 126">
-            <a:extLst>
-              <a:ext uri="{FF2B5EF4-FFF2-40B4-BE49-F238E27FC236}">
-                <a16:creationId xmlns:a16="http://schemas.microsoft.com/office/drawing/2014/main" id="{1BD0D182-9996-4AAA-9355-0EE6469E3B3D}"/>
-              </a:ext>
-            </a:extLst>
-          </p:cNvPr>
-          <p:cNvSpPr txBox="1"/>
-          <p:nvPr/>
-        </p:nvSpPr>
-        <p:spPr>
-          <a:xfrm>
-            <a:off x="2967918" y="4223186"/>
-            <a:ext cx="2669021" cy="215444"/>
-          </a:xfrm>
-          <a:prstGeom prst="rect">
-            <a:avLst/>
-          </a:prstGeom>
-          <a:noFill/>
-        </p:spPr>
-        <p:txBody>
-          <a:bodyPr wrap="square" rtlCol="0">
-            <a:spAutoFit/>
-          </a:bodyPr>
-          <a:lstStyle/>
-          <a:p>
-            <a:pPr algn="ctr"/>
-            <a:r>
-              <a:rPr lang="ko-KR" altLang="en-US" sz="800" dirty="0"/>
-              <a:t>비밀번호 변경 페이지 제공</a:t>
-            </a:r>
-          </a:p>
-        </p:txBody>
-      </p:sp>
-      <p:cxnSp>
-        <p:nvCxnSpPr>
-          <p:cNvPr id="132" name="직선 화살표 연결선 131">
-            <a:extLst>
-              <a:ext uri="{FF2B5EF4-FFF2-40B4-BE49-F238E27FC236}">
-                <a16:creationId xmlns:a16="http://schemas.microsoft.com/office/drawing/2014/main" id="{E4AB057E-0B68-4248-AFB4-690597325D0C}"/>
-              </a:ext>
-            </a:extLst>
-          </p:cNvPr>
-          <p:cNvCxnSpPr>
-            <a:cxnSpLocks/>
-          </p:cNvCxnSpPr>
-          <p:nvPr/>
-        </p:nvCxnSpPr>
-        <p:spPr>
-          <a:xfrm flipH="1">
-            <a:off x="3086051" y="4839133"/>
-            <a:ext cx="2387434" cy="0"/>
-          </a:xfrm>
-          <a:prstGeom prst="straightConnector1">
-            <a:avLst/>
-          </a:prstGeom>
-          <a:ln>
-            <a:tailEnd type="triangle"/>
-          </a:ln>
-        </p:spPr>
-        <p:style>
-          <a:lnRef idx="1">
-            <a:schemeClr val="accent1"/>
-          </a:lnRef>
-          <a:fillRef idx="0">
-            <a:schemeClr val="accent1"/>
-          </a:fillRef>
-          <a:effectRef idx="0">
-            <a:schemeClr val="accent1"/>
-          </a:effectRef>
-          <a:fontRef idx="minor">
-            <a:schemeClr val="tx1"/>
-          </a:fontRef>
-        </p:style>
-      </p:cxnSp>
-      <p:sp>
-        <p:nvSpPr>
-          <p:cNvPr id="133" name="TextBox 132">
-            <a:extLst>
-              <a:ext uri="{FF2B5EF4-FFF2-40B4-BE49-F238E27FC236}">
-                <a16:creationId xmlns:a16="http://schemas.microsoft.com/office/drawing/2014/main" id="{79A4A522-E537-4357-879E-43266D77BC77}"/>
-              </a:ext>
-            </a:extLst>
-          </p:cNvPr>
-          <p:cNvSpPr txBox="1"/>
-          <p:nvPr/>
-        </p:nvSpPr>
-        <p:spPr>
-          <a:xfrm>
-            <a:off x="2931927" y="4521868"/>
-            <a:ext cx="2669021" cy="338554"/>
-          </a:xfrm>
-          <a:prstGeom prst="rect">
-            <a:avLst/>
-          </a:prstGeom>
-          <a:noFill/>
-        </p:spPr>
-        <p:txBody>
-          <a:bodyPr wrap="square" rtlCol="0">
-            <a:spAutoFit/>
-          </a:bodyPr>
-          <a:lstStyle/>
-          <a:p>
-            <a:pPr algn="ctr"/>
-            <a:r>
-              <a:rPr lang="ko-KR" altLang="en-US" sz="800" dirty="0"/>
-              <a:t>비밀번호 변경 요청</a:t>
-            </a:r>
-            <a:endParaRPr lang="en-US" altLang="ko-KR" sz="800" dirty="0"/>
-          </a:p>
-          <a:p>
-            <a:pPr algn="ctr"/>
-            <a:r>
-              <a:rPr lang="ko-KR" altLang="en-US" sz="800" dirty="0"/>
-              <a:t>이 때 암호화 된 값이 함께 </a:t>
-            </a:r>
-            <a:r>
-              <a:rPr lang="en-US" altLang="ko-KR" sz="800" dirty="0"/>
-              <a:t>server</a:t>
-            </a:r>
-            <a:r>
-              <a:rPr lang="ko-KR" altLang="en-US" sz="800" dirty="0"/>
-              <a:t>로 전송됨</a:t>
-            </a:r>
-            <a:endParaRPr lang="en-US" altLang="ko-KR" sz="800" dirty="0"/>
-          </a:p>
-        </p:txBody>
-      </p:sp>
-      <p:sp>
-        <p:nvSpPr>
-          <p:cNvPr id="136" name="직사각형 135">
-            <a:extLst>
-              <a:ext uri="{FF2B5EF4-FFF2-40B4-BE49-F238E27FC236}">
-                <a16:creationId xmlns:a16="http://schemas.microsoft.com/office/drawing/2014/main" id="{6762B5D0-7DE3-4E81-B887-4CA358FBE2F9}"/>
-              </a:ext>
-            </a:extLst>
-          </p:cNvPr>
-          <p:cNvSpPr/>
-          <p:nvPr/>
-        </p:nvSpPr>
-        <p:spPr>
-          <a:xfrm>
-            <a:off x="1721768" y="4997135"/>
-            <a:ext cx="2502096" cy="1342347"/>
-          </a:xfrm>
-          <a:prstGeom prst="rect">
-            <a:avLst/>
-          </a:prstGeom>
-          <a:solidFill>
-            <a:schemeClr val="bg1"/>
-          </a:solidFill>
-        </p:spPr>
-        <p:style>
-          <a:lnRef idx="2">
-            <a:schemeClr val="accent1">
-              <a:shade val="50000"/>
-            </a:schemeClr>
-          </a:lnRef>
-          <a:fillRef idx="1">
-            <a:schemeClr val="accent1"/>
-          </a:fillRef>
-          <a:effectRef idx="0">
-            <a:schemeClr val="accent1"/>
-          </a:effectRef>
-          <a:fontRef idx="minor">
-            <a:schemeClr val="lt1"/>
-          </a:fontRef>
-        </p:style>
-        <p:txBody>
-          <a:bodyPr rtlCol="0" anchor="ctr"/>
-          <a:lstStyle/>
-          <a:p>
-            <a:endParaRPr lang="en-US" altLang="ko-KR" sz="800" dirty="0">
-              <a:solidFill>
-                <a:schemeClr val="tx1"/>
-              </a:solidFill>
-            </a:endParaRPr>
-          </a:p>
-          <a:p>
-            <a:pPr marL="228600" indent="-228600">
-              <a:buAutoNum type="arabicPeriod"/>
-            </a:pPr>
-            <a:r>
-              <a:rPr lang="ko-KR" altLang="en-US" sz="800" dirty="0">
-                <a:solidFill>
-                  <a:schemeClr val="tx1"/>
-                </a:solidFill>
-              </a:rPr>
-              <a:t>암호화 된 값 복호화</a:t>
-            </a:r>
-            <a:endParaRPr lang="en-US" altLang="ko-KR" sz="800" dirty="0">
-              <a:solidFill>
-                <a:schemeClr val="tx1"/>
-              </a:solidFill>
-            </a:endParaRPr>
-          </a:p>
-          <a:p>
-            <a:pPr marL="228600" indent="-228600">
-              <a:buAutoNum type="arabicPeriod"/>
-            </a:pPr>
-            <a:endParaRPr lang="en-US" altLang="ko-KR" sz="800" dirty="0">
-              <a:solidFill>
-                <a:schemeClr val="tx1"/>
-              </a:solidFill>
-            </a:endParaRPr>
-          </a:p>
-          <a:p>
-            <a:pPr marL="228600" indent="-228600">
-              <a:buAutoNum type="arabicPeriod"/>
-            </a:pPr>
-            <a:r>
-              <a:rPr lang="ko-KR" altLang="en-US" sz="800" dirty="0">
-                <a:solidFill>
-                  <a:schemeClr val="tx1"/>
-                </a:solidFill>
-              </a:rPr>
-              <a:t>복호화를 통해 </a:t>
-            </a:r>
-            <a:r>
-              <a:rPr lang="en-US" altLang="ko-KR" sz="800" dirty="0">
-                <a:solidFill>
-                  <a:schemeClr val="tx1"/>
-                </a:solidFill>
-              </a:rPr>
-              <a:t>1) </a:t>
-            </a:r>
-            <a:r>
-              <a:rPr lang="ko-KR" altLang="en-US" sz="800" dirty="0">
-                <a:solidFill>
-                  <a:schemeClr val="tx1"/>
-                </a:solidFill>
-              </a:rPr>
-              <a:t>사용자 이메일 </a:t>
-            </a:r>
-            <a:r>
-              <a:rPr lang="en-US" altLang="ko-KR" sz="800" dirty="0">
-                <a:solidFill>
-                  <a:schemeClr val="tx1"/>
-                </a:solidFill>
-              </a:rPr>
-              <a:t>2) </a:t>
-            </a:r>
-            <a:r>
-              <a:rPr lang="en-US" altLang="ko-KR" sz="800" dirty="0" err="1">
-                <a:solidFill>
-                  <a:schemeClr val="tx1"/>
-                </a:solidFill>
-              </a:rPr>
-              <a:t>url</a:t>
-            </a:r>
-            <a:r>
-              <a:rPr lang="ko-KR" altLang="en-US" sz="800" dirty="0">
-                <a:solidFill>
-                  <a:schemeClr val="tx1"/>
-                </a:solidFill>
-              </a:rPr>
-              <a:t>이 만들어진 시간을 알 수 있음</a:t>
-            </a:r>
-            <a:endParaRPr lang="en-US" altLang="ko-KR" sz="800" dirty="0">
-              <a:solidFill>
-                <a:schemeClr val="tx1"/>
-              </a:solidFill>
-            </a:endParaRPr>
-          </a:p>
-          <a:p>
-            <a:pPr marL="228600" indent="-228600">
-              <a:buAutoNum type="arabicPeriod"/>
-            </a:pPr>
-            <a:endParaRPr lang="en-US" altLang="ko-KR" sz="800" dirty="0">
-              <a:solidFill>
-                <a:schemeClr val="tx1"/>
-              </a:solidFill>
-            </a:endParaRPr>
-          </a:p>
-          <a:p>
-            <a:pPr marL="228600" indent="-228600">
-              <a:buAutoNum type="arabicPeriod" startAt="3"/>
-            </a:pPr>
-            <a:r>
-              <a:rPr lang="en-US" altLang="ko-KR" sz="800" dirty="0" err="1">
-                <a:solidFill>
-                  <a:schemeClr val="tx1"/>
-                </a:solidFill>
-              </a:rPr>
-              <a:t>url</a:t>
-            </a:r>
-            <a:r>
-              <a:rPr lang="ko-KR" altLang="en-US" sz="800" dirty="0">
-                <a:solidFill>
-                  <a:schemeClr val="tx1"/>
-                </a:solidFill>
-              </a:rPr>
-              <a:t>이 생성된 지 </a:t>
-            </a:r>
-            <a:r>
-              <a:rPr lang="en-US" altLang="ko-KR" sz="800" dirty="0">
-                <a:solidFill>
-                  <a:schemeClr val="tx1"/>
-                </a:solidFill>
-              </a:rPr>
-              <a:t>5</a:t>
-            </a:r>
-            <a:r>
-              <a:rPr lang="ko-KR" altLang="en-US" sz="800" dirty="0">
-                <a:solidFill>
-                  <a:schemeClr val="tx1"/>
-                </a:solidFill>
-              </a:rPr>
-              <a:t>분이 넘었다면 해당 요청은 수행하지 않음</a:t>
-            </a:r>
-            <a:endParaRPr lang="en-US" altLang="ko-KR" sz="800" dirty="0">
-              <a:solidFill>
-                <a:schemeClr val="tx1"/>
-              </a:solidFill>
-            </a:endParaRPr>
-          </a:p>
-          <a:p>
-            <a:pPr marL="228600" indent="-228600">
-              <a:buAutoNum type="arabicPeriod" startAt="3"/>
-            </a:pPr>
-            <a:endParaRPr lang="en-US" altLang="ko-KR" sz="800" dirty="0">
-              <a:solidFill>
-                <a:schemeClr val="tx1"/>
-              </a:solidFill>
-            </a:endParaRPr>
-          </a:p>
-          <a:p>
-            <a:pPr marL="228600" indent="-228600">
-              <a:buAutoNum type="arabicPeriod" startAt="3"/>
-            </a:pPr>
-            <a:r>
-              <a:rPr lang="ko-KR" altLang="en-US" sz="800" dirty="0">
-                <a:solidFill>
-                  <a:schemeClr val="tx1"/>
-                </a:solidFill>
-              </a:rPr>
-              <a:t>시간이 유효하다면</a:t>
-            </a:r>
-            <a:r>
-              <a:rPr lang="en-US" altLang="ko-KR" sz="800" dirty="0">
-                <a:solidFill>
-                  <a:schemeClr val="tx1"/>
-                </a:solidFill>
-              </a:rPr>
-              <a:t>, </a:t>
-            </a:r>
-            <a:r>
-              <a:rPr lang="ko-KR" altLang="en-US" sz="800" dirty="0">
-                <a:solidFill>
-                  <a:schemeClr val="tx1"/>
-                </a:solidFill>
-              </a:rPr>
-              <a:t>사용자 이메일로 </a:t>
-            </a:r>
-            <a:r>
-              <a:rPr lang="en-US" altLang="ko-KR" sz="800" dirty="0">
-                <a:solidFill>
-                  <a:schemeClr val="tx1"/>
-                </a:solidFill>
-              </a:rPr>
-              <a:t>user</a:t>
-            </a:r>
-            <a:r>
-              <a:rPr lang="ko-KR" altLang="en-US" sz="800" dirty="0">
-                <a:solidFill>
-                  <a:schemeClr val="tx1"/>
-                </a:solidFill>
-              </a:rPr>
-              <a:t>를 </a:t>
-            </a:r>
-            <a:r>
-              <a:rPr lang="en-US" altLang="ko-KR" sz="800" dirty="0" err="1">
-                <a:solidFill>
-                  <a:schemeClr val="tx1"/>
-                </a:solidFill>
-              </a:rPr>
-              <a:t>db</a:t>
-            </a:r>
-            <a:r>
-              <a:rPr lang="ko-KR" altLang="en-US" sz="800" dirty="0">
-                <a:solidFill>
-                  <a:schemeClr val="tx1"/>
-                </a:solidFill>
-              </a:rPr>
-              <a:t>에서 </a:t>
-            </a:r>
-            <a:r>
-              <a:rPr lang="en-US" altLang="ko-KR" sz="800" dirty="0">
-                <a:solidFill>
-                  <a:schemeClr val="tx1"/>
-                </a:solidFill>
-              </a:rPr>
-              <a:t>select</a:t>
-            </a:r>
-            <a:r>
-              <a:rPr lang="ko-KR" altLang="en-US" sz="800" dirty="0">
-                <a:solidFill>
-                  <a:schemeClr val="tx1"/>
-                </a:solidFill>
-              </a:rPr>
-              <a:t>하여 비밀번호를 변경함</a:t>
-            </a:r>
-            <a:endParaRPr lang="en-US" altLang="ko-KR" sz="800" dirty="0">
-              <a:solidFill>
-                <a:schemeClr val="tx1"/>
-              </a:solidFill>
-            </a:endParaRPr>
-          </a:p>
-          <a:p>
-            <a:endParaRPr lang="en-US" altLang="ko-KR" sz="800" dirty="0">
-              <a:solidFill>
-                <a:schemeClr val="tx1"/>
-              </a:solidFill>
-            </a:endParaRPr>
-          </a:p>
-        </p:txBody>
-      </p:sp>
-      <p:sp>
-        <p:nvSpPr>
-          <p:cNvPr id="138" name="TextBox 137">
-            <a:extLst>
-              <a:ext uri="{FF2B5EF4-FFF2-40B4-BE49-F238E27FC236}">
-                <a16:creationId xmlns:a16="http://schemas.microsoft.com/office/drawing/2014/main" id="{1102772D-1A8B-4FBE-9DE2-A45A8749E250}"/>
-              </a:ext>
-            </a:extLst>
-          </p:cNvPr>
-          <p:cNvSpPr txBox="1"/>
-          <p:nvPr/>
-        </p:nvSpPr>
-        <p:spPr>
-          <a:xfrm>
-            <a:off x="7151424" y="1852292"/>
-            <a:ext cx="4836539" cy="4662815"/>
-          </a:xfrm>
-          <a:prstGeom prst="rect">
-            <a:avLst/>
-          </a:prstGeom>
-          <a:noFill/>
-        </p:spPr>
-        <p:txBody>
-          <a:bodyPr wrap="square" rtlCol="0">
-            <a:spAutoFit/>
-          </a:bodyPr>
-          <a:lstStyle/>
-          <a:p>
-            <a:endParaRPr lang="en-US" altLang="ko-KR" sz="1200" dirty="0"/>
-          </a:p>
-          <a:p>
-            <a:r>
-              <a:rPr lang="ko-KR" altLang="en-US" sz="1200" dirty="0"/>
-              <a:t>⨀ 암호화 방법</a:t>
-            </a:r>
-            <a:endParaRPr lang="en-US" altLang="ko-KR" sz="1200" dirty="0"/>
-          </a:p>
-          <a:p>
-            <a:endParaRPr lang="en-US" altLang="ko-KR" sz="1200" dirty="0"/>
-          </a:p>
-          <a:p>
-            <a:pPr marL="171450" indent="-171450">
-              <a:buFontTx/>
-              <a:buChar char="-"/>
-            </a:pPr>
-            <a:r>
-              <a:rPr lang="ko-KR" altLang="en-US" sz="1200" dirty="0"/>
-              <a:t>자바의 </a:t>
-            </a:r>
-            <a:r>
-              <a:rPr lang="en-US" altLang="ko-KR" sz="1200" dirty="0"/>
-              <a:t>Cipher </a:t>
-            </a:r>
-            <a:r>
-              <a:rPr lang="ko-KR" altLang="en-US" sz="1200" dirty="0"/>
-              <a:t>클래스를 사용하였습니다</a:t>
-            </a:r>
-            <a:r>
-              <a:rPr lang="en-US" altLang="ko-KR" sz="1200" dirty="0"/>
-              <a:t>.</a:t>
-            </a:r>
-          </a:p>
-          <a:p>
-            <a:pPr marL="171450" indent="-171450">
-              <a:buFontTx/>
-              <a:buChar char="-"/>
-            </a:pPr>
-            <a:r>
-              <a:rPr lang="en-US" altLang="ko-KR" sz="1200" dirty="0"/>
-              <a:t>AES/CBC/PKCS5Padding</a:t>
-            </a:r>
-          </a:p>
-          <a:p>
-            <a:pPr marL="171450" indent="-171450">
-              <a:buFontTx/>
-              <a:buChar char="-"/>
-            </a:pPr>
-            <a:endParaRPr lang="en-US" altLang="ko-KR" sz="1200" dirty="0"/>
-          </a:p>
-          <a:p>
-            <a:pPr marL="171450" indent="-171450">
-              <a:buFontTx/>
-              <a:buChar char="-"/>
-            </a:pPr>
-            <a:endParaRPr lang="en-US" altLang="ko-KR" sz="1200" dirty="0"/>
-          </a:p>
-          <a:p>
-            <a:r>
-              <a:rPr lang="ko-KR" altLang="en-US" sz="1200" dirty="0"/>
-              <a:t>⨀ 암호화 이용 과정</a:t>
-            </a:r>
-            <a:endParaRPr lang="en-US" altLang="ko-KR" sz="1200" dirty="0"/>
-          </a:p>
-          <a:p>
-            <a:endParaRPr lang="en-US" altLang="ko-KR" sz="1200" dirty="0"/>
-          </a:p>
-          <a:p>
-            <a:r>
-              <a:rPr lang="en-US" altLang="ko-KR" sz="1200" dirty="0"/>
-              <a:t>1. </a:t>
-            </a:r>
-            <a:r>
-              <a:rPr lang="ko-KR" altLang="en-US" sz="1200" dirty="0"/>
-              <a:t>현재 시간과 </a:t>
-            </a:r>
-            <a:r>
-              <a:rPr lang="en-US" altLang="ko-KR" sz="1200" dirty="0"/>
-              <a:t>User</a:t>
-            </a:r>
-            <a:r>
-              <a:rPr lang="ko-KR" altLang="en-US" sz="1200" dirty="0"/>
-              <a:t>의 </a:t>
-            </a:r>
-            <a:r>
-              <a:rPr lang="en-US" altLang="ko-KR" sz="1200" dirty="0"/>
-              <a:t>Email</a:t>
-            </a:r>
-            <a:r>
-              <a:rPr lang="ko-KR" altLang="en-US" sz="1200" dirty="0"/>
-              <a:t>을 암호화합니다</a:t>
-            </a:r>
-            <a:endParaRPr lang="en-US" altLang="ko-KR" sz="1200" dirty="0"/>
-          </a:p>
-          <a:p>
-            <a:r>
-              <a:rPr lang="en-US" altLang="ko-KR" sz="1200" dirty="0"/>
-              <a:t> </a:t>
-            </a:r>
-          </a:p>
-          <a:p>
-            <a:r>
-              <a:rPr lang="en-US" altLang="ko-KR" sz="1200" dirty="0"/>
-              <a:t>2. </a:t>
-            </a:r>
-            <a:r>
-              <a:rPr lang="ko-KR" altLang="en-US" sz="1200" dirty="0"/>
-              <a:t>암호화 된 값과 함께 </a:t>
-            </a:r>
-            <a:r>
-              <a:rPr lang="en-US" altLang="ko-KR" sz="1200" dirty="0" err="1"/>
-              <a:t>url</a:t>
-            </a:r>
-            <a:r>
-              <a:rPr lang="ko-KR" altLang="en-US" sz="1200" dirty="0"/>
-              <a:t>을 만든 후 </a:t>
-            </a:r>
-            <a:r>
-              <a:rPr lang="en-US" altLang="ko-KR" sz="1200" dirty="0"/>
-              <a:t>User</a:t>
-            </a:r>
-            <a:r>
-              <a:rPr lang="ko-KR" altLang="en-US" sz="1200" dirty="0"/>
-              <a:t>의 </a:t>
-            </a:r>
-            <a:r>
-              <a:rPr lang="en-US" altLang="ko-KR" sz="1200" dirty="0"/>
-              <a:t>email</a:t>
-            </a:r>
-            <a:r>
-              <a:rPr lang="ko-KR" altLang="en-US" sz="1200" dirty="0"/>
-              <a:t>로 전송합니다</a:t>
-            </a:r>
-            <a:r>
-              <a:rPr lang="en-US" altLang="ko-KR" sz="1200" dirty="0"/>
-              <a:t>.</a:t>
-            </a:r>
-          </a:p>
-          <a:p>
-            <a:r>
-              <a:rPr lang="en-US" altLang="ko-KR" sz="1200" dirty="0"/>
-              <a:t> </a:t>
-            </a:r>
-          </a:p>
-          <a:p>
-            <a:r>
-              <a:rPr lang="en-US" altLang="ko-KR" sz="1200" dirty="0"/>
-              <a:t>3. Client</a:t>
-            </a:r>
-            <a:r>
-              <a:rPr lang="ko-KR" altLang="en-US" sz="1200" dirty="0"/>
-              <a:t>로부터 암호화 된 값과 함께 비밀번호 변경을 </a:t>
-            </a:r>
-            <a:r>
-              <a:rPr lang="ko-KR" altLang="en-US" sz="1200" dirty="0" err="1"/>
-              <a:t>요청받습니다</a:t>
-            </a:r>
-            <a:r>
-              <a:rPr lang="en-US" altLang="ko-KR" sz="1200" dirty="0"/>
-              <a:t>.</a:t>
-            </a:r>
-          </a:p>
-          <a:p>
-            <a:r>
-              <a:rPr lang="en-US" altLang="ko-KR" sz="1200" dirty="0"/>
-              <a:t> </a:t>
-            </a:r>
-          </a:p>
-          <a:p>
-            <a:r>
-              <a:rPr lang="en-US" altLang="ko-KR" sz="1200" dirty="0"/>
-              <a:t>4. </a:t>
-            </a:r>
-            <a:r>
-              <a:rPr lang="ko-KR" altLang="en-US" sz="1200" dirty="0"/>
-              <a:t>암호화 된 값을 복호화 하여 </a:t>
-            </a:r>
-            <a:r>
-              <a:rPr lang="en-US" altLang="ko-KR" sz="1200" dirty="0" err="1"/>
-              <a:t>url</a:t>
-            </a:r>
-            <a:r>
-              <a:rPr lang="ko-KR" altLang="en-US" sz="1200" dirty="0"/>
-              <a:t>이 만들어진 시간과 </a:t>
-            </a:r>
-            <a:r>
-              <a:rPr lang="en-US" altLang="ko-KR" sz="1200" dirty="0"/>
-              <a:t>Email</a:t>
-            </a:r>
-            <a:r>
-              <a:rPr lang="ko-KR" altLang="en-US" sz="1200" dirty="0"/>
-              <a:t>을 얻어냅니다</a:t>
-            </a:r>
-            <a:r>
-              <a:rPr lang="en-US" altLang="ko-KR" sz="1200" dirty="0"/>
-              <a:t>.</a:t>
-            </a:r>
-          </a:p>
-          <a:p>
-            <a:endParaRPr lang="en-US" altLang="ko-KR" sz="1200" dirty="0"/>
-          </a:p>
-          <a:p>
-            <a:r>
-              <a:rPr lang="en-US" altLang="ko-KR" sz="1200" dirty="0"/>
-              <a:t>5. </a:t>
-            </a:r>
-            <a:r>
-              <a:rPr lang="ko-KR" altLang="en-US" sz="1200" dirty="0"/>
-              <a:t>유효시간을 확인 한 후</a:t>
-            </a:r>
-            <a:r>
-              <a:rPr lang="en-US" altLang="ko-KR" sz="1200" dirty="0"/>
-              <a:t> </a:t>
-            </a:r>
-            <a:r>
-              <a:rPr lang="ko-KR" altLang="en-US" sz="1200" dirty="0"/>
-              <a:t>해당 </a:t>
-            </a:r>
-            <a:r>
-              <a:rPr lang="en-US" altLang="ko-KR" sz="1200" dirty="0"/>
-              <a:t>User</a:t>
-            </a:r>
-            <a:r>
-              <a:rPr lang="ko-KR" altLang="en-US" sz="1200" dirty="0"/>
-              <a:t>의 비밀번호를 변경합니다</a:t>
-            </a:r>
-            <a:r>
-              <a:rPr lang="en-US" altLang="ko-KR" sz="1200" dirty="0"/>
-              <a:t>. </a:t>
-            </a:r>
-          </a:p>
-          <a:p>
-            <a:pPr marL="171450" indent="-171450">
-              <a:buFontTx/>
-              <a:buChar char="-"/>
-            </a:pPr>
-            <a:endParaRPr lang="en-US" altLang="ko-KR" sz="1200" dirty="0"/>
-          </a:p>
-          <a:p>
-            <a:pPr marL="228600" indent="-228600">
-              <a:buAutoNum type="arabicPeriod"/>
-            </a:pPr>
-            <a:endParaRPr lang="en-US" altLang="ko-KR" sz="1200" dirty="0"/>
-          </a:p>
-          <a:p>
-            <a:endParaRPr lang="en-US" altLang="ko-KR" sz="1200" dirty="0">
-              <a:solidFill>
-                <a:schemeClr val="tx1"/>
-              </a:solidFill>
-            </a:endParaRPr>
-          </a:p>
-          <a:p>
-            <a:endParaRPr lang="en-US" altLang="ko-KR" sz="1200" dirty="0"/>
-          </a:p>
-          <a:p>
-            <a:endParaRPr lang="en-US" altLang="ko-KR" sz="900" dirty="0"/>
-          </a:p>
-          <a:p>
-            <a:pPr marL="228600" indent="-228600">
-              <a:buAutoNum type="arabicPeriod"/>
-            </a:pPr>
-            <a:endParaRPr lang="en-US" altLang="ko-KR" sz="1200" dirty="0"/>
-          </a:p>
-        </p:txBody>
-      </p:sp>
-      <p:sp>
-        <p:nvSpPr>
-          <p:cNvPr id="139" name="직사각형 138">
-            <a:extLst>
-              <a:ext uri="{FF2B5EF4-FFF2-40B4-BE49-F238E27FC236}">
-                <a16:creationId xmlns:a16="http://schemas.microsoft.com/office/drawing/2014/main" id="{3CBDE7AE-29B2-4D89-B27D-D77A46B6E4A3}"/>
-              </a:ext>
-            </a:extLst>
-          </p:cNvPr>
-          <p:cNvSpPr/>
-          <p:nvPr/>
-        </p:nvSpPr>
-        <p:spPr>
-          <a:xfrm>
-            <a:off x="4342348" y="2991685"/>
-            <a:ext cx="2387434" cy="888655"/>
-          </a:xfrm>
-          <a:prstGeom prst="rect">
-            <a:avLst/>
-          </a:prstGeom>
-          <a:solidFill>
-            <a:schemeClr val="bg1"/>
-          </a:solidFill>
-        </p:spPr>
-        <p:style>
-          <a:lnRef idx="2">
-            <a:schemeClr val="accent1">
-              <a:shade val="50000"/>
-            </a:schemeClr>
-          </a:lnRef>
-          <a:fillRef idx="1">
-            <a:schemeClr val="accent1"/>
-          </a:fillRef>
-          <a:effectRef idx="0">
-            <a:schemeClr val="accent1"/>
-          </a:effectRef>
-          <a:fontRef idx="minor">
-            <a:schemeClr val="lt1"/>
-          </a:fontRef>
-        </p:style>
-        <p:txBody>
-          <a:bodyPr rtlCol="0" anchor="ctr"/>
-          <a:lstStyle/>
-          <a:p>
-            <a:r>
-              <a:rPr lang="ko-KR" altLang="en-US" sz="800" dirty="0">
-                <a:solidFill>
-                  <a:schemeClr val="tx1"/>
-                </a:solidFill>
-              </a:rPr>
-              <a:t>하나의 </a:t>
-            </a:r>
-            <a:r>
-              <a:rPr lang="en-US" altLang="ko-KR" sz="800" dirty="0">
-                <a:solidFill>
-                  <a:schemeClr val="tx1"/>
-                </a:solidFill>
-              </a:rPr>
-              <a:t>URL</a:t>
-            </a:r>
-            <a:r>
-              <a:rPr lang="ko-KR" altLang="en-US" sz="800" dirty="0">
-                <a:solidFill>
-                  <a:schemeClr val="tx1"/>
-                </a:solidFill>
-              </a:rPr>
-              <a:t>은 한 명의 회원에게만 적용되는 </a:t>
-            </a:r>
-            <a:r>
-              <a:rPr lang="en-US" altLang="ko-KR" sz="800" dirty="0">
-                <a:solidFill>
-                  <a:schemeClr val="tx1"/>
-                </a:solidFill>
-              </a:rPr>
-              <a:t>URL</a:t>
-            </a:r>
-            <a:r>
-              <a:rPr lang="ko-KR" altLang="en-US" sz="800" dirty="0">
-                <a:solidFill>
-                  <a:schemeClr val="tx1"/>
-                </a:solidFill>
-              </a:rPr>
-              <a:t>임</a:t>
-            </a:r>
-            <a:endParaRPr lang="en-US" altLang="ko-KR" sz="800" dirty="0">
-              <a:solidFill>
-                <a:schemeClr val="tx1"/>
-              </a:solidFill>
-            </a:endParaRPr>
-          </a:p>
-          <a:p>
-            <a:r>
-              <a:rPr lang="en-US" altLang="ko-KR" sz="800" dirty="0" err="1">
-                <a:solidFill>
-                  <a:schemeClr val="tx1"/>
-                </a:solidFill>
-              </a:rPr>
-              <a:t>url</a:t>
-            </a:r>
-            <a:r>
-              <a:rPr lang="en-US" altLang="ko-KR" sz="800" dirty="0">
-                <a:solidFill>
-                  <a:schemeClr val="tx1"/>
-                </a:solidFill>
-              </a:rPr>
-              <a:t> </a:t>
-            </a:r>
-            <a:r>
-              <a:rPr lang="ko-KR" altLang="en-US" sz="800" dirty="0">
-                <a:solidFill>
-                  <a:schemeClr val="tx1"/>
-                </a:solidFill>
-              </a:rPr>
-              <a:t>예시 </a:t>
-            </a:r>
-            <a:r>
-              <a:rPr lang="en-US" altLang="ko-KR" sz="800" dirty="0">
-                <a:solidFill>
-                  <a:schemeClr val="tx1"/>
-                </a:solidFill>
-              </a:rPr>
-              <a:t>: www.highend.com/reset/password/{askljaflkmdkljasklf(</a:t>
-            </a:r>
-            <a:r>
-              <a:rPr lang="ko-KR" altLang="en-US" sz="800" dirty="0">
-                <a:solidFill>
-                  <a:schemeClr val="tx1"/>
-                </a:solidFill>
-              </a:rPr>
-              <a:t>회원 </a:t>
-            </a:r>
-            <a:r>
-              <a:rPr lang="en-US" altLang="ko-KR" sz="800" dirty="0">
-                <a:solidFill>
-                  <a:schemeClr val="tx1"/>
-                </a:solidFill>
-              </a:rPr>
-              <a:t>email</a:t>
-            </a:r>
-            <a:r>
-              <a:rPr lang="ko-KR" altLang="en-US" sz="800" dirty="0">
-                <a:solidFill>
-                  <a:schemeClr val="tx1"/>
-                </a:solidFill>
-              </a:rPr>
-              <a:t>과 현재 시간으로 암호화 된 값</a:t>
-            </a:r>
-            <a:r>
-              <a:rPr lang="en-US" altLang="ko-KR" sz="800" dirty="0">
-                <a:solidFill>
-                  <a:schemeClr val="tx1"/>
-                </a:solidFill>
-              </a:rPr>
-              <a:t>)}</a:t>
-            </a:r>
-            <a:r>
-              <a:rPr lang="ko-KR" altLang="en-US" sz="800" dirty="0"/>
-              <a:t>원</a:t>
-            </a:r>
-            <a:endParaRPr lang="en-US" altLang="ko-KR" sz="800" dirty="0"/>
           </a:p>
         </p:txBody>
       </p:sp>
     </p:spTree>
     <p:extLst>
       <p:ext uri="{BB962C8B-B14F-4D97-AF65-F5344CB8AC3E}">
-        <p14:creationId xmlns:p14="http://schemas.microsoft.com/office/powerpoint/2010/main" val="4141483442"/>
+        <p14:creationId xmlns:p14="http://schemas.microsoft.com/office/powerpoint/2010/main" val="3242450237"/>
       </p:ext>
     </p:extLst>
   </p:cSld>
@@ -9329,10 +10043,46 @@
       </p:grpSpPr>
       <p:sp>
         <p:nvSpPr>
-          <p:cNvPr id="2" name="직사각형 1">
-            <a:extLst>
-              <a:ext uri="{FF2B5EF4-FFF2-40B4-BE49-F238E27FC236}">
-                <a16:creationId xmlns:a16="http://schemas.microsoft.com/office/drawing/2014/main" id="{F0278058-6E92-4B31-8AE1-BCADDCA5DC04}"/>
+          <p:cNvPr id="8" name="TextBox 7">
+            <a:extLst>
+              <a:ext uri="{FF2B5EF4-FFF2-40B4-BE49-F238E27FC236}">
+                <a16:creationId xmlns:a16="http://schemas.microsoft.com/office/drawing/2014/main" id="{4594AA78-5634-4ABD-9C2B-FA205AAF2888}"/>
+              </a:ext>
+            </a:extLst>
+          </p:cNvPr>
+          <p:cNvSpPr txBox="1"/>
+          <p:nvPr/>
+        </p:nvSpPr>
+        <p:spPr>
+          <a:xfrm>
+            <a:off x="7280503" y="1258146"/>
+            <a:ext cx="1085290" cy="369332"/>
+          </a:xfrm>
+          <a:prstGeom prst="rect">
+            <a:avLst/>
+          </a:prstGeom>
+          <a:noFill/>
+        </p:spPr>
+        <p:txBody>
+          <a:bodyPr wrap="square" rtlCol="0">
+            <a:spAutoFit/>
+          </a:bodyPr>
+          <a:lstStyle/>
+          <a:p>
+            <a:r>
+              <a:rPr lang="ko-KR" altLang="en-US" b="1" dirty="0"/>
+              <a:t>암호화</a:t>
+            </a:r>
+            <a:endParaRPr lang="en-US" altLang="ko-KR" b="1" dirty="0"/>
+          </a:p>
+        </p:txBody>
+      </p:sp>
+      <p:sp>
+        <p:nvSpPr>
+          <p:cNvPr id="79" name="object 6">
+            <a:extLst>
+              <a:ext uri="{FF2B5EF4-FFF2-40B4-BE49-F238E27FC236}">
+                <a16:creationId xmlns:a16="http://schemas.microsoft.com/office/drawing/2014/main" id="{4F544C21-56AA-4A5C-80E1-69AA06A445D6}"/>
               </a:ext>
             </a:extLst>
           </p:cNvPr>
@@ -9341,8 +10091,494 @@
         </p:nvSpPr>
         <p:spPr>
           <a:xfrm>
-            <a:off x="801779" y="3381496"/>
-            <a:ext cx="1511306" cy="918615"/>
+            <a:off x="7147305" y="1382447"/>
+            <a:ext cx="139510" cy="121059"/>
+          </a:xfrm>
+          <a:prstGeom prst="rect">
+            <a:avLst/>
+          </a:prstGeom>
+          <a:blipFill>
+            <a:blip r:embed="rId2" cstate="print"/>
+            <a:stretch>
+              <a:fillRect/>
+            </a:stretch>
+          </a:blipFill>
+        </p:spPr>
+        <p:txBody>
+          <a:bodyPr wrap="square" lIns="0" tIns="0" rIns="0" bIns="0" rtlCol="0"/>
+          <a:lstStyle/>
+          <a:p>
+            <a:endParaRPr/>
+          </a:p>
+        </p:txBody>
+      </p:sp>
+      <p:sp>
+        <p:nvSpPr>
+          <p:cNvPr id="58" name="직사각형 57">
+            <a:extLst>
+              <a:ext uri="{FF2B5EF4-FFF2-40B4-BE49-F238E27FC236}">
+                <a16:creationId xmlns:a16="http://schemas.microsoft.com/office/drawing/2014/main" id="{09CD0A36-2C4E-41FA-8609-3C7BD738348D}"/>
+              </a:ext>
+            </a:extLst>
+          </p:cNvPr>
+          <p:cNvSpPr/>
+          <p:nvPr/>
+        </p:nvSpPr>
+        <p:spPr>
+          <a:xfrm>
+            <a:off x="220766" y="617421"/>
+            <a:ext cx="746760" cy="369330"/>
+          </a:xfrm>
+          <a:prstGeom prst="rect">
+            <a:avLst/>
+          </a:prstGeom>
+        </p:spPr>
+        <p:style>
+          <a:lnRef idx="2">
+            <a:schemeClr val="accent3">
+              <a:shade val="50000"/>
+            </a:schemeClr>
+          </a:lnRef>
+          <a:fillRef idx="1">
+            <a:schemeClr val="accent3"/>
+          </a:fillRef>
+          <a:effectRef idx="0">
+            <a:schemeClr val="accent3"/>
+          </a:effectRef>
+          <a:fontRef idx="minor">
+            <a:schemeClr val="lt1"/>
+          </a:fontRef>
+        </p:style>
+        <p:txBody>
+          <a:bodyPr rtlCol="0" anchor="ctr"/>
+          <a:lstStyle/>
+          <a:p>
+            <a:pPr algn="ctr"/>
+            <a:endParaRPr lang="ko-KR" altLang="en-US" dirty="0"/>
+          </a:p>
+        </p:txBody>
+      </p:sp>
+      <p:sp>
+        <p:nvSpPr>
+          <p:cNvPr id="64" name="TextBox 63">
+            <a:extLst>
+              <a:ext uri="{FF2B5EF4-FFF2-40B4-BE49-F238E27FC236}">
+                <a16:creationId xmlns:a16="http://schemas.microsoft.com/office/drawing/2014/main" id="{B6F2C02C-C1CC-4F9D-A88C-93D8A6635BD3}"/>
+              </a:ext>
+            </a:extLst>
+          </p:cNvPr>
+          <p:cNvSpPr txBox="1"/>
+          <p:nvPr/>
+        </p:nvSpPr>
+        <p:spPr>
+          <a:xfrm>
+            <a:off x="305068" y="688759"/>
+            <a:ext cx="579992" cy="646331"/>
+          </a:xfrm>
+          <a:prstGeom prst="rect">
+            <a:avLst/>
+          </a:prstGeom>
+          <a:noFill/>
+        </p:spPr>
+        <p:txBody>
+          <a:bodyPr wrap="square" rtlCol="0">
+            <a:spAutoFit/>
+          </a:bodyPr>
+          <a:lstStyle/>
+          <a:p>
+            <a:r>
+              <a:rPr lang="en-US" altLang="ko-KR" sz="900" dirty="0"/>
+              <a:t>CLIENT</a:t>
+            </a:r>
+          </a:p>
+          <a:p>
+            <a:endParaRPr lang="en-US" altLang="ko-KR" sz="900" dirty="0"/>
+          </a:p>
+          <a:p>
+            <a:endParaRPr lang="ko-KR" altLang="en-US" dirty="0"/>
+          </a:p>
+        </p:txBody>
+      </p:sp>
+      <p:sp>
+        <p:nvSpPr>
+          <p:cNvPr id="91" name="직사각형 90">
+            <a:extLst>
+              <a:ext uri="{FF2B5EF4-FFF2-40B4-BE49-F238E27FC236}">
+                <a16:creationId xmlns:a16="http://schemas.microsoft.com/office/drawing/2014/main" id="{C6AEE795-6D3A-4139-9970-A38B56E1E9D0}"/>
+              </a:ext>
+            </a:extLst>
+          </p:cNvPr>
+          <p:cNvSpPr/>
+          <p:nvPr/>
+        </p:nvSpPr>
+        <p:spPr>
+          <a:xfrm>
+            <a:off x="2671927" y="618308"/>
+            <a:ext cx="746760" cy="369330"/>
+          </a:xfrm>
+          <a:prstGeom prst="rect">
+            <a:avLst/>
+          </a:prstGeom>
+        </p:spPr>
+        <p:style>
+          <a:lnRef idx="2">
+            <a:schemeClr val="accent3">
+              <a:shade val="50000"/>
+            </a:schemeClr>
+          </a:lnRef>
+          <a:fillRef idx="1">
+            <a:schemeClr val="accent3"/>
+          </a:fillRef>
+          <a:effectRef idx="0">
+            <a:schemeClr val="accent3"/>
+          </a:effectRef>
+          <a:fontRef idx="minor">
+            <a:schemeClr val="lt1"/>
+          </a:fontRef>
+        </p:style>
+        <p:txBody>
+          <a:bodyPr rtlCol="0" anchor="ctr"/>
+          <a:lstStyle/>
+          <a:p>
+            <a:pPr algn="ctr"/>
+            <a:endParaRPr lang="ko-KR" altLang="en-US" dirty="0"/>
+          </a:p>
+        </p:txBody>
+      </p:sp>
+      <p:sp>
+        <p:nvSpPr>
+          <p:cNvPr id="92" name="TextBox 91">
+            <a:extLst>
+              <a:ext uri="{FF2B5EF4-FFF2-40B4-BE49-F238E27FC236}">
+                <a16:creationId xmlns:a16="http://schemas.microsoft.com/office/drawing/2014/main" id="{3D5A38BF-411C-4277-B32F-E0B133EFF133}"/>
+              </a:ext>
+            </a:extLst>
+          </p:cNvPr>
+          <p:cNvSpPr txBox="1"/>
+          <p:nvPr/>
+        </p:nvSpPr>
+        <p:spPr>
+          <a:xfrm>
+            <a:off x="2786109" y="694856"/>
+            <a:ext cx="579992" cy="646331"/>
+          </a:xfrm>
+          <a:prstGeom prst="rect">
+            <a:avLst/>
+          </a:prstGeom>
+          <a:noFill/>
+        </p:spPr>
+        <p:txBody>
+          <a:bodyPr wrap="square" rtlCol="0">
+            <a:spAutoFit/>
+          </a:bodyPr>
+          <a:lstStyle/>
+          <a:p>
+            <a:r>
+              <a:rPr lang="en-US" altLang="ko-KR" sz="900" dirty="0"/>
+              <a:t>Server</a:t>
+            </a:r>
+          </a:p>
+          <a:p>
+            <a:endParaRPr lang="en-US" altLang="ko-KR" sz="900" dirty="0"/>
+          </a:p>
+          <a:p>
+            <a:endParaRPr lang="ko-KR" altLang="en-US" dirty="0"/>
+          </a:p>
+        </p:txBody>
+      </p:sp>
+      <p:sp>
+        <p:nvSpPr>
+          <p:cNvPr id="93" name="직사각형 92">
+            <a:extLst>
+              <a:ext uri="{FF2B5EF4-FFF2-40B4-BE49-F238E27FC236}">
+                <a16:creationId xmlns:a16="http://schemas.microsoft.com/office/drawing/2014/main" id="{32E7E611-9115-4ED5-974E-197C352FA1CA}"/>
+              </a:ext>
+            </a:extLst>
+          </p:cNvPr>
+          <p:cNvSpPr/>
+          <p:nvPr/>
+        </p:nvSpPr>
+        <p:spPr>
+          <a:xfrm>
+            <a:off x="5146796" y="624198"/>
+            <a:ext cx="746760" cy="369330"/>
+          </a:xfrm>
+          <a:prstGeom prst="rect">
+            <a:avLst/>
+          </a:prstGeom>
+        </p:spPr>
+        <p:style>
+          <a:lnRef idx="2">
+            <a:schemeClr val="accent3">
+              <a:shade val="50000"/>
+            </a:schemeClr>
+          </a:lnRef>
+          <a:fillRef idx="1">
+            <a:schemeClr val="accent3"/>
+          </a:fillRef>
+          <a:effectRef idx="0">
+            <a:schemeClr val="accent3"/>
+          </a:effectRef>
+          <a:fontRef idx="minor">
+            <a:schemeClr val="lt1"/>
+          </a:fontRef>
+        </p:style>
+        <p:txBody>
+          <a:bodyPr rtlCol="0" anchor="ctr"/>
+          <a:lstStyle/>
+          <a:p>
+            <a:pPr algn="ctr"/>
+            <a:endParaRPr lang="ko-KR" altLang="en-US" dirty="0"/>
+          </a:p>
+        </p:txBody>
+      </p:sp>
+      <p:sp>
+        <p:nvSpPr>
+          <p:cNvPr id="94" name="TextBox 93">
+            <a:extLst>
+              <a:ext uri="{FF2B5EF4-FFF2-40B4-BE49-F238E27FC236}">
+                <a16:creationId xmlns:a16="http://schemas.microsoft.com/office/drawing/2014/main" id="{FF481613-7B00-483D-A8D0-E602B999E312}"/>
+              </a:ext>
+            </a:extLst>
+          </p:cNvPr>
+          <p:cNvSpPr txBox="1"/>
+          <p:nvPr/>
+        </p:nvSpPr>
+        <p:spPr>
+          <a:xfrm>
+            <a:off x="5275052" y="688759"/>
+            <a:ext cx="579992" cy="646331"/>
+          </a:xfrm>
+          <a:prstGeom prst="rect">
+            <a:avLst/>
+          </a:prstGeom>
+          <a:noFill/>
+        </p:spPr>
+        <p:txBody>
+          <a:bodyPr wrap="square" rtlCol="0">
+            <a:spAutoFit/>
+          </a:bodyPr>
+          <a:lstStyle/>
+          <a:p>
+            <a:r>
+              <a:rPr lang="en-US" altLang="ko-KR" sz="900" dirty="0"/>
+              <a:t>EMAIL</a:t>
+            </a:r>
+          </a:p>
+          <a:p>
+            <a:endParaRPr lang="en-US" altLang="ko-KR" sz="900" dirty="0"/>
+          </a:p>
+          <a:p>
+            <a:endParaRPr lang="ko-KR" altLang="en-US" dirty="0"/>
+          </a:p>
+        </p:txBody>
+      </p:sp>
+      <p:cxnSp>
+        <p:nvCxnSpPr>
+          <p:cNvPr id="95" name="직선 연결선 94">
+            <a:extLst>
+              <a:ext uri="{FF2B5EF4-FFF2-40B4-BE49-F238E27FC236}">
+                <a16:creationId xmlns:a16="http://schemas.microsoft.com/office/drawing/2014/main" id="{F4D15714-C196-46ED-B010-321F5CC9CB0A}"/>
+              </a:ext>
+            </a:extLst>
+          </p:cNvPr>
+          <p:cNvCxnSpPr>
+            <a:cxnSpLocks/>
+          </p:cNvCxnSpPr>
+          <p:nvPr/>
+        </p:nvCxnSpPr>
+        <p:spPr>
+          <a:xfrm flipH="1">
+            <a:off x="553322" y="986750"/>
+            <a:ext cx="19708" cy="5562331"/>
+          </a:xfrm>
+          <a:prstGeom prst="line">
+            <a:avLst/>
+          </a:prstGeom>
+        </p:spPr>
+        <p:style>
+          <a:lnRef idx="1">
+            <a:schemeClr val="dk1"/>
+          </a:lnRef>
+          <a:fillRef idx="0">
+            <a:schemeClr val="dk1"/>
+          </a:fillRef>
+          <a:effectRef idx="0">
+            <a:schemeClr val="dk1"/>
+          </a:effectRef>
+          <a:fontRef idx="minor">
+            <a:schemeClr val="tx1"/>
+          </a:fontRef>
+        </p:style>
+      </p:cxnSp>
+      <p:cxnSp>
+        <p:nvCxnSpPr>
+          <p:cNvPr id="96" name="직선 연결선 95">
+            <a:extLst>
+              <a:ext uri="{FF2B5EF4-FFF2-40B4-BE49-F238E27FC236}">
+                <a16:creationId xmlns:a16="http://schemas.microsoft.com/office/drawing/2014/main" id="{94CE9D00-C90A-495A-8F7F-FA9E3430A674}"/>
+              </a:ext>
+            </a:extLst>
+          </p:cNvPr>
+          <p:cNvCxnSpPr>
+            <a:cxnSpLocks/>
+          </p:cNvCxnSpPr>
+          <p:nvPr/>
+        </p:nvCxnSpPr>
+        <p:spPr>
+          <a:xfrm flipH="1">
+            <a:off x="3022204" y="1049134"/>
+            <a:ext cx="19708" cy="5499947"/>
+          </a:xfrm>
+          <a:prstGeom prst="line">
+            <a:avLst/>
+          </a:prstGeom>
+        </p:spPr>
+        <p:style>
+          <a:lnRef idx="1">
+            <a:schemeClr val="dk1"/>
+          </a:lnRef>
+          <a:fillRef idx="0">
+            <a:schemeClr val="dk1"/>
+          </a:fillRef>
+          <a:effectRef idx="0">
+            <a:schemeClr val="dk1"/>
+          </a:effectRef>
+          <a:fontRef idx="minor">
+            <a:schemeClr val="tx1"/>
+          </a:fontRef>
+        </p:style>
+      </p:cxnSp>
+      <p:cxnSp>
+        <p:nvCxnSpPr>
+          <p:cNvPr id="97" name="직선 연결선 96">
+            <a:extLst>
+              <a:ext uri="{FF2B5EF4-FFF2-40B4-BE49-F238E27FC236}">
+                <a16:creationId xmlns:a16="http://schemas.microsoft.com/office/drawing/2014/main" id="{1590DA13-D6CA-4FE5-8A5B-3B5C3E409B8D}"/>
+              </a:ext>
+            </a:extLst>
+          </p:cNvPr>
+          <p:cNvCxnSpPr>
+            <a:cxnSpLocks/>
+          </p:cNvCxnSpPr>
+          <p:nvPr/>
+        </p:nvCxnSpPr>
+        <p:spPr>
+          <a:xfrm>
+            <a:off x="5516125" y="986750"/>
+            <a:ext cx="19708" cy="5499947"/>
+          </a:xfrm>
+          <a:prstGeom prst="line">
+            <a:avLst/>
+          </a:prstGeom>
+        </p:spPr>
+        <p:style>
+          <a:lnRef idx="1">
+            <a:schemeClr val="dk1"/>
+          </a:lnRef>
+          <a:fillRef idx="0">
+            <a:schemeClr val="dk1"/>
+          </a:fillRef>
+          <a:effectRef idx="0">
+            <a:schemeClr val="dk1"/>
+          </a:effectRef>
+          <a:fontRef idx="minor">
+            <a:schemeClr val="tx1"/>
+          </a:fontRef>
+        </p:style>
+      </p:cxnSp>
+      <p:cxnSp>
+        <p:nvCxnSpPr>
+          <p:cNvPr id="6" name="직선 화살표 연결선 5">
+            <a:extLst>
+              <a:ext uri="{FF2B5EF4-FFF2-40B4-BE49-F238E27FC236}">
+                <a16:creationId xmlns:a16="http://schemas.microsoft.com/office/drawing/2014/main" id="{C7EE7BC7-486C-443C-BEE6-32DCE4C0AFE4}"/>
+              </a:ext>
+            </a:extLst>
+          </p:cNvPr>
+          <p:cNvCxnSpPr>
+            <a:cxnSpLocks/>
+          </p:cNvCxnSpPr>
+          <p:nvPr/>
+        </p:nvCxnSpPr>
+        <p:spPr>
+          <a:xfrm>
+            <a:off x="579207" y="1415408"/>
+            <a:ext cx="2449459" cy="2327"/>
+          </a:xfrm>
+          <a:prstGeom prst="straightConnector1">
+            <a:avLst/>
+          </a:prstGeom>
+          <a:ln>
+            <a:tailEnd type="triangle"/>
+          </a:ln>
+        </p:spPr>
+        <p:style>
+          <a:lnRef idx="1">
+            <a:schemeClr val="accent1"/>
+          </a:lnRef>
+          <a:fillRef idx="0">
+            <a:schemeClr val="accent1"/>
+          </a:fillRef>
+          <a:effectRef idx="0">
+            <a:schemeClr val="accent1"/>
+          </a:effectRef>
+          <a:fontRef idx="minor">
+            <a:schemeClr val="tx1"/>
+          </a:fontRef>
+        </p:style>
+      </p:cxnSp>
+      <p:sp>
+        <p:nvSpPr>
+          <p:cNvPr id="117" name="TextBox 116">
+            <a:extLst>
+              <a:ext uri="{FF2B5EF4-FFF2-40B4-BE49-F238E27FC236}">
+                <a16:creationId xmlns:a16="http://schemas.microsoft.com/office/drawing/2014/main" id="{5895C2B1-8D24-40F1-B152-753305E33BE5}"/>
+              </a:ext>
+            </a:extLst>
+          </p:cNvPr>
+          <p:cNvSpPr txBox="1"/>
+          <p:nvPr/>
+        </p:nvSpPr>
+        <p:spPr>
+          <a:xfrm>
+            <a:off x="636826" y="1227368"/>
+            <a:ext cx="2669021" cy="215444"/>
+          </a:xfrm>
+          <a:prstGeom prst="rect">
+            <a:avLst/>
+          </a:prstGeom>
+          <a:noFill/>
+        </p:spPr>
+        <p:txBody>
+          <a:bodyPr wrap="square" rtlCol="0">
+            <a:spAutoFit/>
+          </a:bodyPr>
+          <a:lstStyle/>
+          <a:p>
+            <a:r>
+              <a:rPr lang="ko-KR" altLang="en-US" sz="800" dirty="0"/>
+              <a:t>    이메일 주소와 함께 비밀번호 변경 요청</a:t>
+            </a:r>
+          </a:p>
+        </p:txBody>
+      </p:sp>
+      <p:sp>
+        <p:nvSpPr>
+          <p:cNvPr id="118" name="직사각형 117">
+            <a:extLst>
+              <a:ext uri="{FF2B5EF4-FFF2-40B4-BE49-F238E27FC236}">
+                <a16:creationId xmlns:a16="http://schemas.microsoft.com/office/drawing/2014/main" id="{7C9C0E09-7020-4A6C-9E6A-976E07F2EF1F}"/>
+              </a:ext>
+            </a:extLst>
+          </p:cNvPr>
+          <p:cNvSpPr/>
+          <p:nvPr/>
+        </p:nvSpPr>
+        <p:spPr>
+          <a:xfrm>
+            <a:off x="1752095" y="1575026"/>
+            <a:ext cx="2496784" cy="945752"/>
           </a:xfrm>
           <a:prstGeom prst="rect">
             <a:avLst/>
@@ -9371,29 +10607,208 @@
           <a:bodyPr rtlCol="0" anchor="ctr"/>
           <a:lstStyle/>
           <a:p>
-            <a:pPr algn="ctr"/>
-            <a:r>
-              <a:rPr lang="en-US" altLang="ko-KR" sz="1200" dirty="0">
-                <a:solidFill>
-                  <a:schemeClr val="tx1"/>
-                </a:solidFill>
-              </a:rPr>
-              <a:t>Client</a:t>
-            </a:r>
-            <a:endParaRPr lang="ko-KR" altLang="en-US" sz="1200" dirty="0">
+            <a:pPr marL="228600" indent="-228600">
+              <a:buAutoNum type="arabicPeriod"/>
+            </a:pPr>
+            <a:endParaRPr lang="en-US" altLang="ko-KR" sz="800" dirty="0">
               <a:solidFill>
                 <a:schemeClr val="tx1"/>
               </a:solidFill>
             </a:endParaRPr>
           </a:p>
+          <a:p>
+            <a:pPr marL="228600" indent="-228600">
+              <a:buAutoNum type="arabicPeriod"/>
+            </a:pPr>
+            <a:endParaRPr lang="en-US" altLang="ko-KR" sz="800" dirty="0">
+              <a:solidFill>
+                <a:schemeClr val="tx1"/>
+              </a:solidFill>
+            </a:endParaRPr>
+          </a:p>
+          <a:p>
+            <a:pPr marL="228600" indent="-228600">
+              <a:buAutoNum type="arabicPeriod"/>
+            </a:pPr>
+            <a:r>
+              <a:rPr lang="ko-KR" altLang="en-US" sz="800" dirty="0">
+                <a:solidFill>
+                  <a:schemeClr val="tx1"/>
+                </a:solidFill>
+              </a:rPr>
+              <a:t>등록된 이메일인지 확인</a:t>
+            </a:r>
+            <a:endParaRPr lang="en-US" altLang="ko-KR" sz="800" dirty="0">
+              <a:solidFill>
+                <a:schemeClr val="tx1"/>
+              </a:solidFill>
+            </a:endParaRPr>
+          </a:p>
+          <a:p>
+            <a:pPr marL="228600" indent="-228600">
+              <a:buAutoNum type="arabicPeriod"/>
+            </a:pPr>
+            <a:r>
+              <a:rPr lang="ko-KR" altLang="en-US" sz="800" dirty="0">
+                <a:solidFill>
+                  <a:schemeClr val="tx1"/>
+                </a:solidFill>
+              </a:rPr>
+              <a:t>등록된 이메일이라면 이메일과 현재 시간을 조합하여 </a:t>
+            </a:r>
+            <a:r>
+              <a:rPr lang="en-US" altLang="ko-KR" sz="800" dirty="0" err="1">
+                <a:solidFill>
+                  <a:schemeClr val="tx1"/>
+                </a:solidFill>
+              </a:rPr>
+              <a:t>url</a:t>
+            </a:r>
+            <a:r>
+              <a:rPr lang="en-US" altLang="ko-KR" sz="800" dirty="0">
+                <a:solidFill>
+                  <a:schemeClr val="tx1"/>
+                </a:solidFill>
+              </a:rPr>
+              <a:t> </a:t>
+            </a:r>
+            <a:r>
+              <a:rPr lang="ko-KR" altLang="en-US" sz="800" dirty="0">
+                <a:solidFill>
+                  <a:schemeClr val="tx1"/>
+                </a:solidFill>
+              </a:rPr>
+              <a:t>생성</a:t>
+            </a:r>
+            <a:endParaRPr lang="en-US" altLang="ko-KR" sz="800" dirty="0">
+              <a:solidFill>
+                <a:schemeClr val="tx1"/>
+              </a:solidFill>
+            </a:endParaRPr>
+          </a:p>
+          <a:p>
+            <a:pPr marL="228600" indent="-228600">
+              <a:buAutoNum type="arabicPeriod"/>
+            </a:pPr>
+            <a:r>
+              <a:rPr lang="en-US" altLang="ko-KR" sz="800" dirty="0" err="1">
+                <a:solidFill>
+                  <a:schemeClr val="tx1"/>
+                </a:solidFill>
+              </a:rPr>
+              <a:t>url</a:t>
+            </a:r>
+            <a:r>
+              <a:rPr lang="en-US" altLang="ko-KR" sz="800" dirty="0">
+                <a:solidFill>
+                  <a:schemeClr val="tx1"/>
+                </a:solidFill>
+              </a:rPr>
+              <a:t> </a:t>
+            </a:r>
+            <a:r>
+              <a:rPr lang="ko-KR" altLang="en-US" sz="800" dirty="0">
+                <a:solidFill>
+                  <a:schemeClr val="tx1"/>
+                </a:solidFill>
+              </a:rPr>
+              <a:t>생성시 암호화 진행</a:t>
+            </a:r>
+            <a:r>
+              <a:rPr lang="en-US" altLang="ko-KR" sz="800" dirty="0">
+                <a:solidFill>
+                  <a:schemeClr val="tx1"/>
+                </a:solidFill>
+              </a:rPr>
+              <a:t>(</a:t>
+            </a:r>
+            <a:r>
+              <a:rPr lang="ko-KR" altLang="en-US" sz="800" dirty="0">
+                <a:solidFill>
+                  <a:schemeClr val="tx1"/>
+                </a:solidFill>
+              </a:rPr>
+              <a:t>암호화 과정은 오른쪽 설명란  참조</a:t>
+            </a:r>
+            <a:r>
+              <a:rPr lang="en-US" altLang="ko-KR" sz="800" dirty="0">
+                <a:solidFill>
+                  <a:schemeClr val="tx1"/>
+                </a:solidFill>
+              </a:rPr>
+              <a:t>)</a:t>
+            </a:r>
+          </a:p>
+          <a:p>
+            <a:pPr marL="228600" indent="-228600">
+              <a:buAutoNum type="arabicPeriod"/>
+            </a:pPr>
+            <a:r>
+              <a:rPr lang="en-US" altLang="ko-KR" sz="800" dirty="0" err="1">
+                <a:solidFill>
+                  <a:schemeClr val="tx1"/>
+                </a:solidFill>
+              </a:rPr>
+              <a:t>url</a:t>
+            </a:r>
+            <a:r>
+              <a:rPr lang="ko-KR" altLang="en-US" sz="800" dirty="0">
+                <a:solidFill>
+                  <a:schemeClr val="tx1"/>
+                </a:solidFill>
+              </a:rPr>
+              <a:t>을</a:t>
+            </a:r>
+            <a:r>
+              <a:rPr lang="en-US" altLang="ko-KR" sz="800" dirty="0">
+                <a:solidFill>
+                  <a:schemeClr val="tx1"/>
+                </a:solidFill>
+              </a:rPr>
+              <a:t> email</a:t>
+            </a:r>
+            <a:r>
+              <a:rPr lang="ko-KR" altLang="en-US" sz="800" dirty="0">
+                <a:solidFill>
+                  <a:schemeClr val="tx1"/>
+                </a:solidFill>
+              </a:rPr>
+              <a:t>로 전송</a:t>
+            </a:r>
+            <a:endParaRPr lang="en-US" altLang="ko-KR" sz="800" dirty="0">
+              <a:solidFill>
+                <a:schemeClr val="tx1"/>
+              </a:solidFill>
+            </a:endParaRPr>
+          </a:p>
+          <a:p>
+            <a:pPr marL="228600" indent="-228600">
+              <a:buAutoNum type="arabicPeriod"/>
+            </a:pPr>
+            <a:endParaRPr lang="en-US" altLang="ko-KR" sz="800" dirty="0">
+              <a:solidFill>
+                <a:schemeClr val="tx1"/>
+              </a:solidFill>
+            </a:endParaRPr>
+          </a:p>
+          <a:p>
+            <a:pPr marL="228600" indent="-228600">
+              <a:buAutoNum type="arabicPeriod"/>
+            </a:pPr>
+            <a:endParaRPr lang="ko-KR" altLang="en-US" sz="800" dirty="0">
+              <a:solidFill>
+                <a:schemeClr val="tx1"/>
+              </a:solidFill>
+            </a:endParaRPr>
+          </a:p>
         </p:txBody>
       </p:sp>
       <p:cxnSp>
         <p:nvCxnSpPr>
-          <p:cNvPr id="7" name="직선 화살표 연결선 6">
-            <a:extLst>
-              <a:ext uri="{FF2B5EF4-FFF2-40B4-BE49-F238E27FC236}">
-                <a16:creationId xmlns:a16="http://schemas.microsoft.com/office/drawing/2014/main" id="{E13BC349-6ED3-426E-A8FD-8294867C9EA7}"/>
+          <p:cNvPr id="119" name="직선 화살표 연결선 118">
+            <a:extLst>
+              <a:ext uri="{FF2B5EF4-FFF2-40B4-BE49-F238E27FC236}">
+                <a16:creationId xmlns:a16="http://schemas.microsoft.com/office/drawing/2014/main" id="{0A9FEC5F-43A8-4616-90BD-30BAE0F44BFB}"/>
               </a:ext>
             </a:extLst>
           </p:cNvPr>
@@ -9404,8 +10819,8 @@
         </p:nvCxnSpPr>
         <p:spPr>
           <a:xfrm>
-            <a:off x="2433012" y="3865770"/>
-            <a:ext cx="1205511" cy="0"/>
+            <a:off x="3076197" y="2834302"/>
+            <a:ext cx="2387434" cy="0"/>
           </a:xfrm>
           <a:prstGeom prst="straightConnector1">
             <a:avLst/>
@@ -9431,10 +10846,10 @@
       </p:cxnSp>
       <p:sp>
         <p:nvSpPr>
-          <p:cNvPr id="10" name="TextBox 9">
-            <a:extLst>
-              <a:ext uri="{FF2B5EF4-FFF2-40B4-BE49-F238E27FC236}">
-                <a16:creationId xmlns:a16="http://schemas.microsoft.com/office/drawing/2014/main" id="{AFC0CEE3-2FF4-4C53-96C9-38740B73DA1B}"/>
+          <p:cNvPr id="120" name="TextBox 119">
+            <a:extLst>
+              <a:ext uri="{FF2B5EF4-FFF2-40B4-BE49-F238E27FC236}">
+                <a16:creationId xmlns:a16="http://schemas.microsoft.com/office/drawing/2014/main" id="{2292667F-04B0-4E05-BD37-521CD8C41291}"/>
               </a:ext>
             </a:extLst>
           </p:cNvPr>
@@ -9443,8 +10858,8 @@
         </p:nvSpPr>
         <p:spPr>
           <a:xfrm>
-            <a:off x="2394525" y="3507713"/>
-            <a:ext cx="1326589" cy="338554"/>
+            <a:off x="2945258" y="2569430"/>
+            <a:ext cx="2669021" cy="215444"/>
           </a:xfrm>
           <a:prstGeom prst="rect">
             <a:avLst/>
@@ -9457,44 +10872,276 @@
           </a:bodyPr>
           <a:lstStyle/>
           <a:p>
+            <a:pPr algn="ctr"/>
             <a:r>
               <a:rPr lang="en-US" altLang="ko-KR" sz="800" dirty="0"/>
-              <a:t>Request (</a:t>
+              <a:t>URL </a:t>
             </a:r>
             <a:r>
               <a:rPr lang="ko-KR" altLang="en-US" sz="800" dirty="0"/>
-              <a:t>예시 </a:t>
-            </a:r>
+              <a:t>전송</a:t>
+            </a:r>
+          </a:p>
+        </p:txBody>
+      </p:sp>
+      <p:cxnSp>
+        <p:nvCxnSpPr>
+          <p:cNvPr id="13" name="직선 화살표 연결선 12">
+            <a:extLst>
+              <a:ext uri="{FF2B5EF4-FFF2-40B4-BE49-F238E27FC236}">
+                <a16:creationId xmlns:a16="http://schemas.microsoft.com/office/drawing/2014/main" id="{880E1BC1-8B84-4EA9-B435-76798F627386}"/>
+              </a:ext>
+            </a:extLst>
+          </p:cNvPr>
+          <p:cNvCxnSpPr>
+            <a:cxnSpLocks/>
+          </p:cNvCxnSpPr>
+          <p:nvPr/>
+        </p:nvCxnSpPr>
+        <p:spPr>
+          <a:xfrm flipH="1">
+            <a:off x="3073086" y="4127169"/>
+            <a:ext cx="2387434" cy="0"/>
+          </a:xfrm>
+          <a:prstGeom prst="straightConnector1">
+            <a:avLst/>
+          </a:prstGeom>
+          <a:ln>
+            <a:tailEnd type="triangle"/>
+          </a:ln>
+        </p:spPr>
+        <p:style>
+          <a:lnRef idx="1">
+            <a:schemeClr val="accent1"/>
+          </a:lnRef>
+          <a:fillRef idx="0">
+            <a:schemeClr val="accent1"/>
+          </a:fillRef>
+          <a:effectRef idx="0">
+            <a:schemeClr val="accent1"/>
+          </a:effectRef>
+          <a:fontRef idx="minor">
+            <a:schemeClr val="tx1"/>
+          </a:fontRef>
+        </p:style>
+      </p:cxnSp>
+      <p:sp>
+        <p:nvSpPr>
+          <p:cNvPr id="121" name="TextBox 120">
+            <a:extLst>
+              <a:ext uri="{FF2B5EF4-FFF2-40B4-BE49-F238E27FC236}">
+                <a16:creationId xmlns:a16="http://schemas.microsoft.com/office/drawing/2014/main" id="{BC53056F-2B33-4C70-9740-60DE6A1877EF}"/>
+              </a:ext>
+            </a:extLst>
+          </p:cNvPr>
+          <p:cNvSpPr txBox="1"/>
+          <p:nvPr/>
+        </p:nvSpPr>
+        <p:spPr>
+          <a:xfrm>
+            <a:off x="2930026" y="3918439"/>
+            <a:ext cx="2669021" cy="215444"/>
+          </a:xfrm>
+          <a:prstGeom prst="rect">
+            <a:avLst/>
+          </a:prstGeom>
+          <a:noFill/>
+        </p:spPr>
+        <p:txBody>
+          <a:bodyPr wrap="square" rtlCol="0">
+            <a:spAutoFit/>
+          </a:bodyPr>
+          <a:lstStyle/>
+          <a:p>
+            <a:pPr algn="ctr"/>
             <a:r>
               <a:rPr lang="en-US" altLang="ko-KR" sz="800" dirty="0"/>
-              <a:t>: </a:t>
+              <a:t>URL </a:t>
             </a:r>
             <a:r>
               <a:rPr lang="ko-KR" altLang="en-US" sz="800" dirty="0"/>
-              <a:t>회원가입</a:t>
+              <a:t>클릭</a:t>
+            </a:r>
+          </a:p>
+        </p:txBody>
+      </p:sp>
+      <p:cxnSp>
+        <p:nvCxnSpPr>
+          <p:cNvPr id="126" name="직선 화살표 연결선 125">
+            <a:extLst>
+              <a:ext uri="{FF2B5EF4-FFF2-40B4-BE49-F238E27FC236}">
+                <a16:creationId xmlns:a16="http://schemas.microsoft.com/office/drawing/2014/main" id="{20B73B9C-9592-42B8-A101-74748325C9C4}"/>
+              </a:ext>
+            </a:extLst>
+          </p:cNvPr>
+          <p:cNvCxnSpPr>
+            <a:cxnSpLocks/>
+          </p:cNvCxnSpPr>
+          <p:nvPr/>
+        </p:nvCxnSpPr>
+        <p:spPr>
+          <a:xfrm>
+            <a:off x="3098857" y="4438630"/>
+            <a:ext cx="2387434" cy="0"/>
+          </a:xfrm>
+          <a:prstGeom prst="straightConnector1">
+            <a:avLst/>
+          </a:prstGeom>
+          <a:ln>
+            <a:tailEnd type="triangle"/>
+          </a:ln>
+        </p:spPr>
+        <p:style>
+          <a:lnRef idx="1">
+            <a:schemeClr val="accent1"/>
+          </a:lnRef>
+          <a:fillRef idx="0">
+            <a:schemeClr val="accent1"/>
+          </a:fillRef>
+          <a:effectRef idx="0">
+            <a:schemeClr val="accent1"/>
+          </a:effectRef>
+          <a:fontRef idx="minor">
+            <a:schemeClr val="tx1"/>
+          </a:fontRef>
+        </p:style>
+      </p:cxnSp>
+      <p:sp>
+        <p:nvSpPr>
+          <p:cNvPr id="127" name="TextBox 126">
+            <a:extLst>
+              <a:ext uri="{FF2B5EF4-FFF2-40B4-BE49-F238E27FC236}">
+                <a16:creationId xmlns:a16="http://schemas.microsoft.com/office/drawing/2014/main" id="{1BD0D182-9996-4AAA-9355-0EE6469E3B3D}"/>
+              </a:ext>
+            </a:extLst>
+          </p:cNvPr>
+          <p:cNvSpPr txBox="1"/>
+          <p:nvPr/>
+        </p:nvSpPr>
+        <p:spPr>
+          <a:xfrm>
+            <a:off x="2967918" y="4223186"/>
+            <a:ext cx="2669021" cy="215444"/>
+          </a:xfrm>
+          <a:prstGeom prst="rect">
+            <a:avLst/>
+          </a:prstGeom>
+          <a:noFill/>
+        </p:spPr>
+        <p:txBody>
+          <a:bodyPr wrap="square" rtlCol="0">
+            <a:spAutoFit/>
+          </a:bodyPr>
+          <a:lstStyle/>
+          <a:p>
+            <a:pPr algn="ctr"/>
+            <a:r>
+              <a:rPr lang="ko-KR" altLang="en-US" sz="800" dirty="0"/>
+              <a:t>비밀번호 변경 페이지 제공</a:t>
+            </a:r>
+          </a:p>
+        </p:txBody>
+      </p:sp>
+      <p:cxnSp>
+        <p:nvCxnSpPr>
+          <p:cNvPr id="132" name="직선 화살표 연결선 131">
+            <a:extLst>
+              <a:ext uri="{FF2B5EF4-FFF2-40B4-BE49-F238E27FC236}">
+                <a16:creationId xmlns:a16="http://schemas.microsoft.com/office/drawing/2014/main" id="{E4AB057E-0B68-4248-AFB4-690597325D0C}"/>
+              </a:ext>
+            </a:extLst>
+          </p:cNvPr>
+          <p:cNvCxnSpPr>
+            <a:cxnSpLocks/>
+          </p:cNvCxnSpPr>
+          <p:nvPr/>
+        </p:nvCxnSpPr>
+        <p:spPr>
+          <a:xfrm flipH="1">
+            <a:off x="3086051" y="4839133"/>
+            <a:ext cx="2387434" cy="0"/>
+          </a:xfrm>
+          <a:prstGeom prst="straightConnector1">
+            <a:avLst/>
+          </a:prstGeom>
+          <a:ln>
+            <a:tailEnd type="triangle"/>
+          </a:ln>
+        </p:spPr>
+        <p:style>
+          <a:lnRef idx="1">
+            <a:schemeClr val="accent1"/>
+          </a:lnRef>
+          <a:fillRef idx="0">
+            <a:schemeClr val="accent1"/>
+          </a:fillRef>
+          <a:effectRef idx="0">
+            <a:schemeClr val="accent1"/>
+          </a:effectRef>
+          <a:fontRef idx="minor">
+            <a:schemeClr val="tx1"/>
+          </a:fontRef>
+        </p:style>
+      </p:cxnSp>
+      <p:sp>
+        <p:nvSpPr>
+          <p:cNvPr id="133" name="TextBox 132">
+            <a:extLst>
+              <a:ext uri="{FF2B5EF4-FFF2-40B4-BE49-F238E27FC236}">
+                <a16:creationId xmlns:a16="http://schemas.microsoft.com/office/drawing/2014/main" id="{79A4A522-E537-4357-879E-43266D77BC77}"/>
+              </a:ext>
+            </a:extLst>
+          </p:cNvPr>
+          <p:cNvSpPr txBox="1"/>
+          <p:nvPr/>
+        </p:nvSpPr>
+        <p:spPr>
+          <a:xfrm>
+            <a:off x="2931927" y="4521868"/>
+            <a:ext cx="2669021" cy="338554"/>
+          </a:xfrm>
+          <a:prstGeom prst="rect">
+            <a:avLst/>
+          </a:prstGeom>
+          <a:noFill/>
+        </p:spPr>
+        <p:txBody>
+          <a:bodyPr wrap="square" rtlCol="0">
+            <a:spAutoFit/>
+          </a:bodyPr>
+          <a:lstStyle/>
+          <a:p>
+            <a:pPr algn="ctr"/>
+            <a:r>
+              <a:rPr lang="ko-KR" altLang="en-US" sz="800" dirty="0"/>
+              <a:t>비밀번호 변경 요청</a:t>
+            </a:r>
+            <a:endParaRPr lang="en-US" altLang="ko-KR" sz="800" dirty="0"/>
+          </a:p>
+          <a:p>
+            <a:pPr algn="ctr"/>
+            <a:r>
+              <a:rPr lang="ko-KR" altLang="en-US" sz="800" dirty="0"/>
+              <a:t>이 때 암호화 된 값이 함께 </a:t>
             </a:r>
             <a:r>
               <a:rPr lang="en-US" altLang="ko-KR" sz="800" dirty="0"/>
-              <a:t>, </a:t>
+              <a:t>server</a:t>
             </a:r>
             <a:r>
               <a:rPr lang="ko-KR" altLang="en-US" sz="800" dirty="0"/>
-              <a:t>회원 정보 조회</a:t>
-            </a:r>
-            <a:r>
-              <a:rPr lang="en-US" altLang="ko-KR" sz="800" dirty="0"/>
-              <a:t>)</a:t>
-            </a:r>
-            <a:endParaRPr lang="ko-KR" altLang="en-US" sz="800" dirty="0"/>
-          </a:p>
-        </p:txBody>
-      </p:sp>
-      <p:sp>
-        <p:nvSpPr>
-          <p:cNvPr id="14" name="직사각형 13">
-            <a:extLst>
-              <a:ext uri="{FF2B5EF4-FFF2-40B4-BE49-F238E27FC236}">
-                <a16:creationId xmlns:a16="http://schemas.microsoft.com/office/drawing/2014/main" id="{EC914061-D758-469D-8584-2022E8088D9E}"/>
+              <a:t>로 전송됨</a:t>
+            </a:r>
+            <a:endParaRPr lang="en-US" altLang="ko-KR" sz="800" dirty="0"/>
+          </a:p>
+        </p:txBody>
+      </p:sp>
+      <p:sp>
+        <p:nvSpPr>
+          <p:cNvPr id="136" name="직사각형 135">
+            <a:extLst>
+              <a:ext uri="{FF2B5EF4-FFF2-40B4-BE49-F238E27FC236}">
+                <a16:creationId xmlns:a16="http://schemas.microsoft.com/office/drawing/2014/main" id="{6762B5D0-7DE3-4E81-B887-4CA358FBE2F9}"/>
               </a:ext>
             </a:extLst>
           </p:cNvPr>
@@ -9503,8 +11150,8 @@
         </p:nvSpPr>
         <p:spPr>
           <a:xfrm>
-            <a:off x="4039680" y="3487686"/>
-            <a:ext cx="1511306" cy="812428"/>
+            <a:off x="1721768" y="4997135"/>
+            <a:ext cx="2502096" cy="1342347"/>
           </a:xfrm>
           <a:prstGeom prst="rect">
             <a:avLst/>
@@ -9533,70 +11180,551 @@
           <a:bodyPr rtlCol="0" anchor="ctr"/>
           <a:lstStyle/>
           <a:p>
-            <a:pPr algn="ctr"/>
-            <a:r>
-              <a:rPr lang="en-US" altLang="ko-KR" sz="1200" dirty="0">
-                <a:solidFill>
-                  <a:schemeClr val="tx1"/>
-                </a:solidFill>
-              </a:rPr>
-              <a:t>Server(Ec2, Linux, Spring)</a:t>
-            </a:r>
-            <a:endParaRPr lang="ko-KR" altLang="en-US" sz="1200" dirty="0">
+            <a:endParaRPr lang="en-US" altLang="ko-KR" sz="800" dirty="0">
               <a:solidFill>
                 <a:schemeClr val="tx1"/>
               </a:solidFill>
             </a:endParaRPr>
           </a:p>
-        </p:txBody>
-      </p:sp>
-      <p:cxnSp>
-        <p:nvCxnSpPr>
-          <p:cNvPr id="15" name="직선 화살표 연결선 14">
-            <a:extLst>
-              <a:ext uri="{FF2B5EF4-FFF2-40B4-BE49-F238E27FC236}">
-                <a16:creationId xmlns:a16="http://schemas.microsoft.com/office/drawing/2014/main" id="{CAB6D20D-C1BF-43B1-BEB8-F315878472F4}"/>
-              </a:ext>
-            </a:extLst>
-          </p:cNvPr>
-          <p:cNvCxnSpPr>
-            <a:cxnSpLocks/>
-          </p:cNvCxnSpPr>
-          <p:nvPr/>
-        </p:nvCxnSpPr>
-        <p:spPr>
-          <a:xfrm flipV="1">
-            <a:off x="4682786" y="2554420"/>
-            <a:ext cx="606433" cy="846332"/>
-          </a:xfrm>
-          <a:prstGeom prst="straightConnector1">
-            <a:avLst/>
-          </a:prstGeom>
-          <a:ln>
-            <a:tailEnd type="triangle"/>
-          </a:ln>
-        </p:spPr>
-        <p:style>
-          <a:lnRef idx="1">
-            <a:schemeClr val="accent1"/>
-          </a:lnRef>
-          <a:fillRef idx="0">
-            <a:schemeClr val="accent1"/>
-          </a:fillRef>
-          <a:effectRef idx="0">
-            <a:schemeClr val="accent1"/>
-          </a:effectRef>
-          <a:fontRef idx="minor">
-            <a:schemeClr val="tx1"/>
-          </a:fontRef>
-        </p:style>
-      </p:cxnSp>
-      <p:sp>
-        <p:nvSpPr>
-          <p:cNvPr id="18" name="직사각형 17">
-            <a:extLst>
-              <a:ext uri="{FF2B5EF4-FFF2-40B4-BE49-F238E27FC236}">
-                <a16:creationId xmlns:a16="http://schemas.microsoft.com/office/drawing/2014/main" id="{AC5181DF-5758-4B29-96CE-01F65998C77F}"/>
+          <a:p>
+            <a:pPr marL="228600" indent="-228600">
+              <a:buAutoNum type="arabicPeriod"/>
+            </a:pPr>
+            <a:r>
+              <a:rPr lang="ko-KR" altLang="en-US" sz="800" dirty="0">
+                <a:solidFill>
+                  <a:schemeClr val="tx1"/>
+                </a:solidFill>
+              </a:rPr>
+              <a:t>암호화 된 값 복호화</a:t>
+            </a:r>
+            <a:endParaRPr lang="en-US" altLang="ko-KR" sz="800" dirty="0">
+              <a:solidFill>
+                <a:schemeClr val="tx1"/>
+              </a:solidFill>
+            </a:endParaRPr>
+          </a:p>
+          <a:p>
+            <a:pPr marL="228600" indent="-228600">
+              <a:buAutoNum type="arabicPeriod"/>
+            </a:pPr>
+            <a:endParaRPr lang="en-US" altLang="ko-KR" sz="800" dirty="0">
+              <a:solidFill>
+                <a:schemeClr val="tx1"/>
+              </a:solidFill>
+            </a:endParaRPr>
+          </a:p>
+          <a:p>
+            <a:pPr marL="228600" indent="-228600">
+              <a:buAutoNum type="arabicPeriod"/>
+            </a:pPr>
+            <a:r>
+              <a:rPr lang="ko-KR" altLang="en-US" sz="800" dirty="0">
+                <a:solidFill>
+                  <a:schemeClr val="tx1"/>
+                </a:solidFill>
+              </a:rPr>
+              <a:t>복호화를 통해 </a:t>
+            </a:r>
+            <a:r>
+              <a:rPr lang="en-US" altLang="ko-KR" sz="800" dirty="0">
+                <a:solidFill>
+                  <a:schemeClr val="tx1"/>
+                </a:solidFill>
+              </a:rPr>
+              <a:t>1) </a:t>
+            </a:r>
+            <a:r>
+              <a:rPr lang="ko-KR" altLang="en-US" sz="800" dirty="0">
+                <a:solidFill>
+                  <a:schemeClr val="tx1"/>
+                </a:solidFill>
+              </a:rPr>
+              <a:t>사용자 이메일 </a:t>
+            </a:r>
+            <a:r>
+              <a:rPr lang="en-US" altLang="ko-KR" sz="800" dirty="0">
+                <a:solidFill>
+                  <a:schemeClr val="tx1"/>
+                </a:solidFill>
+              </a:rPr>
+              <a:t>2) </a:t>
+            </a:r>
+            <a:r>
+              <a:rPr lang="en-US" altLang="ko-KR" sz="800" dirty="0" err="1">
+                <a:solidFill>
+                  <a:schemeClr val="tx1"/>
+                </a:solidFill>
+              </a:rPr>
+              <a:t>url</a:t>
+            </a:r>
+            <a:r>
+              <a:rPr lang="ko-KR" altLang="en-US" sz="800" dirty="0">
+                <a:solidFill>
+                  <a:schemeClr val="tx1"/>
+                </a:solidFill>
+              </a:rPr>
+              <a:t>이 만들어진 시간을 알 수 있음</a:t>
+            </a:r>
+            <a:endParaRPr lang="en-US" altLang="ko-KR" sz="800" dirty="0">
+              <a:solidFill>
+                <a:schemeClr val="tx1"/>
+              </a:solidFill>
+            </a:endParaRPr>
+          </a:p>
+          <a:p>
+            <a:pPr marL="228600" indent="-228600">
+              <a:buAutoNum type="arabicPeriod"/>
+            </a:pPr>
+            <a:endParaRPr lang="en-US" altLang="ko-KR" sz="800" dirty="0">
+              <a:solidFill>
+                <a:schemeClr val="tx1"/>
+              </a:solidFill>
+            </a:endParaRPr>
+          </a:p>
+          <a:p>
+            <a:pPr marL="228600" indent="-228600">
+              <a:buAutoNum type="arabicPeriod" startAt="3"/>
+            </a:pPr>
+            <a:r>
+              <a:rPr lang="en-US" altLang="ko-KR" sz="800" dirty="0" err="1">
+                <a:solidFill>
+                  <a:schemeClr val="tx1"/>
+                </a:solidFill>
+              </a:rPr>
+              <a:t>url</a:t>
+            </a:r>
+            <a:r>
+              <a:rPr lang="ko-KR" altLang="en-US" sz="800" dirty="0">
+                <a:solidFill>
+                  <a:schemeClr val="tx1"/>
+                </a:solidFill>
+              </a:rPr>
+              <a:t>이 생성된 지 </a:t>
+            </a:r>
+            <a:r>
+              <a:rPr lang="en-US" altLang="ko-KR" sz="800" dirty="0">
+                <a:solidFill>
+                  <a:schemeClr val="tx1"/>
+                </a:solidFill>
+              </a:rPr>
+              <a:t>5</a:t>
+            </a:r>
+            <a:r>
+              <a:rPr lang="ko-KR" altLang="en-US" sz="800" dirty="0">
+                <a:solidFill>
+                  <a:schemeClr val="tx1"/>
+                </a:solidFill>
+              </a:rPr>
+              <a:t>분이 넘었다면 해당 요청은 수행하지 않음</a:t>
+            </a:r>
+            <a:endParaRPr lang="en-US" altLang="ko-KR" sz="800" dirty="0">
+              <a:solidFill>
+                <a:schemeClr val="tx1"/>
+              </a:solidFill>
+            </a:endParaRPr>
+          </a:p>
+          <a:p>
+            <a:pPr marL="228600" indent="-228600">
+              <a:buAutoNum type="arabicPeriod" startAt="3"/>
+            </a:pPr>
+            <a:endParaRPr lang="en-US" altLang="ko-KR" sz="800" dirty="0">
+              <a:solidFill>
+                <a:schemeClr val="tx1"/>
+              </a:solidFill>
+            </a:endParaRPr>
+          </a:p>
+          <a:p>
+            <a:pPr marL="228600" indent="-228600">
+              <a:buAutoNum type="arabicPeriod" startAt="3"/>
+            </a:pPr>
+            <a:r>
+              <a:rPr lang="ko-KR" altLang="en-US" sz="800" dirty="0">
+                <a:solidFill>
+                  <a:schemeClr val="tx1"/>
+                </a:solidFill>
+              </a:rPr>
+              <a:t>시간이 유효하다면</a:t>
+            </a:r>
+            <a:r>
+              <a:rPr lang="en-US" altLang="ko-KR" sz="800" dirty="0">
+                <a:solidFill>
+                  <a:schemeClr val="tx1"/>
+                </a:solidFill>
+              </a:rPr>
+              <a:t>, </a:t>
+            </a:r>
+            <a:r>
+              <a:rPr lang="ko-KR" altLang="en-US" sz="800" dirty="0">
+                <a:solidFill>
+                  <a:schemeClr val="tx1"/>
+                </a:solidFill>
+              </a:rPr>
+              <a:t>사용자 이메일로 </a:t>
+            </a:r>
+            <a:r>
+              <a:rPr lang="en-US" altLang="ko-KR" sz="800" dirty="0">
+                <a:solidFill>
+                  <a:schemeClr val="tx1"/>
+                </a:solidFill>
+              </a:rPr>
+              <a:t>user</a:t>
+            </a:r>
+            <a:r>
+              <a:rPr lang="ko-KR" altLang="en-US" sz="800" dirty="0">
+                <a:solidFill>
+                  <a:schemeClr val="tx1"/>
+                </a:solidFill>
+              </a:rPr>
+              <a:t>를 </a:t>
+            </a:r>
+            <a:r>
+              <a:rPr lang="en-US" altLang="ko-KR" sz="800" dirty="0" err="1">
+                <a:solidFill>
+                  <a:schemeClr val="tx1"/>
+                </a:solidFill>
+              </a:rPr>
+              <a:t>db</a:t>
+            </a:r>
+            <a:r>
+              <a:rPr lang="ko-KR" altLang="en-US" sz="800" dirty="0">
+                <a:solidFill>
+                  <a:schemeClr val="tx1"/>
+                </a:solidFill>
+              </a:rPr>
+              <a:t>에서 </a:t>
+            </a:r>
+            <a:r>
+              <a:rPr lang="en-US" altLang="ko-KR" sz="800" dirty="0">
+                <a:solidFill>
+                  <a:schemeClr val="tx1"/>
+                </a:solidFill>
+              </a:rPr>
+              <a:t>select</a:t>
+            </a:r>
+            <a:r>
+              <a:rPr lang="ko-KR" altLang="en-US" sz="800" dirty="0">
+                <a:solidFill>
+                  <a:schemeClr val="tx1"/>
+                </a:solidFill>
+              </a:rPr>
+              <a:t>하여 비밀번호를 변경함</a:t>
+            </a:r>
+            <a:endParaRPr lang="en-US" altLang="ko-KR" sz="800" dirty="0">
+              <a:solidFill>
+                <a:schemeClr val="tx1"/>
+              </a:solidFill>
+            </a:endParaRPr>
+          </a:p>
+          <a:p>
+            <a:endParaRPr lang="en-US" altLang="ko-KR" sz="800" dirty="0">
+              <a:solidFill>
+                <a:schemeClr val="tx1"/>
+              </a:solidFill>
+            </a:endParaRPr>
+          </a:p>
+        </p:txBody>
+      </p:sp>
+      <p:sp>
+        <p:nvSpPr>
+          <p:cNvPr id="138" name="TextBox 137">
+            <a:extLst>
+              <a:ext uri="{FF2B5EF4-FFF2-40B4-BE49-F238E27FC236}">
+                <a16:creationId xmlns:a16="http://schemas.microsoft.com/office/drawing/2014/main" id="{1102772D-1A8B-4FBE-9DE2-A45A8749E250}"/>
+              </a:ext>
+            </a:extLst>
+          </p:cNvPr>
+          <p:cNvSpPr txBox="1"/>
+          <p:nvPr/>
+        </p:nvSpPr>
+        <p:spPr>
+          <a:xfrm>
+            <a:off x="7151424" y="1852292"/>
+            <a:ext cx="4836539" cy="4662815"/>
+          </a:xfrm>
+          <a:prstGeom prst="rect">
+            <a:avLst/>
+          </a:prstGeom>
+          <a:noFill/>
+        </p:spPr>
+        <p:txBody>
+          <a:bodyPr wrap="square" rtlCol="0">
+            <a:spAutoFit/>
+          </a:bodyPr>
+          <a:lstStyle/>
+          <a:p>
+            <a:endParaRPr lang="en-US" altLang="ko-KR" sz="1200" dirty="0"/>
+          </a:p>
+          <a:p>
+            <a:r>
+              <a:rPr lang="ko-KR" altLang="en-US" sz="1200" dirty="0"/>
+              <a:t>⨀ 암호화 방법</a:t>
+            </a:r>
+            <a:endParaRPr lang="en-US" altLang="ko-KR" sz="1200" dirty="0"/>
+          </a:p>
+          <a:p>
+            <a:endParaRPr lang="en-US" altLang="ko-KR" sz="1200" dirty="0"/>
+          </a:p>
+          <a:p>
+            <a:pPr marL="171450" indent="-171450">
+              <a:buFontTx/>
+              <a:buChar char="-"/>
+            </a:pPr>
+            <a:r>
+              <a:rPr lang="ko-KR" altLang="en-US" sz="1200" dirty="0"/>
+              <a:t>자바의 </a:t>
+            </a:r>
+            <a:r>
+              <a:rPr lang="en-US" altLang="ko-KR" sz="1200" dirty="0"/>
+              <a:t>Cipher </a:t>
+            </a:r>
+            <a:r>
+              <a:rPr lang="ko-KR" altLang="en-US" sz="1200" dirty="0"/>
+              <a:t>클래스를 사용하였습니다</a:t>
+            </a:r>
+            <a:r>
+              <a:rPr lang="en-US" altLang="ko-KR" sz="1200" dirty="0"/>
+              <a:t>.</a:t>
+            </a:r>
+          </a:p>
+          <a:p>
+            <a:pPr marL="171450" indent="-171450">
+              <a:buFontTx/>
+              <a:buChar char="-"/>
+            </a:pPr>
+            <a:r>
+              <a:rPr lang="en-US" altLang="ko-KR" sz="1200" dirty="0"/>
+              <a:t>AES/CBC/PKCS5Padding</a:t>
+            </a:r>
+          </a:p>
+          <a:p>
+            <a:pPr marL="171450" indent="-171450">
+              <a:buFontTx/>
+              <a:buChar char="-"/>
+            </a:pPr>
+            <a:endParaRPr lang="en-US" altLang="ko-KR" sz="1200" dirty="0"/>
+          </a:p>
+          <a:p>
+            <a:pPr marL="171450" indent="-171450">
+              <a:buFontTx/>
+              <a:buChar char="-"/>
+            </a:pPr>
+            <a:endParaRPr lang="en-US" altLang="ko-KR" sz="1200" dirty="0"/>
+          </a:p>
+          <a:p>
+            <a:r>
+              <a:rPr lang="ko-KR" altLang="en-US" sz="1200" dirty="0"/>
+              <a:t>⨀ 암호화 이용 과정</a:t>
+            </a:r>
+            <a:endParaRPr lang="en-US" altLang="ko-KR" sz="1200" dirty="0"/>
+          </a:p>
+          <a:p>
+            <a:endParaRPr lang="en-US" altLang="ko-KR" sz="1200" dirty="0"/>
+          </a:p>
+          <a:p>
+            <a:r>
+              <a:rPr lang="en-US" altLang="ko-KR" sz="1200" dirty="0"/>
+              <a:t>1. </a:t>
+            </a:r>
+            <a:r>
+              <a:rPr lang="ko-KR" altLang="en-US" sz="1200" dirty="0"/>
+              <a:t>현재 시간과 </a:t>
+            </a:r>
+            <a:r>
+              <a:rPr lang="en-US" altLang="ko-KR" sz="1200" dirty="0"/>
+              <a:t>User</a:t>
+            </a:r>
+            <a:r>
+              <a:rPr lang="ko-KR" altLang="en-US" sz="1200" dirty="0"/>
+              <a:t>의 </a:t>
+            </a:r>
+            <a:r>
+              <a:rPr lang="en-US" altLang="ko-KR" sz="1200" dirty="0"/>
+              <a:t>Email</a:t>
+            </a:r>
+            <a:r>
+              <a:rPr lang="ko-KR" altLang="en-US" sz="1200" dirty="0"/>
+              <a:t>을 암호화합니다</a:t>
+            </a:r>
+            <a:endParaRPr lang="en-US" altLang="ko-KR" sz="1200" dirty="0"/>
+          </a:p>
+          <a:p>
+            <a:r>
+              <a:rPr lang="en-US" altLang="ko-KR" sz="1200" dirty="0"/>
+              <a:t> </a:t>
+            </a:r>
+          </a:p>
+          <a:p>
+            <a:r>
+              <a:rPr lang="en-US" altLang="ko-KR" sz="1200" dirty="0"/>
+              <a:t>2. </a:t>
+            </a:r>
+            <a:r>
+              <a:rPr lang="ko-KR" altLang="en-US" sz="1200" dirty="0"/>
+              <a:t>암호화 된 값과 함께 </a:t>
+            </a:r>
+            <a:r>
+              <a:rPr lang="en-US" altLang="ko-KR" sz="1200" dirty="0" err="1"/>
+              <a:t>url</a:t>
+            </a:r>
+            <a:r>
+              <a:rPr lang="ko-KR" altLang="en-US" sz="1200" dirty="0"/>
+              <a:t>을 만든 후 </a:t>
+            </a:r>
+            <a:r>
+              <a:rPr lang="en-US" altLang="ko-KR" sz="1200" dirty="0"/>
+              <a:t>User</a:t>
+            </a:r>
+            <a:r>
+              <a:rPr lang="ko-KR" altLang="en-US" sz="1200" dirty="0"/>
+              <a:t>의 </a:t>
+            </a:r>
+            <a:r>
+              <a:rPr lang="en-US" altLang="ko-KR" sz="1200" dirty="0"/>
+              <a:t>email</a:t>
+            </a:r>
+            <a:r>
+              <a:rPr lang="ko-KR" altLang="en-US" sz="1200" dirty="0"/>
+              <a:t>로 전송합니다</a:t>
+            </a:r>
+            <a:r>
+              <a:rPr lang="en-US" altLang="ko-KR" sz="1200" dirty="0"/>
+              <a:t>.</a:t>
+            </a:r>
+          </a:p>
+          <a:p>
+            <a:r>
+              <a:rPr lang="en-US" altLang="ko-KR" sz="1200" dirty="0"/>
+              <a:t> </a:t>
+            </a:r>
+          </a:p>
+          <a:p>
+            <a:r>
+              <a:rPr lang="en-US" altLang="ko-KR" sz="1200" dirty="0"/>
+              <a:t>3. Client</a:t>
+            </a:r>
+            <a:r>
+              <a:rPr lang="ko-KR" altLang="en-US" sz="1200" dirty="0"/>
+              <a:t>로부터 암호화 된 값과 함께 비밀번호 변경을 </a:t>
+            </a:r>
+            <a:r>
+              <a:rPr lang="ko-KR" altLang="en-US" sz="1200" dirty="0" err="1"/>
+              <a:t>요청받습니다</a:t>
+            </a:r>
+            <a:r>
+              <a:rPr lang="en-US" altLang="ko-KR" sz="1200" dirty="0"/>
+              <a:t>.</a:t>
+            </a:r>
+          </a:p>
+          <a:p>
+            <a:r>
+              <a:rPr lang="en-US" altLang="ko-KR" sz="1200" dirty="0"/>
+              <a:t> </a:t>
+            </a:r>
+          </a:p>
+          <a:p>
+            <a:r>
+              <a:rPr lang="en-US" altLang="ko-KR" sz="1200" dirty="0"/>
+              <a:t>4. </a:t>
+            </a:r>
+            <a:r>
+              <a:rPr lang="ko-KR" altLang="en-US" sz="1200" dirty="0"/>
+              <a:t>암호화 된 값을 복호화 하여 </a:t>
+            </a:r>
+            <a:r>
+              <a:rPr lang="en-US" altLang="ko-KR" sz="1200" dirty="0" err="1"/>
+              <a:t>url</a:t>
+            </a:r>
+            <a:r>
+              <a:rPr lang="ko-KR" altLang="en-US" sz="1200" dirty="0"/>
+              <a:t>이 만들어진 시간과 </a:t>
+            </a:r>
+            <a:r>
+              <a:rPr lang="en-US" altLang="ko-KR" sz="1200" dirty="0"/>
+              <a:t>Email</a:t>
+            </a:r>
+            <a:r>
+              <a:rPr lang="ko-KR" altLang="en-US" sz="1200" dirty="0"/>
+              <a:t>을 얻어냅니다</a:t>
+            </a:r>
+            <a:r>
+              <a:rPr lang="en-US" altLang="ko-KR" sz="1200" dirty="0"/>
+              <a:t>.</a:t>
+            </a:r>
+          </a:p>
+          <a:p>
+            <a:endParaRPr lang="en-US" altLang="ko-KR" sz="1200" dirty="0"/>
+          </a:p>
+          <a:p>
+            <a:r>
+              <a:rPr lang="en-US" altLang="ko-KR" sz="1200" dirty="0"/>
+              <a:t>5. </a:t>
+            </a:r>
+            <a:r>
+              <a:rPr lang="ko-KR" altLang="en-US" sz="1200" dirty="0"/>
+              <a:t>유효시간을 확인 한 후</a:t>
+            </a:r>
+            <a:r>
+              <a:rPr lang="en-US" altLang="ko-KR" sz="1200" dirty="0"/>
+              <a:t> </a:t>
+            </a:r>
+            <a:r>
+              <a:rPr lang="ko-KR" altLang="en-US" sz="1200" dirty="0"/>
+              <a:t>해당 </a:t>
+            </a:r>
+            <a:r>
+              <a:rPr lang="en-US" altLang="ko-KR" sz="1200" dirty="0"/>
+              <a:t>User</a:t>
+            </a:r>
+            <a:r>
+              <a:rPr lang="ko-KR" altLang="en-US" sz="1200" dirty="0"/>
+              <a:t>의 비밀번호를 변경합니다</a:t>
+            </a:r>
+            <a:r>
+              <a:rPr lang="en-US" altLang="ko-KR" sz="1200" dirty="0"/>
+              <a:t>. </a:t>
+            </a:r>
+          </a:p>
+          <a:p>
+            <a:pPr marL="171450" indent="-171450">
+              <a:buFontTx/>
+              <a:buChar char="-"/>
+            </a:pPr>
+            <a:endParaRPr lang="en-US" altLang="ko-KR" sz="1200" dirty="0"/>
+          </a:p>
+          <a:p>
+            <a:pPr marL="228600" indent="-228600">
+              <a:buAutoNum type="arabicPeriod"/>
+            </a:pPr>
+            <a:endParaRPr lang="en-US" altLang="ko-KR" sz="1200" dirty="0"/>
+          </a:p>
+          <a:p>
+            <a:endParaRPr lang="en-US" altLang="ko-KR" sz="1200" dirty="0">
+              <a:solidFill>
+                <a:schemeClr val="tx1"/>
+              </a:solidFill>
+            </a:endParaRPr>
+          </a:p>
+          <a:p>
+            <a:endParaRPr lang="en-US" altLang="ko-KR" sz="1200" dirty="0"/>
+          </a:p>
+          <a:p>
+            <a:endParaRPr lang="en-US" altLang="ko-KR" sz="900" dirty="0"/>
+          </a:p>
+          <a:p>
+            <a:pPr marL="228600" indent="-228600">
+              <a:buAutoNum type="arabicPeriod"/>
+            </a:pPr>
+            <a:endParaRPr lang="en-US" altLang="ko-KR" sz="1200" dirty="0"/>
+          </a:p>
+        </p:txBody>
+      </p:sp>
+      <p:sp>
+        <p:nvSpPr>
+          <p:cNvPr id="139" name="직사각형 138">
+            <a:extLst>
+              <a:ext uri="{FF2B5EF4-FFF2-40B4-BE49-F238E27FC236}">
+                <a16:creationId xmlns:a16="http://schemas.microsoft.com/office/drawing/2014/main" id="{3CBDE7AE-29B2-4D89-B27D-D77A46B6E4A3}"/>
               </a:ext>
             </a:extLst>
           </p:cNvPr>
@@ -9605,8 +11733,8 @@
         </p:nvSpPr>
         <p:spPr>
           <a:xfrm>
-            <a:off x="4950454" y="1631774"/>
-            <a:ext cx="1511306" cy="812428"/>
+            <a:off x="4342348" y="2991685"/>
+            <a:ext cx="2387434" cy="888655"/>
           </a:xfrm>
           <a:prstGeom prst="rect">
             <a:avLst/>
@@ -9635,901 +11763,129 @@
           <a:bodyPr rtlCol="0" anchor="ctr"/>
           <a:lstStyle/>
           <a:p>
-            <a:pPr algn="ctr"/>
-            <a:r>
-              <a:rPr lang="en-US" altLang="ko-KR" sz="1200" dirty="0">
+            <a:r>
+              <a:rPr lang="ko-KR" altLang="en-US" sz="800" dirty="0">
                 <a:solidFill>
                   <a:schemeClr val="tx1"/>
                 </a:solidFill>
               </a:rPr>
-              <a:t>S3</a:t>
-            </a:r>
-            <a:endParaRPr lang="ko-KR" altLang="en-US" sz="1200" dirty="0">
+              <a:t>하나의 </a:t>
+            </a:r>
+            <a:r>
+              <a:rPr lang="en-US" altLang="ko-KR" sz="800" dirty="0">
+                <a:solidFill>
+                  <a:schemeClr val="tx1"/>
+                </a:solidFill>
+              </a:rPr>
+              <a:t>URL</a:t>
+            </a:r>
+            <a:r>
+              <a:rPr lang="ko-KR" altLang="en-US" sz="800" dirty="0">
+                <a:solidFill>
+                  <a:schemeClr val="tx1"/>
+                </a:solidFill>
+              </a:rPr>
+              <a:t>은 한 명의 회원에게만 적용되는 </a:t>
+            </a:r>
+            <a:r>
+              <a:rPr lang="en-US" altLang="ko-KR" sz="800" dirty="0">
+                <a:solidFill>
+                  <a:schemeClr val="tx1"/>
+                </a:solidFill>
+              </a:rPr>
+              <a:t>URL</a:t>
+            </a:r>
+            <a:r>
+              <a:rPr lang="ko-KR" altLang="en-US" sz="800" dirty="0">
+                <a:solidFill>
+                  <a:schemeClr val="tx1"/>
+                </a:solidFill>
+              </a:rPr>
+              <a:t>임</a:t>
+            </a:r>
+            <a:endParaRPr lang="en-US" altLang="ko-KR" sz="800" dirty="0">
               <a:solidFill>
                 <a:schemeClr val="tx1"/>
               </a:solidFill>
             </a:endParaRPr>
           </a:p>
-        </p:txBody>
-      </p:sp>
-      <p:sp>
-        <p:nvSpPr>
-          <p:cNvPr id="19" name="TextBox 18">
-            <a:extLst>
-              <a:ext uri="{FF2B5EF4-FFF2-40B4-BE49-F238E27FC236}">
-                <a16:creationId xmlns:a16="http://schemas.microsoft.com/office/drawing/2014/main" id="{64ADA31A-051D-4242-AB16-727D5A00FE40}"/>
-              </a:ext>
-            </a:extLst>
-          </p:cNvPr>
-          <p:cNvSpPr txBox="1"/>
-          <p:nvPr/>
-        </p:nvSpPr>
-        <p:spPr>
-          <a:xfrm>
-            <a:off x="4950454" y="2921771"/>
-            <a:ext cx="1511306" cy="338554"/>
-          </a:xfrm>
-          <a:prstGeom prst="rect">
-            <a:avLst/>
-          </a:prstGeom>
-          <a:noFill/>
-        </p:spPr>
-        <p:txBody>
-          <a:bodyPr wrap="square" rtlCol="0">
-            <a:spAutoFit/>
-          </a:bodyPr>
-          <a:lstStyle/>
-          <a:p>
-            <a:r>
-              <a:rPr lang="en-US" altLang="ko-KR" sz="800" dirty="0"/>
-              <a:t>Client</a:t>
+          <a:p>
+            <a:r>
+              <a:rPr lang="en-US" altLang="ko-KR" sz="800" dirty="0" err="1">
+                <a:solidFill>
+                  <a:schemeClr val="tx1"/>
+                </a:solidFill>
+              </a:rPr>
+              <a:t>url</a:t>
+            </a:r>
+            <a:r>
+              <a:rPr lang="en-US" altLang="ko-KR" sz="800" dirty="0">
+                <a:solidFill>
+                  <a:schemeClr val="tx1"/>
+                </a:solidFill>
+              </a:rPr>
+              <a:t> </a:t>
+            </a:r>
+            <a:r>
+              <a:rPr lang="ko-KR" altLang="en-US" sz="800" dirty="0">
+                <a:solidFill>
+                  <a:schemeClr val="tx1"/>
+                </a:solidFill>
+              </a:rPr>
+              <a:t>예시 </a:t>
+            </a:r>
+            <a:r>
+              <a:rPr lang="en-US" altLang="ko-KR" sz="800" dirty="0">
+                <a:solidFill>
+                  <a:schemeClr val="tx1"/>
+                </a:solidFill>
+              </a:rPr>
+              <a:t>: www.highend.com/reset/password/{askljaflkmdkljasklf(</a:t>
+            </a:r>
+            <a:r>
+              <a:rPr lang="ko-KR" altLang="en-US" sz="800" dirty="0">
+                <a:solidFill>
+                  <a:schemeClr val="tx1"/>
+                </a:solidFill>
+              </a:rPr>
+              <a:t>회원 </a:t>
+            </a:r>
+            <a:r>
+              <a:rPr lang="en-US" altLang="ko-KR" sz="800" dirty="0">
+                <a:solidFill>
+                  <a:schemeClr val="tx1"/>
+                </a:solidFill>
+              </a:rPr>
+              <a:t>email</a:t>
+            </a:r>
+            <a:r>
+              <a:rPr lang="ko-KR" altLang="en-US" sz="800" dirty="0">
+                <a:solidFill>
+                  <a:schemeClr val="tx1"/>
+                </a:solidFill>
+              </a:rPr>
+              <a:t>과 현재 시간으로 암호화 된 값</a:t>
+            </a:r>
+            <a:r>
+              <a:rPr lang="en-US" altLang="ko-KR" sz="800" dirty="0">
+                <a:solidFill>
+                  <a:schemeClr val="tx1"/>
+                </a:solidFill>
+              </a:rPr>
+              <a:t>)}</a:t>
             </a:r>
             <a:r>
               <a:rPr lang="ko-KR" altLang="en-US" sz="800" dirty="0"/>
-              <a:t>로부터 받은 파일 저장</a:t>
-            </a:r>
-            <a:r>
-              <a:rPr lang="en-US" altLang="ko-KR" sz="800" dirty="0"/>
-              <a:t>(</a:t>
-            </a:r>
-            <a:r>
-              <a:rPr lang="ko-KR" altLang="en-US" sz="800" dirty="0"/>
-              <a:t>예시 </a:t>
-            </a:r>
-            <a:r>
-              <a:rPr lang="en-US" altLang="ko-KR" sz="800" dirty="0"/>
-              <a:t>: </a:t>
-            </a:r>
-            <a:r>
-              <a:rPr lang="ko-KR" altLang="en-US" sz="800" dirty="0"/>
-              <a:t>사진</a:t>
-            </a:r>
-            <a:r>
-              <a:rPr lang="en-US" altLang="ko-KR" sz="800" dirty="0"/>
-              <a:t>)</a:t>
-            </a:r>
-            <a:endParaRPr lang="ko-KR" altLang="en-US" sz="800" dirty="0"/>
-          </a:p>
-        </p:txBody>
-      </p:sp>
-      <p:sp>
-        <p:nvSpPr>
-          <p:cNvPr id="21" name="직사각형 20">
-            <a:extLst>
-              <a:ext uri="{FF2B5EF4-FFF2-40B4-BE49-F238E27FC236}">
-                <a16:creationId xmlns:a16="http://schemas.microsoft.com/office/drawing/2014/main" id="{EBBBA36E-0AD7-4606-AF54-4AC6FA042EB1}"/>
-              </a:ext>
-            </a:extLst>
-          </p:cNvPr>
-          <p:cNvSpPr/>
-          <p:nvPr/>
-        </p:nvSpPr>
-        <p:spPr>
-          <a:xfrm>
-            <a:off x="2121319" y="1631774"/>
-            <a:ext cx="1511306" cy="812428"/>
-          </a:xfrm>
-          <a:prstGeom prst="rect">
-            <a:avLst/>
-          </a:prstGeom>
-          <a:solidFill>
-            <a:schemeClr val="bg1"/>
-          </a:solidFill>
-        </p:spPr>
-        <p:style>
-          <a:lnRef idx="2">
-            <a:schemeClr val="accent1">
-              <a:shade val="50000"/>
-            </a:schemeClr>
-          </a:lnRef>
-          <a:fillRef idx="1">
-            <a:schemeClr val="accent1"/>
-          </a:fillRef>
-          <a:effectRef idx="0">
-            <a:schemeClr val="accent1"/>
-          </a:effectRef>
-          <a:fontRef idx="minor">
-            <a:schemeClr val="lt1"/>
-          </a:fontRef>
-        </p:style>
-        <p:txBody>
-          <a:bodyPr rtlCol="0" anchor="ctr"/>
-          <a:lstStyle/>
-          <a:p>
-            <a:pPr algn="ctr"/>
-            <a:r>
-              <a:rPr lang="en-US" altLang="ko-KR" sz="1200" dirty="0">
-                <a:solidFill>
-                  <a:schemeClr val="tx1"/>
-                </a:solidFill>
-              </a:rPr>
-              <a:t>CloudFront(CDN)</a:t>
-            </a:r>
-          </a:p>
-          <a:p>
-            <a:pPr algn="ctr"/>
-            <a:endParaRPr lang="en-US" altLang="ko-KR" sz="1200" dirty="0">
-              <a:solidFill>
-                <a:schemeClr val="tx1"/>
-              </a:solidFill>
-            </a:endParaRPr>
-          </a:p>
-          <a:p>
-            <a:pPr algn="ctr"/>
-            <a:r>
-              <a:rPr lang="en-US" altLang="ko-KR" sz="800" dirty="0">
-                <a:solidFill>
-                  <a:schemeClr val="tx1"/>
-                </a:solidFill>
-              </a:rPr>
-              <a:t>S3</a:t>
-            </a:r>
-            <a:r>
-              <a:rPr lang="ko-KR" altLang="en-US" sz="800" dirty="0">
-                <a:solidFill>
-                  <a:schemeClr val="tx1"/>
-                </a:solidFill>
-              </a:rPr>
-              <a:t>로 부터 받아온 파일 </a:t>
-            </a:r>
-            <a:r>
-              <a:rPr lang="ko-KR" altLang="en-US" sz="800" dirty="0" err="1">
-                <a:solidFill>
-                  <a:schemeClr val="tx1"/>
-                </a:solidFill>
-              </a:rPr>
-              <a:t>캐싱</a:t>
-            </a:r>
-            <a:endParaRPr lang="ko-KR" altLang="en-US" sz="800" dirty="0">
-              <a:solidFill>
-                <a:schemeClr val="tx1"/>
-              </a:solidFill>
-            </a:endParaRPr>
-          </a:p>
-        </p:txBody>
-      </p:sp>
-      <p:cxnSp>
-        <p:nvCxnSpPr>
-          <p:cNvPr id="26" name="직선 화살표 연결선 25">
-            <a:extLst>
-              <a:ext uri="{FF2B5EF4-FFF2-40B4-BE49-F238E27FC236}">
-                <a16:creationId xmlns:a16="http://schemas.microsoft.com/office/drawing/2014/main" id="{70120EEE-87AC-4B52-8E02-6D2B325E4187}"/>
-              </a:ext>
-            </a:extLst>
-          </p:cNvPr>
-          <p:cNvCxnSpPr>
-            <a:cxnSpLocks/>
-          </p:cNvCxnSpPr>
-          <p:nvPr/>
-        </p:nvCxnSpPr>
-        <p:spPr>
-          <a:xfrm>
-            <a:off x="3807051" y="1834706"/>
-            <a:ext cx="952887" cy="0"/>
-          </a:xfrm>
-          <a:prstGeom prst="straightConnector1">
-            <a:avLst/>
-          </a:prstGeom>
-          <a:ln>
-            <a:tailEnd type="triangle"/>
-          </a:ln>
-        </p:spPr>
-        <p:style>
-          <a:lnRef idx="1">
-            <a:schemeClr val="accent1"/>
-          </a:lnRef>
-          <a:fillRef idx="0">
-            <a:schemeClr val="accent1"/>
-          </a:fillRef>
-          <a:effectRef idx="0">
-            <a:schemeClr val="accent1"/>
-          </a:effectRef>
-          <a:fontRef idx="minor">
-            <a:schemeClr val="tx1"/>
-          </a:fontRef>
-        </p:style>
-      </p:cxnSp>
-      <p:sp>
-        <p:nvSpPr>
-          <p:cNvPr id="28" name="직사각형 27">
-            <a:extLst>
-              <a:ext uri="{FF2B5EF4-FFF2-40B4-BE49-F238E27FC236}">
-                <a16:creationId xmlns:a16="http://schemas.microsoft.com/office/drawing/2014/main" id="{3C4A9B0F-C669-46F8-BC7F-C75E07A4EBCD}"/>
-              </a:ext>
-            </a:extLst>
-          </p:cNvPr>
-          <p:cNvSpPr/>
-          <p:nvPr/>
-        </p:nvSpPr>
-        <p:spPr>
-          <a:xfrm>
-            <a:off x="4039680" y="5196797"/>
-            <a:ext cx="1511306" cy="812428"/>
-          </a:xfrm>
-          <a:prstGeom prst="rect">
-            <a:avLst/>
-          </a:prstGeom>
-          <a:solidFill>
-            <a:schemeClr val="bg1"/>
-          </a:solidFill>
-        </p:spPr>
-        <p:style>
-          <a:lnRef idx="2">
-            <a:schemeClr val="accent1">
-              <a:shade val="50000"/>
-            </a:schemeClr>
-          </a:lnRef>
-          <a:fillRef idx="1">
-            <a:schemeClr val="accent1"/>
-          </a:fillRef>
-          <a:effectRef idx="0">
-            <a:schemeClr val="accent1"/>
-          </a:effectRef>
-          <a:fontRef idx="minor">
-            <a:schemeClr val="lt1"/>
-          </a:fontRef>
-        </p:style>
-        <p:txBody>
-          <a:bodyPr rtlCol="0" anchor="ctr"/>
-          <a:lstStyle/>
-          <a:p>
-            <a:pPr algn="ctr"/>
-            <a:r>
-              <a:rPr lang="en-US" altLang="ko-KR" sz="1200" dirty="0">
-                <a:solidFill>
-                  <a:schemeClr val="tx1"/>
-                </a:solidFill>
-              </a:rPr>
-              <a:t>RDS(</a:t>
-            </a:r>
-            <a:r>
-              <a:rPr lang="en-US" altLang="ko-KR" sz="1200" dirty="0" err="1">
-                <a:solidFill>
-                  <a:schemeClr val="tx1"/>
-                </a:solidFill>
-              </a:rPr>
-              <a:t>Mysql</a:t>
-            </a:r>
-            <a:r>
-              <a:rPr lang="en-US" altLang="ko-KR" sz="1200" dirty="0">
-                <a:solidFill>
-                  <a:schemeClr val="tx1"/>
-                </a:solidFill>
-              </a:rPr>
-              <a:t>)</a:t>
-            </a:r>
-            <a:endParaRPr lang="ko-KR" altLang="en-US" sz="1200" dirty="0">
-              <a:solidFill>
-                <a:schemeClr val="tx1"/>
-              </a:solidFill>
-            </a:endParaRPr>
-          </a:p>
-        </p:txBody>
-      </p:sp>
-      <p:cxnSp>
-        <p:nvCxnSpPr>
-          <p:cNvPr id="29" name="직선 화살표 연결선 28">
-            <a:extLst>
-              <a:ext uri="{FF2B5EF4-FFF2-40B4-BE49-F238E27FC236}">
-                <a16:creationId xmlns:a16="http://schemas.microsoft.com/office/drawing/2014/main" id="{B138F823-6B52-4725-A067-340F083B8228}"/>
-              </a:ext>
-            </a:extLst>
-          </p:cNvPr>
-          <p:cNvCxnSpPr>
-            <a:cxnSpLocks/>
-          </p:cNvCxnSpPr>
-          <p:nvPr/>
-        </p:nvCxnSpPr>
-        <p:spPr>
-          <a:xfrm>
-            <a:off x="4473677" y="4406818"/>
-            <a:ext cx="0" cy="648929"/>
-          </a:xfrm>
-          <a:prstGeom prst="straightConnector1">
-            <a:avLst/>
-          </a:prstGeom>
-          <a:ln>
-            <a:tailEnd type="triangle"/>
-          </a:ln>
-        </p:spPr>
-        <p:style>
-          <a:lnRef idx="1">
-            <a:schemeClr val="accent1"/>
-          </a:lnRef>
-          <a:fillRef idx="0">
-            <a:schemeClr val="accent1"/>
-          </a:fillRef>
-          <a:effectRef idx="0">
-            <a:schemeClr val="accent1"/>
-          </a:effectRef>
-          <a:fontRef idx="minor">
-            <a:schemeClr val="tx1"/>
-          </a:fontRef>
-        </p:style>
-      </p:cxnSp>
-      <p:cxnSp>
-        <p:nvCxnSpPr>
-          <p:cNvPr id="31" name="직선 화살표 연결선 30">
-            <a:extLst>
-              <a:ext uri="{FF2B5EF4-FFF2-40B4-BE49-F238E27FC236}">
-                <a16:creationId xmlns:a16="http://schemas.microsoft.com/office/drawing/2014/main" id="{FCCC8B95-BFBF-4791-9BAB-5BB10E113FC2}"/>
-              </a:ext>
-            </a:extLst>
-          </p:cNvPr>
-          <p:cNvCxnSpPr>
-            <a:cxnSpLocks/>
-          </p:cNvCxnSpPr>
-          <p:nvPr/>
-        </p:nvCxnSpPr>
-        <p:spPr>
-          <a:xfrm flipV="1">
-            <a:off x="5293688" y="4406818"/>
-            <a:ext cx="0" cy="648929"/>
-          </a:xfrm>
-          <a:prstGeom prst="straightConnector1">
-            <a:avLst/>
-          </a:prstGeom>
-          <a:ln>
-            <a:tailEnd type="triangle"/>
-          </a:ln>
-        </p:spPr>
-        <p:style>
-          <a:lnRef idx="1">
-            <a:schemeClr val="accent1"/>
-          </a:lnRef>
-          <a:fillRef idx="0">
-            <a:schemeClr val="accent1"/>
-          </a:fillRef>
-          <a:effectRef idx="0">
-            <a:schemeClr val="accent1"/>
-          </a:effectRef>
-          <a:fontRef idx="minor">
-            <a:schemeClr val="tx1"/>
-          </a:fontRef>
-        </p:style>
-      </p:cxnSp>
-      <p:sp>
-        <p:nvSpPr>
-          <p:cNvPr id="33" name="TextBox 32">
-            <a:extLst>
-              <a:ext uri="{FF2B5EF4-FFF2-40B4-BE49-F238E27FC236}">
-                <a16:creationId xmlns:a16="http://schemas.microsoft.com/office/drawing/2014/main" id="{D550D3A4-7E85-4793-87DF-7F69DE4C5364}"/>
-              </a:ext>
-            </a:extLst>
-          </p:cNvPr>
-          <p:cNvSpPr txBox="1"/>
-          <p:nvPr/>
-        </p:nvSpPr>
-        <p:spPr>
-          <a:xfrm>
-            <a:off x="4039680" y="4633804"/>
-            <a:ext cx="508415" cy="215444"/>
-          </a:xfrm>
-          <a:prstGeom prst="rect">
-            <a:avLst/>
-          </a:prstGeom>
-          <a:noFill/>
-        </p:spPr>
-        <p:txBody>
-          <a:bodyPr wrap="square" rtlCol="0">
-            <a:spAutoFit/>
-          </a:bodyPr>
-          <a:lstStyle/>
-          <a:p>
-            <a:r>
-              <a:rPr lang="en-US" altLang="ko-KR" sz="800" dirty="0"/>
-              <a:t>CRUD</a:t>
-            </a:r>
-            <a:endParaRPr lang="ko-KR" altLang="en-US" sz="800" dirty="0"/>
-          </a:p>
-        </p:txBody>
-      </p:sp>
-      <p:sp>
-        <p:nvSpPr>
-          <p:cNvPr id="34" name="TextBox 33">
-            <a:extLst>
-              <a:ext uri="{FF2B5EF4-FFF2-40B4-BE49-F238E27FC236}">
-                <a16:creationId xmlns:a16="http://schemas.microsoft.com/office/drawing/2014/main" id="{6EFB030E-21BE-451F-A3AB-E90418ABBE40}"/>
-              </a:ext>
-            </a:extLst>
-          </p:cNvPr>
-          <p:cNvSpPr txBox="1"/>
-          <p:nvPr/>
-        </p:nvSpPr>
-        <p:spPr>
-          <a:xfrm>
-            <a:off x="5289219" y="4647663"/>
-            <a:ext cx="747786" cy="215444"/>
-          </a:xfrm>
-          <a:prstGeom prst="rect">
-            <a:avLst/>
-          </a:prstGeom>
-          <a:noFill/>
-        </p:spPr>
-        <p:txBody>
-          <a:bodyPr wrap="square" rtlCol="0">
-            <a:spAutoFit/>
-          </a:bodyPr>
-          <a:lstStyle/>
-          <a:p>
-            <a:r>
-              <a:rPr lang="ko-KR" altLang="en-US" sz="800"/>
-              <a:t>데이터 제공</a:t>
-            </a:r>
-            <a:endParaRPr lang="ko-KR" altLang="en-US" sz="800" dirty="0"/>
-          </a:p>
-        </p:txBody>
-      </p:sp>
-      <p:cxnSp>
-        <p:nvCxnSpPr>
-          <p:cNvPr id="35" name="직선 화살표 연결선 34">
-            <a:extLst>
-              <a:ext uri="{FF2B5EF4-FFF2-40B4-BE49-F238E27FC236}">
-                <a16:creationId xmlns:a16="http://schemas.microsoft.com/office/drawing/2014/main" id="{E2BCB56A-25FF-4DC0-98A5-D980E3E6B619}"/>
-              </a:ext>
-            </a:extLst>
-          </p:cNvPr>
-          <p:cNvCxnSpPr>
-            <a:cxnSpLocks/>
-          </p:cNvCxnSpPr>
-          <p:nvPr/>
-        </p:nvCxnSpPr>
-        <p:spPr>
-          <a:xfrm flipH="1">
-            <a:off x="3807051" y="2318453"/>
-            <a:ext cx="952887" cy="0"/>
-          </a:xfrm>
-          <a:prstGeom prst="straightConnector1">
-            <a:avLst/>
-          </a:prstGeom>
-          <a:ln>
-            <a:tailEnd type="triangle"/>
-          </a:ln>
-        </p:spPr>
-        <p:style>
-          <a:lnRef idx="1">
-            <a:schemeClr val="accent1"/>
-          </a:lnRef>
-          <a:fillRef idx="0">
-            <a:schemeClr val="accent1"/>
-          </a:fillRef>
-          <a:effectRef idx="0">
-            <a:schemeClr val="accent1"/>
-          </a:effectRef>
-          <a:fontRef idx="minor">
-            <a:schemeClr val="tx1"/>
-          </a:fontRef>
-        </p:style>
-      </p:cxnSp>
-      <p:sp>
-        <p:nvSpPr>
-          <p:cNvPr id="37" name="TextBox 36">
-            <a:extLst>
-              <a:ext uri="{FF2B5EF4-FFF2-40B4-BE49-F238E27FC236}">
-                <a16:creationId xmlns:a16="http://schemas.microsoft.com/office/drawing/2014/main" id="{98E68A65-84CA-4A76-A433-D4E9923DF8CF}"/>
-              </a:ext>
-            </a:extLst>
-          </p:cNvPr>
-          <p:cNvSpPr txBox="1"/>
-          <p:nvPr/>
-        </p:nvSpPr>
-        <p:spPr>
-          <a:xfrm>
-            <a:off x="3936123" y="1634606"/>
-            <a:ext cx="711268" cy="215444"/>
-          </a:xfrm>
-          <a:prstGeom prst="rect">
-            <a:avLst/>
-          </a:prstGeom>
-          <a:noFill/>
-        </p:spPr>
-        <p:txBody>
-          <a:bodyPr wrap="square" rtlCol="0">
-            <a:spAutoFit/>
-          </a:bodyPr>
-          <a:lstStyle/>
-          <a:p>
-            <a:r>
-              <a:rPr lang="ko-KR" altLang="en-US" sz="800" dirty="0"/>
-              <a:t>파일 요청</a:t>
-            </a:r>
-          </a:p>
-        </p:txBody>
-      </p:sp>
-      <p:sp>
-        <p:nvSpPr>
-          <p:cNvPr id="38" name="TextBox 37">
-            <a:extLst>
-              <a:ext uri="{FF2B5EF4-FFF2-40B4-BE49-F238E27FC236}">
-                <a16:creationId xmlns:a16="http://schemas.microsoft.com/office/drawing/2014/main" id="{EB3215CE-062B-431D-A14B-396D6A0FFAEF}"/>
-              </a:ext>
-            </a:extLst>
-          </p:cNvPr>
-          <p:cNvSpPr txBox="1"/>
-          <p:nvPr/>
-        </p:nvSpPr>
-        <p:spPr>
-          <a:xfrm>
-            <a:off x="3966615" y="2101701"/>
-            <a:ext cx="711268" cy="215444"/>
-          </a:xfrm>
-          <a:prstGeom prst="rect">
-            <a:avLst/>
-          </a:prstGeom>
-          <a:noFill/>
-        </p:spPr>
-        <p:txBody>
-          <a:bodyPr wrap="square" rtlCol="0">
-            <a:spAutoFit/>
-          </a:bodyPr>
-          <a:lstStyle/>
-          <a:p>
-            <a:r>
-              <a:rPr lang="ko-KR" altLang="en-US" sz="800" dirty="0"/>
-              <a:t>파일 제공</a:t>
-            </a:r>
-          </a:p>
-        </p:txBody>
-      </p:sp>
-      <p:cxnSp>
-        <p:nvCxnSpPr>
-          <p:cNvPr id="41" name="직선 화살표 연결선 40">
-            <a:extLst>
-              <a:ext uri="{FF2B5EF4-FFF2-40B4-BE49-F238E27FC236}">
-                <a16:creationId xmlns:a16="http://schemas.microsoft.com/office/drawing/2014/main" id="{80C5A208-BBF2-4079-B615-8CDA55FF9DD6}"/>
-              </a:ext>
-            </a:extLst>
-          </p:cNvPr>
-          <p:cNvCxnSpPr>
-            <a:cxnSpLocks/>
-          </p:cNvCxnSpPr>
-          <p:nvPr/>
-        </p:nvCxnSpPr>
-        <p:spPr>
-          <a:xfrm flipV="1">
-            <a:off x="1059536" y="2317145"/>
-            <a:ext cx="896702" cy="943180"/>
-          </a:xfrm>
-          <a:prstGeom prst="straightConnector1">
-            <a:avLst/>
-          </a:prstGeom>
-          <a:ln>
-            <a:tailEnd type="triangle"/>
-          </a:ln>
-        </p:spPr>
-        <p:style>
-          <a:lnRef idx="1">
-            <a:schemeClr val="accent1"/>
-          </a:lnRef>
-          <a:fillRef idx="0">
-            <a:schemeClr val="accent1"/>
-          </a:fillRef>
-          <a:effectRef idx="0">
-            <a:schemeClr val="accent1"/>
-          </a:effectRef>
-          <a:fontRef idx="minor">
-            <a:schemeClr val="tx1"/>
-          </a:fontRef>
-        </p:style>
-      </p:cxnSp>
-      <p:cxnSp>
-        <p:nvCxnSpPr>
-          <p:cNvPr id="43" name="직선 화살표 연결선 42">
-            <a:extLst>
-              <a:ext uri="{FF2B5EF4-FFF2-40B4-BE49-F238E27FC236}">
-                <a16:creationId xmlns:a16="http://schemas.microsoft.com/office/drawing/2014/main" id="{70567B36-AA95-4094-99CC-538597F7E02A}"/>
-              </a:ext>
-            </a:extLst>
-          </p:cNvPr>
-          <p:cNvCxnSpPr>
-            <a:cxnSpLocks/>
-          </p:cNvCxnSpPr>
-          <p:nvPr/>
-        </p:nvCxnSpPr>
-        <p:spPr>
-          <a:xfrm flipH="1">
-            <a:off x="1655371" y="2554420"/>
-            <a:ext cx="686060" cy="705905"/>
-          </a:xfrm>
-          <a:prstGeom prst="straightConnector1">
-            <a:avLst/>
-          </a:prstGeom>
-          <a:ln>
-            <a:tailEnd type="triangle"/>
-          </a:ln>
-        </p:spPr>
-        <p:style>
-          <a:lnRef idx="1">
-            <a:schemeClr val="accent1"/>
-          </a:lnRef>
-          <a:fillRef idx="0">
-            <a:schemeClr val="accent1"/>
-          </a:fillRef>
-          <a:effectRef idx="0">
-            <a:schemeClr val="accent1"/>
-          </a:effectRef>
-          <a:fontRef idx="minor">
-            <a:schemeClr val="tx1"/>
-          </a:fontRef>
-        </p:style>
-      </p:cxnSp>
-      <p:sp>
-        <p:nvSpPr>
-          <p:cNvPr id="45" name="TextBox 44">
-            <a:extLst>
-              <a:ext uri="{FF2B5EF4-FFF2-40B4-BE49-F238E27FC236}">
-                <a16:creationId xmlns:a16="http://schemas.microsoft.com/office/drawing/2014/main" id="{6F90489A-D6E7-461E-B574-A83A083621A3}"/>
-              </a:ext>
-            </a:extLst>
-          </p:cNvPr>
-          <p:cNvSpPr txBox="1"/>
-          <p:nvPr/>
-        </p:nvSpPr>
-        <p:spPr>
-          <a:xfrm>
-            <a:off x="914544" y="2554420"/>
-            <a:ext cx="711268" cy="215444"/>
-          </a:xfrm>
-          <a:prstGeom prst="rect">
-            <a:avLst/>
-          </a:prstGeom>
-          <a:noFill/>
-        </p:spPr>
-        <p:txBody>
-          <a:bodyPr wrap="square" rtlCol="0">
-            <a:spAutoFit/>
-          </a:bodyPr>
-          <a:lstStyle/>
-          <a:p>
-            <a:r>
-              <a:rPr lang="ko-KR" altLang="en-US" sz="800" dirty="0"/>
-              <a:t>파일 요청</a:t>
-            </a:r>
-          </a:p>
-        </p:txBody>
-      </p:sp>
-      <p:sp>
-        <p:nvSpPr>
-          <p:cNvPr id="46" name="TextBox 45">
-            <a:extLst>
-              <a:ext uri="{FF2B5EF4-FFF2-40B4-BE49-F238E27FC236}">
-                <a16:creationId xmlns:a16="http://schemas.microsoft.com/office/drawing/2014/main" id="{F21A21E6-32E2-4FFC-B987-440175EB5A72}"/>
-              </a:ext>
-            </a:extLst>
-          </p:cNvPr>
-          <p:cNvSpPr txBox="1"/>
-          <p:nvPr/>
-        </p:nvSpPr>
-        <p:spPr>
-          <a:xfrm>
-            <a:off x="2196439" y="2730508"/>
-            <a:ext cx="1739684" cy="461665"/>
-          </a:xfrm>
-          <a:prstGeom prst="rect">
-            <a:avLst/>
-          </a:prstGeom>
-          <a:noFill/>
-        </p:spPr>
-        <p:txBody>
-          <a:bodyPr wrap="square" rtlCol="0">
-            <a:spAutoFit/>
-          </a:bodyPr>
-          <a:lstStyle/>
-          <a:p>
-            <a:r>
-              <a:rPr lang="en-US" altLang="ko-KR" sz="800" dirty="0"/>
-              <a:t>1) </a:t>
-            </a:r>
-            <a:r>
-              <a:rPr lang="ko-KR" altLang="en-US" sz="800" dirty="0" err="1"/>
-              <a:t>캐싱</a:t>
-            </a:r>
-            <a:r>
-              <a:rPr lang="ko-KR" altLang="en-US" sz="800" dirty="0"/>
-              <a:t> 된 파일 제공</a:t>
+              <a:t>원</a:t>
             </a:r>
             <a:endParaRPr lang="en-US" altLang="ko-KR" sz="800" dirty="0"/>
-          </a:p>
-          <a:p>
-            <a:r>
-              <a:rPr lang="en-US" altLang="ko-KR" sz="800" dirty="0"/>
-              <a:t>2) </a:t>
-            </a:r>
-            <a:r>
-              <a:rPr lang="ko-KR" altLang="en-US" sz="800" dirty="0" err="1"/>
-              <a:t>캐싱</a:t>
-            </a:r>
-            <a:r>
-              <a:rPr lang="ko-KR" altLang="en-US" sz="800" dirty="0"/>
-              <a:t> 되어있는 파일이 없을 경우 </a:t>
-            </a:r>
-            <a:r>
-              <a:rPr lang="en-US" altLang="ko-KR" sz="800" dirty="0"/>
-              <a:t>s3</a:t>
-            </a:r>
-            <a:r>
-              <a:rPr lang="ko-KR" altLang="en-US" sz="800" dirty="0"/>
-              <a:t>에 요청 후 제공</a:t>
-            </a:r>
-          </a:p>
-        </p:txBody>
-      </p:sp>
-      <p:sp>
-        <p:nvSpPr>
-          <p:cNvPr id="47" name="TextBox 46">
-            <a:extLst>
-              <a:ext uri="{FF2B5EF4-FFF2-40B4-BE49-F238E27FC236}">
-                <a16:creationId xmlns:a16="http://schemas.microsoft.com/office/drawing/2014/main" id="{16FB38C0-C2CB-4BC9-8576-35967547CAD4}"/>
-              </a:ext>
-            </a:extLst>
-          </p:cNvPr>
-          <p:cNvSpPr txBox="1"/>
-          <p:nvPr/>
-        </p:nvSpPr>
-        <p:spPr>
-          <a:xfrm>
-            <a:off x="801779" y="650809"/>
-            <a:ext cx="1865996" cy="369332"/>
-          </a:xfrm>
-          <a:prstGeom prst="rect">
-            <a:avLst/>
-          </a:prstGeom>
-          <a:noFill/>
-        </p:spPr>
-        <p:txBody>
-          <a:bodyPr wrap="square" rtlCol="0">
-            <a:spAutoFit/>
-          </a:bodyPr>
-          <a:lstStyle/>
-          <a:p>
-            <a:r>
-              <a:rPr lang="ko-KR" altLang="en-US" b="1"/>
-              <a:t>서버 구조도</a:t>
-            </a:r>
-            <a:endParaRPr lang="en-US" altLang="ko-KR" b="1" dirty="0"/>
-          </a:p>
-        </p:txBody>
-      </p:sp>
-      <p:sp>
-        <p:nvSpPr>
-          <p:cNvPr id="48" name="object 6">
-            <a:extLst>
-              <a:ext uri="{FF2B5EF4-FFF2-40B4-BE49-F238E27FC236}">
-                <a16:creationId xmlns:a16="http://schemas.microsoft.com/office/drawing/2014/main" id="{5AB057B5-6CA2-42D4-9A59-9492C1D3C1D6}"/>
-              </a:ext>
-            </a:extLst>
-          </p:cNvPr>
-          <p:cNvSpPr/>
-          <p:nvPr/>
-        </p:nvSpPr>
-        <p:spPr>
-          <a:xfrm>
-            <a:off x="668581" y="775110"/>
-            <a:ext cx="127155" cy="121059"/>
-          </a:xfrm>
-          <a:prstGeom prst="rect">
-            <a:avLst/>
-          </a:prstGeom>
-          <a:blipFill>
-            <a:blip r:embed="rId2" cstate="print"/>
-            <a:stretch>
-              <a:fillRect/>
-            </a:stretch>
-          </a:blipFill>
-        </p:spPr>
-        <p:txBody>
-          <a:bodyPr wrap="square" lIns="0" tIns="0" rIns="0" bIns="0" rtlCol="0"/>
-          <a:lstStyle/>
-          <a:p>
-            <a:endParaRPr/>
-          </a:p>
-        </p:txBody>
-      </p:sp>
-      <p:cxnSp>
-        <p:nvCxnSpPr>
-          <p:cNvPr id="57" name="직선 화살표 연결선 56">
-            <a:extLst>
-              <a:ext uri="{FF2B5EF4-FFF2-40B4-BE49-F238E27FC236}">
-                <a16:creationId xmlns:a16="http://schemas.microsoft.com/office/drawing/2014/main" id="{50739CBA-50AD-4D28-96D8-6020FC9EB336}"/>
-              </a:ext>
-            </a:extLst>
-          </p:cNvPr>
-          <p:cNvCxnSpPr>
-            <a:cxnSpLocks/>
-          </p:cNvCxnSpPr>
-          <p:nvPr/>
-        </p:nvCxnSpPr>
-        <p:spPr>
-          <a:xfrm flipH="1">
-            <a:off x="2407922" y="4163115"/>
-            <a:ext cx="1313192" cy="0"/>
-          </a:xfrm>
-          <a:prstGeom prst="straightConnector1">
-            <a:avLst/>
-          </a:prstGeom>
-          <a:ln>
-            <a:tailEnd type="triangle"/>
-          </a:ln>
-        </p:spPr>
-        <p:style>
-          <a:lnRef idx="1">
-            <a:schemeClr val="accent1"/>
-          </a:lnRef>
-          <a:fillRef idx="0">
-            <a:schemeClr val="accent1"/>
-          </a:fillRef>
-          <a:effectRef idx="0">
-            <a:schemeClr val="accent1"/>
-          </a:effectRef>
-          <a:fontRef idx="minor">
-            <a:schemeClr val="tx1"/>
-          </a:fontRef>
-        </p:style>
-      </p:cxnSp>
-      <p:sp>
-        <p:nvSpPr>
-          <p:cNvPr id="58" name="TextBox 57">
-            <a:extLst>
-              <a:ext uri="{FF2B5EF4-FFF2-40B4-BE49-F238E27FC236}">
-                <a16:creationId xmlns:a16="http://schemas.microsoft.com/office/drawing/2014/main" id="{7DCDC8C5-A605-45D2-9819-EA7A112DB985}"/>
-              </a:ext>
-            </a:extLst>
-          </p:cNvPr>
-          <p:cNvSpPr txBox="1"/>
-          <p:nvPr/>
-        </p:nvSpPr>
-        <p:spPr>
-          <a:xfrm>
-            <a:off x="2667775" y="3978481"/>
-            <a:ext cx="1065140" cy="215444"/>
-          </a:xfrm>
-          <a:prstGeom prst="rect">
-            <a:avLst/>
-          </a:prstGeom>
-          <a:noFill/>
-        </p:spPr>
-        <p:txBody>
-          <a:bodyPr wrap="square" rtlCol="0">
-            <a:spAutoFit/>
-          </a:bodyPr>
-          <a:lstStyle/>
-          <a:p>
-            <a:r>
-              <a:rPr lang="en-US" altLang="ko-KR" sz="800" dirty="0"/>
-              <a:t>Response </a:t>
-            </a:r>
-            <a:r>
-              <a:rPr lang="en-US" altLang="ko-KR" sz="800" dirty="0" err="1"/>
-              <a:t>dto</a:t>
-            </a:r>
-            <a:endParaRPr lang="ko-KR" altLang="en-US" sz="800" dirty="0"/>
           </a:p>
         </p:txBody>
       </p:sp>
     </p:spTree>
     <p:extLst>
       <p:ext uri="{BB962C8B-B14F-4D97-AF65-F5344CB8AC3E}">
-        <p14:creationId xmlns:p14="http://schemas.microsoft.com/office/powerpoint/2010/main" val="2014103297"/>
+        <p14:creationId xmlns:p14="http://schemas.microsoft.com/office/powerpoint/2010/main" val="4141483442"/>
       </p:ext>
     </p:extLst>
   </p:cSld>
@@ -10556,6 +11912,1096 @@
           <a:chExt cx="0" cy="0"/>
         </a:xfrm>
       </p:grpSpPr>
+      <p:pic>
+        <p:nvPicPr>
+          <p:cNvPr id="40" name="그림 39">
+            <a:extLst>
+              <a:ext uri="{FF2B5EF4-FFF2-40B4-BE49-F238E27FC236}">
+                <a16:creationId xmlns:a16="http://schemas.microsoft.com/office/drawing/2014/main" id="{5880CFB2-BA58-46B2-8B55-D798D3DD06F2}"/>
+              </a:ext>
+            </a:extLst>
+          </p:cNvPr>
+          <p:cNvPicPr>
+            <a:picLocks noChangeAspect="1"/>
+          </p:cNvPicPr>
+          <p:nvPr/>
+        </p:nvPicPr>
+        <p:blipFill>
+          <a:blip r:embed="rId2">
+            <a:extLst>
+              <a:ext uri="{28A0092B-C50C-407E-A947-70E740481C1C}">
+                <a14:useLocalDpi xmlns:a14="http://schemas.microsoft.com/office/drawing/2010/main" val="0"/>
+              </a:ext>
+            </a:extLst>
+          </a:blip>
+          <a:stretch>
+            <a:fillRect/>
+          </a:stretch>
+        </p:blipFill>
+        <p:spPr>
+          <a:xfrm>
+            <a:off x="360118" y="3090038"/>
+            <a:ext cx="1682750" cy="1527588"/>
+          </a:xfrm>
+          <a:prstGeom prst="rect">
+            <a:avLst/>
+          </a:prstGeom>
+        </p:spPr>
+      </p:pic>
+      <p:pic>
+        <p:nvPicPr>
+          <p:cNvPr id="13" name="그림 12">
+            <a:extLst>
+              <a:ext uri="{FF2B5EF4-FFF2-40B4-BE49-F238E27FC236}">
+                <a16:creationId xmlns:a16="http://schemas.microsoft.com/office/drawing/2014/main" id="{62FD272B-72CA-452D-86F3-84BE21C5844D}"/>
+              </a:ext>
+            </a:extLst>
+          </p:cNvPr>
+          <p:cNvPicPr>
+            <a:picLocks noChangeAspect="1"/>
+          </p:cNvPicPr>
+          <p:nvPr/>
+        </p:nvPicPr>
+        <p:blipFill>
+          <a:blip r:embed="rId3">
+            <a:extLst>
+              <a:ext uri="{28A0092B-C50C-407E-A947-70E740481C1C}">
+                <a14:useLocalDpi xmlns:a14="http://schemas.microsoft.com/office/drawing/2010/main" val="0"/>
+              </a:ext>
+            </a:extLst>
+          </a:blip>
+          <a:stretch>
+            <a:fillRect/>
+          </a:stretch>
+        </p:blipFill>
+        <p:spPr>
+          <a:xfrm>
+            <a:off x="2115802" y="1190760"/>
+            <a:ext cx="1423934" cy="1230556"/>
+          </a:xfrm>
+          <a:prstGeom prst="rect">
+            <a:avLst/>
+          </a:prstGeom>
+        </p:spPr>
+      </p:pic>
+      <p:pic>
+        <p:nvPicPr>
+          <p:cNvPr id="11" name="그림 10">
+            <a:extLst>
+              <a:ext uri="{FF2B5EF4-FFF2-40B4-BE49-F238E27FC236}">
+                <a16:creationId xmlns:a16="http://schemas.microsoft.com/office/drawing/2014/main" id="{25ADA086-C50C-4D13-9469-3C32C3C969B6}"/>
+              </a:ext>
+            </a:extLst>
+          </p:cNvPr>
+          <p:cNvPicPr>
+            <a:picLocks noChangeAspect="1"/>
+          </p:cNvPicPr>
+          <p:nvPr/>
+        </p:nvPicPr>
+        <p:blipFill>
+          <a:blip r:embed="rId4">
+            <a:extLst>
+              <a:ext uri="{28A0092B-C50C-407E-A947-70E740481C1C}">
+                <a14:useLocalDpi xmlns:a14="http://schemas.microsoft.com/office/drawing/2010/main" val="0"/>
+              </a:ext>
+            </a:extLst>
+          </a:blip>
+          <a:stretch>
+            <a:fillRect/>
+          </a:stretch>
+        </p:blipFill>
+        <p:spPr>
+          <a:xfrm>
+            <a:off x="4104009" y="5489367"/>
+            <a:ext cx="1075624" cy="984882"/>
+          </a:xfrm>
+          <a:prstGeom prst="rect">
+            <a:avLst/>
+          </a:prstGeom>
+        </p:spPr>
+      </p:pic>
+      <p:pic>
+        <p:nvPicPr>
+          <p:cNvPr id="8" name="그림 7">
+            <a:extLst>
+              <a:ext uri="{FF2B5EF4-FFF2-40B4-BE49-F238E27FC236}">
+                <a16:creationId xmlns:a16="http://schemas.microsoft.com/office/drawing/2014/main" id="{1CEE4584-9F76-44D4-B294-7F04B135A942}"/>
+              </a:ext>
+            </a:extLst>
+          </p:cNvPr>
+          <p:cNvPicPr>
+            <a:picLocks noChangeAspect="1"/>
+          </p:cNvPicPr>
+          <p:nvPr/>
+        </p:nvPicPr>
+        <p:blipFill>
+          <a:blip r:embed="rId5">
+            <a:extLst>
+              <a:ext uri="{28A0092B-C50C-407E-A947-70E740481C1C}">
+                <a14:useLocalDpi xmlns:a14="http://schemas.microsoft.com/office/drawing/2010/main" val="0"/>
+              </a:ext>
+            </a:extLst>
+          </a:blip>
+          <a:stretch>
+            <a:fillRect/>
+          </a:stretch>
+        </p:blipFill>
+        <p:spPr>
+          <a:xfrm>
+            <a:off x="3961677" y="3195365"/>
+            <a:ext cx="1360287" cy="1454316"/>
+          </a:xfrm>
+          <a:prstGeom prst="rect">
+            <a:avLst/>
+          </a:prstGeom>
+        </p:spPr>
+      </p:pic>
+      <p:pic>
+        <p:nvPicPr>
+          <p:cNvPr id="4" name="그림 3" descr="텍스트, 클립아트이(가) 표시된 사진&#10;&#10;자동 생성된 설명">
+            <a:extLst>
+              <a:ext uri="{FF2B5EF4-FFF2-40B4-BE49-F238E27FC236}">
+                <a16:creationId xmlns:a16="http://schemas.microsoft.com/office/drawing/2014/main" id="{CACCBE85-BEB1-4557-9F28-6BB685E86CD6}"/>
+              </a:ext>
+            </a:extLst>
+          </p:cNvPr>
+          <p:cNvPicPr>
+            <a:picLocks noChangeAspect="1"/>
+          </p:cNvPicPr>
+          <p:nvPr/>
+        </p:nvPicPr>
+        <p:blipFill>
+          <a:blip r:embed="rId6">
+            <a:extLst>
+              <a:ext uri="{28A0092B-C50C-407E-A947-70E740481C1C}">
+                <a14:useLocalDpi xmlns:a14="http://schemas.microsoft.com/office/drawing/2010/main" val="0"/>
+              </a:ext>
+            </a:extLst>
+          </a:blip>
+          <a:stretch>
+            <a:fillRect/>
+          </a:stretch>
+        </p:blipFill>
+        <p:spPr>
+          <a:xfrm>
+            <a:off x="4254479" y="1310700"/>
+            <a:ext cx="2069479" cy="1066742"/>
+          </a:xfrm>
+          <a:prstGeom prst="rect">
+            <a:avLst/>
+          </a:prstGeom>
+        </p:spPr>
+      </p:pic>
+      <p:cxnSp>
+        <p:nvCxnSpPr>
+          <p:cNvPr id="7" name="직선 화살표 연결선 6">
+            <a:extLst>
+              <a:ext uri="{FF2B5EF4-FFF2-40B4-BE49-F238E27FC236}">
+                <a16:creationId xmlns:a16="http://schemas.microsoft.com/office/drawing/2014/main" id="{E13BC349-6ED3-426E-A8FD-8294867C9EA7}"/>
+              </a:ext>
+            </a:extLst>
+          </p:cNvPr>
+          <p:cNvCxnSpPr>
+            <a:cxnSpLocks/>
+          </p:cNvCxnSpPr>
+          <p:nvPr/>
+        </p:nvCxnSpPr>
+        <p:spPr>
+          <a:xfrm>
+            <a:off x="1898055" y="3699269"/>
+            <a:ext cx="2159212" cy="25274"/>
+          </a:xfrm>
+          <a:prstGeom prst="straightConnector1">
+            <a:avLst/>
+          </a:prstGeom>
+          <a:ln>
+            <a:tailEnd type="triangle"/>
+          </a:ln>
+        </p:spPr>
+        <p:style>
+          <a:lnRef idx="1">
+            <a:schemeClr val="accent1"/>
+          </a:lnRef>
+          <a:fillRef idx="0">
+            <a:schemeClr val="accent1"/>
+          </a:fillRef>
+          <a:effectRef idx="0">
+            <a:schemeClr val="accent1"/>
+          </a:effectRef>
+          <a:fontRef idx="minor">
+            <a:schemeClr val="tx1"/>
+          </a:fontRef>
+        </p:style>
+      </p:cxnSp>
+      <p:sp>
+        <p:nvSpPr>
+          <p:cNvPr id="10" name="TextBox 9">
+            <a:extLst>
+              <a:ext uri="{FF2B5EF4-FFF2-40B4-BE49-F238E27FC236}">
+                <a16:creationId xmlns:a16="http://schemas.microsoft.com/office/drawing/2014/main" id="{AFC0CEE3-2FF4-4C53-96C9-38740B73DA1B}"/>
+              </a:ext>
+            </a:extLst>
+          </p:cNvPr>
+          <p:cNvSpPr txBox="1"/>
+          <p:nvPr/>
+        </p:nvSpPr>
+        <p:spPr>
+          <a:xfrm>
+            <a:off x="1580387" y="3492026"/>
+            <a:ext cx="2705539" cy="215444"/>
+          </a:xfrm>
+          <a:prstGeom prst="rect">
+            <a:avLst/>
+          </a:prstGeom>
+          <a:noFill/>
+        </p:spPr>
+        <p:txBody>
+          <a:bodyPr wrap="square" rtlCol="0">
+            <a:spAutoFit/>
+          </a:bodyPr>
+          <a:lstStyle/>
+          <a:p>
+            <a:pPr algn="ctr"/>
+            <a:r>
+              <a:rPr lang="en-US" altLang="ko-KR" sz="800" dirty="0"/>
+              <a:t>Request (</a:t>
+            </a:r>
+            <a:r>
+              <a:rPr lang="ko-KR" altLang="en-US" sz="800" dirty="0"/>
+              <a:t>예시 </a:t>
+            </a:r>
+            <a:r>
+              <a:rPr lang="en-US" altLang="ko-KR" sz="800" dirty="0"/>
+              <a:t>: </a:t>
+            </a:r>
+            <a:r>
+              <a:rPr lang="ko-KR" altLang="en-US" sz="800" dirty="0"/>
+              <a:t>회원가입</a:t>
+            </a:r>
+            <a:r>
+              <a:rPr lang="en-US" altLang="ko-KR" sz="800" dirty="0"/>
+              <a:t>, </a:t>
+            </a:r>
+            <a:r>
+              <a:rPr lang="ko-KR" altLang="en-US" sz="800" dirty="0"/>
+              <a:t>회원 정보 조회</a:t>
+            </a:r>
+            <a:r>
+              <a:rPr lang="en-US" altLang="ko-KR" sz="800" dirty="0"/>
+              <a:t>)</a:t>
+            </a:r>
+            <a:endParaRPr lang="ko-KR" altLang="en-US" sz="800" dirty="0"/>
+          </a:p>
+        </p:txBody>
+      </p:sp>
+      <p:cxnSp>
+        <p:nvCxnSpPr>
+          <p:cNvPr id="15" name="직선 화살표 연결선 14">
+            <a:extLst>
+              <a:ext uri="{FF2B5EF4-FFF2-40B4-BE49-F238E27FC236}">
+                <a16:creationId xmlns:a16="http://schemas.microsoft.com/office/drawing/2014/main" id="{CAB6D20D-C1BF-43B1-BEB8-F315878472F4}"/>
+              </a:ext>
+            </a:extLst>
+          </p:cNvPr>
+          <p:cNvCxnSpPr>
+            <a:cxnSpLocks/>
+          </p:cNvCxnSpPr>
+          <p:nvPr/>
+        </p:nvCxnSpPr>
+        <p:spPr>
+          <a:xfrm flipV="1">
+            <a:off x="4677883" y="2324090"/>
+            <a:ext cx="454556" cy="891569"/>
+          </a:xfrm>
+          <a:prstGeom prst="straightConnector1">
+            <a:avLst/>
+          </a:prstGeom>
+          <a:ln>
+            <a:tailEnd type="triangle"/>
+          </a:ln>
+        </p:spPr>
+        <p:style>
+          <a:lnRef idx="1">
+            <a:schemeClr val="accent1"/>
+          </a:lnRef>
+          <a:fillRef idx="0">
+            <a:schemeClr val="accent1"/>
+          </a:fillRef>
+          <a:effectRef idx="0">
+            <a:schemeClr val="accent1"/>
+          </a:effectRef>
+          <a:fontRef idx="minor">
+            <a:schemeClr val="tx1"/>
+          </a:fontRef>
+        </p:style>
+      </p:cxnSp>
+      <p:sp>
+        <p:nvSpPr>
+          <p:cNvPr id="19" name="TextBox 18">
+            <a:extLst>
+              <a:ext uri="{FF2B5EF4-FFF2-40B4-BE49-F238E27FC236}">
+                <a16:creationId xmlns:a16="http://schemas.microsoft.com/office/drawing/2014/main" id="{64ADA31A-051D-4242-AB16-727D5A00FE40}"/>
+              </a:ext>
+            </a:extLst>
+          </p:cNvPr>
+          <p:cNvSpPr txBox="1"/>
+          <p:nvPr/>
+        </p:nvSpPr>
+        <p:spPr>
+          <a:xfrm>
+            <a:off x="4950454" y="2744793"/>
+            <a:ext cx="1511306" cy="338554"/>
+          </a:xfrm>
+          <a:prstGeom prst="rect">
+            <a:avLst/>
+          </a:prstGeom>
+          <a:noFill/>
+        </p:spPr>
+        <p:txBody>
+          <a:bodyPr wrap="square" rtlCol="0">
+            <a:spAutoFit/>
+          </a:bodyPr>
+          <a:lstStyle/>
+          <a:p>
+            <a:r>
+              <a:rPr lang="en-US" altLang="ko-KR" sz="800" dirty="0"/>
+              <a:t>Client</a:t>
+            </a:r>
+            <a:r>
+              <a:rPr lang="ko-KR" altLang="en-US" sz="800" dirty="0"/>
+              <a:t>로부터 받은 파일 저장</a:t>
+            </a:r>
+            <a:r>
+              <a:rPr lang="en-US" altLang="ko-KR" sz="800" dirty="0"/>
+              <a:t>(</a:t>
+            </a:r>
+            <a:r>
+              <a:rPr lang="ko-KR" altLang="en-US" sz="800" dirty="0"/>
+              <a:t>예시 </a:t>
+            </a:r>
+            <a:r>
+              <a:rPr lang="en-US" altLang="ko-KR" sz="800" dirty="0"/>
+              <a:t>: </a:t>
+            </a:r>
+            <a:r>
+              <a:rPr lang="ko-KR" altLang="en-US" sz="800" dirty="0"/>
+              <a:t>사진</a:t>
+            </a:r>
+            <a:r>
+              <a:rPr lang="en-US" altLang="ko-KR" sz="800" dirty="0"/>
+              <a:t>)</a:t>
+            </a:r>
+            <a:endParaRPr lang="ko-KR" altLang="en-US" sz="800" dirty="0"/>
+          </a:p>
+        </p:txBody>
+      </p:sp>
+      <p:cxnSp>
+        <p:nvCxnSpPr>
+          <p:cNvPr id="26" name="직선 화살표 연결선 25">
+            <a:extLst>
+              <a:ext uri="{FF2B5EF4-FFF2-40B4-BE49-F238E27FC236}">
+                <a16:creationId xmlns:a16="http://schemas.microsoft.com/office/drawing/2014/main" id="{70120EEE-87AC-4B52-8E02-6D2B325E4187}"/>
+              </a:ext>
+            </a:extLst>
+          </p:cNvPr>
+          <p:cNvCxnSpPr>
+            <a:cxnSpLocks/>
+          </p:cNvCxnSpPr>
+          <p:nvPr/>
+        </p:nvCxnSpPr>
+        <p:spPr>
+          <a:xfrm>
+            <a:off x="3309538" y="1657728"/>
+            <a:ext cx="1450400" cy="0"/>
+          </a:xfrm>
+          <a:prstGeom prst="straightConnector1">
+            <a:avLst/>
+          </a:prstGeom>
+          <a:ln>
+            <a:tailEnd type="triangle"/>
+          </a:ln>
+        </p:spPr>
+        <p:style>
+          <a:lnRef idx="1">
+            <a:schemeClr val="accent1"/>
+          </a:lnRef>
+          <a:fillRef idx="0">
+            <a:schemeClr val="accent1"/>
+          </a:fillRef>
+          <a:effectRef idx="0">
+            <a:schemeClr val="accent1"/>
+          </a:effectRef>
+          <a:fontRef idx="minor">
+            <a:schemeClr val="tx1"/>
+          </a:fontRef>
+        </p:style>
+      </p:cxnSp>
+      <p:cxnSp>
+        <p:nvCxnSpPr>
+          <p:cNvPr id="29" name="직선 화살표 연결선 28">
+            <a:extLst>
+              <a:ext uri="{FF2B5EF4-FFF2-40B4-BE49-F238E27FC236}">
+                <a16:creationId xmlns:a16="http://schemas.microsoft.com/office/drawing/2014/main" id="{B138F823-6B52-4725-A067-340F083B8228}"/>
+              </a:ext>
+            </a:extLst>
+          </p:cNvPr>
+          <p:cNvCxnSpPr>
+            <a:cxnSpLocks/>
+          </p:cNvCxnSpPr>
+          <p:nvPr/>
+        </p:nvCxnSpPr>
+        <p:spPr>
+          <a:xfrm>
+            <a:off x="4520870" y="4819951"/>
+            <a:ext cx="0" cy="648929"/>
+          </a:xfrm>
+          <a:prstGeom prst="straightConnector1">
+            <a:avLst/>
+          </a:prstGeom>
+          <a:ln>
+            <a:tailEnd type="triangle"/>
+          </a:ln>
+        </p:spPr>
+        <p:style>
+          <a:lnRef idx="1">
+            <a:schemeClr val="accent1"/>
+          </a:lnRef>
+          <a:fillRef idx="0">
+            <a:schemeClr val="accent1"/>
+          </a:fillRef>
+          <a:effectRef idx="0">
+            <a:schemeClr val="accent1"/>
+          </a:effectRef>
+          <a:fontRef idx="minor">
+            <a:schemeClr val="tx1"/>
+          </a:fontRef>
+        </p:style>
+      </p:cxnSp>
+      <p:cxnSp>
+        <p:nvCxnSpPr>
+          <p:cNvPr id="31" name="직선 화살표 연결선 30">
+            <a:extLst>
+              <a:ext uri="{FF2B5EF4-FFF2-40B4-BE49-F238E27FC236}">
+                <a16:creationId xmlns:a16="http://schemas.microsoft.com/office/drawing/2014/main" id="{FCCC8B95-BFBF-4791-9BAB-5BB10E113FC2}"/>
+              </a:ext>
+            </a:extLst>
+          </p:cNvPr>
+          <p:cNvCxnSpPr>
+            <a:cxnSpLocks/>
+          </p:cNvCxnSpPr>
+          <p:nvPr/>
+        </p:nvCxnSpPr>
+        <p:spPr>
+          <a:xfrm flipV="1">
+            <a:off x="4757431" y="4818532"/>
+            <a:ext cx="0" cy="648929"/>
+          </a:xfrm>
+          <a:prstGeom prst="straightConnector1">
+            <a:avLst/>
+          </a:prstGeom>
+          <a:ln>
+            <a:tailEnd type="triangle"/>
+          </a:ln>
+        </p:spPr>
+        <p:style>
+          <a:lnRef idx="1">
+            <a:schemeClr val="accent1"/>
+          </a:lnRef>
+          <a:fillRef idx="0">
+            <a:schemeClr val="accent1"/>
+          </a:fillRef>
+          <a:effectRef idx="0">
+            <a:schemeClr val="accent1"/>
+          </a:effectRef>
+          <a:fontRef idx="minor">
+            <a:schemeClr val="tx1"/>
+          </a:fontRef>
+        </p:style>
+      </p:cxnSp>
+      <p:sp>
+        <p:nvSpPr>
+          <p:cNvPr id="33" name="TextBox 32">
+            <a:extLst>
+              <a:ext uri="{FF2B5EF4-FFF2-40B4-BE49-F238E27FC236}">
+                <a16:creationId xmlns:a16="http://schemas.microsoft.com/office/drawing/2014/main" id="{D550D3A4-7E85-4793-87DF-7F69DE4C5364}"/>
+              </a:ext>
+            </a:extLst>
+          </p:cNvPr>
+          <p:cNvSpPr txBox="1"/>
+          <p:nvPr/>
+        </p:nvSpPr>
+        <p:spPr>
+          <a:xfrm>
+            <a:off x="4086873" y="5046937"/>
+            <a:ext cx="508415" cy="215444"/>
+          </a:xfrm>
+          <a:prstGeom prst="rect">
+            <a:avLst/>
+          </a:prstGeom>
+          <a:noFill/>
+        </p:spPr>
+        <p:txBody>
+          <a:bodyPr wrap="square" rtlCol="0">
+            <a:spAutoFit/>
+          </a:bodyPr>
+          <a:lstStyle/>
+          <a:p>
+            <a:r>
+              <a:rPr lang="en-US" altLang="ko-KR" sz="800" dirty="0"/>
+              <a:t>CRUD</a:t>
+            </a:r>
+            <a:endParaRPr lang="ko-KR" altLang="en-US" sz="800" dirty="0"/>
+          </a:p>
+        </p:txBody>
+      </p:sp>
+      <p:sp>
+        <p:nvSpPr>
+          <p:cNvPr id="34" name="TextBox 33">
+            <a:extLst>
+              <a:ext uri="{FF2B5EF4-FFF2-40B4-BE49-F238E27FC236}">
+                <a16:creationId xmlns:a16="http://schemas.microsoft.com/office/drawing/2014/main" id="{6EFB030E-21BE-451F-A3AB-E90418ABBE40}"/>
+              </a:ext>
+            </a:extLst>
+          </p:cNvPr>
+          <p:cNvSpPr txBox="1"/>
+          <p:nvPr/>
+        </p:nvSpPr>
+        <p:spPr>
+          <a:xfrm>
+            <a:off x="4752962" y="5059377"/>
+            <a:ext cx="747786" cy="215444"/>
+          </a:xfrm>
+          <a:prstGeom prst="rect">
+            <a:avLst/>
+          </a:prstGeom>
+          <a:noFill/>
+        </p:spPr>
+        <p:txBody>
+          <a:bodyPr wrap="square" rtlCol="0">
+            <a:spAutoFit/>
+          </a:bodyPr>
+          <a:lstStyle/>
+          <a:p>
+            <a:r>
+              <a:rPr lang="ko-KR" altLang="en-US" sz="800"/>
+              <a:t>데이터 제공</a:t>
+            </a:r>
+            <a:endParaRPr lang="ko-KR" altLang="en-US" sz="800" dirty="0"/>
+          </a:p>
+        </p:txBody>
+      </p:sp>
+      <p:cxnSp>
+        <p:nvCxnSpPr>
+          <p:cNvPr id="35" name="직선 화살표 연결선 34">
+            <a:extLst>
+              <a:ext uri="{FF2B5EF4-FFF2-40B4-BE49-F238E27FC236}">
+                <a16:creationId xmlns:a16="http://schemas.microsoft.com/office/drawing/2014/main" id="{E2BCB56A-25FF-4DC0-98A5-D980E3E6B619}"/>
+              </a:ext>
+            </a:extLst>
+          </p:cNvPr>
+          <p:cNvCxnSpPr>
+            <a:cxnSpLocks/>
+          </p:cNvCxnSpPr>
+          <p:nvPr/>
+        </p:nvCxnSpPr>
+        <p:spPr>
+          <a:xfrm flipH="1">
+            <a:off x="3286459" y="2018893"/>
+            <a:ext cx="1450401" cy="0"/>
+          </a:xfrm>
+          <a:prstGeom prst="straightConnector1">
+            <a:avLst/>
+          </a:prstGeom>
+          <a:ln>
+            <a:tailEnd type="triangle"/>
+          </a:ln>
+        </p:spPr>
+        <p:style>
+          <a:lnRef idx="1">
+            <a:schemeClr val="accent1"/>
+          </a:lnRef>
+          <a:fillRef idx="0">
+            <a:schemeClr val="accent1"/>
+          </a:fillRef>
+          <a:effectRef idx="0">
+            <a:schemeClr val="accent1"/>
+          </a:effectRef>
+          <a:fontRef idx="minor">
+            <a:schemeClr val="tx1"/>
+          </a:fontRef>
+        </p:style>
+      </p:cxnSp>
+      <p:sp>
+        <p:nvSpPr>
+          <p:cNvPr id="37" name="TextBox 36">
+            <a:extLst>
+              <a:ext uri="{FF2B5EF4-FFF2-40B4-BE49-F238E27FC236}">
+                <a16:creationId xmlns:a16="http://schemas.microsoft.com/office/drawing/2014/main" id="{98E68A65-84CA-4A76-A433-D4E9923DF8CF}"/>
+              </a:ext>
+            </a:extLst>
+          </p:cNvPr>
+          <p:cNvSpPr txBox="1"/>
+          <p:nvPr/>
+        </p:nvSpPr>
+        <p:spPr>
+          <a:xfrm>
+            <a:off x="3679942" y="1421762"/>
+            <a:ext cx="1149074" cy="215444"/>
+          </a:xfrm>
+          <a:prstGeom prst="rect">
+            <a:avLst/>
+          </a:prstGeom>
+          <a:noFill/>
+        </p:spPr>
+        <p:txBody>
+          <a:bodyPr wrap="square" rtlCol="0">
+            <a:spAutoFit/>
+          </a:bodyPr>
+          <a:lstStyle/>
+          <a:p>
+            <a:r>
+              <a:rPr lang="ko-KR" altLang="en-US" sz="800" dirty="0"/>
+              <a:t>파일 요청</a:t>
+            </a:r>
+          </a:p>
+        </p:txBody>
+      </p:sp>
+      <p:sp>
+        <p:nvSpPr>
+          <p:cNvPr id="38" name="TextBox 37">
+            <a:extLst>
+              <a:ext uri="{FF2B5EF4-FFF2-40B4-BE49-F238E27FC236}">
+                <a16:creationId xmlns:a16="http://schemas.microsoft.com/office/drawing/2014/main" id="{EB3215CE-062B-431D-A14B-396D6A0FFAEF}"/>
+              </a:ext>
+            </a:extLst>
+          </p:cNvPr>
+          <p:cNvSpPr txBox="1"/>
+          <p:nvPr/>
+        </p:nvSpPr>
+        <p:spPr>
+          <a:xfrm>
+            <a:off x="3684045" y="1801428"/>
+            <a:ext cx="711268" cy="215444"/>
+          </a:xfrm>
+          <a:prstGeom prst="rect">
+            <a:avLst/>
+          </a:prstGeom>
+          <a:noFill/>
+        </p:spPr>
+        <p:txBody>
+          <a:bodyPr wrap="square" rtlCol="0">
+            <a:spAutoFit/>
+          </a:bodyPr>
+          <a:lstStyle/>
+          <a:p>
+            <a:r>
+              <a:rPr lang="ko-KR" altLang="en-US" sz="800" dirty="0"/>
+              <a:t>파일 제공</a:t>
+            </a:r>
+          </a:p>
+        </p:txBody>
+      </p:sp>
+      <p:cxnSp>
+        <p:nvCxnSpPr>
+          <p:cNvPr id="41" name="직선 화살표 연결선 40">
+            <a:extLst>
+              <a:ext uri="{FF2B5EF4-FFF2-40B4-BE49-F238E27FC236}">
+                <a16:creationId xmlns:a16="http://schemas.microsoft.com/office/drawing/2014/main" id="{80C5A208-BBF2-4079-B615-8CDA55FF9DD6}"/>
+              </a:ext>
+            </a:extLst>
+          </p:cNvPr>
+          <p:cNvCxnSpPr>
+            <a:cxnSpLocks/>
+          </p:cNvCxnSpPr>
+          <p:nvPr/>
+        </p:nvCxnSpPr>
+        <p:spPr>
+          <a:xfrm flipV="1">
+            <a:off x="1243315" y="2265096"/>
+            <a:ext cx="1053410" cy="819843"/>
+          </a:xfrm>
+          <a:prstGeom prst="straightConnector1">
+            <a:avLst/>
+          </a:prstGeom>
+          <a:ln>
+            <a:tailEnd type="triangle"/>
+          </a:ln>
+        </p:spPr>
+        <p:style>
+          <a:lnRef idx="1">
+            <a:schemeClr val="accent1"/>
+          </a:lnRef>
+          <a:fillRef idx="0">
+            <a:schemeClr val="accent1"/>
+          </a:fillRef>
+          <a:effectRef idx="0">
+            <a:schemeClr val="accent1"/>
+          </a:effectRef>
+          <a:fontRef idx="minor">
+            <a:schemeClr val="tx1"/>
+          </a:fontRef>
+        </p:style>
+      </p:cxnSp>
+      <p:cxnSp>
+        <p:nvCxnSpPr>
+          <p:cNvPr id="43" name="직선 화살표 연결선 42">
+            <a:extLst>
+              <a:ext uri="{FF2B5EF4-FFF2-40B4-BE49-F238E27FC236}">
+                <a16:creationId xmlns:a16="http://schemas.microsoft.com/office/drawing/2014/main" id="{70567B36-AA95-4094-99CC-538597F7E02A}"/>
+              </a:ext>
+            </a:extLst>
+          </p:cNvPr>
+          <p:cNvCxnSpPr>
+            <a:cxnSpLocks/>
+          </p:cNvCxnSpPr>
+          <p:nvPr/>
+        </p:nvCxnSpPr>
+        <p:spPr>
+          <a:xfrm flipH="1">
+            <a:off x="1454679" y="2377442"/>
+            <a:ext cx="886752" cy="705905"/>
+          </a:xfrm>
+          <a:prstGeom prst="straightConnector1">
+            <a:avLst/>
+          </a:prstGeom>
+          <a:ln>
+            <a:tailEnd type="triangle"/>
+          </a:ln>
+        </p:spPr>
+        <p:style>
+          <a:lnRef idx="1">
+            <a:schemeClr val="accent1"/>
+          </a:lnRef>
+          <a:fillRef idx="0">
+            <a:schemeClr val="accent1"/>
+          </a:fillRef>
+          <a:effectRef idx="0">
+            <a:schemeClr val="accent1"/>
+          </a:effectRef>
+          <a:fontRef idx="minor">
+            <a:schemeClr val="tx1"/>
+          </a:fontRef>
+        </p:style>
+      </p:cxnSp>
+      <p:sp>
+        <p:nvSpPr>
+          <p:cNvPr id="45" name="TextBox 44">
+            <a:extLst>
+              <a:ext uri="{FF2B5EF4-FFF2-40B4-BE49-F238E27FC236}">
+                <a16:creationId xmlns:a16="http://schemas.microsoft.com/office/drawing/2014/main" id="{6F90489A-D6E7-461E-B574-A83A083621A3}"/>
+              </a:ext>
+            </a:extLst>
+          </p:cNvPr>
+          <p:cNvSpPr txBox="1"/>
+          <p:nvPr/>
+        </p:nvSpPr>
+        <p:spPr>
+          <a:xfrm>
+            <a:off x="914544" y="2377442"/>
+            <a:ext cx="711268" cy="215444"/>
+          </a:xfrm>
+          <a:prstGeom prst="rect">
+            <a:avLst/>
+          </a:prstGeom>
+          <a:noFill/>
+        </p:spPr>
+        <p:txBody>
+          <a:bodyPr wrap="square" rtlCol="0">
+            <a:spAutoFit/>
+          </a:bodyPr>
+          <a:lstStyle/>
+          <a:p>
+            <a:r>
+              <a:rPr lang="ko-KR" altLang="en-US" sz="800" dirty="0"/>
+              <a:t>파일 요청</a:t>
+            </a:r>
+          </a:p>
+        </p:txBody>
+      </p:sp>
+      <p:sp>
+        <p:nvSpPr>
+          <p:cNvPr id="46" name="TextBox 45">
+            <a:extLst>
+              <a:ext uri="{FF2B5EF4-FFF2-40B4-BE49-F238E27FC236}">
+                <a16:creationId xmlns:a16="http://schemas.microsoft.com/office/drawing/2014/main" id="{F21A21E6-32E2-4FFC-B987-440175EB5A72}"/>
+              </a:ext>
+            </a:extLst>
+          </p:cNvPr>
+          <p:cNvSpPr txBox="1"/>
+          <p:nvPr/>
+        </p:nvSpPr>
+        <p:spPr>
+          <a:xfrm>
+            <a:off x="2196439" y="2553530"/>
+            <a:ext cx="1739684" cy="461665"/>
+          </a:xfrm>
+          <a:prstGeom prst="rect">
+            <a:avLst/>
+          </a:prstGeom>
+          <a:noFill/>
+        </p:spPr>
+        <p:txBody>
+          <a:bodyPr wrap="square" rtlCol="0">
+            <a:spAutoFit/>
+          </a:bodyPr>
+          <a:lstStyle/>
+          <a:p>
+            <a:r>
+              <a:rPr lang="en-US" altLang="ko-KR" sz="800" dirty="0"/>
+              <a:t>1) </a:t>
+            </a:r>
+            <a:r>
+              <a:rPr lang="ko-KR" altLang="en-US" sz="800" dirty="0" err="1"/>
+              <a:t>캐싱</a:t>
+            </a:r>
+            <a:r>
+              <a:rPr lang="ko-KR" altLang="en-US" sz="800" dirty="0"/>
+              <a:t> 된 파일 제공</a:t>
+            </a:r>
+            <a:endParaRPr lang="en-US" altLang="ko-KR" sz="800" dirty="0"/>
+          </a:p>
+          <a:p>
+            <a:r>
+              <a:rPr lang="en-US" altLang="ko-KR" sz="800" dirty="0"/>
+              <a:t>2) </a:t>
+            </a:r>
+            <a:r>
+              <a:rPr lang="ko-KR" altLang="en-US" sz="800" dirty="0" err="1"/>
+              <a:t>캐싱</a:t>
+            </a:r>
+            <a:r>
+              <a:rPr lang="ko-KR" altLang="en-US" sz="800" dirty="0"/>
+              <a:t> 되어있는 파일이 없을 경우 </a:t>
+            </a:r>
+            <a:r>
+              <a:rPr lang="en-US" altLang="ko-KR" sz="800" dirty="0"/>
+              <a:t>s3</a:t>
+            </a:r>
+            <a:r>
+              <a:rPr lang="ko-KR" altLang="en-US" sz="800" dirty="0"/>
+              <a:t>에 요청 후 제공</a:t>
+            </a:r>
+          </a:p>
+        </p:txBody>
+      </p:sp>
+      <p:sp>
+        <p:nvSpPr>
+          <p:cNvPr id="47" name="TextBox 46">
+            <a:extLst>
+              <a:ext uri="{FF2B5EF4-FFF2-40B4-BE49-F238E27FC236}">
+                <a16:creationId xmlns:a16="http://schemas.microsoft.com/office/drawing/2014/main" id="{16FB38C0-C2CB-4BC9-8576-35967547CAD4}"/>
+              </a:ext>
+            </a:extLst>
+          </p:cNvPr>
+          <p:cNvSpPr txBox="1"/>
+          <p:nvPr/>
+        </p:nvSpPr>
+        <p:spPr>
+          <a:xfrm>
+            <a:off x="801779" y="473831"/>
+            <a:ext cx="1865996" cy="369332"/>
+          </a:xfrm>
+          <a:prstGeom prst="rect">
+            <a:avLst/>
+          </a:prstGeom>
+          <a:noFill/>
+        </p:spPr>
+        <p:txBody>
+          <a:bodyPr wrap="square" rtlCol="0">
+            <a:spAutoFit/>
+          </a:bodyPr>
+          <a:lstStyle/>
+          <a:p>
+            <a:r>
+              <a:rPr lang="ko-KR" altLang="en-US" b="1"/>
+              <a:t>서버 구조도</a:t>
+            </a:r>
+            <a:endParaRPr lang="en-US" altLang="ko-KR" b="1" dirty="0"/>
+          </a:p>
+        </p:txBody>
+      </p:sp>
+      <p:sp>
+        <p:nvSpPr>
+          <p:cNvPr id="48" name="object 6">
+            <a:extLst>
+              <a:ext uri="{FF2B5EF4-FFF2-40B4-BE49-F238E27FC236}">
+                <a16:creationId xmlns:a16="http://schemas.microsoft.com/office/drawing/2014/main" id="{5AB057B5-6CA2-42D4-9A59-9492C1D3C1D6}"/>
+              </a:ext>
+            </a:extLst>
+          </p:cNvPr>
+          <p:cNvSpPr/>
+          <p:nvPr/>
+        </p:nvSpPr>
+        <p:spPr>
+          <a:xfrm>
+            <a:off x="668581" y="598132"/>
+            <a:ext cx="127155" cy="121059"/>
+          </a:xfrm>
+          <a:prstGeom prst="rect">
+            <a:avLst/>
+          </a:prstGeom>
+          <a:blipFill>
+            <a:blip r:embed="rId7" cstate="print"/>
+            <a:stretch>
+              <a:fillRect/>
+            </a:stretch>
+          </a:blipFill>
+        </p:spPr>
+        <p:txBody>
+          <a:bodyPr wrap="square" lIns="0" tIns="0" rIns="0" bIns="0" rtlCol="0"/>
+          <a:lstStyle/>
+          <a:p>
+            <a:endParaRPr/>
+          </a:p>
+        </p:txBody>
+      </p:sp>
+      <p:cxnSp>
+        <p:nvCxnSpPr>
+          <p:cNvPr id="57" name="직선 화살표 연결선 56">
+            <a:extLst>
+              <a:ext uri="{FF2B5EF4-FFF2-40B4-BE49-F238E27FC236}">
+                <a16:creationId xmlns:a16="http://schemas.microsoft.com/office/drawing/2014/main" id="{50739CBA-50AD-4D28-96D8-6020FC9EB336}"/>
+              </a:ext>
+            </a:extLst>
+          </p:cNvPr>
+          <p:cNvCxnSpPr>
+            <a:cxnSpLocks/>
+          </p:cNvCxnSpPr>
+          <p:nvPr/>
+        </p:nvCxnSpPr>
+        <p:spPr>
+          <a:xfrm flipH="1" flipV="1">
+            <a:off x="1898055" y="3951529"/>
+            <a:ext cx="2158761" cy="34609"/>
+          </a:xfrm>
+          <a:prstGeom prst="straightConnector1">
+            <a:avLst/>
+          </a:prstGeom>
+          <a:ln>
+            <a:tailEnd type="triangle"/>
+          </a:ln>
+        </p:spPr>
+        <p:style>
+          <a:lnRef idx="1">
+            <a:schemeClr val="accent1"/>
+          </a:lnRef>
+          <a:fillRef idx="0">
+            <a:schemeClr val="accent1"/>
+          </a:fillRef>
+          <a:effectRef idx="0">
+            <a:schemeClr val="accent1"/>
+          </a:effectRef>
+          <a:fontRef idx="minor">
+            <a:schemeClr val="tx1"/>
+          </a:fontRef>
+        </p:style>
+      </p:cxnSp>
+      <p:sp>
+        <p:nvSpPr>
+          <p:cNvPr id="58" name="TextBox 57">
+            <a:extLst>
+              <a:ext uri="{FF2B5EF4-FFF2-40B4-BE49-F238E27FC236}">
+                <a16:creationId xmlns:a16="http://schemas.microsoft.com/office/drawing/2014/main" id="{7DCDC8C5-A605-45D2-9819-EA7A112DB985}"/>
+              </a:ext>
+            </a:extLst>
+          </p:cNvPr>
+          <p:cNvSpPr txBox="1"/>
+          <p:nvPr/>
+        </p:nvSpPr>
+        <p:spPr>
+          <a:xfrm>
+            <a:off x="2517272" y="3770694"/>
+            <a:ext cx="1065140" cy="215444"/>
+          </a:xfrm>
+          <a:prstGeom prst="rect">
+            <a:avLst/>
+          </a:prstGeom>
+          <a:noFill/>
+        </p:spPr>
+        <p:txBody>
+          <a:bodyPr wrap="square" rtlCol="0">
+            <a:spAutoFit/>
+          </a:bodyPr>
+          <a:lstStyle/>
+          <a:p>
+            <a:r>
+              <a:rPr lang="en-US" altLang="ko-KR" sz="800" dirty="0"/>
+              <a:t>Response </a:t>
+            </a:r>
+            <a:r>
+              <a:rPr lang="en-US" altLang="ko-KR" sz="800" dirty="0" err="1"/>
+              <a:t>dto</a:t>
+            </a:r>
+            <a:endParaRPr lang="ko-KR" altLang="en-US" sz="800" dirty="0"/>
+          </a:p>
+        </p:txBody>
+      </p:sp>
+      <p:sp>
+        <p:nvSpPr>
+          <p:cNvPr id="49" name="TextBox 48">
+            <a:extLst>
+              <a:ext uri="{FF2B5EF4-FFF2-40B4-BE49-F238E27FC236}">
+                <a16:creationId xmlns:a16="http://schemas.microsoft.com/office/drawing/2014/main" id="{2F1404A6-E716-4D3B-B010-5F7894E8BE43}"/>
+              </a:ext>
+            </a:extLst>
+          </p:cNvPr>
+          <p:cNvSpPr txBox="1"/>
+          <p:nvPr/>
+        </p:nvSpPr>
+        <p:spPr>
+          <a:xfrm>
+            <a:off x="936693" y="4506872"/>
+            <a:ext cx="1065140" cy="215444"/>
+          </a:xfrm>
+          <a:prstGeom prst="rect">
+            <a:avLst/>
+          </a:prstGeom>
+          <a:noFill/>
+        </p:spPr>
+        <p:txBody>
+          <a:bodyPr wrap="square" rtlCol="0">
+            <a:spAutoFit/>
+          </a:bodyPr>
+          <a:lstStyle/>
+          <a:p>
+            <a:r>
+              <a:rPr lang="en-US" altLang="ko-KR" sz="800" b="1" dirty="0"/>
+              <a:t>Client</a:t>
+            </a:r>
+            <a:endParaRPr lang="ko-KR" altLang="en-US" sz="800" b="1" dirty="0"/>
+          </a:p>
+        </p:txBody>
+      </p:sp>
+    </p:spTree>
+    <p:extLst>
+      <p:ext uri="{BB962C8B-B14F-4D97-AF65-F5344CB8AC3E}">
+        <p14:creationId xmlns:p14="http://schemas.microsoft.com/office/powerpoint/2010/main" val="2014103297"/>
+      </p:ext>
+    </p:extLst>
+  </p:cSld>
+  <p:clrMapOvr>
+    <a:masterClrMapping/>
+  </p:clrMapOvr>
+</p:sld>
+</file>
+
+<file path=ppt/slides/slide7.xml><?xml version="1.0" encoding="utf-8"?>
+<p:sld xmlns:a="http://schemas.openxmlformats.org/drawingml/2006/main" xmlns:r="http://schemas.openxmlformats.org/officeDocument/2006/relationships" xmlns:p="http://schemas.openxmlformats.org/presentationml/2006/main">
+  <p:cSld>
+    <p:spTree>
+      <p:nvGrpSpPr>
+        <p:cNvPr id="1" name=""/>
+        <p:cNvGrpSpPr/>
+        <p:nvPr/>
+      </p:nvGrpSpPr>
+      <p:grpSpPr>
+        <a:xfrm>
+          <a:off x="0" y="0"/>
+          <a:ext cx="0" cy="0"/>
+          <a:chOff x="0" y="0"/>
+          <a:chExt cx="0" cy="0"/>
+        </a:xfrm>
+      </p:grpSpPr>
       <p:sp>
         <p:nvSpPr>
           <p:cNvPr id="4" name="TextBox 3">
@@ -10920,7 +13366,7 @@
             </a:r>
             <a:r>
               <a:rPr lang="en-US" altLang="ko-KR" sz="1400" dirty="0"/>
-              <a:t> </a:t>
+              <a:t>, </a:t>
             </a:r>
             <a:r>
               <a:rPr lang="ko-KR" altLang="en-US" sz="1400" dirty="0"/>
@@ -11527,7 +13973,7 @@
 </p:sld>
 </file>
 
-<file path=ppt/slides/slide7.xml><?xml version="1.0" encoding="utf-8"?>
+<file path=ppt/slides/slide8.xml><?xml version="1.0" encoding="utf-8"?>
 <p:sld xmlns:a="http://schemas.openxmlformats.org/drawingml/2006/main" xmlns:r="http://schemas.openxmlformats.org/officeDocument/2006/relationships" xmlns:p="http://schemas.openxmlformats.org/presentationml/2006/main">
   <p:cSld>
     <p:spTree>

--- a/오진호 포트폴리오.pptx
+++ b/오진호 포트폴리오.pptx
@@ -204,7 +204,7 @@
           <a:p>
             <a:fld id="{67406EAE-9ED8-4493-8307-E0CBB87D5314}" type="datetimeFigureOut">
               <a:rPr lang="ko-KR" altLang="en-US" smtClean="0"/>
-              <a:t>2022-01-24</a:t>
+              <a:t>2022-02-06</a:t>
             </a:fld>
             <a:endParaRPr lang="ko-KR" altLang="en-US"/>
           </a:p>
@@ -618,7 +618,7 @@
           <a:p>
             <a:fld id="{7E1FD04A-7A57-4ABB-A4D2-40192FED31D2}" type="datetimeFigureOut">
               <a:rPr lang="ko-KR" altLang="en-US" smtClean="0"/>
-              <a:t>2022-01-24</a:t>
+              <a:t>2022-02-06</a:t>
             </a:fld>
             <a:endParaRPr lang="ko-KR" altLang="en-US"/>
           </a:p>
@@ -816,7 +816,7 @@
           <a:p>
             <a:fld id="{7E1FD04A-7A57-4ABB-A4D2-40192FED31D2}" type="datetimeFigureOut">
               <a:rPr lang="ko-KR" altLang="en-US" smtClean="0"/>
-              <a:t>2022-01-24</a:t>
+              <a:t>2022-02-06</a:t>
             </a:fld>
             <a:endParaRPr lang="ko-KR" altLang="en-US"/>
           </a:p>
@@ -1024,7 +1024,7 @@
           <a:p>
             <a:fld id="{7E1FD04A-7A57-4ABB-A4D2-40192FED31D2}" type="datetimeFigureOut">
               <a:rPr lang="ko-KR" altLang="en-US" smtClean="0"/>
-              <a:t>2022-01-24</a:t>
+              <a:t>2022-02-06</a:t>
             </a:fld>
             <a:endParaRPr lang="ko-KR" altLang="en-US"/>
           </a:p>
@@ -1222,7 +1222,7 @@
           <a:p>
             <a:fld id="{7E1FD04A-7A57-4ABB-A4D2-40192FED31D2}" type="datetimeFigureOut">
               <a:rPr lang="ko-KR" altLang="en-US" smtClean="0"/>
-              <a:t>2022-01-24</a:t>
+              <a:t>2022-02-06</a:t>
             </a:fld>
             <a:endParaRPr lang="ko-KR" altLang="en-US"/>
           </a:p>
@@ -1497,7 +1497,7 @@
           <a:p>
             <a:fld id="{7E1FD04A-7A57-4ABB-A4D2-40192FED31D2}" type="datetimeFigureOut">
               <a:rPr lang="ko-KR" altLang="en-US" smtClean="0"/>
-              <a:t>2022-01-24</a:t>
+              <a:t>2022-02-06</a:t>
             </a:fld>
             <a:endParaRPr lang="ko-KR" altLang="en-US"/>
           </a:p>
@@ -1762,7 +1762,7 @@
           <a:p>
             <a:fld id="{7E1FD04A-7A57-4ABB-A4D2-40192FED31D2}" type="datetimeFigureOut">
               <a:rPr lang="ko-KR" altLang="en-US" smtClean="0"/>
-              <a:t>2022-01-24</a:t>
+              <a:t>2022-02-06</a:t>
             </a:fld>
             <a:endParaRPr lang="ko-KR" altLang="en-US"/>
           </a:p>
@@ -2174,7 +2174,7 @@
           <a:p>
             <a:fld id="{7E1FD04A-7A57-4ABB-A4D2-40192FED31D2}" type="datetimeFigureOut">
               <a:rPr lang="ko-KR" altLang="en-US" smtClean="0"/>
-              <a:t>2022-01-24</a:t>
+              <a:t>2022-02-06</a:t>
             </a:fld>
             <a:endParaRPr lang="ko-KR" altLang="en-US"/>
           </a:p>
@@ -2315,7 +2315,7 @@
           <a:p>
             <a:fld id="{7E1FD04A-7A57-4ABB-A4D2-40192FED31D2}" type="datetimeFigureOut">
               <a:rPr lang="ko-KR" altLang="en-US" smtClean="0"/>
-              <a:t>2022-01-24</a:t>
+              <a:t>2022-02-06</a:t>
             </a:fld>
             <a:endParaRPr lang="ko-KR" altLang="en-US"/>
           </a:p>
@@ -2428,7 +2428,7 @@
           <a:p>
             <a:fld id="{7E1FD04A-7A57-4ABB-A4D2-40192FED31D2}" type="datetimeFigureOut">
               <a:rPr lang="ko-KR" altLang="en-US" smtClean="0"/>
-              <a:t>2022-01-24</a:t>
+              <a:t>2022-02-06</a:t>
             </a:fld>
             <a:endParaRPr lang="ko-KR" altLang="en-US"/>
           </a:p>
@@ -2739,7 +2739,7 @@
           <a:p>
             <a:fld id="{7E1FD04A-7A57-4ABB-A4D2-40192FED31D2}" type="datetimeFigureOut">
               <a:rPr lang="ko-KR" altLang="en-US" smtClean="0"/>
-              <a:t>2022-01-24</a:t>
+              <a:t>2022-02-06</a:t>
             </a:fld>
             <a:endParaRPr lang="ko-KR" altLang="en-US"/>
           </a:p>
@@ -3027,7 +3027,7 @@
           <a:p>
             <a:fld id="{7E1FD04A-7A57-4ABB-A4D2-40192FED31D2}" type="datetimeFigureOut">
               <a:rPr lang="ko-KR" altLang="en-US" smtClean="0"/>
-              <a:t>2022-01-24</a:t>
+              <a:t>2022-02-06</a:t>
             </a:fld>
             <a:endParaRPr lang="ko-KR" altLang="en-US"/>
           </a:p>
@@ -3268,7 +3268,7 @@
           <a:p>
             <a:fld id="{7E1FD04A-7A57-4ABB-A4D2-40192FED31D2}" type="datetimeFigureOut">
               <a:rPr lang="ko-KR" altLang="en-US" smtClean="0"/>
-              <a:t>2022-01-24</a:t>
+              <a:t>2022-02-06</a:t>
             </a:fld>
             <a:endParaRPr lang="ko-KR" altLang="en-US"/>
           </a:p>
@@ -3745,7 +3745,7 @@
         </p:nvSpPr>
         <p:spPr>
           <a:xfrm>
-            <a:off x="5783580" y="2648419"/>
+            <a:off x="5783580" y="2438694"/>
             <a:ext cx="5173980" cy="261610"/>
           </a:xfrm>
           <a:prstGeom prst="rect">
@@ -3797,7 +3797,7 @@
         </p:nvSpPr>
         <p:spPr>
           <a:xfrm>
-            <a:off x="5803140" y="3832276"/>
+            <a:off x="5803140" y="3622551"/>
             <a:ext cx="6278880" cy="261610"/>
           </a:xfrm>
           <a:prstGeom prst="rect">
@@ -3857,8 +3857,8 @@
         </p:nvSpPr>
         <p:spPr>
           <a:xfrm>
-            <a:off x="5783580" y="592475"/>
-            <a:ext cx="2735580" cy="523220"/>
+            <a:off x="5783579" y="382750"/>
+            <a:ext cx="5690665" cy="1015663"/>
           </a:xfrm>
           <a:prstGeom prst="rect">
             <a:avLst/>
@@ -3914,8 +3914,36 @@
               <a:rPr lang="en-US" altLang="ko-KR" sz="2800" dirty="0">
                 <a:latin typeface="Arial Rounded MT Bold" panose="020F0704030504030204" pitchFamily="34" charset="0"/>
               </a:rPr>
-              <a:t>ce</a:t>
-            </a:r>
+              <a:t>ce  </a:t>
+            </a:r>
+          </a:p>
+          <a:p>
+            <a:endParaRPr lang="en-US" altLang="ko-KR" sz="1600" dirty="0">
+              <a:latin typeface="Arial Rounded MT Bold" panose="020F0704030504030204" pitchFamily="34" charset="0"/>
+            </a:endParaRPr>
+          </a:p>
+          <a:p>
+            <a:r>
+              <a:rPr lang="ko-KR" altLang="en-US" sz="1600" dirty="0">
+                <a:latin typeface="Arial Rounded MT Bold" panose="020F0704030504030204" pitchFamily="34" charset="0"/>
+              </a:rPr>
+              <a:t>더 좋은 코드를 고민하는 개발자 </a:t>
+            </a:r>
+            <a:r>
+              <a:rPr lang="en-US" altLang="ko-KR" sz="1600" dirty="0" err="1">
+                <a:latin typeface="Arial Rounded MT Bold" panose="020F0704030504030204" pitchFamily="34" charset="0"/>
+              </a:rPr>
+              <a:t>Bepi</a:t>
+            </a:r>
+            <a:r>
+              <a:rPr lang="ko-KR" altLang="en-US" sz="1600" dirty="0">
+                <a:latin typeface="Arial Rounded MT Bold" panose="020F0704030504030204" pitchFamily="34" charset="0"/>
+              </a:rPr>
+              <a:t>입니다</a:t>
+            </a:r>
+            <a:endParaRPr lang="en-US" altLang="ko-KR" sz="1600" dirty="0">
+              <a:latin typeface="Arial Rounded MT Bold" panose="020F0704030504030204" pitchFamily="34" charset="0"/>
+            </a:endParaRPr>
           </a:p>
         </p:txBody>
       </p:sp>
@@ -3978,8 +4006,8 @@
         </p:nvSpPr>
         <p:spPr>
           <a:xfrm>
-            <a:off x="8803668" y="6042546"/>
-            <a:ext cx="3394510" cy="769441"/>
+            <a:off x="8335788" y="5747023"/>
+            <a:ext cx="3858017" cy="1107996"/>
           </a:xfrm>
           <a:prstGeom prst="rect">
             <a:avLst/>
@@ -3998,7 +4026,7 @@
             </a:r>
             <a:r>
               <a:rPr lang="en-US" altLang="ko-KR" sz="1100" b="1" dirty="0"/>
-              <a:t>: Java, Spring, </a:t>
+              <a:t>: Java, </a:t>
             </a:r>
             <a:r>
               <a:rPr lang="en-US" altLang="ko-KR" sz="1100" b="1" dirty="0" err="1"/>
@@ -4006,15 +4034,40 @@
             </a:r>
             <a:r>
               <a:rPr lang="en-US" altLang="ko-KR" sz="1100" b="1" dirty="0"/>
-              <a:t>, </a:t>
+              <a:t>, JPA, </a:t>
             </a:r>
             <a:r>
               <a:rPr lang="en-US" altLang="ko-KR" sz="1100" b="1" dirty="0" err="1"/>
               <a:t>DataJPA</a:t>
             </a:r>
+            <a:r>
+              <a:rPr lang="en-US" altLang="ko-KR" sz="1100" b="1" dirty="0"/>
+              <a:t>, </a:t>
+            </a:r>
+            <a:r>
+              <a:rPr lang="en-US" altLang="ko-KR" sz="1100" b="1" dirty="0" err="1"/>
+              <a:t>Querydsl</a:t>
+            </a:r>
+            <a:endParaRPr lang="en-US" altLang="ko-KR" sz="1100" b="1" dirty="0"/>
+          </a:p>
+          <a:p>
             <a:endParaRPr lang="en-US" altLang="ko-KR" sz="1100" dirty="0"/>
           </a:p>
           <a:p>
+            <a:endParaRPr lang="en-US" altLang="ko-KR" sz="1100" dirty="0"/>
+          </a:p>
+          <a:p>
+            <a:pPr algn="r"/>
+            <a:r>
+              <a:rPr lang="en-US" altLang="ko-KR" sz="1100" dirty="0"/>
+              <a:t>Resume: </a:t>
+            </a:r>
+            <a:r>
+              <a:rPr lang="ko-KR" altLang="en-US" sz="1100" dirty="0">
+                <a:hlinkClick r:id="rId3"/>
+              </a:rPr>
+              <a:t>링크</a:t>
+            </a:r>
             <a:endParaRPr lang="en-US" altLang="ko-KR" sz="1100" dirty="0"/>
           </a:p>
           <a:p>
@@ -4025,7 +4078,7 @@
             </a:r>
             <a:r>
               <a:rPr lang="en-US" altLang="ko-KR" sz="1100" dirty="0">
-                <a:hlinkClick r:id="rId3"/>
+                <a:hlinkClick r:id="rId4"/>
               </a:rPr>
               <a:t>ohjinho7@gmail.com</a:t>
             </a:r>
@@ -4043,7 +4096,7 @@
             </a:r>
             <a:r>
               <a:rPr lang="en-US" altLang="ko-KR" sz="1100" dirty="0">
-                <a:hlinkClick r:id="rId4"/>
+                <a:hlinkClick r:id="rId5"/>
               </a:rPr>
               <a:t>https://github.com/ohjinhokor</a:t>
             </a:r>
@@ -4067,7 +4120,7 @@
         </p:nvCxnSpPr>
         <p:spPr>
           <a:xfrm>
-            <a:off x="5650302" y="2093651"/>
+            <a:off x="5650302" y="1883926"/>
             <a:ext cx="6429410" cy="0"/>
           </a:xfrm>
           <a:prstGeom prst="line">
@@ -4092,10 +4145,10 @@
       </p:cxnSp>
       <p:sp>
         <p:nvSpPr>
-          <p:cNvPr id="7" name="TextBox 6">
-            <a:extLst>
-              <a:ext uri="{FF2B5EF4-FFF2-40B4-BE49-F238E27FC236}">
-                <a16:creationId xmlns:a16="http://schemas.microsoft.com/office/drawing/2014/main" id="{9DFEB9F6-477D-471E-9FF8-F2E06E67C0B4}"/>
+          <p:cNvPr id="13" name="TextBox 12">
+            <a:extLst>
+              <a:ext uri="{FF2B5EF4-FFF2-40B4-BE49-F238E27FC236}">
+                <a16:creationId xmlns:a16="http://schemas.microsoft.com/office/drawing/2014/main" id="{C3A6887C-B1DA-4C65-92C8-63DC460BC854}"/>
               </a:ext>
             </a:extLst>
           </p:cNvPr>
@@ -4104,8 +4157,8 @@
         </p:nvSpPr>
         <p:spPr>
           <a:xfrm>
-            <a:off x="5783580" y="1180851"/>
-            <a:ext cx="4317952" cy="646331"/>
+            <a:off x="5783580" y="4827149"/>
+            <a:ext cx="6278880" cy="261610"/>
           </a:xfrm>
           <a:prstGeom prst="rect">
             <a:avLst/>
@@ -4119,30 +4172,27 @@
           <a:lstStyle/>
           <a:p>
             <a:r>
-              <a:rPr lang="ko-KR" altLang="en-US" dirty="0"/>
-              <a:t>세상을 바꿀 수 있는 아이디어를 </a:t>
-            </a:r>
-            <a:endParaRPr lang="en-US" altLang="ko-KR" dirty="0"/>
-          </a:p>
-          <a:p>
-            <a:r>
-              <a:rPr lang="ko-KR" altLang="en-US" dirty="0"/>
-              <a:t>실체화 하는 것을 꿈꾸는 개발자입니다</a:t>
-            </a:r>
-            <a:r>
-              <a:rPr lang="en-US" altLang="ko-KR" dirty="0"/>
-              <a:t>.</a:t>
-            </a:r>
-            <a:endParaRPr lang="ko-KR" altLang="en-US" dirty="0"/>
-          </a:p>
-        </p:txBody>
-      </p:sp>
-      <p:sp>
-        <p:nvSpPr>
-          <p:cNvPr id="13" name="TextBox 12">
-            <a:extLst>
-              <a:ext uri="{FF2B5EF4-FFF2-40B4-BE49-F238E27FC236}">
-                <a16:creationId xmlns:a16="http://schemas.microsoft.com/office/drawing/2014/main" id="{C3A6887C-B1DA-4C65-92C8-63DC460BC854}"/>
+              <a:rPr lang="en-US" altLang="ko-KR" sz="1100" dirty="0"/>
+              <a:t>- Google Developers Student Club </a:t>
+            </a:r>
+            <a:r>
+              <a:rPr lang="ko-KR" altLang="en-US" sz="1100" dirty="0"/>
+              <a:t>숭실대 지부 </a:t>
+            </a:r>
+            <a:r>
+              <a:rPr lang="en-US" altLang="ko-KR" sz="1100" dirty="0"/>
+              <a:t>Server/Cloud Member(2021.09~)</a:t>
+            </a:r>
+            <a:endParaRPr lang="ko-KR" altLang="en-US" sz="1100" dirty="0"/>
+          </a:p>
+        </p:txBody>
+      </p:sp>
+      <p:sp>
+        <p:nvSpPr>
+          <p:cNvPr id="14" name="TextBox 13">
+            <a:extLst>
+              <a:ext uri="{FF2B5EF4-FFF2-40B4-BE49-F238E27FC236}">
+                <a16:creationId xmlns:a16="http://schemas.microsoft.com/office/drawing/2014/main" id="{BB9BA9AE-E79D-4B05-BFF5-BCCBB1FB312E}"/>
               </a:ext>
             </a:extLst>
           </p:cNvPr>
@@ -4151,7 +4201,7 @@
         </p:nvSpPr>
         <p:spPr>
           <a:xfrm>
-            <a:off x="5783580" y="5036874"/>
+            <a:off x="5783580" y="4565539"/>
             <a:ext cx="6278880" cy="261610"/>
           </a:xfrm>
           <a:prstGeom prst="rect">
@@ -4167,15 +4217,39 @@
           <a:p>
             <a:r>
               <a:rPr lang="en-US" altLang="ko-KR" sz="1100" dirty="0"/>
-              <a:t>- Google Developers Student Club </a:t>
+              <a:t>- </a:t>
             </a:r>
             <a:r>
               <a:rPr lang="ko-KR" altLang="en-US" sz="1100" dirty="0"/>
-              <a:t>숭실대 지부 </a:t>
+              <a:t>숭실대학교</a:t>
             </a:r>
             <a:r>
               <a:rPr lang="en-US" altLang="ko-KR" sz="1100" dirty="0"/>
-              <a:t>Server/Cloud Member(2021.09~)</a:t>
+              <a:t> </a:t>
+            </a:r>
+            <a:r>
+              <a:rPr lang="ko-KR" altLang="en-US" sz="1100" dirty="0"/>
+              <a:t>개발동아리 </a:t>
+            </a:r>
+            <a:r>
+              <a:rPr lang="ko-KR" altLang="en-US" sz="1100" dirty="0" err="1"/>
+              <a:t>유어슈</a:t>
+            </a:r>
+            <a:r>
+              <a:rPr lang="ko-KR" altLang="en-US" sz="1100" dirty="0"/>
+              <a:t> </a:t>
+            </a:r>
+            <a:r>
+              <a:rPr lang="ko-KR" altLang="en-US" sz="1100" dirty="0" err="1"/>
+              <a:t>백엔드</a:t>
+            </a:r>
+            <a:r>
+              <a:rPr lang="ko-KR" altLang="en-US" sz="1100" dirty="0"/>
+              <a:t> 팀원</a:t>
+            </a:r>
+            <a:r>
+              <a:rPr lang="en-US" altLang="ko-KR" sz="1100" dirty="0"/>
+              <a:t>(2021.10~)</a:t>
             </a:r>
             <a:endParaRPr lang="ko-KR" altLang="en-US" sz="1100" dirty="0"/>
           </a:p>
@@ -4183,10 +4257,10 @@
       </p:sp>
       <p:sp>
         <p:nvSpPr>
-          <p:cNvPr id="14" name="TextBox 13">
-            <a:extLst>
-              <a:ext uri="{FF2B5EF4-FFF2-40B4-BE49-F238E27FC236}">
-                <a16:creationId xmlns:a16="http://schemas.microsoft.com/office/drawing/2014/main" id="{BB9BA9AE-E79D-4B05-BFF5-BCCBB1FB312E}"/>
+          <p:cNvPr id="15" name="TextBox 14">
+            <a:extLst>
+              <a:ext uri="{FF2B5EF4-FFF2-40B4-BE49-F238E27FC236}">
+                <a16:creationId xmlns:a16="http://schemas.microsoft.com/office/drawing/2014/main" id="{AE70CFAB-9590-4219-B702-399DF8CA6F33}"/>
               </a:ext>
             </a:extLst>
           </p:cNvPr>
@@ -4195,7 +4269,7 @@
         </p:nvSpPr>
         <p:spPr>
           <a:xfrm>
-            <a:off x="5800832" y="5298484"/>
+            <a:off x="5783580" y="5101054"/>
             <a:ext cx="6278880" cy="261610"/>
           </a:xfrm>
           <a:prstGeom prst="rect">
@@ -4215,35 +4289,19 @@
             </a:r>
             <a:r>
               <a:rPr lang="ko-KR" altLang="en-US" sz="1100" dirty="0"/>
-              <a:t>숭실대학교</a:t>
+              <a:t>대학 연합 개발동아리 </a:t>
             </a:r>
             <a:r>
               <a:rPr lang="en-US" altLang="ko-KR" sz="1100" dirty="0"/>
-              <a:t> </a:t>
+              <a:t>UMC </a:t>
             </a:r>
             <a:r>
               <a:rPr lang="ko-KR" altLang="en-US" sz="1100" dirty="0"/>
-              <a:t>개발동아리 </a:t>
-            </a:r>
-            <a:r>
-              <a:rPr lang="ko-KR" altLang="en-US" sz="1100" dirty="0" err="1"/>
-              <a:t>유어슈</a:t>
-            </a:r>
-            <a:r>
-              <a:rPr lang="ko-KR" altLang="en-US" sz="1100" dirty="0"/>
-              <a:t> </a:t>
-            </a:r>
-            <a:r>
-              <a:rPr lang="ko-KR" altLang="en-US" sz="1100" dirty="0" err="1"/>
-              <a:t>백엔드</a:t>
-            </a:r>
-            <a:r>
-              <a:rPr lang="ko-KR" altLang="en-US" sz="1100" dirty="0"/>
-              <a:t> 팀원</a:t>
+              <a:t>숭실대 지부 </a:t>
             </a:r>
             <a:r>
               <a:rPr lang="en-US" altLang="ko-KR" sz="1100" dirty="0"/>
-              <a:t>(2021.10~)</a:t>
+              <a:t>Server Member(2021.08 ~ 2021.11)</a:t>
             </a:r>
             <a:endParaRPr lang="ko-KR" altLang="en-US" sz="1100" dirty="0"/>
           </a:p>
@@ -4251,10 +4309,10 @@
       </p:sp>
       <p:sp>
         <p:nvSpPr>
-          <p:cNvPr id="15" name="TextBox 14">
-            <a:extLst>
-              <a:ext uri="{FF2B5EF4-FFF2-40B4-BE49-F238E27FC236}">
-                <a16:creationId xmlns:a16="http://schemas.microsoft.com/office/drawing/2014/main" id="{AE70CFAB-9590-4219-B702-399DF8CA6F33}"/>
+          <p:cNvPr id="16" name="TextBox 15">
+            <a:extLst>
+              <a:ext uri="{FF2B5EF4-FFF2-40B4-BE49-F238E27FC236}">
+                <a16:creationId xmlns:a16="http://schemas.microsoft.com/office/drawing/2014/main" id="{DB95444D-8F9D-425E-8D71-6F757D1A70DC}"/>
               </a:ext>
             </a:extLst>
           </p:cNvPr>
@@ -4263,7 +4321,7 @@
         </p:nvSpPr>
         <p:spPr>
           <a:xfrm>
-            <a:off x="5783580" y="4791344"/>
+            <a:off x="5800832" y="3362430"/>
             <a:ext cx="6278880" cy="261610"/>
           </a:xfrm>
           <a:prstGeom prst="rect">
@@ -4283,19 +4341,27 @@
             </a:r>
             <a:r>
               <a:rPr lang="ko-KR" altLang="en-US" sz="1100" dirty="0"/>
-              <a:t>대학 연합 개발동아리 </a:t>
+              <a:t>스타트업 겨울방학 인턴십 </a:t>
             </a:r>
             <a:r>
               <a:rPr lang="en-US" altLang="ko-KR" sz="1100" dirty="0"/>
-              <a:t>UMC </a:t>
+              <a:t>DINO-STUDIO</a:t>
             </a:r>
             <a:r>
               <a:rPr lang="ko-KR" altLang="en-US" sz="1100" dirty="0"/>
-              <a:t>숭실대 지부 </a:t>
+              <a:t> </a:t>
+            </a:r>
+            <a:r>
+              <a:rPr lang="ko-KR" altLang="en-US" sz="1100" dirty="0" err="1"/>
+              <a:t>백엔드</a:t>
+            </a:r>
+            <a:r>
+              <a:rPr lang="ko-KR" altLang="en-US" sz="1100" dirty="0"/>
+              <a:t> 개발자 </a:t>
             </a:r>
             <a:r>
               <a:rPr lang="en-US" altLang="ko-KR" sz="1100" dirty="0"/>
-              <a:t>Server Member(2021.08 ~ 2021.11)</a:t>
+              <a:t>(2021.12.29 ~ 2022.02)</a:t>
             </a:r>
             <a:endParaRPr lang="ko-KR" altLang="en-US" sz="1100" dirty="0"/>
           </a:p>
@@ -4303,10 +4369,10 @@
       </p:sp>
       <p:sp>
         <p:nvSpPr>
-          <p:cNvPr id="16" name="TextBox 15">
-            <a:extLst>
-              <a:ext uri="{FF2B5EF4-FFF2-40B4-BE49-F238E27FC236}">
-                <a16:creationId xmlns:a16="http://schemas.microsoft.com/office/drawing/2014/main" id="{DB95444D-8F9D-425E-8D71-6F757D1A70DC}"/>
+          <p:cNvPr id="17" name="TextBox 16">
+            <a:extLst>
+              <a:ext uri="{FF2B5EF4-FFF2-40B4-BE49-F238E27FC236}">
+                <a16:creationId xmlns:a16="http://schemas.microsoft.com/office/drawing/2014/main" id="{8FCE5EC8-14B3-4915-9389-EE0F9D29C9B4}"/>
               </a:ext>
             </a:extLst>
           </p:cNvPr>
@@ -4315,8 +4381,8 @@
         </p:nvSpPr>
         <p:spPr>
           <a:xfrm>
-            <a:off x="5800832" y="3572155"/>
-            <a:ext cx="6278880" cy="261610"/>
+            <a:off x="5783580" y="2084749"/>
+            <a:ext cx="5173980" cy="307777"/>
           </a:xfrm>
           <a:prstGeom prst="rect">
             <a:avLst/>
@@ -4330,51 +4396,18 @@
           <a:lstStyle/>
           <a:p>
             <a:r>
-              <a:rPr lang="en-US" altLang="ko-KR" sz="1100" dirty="0"/>
-              <a:t>- </a:t>
-            </a:r>
-            <a:r>
-              <a:rPr lang="ko-KR" altLang="en-US" sz="1100" dirty="0"/>
-              <a:t>스타트업 겨울방학 인턴십 </a:t>
-            </a:r>
-            <a:r>
-              <a:rPr lang="ko-KR" altLang="en-US" sz="1100" dirty="0" err="1"/>
-              <a:t>백엔드</a:t>
-            </a:r>
-            <a:r>
-              <a:rPr lang="ko-KR" altLang="en-US" sz="1100" dirty="0"/>
-              <a:t> 개발자 </a:t>
-            </a:r>
-            <a:r>
-              <a:rPr lang="en-US" altLang="ko-KR" sz="1100" dirty="0"/>
-              <a:t>(DINO</a:t>
-            </a:r>
-            <a:r>
-              <a:rPr lang="ko-KR" altLang="en-US" sz="1100" dirty="0"/>
-              <a:t> </a:t>
-            </a:r>
-            <a:r>
-              <a:rPr lang="en-US" altLang="ko-KR" sz="1100" dirty="0"/>
-              <a:t>STUDIO</a:t>
-            </a:r>
-            <a:r>
-              <a:rPr lang="ko-KR" altLang="en-US" sz="1100" dirty="0"/>
-              <a:t> </a:t>
-            </a:r>
-            <a:r>
-              <a:rPr lang="en-US" altLang="ko-KR" sz="1100" dirty="0"/>
-              <a:t>– 2021.12.29 ~ 2022.02)</a:t>
-            </a:r>
-            <a:endParaRPr lang="ko-KR" altLang="en-US" sz="1100" dirty="0"/>
-          </a:p>
-        </p:txBody>
-      </p:sp>
-      <p:sp>
-        <p:nvSpPr>
-          <p:cNvPr id="17" name="TextBox 16">
-            <a:extLst>
-              <a:ext uri="{FF2B5EF4-FFF2-40B4-BE49-F238E27FC236}">
-                <a16:creationId xmlns:a16="http://schemas.microsoft.com/office/drawing/2014/main" id="{8FCE5EC8-14B3-4915-9389-EE0F9D29C9B4}"/>
+              <a:rPr lang="ko-KR" altLang="en-US" sz="1400" b="1" dirty="0"/>
+              <a:t>학력</a:t>
+            </a:r>
+          </a:p>
+        </p:txBody>
+      </p:sp>
+      <p:sp>
+        <p:nvSpPr>
+          <p:cNvPr id="19" name="TextBox 18">
+            <a:extLst>
+              <a:ext uri="{FF2B5EF4-FFF2-40B4-BE49-F238E27FC236}">
+                <a16:creationId xmlns:a16="http://schemas.microsoft.com/office/drawing/2014/main" id="{7BA6B76A-7240-4F37-96D3-DD897417E7B7}"/>
               </a:ext>
             </a:extLst>
           </p:cNvPr>
@@ -4383,7 +4416,7 @@
         </p:nvSpPr>
         <p:spPr>
           <a:xfrm>
-            <a:off x="5783580" y="2294474"/>
+            <a:off x="5783580" y="3047133"/>
             <a:ext cx="5173980" cy="307777"/>
           </a:xfrm>
           <a:prstGeom prst="rect">
@@ -4399,17 +4432,17 @@
           <a:p>
             <a:r>
               <a:rPr lang="ko-KR" altLang="en-US" sz="1400" b="1" dirty="0"/>
-              <a:t>학력</a:t>
-            </a:r>
-          </a:p>
-        </p:txBody>
-      </p:sp>
-      <p:sp>
-        <p:nvSpPr>
-          <p:cNvPr id="19" name="TextBox 18">
-            <a:extLst>
-              <a:ext uri="{FF2B5EF4-FFF2-40B4-BE49-F238E27FC236}">
-                <a16:creationId xmlns:a16="http://schemas.microsoft.com/office/drawing/2014/main" id="{7BA6B76A-7240-4F37-96D3-DD897417E7B7}"/>
+              <a:t>이력</a:t>
+            </a:r>
+          </a:p>
+        </p:txBody>
+      </p:sp>
+      <p:sp>
+        <p:nvSpPr>
+          <p:cNvPr id="21" name="TextBox 20">
+            <a:extLst>
+              <a:ext uri="{FF2B5EF4-FFF2-40B4-BE49-F238E27FC236}">
+                <a16:creationId xmlns:a16="http://schemas.microsoft.com/office/drawing/2014/main" id="{E3349158-CF0F-4051-9153-867EC6C84947}"/>
               </a:ext>
             </a:extLst>
           </p:cNvPr>
@@ -4418,7 +4451,7 @@
         </p:nvSpPr>
         <p:spPr>
           <a:xfrm>
-            <a:off x="5783580" y="3256858"/>
+            <a:off x="5783580" y="4249428"/>
             <a:ext cx="5173980" cy="307777"/>
           </a:xfrm>
           <a:prstGeom prst="rect">
@@ -4434,41 +4467,6 @@
           <a:p>
             <a:r>
               <a:rPr lang="ko-KR" altLang="en-US" sz="1400" b="1" dirty="0"/>
-              <a:t>이력</a:t>
-            </a:r>
-          </a:p>
-        </p:txBody>
-      </p:sp>
-      <p:sp>
-        <p:nvSpPr>
-          <p:cNvPr id="21" name="TextBox 20">
-            <a:extLst>
-              <a:ext uri="{FF2B5EF4-FFF2-40B4-BE49-F238E27FC236}">
-                <a16:creationId xmlns:a16="http://schemas.microsoft.com/office/drawing/2014/main" id="{E3349158-CF0F-4051-9153-867EC6C84947}"/>
-              </a:ext>
-            </a:extLst>
-          </p:cNvPr>
-          <p:cNvSpPr txBox="1"/>
-          <p:nvPr/>
-        </p:nvSpPr>
-        <p:spPr>
-          <a:xfrm>
-            <a:off x="5783580" y="4459153"/>
-            <a:ext cx="5173980" cy="307777"/>
-          </a:xfrm>
-          <a:prstGeom prst="rect">
-            <a:avLst/>
-          </a:prstGeom>
-          <a:noFill/>
-        </p:spPr>
-        <p:txBody>
-          <a:bodyPr wrap="square" rtlCol="0">
-            <a:spAutoFit/>
-          </a:bodyPr>
-          <a:lstStyle/>
-          <a:p>
-            <a:r>
-              <a:rPr lang="ko-KR" altLang="en-US" sz="1400" b="1" dirty="0"/>
               <a:t>동아리 및 커뮤니티</a:t>
             </a:r>
           </a:p>
@@ -4490,7 +4488,7 @@
         </p:nvCxnSpPr>
         <p:spPr>
           <a:xfrm>
-            <a:off x="5650302" y="5812218"/>
+            <a:off x="5650302" y="5602493"/>
             <a:ext cx="6429410" cy="0"/>
           </a:xfrm>
           <a:prstGeom prst="line">
@@ -4757,12 +4755,9 @@
           <a:p>
             <a:r>
               <a:rPr lang="en-US" altLang="ko-KR" sz="1400" dirty="0"/>
-              <a:t>2021. 12. 29 ~ </a:t>
-            </a:r>
-            <a:r>
-              <a:rPr lang="ko-KR" altLang="en-US" sz="1400" dirty="0"/>
-              <a:t>진행 중</a:t>
-            </a:r>
+              <a:t>2021. 12 ~ 2022. 02</a:t>
+            </a:r>
+            <a:endParaRPr lang="ko-KR" altLang="en-US" sz="1400" dirty="0"/>
           </a:p>
         </p:txBody>
       </p:sp>
@@ -4780,7 +4775,7 @@
         </p:nvSpPr>
         <p:spPr>
           <a:xfrm>
-            <a:off x="5599771" y="1797762"/>
+            <a:off x="5599771" y="1744671"/>
             <a:ext cx="127155" cy="121059"/>
           </a:xfrm>
           <a:prstGeom prst="rect">
@@ -4815,7 +4810,7 @@
         </p:nvSpPr>
         <p:spPr>
           <a:xfrm>
-            <a:off x="6096000" y="1647669"/>
+            <a:off x="6096000" y="1594578"/>
             <a:ext cx="2390775" cy="369332"/>
           </a:xfrm>
           <a:prstGeom prst="rect">
@@ -4851,8 +4846,8 @@
         </p:nvSpPr>
         <p:spPr>
           <a:xfrm>
-            <a:off x="6096000" y="1970063"/>
-            <a:ext cx="5835588" cy="523220"/>
+            <a:off x="6096000" y="1978644"/>
+            <a:ext cx="4562476" cy="738664"/>
           </a:xfrm>
           <a:prstGeom prst="rect">
             <a:avLst/>
@@ -4891,7 +4886,7 @@
             </a:r>
             <a:r>
               <a:rPr lang="en-US" altLang="ko-KR" sz="1400" dirty="0" err="1"/>
-              <a:t>MySql</a:t>
+              <a:t>Querydsl</a:t>
             </a:r>
             <a:r>
               <a:rPr lang="en-US" altLang="ko-KR" sz="1400" dirty="0"/>
@@ -4899,22 +4894,36 @@
             </a:r>
             <a:r>
               <a:rPr lang="en-US" altLang="ko-KR" sz="1400" dirty="0" err="1"/>
-              <a:t>Jwt</a:t>
+              <a:t>MySql</a:t>
             </a:r>
             <a:endParaRPr lang="en-US" altLang="ko-KR" sz="1400" dirty="0"/>
           </a:p>
           <a:p>
             <a:r>
               <a:rPr lang="en-US" altLang="ko-KR" sz="1400" dirty="0"/>
-              <a:t>- EC2, RDS, S3, CloudFront, CICD (Travis CI, Code Deploy, S3 </a:t>
-            </a:r>
-            <a:r>
-              <a:rPr lang="ko-KR" altLang="en-US" sz="1400" dirty="0"/>
-              <a:t>이용</a:t>
-            </a:r>
+              <a:t>- EC2, RDS, S3, CloudFront</a:t>
+            </a:r>
+          </a:p>
+          <a:p>
             <a:r>
               <a:rPr lang="en-US" altLang="ko-KR" sz="1400" dirty="0"/>
-              <a:t>)</a:t>
+              <a:t>- CICD(</a:t>
+            </a:r>
+            <a:r>
+              <a:rPr lang="en-US" altLang="ko-KR" sz="1400" dirty="0" err="1"/>
+              <a:t>CodeDeploy</a:t>
+            </a:r>
+            <a:r>
+              <a:rPr lang="en-US" altLang="ko-KR" sz="1400" dirty="0"/>
+              <a:t>, </a:t>
+            </a:r>
+            <a:r>
+              <a:rPr lang="en-US" altLang="ko-KR" sz="1400" dirty="0" err="1"/>
+              <a:t>Github</a:t>
+            </a:r>
+            <a:r>
+              <a:rPr lang="en-US" altLang="ko-KR" sz="1400" dirty="0"/>
+              <a:t> action)</a:t>
             </a:r>
             <a:endParaRPr lang="ko-KR" altLang="en-US" sz="1400" dirty="0"/>
           </a:p>
@@ -4934,7 +4943,7 @@
         </p:nvSpPr>
         <p:spPr>
           <a:xfrm>
-            <a:off x="5600623" y="2982195"/>
+            <a:off x="5600623" y="3047084"/>
             <a:ext cx="127155" cy="121059"/>
           </a:xfrm>
           <a:prstGeom prst="rect">
@@ -4969,7 +4978,7 @@
         </p:nvSpPr>
         <p:spPr>
           <a:xfrm>
-            <a:off x="6116831" y="2832102"/>
+            <a:off x="6116831" y="2896991"/>
             <a:ext cx="2390775" cy="369332"/>
           </a:xfrm>
           <a:prstGeom prst="rect">
@@ -5005,7 +5014,7 @@
         </p:nvSpPr>
         <p:spPr>
           <a:xfrm>
-            <a:off x="5599772" y="4326859"/>
+            <a:off x="5599772" y="4297364"/>
             <a:ext cx="127155" cy="121059"/>
           </a:xfrm>
           <a:prstGeom prst="rect">
@@ -5040,7 +5049,7 @@
         </p:nvSpPr>
         <p:spPr>
           <a:xfrm>
-            <a:off x="6096001" y="4176766"/>
+            <a:off x="6096001" y="4147271"/>
             <a:ext cx="2390775" cy="369332"/>
           </a:xfrm>
           <a:prstGeom prst="rect">
@@ -5076,8 +5085,8 @@
         </p:nvSpPr>
         <p:spPr>
           <a:xfrm>
-            <a:off x="6116831" y="4657877"/>
-            <a:ext cx="5881580" cy="2139047"/>
+            <a:off x="6116831" y="4539897"/>
+            <a:ext cx="5881580" cy="2816156"/>
           </a:xfrm>
           <a:prstGeom prst="rect">
             <a:avLst/>
@@ -5142,6 +5151,36 @@
               <a:t>⨀ </a:t>
             </a:r>
             <a:r>
+              <a:rPr lang="en-US" altLang="ko-KR" sz="1100" dirty="0"/>
+              <a:t>Spring </a:t>
+            </a:r>
+            <a:r>
+              <a:rPr lang="en-US" altLang="ko-KR" sz="1100" dirty="0" err="1"/>
+              <a:t>WebClient</a:t>
+            </a:r>
+            <a:r>
+              <a:rPr lang="ko-KR" altLang="en-US" sz="1100" dirty="0"/>
+              <a:t>를 이용한 외부 </a:t>
+            </a:r>
+            <a:r>
+              <a:rPr lang="en-US" altLang="ko-KR" sz="1100" dirty="0"/>
+              <a:t>API</a:t>
+            </a:r>
+            <a:r>
+              <a:rPr lang="ko-KR" altLang="en-US" sz="1100" dirty="0"/>
+              <a:t>와의 통신 </a:t>
+            </a:r>
+            <a:endParaRPr lang="en-US" altLang="ko-KR" sz="1100" dirty="0"/>
+          </a:p>
+          <a:p>
+            <a:endParaRPr lang="en-US" altLang="ko-KR" sz="1100" dirty="0"/>
+          </a:p>
+          <a:p>
+            <a:r>
+              <a:rPr lang="ko-KR" altLang="en-US" sz="1100" dirty="0"/>
+              <a:t>⨀ </a:t>
+            </a:r>
+            <a:r>
               <a:rPr lang="ko-KR" altLang="en-US" sz="1100" dirty="0" err="1"/>
               <a:t>스웨거를</a:t>
             </a:r>
@@ -5183,43 +5222,33 @@
           <a:p>
             <a:r>
               <a:rPr lang="ko-KR" altLang="en-US" sz="1100" dirty="0"/>
-              <a:t>⨀ 데이터베이스 설계 </a:t>
+              <a:t>⨀ </a:t>
             </a:r>
             <a:r>
               <a:rPr lang="en-US" altLang="ko-KR" sz="1100" dirty="0"/>
-              <a:t>–&gt; </a:t>
+              <a:t>CICD</a:t>
+            </a:r>
+            <a:r>
+              <a:rPr lang="ko-KR" altLang="en-US" sz="1100" dirty="0"/>
+              <a:t>와 </a:t>
             </a:r>
             <a:r>
               <a:rPr lang="ko-KR" altLang="en-US" sz="1100" dirty="0" err="1"/>
-              <a:t>백엔드</a:t>
+              <a:t>무중단</a:t>
             </a:r>
             <a:r>
               <a:rPr lang="ko-KR" altLang="en-US" sz="1100" dirty="0"/>
-              <a:t> </a:t>
-            </a:r>
-            <a:r>
-              <a:rPr lang="en-US" altLang="ko-KR" sz="1100" dirty="0"/>
-              <a:t>API </a:t>
-            </a:r>
+              <a:t> 배포</a:t>
+            </a:r>
+            <a:endParaRPr lang="en-US" altLang="ko-KR" sz="1100" dirty="0"/>
+          </a:p>
+          <a:p>
+            <a:endParaRPr lang="en-US" altLang="ko-KR" sz="1100" dirty="0"/>
+          </a:p>
+          <a:p>
             <a:r>
               <a:rPr lang="ko-KR" altLang="en-US" sz="1100" dirty="0"/>
-              <a:t>구현 </a:t>
-            </a:r>
-            <a:r>
-              <a:rPr lang="en-US" altLang="ko-KR" sz="1100" dirty="0"/>
-              <a:t>–&gt; </a:t>
-            </a:r>
-            <a:r>
-              <a:rPr lang="ko-KR" altLang="en-US" sz="1100" dirty="0"/>
-              <a:t>배포</a:t>
-            </a:r>
-            <a:r>
-              <a:rPr lang="en-US" altLang="ko-KR" sz="1100" dirty="0"/>
-              <a:t>(CICD)</a:t>
-            </a:r>
-            <a:r>
-              <a:rPr lang="ko-KR" altLang="en-US" sz="1100" dirty="0"/>
-              <a:t>의 모든 과정을 진행</a:t>
+              <a:t>⨀ 서버 세팅 혼자서 진행</a:t>
             </a:r>
             <a:endParaRPr lang="en-US" altLang="ko-KR" sz="1100" dirty="0"/>
           </a:p>
@@ -5257,7 +5286,7 @@
         </p:nvSpPr>
         <p:spPr>
           <a:xfrm>
-            <a:off x="6063740" y="3201434"/>
+            <a:off x="6063740" y="3295818"/>
             <a:ext cx="4817620" cy="646331"/>
           </a:xfrm>
           <a:prstGeom prst="rect">
@@ -5298,7 +5327,7 @@
             </a:pPr>
             <a:r>
               <a:rPr lang="ko-KR" altLang="en-US" sz="1200" dirty="0"/>
-              <a:t>특정 조건이 충족하는 사람만 서비스를 이용할 수 있습니다</a:t>
+              <a:t>본인 인증 절차를 거쳐 서비스를 이용할 수 있습니다</a:t>
             </a:r>
             <a:r>
               <a:rPr lang="en-US" altLang="ko-KR" sz="1200" dirty="0"/>
@@ -5709,7 +5738,7 @@
             </a:r>
             <a:r>
               <a:rPr lang="ko-KR" altLang="en-US" sz="1200" dirty="0"/>
-              <a:t>예를 들어 특정 회원의 글을 조회하는 로직을 요청한다면 그 글이 해당 </a:t>
+              <a:t>예를 들어 특정 회원의 프로필을 조회하는 로직을 요청한다면 그 프로필이 해당 </a:t>
             </a:r>
             <a:r>
               <a:rPr lang="en-US" altLang="ko-KR" sz="1200" dirty="0"/>
@@ -5717,7 +5746,7 @@
             </a:r>
             <a:r>
               <a:rPr lang="ko-KR" altLang="en-US" sz="1200" dirty="0"/>
-              <a:t>에게 속해 있는 글인지 확인하는 절차를 거칩니다</a:t>
+              <a:t>에게 허락된 프로필인지 확인하는 절차를 거칩니다</a:t>
             </a:r>
             <a:r>
               <a:rPr lang="en-US" altLang="ko-KR" sz="1200" dirty="0"/>
@@ -6296,10 +6325,6 @@
           <a:lstStyle/>
           <a:p>
             <a:pPr algn="ctr"/>
-            <a:r>
-              <a:rPr lang="ko-KR" altLang="en-US" sz="800" dirty="0"/>
-              <a:t>해당 </a:t>
-            </a:r>
             <a:r>
               <a:rPr lang="en-US" altLang="ko-KR" sz="800" dirty="0"/>
               <a:t>User</a:t>
@@ -7518,7 +7543,7 @@
         <p:spPr>
           <a:xfrm>
             <a:off x="244896" y="736677"/>
-            <a:ext cx="5513135" cy="6001643"/>
+            <a:ext cx="5190460" cy="5447645"/>
           </a:xfrm>
           <a:prstGeom prst="rect">
             <a:avLst/>
@@ -7547,42 +7572,16 @@
             </a:r>
           </a:p>
           <a:p>
+            <a:endParaRPr lang="en-US" altLang="ko-KR" sz="1200" dirty="0"/>
+          </a:p>
+          <a:p>
             <a:pPr marL="228600" indent="-228600">
               <a:buAutoNum type="arabicPeriod"/>
             </a:pPr>
             <a:r>
               <a:rPr lang="en-US" altLang="ko-KR" sz="1200" dirty="0"/>
-              <a:t>User Table(User</a:t>
-            </a:r>
-            <a:r>
-              <a:rPr lang="ko-KR" altLang="en-US" sz="1200" dirty="0"/>
-              <a:t>의 </a:t>
-            </a:r>
-            <a:r>
-              <a:rPr lang="en-US" altLang="ko-KR" sz="1200" dirty="0"/>
-              <a:t>‘Avoid Acquaintance’</a:t>
-            </a:r>
-            <a:r>
-              <a:rPr lang="ko-KR" altLang="en-US" sz="1200" dirty="0"/>
-              <a:t>가 </a:t>
-            </a:r>
-            <a:r>
-              <a:rPr lang="en-US" altLang="ko-KR" sz="1200" dirty="0"/>
-              <a:t>True</a:t>
-            </a:r>
-            <a:r>
-              <a:rPr lang="ko-KR" altLang="en-US" sz="1200" dirty="0"/>
-              <a:t>이면 아는 사람 피하기 기능을 사용하는 것임</a:t>
-            </a:r>
-            <a:r>
-              <a:rPr lang="en-US" altLang="ko-KR" sz="1200" dirty="0"/>
-              <a:t>)</a:t>
-            </a:r>
-            <a:r>
-              <a:rPr lang="ko-KR" altLang="en-US" sz="1200" dirty="0"/>
-              <a:t> </a:t>
-            </a:r>
-            <a:endParaRPr lang="en-US" altLang="ko-KR" sz="1200" dirty="0"/>
+              <a:t>User Table</a:t>
+            </a:r>
           </a:p>
           <a:p>
             <a:pPr marL="228600" indent="-228600">
@@ -7635,15 +7634,18 @@
             </a:r>
             <a:r>
               <a:rPr lang="ko-KR" altLang="en-US" sz="1200" dirty="0"/>
-              <a:t> 테이블입니다</a:t>
-            </a:r>
+              <a:t> 테이블</a:t>
+            </a:r>
+            <a:endParaRPr lang="en-US" altLang="ko-KR" sz="1200" dirty="0"/>
+          </a:p>
+          <a:p>
             <a:r>
               <a:rPr lang="en-US" altLang="ko-KR" sz="1200" dirty="0"/>
-              <a:t>. User</a:t>
+              <a:t>  - User</a:t>
             </a:r>
             <a:r>
               <a:rPr lang="ko-KR" altLang="en-US" sz="1200" dirty="0"/>
-              <a:t>의 핸드폰에 저장된 모든 연락처를 저장합니다</a:t>
+              <a:t>의 핸드폰에 있는 모든 연락처를 저장합니다</a:t>
             </a:r>
             <a:r>
               <a:rPr lang="en-US" altLang="ko-KR" sz="1200" dirty="0"/>
@@ -7668,16 +7670,27 @@
             </a:r>
             <a:r>
               <a:rPr lang="en-US" altLang="ko-KR" sz="1200" dirty="0"/>
-              <a:t>Table (</a:t>
+              <a:t>Table </a:t>
+            </a:r>
+          </a:p>
+          <a:p>
+            <a:r>
+              <a:rPr lang="en-US" altLang="ko-KR" sz="1200" dirty="0"/>
+              <a:t>  - </a:t>
             </a:r>
             <a:r>
               <a:rPr lang="ko-KR" altLang="en-US" sz="1200" dirty="0"/>
-              <a:t>두 이용자가 아는 사이임을 나타내는 테이블</a:t>
+              <a:t>두 </a:t>
             </a:r>
             <a:r>
               <a:rPr lang="en-US" altLang="ko-KR" sz="1200" dirty="0"/>
-              <a:t>)</a:t>
-            </a:r>
+              <a:t>User</a:t>
+            </a:r>
+            <a:r>
+              <a:rPr lang="ko-KR" altLang="en-US" sz="1200" dirty="0"/>
+              <a:t>가 아는 사이임을 나타내는 테이블</a:t>
+            </a:r>
+            <a:endParaRPr lang="en-US" altLang="ko-KR" sz="1200" dirty="0"/>
           </a:p>
           <a:p>
             <a:r>
@@ -7706,32 +7719,11 @@
             </a:r>
             <a:r>
               <a:rPr lang="en-US" altLang="ko-KR" sz="1200" dirty="0"/>
-              <a:t>. </a:t>
-            </a:r>
-            <a:r>
-              <a:rPr lang="ko-KR" altLang="en-US" sz="1200" dirty="0"/>
-              <a:t>즉 </a:t>
-            </a:r>
-            <a:r>
-              <a:rPr lang="en-US" altLang="ko-KR" sz="1200" dirty="0"/>
-              <a:t>FK</a:t>
-            </a:r>
-            <a:r>
-              <a:rPr lang="ko-KR" altLang="en-US" sz="1200" dirty="0"/>
-              <a:t>로 두 유저의 </a:t>
-            </a:r>
-            <a:r>
-              <a:rPr lang="en-US" altLang="ko-KR" sz="1200" dirty="0"/>
-              <a:t>PK</a:t>
-            </a:r>
-            <a:r>
-              <a:rPr lang="ko-KR" altLang="en-US" sz="1200" dirty="0"/>
-              <a:t>를 갖습니다</a:t>
-            </a:r>
-            <a:r>
-              <a:rPr lang="en-US" altLang="ko-KR" sz="1200" dirty="0"/>
               <a:t>.</a:t>
             </a:r>
+          </a:p>
+          <a:p>
+            <a:endParaRPr lang="en-US" altLang="ko-KR" sz="1200" dirty="0"/>
           </a:p>
           <a:p>
             <a:pPr marL="171450" indent="-171450">
@@ -7741,9 +7733,6 @@
             <a:endParaRPr lang="en-US" altLang="ko-KR" sz="1200" dirty="0"/>
           </a:p>
           <a:p>
-            <a:endParaRPr lang="en-US" altLang="ko-KR" sz="1200" dirty="0"/>
-          </a:p>
-          <a:p>
             <a:pPr marL="171450" indent="-171450">
               <a:buFontTx/>
               <a:buChar char="-"/>
@@ -7751,6 +7740,12 @@
             <a:endParaRPr lang="en-US" altLang="ko-KR" sz="1200" dirty="0"/>
           </a:p>
           <a:p>
+            <a:endParaRPr lang="en-US" altLang="ko-KR" sz="1200" b="1" dirty="0"/>
+          </a:p>
+          <a:p>
+            <a:endParaRPr lang="en-US" altLang="ko-KR" sz="1200" b="1" dirty="0"/>
+          </a:p>
+          <a:p>
             <a:r>
               <a:rPr lang="ko-KR" altLang="en-US" sz="1200" b="1" dirty="0"/>
               <a:t>⨀ 상황 </a:t>
@@ -7774,11 +7769,11 @@
           <a:p>
             <a:r>
               <a:rPr lang="en-US" altLang="ko-KR" sz="1200" dirty="0"/>
-              <a:t>1) </a:t>
+              <a:t>1) User </a:t>
             </a:r>
             <a:r>
               <a:rPr lang="ko-KR" altLang="en-US" sz="1200" dirty="0"/>
-              <a:t>신규 유저의 핸드폰에 저장된 모든 번호를 받아옵니다</a:t>
+              <a:t>핸드폰에 저장된 모든 번호를 받아옵니다</a:t>
             </a:r>
             <a:r>
               <a:rPr lang="en-US" altLang="ko-KR" sz="1200" dirty="0"/>
@@ -7819,7 +7814,19 @@
             </a:r>
             <a:r>
               <a:rPr lang="ko-KR" altLang="en-US" sz="1200" dirty="0"/>
-              <a:t>해당 번호로 가입한 기존 유저를 리스트로 받아옵니다</a:t>
+              <a:t>방금 전 등록한 번호 목록을 통해 아는 사이인 기존 유저들을 찾고  </a:t>
+            </a:r>
+            <a:r>
+              <a:rPr lang="en-US" altLang="ko-KR" sz="1200" dirty="0" err="1"/>
+              <a:t>AcquaintanceRelation</a:t>
+            </a:r>
+            <a:r>
+              <a:rPr lang="en-US" altLang="ko-KR" sz="1200" dirty="0"/>
+              <a:t> </a:t>
+            </a:r>
+            <a:r>
+              <a:rPr lang="ko-KR" altLang="en-US" sz="1200" dirty="0"/>
+              <a:t>테이블에 저장합니다</a:t>
             </a:r>
             <a:r>
               <a:rPr lang="en-US" altLang="ko-KR" sz="1200" dirty="0"/>
@@ -7830,13 +7837,77 @@
             <a:endParaRPr lang="en-US" altLang="ko-KR" sz="1200" dirty="0"/>
           </a:p>
           <a:p>
+            <a:endParaRPr lang="en-US" altLang="ko-KR" sz="1200" dirty="0"/>
+          </a:p>
+          <a:p>
+            <a:endParaRPr lang="en-US" altLang="ko-KR" sz="1200" dirty="0"/>
+          </a:p>
+        </p:txBody>
+      </p:sp>
+      <p:sp>
+        <p:nvSpPr>
+          <p:cNvPr id="28" name="TextBox 27">
+            <a:extLst>
+              <a:ext uri="{FF2B5EF4-FFF2-40B4-BE49-F238E27FC236}">
+                <a16:creationId xmlns:a16="http://schemas.microsoft.com/office/drawing/2014/main" id="{73909CA5-1DE6-43C9-83F4-147148F20DB1}"/>
+              </a:ext>
+            </a:extLst>
+          </p:cNvPr>
+          <p:cNvSpPr txBox="1"/>
+          <p:nvPr/>
+        </p:nvSpPr>
+        <p:spPr>
+          <a:xfrm>
+            <a:off x="5692133" y="0"/>
+            <a:ext cx="6407835" cy="4708981"/>
+          </a:xfrm>
+          <a:prstGeom prst="rect">
+            <a:avLst/>
+          </a:prstGeom>
+          <a:noFill/>
+        </p:spPr>
+        <p:txBody>
+          <a:bodyPr wrap="square" rtlCol="0">
+            <a:spAutoFit/>
+          </a:bodyPr>
+          <a:lstStyle/>
+          <a:p>
+            <a:endParaRPr lang="en-US" altLang="ko-KR" sz="1200" dirty="0"/>
+          </a:p>
+          <a:p>
+            <a:endParaRPr lang="en-US" altLang="ko-KR" sz="1200" b="1" dirty="0"/>
+          </a:p>
+          <a:p>
+            <a:endParaRPr lang="en-US" altLang="ko-KR" sz="1200" b="1" dirty="0"/>
+          </a:p>
+          <a:p>
+            <a:r>
+              <a:rPr lang="ko-KR" altLang="en-US" sz="1200" b="1" dirty="0"/>
+              <a:t>⨀ 상황 </a:t>
+            </a:r>
+            <a:r>
+              <a:rPr lang="en-US" altLang="ko-KR" sz="1200" b="1" dirty="0"/>
+              <a:t>2 - </a:t>
+            </a:r>
+            <a:r>
+              <a:rPr lang="ko-KR" altLang="en-US" sz="1200" b="1" dirty="0"/>
+              <a:t>새로운 유저 가입</a:t>
+            </a:r>
+            <a:endParaRPr lang="en-US" altLang="ko-KR" sz="1200" b="1" dirty="0"/>
+          </a:p>
+          <a:p>
             <a:r>
               <a:rPr lang="en-US" altLang="ko-KR" sz="1200" dirty="0"/>
-              <a:t>3) </a:t>
-            </a:r>
+              <a:t> </a:t>
+            </a:r>
+          </a:p>
+          <a:p>
+            <a:pPr marL="228600" indent="-228600">
+              <a:buAutoNum type="arabicParenR"/>
+            </a:pPr>
             <a:r>
               <a:rPr lang="ko-KR" altLang="en-US" sz="1200" dirty="0"/>
-              <a:t>기존 유저들과 신규 유저가 아는 사이임을 </a:t>
+              <a:t>신규 가입자의 전화번호를 통해 기존 유저와 아는 사이임을 </a:t>
             </a:r>
             <a:r>
               <a:rPr lang="en-US" altLang="ko-KR" sz="1200" dirty="0" err="1"/>
@@ -7844,16 +7915,17 @@
             </a:r>
             <a:r>
               <a:rPr lang="en-US" altLang="ko-KR" sz="1200" dirty="0"/>
-              <a:t> </a:t>
+              <a:t>  Table</a:t>
             </a:r>
             <a:r>
               <a:rPr lang="ko-KR" altLang="en-US" sz="1200" dirty="0"/>
-              <a:t>테이블에 저장합니다</a:t>
+              <a:t>에 등록합니다</a:t>
             </a:r>
             <a:r>
               <a:rPr lang="en-US" altLang="ko-KR" sz="1200" dirty="0"/>
               <a:t>.</a:t>
             </a:r>
+            <a:endParaRPr lang="en-US" altLang="ko-KR" sz="900" dirty="0"/>
           </a:p>
           <a:p>
             <a:endParaRPr lang="en-US" altLang="ko-KR" sz="1200" dirty="0"/>
@@ -7865,17 +7937,92 @@
             <a:endParaRPr lang="en-US" altLang="ko-KR" sz="1200" dirty="0"/>
           </a:p>
           <a:p>
+            <a:endParaRPr lang="en-US" altLang="ko-KR" sz="1200" b="1" dirty="0"/>
+          </a:p>
+          <a:p>
+            <a:endParaRPr lang="en-US" altLang="ko-KR" sz="1200" b="1" dirty="0"/>
+          </a:p>
+          <a:p>
+            <a:endParaRPr lang="en-US" altLang="ko-KR" sz="1200" b="1" dirty="0"/>
+          </a:p>
+          <a:p>
+            <a:endParaRPr lang="en-US" altLang="ko-KR" sz="1200" b="1" dirty="0"/>
+          </a:p>
+          <a:p>
+            <a:r>
+              <a:rPr lang="ko-KR" altLang="en-US" sz="1200" b="1" dirty="0"/>
+              <a:t>⨀ 상황 </a:t>
+            </a:r>
+            <a:r>
+              <a:rPr lang="en-US" altLang="ko-KR" sz="1200" b="1" dirty="0"/>
+              <a:t>3 – </a:t>
+            </a:r>
+            <a:r>
+              <a:rPr lang="ko-KR" altLang="en-US" sz="1200" b="1" dirty="0"/>
+              <a:t>아는 사람 피하기 기능 </a:t>
+            </a:r>
+            <a:r>
+              <a:rPr lang="en-US" altLang="ko-KR" sz="1200" b="1" dirty="0"/>
+              <a:t>Off</a:t>
+            </a:r>
+          </a:p>
+          <a:p>
+            <a:r>
+              <a:rPr lang="en-US" altLang="ko-KR" sz="1200" dirty="0"/>
+              <a:t> </a:t>
+            </a:r>
+          </a:p>
+          <a:p>
+            <a:pPr marL="228600" indent="-228600">
+              <a:buAutoNum type="arabicParenR"/>
+            </a:pPr>
+            <a:r>
+              <a:rPr lang="en-US" altLang="ko-KR" sz="1200" dirty="0" err="1"/>
+              <a:t>AcquaintancePhoneNumber</a:t>
+            </a:r>
+            <a:r>
+              <a:rPr lang="ko-KR" altLang="en-US" sz="1200" dirty="0"/>
+              <a:t> 테이블에서 </a:t>
+            </a:r>
+            <a:r>
+              <a:rPr lang="en-US" altLang="ko-KR" sz="1200" dirty="0"/>
+              <a:t>User</a:t>
+            </a:r>
+            <a:r>
+              <a:rPr lang="ko-KR" altLang="en-US" sz="1200" dirty="0"/>
+              <a:t>와 </a:t>
+            </a:r>
+            <a:r>
+              <a:rPr lang="ko-KR" altLang="en-US" sz="1200" dirty="0" err="1"/>
+              <a:t>연결되어있는</a:t>
+            </a:r>
+            <a:r>
+              <a:rPr lang="ko-KR" altLang="en-US" sz="1200" dirty="0"/>
+              <a:t> 모든 </a:t>
+            </a:r>
+            <a:r>
+              <a:rPr lang="en-US" altLang="ko-KR" sz="1200" dirty="0"/>
+              <a:t>Row</a:t>
+            </a:r>
+            <a:r>
+              <a:rPr lang="ko-KR" altLang="en-US" sz="1200" dirty="0"/>
+              <a:t>를 삭제합니다</a:t>
+            </a:r>
+            <a:r>
+              <a:rPr lang="en-US" altLang="ko-KR" sz="1200" dirty="0"/>
+              <a:t>.</a:t>
+            </a:r>
+          </a:p>
+          <a:p>
+            <a:pPr marL="228600" indent="-228600">
+              <a:buAutoNum type="arabicParenR"/>
+            </a:pPr>
             <a:endParaRPr lang="en-US" altLang="ko-KR" sz="1200" dirty="0"/>
           </a:p>
           <a:p>
-            <a:r>
-              <a:rPr lang="en-US" altLang="ko-KR" sz="1200" dirty="0"/>
-              <a:t>4) </a:t>
-            </a:r>
-            <a:r>
-              <a:rPr lang="ko-KR" altLang="en-US" sz="1200" dirty="0"/>
-              <a:t>이미 아는 사이로 등록된 관계인 경우 </a:t>
-            </a:r>
+            <a:pPr marL="228600" indent="-228600">
+              <a:buAutoNum type="arabicParenR"/>
+            </a:pPr>
             <a:r>
               <a:rPr lang="en-US" altLang="ko-KR" sz="1200" dirty="0" err="1"/>
               <a:t>AcquaintanceRelation</a:t>
@@ -7886,29 +8033,147 @@
             </a:r>
             <a:r>
               <a:rPr lang="ko-KR" altLang="en-US" sz="1200" dirty="0"/>
-              <a:t>테이블에 데이터를 </a:t>
-            </a:r>
-            <a:r>
-              <a:rPr lang="ko-KR" altLang="en-US" sz="1200" dirty="0" err="1"/>
-              <a:t>추가등록하지</a:t>
+              <a:t>테이블은 </a:t>
+            </a:r>
+            <a:r>
+              <a:rPr lang="en-US" altLang="ko-KR" sz="1200" dirty="0"/>
+              <a:t>User</a:t>
             </a:r>
             <a:r>
               <a:rPr lang="ko-KR" altLang="en-US" sz="1200" dirty="0"/>
-              <a:t> 않습니다</a:t>
+              <a:t>와 연결되어 있는 모든 </a:t>
+            </a:r>
+            <a:r>
+              <a:rPr lang="en-US" altLang="ko-KR" sz="1200" dirty="0"/>
+              <a:t>Row</a:t>
+            </a:r>
+            <a:r>
+              <a:rPr lang="ko-KR" altLang="en-US" sz="1200" dirty="0"/>
+              <a:t>를 지우면 안됩니다</a:t>
             </a:r>
             <a:r>
               <a:rPr lang="en-US" altLang="ko-KR" sz="1200" dirty="0"/>
               <a:t>.</a:t>
             </a:r>
           </a:p>
-        </p:txBody>
-      </p:sp>
-      <p:sp>
-        <p:nvSpPr>
-          <p:cNvPr id="2" name="Rectangle 1">
-            <a:extLst>
-              <a:ext uri="{FF2B5EF4-FFF2-40B4-BE49-F238E27FC236}">
-                <a16:creationId xmlns:a16="http://schemas.microsoft.com/office/drawing/2014/main" id="{E2B51FE0-D35F-480F-8B99-5B08004334D1}"/>
+          <a:p>
+            <a:endParaRPr lang="en-US" altLang="ko-KR" sz="1200" dirty="0"/>
+          </a:p>
+          <a:p>
+            <a:endParaRPr lang="en-US" altLang="ko-KR" sz="1200" dirty="0"/>
+          </a:p>
+          <a:p>
+            <a:r>
+              <a:rPr lang="en-US" altLang="ko-KR" sz="1200" dirty="0"/>
+              <a:t>-</a:t>
+            </a:r>
+            <a:r>
+              <a:rPr lang="ko-KR" altLang="en-US" sz="1200" dirty="0"/>
+              <a:t> </a:t>
+            </a:r>
+            <a:r>
+              <a:rPr lang="ko-KR" altLang="en-US" sz="1200" dirty="0" err="1"/>
+              <a:t>UserA와</a:t>
+            </a:r>
+            <a:r>
+              <a:rPr lang="ko-KR" altLang="en-US" sz="1200" dirty="0"/>
+              <a:t> 아는 사이라고 </a:t>
+            </a:r>
+            <a:r>
+              <a:rPr lang="ko-KR" altLang="en-US" sz="1200" dirty="0" err="1"/>
+              <a:t>등록되어있는</a:t>
+            </a:r>
+            <a:r>
+              <a:rPr lang="ko-KR" altLang="en-US" sz="1200" dirty="0"/>
+              <a:t> </a:t>
+            </a:r>
+            <a:r>
+              <a:rPr lang="ko-KR" altLang="en-US" sz="1200" b="1" dirty="0" err="1"/>
+              <a:t>UserB가</a:t>
+            </a:r>
+            <a:r>
+              <a:rPr lang="ko-KR" altLang="en-US" sz="1200" b="1" dirty="0"/>
+              <a:t> 아는 사람 피하기 기능을 사용하고 있다면</a:t>
+            </a:r>
+            <a:r>
+              <a:rPr lang="ko-KR" altLang="en-US" sz="1200" dirty="0"/>
+              <a:t> </a:t>
+            </a:r>
+            <a:r>
+              <a:rPr lang="ko-KR" altLang="en-US" sz="1200" dirty="0" err="1"/>
+              <a:t>Row을</a:t>
+            </a:r>
+            <a:r>
+              <a:rPr lang="ko-KR" altLang="en-US" sz="1200" dirty="0"/>
+              <a:t> </a:t>
+            </a:r>
+            <a:r>
+              <a:rPr lang="ko-KR" altLang="en-US" sz="1200" b="1" dirty="0"/>
+              <a:t>삭제하지 않도록 </a:t>
+            </a:r>
+            <a:r>
+              <a:rPr lang="ko-KR" altLang="en-US" sz="1200" dirty="0"/>
+              <a:t>하였습니다 </a:t>
+            </a:r>
+          </a:p>
+          <a:p>
+            <a:pPr marL="228600" indent="-228600">
+              <a:buAutoNum type="arabicParenR"/>
+            </a:pPr>
+            <a:endParaRPr lang="en-US" altLang="ko-KR" sz="1200" dirty="0"/>
+          </a:p>
+          <a:p>
+            <a:pPr marL="228600" indent="-228600">
+              <a:buAutoNum type="arabicParenR"/>
+            </a:pPr>
+            <a:endParaRPr lang="en-US" altLang="ko-KR" sz="1200" dirty="0"/>
+          </a:p>
+        </p:txBody>
+      </p:sp>
+      <p:cxnSp>
+        <p:nvCxnSpPr>
+          <p:cNvPr id="33" name="직선 연결선 32">
+            <a:extLst>
+              <a:ext uri="{FF2B5EF4-FFF2-40B4-BE49-F238E27FC236}">
+                <a16:creationId xmlns:a16="http://schemas.microsoft.com/office/drawing/2014/main" id="{785243D1-A0FB-4082-9E04-BCB027922D97}"/>
+              </a:ext>
+            </a:extLst>
+          </p:cNvPr>
+          <p:cNvCxnSpPr>
+            <a:cxnSpLocks/>
+          </p:cNvCxnSpPr>
+          <p:nvPr/>
+        </p:nvCxnSpPr>
+        <p:spPr>
+          <a:xfrm flipH="1">
+            <a:off x="5470824" y="0"/>
+            <a:ext cx="17734" cy="6858000"/>
+          </a:xfrm>
+          <a:prstGeom prst="line">
+            <a:avLst/>
+          </a:prstGeom>
+        </p:spPr>
+        <p:style>
+          <a:lnRef idx="1">
+            <a:schemeClr val="dk1"/>
+          </a:lnRef>
+          <a:fillRef idx="0">
+            <a:schemeClr val="dk1"/>
+          </a:fillRef>
+          <a:effectRef idx="0">
+            <a:schemeClr val="dk1"/>
+          </a:effectRef>
+          <a:fontRef idx="minor">
+            <a:schemeClr val="tx1"/>
+          </a:fontRef>
+        </p:style>
+      </p:cxnSp>
+      <p:sp>
+        <p:nvSpPr>
+          <p:cNvPr id="10" name="Rectangle 6">
+            <a:extLst>
+              <a:ext uri="{FF2B5EF4-FFF2-40B4-BE49-F238E27FC236}">
+                <a16:creationId xmlns:a16="http://schemas.microsoft.com/office/drawing/2014/main" id="{26774717-31BF-4E4F-974A-B24EC1988F48}"/>
               </a:ext>
             </a:extLst>
           </p:cNvPr>
@@ -7919,8 +8184,8 @@
         </p:nvSpPr>
         <p:spPr bwMode="auto">
           <a:xfrm>
-            <a:off x="6375837" y="1052826"/>
-            <a:ext cx="3498318" cy="369332"/>
+            <a:off x="6120217" y="4940933"/>
+            <a:ext cx="5641681" cy="1200329"/>
           </a:xfrm>
           <a:prstGeom prst="rect">
             <a:avLst/>
@@ -7980,18 +8245,59 @@
               <a:tabLst/>
             </a:pPr>
             <a:r>
+              <a:rPr kumimoji="0" lang="ko-KR" altLang="ko-KR" sz="900" b="0" i="0" u="none" strike="noStrike" cap="none" normalizeH="0" baseline="0" dirty="0" err="1">
+                <a:ln>
+                  <a:noFill/>
+                </a:ln>
+                <a:solidFill>
+                  <a:srgbClr val="9876AA"/>
+                </a:solidFill>
+                <a:effectLst/>
+                <a:latin typeface="Arial Unicode MS"/>
+                <a:ea typeface="JetBrains Mono"/>
+              </a:rPr>
+              <a:t>acquaintanceRelationRepository</a:t>
+            </a:r>
+            <a:br>
               <a:rPr kumimoji="0" lang="ko-KR" altLang="ko-KR" sz="900" b="0" i="0" u="none" strike="noStrike" cap="none" normalizeH="0" baseline="0" dirty="0">
                 <a:ln>
                   <a:noFill/>
                 </a:ln>
                 <a:solidFill>
-                  <a:srgbClr val="6A8759"/>
+                  <a:srgbClr val="9876AA"/>
                 </a:solidFill>
                 <a:effectLst/>
                 <a:latin typeface="Arial Unicode MS"/>
                 <a:ea typeface="JetBrains Mono"/>
               </a:rPr>
-              <a:t>"</a:t>
+            </a:br>
+            <a:r>
+              <a:rPr kumimoji="0" lang="ko-KR" altLang="ko-KR" sz="900" b="0" i="0" u="none" strike="noStrike" cap="none" normalizeH="0" baseline="0" dirty="0">
+                <a:ln>
+                  <a:noFill/>
+                </a:ln>
+                <a:solidFill>
+                  <a:srgbClr val="9876AA"/>
+                </a:solidFill>
+                <a:effectLst/>
+                <a:latin typeface="Arial Unicode MS"/>
+                <a:ea typeface="JetBrains Mono"/>
+              </a:rPr>
+              <a:t>        </a:t>
+            </a:r>
+            <a:r>
+              <a:rPr kumimoji="0" lang="ko-KR" altLang="ko-KR" sz="900" b="0" i="0" u="none" strike="noStrike" cap="none" normalizeH="0" baseline="0" dirty="0">
+                <a:ln>
+                  <a:noFill/>
+                </a:ln>
+                <a:solidFill>
+                  <a:srgbClr val="A9B7C6"/>
+                </a:solidFill>
+                <a:effectLst/>
+                <a:latin typeface="Arial Unicode MS"/>
+                <a:ea typeface="JetBrains Mono"/>
+              </a:rPr>
+              <a:t>.</a:t>
             </a:r>
             <a:r>
               <a:rPr kumimoji="0" lang="ko-KR" altLang="ko-KR" sz="900" b="0" i="0" u="none" strike="noStrike" cap="none" normalizeH="0" baseline="0" dirty="0" err="1">
@@ -7999,13 +8305,13 @@
                   <a:noFill/>
                 </a:ln>
                 <a:solidFill>
-                  <a:srgbClr val="6A8759"/>
+                  <a:srgbClr val="A9B7C6"/>
                 </a:solidFill>
                 <a:effectLst/>
                 <a:latin typeface="Arial Unicode MS"/>
                 <a:ea typeface="JetBrains Mono"/>
               </a:rPr>
-              <a:t>select</a:t>
+              <a:t>findMyAcquaintanceList</a:t>
             </a:r>
             <a:r>
               <a:rPr kumimoji="0" lang="ko-KR" altLang="ko-KR" sz="900" b="0" i="0" u="none" strike="noStrike" cap="none" normalizeH="0" baseline="0" dirty="0">
@@ -8013,13 +8319,13 @@
                   <a:noFill/>
                 </a:ln>
                 <a:solidFill>
-                  <a:srgbClr val="6A8759"/>
+                  <a:srgbClr val="A9B7C6"/>
                 </a:solidFill>
                 <a:effectLst/>
                 <a:latin typeface="Arial Unicode MS"/>
                 <a:ea typeface="JetBrains Mono"/>
               </a:rPr>
-              <a:t> </a:t>
+              <a:t>(</a:t>
             </a:r>
             <a:r>
               <a:rPr kumimoji="0" lang="ko-KR" altLang="ko-KR" sz="900" b="0" i="0" u="none" strike="noStrike" cap="none" normalizeH="0" baseline="0" dirty="0" err="1">
@@ -8027,13 +8333,13 @@
                   <a:noFill/>
                 </a:ln>
                 <a:solidFill>
-                  <a:srgbClr val="6A8759"/>
+                  <a:srgbClr val="A9B7C6"/>
                 </a:solidFill>
                 <a:effectLst/>
                 <a:latin typeface="Arial Unicode MS"/>
                 <a:ea typeface="JetBrains Mono"/>
               </a:rPr>
-              <a:t>a</a:t>
+              <a:t>user</a:t>
             </a:r>
             <a:r>
               <a:rPr kumimoji="0" lang="ko-KR" altLang="ko-KR" sz="900" b="0" i="0" u="none" strike="noStrike" cap="none" normalizeH="0" baseline="0" dirty="0">
@@ -8041,13 +8347,40 @@
                   <a:noFill/>
                 </a:ln>
                 <a:solidFill>
-                  <a:srgbClr val="6A8759"/>
+                  <a:srgbClr val="A9B7C6"/>
                 </a:solidFill>
                 <a:effectLst/>
                 <a:latin typeface="Arial Unicode MS"/>
                 <a:ea typeface="JetBrains Mono"/>
               </a:rPr>
-              <a:t> </a:t>
+              <a:t>)</a:t>
+            </a:r>
+            <a:br>
+              <a:rPr kumimoji="0" lang="ko-KR" altLang="ko-KR" sz="900" b="0" i="0" u="none" strike="noStrike" cap="none" normalizeH="0" baseline="0" dirty="0">
+                <a:ln>
+                  <a:noFill/>
+                </a:ln>
+                <a:solidFill>
+                  <a:srgbClr val="A9B7C6"/>
+                </a:solidFill>
+                <a:effectLst/>
+                <a:latin typeface="Arial Unicode MS"/>
+                <a:ea typeface="JetBrains Mono"/>
+              </a:rPr>
+            </a:br>
+            <a:r>
+              <a:rPr kumimoji="0" lang="ko-KR" altLang="ko-KR" sz="900" b="0" i="0" u="none" strike="noStrike" cap="none" normalizeH="0" baseline="0" dirty="0">
+                <a:ln>
+                  <a:noFill/>
+                </a:ln>
+                <a:solidFill>
+                  <a:srgbClr val="A9B7C6"/>
+                </a:solidFill>
+                <a:effectLst/>
+                <a:latin typeface="Arial Unicode MS"/>
+                <a:ea typeface="JetBrains Mono"/>
+              </a:rPr>
+              <a:t>        .</a:t>
             </a:r>
             <a:r>
               <a:rPr kumimoji="0" lang="ko-KR" altLang="ko-KR" sz="900" b="0" i="0" u="none" strike="noStrike" cap="none" normalizeH="0" baseline="0" dirty="0" err="1">
@@ -8055,13 +8388,13 @@
                   <a:noFill/>
                 </a:ln>
                 <a:solidFill>
-                  <a:srgbClr val="6A8759"/>
+                  <a:srgbClr val="A9B7C6"/>
                 </a:solidFill>
                 <a:effectLst/>
                 <a:latin typeface="Arial Unicode MS"/>
                 <a:ea typeface="JetBrains Mono"/>
               </a:rPr>
-              <a:t>from</a:t>
+              <a:t>stream</a:t>
             </a:r>
             <a:r>
               <a:rPr kumimoji="0" lang="ko-KR" altLang="ko-KR" sz="900" b="0" i="0" u="none" strike="noStrike" cap="none" normalizeH="0" baseline="0" dirty="0">
@@ -8069,13 +8402,40 @@
                   <a:noFill/>
                 </a:ln>
                 <a:solidFill>
-                  <a:srgbClr val="6A8759"/>
+                  <a:srgbClr val="A9B7C6"/>
                 </a:solidFill>
                 <a:effectLst/>
                 <a:latin typeface="Arial Unicode MS"/>
                 <a:ea typeface="JetBrains Mono"/>
               </a:rPr>
-              <a:t> </a:t>
+              <a:t>()</a:t>
+            </a:r>
+            <a:br>
+              <a:rPr kumimoji="0" lang="ko-KR" altLang="ko-KR" sz="900" b="0" i="0" u="none" strike="noStrike" cap="none" normalizeH="0" baseline="0" dirty="0">
+                <a:ln>
+                  <a:noFill/>
+                </a:ln>
+                <a:solidFill>
+                  <a:srgbClr val="A9B7C6"/>
+                </a:solidFill>
+                <a:effectLst/>
+                <a:latin typeface="Arial Unicode MS"/>
+                <a:ea typeface="JetBrains Mono"/>
+              </a:rPr>
+            </a:br>
+            <a:r>
+              <a:rPr kumimoji="0" lang="ko-KR" altLang="ko-KR" sz="900" b="0" i="0" u="none" strike="noStrike" cap="none" normalizeH="0" baseline="0" dirty="0">
+                <a:ln>
+                  <a:noFill/>
+                </a:ln>
+                <a:solidFill>
+                  <a:srgbClr val="A9B7C6"/>
+                </a:solidFill>
+                <a:effectLst/>
+                <a:latin typeface="Arial Unicode MS"/>
+                <a:ea typeface="JetBrains Mono"/>
+              </a:rPr>
+              <a:t>        .</a:t>
             </a:r>
             <a:r>
               <a:rPr kumimoji="0" lang="ko-KR" altLang="ko-KR" sz="900" b="0" i="0" u="none" strike="noStrike" cap="none" normalizeH="0" baseline="0" dirty="0" err="1">
@@ -8083,13 +8443,13 @@
                   <a:noFill/>
                 </a:ln>
                 <a:solidFill>
-                  <a:srgbClr val="6A8759"/>
+                  <a:srgbClr val="A9B7C6"/>
                 </a:solidFill>
                 <a:effectLst/>
                 <a:latin typeface="Arial Unicode MS"/>
                 <a:ea typeface="JetBrains Mono"/>
               </a:rPr>
-              <a:t>AcquaintancePhoneNumber</a:t>
+              <a:t>filter</a:t>
             </a:r>
             <a:r>
               <a:rPr kumimoji="0" lang="ko-KR" altLang="ko-KR" sz="900" b="0" i="0" u="none" strike="noStrike" cap="none" normalizeH="0" baseline="0" dirty="0">
@@ -8097,13 +8457,13 @@
                   <a:noFill/>
                 </a:ln>
                 <a:solidFill>
-                  <a:srgbClr val="6A8759"/>
+                  <a:srgbClr val="A9B7C6"/>
                 </a:solidFill>
                 <a:effectLst/>
                 <a:latin typeface="Arial Unicode MS"/>
                 <a:ea typeface="JetBrains Mono"/>
               </a:rPr>
-              <a:t> </a:t>
+              <a:t>(</a:t>
             </a:r>
             <a:r>
               <a:rPr kumimoji="0" lang="ko-KR" altLang="ko-KR" sz="900" b="0" i="0" u="none" strike="noStrike" cap="none" normalizeH="0" baseline="0" dirty="0" err="1">
@@ -8111,13 +8471,27 @@
                   <a:noFill/>
                 </a:ln>
                 <a:solidFill>
-                  <a:srgbClr val="6A8759"/>
+                  <a:srgbClr val="A9B7C6"/>
                 </a:solidFill>
                 <a:effectLst/>
                 <a:latin typeface="Arial Unicode MS"/>
                 <a:ea typeface="JetBrains Mono"/>
               </a:rPr>
-              <a:t>a</a:t>
+              <a:t>ac</a:t>
+            </a:r>
+            <a:r>
+              <a:rPr kumimoji="0" lang="en-US" altLang="ko-KR" sz="900" b="0" i="0" u="none" strike="noStrike" cap="none" normalizeH="0" baseline="0" dirty="0" err="1">
+                <a:ln>
+                  <a:noFill/>
+                </a:ln>
+                <a:solidFill>
+                  <a:srgbClr val="A9B7C6"/>
+                </a:solidFill>
+                <a:effectLst/>
+                <a:latin typeface="Arial Unicode MS"/>
+                <a:ea typeface="JetBrains Mono"/>
+              </a:rPr>
+              <a:t>quaintance</a:t>
             </a:r>
             <a:r>
               <a:rPr kumimoji="0" lang="ko-KR" altLang="ko-KR" sz="900" b="0" i="0" u="none" strike="noStrike" cap="none" normalizeH="0" baseline="0" dirty="0">
@@ -8125,13 +8499,13 @@
                   <a:noFill/>
                 </a:ln>
                 <a:solidFill>
-                  <a:srgbClr val="6A8759"/>
+                  <a:srgbClr val="A9B7C6"/>
                 </a:solidFill>
                 <a:effectLst/>
                 <a:latin typeface="Arial Unicode MS"/>
                 <a:ea typeface="JetBrains Mono"/>
               </a:rPr>
-              <a:t> </a:t>
+              <a:t> -&gt; </a:t>
             </a:r>
             <a:r>
               <a:rPr kumimoji="0" lang="ko-KR" altLang="ko-KR" sz="900" b="0" i="0" u="none" strike="noStrike" cap="none" normalizeH="0" baseline="0" dirty="0" err="1">
@@ -8139,13 +8513,27 @@
                   <a:noFill/>
                 </a:ln>
                 <a:solidFill>
-                  <a:srgbClr val="6A8759"/>
+                  <a:srgbClr val="9876AA"/>
                 </a:solidFill>
                 <a:effectLst/>
                 <a:latin typeface="Arial Unicode MS"/>
                 <a:ea typeface="JetBrains Mono"/>
               </a:rPr>
-              <a:t>where</a:t>
+              <a:t>userRepository</a:t>
+            </a:r>
+            <a:r>
+              <a:rPr kumimoji="0" lang="ko-KR" altLang="ko-KR" sz="900" b="0" i="0" u="none" strike="noStrike" cap="none" normalizeH="0" baseline="0" dirty="0" err="1">
+                <a:ln>
+                  <a:noFill/>
+                </a:ln>
+                <a:solidFill>
+                  <a:srgbClr val="A9B7C6"/>
+                </a:solidFill>
+                <a:effectLst/>
+                <a:latin typeface="Arial Unicode MS"/>
+                <a:ea typeface="JetBrains Mono"/>
+              </a:rPr>
+              <a:t>.findById</a:t>
             </a:r>
             <a:r>
               <a:rPr kumimoji="0" lang="ko-KR" altLang="ko-KR" sz="900" b="0" i="0" u="none" strike="noStrike" cap="none" normalizeH="0" baseline="0" dirty="0">
@@ -8153,13 +8541,13 @@
                   <a:noFill/>
                 </a:ln>
                 <a:solidFill>
-                  <a:srgbClr val="6A8759"/>
+                  <a:srgbClr val="A9B7C6"/>
                 </a:solidFill>
                 <a:effectLst/>
                 <a:latin typeface="Arial Unicode MS"/>
                 <a:ea typeface="JetBrains Mono"/>
               </a:rPr>
-              <a:t> </a:t>
+              <a:t>(</a:t>
             </a:r>
             <a:r>
               <a:rPr kumimoji="0" lang="ko-KR" altLang="ko-KR" sz="900" b="0" i="0" u="none" strike="noStrike" cap="none" normalizeH="0" baseline="0" dirty="0" err="1">
@@ -8167,13 +8555,27 @@
                   <a:noFill/>
                 </a:ln>
                 <a:solidFill>
-                  <a:srgbClr val="6A8759"/>
+                  <a:srgbClr val="A9B7C6"/>
                 </a:solidFill>
                 <a:effectLst/>
                 <a:latin typeface="Arial Unicode MS"/>
                 <a:ea typeface="JetBrains Mono"/>
               </a:rPr>
-              <a:t>a.user</a:t>
+              <a:t>ac</a:t>
+            </a:r>
+            <a:r>
+              <a:rPr kumimoji="0" lang="en-US" altLang="ko-KR" sz="900" b="0" i="0" u="none" strike="noStrike" cap="none" normalizeH="0" baseline="0" dirty="0" err="1">
+                <a:ln>
+                  <a:noFill/>
+                </a:ln>
+                <a:solidFill>
+                  <a:srgbClr val="A9B7C6"/>
+                </a:solidFill>
+                <a:effectLst/>
+                <a:latin typeface="Arial Unicode MS"/>
+                <a:ea typeface="JetBrains Mono"/>
+              </a:rPr>
+              <a:t>quaintance</a:t>
             </a:r>
             <a:r>
               <a:rPr kumimoji="0" lang="ko-KR" altLang="ko-KR" sz="900" b="0" i="0" u="none" strike="noStrike" cap="none" normalizeH="0" baseline="0" dirty="0">
@@ -8181,13 +8583,13 @@
                   <a:noFill/>
                 </a:ln>
                 <a:solidFill>
-                  <a:srgbClr val="6A8759"/>
+                  <a:srgbClr val="A9B7C6"/>
                 </a:solidFill>
                 <a:effectLst/>
                 <a:latin typeface="Arial Unicode MS"/>
                 <a:ea typeface="JetBrains Mono"/>
               </a:rPr>
-              <a:t> =:</a:t>
+              <a:t>.</a:t>
             </a:r>
             <a:r>
               <a:rPr kumimoji="0" lang="ko-KR" altLang="ko-KR" sz="900" b="0" i="0" u="none" strike="noStrike" cap="none" normalizeH="0" baseline="0" dirty="0" err="1">
@@ -8195,13 +8597,13 @@
                   <a:noFill/>
                 </a:ln>
                 <a:solidFill>
-                  <a:srgbClr val="6A8759"/>
+                  <a:srgbClr val="A9B7C6"/>
                 </a:solidFill>
                 <a:effectLst/>
                 <a:latin typeface="Arial Unicode MS"/>
                 <a:ea typeface="JetBrains Mono"/>
               </a:rPr>
-              <a:t>user</a:t>
+              <a:t>getUserId</a:t>
             </a:r>
             <a:r>
               <a:rPr kumimoji="0" lang="ko-KR" altLang="ko-KR" sz="900" b="0" i="0" u="none" strike="noStrike" cap="none" normalizeH="0" baseline="0" dirty="0">
@@ -8209,13 +8611,13 @@
                   <a:noFill/>
                 </a:ln>
                 <a:solidFill>
-                  <a:srgbClr val="6A8759"/>
+                  <a:srgbClr val="A9B7C6"/>
                 </a:solidFill>
                 <a:effectLst/>
                 <a:latin typeface="Arial Unicode MS"/>
                 <a:ea typeface="JetBrains Mono"/>
               </a:rPr>
-              <a:t> and </a:t>
+              <a:t>()).</a:t>
             </a:r>
             <a:r>
               <a:rPr kumimoji="0" lang="ko-KR" altLang="ko-KR" sz="900" b="0" i="0" u="none" strike="noStrike" cap="none" normalizeH="0" baseline="0" dirty="0" err="1">
@@ -8223,13 +8625,13 @@
                   <a:noFill/>
                 </a:ln>
                 <a:solidFill>
-                  <a:srgbClr val="6A8759"/>
+                  <a:srgbClr val="A9B7C6"/>
                 </a:solidFill>
                 <a:effectLst/>
                 <a:latin typeface="Arial Unicode MS"/>
                 <a:ea typeface="JetBrains Mono"/>
               </a:rPr>
-              <a:t>a.acquaintancePhoneNumber</a:t>
+              <a:t>isPresent</a:t>
             </a:r>
             <a:r>
               <a:rPr kumimoji="0" lang="ko-KR" altLang="ko-KR" sz="900" b="0" i="0" u="none" strike="noStrike" cap="none" normalizeH="0" baseline="0" dirty="0">
@@ -8237,13 +8639,40 @@
                   <a:noFill/>
                 </a:ln>
                 <a:solidFill>
-                  <a:srgbClr val="6A8759"/>
+                  <a:srgbClr val="A9B7C6"/>
                 </a:solidFill>
                 <a:effectLst/>
                 <a:latin typeface="Arial Unicode MS"/>
                 <a:ea typeface="JetBrains Mono"/>
               </a:rPr>
-              <a:t> =:</a:t>
+              <a:t>())</a:t>
+            </a:r>
+            <a:br>
+              <a:rPr kumimoji="0" lang="ko-KR" altLang="ko-KR" sz="900" b="0" i="0" u="none" strike="noStrike" cap="none" normalizeH="0" baseline="0" dirty="0">
+                <a:ln>
+                  <a:noFill/>
+                </a:ln>
+                <a:solidFill>
+                  <a:srgbClr val="A9B7C6"/>
+                </a:solidFill>
+                <a:effectLst/>
+                <a:latin typeface="Arial Unicode MS"/>
+                <a:ea typeface="JetBrains Mono"/>
+              </a:rPr>
+            </a:br>
+            <a:r>
+              <a:rPr kumimoji="0" lang="ko-KR" altLang="ko-KR" sz="900" b="0" i="0" u="none" strike="noStrike" cap="none" normalizeH="0" baseline="0" dirty="0">
+                <a:ln>
+                  <a:noFill/>
+                </a:ln>
+                <a:solidFill>
+                  <a:srgbClr val="A9B7C6"/>
+                </a:solidFill>
+                <a:effectLst/>
+                <a:latin typeface="Arial Unicode MS"/>
+                <a:ea typeface="JetBrains Mono"/>
+              </a:rPr>
+              <a:t>        .</a:t>
             </a:r>
             <a:r>
               <a:rPr kumimoji="0" lang="ko-KR" altLang="ko-KR" sz="900" b="0" i="0" u="none" strike="noStrike" cap="none" normalizeH="0" baseline="0" dirty="0" err="1">
@@ -8251,13 +8680,13 @@
                   <a:noFill/>
                 </a:ln>
                 <a:solidFill>
-                  <a:srgbClr val="6A8759"/>
+                  <a:srgbClr val="A9B7C6"/>
                 </a:solidFill>
                 <a:effectLst/>
                 <a:latin typeface="Arial Unicode MS"/>
                 <a:ea typeface="JetBrains Mono"/>
               </a:rPr>
-              <a:t>phoneNumber</a:t>
+              <a:t>filter</a:t>
             </a:r>
             <a:r>
               <a:rPr kumimoji="0" lang="ko-KR" altLang="ko-KR" sz="900" b="0" i="0" u="none" strike="noStrike" cap="none" normalizeH="0" baseline="0" dirty="0">
@@ -8265,13 +8694,545 @@
                   <a:noFill/>
                 </a:ln>
                 <a:solidFill>
-                  <a:srgbClr val="6A8759"/>
+                  <a:srgbClr val="A9B7C6"/>
                 </a:solidFill>
                 <a:effectLst/>
                 <a:latin typeface="Arial Unicode MS"/>
                 <a:ea typeface="JetBrains Mono"/>
               </a:rPr>
+              <a:t>(</a:t>
+            </a:r>
+            <a:r>
+              <a:rPr kumimoji="0" lang="ko-KR" altLang="ko-KR" sz="900" b="0" i="0" u="none" strike="noStrike" cap="none" normalizeH="0" baseline="0" dirty="0" err="1">
+                <a:ln>
+                  <a:noFill/>
+                </a:ln>
+                <a:solidFill>
+                  <a:srgbClr val="A9B7C6"/>
+                </a:solidFill>
+                <a:effectLst/>
+                <a:latin typeface="Arial Unicode MS"/>
+                <a:ea typeface="JetBrains Mono"/>
+              </a:rPr>
+              <a:t>ac</a:t>
+            </a:r>
+            <a:r>
+              <a:rPr kumimoji="0" lang="en-US" altLang="ko-KR" sz="900" b="0" i="0" u="none" strike="noStrike" cap="none" normalizeH="0" baseline="0" dirty="0" err="1">
+                <a:ln>
+                  <a:noFill/>
+                </a:ln>
+                <a:solidFill>
+                  <a:srgbClr val="A9B7C6"/>
+                </a:solidFill>
+                <a:effectLst/>
+                <a:latin typeface="Arial Unicode MS"/>
+                <a:ea typeface="JetBrains Mono"/>
+              </a:rPr>
+              <a:t>quaintance</a:t>
+            </a:r>
+            <a:r>
+              <a:rPr kumimoji="0" lang="ko-KR" altLang="ko-KR" sz="900" b="0" i="0" u="none" strike="noStrike" cap="none" normalizeH="0" baseline="0" dirty="0">
+                <a:ln>
+                  <a:noFill/>
+                </a:ln>
+                <a:solidFill>
+                  <a:srgbClr val="A9B7C6"/>
+                </a:solidFill>
+                <a:effectLst/>
+                <a:latin typeface="Arial Unicode MS"/>
+                <a:ea typeface="JetBrains Mono"/>
+              </a:rPr>
+              <a:t> -&gt; !</a:t>
+            </a:r>
+            <a:r>
+              <a:rPr kumimoji="0" lang="ko-KR" altLang="ko-KR" sz="900" b="0" i="0" u="none" strike="noStrike" cap="none" normalizeH="0" baseline="0" dirty="0" err="1">
+                <a:ln>
+                  <a:noFill/>
+                </a:ln>
+                <a:solidFill>
+                  <a:srgbClr val="A9B7C6"/>
+                </a:solidFill>
+                <a:effectLst/>
+                <a:latin typeface="Arial Unicode MS"/>
+                <a:ea typeface="JetBrains Mono"/>
+              </a:rPr>
+              <a:t>ac</a:t>
+            </a:r>
+            <a:r>
+              <a:rPr kumimoji="0" lang="en-US" altLang="ko-KR" sz="900" b="0" i="0" u="none" strike="noStrike" cap="none" normalizeH="0" baseline="0" dirty="0" err="1">
+                <a:ln>
+                  <a:noFill/>
+                </a:ln>
+                <a:solidFill>
+                  <a:srgbClr val="A9B7C6"/>
+                </a:solidFill>
+                <a:effectLst/>
+                <a:latin typeface="Arial Unicode MS"/>
+                <a:ea typeface="JetBrains Mono"/>
+              </a:rPr>
+              <a:t>quaintance</a:t>
+            </a:r>
+            <a:r>
+              <a:rPr kumimoji="0" lang="ko-KR" altLang="ko-KR" sz="900" b="0" i="0" u="none" strike="noStrike" cap="none" normalizeH="0" baseline="0" dirty="0">
+                <a:ln>
+                  <a:noFill/>
+                </a:ln>
+                <a:solidFill>
+                  <a:srgbClr val="A9B7C6"/>
+                </a:solidFill>
+                <a:effectLst/>
+                <a:latin typeface="Arial Unicode MS"/>
+                <a:ea typeface="JetBrains Mono"/>
+              </a:rPr>
+              <a:t>.</a:t>
+            </a:r>
+            <a:r>
+              <a:rPr kumimoji="0" lang="ko-KR" altLang="ko-KR" sz="900" b="0" i="0" u="none" strike="noStrike" cap="none" normalizeH="0" baseline="0" dirty="0" err="1">
+                <a:ln>
+                  <a:noFill/>
+                </a:ln>
+                <a:solidFill>
+                  <a:srgbClr val="A9B7C6"/>
+                </a:solidFill>
+                <a:effectLst/>
+                <a:latin typeface="Arial Unicode MS"/>
+                <a:ea typeface="JetBrains Mono"/>
+              </a:rPr>
+              <a:t>getAvoidingAcquaintance</a:t>
+            </a:r>
+            <a:r>
+              <a:rPr kumimoji="0" lang="ko-KR" altLang="ko-KR" sz="900" b="0" i="0" u="none" strike="noStrike" cap="none" normalizeH="0" baseline="0" dirty="0">
+                <a:ln>
+                  <a:noFill/>
+                </a:ln>
+                <a:solidFill>
+                  <a:srgbClr val="A9B7C6"/>
+                </a:solidFill>
+                <a:effectLst/>
+                <a:latin typeface="Arial Unicode MS"/>
+                <a:ea typeface="JetBrains Mono"/>
+              </a:rPr>
+              <a:t>())</a:t>
+            </a:r>
+            <a:br>
+              <a:rPr kumimoji="0" lang="ko-KR" altLang="ko-KR" sz="900" b="0" i="0" u="none" strike="noStrike" cap="none" normalizeH="0" baseline="0" dirty="0">
+                <a:ln>
+                  <a:noFill/>
+                </a:ln>
+                <a:solidFill>
+                  <a:srgbClr val="A9B7C6"/>
+                </a:solidFill>
+                <a:effectLst/>
+                <a:latin typeface="Arial Unicode MS"/>
+                <a:ea typeface="JetBrains Mono"/>
+              </a:rPr>
+            </a:br>
+            <a:r>
+              <a:rPr kumimoji="0" lang="ko-KR" altLang="ko-KR" sz="900" b="0" i="0" u="none" strike="noStrike" cap="none" normalizeH="0" baseline="0" dirty="0">
+                <a:ln>
+                  <a:noFill/>
+                </a:ln>
+                <a:solidFill>
+                  <a:srgbClr val="A9B7C6"/>
+                </a:solidFill>
+                <a:effectLst/>
+                <a:latin typeface="Arial Unicode MS"/>
+                <a:ea typeface="JetBrains Mono"/>
+              </a:rPr>
+              <a:t>        .</a:t>
+            </a:r>
+            <a:r>
+              <a:rPr kumimoji="0" lang="ko-KR" altLang="ko-KR" sz="900" b="0" i="0" u="none" strike="noStrike" cap="none" normalizeH="0" baseline="0" dirty="0" err="1">
+                <a:ln>
+                  <a:noFill/>
+                </a:ln>
+                <a:solidFill>
+                  <a:srgbClr val="A9B7C6"/>
+                </a:solidFill>
+                <a:effectLst/>
+                <a:latin typeface="Arial Unicode MS"/>
+                <a:ea typeface="JetBrains Mono"/>
+              </a:rPr>
+              <a:t>forEach</a:t>
+            </a:r>
+            <a:r>
+              <a:rPr kumimoji="0" lang="ko-KR" altLang="ko-KR" sz="900" b="0" i="0" u="none" strike="noStrike" cap="none" normalizeH="0" baseline="0" dirty="0">
+                <a:ln>
+                  <a:noFill/>
+                </a:ln>
+                <a:solidFill>
+                  <a:srgbClr val="A9B7C6"/>
+                </a:solidFill>
+                <a:effectLst/>
+                <a:latin typeface="Arial Unicode MS"/>
+                <a:ea typeface="JetBrains Mono"/>
+              </a:rPr>
+              <a:t>(</a:t>
+            </a:r>
+            <a:r>
+              <a:rPr kumimoji="0" lang="ko-KR" altLang="ko-KR" sz="900" b="0" i="0" u="none" strike="noStrike" cap="none" normalizeH="0" baseline="0" dirty="0" err="1">
+                <a:ln>
+                  <a:noFill/>
+                </a:ln>
+                <a:solidFill>
+                  <a:srgbClr val="A9B7C6"/>
+                </a:solidFill>
+                <a:effectLst/>
+                <a:latin typeface="Arial Unicode MS"/>
+                <a:ea typeface="JetBrains Mono"/>
+              </a:rPr>
+              <a:t>ac</a:t>
+            </a:r>
+            <a:r>
+              <a:rPr kumimoji="0" lang="en-US" altLang="ko-KR" sz="900" b="0" i="0" u="none" strike="noStrike" cap="none" normalizeH="0" baseline="0" dirty="0" err="1">
+                <a:ln>
+                  <a:noFill/>
+                </a:ln>
+                <a:solidFill>
+                  <a:srgbClr val="A9B7C6"/>
+                </a:solidFill>
+                <a:effectLst/>
+                <a:latin typeface="Arial Unicode MS"/>
+                <a:ea typeface="JetBrains Mono"/>
+              </a:rPr>
+              <a:t>quaintance</a:t>
+            </a:r>
+            <a:r>
+              <a:rPr kumimoji="0" lang="ko-KR" altLang="ko-KR" sz="900" b="0" i="0" u="none" strike="noStrike" cap="none" normalizeH="0" baseline="0" dirty="0">
+                <a:ln>
+                  <a:noFill/>
+                </a:ln>
+                <a:solidFill>
+                  <a:srgbClr val="A9B7C6"/>
+                </a:solidFill>
+                <a:effectLst/>
+                <a:latin typeface="Arial Unicode MS"/>
+                <a:ea typeface="JetBrains Mono"/>
+              </a:rPr>
+              <a:t> -&gt; </a:t>
+            </a:r>
+            <a:r>
+              <a:rPr kumimoji="0" lang="ko-KR" altLang="ko-KR" sz="900" b="0" i="0" u="none" strike="noStrike" cap="none" normalizeH="0" baseline="0" dirty="0" err="1">
+                <a:ln>
+                  <a:noFill/>
+                </a:ln>
+                <a:solidFill>
+                  <a:srgbClr val="9876AA"/>
+                </a:solidFill>
+                <a:effectLst/>
+                <a:latin typeface="Arial Unicode MS"/>
+                <a:ea typeface="JetBrains Mono"/>
+              </a:rPr>
+              <a:t>acquaintanceRelationRepository</a:t>
+            </a:r>
+            <a:r>
+              <a:rPr kumimoji="0" lang="ko-KR" altLang="ko-KR" sz="900" b="0" i="0" u="none" strike="noStrike" cap="none" normalizeH="0" baseline="0" dirty="0" err="1">
+                <a:ln>
+                  <a:noFill/>
+                </a:ln>
+                <a:solidFill>
+                  <a:srgbClr val="A9B7C6"/>
+                </a:solidFill>
+                <a:effectLst/>
+                <a:latin typeface="Arial Unicode MS"/>
+                <a:ea typeface="JetBrains Mono"/>
+              </a:rPr>
+              <a:t>.deleteAcquaintanceRelation</a:t>
+            </a:r>
+            <a:r>
+              <a:rPr kumimoji="0" lang="ko-KR" altLang="ko-KR" sz="900" b="0" i="0" u="none" strike="noStrike" cap="none" normalizeH="0" baseline="0" dirty="0">
+                <a:ln>
+                  <a:noFill/>
+                </a:ln>
+                <a:solidFill>
+                  <a:srgbClr val="A9B7C6"/>
+                </a:solidFill>
+                <a:effectLst/>
+                <a:latin typeface="Arial Unicode MS"/>
+                <a:ea typeface="JetBrains Mono"/>
+              </a:rPr>
+              <a:t>(</a:t>
+            </a:r>
+            <a:r>
+              <a:rPr kumimoji="0" lang="ko-KR" altLang="ko-KR" sz="900" b="0" i="0" u="none" strike="noStrike" cap="none" normalizeH="0" baseline="0" dirty="0" err="1">
+                <a:ln>
+                  <a:noFill/>
+                </a:ln>
+                <a:solidFill>
+                  <a:srgbClr val="9876AA"/>
+                </a:solidFill>
+                <a:effectLst/>
+                <a:latin typeface="Arial Unicode MS"/>
+                <a:ea typeface="JetBrains Mono"/>
+              </a:rPr>
+              <a:t>userRepository</a:t>
+            </a:r>
+            <a:r>
+              <a:rPr kumimoji="0" lang="ko-KR" altLang="ko-KR" sz="900" b="0" i="0" u="none" strike="noStrike" cap="none" normalizeH="0" baseline="0" dirty="0" err="1">
+                <a:ln>
+                  <a:noFill/>
+                </a:ln>
+                <a:solidFill>
+                  <a:srgbClr val="A9B7C6"/>
+                </a:solidFill>
+                <a:effectLst/>
+                <a:latin typeface="Arial Unicode MS"/>
+                <a:ea typeface="JetBrains Mono"/>
+              </a:rPr>
+              <a:t>.findById</a:t>
+            </a:r>
+            <a:r>
+              <a:rPr kumimoji="0" lang="ko-KR" altLang="ko-KR" sz="900" b="0" i="0" u="none" strike="noStrike" cap="none" normalizeH="0" baseline="0" dirty="0">
+                <a:ln>
+                  <a:noFill/>
+                </a:ln>
+                <a:solidFill>
+                  <a:srgbClr val="A9B7C6"/>
+                </a:solidFill>
+                <a:effectLst/>
+                <a:latin typeface="Arial Unicode MS"/>
+                <a:ea typeface="JetBrains Mono"/>
+              </a:rPr>
+              <a:t>(</a:t>
+            </a:r>
+            <a:r>
+              <a:rPr kumimoji="0" lang="ko-KR" altLang="ko-KR" sz="900" b="0" i="0" u="none" strike="noStrike" cap="none" normalizeH="0" baseline="0" dirty="0" err="1">
+                <a:ln>
+                  <a:noFill/>
+                </a:ln>
+                <a:solidFill>
+                  <a:srgbClr val="B389C5"/>
+                </a:solidFill>
+                <a:effectLst/>
+                <a:latin typeface="Arial Unicode MS"/>
+                <a:ea typeface="JetBrains Mono"/>
+              </a:rPr>
+              <a:t>userId</a:t>
+            </a:r>
+            <a:r>
+              <a:rPr kumimoji="0" lang="ko-KR" altLang="ko-KR" sz="900" b="0" i="0" u="none" strike="noStrike" cap="none" normalizeH="0" baseline="0" dirty="0">
+                <a:ln>
+                  <a:noFill/>
+                </a:ln>
+                <a:solidFill>
+                  <a:srgbClr val="A9B7C6"/>
+                </a:solidFill>
+                <a:effectLst/>
+                <a:latin typeface="Arial Unicode MS"/>
+                <a:ea typeface="JetBrains Mono"/>
+              </a:rPr>
+              <a:t>).</a:t>
+            </a:r>
+            <a:r>
+              <a:rPr kumimoji="0" lang="ko-KR" altLang="ko-KR" sz="900" b="0" i="0" u="none" strike="noStrike" cap="none" normalizeH="0" baseline="0" dirty="0" err="1">
+                <a:ln>
+                  <a:noFill/>
+                </a:ln>
+                <a:solidFill>
+                  <a:srgbClr val="A9B7C6"/>
+                </a:solidFill>
+                <a:effectLst/>
+                <a:latin typeface="Arial Unicode MS"/>
+                <a:ea typeface="JetBrains Mono"/>
+              </a:rPr>
+              <a:t>orElseThrow</a:t>
+            </a:r>
+            <a:r>
+              <a:rPr kumimoji="0" lang="ko-KR" altLang="ko-KR" sz="900" b="0" i="0" u="none" strike="noStrike" cap="none" normalizeH="0" baseline="0" dirty="0">
+                <a:ln>
+                  <a:noFill/>
+                </a:ln>
+                <a:solidFill>
+                  <a:srgbClr val="A9B7C6"/>
+                </a:solidFill>
+                <a:effectLst/>
+                <a:latin typeface="Arial Unicode MS"/>
+                <a:ea typeface="JetBrains Mono"/>
+              </a:rPr>
+              <a:t>(()-&gt; </a:t>
+            </a:r>
+            <a:r>
+              <a:rPr kumimoji="0" lang="ko-KR" altLang="ko-KR" sz="900" b="0" i="0" u="none" strike="noStrike" cap="none" normalizeH="0" baseline="0" dirty="0" err="1">
+                <a:ln>
+                  <a:noFill/>
+                </a:ln>
+                <a:solidFill>
+                  <a:srgbClr val="CC7832"/>
+                </a:solidFill>
+                <a:effectLst/>
+                <a:latin typeface="Arial Unicode MS"/>
+                <a:ea typeface="JetBrains Mono"/>
+              </a:rPr>
+              <a:t>new</a:t>
+            </a:r>
+            <a:r>
+              <a:rPr kumimoji="0" lang="ko-KR" altLang="ko-KR" sz="900" b="0" i="0" u="none" strike="noStrike" cap="none" normalizeH="0" baseline="0" dirty="0">
+                <a:ln>
+                  <a:noFill/>
+                </a:ln>
+                <a:solidFill>
+                  <a:srgbClr val="CC7832"/>
+                </a:solidFill>
+                <a:effectLst/>
+                <a:latin typeface="Arial Unicode MS"/>
+                <a:ea typeface="JetBrains Mono"/>
+              </a:rPr>
+              <a:t> </a:t>
+            </a:r>
+            <a:r>
+              <a:rPr kumimoji="0" lang="ko-KR" altLang="ko-KR" sz="900" b="0" i="0" u="none" strike="noStrike" cap="none" normalizeH="0" baseline="0" dirty="0" err="1">
+                <a:ln>
+                  <a:noFill/>
+                </a:ln>
+                <a:solidFill>
+                  <a:srgbClr val="A9B7C6"/>
+                </a:solidFill>
+                <a:effectLst/>
+                <a:latin typeface="Arial Unicode MS"/>
+                <a:ea typeface="JetBrains Mono"/>
+              </a:rPr>
+              <a:t>NoSuchElementException</a:t>
+            </a:r>
+            <a:r>
+              <a:rPr kumimoji="0" lang="ko-KR" altLang="ko-KR" sz="900" b="0" i="0" u="none" strike="noStrike" cap="none" normalizeH="0" baseline="0" dirty="0">
+                <a:ln>
+                  <a:noFill/>
+                </a:ln>
+                <a:solidFill>
+                  <a:srgbClr val="A9B7C6"/>
+                </a:solidFill>
+                <a:effectLst/>
+                <a:latin typeface="Arial Unicode MS"/>
+                <a:ea typeface="JetBrains Mono"/>
+              </a:rPr>
+              <a:t>(</a:t>
+            </a:r>
+            <a:r>
+              <a:rPr kumimoji="0" lang="ko-KR" altLang="ko-KR" sz="900" b="0" i="0" u="none" strike="noStrike" cap="none" normalizeH="0" baseline="0" dirty="0">
+                <a:ln>
+                  <a:noFill/>
+                </a:ln>
+                <a:solidFill>
+                  <a:srgbClr val="6A8759"/>
+                </a:solidFill>
+                <a:effectLst/>
+                <a:latin typeface="Arial Unicode MS"/>
+                <a:ea typeface="JetBrains Mono"/>
+              </a:rPr>
               <a:t>"</a:t>
+            </a:r>
+            <a:r>
+              <a:rPr kumimoji="0" lang="ko-KR" altLang="ko-KR" sz="900" b="0" i="0" u="none" strike="noStrike" cap="none" normalizeH="0" baseline="0" dirty="0">
+                <a:ln>
+                  <a:noFill/>
+                </a:ln>
+                <a:solidFill>
+                  <a:srgbClr val="6A8759"/>
+                </a:solidFill>
+                <a:effectLst/>
+                <a:latin typeface="Courier New" panose="02070309020205020404" pitchFamily="49" charset="0"/>
+                <a:ea typeface="JetBrains Mono"/>
+                <a:cs typeface="Courier New" panose="02070309020205020404" pitchFamily="49" charset="0"/>
+              </a:rPr>
+              <a:t>존재하지 않는 회원입니다</a:t>
+            </a:r>
+            <a:r>
+              <a:rPr kumimoji="0" lang="ko-KR" altLang="ko-KR" sz="900" b="0" i="0" u="none" strike="noStrike" cap="none" normalizeH="0" baseline="0" dirty="0">
+                <a:ln>
+                  <a:noFill/>
+                </a:ln>
+                <a:solidFill>
+                  <a:srgbClr val="6A8759"/>
+                </a:solidFill>
+                <a:effectLst/>
+                <a:latin typeface="Arial Unicode MS"/>
+                <a:ea typeface="JetBrains Mono"/>
+              </a:rPr>
+              <a:t>"</a:t>
+            </a:r>
+            <a:r>
+              <a:rPr kumimoji="0" lang="ko-KR" altLang="ko-KR" sz="900" b="0" i="0" u="none" strike="noStrike" cap="none" normalizeH="0" baseline="0" dirty="0">
+                <a:ln>
+                  <a:noFill/>
+                </a:ln>
+                <a:solidFill>
+                  <a:srgbClr val="A9B7C6"/>
+                </a:solidFill>
+                <a:effectLst/>
+                <a:latin typeface="Arial Unicode MS"/>
+                <a:ea typeface="JetBrains Mono"/>
+              </a:rPr>
+              <a:t>))</a:t>
+            </a:r>
+            <a:r>
+              <a:rPr kumimoji="0" lang="ko-KR" altLang="ko-KR" sz="900" b="0" i="0" u="none" strike="noStrike" cap="none" normalizeH="0" baseline="0" dirty="0">
+                <a:ln>
+                  <a:noFill/>
+                </a:ln>
+                <a:solidFill>
+                  <a:srgbClr val="CC7832"/>
+                </a:solidFill>
+                <a:effectLst/>
+                <a:latin typeface="Arial Unicode MS"/>
+                <a:ea typeface="JetBrains Mono"/>
+              </a:rPr>
+              <a:t>,</a:t>
+            </a:r>
+            <a:r>
+              <a:rPr kumimoji="0" lang="ko-KR" altLang="ko-KR" sz="900" b="0" i="0" u="none" strike="noStrike" cap="none" normalizeH="0" baseline="0" dirty="0" err="1">
+                <a:ln>
+                  <a:noFill/>
+                </a:ln>
+                <a:solidFill>
+                  <a:srgbClr val="A9B7C6"/>
+                </a:solidFill>
+                <a:effectLst/>
+                <a:latin typeface="Arial Unicode MS"/>
+                <a:ea typeface="JetBrains Mono"/>
+              </a:rPr>
+              <a:t>ac</a:t>
+            </a:r>
+            <a:r>
+              <a:rPr kumimoji="0" lang="en-US" altLang="ko-KR" sz="900" b="0" i="0" u="none" strike="noStrike" cap="none" normalizeH="0" baseline="0" dirty="0" err="1">
+                <a:ln>
+                  <a:noFill/>
+                </a:ln>
+                <a:solidFill>
+                  <a:srgbClr val="A9B7C6"/>
+                </a:solidFill>
+                <a:effectLst/>
+                <a:latin typeface="Arial Unicode MS"/>
+                <a:ea typeface="JetBrains Mono"/>
+              </a:rPr>
+              <a:t>quaintance</a:t>
+            </a:r>
+            <a:r>
+              <a:rPr kumimoji="0" lang="ko-KR" altLang="ko-KR" sz="900" b="0" i="0" u="none" strike="noStrike" cap="none" normalizeH="0" baseline="0" dirty="0">
+                <a:ln>
+                  <a:noFill/>
+                </a:ln>
+                <a:solidFill>
+                  <a:srgbClr val="A9B7C6"/>
+                </a:solidFill>
+                <a:effectLst/>
+                <a:latin typeface="Arial Unicode MS"/>
+                <a:ea typeface="JetBrains Mono"/>
+              </a:rPr>
+              <a:t>))</a:t>
+            </a:r>
+            <a:r>
+              <a:rPr kumimoji="0" lang="ko-KR" altLang="ko-KR" sz="900" b="0" i="0" u="none" strike="noStrike" cap="none" normalizeH="0" baseline="0" dirty="0">
+                <a:ln>
+                  <a:noFill/>
+                </a:ln>
+                <a:solidFill>
+                  <a:srgbClr val="CC7832"/>
+                </a:solidFill>
+                <a:effectLst/>
+                <a:latin typeface="Arial Unicode MS"/>
+                <a:ea typeface="JetBrains Mono"/>
+              </a:rPr>
+              <a:t>;</a:t>
             </a:r>
             <a:endParaRPr kumimoji="0" lang="ko-KR" altLang="ko-KR" sz="1800" b="0" i="0" u="none" strike="noStrike" cap="none" normalizeH="0" baseline="0" dirty="0">
               <a:ln>
@@ -8288,10 +9249,10 @@
       </p:sp>
       <p:sp>
         <p:nvSpPr>
-          <p:cNvPr id="28" name="TextBox 27">
-            <a:extLst>
-              <a:ext uri="{FF2B5EF4-FFF2-40B4-BE49-F238E27FC236}">
-                <a16:creationId xmlns:a16="http://schemas.microsoft.com/office/drawing/2014/main" id="{73909CA5-1DE6-43C9-83F4-147148F20DB1}"/>
+          <p:cNvPr id="14" name="TextBox 13">
+            <a:extLst>
+              <a:ext uri="{FF2B5EF4-FFF2-40B4-BE49-F238E27FC236}">
+                <a16:creationId xmlns:a16="http://schemas.microsoft.com/office/drawing/2014/main" id="{51671821-39D2-42A4-B8E1-CFD555E4402A}"/>
               </a:ext>
             </a:extLst>
           </p:cNvPr>
@@ -8300,8 +9261,8 @@
         </p:nvSpPr>
         <p:spPr>
           <a:xfrm>
-            <a:off x="6096000" y="-11803"/>
-            <a:ext cx="5513135" cy="5262979"/>
+            <a:off x="513769" y="5556254"/>
+            <a:ext cx="1937505" cy="276999"/>
           </a:xfrm>
           <a:prstGeom prst="rect">
             <a:avLst/>
@@ -8309,353 +9270,77 @@
           <a:noFill/>
         </p:spPr>
         <p:txBody>
-          <a:bodyPr wrap="square" rtlCol="0">
+          <a:bodyPr wrap="square">
             <a:spAutoFit/>
           </a:bodyPr>
           <a:lstStyle/>
           <a:p>
+            <a:r>
+              <a:rPr lang="en-US" altLang="ko-KR" sz="1200" dirty="0"/>
+              <a:t>2 </a:t>
+            </a:r>
+            <a:r>
+              <a:rPr lang="ko-KR" altLang="en-US" sz="1200" dirty="0"/>
+              <a:t>예시코드</a:t>
+            </a:r>
             <a:endParaRPr lang="en-US" altLang="ko-KR" sz="1200" dirty="0"/>
           </a:p>
-          <a:p>
-            <a:r>
-              <a:rPr lang="ko-KR" altLang="en-US" sz="1200" b="1" dirty="0"/>
-              <a:t>⨀ 상황 </a:t>
-            </a:r>
-            <a:r>
-              <a:rPr lang="en-US" altLang="ko-KR" sz="1200" b="1" dirty="0"/>
-              <a:t>2 - </a:t>
-            </a:r>
-            <a:r>
-              <a:rPr lang="ko-KR" altLang="en-US" sz="1200" b="1" dirty="0"/>
-              <a:t>새로운 유저 가입</a:t>
-            </a:r>
-            <a:endParaRPr lang="en-US" altLang="ko-KR" sz="1200" b="1" dirty="0"/>
-          </a:p>
-          <a:p>
+        </p:txBody>
+      </p:sp>
+      <p:sp>
+        <p:nvSpPr>
+          <p:cNvPr id="15" name="TextBox 14">
+            <a:extLst>
+              <a:ext uri="{FF2B5EF4-FFF2-40B4-BE49-F238E27FC236}">
+                <a16:creationId xmlns:a16="http://schemas.microsoft.com/office/drawing/2014/main" id="{D7DC379E-6EB8-42E7-9435-56F468064B9B}"/>
+              </a:ext>
+            </a:extLst>
+          </p:cNvPr>
+          <p:cNvSpPr txBox="1"/>
+          <p:nvPr/>
+        </p:nvSpPr>
+        <p:spPr>
+          <a:xfrm>
+            <a:off x="6008892" y="4608345"/>
+            <a:ext cx="1549356" cy="276999"/>
+          </a:xfrm>
+          <a:prstGeom prst="rect">
+            <a:avLst/>
+          </a:prstGeom>
+          <a:noFill/>
+        </p:spPr>
+        <p:txBody>
+          <a:bodyPr wrap="square">
+            <a:spAutoFit/>
+          </a:bodyPr>
+          <a:lstStyle/>
+          <a:p>
+            <a:r>
+              <a:rPr lang="en-US" altLang="ko-KR" sz="1200" dirty="0"/>
+              <a:t> 2</a:t>
+            </a:r>
+            <a:r>
+              <a:rPr lang="ko-KR" altLang="en-US" sz="1200" dirty="0"/>
+              <a:t>의</a:t>
+            </a:r>
             <a:r>
               <a:rPr lang="en-US" altLang="ko-KR" sz="1200" dirty="0"/>
               <a:t> </a:t>
             </a:r>
-          </a:p>
-          <a:p>
-            <a:pPr marL="228600" indent="-228600">
-              <a:buAutoNum type="arabicParenR"/>
-            </a:pPr>
             <a:r>
               <a:rPr lang="ko-KR" altLang="en-US" sz="1200" dirty="0"/>
-              <a:t>새로운 유저 가입시 신규 유저의 전화번호를 통해 기존 유저와 아는 사이인지 확인한 후 리스트로 </a:t>
-            </a:r>
-            <a:r>
-              <a:rPr lang="ko-KR" altLang="en-US" sz="1200" dirty="0" err="1"/>
-              <a:t>받아옴</a:t>
-            </a:r>
-            <a:r>
-              <a:rPr lang="en-US" altLang="ko-KR" sz="1200" dirty="0"/>
-              <a:t>(</a:t>
-            </a:r>
-            <a:r>
-              <a:rPr lang="en-US" altLang="ko-KR" sz="1200" dirty="0" err="1"/>
-              <a:t>AcquaintancePhoneNumble</a:t>
-            </a:r>
-            <a:r>
-              <a:rPr lang="en-US" altLang="ko-KR" sz="1200" dirty="0"/>
-              <a:t> </a:t>
-            </a:r>
-            <a:r>
-              <a:rPr lang="ko-KR" altLang="en-US" sz="1200" dirty="0"/>
-              <a:t>테이블 이용</a:t>
-            </a:r>
-            <a:r>
-              <a:rPr lang="en-US" altLang="ko-KR" sz="1200" dirty="0"/>
-              <a:t>)</a:t>
-            </a:r>
-          </a:p>
-          <a:p>
-            <a:pPr marL="228600" indent="-228600">
-              <a:buAutoNum type="arabicParenR"/>
-            </a:pPr>
+              <a:t>예시코드</a:t>
+            </a:r>
             <a:endParaRPr lang="en-US" altLang="ko-KR" sz="1200" dirty="0"/>
           </a:p>
-          <a:p>
-            <a:pPr marL="228600" indent="-228600">
-              <a:buAutoNum type="arabicPeriod"/>
-            </a:pPr>
-            <a:endParaRPr lang="en-US" altLang="ko-KR" sz="1200" dirty="0"/>
-          </a:p>
-          <a:p>
-            <a:endParaRPr lang="en-US" altLang="ko-KR" sz="1200" dirty="0"/>
-          </a:p>
-          <a:p>
-            <a:endParaRPr lang="en-US" altLang="ko-KR" sz="1200" dirty="0"/>
-          </a:p>
-          <a:p>
-            <a:r>
-              <a:rPr lang="en-US" altLang="ko-KR" sz="1200" dirty="0"/>
-              <a:t>2) </a:t>
-            </a:r>
-            <a:r>
-              <a:rPr lang="en-US" altLang="ko-KR" sz="1200" dirty="0" err="1"/>
-              <a:t>AcquaintanceRelation</a:t>
-            </a:r>
-            <a:r>
-              <a:rPr lang="en-US" altLang="ko-KR" sz="1200" dirty="0"/>
-              <a:t> </a:t>
-            </a:r>
-            <a:r>
-              <a:rPr lang="ko-KR" altLang="en-US" sz="1200" dirty="0"/>
-              <a:t>테이블에 리스트에 있는 기존 유저와 신규유저가 아는 사이임을 등록합니다</a:t>
-            </a:r>
-            <a:r>
-              <a:rPr lang="en-US" altLang="ko-KR" sz="1200" dirty="0"/>
-              <a:t>.</a:t>
-            </a:r>
-            <a:endParaRPr lang="en-US" altLang="ko-KR" sz="900" dirty="0"/>
-          </a:p>
-          <a:p>
-            <a:endParaRPr lang="en-US" altLang="ko-KR" sz="1200" dirty="0"/>
-          </a:p>
-          <a:p>
-            <a:endParaRPr lang="en-US" altLang="ko-KR" sz="1200" dirty="0"/>
-          </a:p>
-          <a:p>
-            <a:endParaRPr lang="en-US" altLang="ko-KR" sz="1200" dirty="0"/>
-          </a:p>
-          <a:p>
-            <a:endParaRPr lang="en-US" altLang="ko-KR" sz="1200" dirty="0"/>
-          </a:p>
-          <a:p>
-            <a:r>
-              <a:rPr lang="ko-KR" altLang="en-US" sz="1200" b="1" dirty="0"/>
-              <a:t>⨀ 상황 </a:t>
-            </a:r>
-            <a:r>
-              <a:rPr lang="en-US" altLang="ko-KR" sz="1200" b="1" dirty="0"/>
-              <a:t>3 – </a:t>
-            </a:r>
-            <a:r>
-              <a:rPr lang="ko-KR" altLang="en-US" sz="1200" b="1" dirty="0"/>
-              <a:t>아는 사람 피하기 기능 </a:t>
-            </a:r>
-            <a:r>
-              <a:rPr lang="en-US" altLang="ko-KR" sz="1200" b="1" dirty="0"/>
-              <a:t>Off</a:t>
-            </a:r>
-          </a:p>
-          <a:p>
-            <a:r>
-              <a:rPr lang="en-US" altLang="ko-KR" sz="1200" dirty="0"/>
-              <a:t> </a:t>
-            </a:r>
-          </a:p>
-          <a:p>
-            <a:pPr marL="228600" indent="-228600">
-              <a:buAutoNum type="arabicParenR"/>
-            </a:pPr>
-            <a:r>
-              <a:rPr lang="en-US" altLang="ko-KR" sz="1200" dirty="0" err="1"/>
-              <a:t>AcquaintancePhoneNumber</a:t>
-            </a:r>
-            <a:r>
-              <a:rPr lang="ko-KR" altLang="en-US" sz="1200" dirty="0"/>
-              <a:t> 테이블에서 </a:t>
-            </a:r>
-            <a:r>
-              <a:rPr lang="en-US" altLang="ko-KR" sz="1200" dirty="0"/>
-              <a:t>User</a:t>
-            </a:r>
-            <a:r>
-              <a:rPr lang="ko-KR" altLang="en-US" sz="1200" dirty="0"/>
-              <a:t>와 </a:t>
-            </a:r>
-            <a:r>
-              <a:rPr lang="ko-KR" altLang="en-US" sz="1200" dirty="0" err="1"/>
-              <a:t>연결되어있는</a:t>
-            </a:r>
-            <a:r>
-              <a:rPr lang="ko-KR" altLang="en-US" sz="1200" dirty="0"/>
-              <a:t> 모든 </a:t>
-            </a:r>
-            <a:r>
-              <a:rPr lang="en-US" altLang="ko-KR" sz="1200" dirty="0"/>
-              <a:t>Row</a:t>
-            </a:r>
-            <a:r>
-              <a:rPr lang="ko-KR" altLang="en-US" sz="1200" dirty="0"/>
-              <a:t>를 삭제합니다</a:t>
-            </a:r>
-            <a:r>
-              <a:rPr lang="en-US" altLang="ko-KR" sz="1200" dirty="0"/>
-              <a:t>.</a:t>
-            </a:r>
-          </a:p>
-          <a:p>
-            <a:pPr marL="228600" indent="-228600">
-              <a:buAutoNum type="arabicParenR"/>
-            </a:pPr>
-            <a:endParaRPr lang="en-US" altLang="ko-KR" sz="1200" dirty="0"/>
-          </a:p>
-          <a:p>
-            <a:pPr marL="228600" indent="-228600">
-              <a:buAutoNum type="arabicParenR"/>
-            </a:pPr>
-            <a:r>
-              <a:rPr lang="ko-KR" altLang="en-US" sz="1200" dirty="0"/>
-              <a:t>주의할 점 </a:t>
-            </a:r>
-            <a:r>
-              <a:rPr lang="en-US" altLang="ko-KR" sz="1200" dirty="0"/>
-              <a:t>: ‘</a:t>
-            </a:r>
-            <a:r>
-              <a:rPr lang="en-US" altLang="ko-KR" sz="1200" dirty="0" err="1"/>
-              <a:t>AcquaintanceRelation</a:t>
-            </a:r>
-            <a:r>
-              <a:rPr lang="en-US" altLang="ko-KR" sz="1200" dirty="0"/>
-              <a:t>’ </a:t>
-            </a:r>
-            <a:r>
-              <a:rPr lang="ko-KR" altLang="en-US" sz="1200" dirty="0"/>
-              <a:t>테이블은 </a:t>
-            </a:r>
-            <a:r>
-              <a:rPr lang="en-US" altLang="ko-KR" sz="1200" dirty="0"/>
-              <a:t>‘</a:t>
-            </a:r>
-            <a:r>
-              <a:rPr lang="en-US" altLang="ko-KR" sz="1200" dirty="0" err="1"/>
-              <a:t>AcquaintancePhoneNumber</a:t>
-            </a:r>
-            <a:r>
-              <a:rPr lang="en-US" altLang="ko-KR" sz="1200" dirty="0"/>
-              <a:t>’</a:t>
-            </a:r>
-            <a:r>
-              <a:rPr lang="ko-KR" altLang="en-US" sz="1200" dirty="0"/>
-              <a:t> 테이블과 달리 </a:t>
-            </a:r>
-            <a:r>
-              <a:rPr lang="en-US" altLang="ko-KR" sz="1200" dirty="0"/>
-              <a:t>User</a:t>
-            </a:r>
-            <a:r>
-              <a:rPr lang="ko-KR" altLang="en-US" sz="1200" dirty="0"/>
-              <a:t>와 연결되어 있는 모든 </a:t>
-            </a:r>
-            <a:r>
-              <a:rPr lang="en-US" altLang="ko-KR" sz="1200" dirty="0"/>
-              <a:t>Row</a:t>
-            </a:r>
-            <a:r>
-              <a:rPr lang="ko-KR" altLang="en-US" sz="1200" dirty="0"/>
-              <a:t>를 지우면 안됩니다</a:t>
-            </a:r>
-            <a:r>
-              <a:rPr lang="en-US" altLang="ko-KR" sz="1200" dirty="0"/>
-              <a:t>. </a:t>
-            </a:r>
-          </a:p>
-          <a:p>
-            <a:pPr marL="228600" indent="-228600">
-              <a:buAutoNum type="arabicParenR"/>
-            </a:pPr>
-            <a:endParaRPr lang="en-US" altLang="ko-KR" sz="1200" dirty="0"/>
-          </a:p>
-          <a:p>
-            <a:r>
-              <a:rPr lang="en-US" altLang="ko-KR" sz="1200" dirty="0"/>
-              <a:t>  -  </a:t>
-            </a:r>
-            <a:r>
-              <a:rPr lang="en-US" altLang="ko-KR" sz="1200" dirty="0" err="1"/>
-              <a:t>UserA</a:t>
-            </a:r>
-            <a:r>
-              <a:rPr lang="ko-KR" altLang="en-US" sz="1200" dirty="0"/>
-              <a:t>와 아는 사이라고 </a:t>
-            </a:r>
-            <a:r>
-              <a:rPr lang="ko-KR" altLang="en-US" sz="1200" dirty="0" err="1"/>
-              <a:t>등록되어있는</a:t>
-            </a:r>
-            <a:r>
-              <a:rPr lang="ko-KR" altLang="en-US" sz="1200" dirty="0"/>
-              <a:t> </a:t>
-            </a:r>
-            <a:r>
-              <a:rPr lang="en-US" altLang="ko-KR" sz="1200" dirty="0" err="1"/>
-              <a:t>UserB</a:t>
-            </a:r>
-            <a:r>
-              <a:rPr lang="ko-KR" altLang="en-US" sz="1200" dirty="0"/>
-              <a:t>가 아는 사람 피하기 기능을 사용하고 있다면 </a:t>
-            </a:r>
-            <a:r>
-              <a:rPr lang="en-US" altLang="ko-KR" sz="1200" dirty="0"/>
-              <a:t>Row</a:t>
-            </a:r>
-            <a:r>
-              <a:rPr lang="ko-KR" altLang="en-US" sz="1200" dirty="0"/>
-              <a:t>을 삭제하면 안됩니다</a:t>
-            </a:r>
-            <a:r>
-              <a:rPr lang="en-US" altLang="ko-KR" sz="1200" dirty="0"/>
-              <a:t>. </a:t>
-            </a:r>
-          </a:p>
-          <a:p>
-            <a:endParaRPr lang="en-US" altLang="ko-KR" sz="1200" dirty="0"/>
-          </a:p>
-          <a:p>
-            <a:r>
-              <a:rPr lang="en-US" altLang="ko-KR" sz="1200" dirty="0"/>
-              <a:t>  -  </a:t>
-            </a:r>
-            <a:r>
-              <a:rPr lang="en-US" altLang="ko-KR" sz="1200" dirty="0" err="1"/>
-              <a:t>UserA</a:t>
-            </a:r>
-            <a:r>
-              <a:rPr lang="ko-KR" altLang="en-US" sz="1200" dirty="0"/>
-              <a:t>와 아는 사이라고 </a:t>
-            </a:r>
-            <a:r>
-              <a:rPr lang="ko-KR" altLang="en-US" sz="1200" dirty="0" err="1"/>
-              <a:t>등록되어있는</a:t>
-            </a:r>
-            <a:r>
-              <a:rPr lang="ko-KR" altLang="en-US" sz="1200" dirty="0"/>
-              <a:t> </a:t>
-            </a:r>
-            <a:r>
-              <a:rPr lang="en-US" altLang="ko-KR" sz="1200" dirty="0" err="1"/>
-              <a:t>UserB</a:t>
-            </a:r>
-            <a:r>
-              <a:rPr lang="ko-KR" altLang="en-US" sz="1200" dirty="0"/>
-              <a:t>가 아는 사람 피하기 기능을 사용하지 않는다면 해당 </a:t>
-            </a:r>
-            <a:r>
-              <a:rPr lang="en-US" altLang="ko-KR" sz="1200" dirty="0"/>
-              <a:t>Row</a:t>
-            </a:r>
-            <a:r>
-              <a:rPr lang="ko-KR" altLang="en-US" sz="1200" dirty="0"/>
-              <a:t>를 삭제할 수 있습니다</a:t>
-            </a:r>
-            <a:r>
-              <a:rPr lang="en-US" altLang="ko-KR" sz="1200" dirty="0"/>
-              <a:t>. </a:t>
-            </a:r>
-          </a:p>
-        </p:txBody>
-      </p:sp>
-      <p:sp>
-        <p:nvSpPr>
-          <p:cNvPr id="3" name="Rectangle 2">
-            <a:extLst>
-              <a:ext uri="{FF2B5EF4-FFF2-40B4-BE49-F238E27FC236}">
-                <a16:creationId xmlns:a16="http://schemas.microsoft.com/office/drawing/2014/main" id="{3CD6BB29-C50B-42D0-BAC9-458D8774ED7C}"/>
+        </p:txBody>
+      </p:sp>
+      <p:sp>
+        <p:nvSpPr>
+          <p:cNvPr id="5" name="Rectangle 3">
+            <a:extLst>
+              <a:ext uri="{FF2B5EF4-FFF2-40B4-BE49-F238E27FC236}">
+                <a16:creationId xmlns:a16="http://schemas.microsoft.com/office/drawing/2014/main" id="{2193E815-6065-4C2E-940E-7D2F788098B5}"/>
               </a:ext>
             </a:extLst>
           </p:cNvPr>
@@ -8666,8 +9351,8 @@
         </p:nvSpPr>
         <p:spPr bwMode="auto">
           <a:xfrm>
-            <a:off x="277803" y="5483163"/>
-            <a:ext cx="5119262" cy="369332"/>
+            <a:off x="556690" y="5918955"/>
+            <a:ext cx="3676006" cy="646331"/>
           </a:xfrm>
           <a:prstGeom prst="rect">
             <a:avLst/>
@@ -8702,7 +9387,7 @@
           </a:extLst>
         </p:spPr>
         <p:txBody>
-          <a:bodyPr vert="horz" wrap="square" lIns="91440" tIns="45720" rIns="91440" bIns="45720" numCol="1" anchor="ctr" anchorCtr="0" compatLnSpc="1">
+          <a:bodyPr vert="horz" wrap="none" lIns="91440" tIns="45720" rIns="91440" bIns="45720" numCol="1" anchor="ctr" anchorCtr="0" compatLnSpc="1">
             <a:prstTxWarp prst="textNoShape">
               <a:avLst/>
             </a:prstTxWarp>
@@ -8732,13 +9417,41 @@
                   <a:noFill/>
                 </a:ln>
                 <a:solidFill>
-                  <a:srgbClr val="9876AA"/>
+                  <a:srgbClr val="CC7832"/>
                 </a:solidFill>
                 <a:effectLst/>
                 <a:latin typeface="Arial Unicode MS"/>
                 <a:ea typeface="JetBrains Mono"/>
               </a:rPr>
-              <a:t>userRepository</a:t>
+              <a:t>for</a:t>
+            </a:r>
+            <a:r>
+              <a:rPr kumimoji="0" lang="ko-KR" altLang="ko-KR" sz="900" b="0" i="0" u="none" strike="noStrike" cap="none" normalizeH="0" baseline="0" dirty="0">
+                <a:ln>
+                  <a:noFill/>
+                </a:ln>
+                <a:solidFill>
+                  <a:srgbClr val="CC7832"/>
+                </a:solidFill>
+                <a:effectLst/>
+                <a:latin typeface="Arial Unicode MS"/>
+                <a:ea typeface="JetBrains Mono"/>
+              </a:rPr>
+              <a:t> </a:t>
+            </a:r>
+            <a:r>
+              <a:rPr kumimoji="0" lang="ko-KR" altLang="ko-KR" sz="900" b="0" i="0" u="none" strike="noStrike" cap="none" normalizeH="0" baseline="0" dirty="0">
+                <a:ln>
+                  <a:noFill/>
+                </a:ln>
+                <a:solidFill>
+                  <a:srgbClr val="A9B7C6"/>
+                </a:solidFill>
+                <a:effectLst/>
+                <a:latin typeface="Arial Unicode MS"/>
+                <a:ea typeface="JetBrains Mono"/>
+              </a:rPr>
+              <a:t>(</a:t>
             </a:r>
             <a:r>
               <a:rPr kumimoji="0" lang="ko-KR" altLang="ko-KR" sz="900" b="0" i="0" u="none" strike="noStrike" cap="none" normalizeH="0" baseline="0" dirty="0" err="1">
@@ -8752,7 +9465,7 @@
                 <a:latin typeface="Arial Unicode MS"/>
                 <a:ea typeface="JetBrains Mono"/>
               </a:rPr>
-              <a:t>.findByPhoneNumber</a:t>
+              <a:t>String</a:t>
             </a:r>
             <a:r>
               <a:rPr kumimoji="0" lang="ko-KR" altLang="ko-KR" sz="900" b="0" i="0" u="none" strike="noStrike" cap="none" normalizeH="0" baseline="0" dirty="0">
@@ -8766,7 +9479,7 @@
                 <a:latin typeface="Arial Unicode MS"/>
                 <a:ea typeface="JetBrains Mono"/>
               </a:rPr>
-              <a:t>(</a:t>
+              <a:t> </a:t>
             </a:r>
             <a:r>
               <a:rPr kumimoji="0" lang="ko-KR" altLang="ko-KR" sz="900" b="0" i="0" u="none" strike="noStrike" cap="none" normalizeH="0" baseline="0" dirty="0" err="1">
@@ -8794,7 +9507,7 @@
                 <a:latin typeface="Arial Unicode MS"/>
                 <a:ea typeface="JetBrains Mono"/>
               </a:rPr>
-              <a:t>).</a:t>
+              <a:t> : </a:t>
             </a:r>
             <a:r>
               <a:rPr kumimoji="0" lang="ko-KR" altLang="ko-KR" sz="900" b="0" i="0" u="none" strike="noStrike" cap="none" normalizeH="0" baseline="0" dirty="0" err="1">
@@ -8808,7 +9521,7 @@
                 <a:latin typeface="Arial Unicode MS"/>
                 <a:ea typeface="JetBrains Mono"/>
               </a:rPr>
-              <a:t>ifPresent</a:t>
+              <a:t>phoneNumbers</a:t>
             </a:r>
             <a:r>
               <a:rPr kumimoji="0" lang="ko-KR" altLang="ko-KR" sz="900" b="0" i="0" u="none" strike="noStrike" cap="none" normalizeH="0" baseline="0" dirty="0">
@@ -8822,302 +9535,7 @@
                 <a:latin typeface="Arial Unicode MS"/>
                 <a:ea typeface="JetBrains Mono"/>
               </a:rPr>
-              <a:t>(</a:t>
-            </a:r>
-            <a:r>
-              <a:rPr kumimoji="0" lang="ko-KR" altLang="ko-KR" sz="900" b="0" i="0" u="none" strike="noStrike" cap="none" normalizeH="0" baseline="0" dirty="0" err="1">
-                <a:ln>
-                  <a:noFill/>
-                </a:ln>
-                <a:solidFill>
-                  <a:srgbClr val="A9B7C6"/>
-                </a:solidFill>
-                <a:effectLst/>
-                <a:latin typeface="Arial Unicode MS"/>
-                <a:ea typeface="JetBrains Mono"/>
-              </a:rPr>
-              <a:t>targetUser</a:t>
-            </a:r>
-            <a:r>
-              <a:rPr kumimoji="0" lang="ko-KR" altLang="ko-KR" sz="900" b="0" i="0" u="none" strike="noStrike" cap="none" normalizeH="0" baseline="0" dirty="0">
-                <a:ln>
-                  <a:noFill/>
-                </a:ln>
-                <a:solidFill>
-                  <a:srgbClr val="A9B7C6"/>
-                </a:solidFill>
-                <a:effectLst/>
-                <a:latin typeface="Arial Unicode MS"/>
-                <a:ea typeface="JetBrains Mono"/>
-              </a:rPr>
-              <a:t> -&gt; {</a:t>
-            </a:r>
-            <a:r>
-              <a:rPr kumimoji="0" lang="ko-KR" altLang="ko-KR" sz="900" b="0" i="0" u="none" strike="noStrike" cap="none" normalizeH="0" baseline="0" dirty="0" err="1">
-                <a:ln>
-                  <a:noFill/>
-                </a:ln>
-                <a:solidFill>
-                  <a:srgbClr val="A9B7C6"/>
-                </a:solidFill>
-                <a:effectLst/>
-                <a:latin typeface="Arial Unicode MS"/>
-                <a:ea typeface="JetBrains Mono"/>
-              </a:rPr>
-              <a:t>registerNewAcquaintance</a:t>
-            </a:r>
-            <a:r>
-              <a:rPr kumimoji="0" lang="ko-KR" altLang="ko-KR" sz="900" b="0" i="0" u="none" strike="noStrike" cap="none" normalizeH="0" baseline="0" dirty="0">
-                <a:ln>
-                  <a:noFill/>
-                </a:ln>
-                <a:solidFill>
-                  <a:srgbClr val="A9B7C6"/>
-                </a:solidFill>
-                <a:effectLst/>
-                <a:latin typeface="Arial Unicode MS"/>
-                <a:ea typeface="JetBrains Mono"/>
-              </a:rPr>
-              <a:t>(</a:t>
-            </a:r>
-            <a:r>
-              <a:rPr kumimoji="0" lang="ko-KR" altLang="ko-KR" sz="900" b="0" i="0" u="none" strike="noStrike" cap="none" normalizeH="0" baseline="0" dirty="0" err="1">
-                <a:ln>
-                  <a:noFill/>
-                </a:ln>
-                <a:solidFill>
-                  <a:srgbClr val="B389C5"/>
-                </a:solidFill>
-                <a:effectLst/>
-                <a:latin typeface="Arial Unicode MS"/>
-                <a:ea typeface="JetBrains Mono"/>
-              </a:rPr>
-              <a:t>user</a:t>
-            </a:r>
-            <a:r>
-              <a:rPr kumimoji="0" lang="ko-KR" altLang="ko-KR" sz="900" b="0" i="0" u="none" strike="noStrike" cap="none" normalizeH="0" baseline="0" dirty="0">
-                <a:ln>
-                  <a:noFill/>
-                </a:ln>
-                <a:solidFill>
-                  <a:srgbClr val="CC7832"/>
-                </a:solidFill>
-                <a:effectLst/>
-                <a:latin typeface="Arial Unicode MS"/>
-                <a:ea typeface="JetBrains Mono"/>
-              </a:rPr>
-              <a:t>, </a:t>
-            </a:r>
-            <a:r>
-              <a:rPr kumimoji="0" lang="ko-KR" altLang="ko-KR" sz="900" b="0" i="0" u="none" strike="noStrike" cap="none" normalizeH="0" baseline="0" dirty="0" err="1">
-                <a:ln>
-                  <a:noFill/>
-                </a:ln>
-                <a:solidFill>
-                  <a:srgbClr val="A9B7C6"/>
-                </a:solidFill>
-                <a:effectLst/>
-                <a:latin typeface="Arial Unicode MS"/>
-                <a:ea typeface="JetBrains Mono"/>
-              </a:rPr>
-              <a:t>targetUser</a:t>
-            </a:r>
-            <a:r>
-              <a:rPr kumimoji="0" lang="ko-KR" altLang="ko-KR" sz="900" b="0" i="0" u="none" strike="noStrike" cap="none" normalizeH="0" baseline="0" dirty="0">
-                <a:ln>
-                  <a:noFill/>
-                </a:ln>
-                <a:solidFill>
-                  <a:srgbClr val="A9B7C6"/>
-                </a:solidFill>
-                <a:effectLst/>
-                <a:latin typeface="Arial Unicode MS"/>
-                <a:ea typeface="JetBrains Mono"/>
-              </a:rPr>
-              <a:t>)</a:t>
-            </a:r>
-            <a:r>
-              <a:rPr kumimoji="0" lang="ko-KR" altLang="ko-KR" sz="900" b="0" i="0" u="none" strike="noStrike" cap="none" normalizeH="0" baseline="0" dirty="0">
-                <a:ln>
-                  <a:noFill/>
-                </a:ln>
-                <a:solidFill>
-                  <a:srgbClr val="CC7832"/>
-                </a:solidFill>
-                <a:effectLst/>
-                <a:latin typeface="Arial Unicode MS"/>
-                <a:ea typeface="JetBrains Mono"/>
-              </a:rPr>
-              <a:t>;</a:t>
-            </a:r>
-            <a:r>
-              <a:rPr kumimoji="0" lang="ko-KR" altLang="ko-KR" sz="900" b="0" i="0" u="none" strike="noStrike" cap="none" normalizeH="0" baseline="0" dirty="0">
-                <a:ln>
-                  <a:noFill/>
-                </a:ln>
-                <a:solidFill>
-                  <a:srgbClr val="A9B7C6"/>
-                </a:solidFill>
-                <a:effectLst/>
-                <a:latin typeface="Arial Unicode MS"/>
-                <a:ea typeface="JetBrains Mono"/>
-              </a:rPr>
-              <a:t>})</a:t>
-            </a:r>
-            <a:r>
-              <a:rPr kumimoji="0" lang="ko-KR" altLang="ko-KR" sz="900" b="0" i="0" u="none" strike="noStrike" cap="none" normalizeH="0" baseline="0" dirty="0">
-                <a:ln>
-                  <a:noFill/>
-                </a:ln>
-                <a:solidFill>
-                  <a:srgbClr val="CC7832"/>
-                </a:solidFill>
-                <a:effectLst/>
-                <a:latin typeface="Arial Unicode MS"/>
-                <a:ea typeface="JetBrains Mono"/>
-              </a:rPr>
-              <a:t>;</a:t>
-            </a:r>
-            <a:endParaRPr kumimoji="0" lang="ko-KR" altLang="ko-KR" sz="1800" b="0" i="0" u="none" strike="noStrike" cap="none" normalizeH="0" baseline="0" dirty="0">
-              <a:ln>
-                <a:noFill/>
-              </a:ln>
-              <a:solidFill>
-                <a:schemeClr val="tx1"/>
-              </a:solidFill>
-              <a:effectLst/>
-              <a:latin typeface="Arial" panose="020B0604020202020204" pitchFamily="34" charset="0"/>
-            </a:endParaRPr>
-          </a:p>
-        </p:txBody>
-      </p:sp>
-      <p:cxnSp>
-        <p:nvCxnSpPr>
-          <p:cNvPr id="33" name="직선 연결선 32">
-            <a:extLst>
-              <a:ext uri="{FF2B5EF4-FFF2-40B4-BE49-F238E27FC236}">
-                <a16:creationId xmlns:a16="http://schemas.microsoft.com/office/drawing/2014/main" id="{785243D1-A0FB-4082-9E04-BCB027922D97}"/>
-              </a:ext>
-            </a:extLst>
-          </p:cNvPr>
-          <p:cNvCxnSpPr>
-            <a:cxnSpLocks/>
-          </p:cNvCxnSpPr>
-          <p:nvPr/>
-        </p:nvCxnSpPr>
-        <p:spPr>
-          <a:xfrm flipH="1">
-            <a:off x="5890996" y="0"/>
-            <a:ext cx="17734" cy="6858000"/>
-          </a:xfrm>
-          <a:prstGeom prst="line">
-            <a:avLst/>
-          </a:prstGeom>
-        </p:spPr>
-        <p:style>
-          <a:lnRef idx="1">
-            <a:schemeClr val="dk1"/>
-          </a:lnRef>
-          <a:fillRef idx="0">
-            <a:schemeClr val="dk1"/>
-          </a:fillRef>
-          <a:effectRef idx="0">
-            <a:schemeClr val="dk1"/>
-          </a:effectRef>
-          <a:fontRef idx="minor">
-            <a:schemeClr val="tx1"/>
-          </a:fontRef>
-        </p:style>
-      </p:cxnSp>
-      <p:sp>
-        <p:nvSpPr>
-          <p:cNvPr id="10" name="Rectangle 6">
-            <a:extLst>
-              <a:ext uri="{FF2B5EF4-FFF2-40B4-BE49-F238E27FC236}">
-                <a16:creationId xmlns:a16="http://schemas.microsoft.com/office/drawing/2014/main" id="{26774717-31BF-4E4F-974A-B24EC1988F48}"/>
-              </a:ext>
-            </a:extLst>
-          </p:cNvPr>
-          <p:cNvSpPr>
-            <a:spLocks noChangeArrowheads="1"/>
-          </p:cNvSpPr>
-          <p:nvPr/>
-        </p:nvSpPr>
-        <p:spPr bwMode="auto">
-          <a:xfrm>
-            <a:off x="6272236" y="5308860"/>
-            <a:ext cx="5641961" cy="1200329"/>
-          </a:xfrm>
-          <a:prstGeom prst="rect">
-            <a:avLst/>
-          </a:prstGeom>
-          <a:solidFill>
-            <a:srgbClr val="2B2B2B"/>
-          </a:solidFill>
-          <a:ln>
-            <a:noFill/>
-          </a:ln>
-          <a:effectLst/>
-          <a:extLst>
-            <a:ext uri="{91240B29-F687-4F45-9708-019B960494DF}">
-              <a14:hiddenLine xmlns:a14="http://schemas.microsoft.com/office/drawing/2010/main" w="9525">
-                <a:solidFill>
-                  <a:schemeClr val="tx1"/>
-                </a:solidFill>
-                <a:miter lim="800000"/>
-                <a:headEnd/>
-                <a:tailEnd/>
-              </a14:hiddenLine>
-            </a:ext>
-            <a:ext uri="{AF507438-7753-43E0-B8FC-AC1667EBCBE1}">
-              <a14:hiddenEffects xmlns:a14="http://schemas.microsoft.com/office/drawing/2010/main">
-                <a:effectLst>
-                  <a:outerShdw dist="35921" dir="2700000" algn="ctr" rotWithShape="0">
-                    <a:schemeClr val="bg2"/>
-                  </a:outerShdw>
-                </a:effectLst>
-              </a14:hiddenEffects>
-            </a:ext>
-          </a:extLst>
-        </p:spPr>
-        <p:txBody>
-          <a:bodyPr vert="horz" wrap="square" lIns="91440" tIns="45720" rIns="91440" bIns="45720" numCol="1" anchor="ctr" anchorCtr="0" compatLnSpc="1">
-            <a:prstTxWarp prst="textNoShape">
-              <a:avLst/>
-            </a:prstTxWarp>
-            <a:spAutoFit/>
-          </a:bodyPr>
-          <a:lstStyle/>
-          <a:p>
-            <a:pPr marL="0" marR="0" lvl="0" indent="0" algn="l" defTabSz="914400" rtl="0" eaLnBrk="0" fontAlgn="base" latinLnBrk="0" hangingPunct="0">
-              <a:lnSpc>
-                <a:spcPct val="100000"/>
-              </a:lnSpc>
-              <a:spcBef>
-                <a:spcPct val="0"/>
-              </a:spcBef>
-              <a:spcAft>
-                <a:spcPct val="0"/>
-              </a:spcAft>
-              <a:buClrTx/>
-              <a:buSzTx/>
-              <a:buFontTx/>
-              <a:buNone/>
-              <a:tabLst/>
-            </a:pPr>
-            <a:r>
-              <a:rPr kumimoji="0" lang="ko-KR" altLang="ko-KR" sz="900" b="0" i="0" u="none" strike="noStrike" cap="none" normalizeH="0" baseline="0" dirty="0" err="1">
-                <a:ln>
-                  <a:noFill/>
-                </a:ln>
-                <a:solidFill>
-                  <a:srgbClr val="9876AA"/>
-                </a:solidFill>
-                <a:effectLst/>
-                <a:latin typeface="Arial Unicode MS"/>
-                <a:ea typeface="JetBrains Mono"/>
-              </a:rPr>
-              <a:t>acquaintanceRelationRepository</a:t>
+              <a:t>) {</a:t>
             </a:r>
             <a:br>
               <a:rPr kumimoji="0" lang="ko-KR" altLang="ko-KR" sz="900" b="0" i="0" u="none" strike="noStrike" cap="none" normalizeH="0" baseline="0" dirty="0">
@@ -9125,7 +9543,7 @@
                   <a:noFill/>
                 </a:ln>
                 <a:solidFill>
-                  <a:srgbClr val="9876AA"/>
+                  <a:srgbClr val="A9B7C6"/>
                 </a:solidFill>
                 <a:effectLst/>
                 <a:latin typeface="Arial Unicode MS"/>
@@ -9138,13 +9556,41 @@
                   <a:noFill/>
                 </a:ln>
                 <a:solidFill>
-                  <a:srgbClr val="9876AA"/>
+                  <a:srgbClr val="A9B7C6"/>
                 </a:solidFill>
                 <a:effectLst/>
                 <a:latin typeface="Arial Unicode MS"/>
                 <a:ea typeface="JetBrains Mono"/>
               </a:rPr>
-              <a:t>        </a:t>
+              <a:t>    </a:t>
+            </a:r>
+            <a:r>
+              <a:rPr kumimoji="0" lang="ko-KR" altLang="ko-KR" sz="900" b="0" i="0" u="none" strike="noStrike" cap="none" normalizeH="0" baseline="0" dirty="0" err="1">
+                <a:ln>
+                  <a:noFill/>
+                </a:ln>
+                <a:solidFill>
+                  <a:srgbClr val="9876AA"/>
+                </a:solidFill>
+                <a:effectLst/>
+                <a:latin typeface="Arial Unicode MS"/>
+                <a:ea typeface="JetBrains Mono"/>
+              </a:rPr>
+              <a:t>userRepository</a:t>
+            </a:r>
+            <a:r>
+              <a:rPr kumimoji="0" lang="ko-KR" altLang="ko-KR" sz="900" b="0" i="0" u="none" strike="noStrike" cap="none" normalizeH="0" baseline="0" dirty="0" err="1">
+                <a:ln>
+                  <a:noFill/>
+                </a:ln>
+                <a:solidFill>
+                  <a:srgbClr val="A9B7C6"/>
+                </a:solidFill>
+                <a:effectLst/>
+                <a:latin typeface="Arial Unicode MS"/>
+                <a:ea typeface="JetBrains Mono"/>
+              </a:rPr>
+              <a:t>.findByPhoneNumber</a:t>
             </a:r>
             <a:r>
               <a:rPr kumimoji="0" lang="ko-KR" altLang="ko-KR" sz="900" b="0" i="0" u="none" strike="noStrike" cap="none" normalizeH="0" baseline="0" dirty="0">
@@ -9158,7 +9604,7 @@
                 <a:latin typeface="Arial Unicode MS"/>
                 <a:ea typeface="JetBrains Mono"/>
               </a:rPr>
-              <a:t>.</a:t>
+              <a:t>(</a:t>
             </a:r>
             <a:r>
               <a:rPr kumimoji="0" lang="ko-KR" altLang="ko-KR" sz="900" b="0" i="0" u="none" strike="noStrike" cap="none" normalizeH="0" baseline="0" dirty="0" err="1">
@@ -9172,7 +9618,7 @@
                 <a:latin typeface="Arial Unicode MS"/>
                 <a:ea typeface="JetBrains Mono"/>
               </a:rPr>
-              <a:t>findMyAcquaintanceList</a:t>
+              <a:t>phoneNumber</a:t>
             </a:r>
             <a:r>
               <a:rPr kumimoji="0" lang="ko-KR" altLang="ko-KR" sz="900" b="0" i="0" u="none" strike="noStrike" cap="none" normalizeH="0" baseline="0" dirty="0">
@@ -9186,7 +9632,7 @@
                 <a:latin typeface="Arial Unicode MS"/>
                 <a:ea typeface="JetBrains Mono"/>
               </a:rPr>
-              <a:t>(</a:t>
+              <a:t>).</a:t>
             </a:r>
             <a:r>
               <a:rPr kumimoji="0" lang="ko-KR" altLang="ko-KR" sz="900" b="0" i="0" u="none" strike="noStrike" cap="none" normalizeH="0" baseline="0" dirty="0" err="1">
@@ -9200,7 +9646,7 @@
                 <a:latin typeface="Arial Unicode MS"/>
                 <a:ea typeface="JetBrains Mono"/>
               </a:rPr>
-              <a:t>user</a:t>
+              <a:t>ifPresent</a:t>
             </a:r>
             <a:r>
               <a:rPr kumimoji="0" lang="ko-KR" altLang="ko-KR" sz="900" b="0" i="0" u="none" strike="noStrike" cap="none" normalizeH="0" baseline="0" dirty="0">
@@ -9214,7 +9660,7 @@
                 <a:latin typeface="Arial Unicode MS"/>
                 <a:ea typeface="JetBrains Mono"/>
               </a:rPr>
-              <a:t>)</a:t>
+              <a:t>(</a:t>
             </a:r>
             <a:br>
               <a:rPr kumimoji="0" lang="ko-KR" altLang="ko-KR" sz="900" b="0" i="0" u="none" strike="noStrike" cap="none" normalizeH="0" baseline="0" dirty="0">
@@ -9241,7 +9687,7 @@
                 <a:latin typeface="Arial Unicode MS"/>
                 <a:ea typeface="JetBrains Mono"/>
               </a:rPr>
-              <a:t>        .</a:t>
+              <a:t>            </a:t>
             </a:r>
             <a:r>
               <a:rPr kumimoji="0" lang="ko-KR" altLang="ko-KR" sz="900" b="0" i="0" u="none" strike="noStrike" cap="none" normalizeH="0" baseline="0" dirty="0" err="1">
@@ -9255,7 +9701,7 @@
                 <a:latin typeface="Arial Unicode MS"/>
                 <a:ea typeface="JetBrains Mono"/>
               </a:rPr>
-              <a:t>stream</a:t>
+              <a:t>targetUser</a:t>
             </a:r>
             <a:r>
               <a:rPr kumimoji="0" lang="ko-KR" altLang="ko-KR" sz="900" b="0" i="0" u="none" strike="noStrike" cap="none" normalizeH="0" baseline="0" dirty="0">
@@ -9269,7 +9715,133 @@
                 <a:latin typeface="Arial Unicode MS"/>
                 <a:ea typeface="JetBrains Mono"/>
               </a:rPr>
-              <a:t>()</a:t>
+              <a:t> -&gt; {</a:t>
+            </a:r>
+            <a:r>
+              <a:rPr kumimoji="0" lang="ko-KR" altLang="ko-KR" sz="900" b="0" i="0" u="none" strike="noStrike" cap="none" normalizeH="0" baseline="0" dirty="0" err="1">
+                <a:ln>
+                  <a:noFill/>
+                </a:ln>
+                <a:solidFill>
+                  <a:srgbClr val="A9B7C6"/>
+                </a:solidFill>
+                <a:effectLst/>
+                <a:latin typeface="Arial Unicode MS"/>
+                <a:ea typeface="JetBrains Mono"/>
+              </a:rPr>
+              <a:t>registerNewAcquaintance</a:t>
+            </a:r>
+            <a:r>
+              <a:rPr kumimoji="0" lang="ko-KR" altLang="ko-KR" sz="900" b="0" i="0" u="none" strike="noStrike" cap="none" normalizeH="0" baseline="0" dirty="0">
+                <a:ln>
+                  <a:noFill/>
+                </a:ln>
+                <a:solidFill>
+                  <a:srgbClr val="A9B7C6"/>
+                </a:solidFill>
+                <a:effectLst/>
+                <a:latin typeface="Arial Unicode MS"/>
+                <a:ea typeface="JetBrains Mono"/>
+              </a:rPr>
+              <a:t>(</a:t>
+            </a:r>
+            <a:r>
+              <a:rPr kumimoji="0" lang="ko-KR" altLang="ko-KR" sz="900" b="0" i="0" u="none" strike="noStrike" cap="none" normalizeH="0" baseline="0" dirty="0" err="1">
+                <a:ln>
+                  <a:noFill/>
+                </a:ln>
+                <a:solidFill>
+                  <a:srgbClr val="B389C5"/>
+                </a:solidFill>
+                <a:effectLst/>
+                <a:latin typeface="Arial Unicode MS"/>
+                <a:ea typeface="JetBrains Mono"/>
+              </a:rPr>
+              <a:t>user</a:t>
+            </a:r>
+            <a:r>
+              <a:rPr kumimoji="0" lang="ko-KR" altLang="ko-KR" sz="900" b="0" i="0" u="none" strike="noStrike" cap="none" normalizeH="0" baseline="0" dirty="0">
+                <a:ln>
+                  <a:noFill/>
+                </a:ln>
+                <a:solidFill>
+                  <a:srgbClr val="CC7832"/>
+                </a:solidFill>
+                <a:effectLst/>
+                <a:latin typeface="Arial Unicode MS"/>
+                <a:ea typeface="JetBrains Mono"/>
+              </a:rPr>
+              <a:t>, </a:t>
+            </a:r>
+            <a:r>
+              <a:rPr kumimoji="0" lang="ko-KR" altLang="ko-KR" sz="900" b="0" i="0" u="none" strike="noStrike" cap="none" normalizeH="0" baseline="0" dirty="0" err="1">
+                <a:ln>
+                  <a:noFill/>
+                </a:ln>
+                <a:solidFill>
+                  <a:srgbClr val="A9B7C6"/>
+                </a:solidFill>
+                <a:effectLst/>
+                <a:latin typeface="Arial Unicode MS"/>
+                <a:ea typeface="JetBrains Mono"/>
+              </a:rPr>
+              <a:t>targetUser</a:t>
+            </a:r>
+            <a:r>
+              <a:rPr kumimoji="0" lang="ko-KR" altLang="ko-KR" sz="900" b="0" i="0" u="none" strike="noStrike" cap="none" normalizeH="0" baseline="0" dirty="0">
+                <a:ln>
+                  <a:noFill/>
+                </a:ln>
+                <a:solidFill>
+                  <a:srgbClr val="A9B7C6"/>
+                </a:solidFill>
+                <a:effectLst/>
+                <a:latin typeface="Arial Unicode MS"/>
+                <a:ea typeface="JetBrains Mono"/>
+              </a:rPr>
+              <a:t>)</a:t>
+            </a:r>
+            <a:r>
+              <a:rPr kumimoji="0" lang="ko-KR" altLang="ko-KR" sz="900" b="0" i="0" u="none" strike="noStrike" cap="none" normalizeH="0" baseline="0" dirty="0">
+                <a:ln>
+                  <a:noFill/>
+                </a:ln>
+                <a:solidFill>
+                  <a:srgbClr val="CC7832"/>
+                </a:solidFill>
+                <a:effectLst/>
+                <a:latin typeface="Arial Unicode MS"/>
+                <a:ea typeface="JetBrains Mono"/>
+              </a:rPr>
+              <a:t>;</a:t>
+            </a:r>
+            <a:r>
+              <a:rPr kumimoji="0" lang="ko-KR" altLang="ko-KR" sz="900" b="0" i="0" u="none" strike="noStrike" cap="none" normalizeH="0" baseline="0" dirty="0">
+                <a:ln>
+                  <a:noFill/>
+                </a:ln>
+                <a:solidFill>
+                  <a:srgbClr val="A9B7C6"/>
+                </a:solidFill>
+                <a:effectLst/>
+                <a:latin typeface="Arial Unicode MS"/>
+                <a:ea typeface="JetBrains Mono"/>
+              </a:rPr>
+              <a:t>})</a:t>
+            </a:r>
+            <a:r>
+              <a:rPr kumimoji="0" lang="ko-KR" altLang="ko-KR" sz="900" b="0" i="0" u="none" strike="noStrike" cap="none" normalizeH="0" baseline="0" dirty="0">
+                <a:ln>
+                  <a:noFill/>
+                </a:ln>
+                <a:solidFill>
+                  <a:srgbClr val="CC7832"/>
+                </a:solidFill>
+                <a:effectLst/>
+                <a:latin typeface="Arial Unicode MS"/>
+                <a:ea typeface="JetBrains Mono"/>
+              </a:rPr>
+              <a:t>;</a:t>
             </a:r>
             <a:br>
               <a:rPr kumimoji="0" lang="ko-KR" altLang="ko-KR" sz="900" b="0" i="0" u="none" strike="noStrike" cap="none" normalizeH="0" baseline="0" dirty="0">
@@ -9277,7 +9849,7 @@
                   <a:noFill/>
                 </a:ln>
                 <a:solidFill>
-                  <a:srgbClr val="A9B7C6"/>
+                  <a:srgbClr val="CC7832"/>
                 </a:solidFill>
                 <a:effectLst/>
                 <a:latin typeface="Arial Unicode MS"/>
@@ -9296,707 +9868,7 @@
                 <a:latin typeface="Arial Unicode MS"/>
                 <a:ea typeface="JetBrains Mono"/>
               </a:rPr>
-              <a:t>        .</a:t>
-            </a:r>
-            <a:r>
-              <a:rPr kumimoji="0" lang="ko-KR" altLang="ko-KR" sz="900" b="0" i="0" u="none" strike="noStrike" cap="none" normalizeH="0" baseline="0" dirty="0" err="1">
-                <a:ln>
-                  <a:noFill/>
-                </a:ln>
-                <a:solidFill>
-                  <a:srgbClr val="A9B7C6"/>
-                </a:solidFill>
-                <a:effectLst/>
-                <a:latin typeface="Arial Unicode MS"/>
-                <a:ea typeface="JetBrains Mono"/>
-              </a:rPr>
-              <a:t>filter</a:t>
-            </a:r>
-            <a:r>
-              <a:rPr kumimoji="0" lang="ko-KR" altLang="ko-KR" sz="900" b="0" i="0" u="none" strike="noStrike" cap="none" normalizeH="0" baseline="0" dirty="0">
-                <a:ln>
-                  <a:noFill/>
-                </a:ln>
-                <a:solidFill>
-                  <a:srgbClr val="A9B7C6"/>
-                </a:solidFill>
-                <a:effectLst/>
-                <a:latin typeface="Arial Unicode MS"/>
-                <a:ea typeface="JetBrains Mono"/>
-              </a:rPr>
-              <a:t>(</a:t>
-            </a:r>
-            <a:r>
-              <a:rPr kumimoji="0" lang="ko-KR" altLang="ko-KR" sz="900" b="0" i="0" u="none" strike="noStrike" cap="none" normalizeH="0" baseline="0" dirty="0" err="1">
-                <a:ln>
-                  <a:noFill/>
-                </a:ln>
-                <a:solidFill>
-                  <a:srgbClr val="A9B7C6"/>
-                </a:solidFill>
-                <a:effectLst/>
-                <a:latin typeface="Arial Unicode MS"/>
-                <a:ea typeface="JetBrains Mono"/>
-              </a:rPr>
-              <a:t>ac</a:t>
-            </a:r>
-            <a:r>
-              <a:rPr kumimoji="0" lang="ko-KR" altLang="ko-KR" sz="900" b="0" i="0" u="none" strike="noStrike" cap="none" normalizeH="0" baseline="0" dirty="0">
-                <a:ln>
-                  <a:noFill/>
-                </a:ln>
-                <a:solidFill>
-                  <a:srgbClr val="A9B7C6"/>
-                </a:solidFill>
-                <a:effectLst/>
-                <a:latin typeface="Arial Unicode MS"/>
-                <a:ea typeface="JetBrains Mono"/>
-              </a:rPr>
-              <a:t> -&gt; </a:t>
-            </a:r>
-            <a:r>
-              <a:rPr kumimoji="0" lang="ko-KR" altLang="ko-KR" sz="900" b="0" i="0" u="none" strike="noStrike" cap="none" normalizeH="0" baseline="0" dirty="0" err="1">
-                <a:ln>
-                  <a:noFill/>
-                </a:ln>
-                <a:solidFill>
-                  <a:srgbClr val="9876AA"/>
-                </a:solidFill>
-                <a:effectLst/>
-                <a:latin typeface="Arial Unicode MS"/>
-                <a:ea typeface="JetBrains Mono"/>
-              </a:rPr>
-              <a:t>userRepository</a:t>
-            </a:r>
-            <a:r>
-              <a:rPr kumimoji="0" lang="ko-KR" altLang="ko-KR" sz="900" b="0" i="0" u="none" strike="noStrike" cap="none" normalizeH="0" baseline="0" dirty="0" err="1">
-                <a:ln>
-                  <a:noFill/>
-                </a:ln>
-                <a:solidFill>
-                  <a:srgbClr val="A9B7C6"/>
-                </a:solidFill>
-                <a:effectLst/>
-                <a:latin typeface="Arial Unicode MS"/>
-                <a:ea typeface="JetBrains Mono"/>
-              </a:rPr>
-              <a:t>.findById</a:t>
-            </a:r>
-            <a:r>
-              <a:rPr kumimoji="0" lang="ko-KR" altLang="ko-KR" sz="900" b="0" i="0" u="none" strike="noStrike" cap="none" normalizeH="0" baseline="0" dirty="0">
-                <a:ln>
-                  <a:noFill/>
-                </a:ln>
-                <a:solidFill>
-                  <a:srgbClr val="A9B7C6"/>
-                </a:solidFill>
-                <a:effectLst/>
-                <a:latin typeface="Arial Unicode MS"/>
-                <a:ea typeface="JetBrains Mono"/>
-              </a:rPr>
-              <a:t>(</a:t>
-            </a:r>
-            <a:r>
-              <a:rPr kumimoji="0" lang="ko-KR" altLang="ko-KR" sz="900" b="0" i="0" u="none" strike="noStrike" cap="none" normalizeH="0" baseline="0" dirty="0" err="1">
-                <a:ln>
-                  <a:noFill/>
-                </a:ln>
-                <a:solidFill>
-                  <a:srgbClr val="A9B7C6"/>
-                </a:solidFill>
-                <a:effectLst/>
-                <a:latin typeface="Arial Unicode MS"/>
-                <a:ea typeface="JetBrains Mono"/>
-              </a:rPr>
-              <a:t>ac.getUserId</a:t>
-            </a:r>
-            <a:r>
-              <a:rPr kumimoji="0" lang="ko-KR" altLang="ko-KR" sz="900" b="0" i="0" u="none" strike="noStrike" cap="none" normalizeH="0" baseline="0" dirty="0">
-                <a:ln>
-                  <a:noFill/>
-                </a:ln>
-                <a:solidFill>
-                  <a:srgbClr val="A9B7C6"/>
-                </a:solidFill>
-                <a:effectLst/>
-                <a:latin typeface="Arial Unicode MS"/>
-                <a:ea typeface="JetBrains Mono"/>
-              </a:rPr>
-              <a:t>()).</a:t>
-            </a:r>
-            <a:r>
-              <a:rPr kumimoji="0" lang="ko-KR" altLang="ko-KR" sz="900" b="0" i="0" u="none" strike="noStrike" cap="none" normalizeH="0" baseline="0" dirty="0" err="1">
-                <a:ln>
-                  <a:noFill/>
-                </a:ln>
-                <a:solidFill>
-                  <a:srgbClr val="A9B7C6"/>
-                </a:solidFill>
-                <a:effectLst/>
-                <a:latin typeface="Arial Unicode MS"/>
-                <a:ea typeface="JetBrains Mono"/>
-              </a:rPr>
-              <a:t>isPresent</a:t>
-            </a:r>
-            <a:r>
-              <a:rPr kumimoji="0" lang="ko-KR" altLang="ko-KR" sz="900" b="0" i="0" u="none" strike="noStrike" cap="none" normalizeH="0" baseline="0" dirty="0">
-                <a:ln>
-                  <a:noFill/>
-                </a:ln>
-                <a:solidFill>
-                  <a:srgbClr val="A9B7C6"/>
-                </a:solidFill>
-                <a:effectLst/>
-                <a:latin typeface="Arial Unicode MS"/>
-                <a:ea typeface="JetBrains Mono"/>
-              </a:rPr>
-              <a:t>())</a:t>
-            </a:r>
-            <a:br>
-              <a:rPr kumimoji="0" lang="ko-KR" altLang="ko-KR" sz="900" b="0" i="0" u="none" strike="noStrike" cap="none" normalizeH="0" baseline="0" dirty="0">
-                <a:ln>
-                  <a:noFill/>
-                </a:ln>
-                <a:solidFill>
-                  <a:srgbClr val="A9B7C6"/>
-                </a:solidFill>
-                <a:effectLst/>
-                <a:latin typeface="Arial Unicode MS"/>
-                <a:ea typeface="JetBrains Mono"/>
-              </a:rPr>
-            </a:br>
-            <a:r>
-              <a:rPr kumimoji="0" lang="ko-KR" altLang="ko-KR" sz="900" b="0" i="0" u="none" strike="noStrike" cap="none" normalizeH="0" baseline="0" dirty="0">
-                <a:ln>
-                  <a:noFill/>
-                </a:ln>
-                <a:solidFill>
-                  <a:srgbClr val="A9B7C6"/>
-                </a:solidFill>
-                <a:effectLst/>
-                <a:latin typeface="Arial Unicode MS"/>
-                <a:ea typeface="JetBrains Mono"/>
-              </a:rPr>
-              <a:t>        .</a:t>
-            </a:r>
-            <a:r>
-              <a:rPr kumimoji="0" lang="ko-KR" altLang="ko-KR" sz="900" b="0" i="0" u="none" strike="noStrike" cap="none" normalizeH="0" baseline="0" dirty="0" err="1">
-                <a:ln>
-                  <a:noFill/>
-                </a:ln>
-                <a:solidFill>
-                  <a:srgbClr val="A9B7C6"/>
-                </a:solidFill>
-                <a:effectLst/>
-                <a:latin typeface="Arial Unicode MS"/>
-                <a:ea typeface="JetBrains Mono"/>
-              </a:rPr>
-              <a:t>filter</a:t>
-            </a:r>
-            <a:r>
-              <a:rPr kumimoji="0" lang="ko-KR" altLang="ko-KR" sz="900" b="0" i="0" u="none" strike="noStrike" cap="none" normalizeH="0" baseline="0" dirty="0">
-                <a:ln>
-                  <a:noFill/>
-                </a:ln>
-                <a:solidFill>
-                  <a:srgbClr val="A9B7C6"/>
-                </a:solidFill>
-                <a:effectLst/>
-                <a:latin typeface="Arial Unicode MS"/>
-                <a:ea typeface="JetBrains Mono"/>
-              </a:rPr>
-              <a:t>(</a:t>
-            </a:r>
-            <a:r>
-              <a:rPr kumimoji="0" lang="ko-KR" altLang="ko-KR" sz="900" b="0" i="0" u="none" strike="noStrike" cap="none" normalizeH="0" baseline="0" dirty="0" err="1">
-                <a:ln>
-                  <a:noFill/>
-                </a:ln>
-                <a:solidFill>
-                  <a:srgbClr val="A9B7C6"/>
-                </a:solidFill>
-                <a:effectLst/>
-                <a:latin typeface="Arial Unicode MS"/>
-                <a:ea typeface="JetBrains Mono"/>
-              </a:rPr>
-              <a:t>ac</a:t>
-            </a:r>
-            <a:r>
-              <a:rPr kumimoji="0" lang="ko-KR" altLang="ko-KR" sz="900" b="0" i="0" u="none" strike="noStrike" cap="none" normalizeH="0" baseline="0" dirty="0">
-                <a:ln>
-                  <a:noFill/>
-                </a:ln>
-                <a:solidFill>
-                  <a:srgbClr val="A9B7C6"/>
-                </a:solidFill>
-                <a:effectLst/>
-                <a:latin typeface="Arial Unicode MS"/>
-                <a:ea typeface="JetBrains Mono"/>
-              </a:rPr>
-              <a:t> -&gt; !</a:t>
-            </a:r>
-            <a:r>
-              <a:rPr kumimoji="0" lang="ko-KR" altLang="ko-KR" sz="900" b="0" i="0" u="none" strike="noStrike" cap="none" normalizeH="0" baseline="0" dirty="0" err="1">
-                <a:ln>
-                  <a:noFill/>
-                </a:ln>
-                <a:solidFill>
-                  <a:srgbClr val="A9B7C6"/>
-                </a:solidFill>
-                <a:effectLst/>
-                <a:latin typeface="Arial Unicode MS"/>
-                <a:ea typeface="JetBrains Mono"/>
-              </a:rPr>
-              <a:t>ac.getAvoidingAcquaintance</a:t>
-            </a:r>
-            <a:r>
-              <a:rPr kumimoji="0" lang="ko-KR" altLang="ko-KR" sz="900" b="0" i="0" u="none" strike="noStrike" cap="none" normalizeH="0" baseline="0" dirty="0">
-                <a:ln>
-                  <a:noFill/>
-                </a:ln>
-                <a:solidFill>
-                  <a:srgbClr val="A9B7C6"/>
-                </a:solidFill>
-                <a:effectLst/>
-                <a:latin typeface="Arial Unicode MS"/>
-                <a:ea typeface="JetBrains Mono"/>
-              </a:rPr>
-              <a:t>())</a:t>
-            </a:r>
-            <a:br>
-              <a:rPr kumimoji="0" lang="ko-KR" altLang="ko-KR" sz="900" b="0" i="0" u="none" strike="noStrike" cap="none" normalizeH="0" baseline="0" dirty="0">
-                <a:ln>
-                  <a:noFill/>
-                </a:ln>
-                <a:solidFill>
-                  <a:srgbClr val="A9B7C6"/>
-                </a:solidFill>
-                <a:effectLst/>
-                <a:latin typeface="Arial Unicode MS"/>
-                <a:ea typeface="JetBrains Mono"/>
-              </a:rPr>
-            </a:br>
-            <a:r>
-              <a:rPr kumimoji="0" lang="ko-KR" altLang="ko-KR" sz="900" b="0" i="0" u="none" strike="noStrike" cap="none" normalizeH="0" baseline="0" dirty="0">
-                <a:ln>
-                  <a:noFill/>
-                </a:ln>
-                <a:solidFill>
-                  <a:srgbClr val="A9B7C6"/>
-                </a:solidFill>
-                <a:effectLst/>
-                <a:latin typeface="Arial Unicode MS"/>
-                <a:ea typeface="JetBrains Mono"/>
-              </a:rPr>
-              <a:t>        .</a:t>
-            </a:r>
-            <a:r>
-              <a:rPr kumimoji="0" lang="ko-KR" altLang="ko-KR" sz="900" b="0" i="0" u="none" strike="noStrike" cap="none" normalizeH="0" baseline="0" dirty="0" err="1">
-                <a:ln>
-                  <a:noFill/>
-                </a:ln>
-                <a:solidFill>
-                  <a:srgbClr val="A9B7C6"/>
-                </a:solidFill>
-                <a:effectLst/>
-                <a:latin typeface="Arial Unicode MS"/>
-                <a:ea typeface="JetBrains Mono"/>
-              </a:rPr>
-              <a:t>forEach</a:t>
-            </a:r>
-            <a:r>
-              <a:rPr kumimoji="0" lang="ko-KR" altLang="ko-KR" sz="900" b="0" i="0" u="none" strike="noStrike" cap="none" normalizeH="0" baseline="0" dirty="0">
-                <a:ln>
-                  <a:noFill/>
-                </a:ln>
-                <a:solidFill>
-                  <a:srgbClr val="A9B7C6"/>
-                </a:solidFill>
-                <a:effectLst/>
-                <a:latin typeface="Arial Unicode MS"/>
-                <a:ea typeface="JetBrains Mono"/>
-              </a:rPr>
-              <a:t>(</a:t>
-            </a:r>
-            <a:r>
-              <a:rPr kumimoji="0" lang="ko-KR" altLang="ko-KR" sz="900" b="0" i="0" u="none" strike="noStrike" cap="none" normalizeH="0" baseline="0" dirty="0" err="1">
-                <a:ln>
-                  <a:noFill/>
-                </a:ln>
-                <a:solidFill>
-                  <a:srgbClr val="A9B7C6"/>
-                </a:solidFill>
-                <a:effectLst/>
-                <a:latin typeface="Arial Unicode MS"/>
-                <a:ea typeface="JetBrains Mono"/>
-              </a:rPr>
-              <a:t>ac</a:t>
-            </a:r>
-            <a:r>
-              <a:rPr kumimoji="0" lang="ko-KR" altLang="ko-KR" sz="900" b="0" i="0" u="none" strike="noStrike" cap="none" normalizeH="0" baseline="0" dirty="0">
-                <a:ln>
-                  <a:noFill/>
-                </a:ln>
-                <a:solidFill>
-                  <a:srgbClr val="A9B7C6"/>
-                </a:solidFill>
-                <a:effectLst/>
-                <a:latin typeface="Arial Unicode MS"/>
-                <a:ea typeface="JetBrains Mono"/>
-              </a:rPr>
-              <a:t> -&gt; </a:t>
-            </a:r>
-            <a:r>
-              <a:rPr kumimoji="0" lang="ko-KR" altLang="ko-KR" sz="900" b="0" i="0" u="none" strike="noStrike" cap="none" normalizeH="0" baseline="0" dirty="0" err="1">
-                <a:ln>
-                  <a:noFill/>
-                </a:ln>
-                <a:solidFill>
-                  <a:srgbClr val="9876AA"/>
-                </a:solidFill>
-                <a:effectLst/>
-                <a:latin typeface="Arial Unicode MS"/>
-                <a:ea typeface="JetBrains Mono"/>
-              </a:rPr>
-              <a:t>acquaintanceRelationRepository</a:t>
-            </a:r>
-            <a:r>
-              <a:rPr kumimoji="0" lang="ko-KR" altLang="ko-KR" sz="900" b="0" i="0" u="none" strike="noStrike" cap="none" normalizeH="0" baseline="0" dirty="0" err="1">
-                <a:ln>
-                  <a:noFill/>
-                </a:ln>
-                <a:solidFill>
-                  <a:srgbClr val="A9B7C6"/>
-                </a:solidFill>
-                <a:effectLst/>
-                <a:latin typeface="Arial Unicode MS"/>
-                <a:ea typeface="JetBrains Mono"/>
-              </a:rPr>
-              <a:t>.deleteAcquaintanceRelation</a:t>
-            </a:r>
-            <a:r>
-              <a:rPr kumimoji="0" lang="ko-KR" altLang="ko-KR" sz="900" b="0" i="0" u="none" strike="noStrike" cap="none" normalizeH="0" baseline="0" dirty="0">
-                <a:ln>
-                  <a:noFill/>
-                </a:ln>
-                <a:solidFill>
-                  <a:srgbClr val="A9B7C6"/>
-                </a:solidFill>
-                <a:effectLst/>
-                <a:latin typeface="Arial Unicode MS"/>
-                <a:ea typeface="JetBrains Mono"/>
-              </a:rPr>
-              <a:t>(</a:t>
-            </a:r>
-            <a:r>
-              <a:rPr kumimoji="0" lang="ko-KR" altLang="ko-KR" sz="900" b="0" i="0" u="none" strike="noStrike" cap="none" normalizeH="0" baseline="0" dirty="0" err="1">
-                <a:ln>
-                  <a:noFill/>
-                </a:ln>
-                <a:solidFill>
-                  <a:srgbClr val="9876AA"/>
-                </a:solidFill>
-                <a:effectLst/>
-                <a:latin typeface="Arial Unicode MS"/>
-                <a:ea typeface="JetBrains Mono"/>
-              </a:rPr>
-              <a:t>userRepository</a:t>
-            </a:r>
-            <a:r>
-              <a:rPr kumimoji="0" lang="ko-KR" altLang="ko-KR" sz="900" b="0" i="0" u="none" strike="noStrike" cap="none" normalizeH="0" baseline="0" dirty="0" err="1">
-                <a:ln>
-                  <a:noFill/>
-                </a:ln>
-                <a:solidFill>
-                  <a:srgbClr val="A9B7C6"/>
-                </a:solidFill>
-                <a:effectLst/>
-                <a:latin typeface="Arial Unicode MS"/>
-                <a:ea typeface="JetBrains Mono"/>
-              </a:rPr>
-              <a:t>.findById</a:t>
-            </a:r>
-            <a:r>
-              <a:rPr kumimoji="0" lang="ko-KR" altLang="ko-KR" sz="900" b="0" i="0" u="none" strike="noStrike" cap="none" normalizeH="0" baseline="0" dirty="0">
-                <a:ln>
-                  <a:noFill/>
-                </a:ln>
-                <a:solidFill>
-                  <a:srgbClr val="A9B7C6"/>
-                </a:solidFill>
-                <a:effectLst/>
-                <a:latin typeface="Arial Unicode MS"/>
-                <a:ea typeface="JetBrains Mono"/>
-              </a:rPr>
-              <a:t>(</a:t>
-            </a:r>
-            <a:r>
-              <a:rPr kumimoji="0" lang="ko-KR" altLang="ko-KR" sz="900" b="0" i="0" u="none" strike="noStrike" cap="none" normalizeH="0" baseline="0" dirty="0" err="1">
-                <a:ln>
-                  <a:noFill/>
-                </a:ln>
-                <a:solidFill>
-                  <a:srgbClr val="B389C5"/>
-                </a:solidFill>
-                <a:effectLst/>
-                <a:latin typeface="Arial Unicode MS"/>
-                <a:ea typeface="JetBrains Mono"/>
-              </a:rPr>
-              <a:t>userId</a:t>
-            </a:r>
-            <a:r>
-              <a:rPr kumimoji="0" lang="ko-KR" altLang="ko-KR" sz="900" b="0" i="0" u="none" strike="noStrike" cap="none" normalizeH="0" baseline="0" dirty="0">
-                <a:ln>
-                  <a:noFill/>
-                </a:ln>
-                <a:solidFill>
-                  <a:srgbClr val="A9B7C6"/>
-                </a:solidFill>
-                <a:effectLst/>
-                <a:latin typeface="Arial Unicode MS"/>
-                <a:ea typeface="JetBrains Mono"/>
-              </a:rPr>
-              <a:t>).</a:t>
-            </a:r>
-            <a:r>
-              <a:rPr kumimoji="0" lang="ko-KR" altLang="ko-KR" sz="900" b="0" i="0" u="none" strike="noStrike" cap="none" normalizeH="0" baseline="0" dirty="0" err="1">
-                <a:ln>
-                  <a:noFill/>
-                </a:ln>
-                <a:solidFill>
-                  <a:srgbClr val="A9B7C6"/>
-                </a:solidFill>
-                <a:effectLst/>
-                <a:latin typeface="Arial Unicode MS"/>
-                <a:ea typeface="JetBrains Mono"/>
-              </a:rPr>
-              <a:t>orElseThrow</a:t>
-            </a:r>
-            <a:r>
-              <a:rPr kumimoji="0" lang="ko-KR" altLang="ko-KR" sz="900" b="0" i="0" u="none" strike="noStrike" cap="none" normalizeH="0" baseline="0" dirty="0">
-                <a:ln>
-                  <a:noFill/>
-                </a:ln>
-                <a:solidFill>
-                  <a:srgbClr val="A9B7C6"/>
-                </a:solidFill>
-                <a:effectLst/>
-                <a:latin typeface="Arial Unicode MS"/>
-                <a:ea typeface="JetBrains Mono"/>
-              </a:rPr>
-              <a:t>(()-&gt; </a:t>
-            </a:r>
-            <a:r>
-              <a:rPr kumimoji="0" lang="ko-KR" altLang="ko-KR" sz="900" b="0" i="0" u="none" strike="noStrike" cap="none" normalizeH="0" baseline="0" dirty="0" err="1">
-                <a:ln>
-                  <a:noFill/>
-                </a:ln>
-                <a:solidFill>
-                  <a:srgbClr val="CC7832"/>
-                </a:solidFill>
-                <a:effectLst/>
-                <a:latin typeface="Arial Unicode MS"/>
-                <a:ea typeface="JetBrains Mono"/>
-              </a:rPr>
-              <a:t>new</a:t>
-            </a:r>
-            <a:r>
-              <a:rPr kumimoji="0" lang="ko-KR" altLang="ko-KR" sz="900" b="0" i="0" u="none" strike="noStrike" cap="none" normalizeH="0" baseline="0" dirty="0">
-                <a:ln>
-                  <a:noFill/>
-                </a:ln>
-                <a:solidFill>
-                  <a:srgbClr val="CC7832"/>
-                </a:solidFill>
-                <a:effectLst/>
-                <a:latin typeface="Arial Unicode MS"/>
-                <a:ea typeface="JetBrains Mono"/>
-              </a:rPr>
-              <a:t> </a:t>
-            </a:r>
-            <a:r>
-              <a:rPr kumimoji="0" lang="ko-KR" altLang="ko-KR" sz="900" b="0" i="0" u="none" strike="noStrike" cap="none" normalizeH="0" baseline="0" dirty="0" err="1">
-                <a:ln>
-                  <a:noFill/>
-                </a:ln>
-                <a:solidFill>
-                  <a:srgbClr val="A9B7C6"/>
-                </a:solidFill>
-                <a:effectLst/>
-                <a:latin typeface="Arial Unicode MS"/>
-                <a:ea typeface="JetBrains Mono"/>
-              </a:rPr>
-              <a:t>NoSuchElementException</a:t>
-            </a:r>
-            <a:r>
-              <a:rPr kumimoji="0" lang="ko-KR" altLang="ko-KR" sz="900" b="0" i="0" u="none" strike="noStrike" cap="none" normalizeH="0" baseline="0" dirty="0">
-                <a:ln>
-                  <a:noFill/>
-                </a:ln>
-                <a:solidFill>
-                  <a:srgbClr val="A9B7C6"/>
-                </a:solidFill>
-                <a:effectLst/>
-                <a:latin typeface="Arial Unicode MS"/>
-                <a:ea typeface="JetBrains Mono"/>
-              </a:rPr>
-              <a:t>(</a:t>
-            </a:r>
-            <a:r>
-              <a:rPr kumimoji="0" lang="ko-KR" altLang="ko-KR" sz="900" b="0" i="0" u="none" strike="noStrike" cap="none" normalizeH="0" baseline="0" dirty="0">
-                <a:ln>
-                  <a:noFill/>
-                </a:ln>
-                <a:solidFill>
-                  <a:srgbClr val="6A8759"/>
-                </a:solidFill>
-                <a:effectLst/>
-                <a:latin typeface="Arial Unicode MS"/>
-                <a:ea typeface="JetBrains Mono"/>
-              </a:rPr>
-              <a:t>"</a:t>
-            </a:r>
-            <a:r>
-              <a:rPr kumimoji="0" lang="ko-KR" altLang="ko-KR" sz="900" b="0" i="0" u="none" strike="noStrike" cap="none" normalizeH="0" baseline="0" dirty="0">
-                <a:ln>
-                  <a:noFill/>
-                </a:ln>
-                <a:solidFill>
-                  <a:srgbClr val="6A8759"/>
-                </a:solidFill>
-                <a:effectLst/>
-                <a:latin typeface="Courier New" panose="02070309020205020404" pitchFamily="49" charset="0"/>
-                <a:ea typeface="JetBrains Mono"/>
-                <a:cs typeface="Courier New" panose="02070309020205020404" pitchFamily="49" charset="0"/>
-              </a:rPr>
-              <a:t>존재하지 않는 회원</a:t>
-            </a:r>
-            <a:r>
-              <a:rPr kumimoji="0" lang="ko-KR" altLang="ko-KR" sz="900" b="0" i="0" u="none" strike="noStrike" cap="none" normalizeH="0" baseline="0" dirty="0">
-                <a:ln>
-                  <a:noFill/>
-                </a:ln>
-                <a:solidFill>
-                  <a:srgbClr val="6A8759"/>
-                </a:solidFill>
-                <a:effectLst/>
-                <a:latin typeface="Arial Unicode MS"/>
-                <a:ea typeface="JetBrains Mono"/>
-              </a:rPr>
-              <a:t> </a:t>
-            </a:r>
-            <a:r>
-              <a:rPr kumimoji="0" lang="ko-KR" altLang="ko-KR" sz="900" b="0" i="0" u="none" strike="noStrike" cap="none" normalizeH="0" baseline="0" dirty="0" err="1">
-                <a:ln>
-                  <a:noFill/>
-                </a:ln>
-                <a:solidFill>
-                  <a:srgbClr val="6A8759"/>
-                </a:solidFill>
-                <a:effectLst/>
-                <a:latin typeface="Arial Unicode MS"/>
-                <a:ea typeface="JetBrains Mono"/>
-              </a:rPr>
-              <a:t>pk</a:t>
-            </a:r>
-            <a:r>
-              <a:rPr kumimoji="0" lang="ko-KR" altLang="ko-KR" sz="900" b="0" i="0" u="none" strike="noStrike" cap="none" normalizeH="0" baseline="0" dirty="0" err="1">
-                <a:ln>
-                  <a:noFill/>
-                </a:ln>
-                <a:solidFill>
-                  <a:srgbClr val="6A8759"/>
-                </a:solidFill>
-                <a:effectLst/>
-                <a:latin typeface="Courier New" panose="02070309020205020404" pitchFamily="49" charset="0"/>
-                <a:ea typeface="JetBrains Mono"/>
-                <a:cs typeface="Courier New" panose="02070309020205020404" pitchFamily="49" charset="0"/>
-              </a:rPr>
-              <a:t>입니다</a:t>
-            </a:r>
-            <a:r>
-              <a:rPr kumimoji="0" lang="ko-KR" altLang="ko-KR" sz="900" b="0" i="0" u="none" strike="noStrike" cap="none" normalizeH="0" baseline="0" dirty="0">
-                <a:ln>
-                  <a:noFill/>
-                </a:ln>
-                <a:solidFill>
-                  <a:srgbClr val="6A8759"/>
-                </a:solidFill>
-                <a:effectLst/>
-                <a:latin typeface="Arial Unicode MS"/>
-                <a:ea typeface="JetBrains Mono"/>
-              </a:rPr>
-              <a:t>"</a:t>
-            </a:r>
-            <a:r>
-              <a:rPr kumimoji="0" lang="ko-KR" altLang="ko-KR" sz="900" b="0" i="0" u="none" strike="noStrike" cap="none" normalizeH="0" baseline="0" dirty="0">
-                <a:ln>
-                  <a:noFill/>
-                </a:ln>
-                <a:solidFill>
-                  <a:srgbClr val="A9B7C6"/>
-                </a:solidFill>
-                <a:effectLst/>
-                <a:latin typeface="Arial Unicode MS"/>
-                <a:ea typeface="JetBrains Mono"/>
-              </a:rPr>
-              <a:t>))</a:t>
-            </a:r>
-            <a:r>
-              <a:rPr kumimoji="0" lang="ko-KR" altLang="ko-KR" sz="900" b="0" i="0" u="none" strike="noStrike" cap="none" normalizeH="0" baseline="0" dirty="0">
-                <a:ln>
-                  <a:noFill/>
-                </a:ln>
-                <a:solidFill>
-                  <a:srgbClr val="CC7832"/>
-                </a:solidFill>
-                <a:effectLst/>
-                <a:latin typeface="Arial Unicode MS"/>
-                <a:ea typeface="JetBrains Mono"/>
-              </a:rPr>
-              <a:t>,</a:t>
-            </a:r>
-            <a:r>
-              <a:rPr kumimoji="0" lang="ko-KR" altLang="ko-KR" sz="900" b="0" i="0" u="none" strike="noStrike" cap="none" normalizeH="0" baseline="0" dirty="0" err="1">
-                <a:ln>
-                  <a:noFill/>
-                </a:ln>
-                <a:solidFill>
-                  <a:srgbClr val="A9B7C6"/>
-                </a:solidFill>
-                <a:effectLst/>
-                <a:latin typeface="Arial Unicode MS"/>
-                <a:ea typeface="JetBrains Mono"/>
-              </a:rPr>
-              <a:t>ac</a:t>
-            </a:r>
-            <a:r>
-              <a:rPr kumimoji="0" lang="ko-KR" altLang="ko-KR" sz="900" b="0" i="0" u="none" strike="noStrike" cap="none" normalizeH="0" baseline="0" dirty="0">
-                <a:ln>
-                  <a:noFill/>
-                </a:ln>
-                <a:solidFill>
-                  <a:srgbClr val="A9B7C6"/>
-                </a:solidFill>
-                <a:effectLst/>
-                <a:latin typeface="Arial Unicode MS"/>
-                <a:ea typeface="JetBrains Mono"/>
-              </a:rPr>
-              <a:t>))</a:t>
-            </a:r>
-            <a:r>
-              <a:rPr kumimoji="0" lang="ko-KR" altLang="ko-KR" sz="900" b="0" i="0" u="none" strike="noStrike" cap="none" normalizeH="0" baseline="0" dirty="0">
-                <a:ln>
-                  <a:noFill/>
-                </a:ln>
-                <a:solidFill>
-                  <a:srgbClr val="CC7832"/>
-                </a:solidFill>
-                <a:effectLst/>
-                <a:latin typeface="Arial Unicode MS"/>
-                <a:ea typeface="JetBrains Mono"/>
-              </a:rPr>
-              <a:t>;</a:t>
+              <a:t>}</a:t>
             </a:r>
             <a:endParaRPr kumimoji="0" lang="ko-KR" altLang="ko-KR" sz="1800" b="0" i="0" u="none" strike="noStrike" cap="none" normalizeH="0" baseline="0" dirty="0">
               <a:ln>
@@ -10577,8 +10449,8 @@
         </p:nvSpPr>
         <p:spPr>
           <a:xfrm>
-            <a:off x="1752095" y="1575026"/>
-            <a:ext cx="2496784" cy="945752"/>
+            <a:off x="1814578" y="1579525"/>
+            <a:ext cx="2496784" cy="882800"/>
           </a:xfrm>
           <a:prstGeom prst="rect">
             <a:avLst/>
@@ -10617,6 +10489,55 @@
             </a:endParaRPr>
           </a:p>
           <a:p>
+            <a:endParaRPr lang="en-US" altLang="ko-KR" sz="800" dirty="0">
+              <a:solidFill>
+                <a:schemeClr val="tx1"/>
+              </a:solidFill>
+            </a:endParaRPr>
+          </a:p>
+          <a:p>
+            <a:pPr marL="228600" indent="-228600">
+              <a:buAutoNum type="arabicPeriod"/>
+            </a:pPr>
+            <a:r>
+              <a:rPr lang="ko-KR" altLang="en-US" sz="800" dirty="0">
+                <a:solidFill>
+                  <a:schemeClr val="tx1"/>
+                </a:solidFill>
+              </a:rPr>
+              <a:t>이메일과 현재 시간을 조합하여 </a:t>
+            </a:r>
+            <a:r>
+              <a:rPr lang="en-US" altLang="ko-KR" sz="800" dirty="0" err="1">
+                <a:solidFill>
+                  <a:schemeClr val="tx1"/>
+                </a:solidFill>
+              </a:rPr>
+              <a:t>url</a:t>
+            </a:r>
+            <a:r>
+              <a:rPr lang="en-US" altLang="ko-KR" sz="800" dirty="0">
+                <a:solidFill>
+                  <a:schemeClr val="tx1"/>
+                </a:solidFill>
+              </a:rPr>
+              <a:t> </a:t>
+            </a:r>
+            <a:r>
+              <a:rPr lang="ko-KR" altLang="en-US" sz="800" dirty="0">
+                <a:solidFill>
+                  <a:schemeClr val="tx1"/>
+                </a:solidFill>
+              </a:rPr>
+              <a:t>생성</a:t>
+            </a:r>
+            <a:endParaRPr lang="en-US" altLang="ko-KR" sz="800" dirty="0">
+              <a:solidFill>
+                <a:schemeClr val="tx1"/>
+              </a:solidFill>
+            </a:endParaRPr>
+          </a:p>
+          <a:p>
             <a:pPr marL="228600" indent="-228600">
               <a:buAutoNum type="arabicPeriod"/>
             </a:pPr>
@@ -10631,113 +10552,63 @@
               <a:buAutoNum type="arabicPeriod"/>
             </a:pPr>
             <a:r>
+              <a:rPr lang="en-US" altLang="ko-KR" sz="800" dirty="0" err="1">
+                <a:solidFill>
+                  <a:schemeClr val="tx1"/>
+                </a:solidFill>
+              </a:rPr>
+              <a:t>url</a:t>
+            </a:r>
+            <a:r>
+              <a:rPr lang="en-US" altLang="ko-KR" sz="800" dirty="0">
+                <a:solidFill>
+                  <a:schemeClr val="tx1"/>
+                </a:solidFill>
+              </a:rPr>
+              <a:t> </a:t>
+            </a:r>
+            <a:r>
               <a:rPr lang="ko-KR" altLang="en-US" sz="800" dirty="0">
                 <a:solidFill>
                   <a:schemeClr val="tx1"/>
                 </a:solidFill>
               </a:rPr>
-              <a:t>등록된 이메일인지 확인</a:t>
-            </a:r>
+              <a:t>생성시 암호화 진행</a:t>
+            </a:r>
+            <a:r>
+              <a:rPr lang="en-US" altLang="ko-KR" sz="800" dirty="0">
+                <a:solidFill>
+                  <a:schemeClr val="tx1"/>
+                </a:solidFill>
+              </a:rPr>
+              <a:t>(</a:t>
+            </a:r>
+            <a:r>
+              <a:rPr lang="ko-KR" altLang="en-US" sz="800" dirty="0">
+                <a:solidFill>
+                  <a:schemeClr val="tx1"/>
+                </a:solidFill>
+              </a:rPr>
+              <a:t>암호화 과정은 오른쪽 설명란  참조</a:t>
+            </a:r>
+            <a:r>
+              <a:rPr lang="en-US" altLang="ko-KR" sz="800" dirty="0">
+                <a:solidFill>
+                  <a:schemeClr val="tx1"/>
+                </a:solidFill>
+              </a:rPr>
+              <a:t>)</a:t>
+            </a:r>
+          </a:p>
+          <a:p>
+            <a:pPr marL="228600" indent="-228600">
+              <a:buAutoNum type="arabicPeriod"/>
+            </a:pPr>
             <a:endParaRPr lang="en-US" altLang="ko-KR" sz="800" dirty="0">
               <a:solidFill>
                 <a:schemeClr val="tx1"/>
               </a:solidFill>
             </a:endParaRPr>
-          </a:p>
-          <a:p>
-            <a:pPr marL="228600" indent="-228600">
-              <a:buAutoNum type="arabicPeriod"/>
-            </a:pPr>
-            <a:r>
-              <a:rPr lang="ko-KR" altLang="en-US" sz="800" dirty="0">
-                <a:solidFill>
-                  <a:schemeClr val="tx1"/>
-                </a:solidFill>
-              </a:rPr>
-              <a:t>등록된 이메일이라면 이메일과 현재 시간을 조합하여 </a:t>
-            </a:r>
-            <a:r>
-              <a:rPr lang="en-US" altLang="ko-KR" sz="800" dirty="0" err="1">
-                <a:solidFill>
-                  <a:schemeClr val="tx1"/>
-                </a:solidFill>
-              </a:rPr>
-              <a:t>url</a:t>
-            </a:r>
-            <a:r>
-              <a:rPr lang="en-US" altLang="ko-KR" sz="800" dirty="0">
-                <a:solidFill>
-                  <a:schemeClr val="tx1"/>
-                </a:solidFill>
-              </a:rPr>
-              <a:t> </a:t>
-            </a:r>
-            <a:r>
-              <a:rPr lang="ko-KR" altLang="en-US" sz="800" dirty="0">
-                <a:solidFill>
-                  <a:schemeClr val="tx1"/>
-                </a:solidFill>
-              </a:rPr>
-              <a:t>생성</a:t>
-            </a:r>
-            <a:endParaRPr lang="en-US" altLang="ko-KR" sz="800" dirty="0">
-              <a:solidFill>
-                <a:schemeClr val="tx1"/>
-              </a:solidFill>
-            </a:endParaRPr>
-          </a:p>
-          <a:p>
-            <a:pPr marL="228600" indent="-228600">
-              <a:buAutoNum type="arabicPeriod"/>
-            </a:pPr>
-            <a:r>
-              <a:rPr lang="en-US" altLang="ko-KR" sz="800" dirty="0" err="1">
-                <a:solidFill>
-                  <a:schemeClr val="tx1"/>
-                </a:solidFill>
-              </a:rPr>
-              <a:t>url</a:t>
-            </a:r>
-            <a:r>
-              <a:rPr lang="en-US" altLang="ko-KR" sz="800" dirty="0">
-                <a:solidFill>
-                  <a:schemeClr val="tx1"/>
-                </a:solidFill>
-              </a:rPr>
-              <a:t> </a:t>
-            </a:r>
-            <a:r>
-              <a:rPr lang="ko-KR" altLang="en-US" sz="800" dirty="0">
-                <a:solidFill>
-                  <a:schemeClr val="tx1"/>
-                </a:solidFill>
-              </a:rPr>
-              <a:t>생성시 암호화 진행</a:t>
-            </a:r>
-            <a:r>
-              <a:rPr lang="en-US" altLang="ko-KR" sz="800" dirty="0">
-                <a:solidFill>
-                  <a:schemeClr val="tx1"/>
-                </a:solidFill>
-              </a:rPr>
-              <a:t>(</a:t>
-            </a:r>
-            <a:r>
-              <a:rPr lang="ko-KR" altLang="en-US" sz="800" dirty="0">
-                <a:solidFill>
-                  <a:schemeClr val="tx1"/>
-                </a:solidFill>
-              </a:rPr>
-              <a:t>암호화 과정은 오른쪽 설명란  참조</a:t>
-            </a:r>
-            <a:r>
-              <a:rPr lang="en-US" altLang="ko-KR" sz="800" dirty="0">
-                <a:solidFill>
-                  <a:schemeClr val="tx1"/>
-                </a:solidFill>
-              </a:rPr>
-              <a:t>)</a:t>
-            </a:r>
           </a:p>
           <a:p>
             <a:pPr marL="228600" indent="-228600">
@@ -11912,12 +11783,61 @@
           <a:chExt cx="0" cy="0"/>
         </a:xfrm>
       </p:grpSpPr>
+      <p:sp>
+        <p:nvSpPr>
+          <p:cNvPr id="18" name="직사각형 17">
+            <a:extLst>
+              <a:ext uri="{FF2B5EF4-FFF2-40B4-BE49-F238E27FC236}">
+                <a16:creationId xmlns:a16="http://schemas.microsoft.com/office/drawing/2014/main" id="{8C0464AD-3790-4CC9-9053-57E7A97A5625}"/>
+              </a:ext>
+            </a:extLst>
+          </p:cNvPr>
+          <p:cNvSpPr/>
+          <p:nvPr/>
+        </p:nvSpPr>
+        <p:spPr>
+          <a:xfrm>
+            <a:off x="4300630" y="2900737"/>
+            <a:ext cx="2937950" cy="1718655"/>
+          </a:xfrm>
+          <a:prstGeom prst="rect">
+            <a:avLst/>
+          </a:prstGeom>
+          <a:solidFill>
+            <a:schemeClr val="bg1"/>
+          </a:solidFill>
+        </p:spPr>
+        <p:style>
+          <a:lnRef idx="2">
+            <a:schemeClr val="accent1">
+              <a:shade val="50000"/>
+            </a:schemeClr>
+          </a:lnRef>
+          <a:fillRef idx="1">
+            <a:schemeClr val="accent1"/>
+          </a:fillRef>
+          <a:effectRef idx="0">
+            <a:schemeClr val="accent1"/>
+          </a:effectRef>
+          <a:fontRef idx="minor">
+            <a:schemeClr val="lt1"/>
+          </a:fontRef>
+        </p:style>
+        <p:txBody>
+          <a:bodyPr rtlCol="0" anchor="ctr"/>
+          <a:lstStyle/>
+          <a:p>
+            <a:pPr algn="ctr"/>
+            <a:endParaRPr lang="ko-KR" altLang="en-US"/>
+          </a:p>
+        </p:txBody>
+      </p:sp>
       <p:pic>
         <p:nvPicPr>
-          <p:cNvPr id="40" name="그림 39">
-            <a:extLst>
-              <a:ext uri="{FF2B5EF4-FFF2-40B4-BE49-F238E27FC236}">
-                <a16:creationId xmlns:a16="http://schemas.microsoft.com/office/drawing/2014/main" id="{5880CFB2-BA58-46B2-8B55-D798D3DD06F2}"/>
+          <p:cNvPr id="9" name="그림 8">
+            <a:extLst>
+              <a:ext uri="{FF2B5EF4-FFF2-40B4-BE49-F238E27FC236}">
+                <a16:creationId xmlns:a16="http://schemas.microsoft.com/office/drawing/2014/main" id="{AD7230D6-3102-46D1-BE37-7E8A853A34EF}"/>
               </a:ext>
             </a:extLst>
           </p:cNvPr>
@@ -11940,8 +11860,8 @@
         </p:blipFill>
         <p:spPr>
           <a:xfrm>
-            <a:off x="360118" y="3090038"/>
-            <a:ext cx="1682750" cy="1527588"/>
+            <a:off x="4387670" y="3649428"/>
+            <a:ext cx="853974" cy="570905"/>
           </a:xfrm>
           <a:prstGeom prst="rect">
             <a:avLst/>
@@ -11950,10 +11870,10 @@
       </p:pic>
       <p:pic>
         <p:nvPicPr>
-          <p:cNvPr id="13" name="그림 12">
-            <a:extLst>
-              <a:ext uri="{FF2B5EF4-FFF2-40B4-BE49-F238E27FC236}">
-                <a16:creationId xmlns:a16="http://schemas.microsoft.com/office/drawing/2014/main" id="{62FD272B-72CA-452D-86F3-84BE21C5844D}"/>
+          <p:cNvPr id="40" name="그림 39">
+            <a:extLst>
+              <a:ext uri="{FF2B5EF4-FFF2-40B4-BE49-F238E27FC236}">
+                <a16:creationId xmlns:a16="http://schemas.microsoft.com/office/drawing/2014/main" id="{5880CFB2-BA58-46B2-8B55-D798D3DD06F2}"/>
               </a:ext>
             </a:extLst>
           </p:cNvPr>
@@ -11976,8 +11896,8 @@
         </p:blipFill>
         <p:spPr>
           <a:xfrm>
-            <a:off x="2115802" y="1190760"/>
-            <a:ext cx="1423934" cy="1230556"/>
+            <a:off x="813529" y="2786986"/>
+            <a:ext cx="1682750" cy="1527588"/>
           </a:xfrm>
           <a:prstGeom prst="rect">
             <a:avLst/>
@@ -11986,10 +11906,10 @@
       </p:pic>
       <p:pic>
         <p:nvPicPr>
-          <p:cNvPr id="11" name="그림 10">
-            <a:extLst>
-              <a:ext uri="{FF2B5EF4-FFF2-40B4-BE49-F238E27FC236}">
-                <a16:creationId xmlns:a16="http://schemas.microsoft.com/office/drawing/2014/main" id="{25ADA086-C50C-4D13-9469-3C32C3C969B6}"/>
+          <p:cNvPr id="13" name="그림 12">
+            <a:extLst>
+              <a:ext uri="{FF2B5EF4-FFF2-40B4-BE49-F238E27FC236}">
+                <a16:creationId xmlns:a16="http://schemas.microsoft.com/office/drawing/2014/main" id="{62FD272B-72CA-452D-86F3-84BE21C5844D}"/>
               </a:ext>
             </a:extLst>
           </p:cNvPr>
@@ -12012,8 +11932,8 @@
         </p:blipFill>
         <p:spPr>
           <a:xfrm>
-            <a:off x="4104009" y="5489367"/>
-            <a:ext cx="1075624" cy="984882"/>
+            <a:off x="2622249" y="751909"/>
+            <a:ext cx="1213767" cy="1048931"/>
           </a:xfrm>
           <a:prstGeom prst="rect">
             <a:avLst/>
@@ -12022,10 +11942,10 @@
       </p:pic>
       <p:pic>
         <p:nvPicPr>
-          <p:cNvPr id="8" name="그림 7">
-            <a:extLst>
-              <a:ext uri="{FF2B5EF4-FFF2-40B4-BE49-F238E27FC236}">
-                <a16:creationId xmlns:a16="http://schemas.microsoft.com/office/drawing/2014/main" id="{1CEE4584-9F76-44D4-B294-7F04B135A942}"/>
+          <p:cNvPr id="11" name="그림 10">
+            <a:extLst>
+              <a:ext uri="{FF2B5EF4-FFF2-40B4-BE49-F238E27FC236}">
+                <a16:creationId xmlns:a16="http://schemas.microsoft.com/office/drawing/2014/main" id="{25ADA086-C50C-4D13-9469-3C32C3C969B6}"/>
               </a:ext>
             </a:extLst>
           </p:cNvPr>
@@ -12048,8 +11968,8 @@
         </p:blipFill>
         <p:spPr>
           <a:xfrm>
-            <a:off x="3961677" y="3195365"/>
-            <a:ext cx="1360287" cy="1454316"/>
+            <a:off x="5341812" y="5463879"/>
+            <a:ext cx="842160" cy="771113"/>
           </a:xfrm>
           <a:prstGeom prst="rect">
             <a:avLst/>
@@ -12058,10 +11978,10 @@
       </p:pic>
       <p:pic>
         <p:nvPicPr>
-          <p:cNvPr id="4" name="그림 3" descr="텍스트, 클립아트이(가) 표시된 사진&#10;&#10;자동 생성된 설명">
-            <a:extLst>
-              <a:ext uri="{FF2B5EF4-FFF2-40B4-BE49-F238E27FC236}">
-                <a16:creationId xmlns:a16="http://schemas.microsoft.com/office/drawing/2014/main" id="{CACCBE85-BEB1-4557-9F28-6BB685E86CD6}"/>
+          <p:cNvPr id="8" name="그림 7">
+            <a:extLst>
+              <a:ext uri="{FF2B5EF4-FFF2-40B4-BE49-F238E27FC236}">
+                <a16:creationId xmlns:a16="http://schemas.microsoft.com/office/drawing/2014/main" id="{1CEE4584-9F76-44D4-B294-7F04B135A942}"/>
               </a:ext>
             </a:extLst>
           </p:cNvPr>
@@ -12084,8 +12004,44 @@
         </p:blipFill>
         <p:spPr>
           <a:xfrm>
-            <a:off x="4254479" y="1310700"/>
-            <a:ext cx="2069479" cy="1066742"/>
+            <a:off x="5373413" y="2534274"/>
+            <a:ext cx="726820" cy="777061"/>
+          </a:xfrm>
+          <a:prstGeom prst="rect">
+            <a:avLst/>
+          </a:prstGeom>
+        </p:spPr>
+      </p:pic>
+      <p:pic>
+        <p:nvPicPr>
+          <p:cNvPr id="4" name="그림 3" descr="텍스트, 클립아트이(가) 표시된 사진&#10;&#10;자동 생성된 설명">
+            <a:extLst>
+              <a:ext uri="{FF2B5EF4-FFF2-40B4-BE49-F238E27FC236}">
+                <a16:creationId xmlns:a16="http://schemas.microsoft.com/office/drawing/2014/main" id="{CACCBE85-BEB1-4557-9F28-6BB685E86CD6}"/>
+              </a:ext>
+            </a:extLst>
+          </p:cNvPr>
+          <p:cNvPicPr>
+            <a:picLocks noChangeAspect="1"/>
+          </p:cNvPicPr>
+          <p:nvPr/>
+        </p:nvPicPr>
+        <p:blipFill>
+          <a:blip r:embed="rId7">
+            <a:extLst>
+              <a:ext uri="{28A0092B-C50C-407E-A947-70E740481C1C}">
+                <a14:useLocalDpi xmlns:a14="http://schemas.microsoft.com/office/drawing/2010/main" val="0"/>
+              </a:ext>
+            </a:extLst>
+          </a:blip>
+          <a:stretch>
+            <a:fillRect/>
+          </a:stretch>
+        </p:blipFill>
+        <p:spPr>
+          <a:xfrm>
+            <a:off x="4804123" y="653243"/>
+            <a:ext cx="1901945" cy="980384"/>
           </a:xfrm>
           <a:prstGeom prst="rect">
             <a:avLst/>
@@ -12108,8 +12064,8 @@
         </p:nvCxnSpPr>
         <p:spPr>
           <a:xfrm>
-            <a:off x="1898055" y="3699269"/>
-            <a:ext cx="2159212" cy="25274"/>
+            <a:off x="2338918" y="3897038"/>
+            <a:ext cx="2152566" cy="0"/>
           </a:xfrm>
           <a:prstGeom prst="straightConnector1">
             <a:avLst/>
@@ -12133,67 +12089,6 @@
           </a:fontRef>
         </p:style>
       </p:cxnSp>
-      <p:sp>
-        <p:nvSpPr>
-          <p:cNvPr id="10" name="TextBox 9">
-            <a:extLst>
-              <a:ext uri="{FF2B5EF4-FFF2-40B4-BE49-F238E27FC236}">
-                <a16:creationId xmlns:a16="http://schemas.microsoft.com/office/drawing/2014/main" id="{AFC0CEE3-2FF4-4C53-96C9-38740B73DA1B}"/>
-              </a:ext>
-            </a:extLst>
-          </p:cNvPr>
-          <p:cNvSpPr txBox="1"/>
-          <p:nvPr/>
-        </p:nvSpPr>
-        <p:spPr>
-          <a:xfrm>
-            <a:off x="1580387" y="3492026"/>
-            <a:ext cx="2705539" cy="215444"/>
-          </a:xfrm>
-          <a:prstGeom prst="rect">
-            <a:avLst/>
-          </a:prstGeom>
-          <a:noFill/>
-        </p:spPr>
-        <p:txBody>
-          <a:bodyPr wrap="square" rtlCol="0">
-            <a:spAutoFit/>
-          </a:bodyPr>
-          <a:lstStyle/>
-          <a:p>
-            <a:pPr algn="ctr"/>
-            <a:r>
-              <a:rPr lang="en-US" altLang="ko-KR" sz="800" dirty="0"/>
-              <a:t>Request (</a:t>
-            </a:r>
-            <a:r>
-              <a:rPr lang="ko-KR" altLang="en-US" sz="800" dirty="0"/>
-              <a:t>예시 </a:t>
-            </a:r>
-            <a:r>
-              <a:rPr lang="en-US" altLang="ko-KR" sz="800" dirty="0"/>
-              <a:t>: </a:t>
-            </a:r>
-            <a:r>
-              <a:rPr lang="ko-KR" altLang="en-US" sz="800" dirty="0"/>
-              <a:t>회원가입</a:t>
-            </a:r>
-            <a:r>
-              <a:rPr lang="en-US" altLang="ko-KR" sz="800" dirty="0"/>
-              <a:t>, </a:t>
-            </a:r>
-            <a:r>
-              <a:rPr lang="ko-KR" altLang="en-US" sz="800" dirty="0"/>
-              <a:t>회원 정보 조회</a:t>
-            </a:r>
-            <a:r>
-              <a:rPr lang="en-US" altLang="ko-KR" sz="800" dirty="0"/>
-              <a:t>)</a:t>
-            </a:r>
-            <a:endParaRPr lang="ko-KR" altLang="en-US" sz="800" dirty="0"/>
-          </a:p>
-        </p:txBody>
-      </p:sp>
       <p:cxnSp>
         <p:nvCxnSpPr>
           <p:cNvPr id="15" name="직선 화살표 연결선 14">
@@ -12209,9 +12104,9 @@
           <p:nvPr/>
         </p:nvCxnSpPr>
         <p:spPr>
-          <a:xfrm flipV="1">
-            <a:off x="4677883" y="2324090"/>
-            <a:ext cx="454556" cy="891569"/>
+          <a:xfrm flipH="1" flipV="1">
+            <a:off x="5727274" y="1514388"/>
+            <a:ext cx="11053" cy="1032991"/>
           </a:xfrm>
           <a:prstGeom prst="straightConnector1">
             <a:avLst/>
@@ -12249,8 +12144,8 @@
         </p:nvSpPr>
         <p:spPr>
           <a:xfrm>
-            <a:off x="4950454" y="2744793"/>
-            <a:ext cx="1511306" cy="338554"/>
+            <a:off x="5736823" y="1961448"/>
+            <a:ext cx="1511306" cy="215444"/>
           </a:xfrm>
           <a:prstGeom prst="rect">
             <a:avLst/>
@@ -12264,34 +12159,9 @@
           <a:lstStyle/>
           <a:p>
             <a:r>
-              <a:rPr lang="en-US" altLang="ko-KR" sz="800" dirty="0"/>
-              <a:t>Client</a:t>
-            </a:r>
-            <a:r>
               <a:rPr lang="ko-KR" altLang="en-US" sz="800" dirty="0"/>
-              <a:t>로부터 받은 파일 저장</a:t>
-            </a:r>
-            <a:r>
-              <a:rPr lang="en-US" altLang="ko-KR" sz="800" dirty="0"/>
-              <a:t>(</a:t>
-            </a:r>
-            <a:r>
-              <a:rPr lang="ko-KR" altLang="en-US" sz="800" dirty="0"/>
-              <a:t>예시 </a:t>
-            </a:r>
-            <a:r>
-              <a:rPr lang="en-US" altLang="ko-KR" sz="800" dirty="0"/>
-              <a:t>: </a:t>
-            </a:r>
-            <a:r>
-              <a:rPr lang="ko-KR" altLang="en-US" sz="800" dirty="0"/>
-              <a:t>사진</a:t>
-            </a:r>
-            <a:r>
-              <a:rPr lang="en-US" altLang="ko-KR" sz="800" dirty="0"/>
-              <a:t>)</a:t>
-            </a:r>
-            <a:endParaRPr lang="ko-KR" altLang="en-US" sz="800" dirty="0"/>
+              <a:t>파일 저장 요청</a:t>
+            </a:r>
           </a:p>
         </p:txBody>
       </p:sp>
@@ -12311,7 +12181,7 @@
         </p:nvCxnSpPr>
         <p:spPr>
           <a:xfrm>
-            <a:off x="3309538" y="1657728"/>
+            <a:off x="3757143" y="1086897"/>
             <a:ext cx="1450400" cy="0"/>
           </a:xfrm>
           <a:prstGeom prst="straightConnector1">
@@ -12352,7 +12222,7 @@
         </p:nvCxnSpPr>
         <p:spPr>
           <a:xfrm>
-            <a:off x="4520870" y="4819951"/>
+            <a:off x="5630489" y="4740825"/>
             <a:ext cx="0" cy="648929"/>
           </a:xfrm>
           <a:prstGeom prst="straightConnector1">
@@ -12393,7 +12263,7 @@
         </p:nvCxnSpPr>
         <p:spPr>
           <a:xfrm flipV="1">
-            <a:off x="4757431" y="4818532"/>
+            <a:off x="5867050" y="4739406"/>
             <a:ext cx="0" cy="648929"/>
           </a:xfrm>
           <a:prstGeom prst="straightConnector1">
@@ -12432,7 +12302,7 @@
         </p:nvSpPr>
         <p:spPr>
           <a:xfrm>
-            <a:off x="4086873" y="5046937"/>
+            <a:off x="5196492" y="4967811"/>
             <a:ext cx="508415" cy="215444"/>
           </a:xfrm>
           <a:prstGeom prst="rect">
@@ -12468,7 +12338,7 @@
         </p:nvSpPr>
         <p:spPr>
           <a:xfrm>
-            <a:off x="4752962" y="5059377"/>
+            <a:off x="5862581" y="4980251"/>
             <a:ext cx="747786" cy="215444"/>
           </a:xfrm>
           <a:prstGeom prst="rect">
@@ -12506,7 +12376,7 @@
         </p:nvCxnSpPr>
         <p:spPr>
           <a:xfrm flipH="1">
-            <a:off x="3286459" y="2018893"/>
+            <a:off x="3734064" y="1448062"/>
             <a:ext cx="1450401" cy="0"/>
           </a:xfrm>
           <a:prstGeom prst="straightConnector1">
@@ -12545,7 +12415,7 @@
         </p:nvSpPr>
         <p:spPr>
           <a:xfrm>
-            <a:off x="3679942" y="1421762"/>
+            <a:off x="4127547" y="850931"/>
             <a:ext cx="1149074" cy="215444"/>
           </a:xfrm>
           <a:prstGeom prst="rect">
@@ -12580,7 +12450,7 @@
         </p:nvSpPr>
         <p:spPr>
           <a:xfrm>
-            <a:off x="3684045" y="1801428"/>
+            <a:off x="4131650" y="1230597"/>
             <a:ext cx="711268" cy="215444"/>
           </a:xfrm>
           <a:prstGeom prst="rect">
@@ -12617,8 +12487,8 @@
         </p:nvCxnSpPr>
         <p:spPr>
           <a:xfrm flipV="1">
-            <a:off x="1243315" y="2265096"/>
-            <a:ext cx="1053410" cy="819843"/>
+            <a:off x="1929108" y="1694265"/>
+            <a:ext cx="815222" cy="1123484"/>
           </a:xfrm>
           <a:prstGeom prst="straightConnector1">
             <a:avLst/>
@@ -12658,8 +12528,8 @@
         </p:nvCxnSpPr>
         <p:spPr>
           <a:xfrm flipH="1">
-            <a:off x="1454679" y="2377442"/>
-            <a:ext cx="886752" cy="705905"/>
+            <a:off x="2073417" y="1806611"/>
+            <a:ext cx="715619" cy="1011138"/>
           </a:xfrm>
           <a:prstGeom prst="straightConnector1">
             <a:avLst/>
@@ -12697,7 +12567,7 @@
         </p:nvSpPr>
         <p:spPr>
           <a:xfrm>
-            <a:off x="914544" y="2377442"/>
+            <a:off x="1654904" y="2134636"/>
             <a:ext cx="711268" cy="215444"/>
           </a:xfrm>
           <a:prstGeom prst="rect">
@@ -12732,7 +12602,7 @@
         </p:nvSpPr>
         <p:spPr>
           <a:xfrm>
-            <a:off x="2196439" y="2553530"/>
+            <a:off x="2644044" y="1982699"/>
             <a:ext cx="1739684" cy="461665"/>
           </a:xfrm>
           <a:prstGeom prst="rect">
@@ -12798,7 +12668,7 @@
         </p:nvSpPr>
         <p:spPr>
           <a:xfrm>
-            <a:off x="801779" y="473831"/>
+            <a:off x="553957" y="283911"/>
             <a:ext cx="1865996" cy="369332"/>
           </a:xfrm>
           <a:prstGeom prst="rect">
@@ -12834,14 +12704,14 @@
         </p:nvSpPr>
         <p:spPr>
           <a:xfrm>
-            <a:off x="668581" y="598132"/>
+            <a:off x="420759" y="408212"/>
             <a:ext cx="127155" cy="121059"/>
           </a:xfrm>
           <a:prstGeom prst="rect">
             <a:avLst/>
           </a:prstGeom>
           <a:blipFill>
-            <a:blip r:embed="rId7" cstate="print"/>
+            <a:blip r:embed="rId8" cstate="print"/>
             <a:stretch>
               <a:fillRect/>
             </a:stretch>
@@ -12855,12 +12725,120 @@
           </a:p>
         </p:txBody>
       </p:sp>
+      <p:sp>
+        <p:nvSpPr>
+          <p:cNvPr id="49" name="TextBox 48">
+            <a:extLst>
+              <a:ext uri="{FF2B5EF4-FFF2-40B4-BE49-F238E27FC236}">
+                <a16:creationId xmlns:a16="http://schemas.microsoft.com/office/drawing/2014/main" id="{2F1404A6-E716-4D3B-B010-5F7894E8BE43}"/>
+              </a:ext>
+            </a:extLst>
+          </p:cNvPr>
+          <p:cNvSpPr txBox="1"/>
+          <p:nvPr/>
+        </p:nvSpPr>
+        <p:spPr>
+          <a:xfrm>
+            <a:off x="1385672" y="4098584"/>
+            <a:ext cx="1065140" cy="215444"/>
+          </a:xfrm>
+          <a:prstGeom prst="rect">
+            <a:avLst/>
+          </a:prstGeom>
+          <a:noFill/>
+        </p:spPr>
+        <p:txBody>
+          <a:bodyPr wrap="square" rtlCol="0">
+            <a:spAutoFit/>
+          </a:bodyPr>
+          <a:lstStyle/>
+          <a:p>
+            <a:r>
+              <a:rPr lang="en-US" altLang="ko-KR" sz="800" b="1" dirty="0"/>
+              <a:t>Client</a:t>
+            </a:r>
+            <a:endParaRPr lang="ko-KR" altLang="en-US" sz="800" b="1" dirty="0"/>
+          </a:p>
+        </p:txBody>
+      </p:sp>
+      <p:sp>
+        <p:nvSpPr>
+          <p:cNvPr id="42" name="TextBox 41">
+            <a:extLst>
+              <a:ext uri="{FF2B5EF4-FFF2-40B4-BE49-F238E27FC236}">
+                <a16:creationId xmlns:a16="http://schemas.microsoft.com/office/drawing/2014/main" id="{DBB22664-7286-4AA0-92C8-3F47016BA850}"/>
+              </a:ext>
+            </a:extLst>
+          </p:cNvPr>
+          <p:cNvSpPr txBox="1"/>
+          <p:nvPr/>
+        </p:nvSpPr>
+        <p:spPr>
+          <a:xfrm>
+            <a:off x="3078278" y="3670052"/>
+            <a:ext cx="1739684" cy="215444"/>
+          </a:xfrm>
+          <a:prstGeom prst="rect">
+            <a:avLst/>
+          </a:prstGeom>
+          <a:noFill/>
+        </p:spPr>
+        <p:txBody>
+          <a:bodyPr wrap="square" rtlCol="0">
+            <a:spAutoFit/>
+          </a:bodyPr>
+          <a:lstStyle/>
+          <a:p>
+            <a:r>
+              <a:rPr lang="en-US" altLang="ko-KR" sz="800" dirty="0"/>
+              <a:t>Request</a:t>
+            </a:r>
+            <a:endParaRPr lang="ko-KR" altLang="en-US" sz="800" dirty="0"/>
+          </a:p>
+        </p:txBody>
+      </p:sp>
+      <p:sp>
+        <p:nvSpPr>
+          <p:cNvPr id="44" name="TextBox 43">
+            <a:extLst>
+              <a:ext uri="{FF2B5EF4-FFF2-40B4-BE49-F238E27FC236}">
+                <a16:creationId xmlns:a16="http://schemas.microsoft.com/office/drawing/2014/main" id="{B39FBCD9-79E4-4B15-B458-552C10B4F538}"/>
+              </a:ext>
+            </a:extLst>
+          </p:cNvPr>
+          <p:cNvSpPr txBox="1"/>
+          <p:nvPr/>
+        </p:nvSpPr>
+        <p:spPr>
+          <a:xfrm>
+            <a:off x="4560291" y="4214278"/>
+            <a:ext cx="508731" cy="215444"/>
+          </a:xfrm>
+          <a:prstGeom prst="rect">
+            <a:avLst/>
+          </a:prstGeom>
+          <a:noFill/>
+        </p:spPr>
+        <p:txBody>
+          <a:bodyPr wrap="square" rtlCol="0">
+            <a:spAutoFit/>
+          </a:bodyPr>
+          <a:lstStyle/>
+          <a:p>
+            <a:r>
+              <a:rPr lang="en-US" altLang="ko-KR" sz="800" dirty="0"/>
+              <a:t>Port:80</a:t>
+            </a:r>
+            <a:endParaRPr lang="ko-KR" altLang="en-US" sz="800" dirty="0"/>
+          </a:p>
+        </p:txBody>
+      </p:sp>
       <p:cxnSp>
         <p:nvCxnSpPr>
-          <p:cNvPr id="57" name="직선 화살표 연결선 56">
-            <a:extLst>
-              <a:ext uri="{FF2B5EF4-FFF2-40B4-BE49-F238E27FC236}">
-                <a16:creationId xmlns:a16="http://schemas.microsoft.com/office/drawing/2014/main" id="{50739CBA-50AD-4D28-96D8-6020FC9EB336}"/>
+          <p:cNvPr id="27" name="직선 화살표 연결선 26">
+            <a:extLst>
+              <a:ext uri="{FF2B5EF4-FFF2-40B4-BE49-F238E27FC236}">
+                <a16:creationId xmlns:a16="http://schemas.microsoft.com/office/drawing/2014/main" id="{B71EE803-D086-4D2D-8C72-AC20D9C96552}"/>
               </a:ext>
             </a:extLst>
           </p:cNvPr>
@@ -12870,9 +12848,9 @@
           <p:nvPr/>
         </p:nvCxnSpPr>
         <p:spPr>
-          <a:xfrm flipH="1" flipV="1">
-            <a:off x="1898055" y="3951529"/>
-            <a:ext cx="2158761" cy="34609"/>
+          <a:xfrm flipV="1">
+            <a:off x="5159632" y="3774932"/>
+            <a:ext cx="317871" cy="141264"/>
           </a:xfrm>
           <a:prstGeom prst="straightConnector1">
             <a:avLst/>
@@ -12896,12 +12874,89 @@
           </a:fontRef>
         </p:style>
       </p:cxnSp>
-      <p:sp>
-        <p:nvSpPr>
-          <p:cNvPr id="58" name="TextBox 57">
-            <a:extLst>
-              <a:ext uri="{FF2B5EF4-FFF2-40B4-BE49-F238E27FC236}">
-                <a16:creationId xmlns:a16="http://schemas.microsoft.com/office/drawing/2014/main" id="{7DCDC8C5-A605-45D2-9819-EA7A112DB985}"/>
+      <p:cxnSp>
+        <p:nvCxnSpPr>
+          <p:cNvPr id="50" name="직선 화살표 연결선 49">
+            <a:extLst>
+              <a:ext uri="{FF2B5EF4-FFF2-40B4-BE49-F238E27FC236}">
+                <a16:creationId xmlns:a16="http://schemas.microsoft.com/office/drawing/2014/main" id="{4DD76826-4F77-4BF7-83E6-85E8CD01AE25}"/>
+              </a:ext>
+            </a:extLst>
+          </p:cNvPr>
+          <p:cNvCxnSpPr>
+            <a:cxnSpLocks/>
+          </p:cNvCxnSpPr>
+          <p:nvPr/>
+        </p:nvCxnSpPr>
+        <p:spPr>
+          <a:xfrm>
+            <a:off x="5150968" y="4211117"/>
+            <a:ext cx="339804" cy="106517"/>
+          </a:xfrm>
+          <a:prstGeom prst="straightConnector1">
+            <a:avLst/>
+          </a:prstGeom>
+          <a:ln>
+            <a:tailEnd type="triangle"/>
+          </a:ln>
+        </p:spPr>
+        <p:style>
+          <a:lnRef idx="1">
+            <a:schemeClr val="accent1"/>
+          </a:lnRef>
+          <a:fillRef idx="0">
+            <a:schemeClr val="accent1"/>
+          </a:fillRef>
+          <a:effectRef idx="0">
+            <a:schemeClr val="accent1"/>
+          </a:effectRef>
+          <a:fontRef idx="minor">
+            <a:schemeClr val="tx1"/>
+          </a:fontRef>
+        </p:style>
+      </p:cxnSp>
+      <p:pic>
+        <p:nvPicPr>
+          <p:cNvPr id="39" name="그림 38" descr="텍스트, 클립아트이(가) 표시된 사진&#10;&#10;자동 생성된 설명">
+            <a:extLst>
+              <a:ext uri="{FF2B5EF4-FFF2-40B4-BE49-F238E27FC236}">
+                <a16:creationId xmlns:a16="http://schemas.microsoft.com/office/drawing/2014/main" id="{2668650F-1498-4503-9573-885EE5A9A14C}"/>
+              </a:ext>
+            </a:extLst>
+          </p:cNvPr>
+          <p:cNvPicPr>
+            <a:picLocks noChangeAspect="1"/>
+          </p:cNvPicPr>
+          <p:nvPr/>
+        </p:nvPicPr>
+        <p:blipFill>
+          <a:blip r:embed="rId9">
+            <a:extLst>
+              <a:ext uri="{28A0092B-C50C-407E-A947-70E740481C1C}">
+                <a14:useLocalDpi xmlns:a14="http://schemas.microsoft.com/office/drawing/2010/main" val="0"/>
+              </a:ext>
+            </a:extLst>
+          </a:blip>
+          <a:stretch>
+            <a:fillRect/>
+          </a:stretch>
+        </p:blipFill>
+        <p:spPr>
+          <a:xfrm>
+            <a:off x="5586613" y="3512028"/>
+            <a:ext cx="658246" cy="257888"/>
+          </a:xfrm>
+          <a:prstGeom prst="rect">
+            <a:avLst/>
+          </a:prstGeom>
+        </p:spPr>
+      </p:pic>
+      <p:sp>
+        <p:nvSpPr>
+          <p:cNvPr id="53" name="TextBox 52">
+            <a:extLst>
+              <a:ext uri="{FF2B5EF4-FFF2-40B4-BE49-F238E27FC236}">
+                <a16:creationId xmlns:a16="http://schemas.microsoft.com/office/drawing/2014/main" id="{45954114-4103-4ADF-9FFC-1F2F9B240307}"/>
               </a:ext>
             </a:extLst>
           </p:cNvPr>
@@ -12910,8 +12965,8 @@
         </p:nvSpPr>
         <p:spPr>
           <a:xfrm>
-            <a:off x="2517272" y="3770694"/>
-            <a:ext cx="1065140" cy="215444"/>
+            <a:off x="5581103" y="3748832"/>
+            <a:ext cx="669266" cy="215444"/>
           </a:xfrm>
           <a:prstGeom prst="rect">
             <a:avLst/>
@@ -12926,11 +12981,7 @@
           <a:p>
             <a:r>
               <a:rPr lang="en-US" altLang="ko-KR" sz="800" dirty="0"/>
-              <a:t>Response </a:t>
-            </a:r>
-            <a:r>
-              <a:rPr lang="en-US" altLang="ko-KR" sz="800" dirty="0" err="1"/>
-              <a:t>dto</a:t>
+              <a:t>Port:8081</a:t>
             </a:r>
             <a:endParaRPr lang="ko-KR" altLang="en-US" sz="800" dirty="0"/>
           </a:p>
@@ -12938,10 +12989,10 @@
       </p:sp>
       <p:sp>
         <p:nvSpPr>
-          <p:cNvPr id="49" name="TextBox 48">
-            <a:extLst>
-              <a:ext uri="{FF2B5EF4-FFF2-40B4-BE49-F238E27FC236}">
-                <a16:creationId xmlns:a16="http://schemas.microsoft.com/office/drawing/2014/main" id="{2F1404A6-E716-4D3B-B010-5F7894E8BE43}"/>
+          <p:cNvPr id="55" name="TextBox 54">
+            <a:extLst>
+              <a:ext uri="{FF2B5EF4-FFF2-40B4-BE49-F238E27FC236}">
+                <a16:creationId xmlns:a16="http://schemas.microsoft.com/office/drawing/2014/main" id="{62F22E29-97C6-4671-B037-8480B316BFAA}"/>
               </a:ext>
             </a:extLst>
           </p:cNvPr>
@@ -12950,8 +13001,8 @@
         </p:nvSpPr>
         <p:spPr>
           <a:xfrm>
-            <a:off x="936693" y="4506872"/>
-            <a:ext cx="1065140" cy="215444"/>
+            <a:off x="5592560" y="4339888"/>
+            <a:ext cx="669266" cy="215444"/>
           </a:xfrm>
           <a:prstGeom prst="rect">
             <a:avLst/>
@@ -12965,10 +13016,869 @@
           <a:lstStyle/>
           <a:p>
             <a:r>
-              <a:rPr lang="en-US" altLang="ko-KR" sz="800" b="1" dirty="0"/>
-              <a:t>Client</a:t>
-            </a:r>
-            <a:endParaRPr lang="ko-KR" altLang="en-US" sz="800" b="1" dirty="0"/>
+              <a:rPr lang="en-US" altLang="ko-KR" sz="800" dirty="0"/>
+              <a:t>Port:8082</a:t>
+            </a:r>
+            <a:endParaRPr lang="ko-KR" altLang="en-US" sz="800" dirty="0"/>
+          </a:p>
+        </p:txBody>
+      </p:sp>
+      <p:pic>
+        <p:nvPicPr>
+          <p:cNvPr id="60" name="그림 59" descr="텍스트, 클립아트이(가) 표시된 사진&#10;&#10;자동 생성된 설명">
+            <a:extLst>
+              <a:ext uri="{FF2B5EF4-FFF2-40B4-BE49-F238E27FC236}">
+                <a16:creationId xmlns:a16="http://schemas.microsoft.com/office/drawing/2014/main" id="{0D4FC6C2-CBCA-4E2D-B8DB-C7EFD3CBDC3D}"/>
+              </a:ext>
+            </a:extLst>
+          </p:cNvPr>
+          <p:cNvPicPr>
+            <a:picLocks noChangeAspect="1"/>
+          </p:cNvPicPr>
+          <p:nvPr/>
+        </p:nvPicPr>
+        <p:blipFill>
+          <a:blip r:embed="rId9">
+            <a:extLst>
+              <a:ext uri="{28A0092B-C50C-407E-A947-70E740481C1C}">
+                <a14:useLocalDpi xmlns:a14="http://schemas.microsoft.com/office/drawing/2010/main" val="0"/>
+              </a:ext>
+            </a:extLst>
+          </a:blip>
+          <a:stretch>
+            <a:fillRect/>
+          </a:stretch>
+        </p:blipFill>
+        <p:spPr>
+          <a:xfrm>
+            <a:off x="5563705" y="4117440"/>
+            <a:ext cx="658246" cy="257888"/>
+          </a:xfrm>
+          <a:prstGeom prst="rect">
+            <a:avLst/>
+          </a:prstGeom>
+        </p:spPr>
+      </p:pic>
+      <p:pic>
+        <p:nvPicPr>
+          <p:cNvPr id="65" name="그림 64">
+            <a:extLst>
+              <a:ext uri="{FF2B5EF4-FFF2-40B4-BE49-F238E27FC236}">
+                <a16:creationId xmlns:a16="http://schemas.microsoft.com/office/drawing/2014/main" id="{DE8E5D85-A52B-4A5E-9538-2889ED495A55}"/>
+              </a:ext>
+            </a:extLst>
+          </p:cNvPr>
+          <p:cNvPicPr>
+            <a:picLocks noChangeAspect="1"/>
+          </p:cNvPicPr>
+          <p:nvPr/>
+        </p:nvPicPr>
+        <p:blipFill>
+          <a:blip r:embed="rId10">
+            <a:extLst>
+              <a:ext uri="{28A0092B-C50C-407E-A947-70E740481C1C}">
+                <a14:useLocalDpi xmlns:a14="http://schemas.microsoft.com/office/drawing/2010/main" val="0"/>
+              </a:ext>
+            </a:extLst>
+          </a:blip>
+          <a:stretch>
+            <a:fillRect/>
+          </a:stretch>
+        </p:blipFill>
+        <p:spPr>
+          <a:xfrm>
+            <a:off x="10528449" y="3173181"/>
+            <a:ext cx="1024660" cy="677694"/>
+          </a:xfrm>
+          <a:prstGeom prst="rect">
+            <a:avLst/>
+          </a:prstGeom>
+        </p:spPr>
+      </p:pic>
+      <p:pic>
+        <p:nvPicPr>
+          <p:cNvPr id="66" name="그림 65" descr="텍스트, 클립아트이(가) 표시된 사진&#10;&#10;자동 생성된 설명">
+            <a:extLst>
+              <a:ext uri="{FF2B5EF4-FFF2-40B4-BE49-F238E27FC236}">
+                <a16:creationId xmlns:a16="http://schemas.microsoft.com/office/drawing/2014/main" id="{BA8BFAB1-931D-4D23-9FA4-CDBDE4D0783C}"/>
+              </a:ext>
+            </a:extLst>
+          </p:cNvPr>
+          <p:cNvPicPr>
+            <a:picLocks noChangeAspect="1"/>
+          </p:cNvPicPr>
+          <p:nvPr/>
+        </p:nvPicPr>
+        <p:blipFill>
+          <a:blip r:embed="rId7">
+            <a:extLst>
+              <a:ext uri="{28A0092B-C50C-407E-A947-70E740481C1C}">
+                <a14:useLocalDpi xmlns:a14="http://schemas.microsoft.com/office/drawing/2010/main" val="0"/>
+              </a:ext>
+            </a:extLst>
+          </a:blip>
+          <a:stretch>
+            <a:fillRect/>
+          </a:stretch>
+        </p:blipFill>
+        <p:spPr>
+          <a:xfrm>
+            <a:off x="8222470" y="2350080"/>
+            <a:ext cx="1585915" cy="817482"/>
+          </a:xfrm>
+          <a:prstGeom prst="rect">
+            <a:avLst/>
+          </a:prstGeom>
+        </p:spPr>
+      </p:pic>
+      <p:pic>
+        <p:nvPicPr>
+          <p:cNvPr id="69" name="그림 68">
+            <a:extLst>
+              <a:ext uri="{FF2B5EF4-FFF2-40B4-BE49-F238E27FC236}">
+                <a16:creationId xmlns:a16="http://schemas.microsoft.com/office/drawing/2014/main" id="{0D5709E1-EE24-4769-9A8C-BCDCC24BED7E}"/>
+              </a:ext>
+            </a:extLst>
+          </p:cNvPr>
+          <p:cNvPicPr>
+            <a:picLocks noChangeAspect="1"/>
+          </p:cNvPicPr>
+          <p:nvPr/>
+        </p:nvPicPr>
+        <p:blipFill>
+          <a:blip r:embed="rId11">
+            <a:extLst>
+              <a:ext uri="{28A0092B-C50C-407E-A947-70E740481C1C}">
+                <a14:useLocalDpi xmlns:a14="http://schemas.microsoft.com/office/drawing/2010/main" val="0"/>
+              </a:ext>
+            </a:extLst>
+          </a:blip>
+          <a:stretch>
+            <a:fillRect/>
+          </a:stretch>
+        </p:blipFill>
+        <p:spPr>
+          <a:xfrm>
+            <a:off x="6610367" y="2922804"/>
+            <a:ext cx="446432" cy="446432"/>
+          </a:xfrm>
+          <a:prstGeom prst="rect">
+            <a:avLst/>
+          </a:prstGeom>
+        </p:spPr>
+      </p:pic>
+      <p:sp>
+        <p:nvSpPr>
+          <p:cNvPr id="70" name="TextBox 69">
+            <a:extLst>
+              <a:ext uri="{FF2B5EF4-FFF2-40B4-BE49-F238E27FC236}">
+                <a16:creationId xmlns:a16="http://schemas.microsoft.com/office/drawing/2014/main" id="{B42B796F-908D-4572-BDB6-A40B8FC88166}"/>
+              </a:ext>
+            </a:extLst>
+          </p:cNvPr>
+          <p:cNvSpPr txBox="1"/>
+          <p:nvPr/>
+        </p:nvSpPr>
+        <p:spPr>
+          <a:xfrm>
+            <a:off x="6392480" y="3311335"/>
+            <a:ext cx="882205" cy="307777"/>
+          </a:xfrm>
+          <a:prstGeom prst="rect">
+            <a:avLst/>
+          </a:prstGeom>
+          <a:noFill/>
+        </p:spPr>
+        <p:txBody>
+          <a:bodyPr wrap="square" rtlCol="0">
+            <a:spAutoFit/>
+          </a:bodyPr>
+          <a:lstStyle/>
+          <a:p>
+            <a:pPr algn="ctr"/>
+            <a:r>
+              <a:rPr lang="en-US" altLang="ko-KR" sz="700" dirty="0" err="1"/>
+              <a:t>CodeDeploy</a:t>
+            </a:r>
+            <a:r>
+              <a:rPr lang="en-US" altLang="ko-KR" sz="700" dirty="0"/>
+              <a:t> Agent</a:t>
+            </a:r>
+            <a:endParaRPr lang="ko-KR" altLang="en-US" sz="700" dirty="0"/>
+          </a:p>
+        </p:txBody>
+      </p:sp>
+      <p:pic>
+        <p:nvPicPr>
+          <p:cNvPr id="74" name="그림 73">
+            <a:extLst>
+              <a:ext uri="{FF2B5EF4-FFF2-40B4-BE49-F238E27FC236}">
+                <a16:creationId xmlns:a16="http://schemas.microsoft.com/office/drawing/2014/main" id="{ADF2ACAF-7C38-40AA-B8AC-FAC535C339E0}"/>
+              </a:ext>
+            </a:extLst>
+          </p:cNvPr>
+          <p:cNvPicPr>
+            <a:picLocks noChangeAspect="1"/>
+          </p:cNvPicPr>
+          <p:nvPr/>
+        </p:nvPicPr>
+        <p:blipFill>
+          <a:blip r:embed="rId12">
+            <a:extLst>
+              <a:ext uri="{28A0092B-C50C-407E-A947-70E740481C1C}">
+                <a14:useLocalDpi xmlns:a14="http://schemas.microsoft.com/office/drawing/2010/main" val="0"/>
+              </a:ext>
+            </a:extLst>
+          </a:blip>
+          <a:stretch>
+            <a:fillRect/>
+          </a:stretch>
+        </p:blipFill>
+        <p:spPr>
+          <a:xfrm>
+            <a:off x="8618199" y="3970511"/>
+            <a:ext cx="811685" cy="811685"/>
+          </a:xfrm>
+          <a:prstGeom prst="rect">
+            <a:avLst/>
+          </a:prstGeom>
+        </p:spPr>
+      </p:pic>
+      <p:sp>
+        <p:nvSpPr>
+          <p:cNvPr id="75" name="TextBox 74">
+            <a:extLst>
+              <a:ext uri="{FF2B5EF4-FFF2-40B4-BE49-F238E27FC236}">
+                <a16:creationId xmlns:a16="http://schemas.microsoft.com/office/drawing/2014/main" id="{C9E36515-9DE3-434E-9499-A4F25F7099C9}"/>
+              </a:ext>
+            </a:extLst>
+          </p:cNvPr>
+          <p:cNvSpPr txBox="1"/>
+          <p:nvPr/>
+        </p:nvSpPr>
+        <p:spPr>
+          <a:xfrm>
+            <a:off x="9747537" y="2649776"/>
+            <a:ext cx="1679390" cy="215444"/>
+          </a:xfrm>
+          <a:prstGeom prst="rect">
+            <a:avLst/>
+          </a:prstGeom>
+          <a:noFill/>
+        </p:spPr>
+        <p:txBody>
+          <a:bodyPr wrap="square" rtlCol="0">
+            <a:spAutoFit/>
+          </a:bodyPr>
+          <a:lstStyle/>
+          <a:p>
+            <a:pPr algn="ctr"/>
+            <a:r>
+              <a:rPr lang="en-US" altLang="ko-KR" sz="800" dirty="0"/>
+              <a:t>jar </a:t>
+            </a:r>
+            <a:r>
+              <a:rPr lang="ko-KR" altLang="en-US" sz="800" dirty="0"/>
+              <a:t>파일을 </a:t>
+            </a:r>
+            <a:r>
+              <a:rPr lang="en-US" altLang="ko-KR" sz="800" dirty="0"/>
+              <a:t>zip</a:t>
+            </a:r>
+            <a:r>
+              <a:rPr lang="ko-KR" altLang="en-US" sz="800" dirty="0"/>
+              <a:t>형태로 저장</a:t>
+            </a:r>
+          </a:p>
+        </p:txBody>
+      </p:sp>
+      <p:cxnSp>
+        <p:nvCxnSpPr>
+          <p:cNvPr id="80" name="직선 화살표 연결선 79">
+            <a:extLst>
+              <a:ext uri="{FF2B5EF4-FFF2-40B4-BE49-F238E27FC236}">
+                <a16:creationId xmlns:a16="http://schemas.microsoft.com/office/drawing/2014/main" id="{94BE413B-7DA8-435D-A943-FD413A47EE25}"/>
+              </a:ext>
+            </a:extLst>
+          </p:cNvPr>
+          <p:cNvCxnSpPr>
+            <a:cxnSpLocks/>
+          </p:cNvCxnSpPr>
+          <p:nvPr/>
+        </p:nvCxnSpPr>
+        <p:spPr>
+          <a:xfrm flipH="1" flipV="1">
+            <a:off x="9393255" y="2765577"/>
+            <a:ext cx="1218720" cy="435099"/>
+          </a:xfrm>
+          <a:prstGeom prst="straightConnector1">
+            <a:avLst/>
+          </a:prstGeom>
+          <a:ln>
+            <a:tailEnd type="triangle"/>
+          </a:ln>
+        </p:spPr>
+        <p:style>
+          <a:lnRef idx="1">
+            <a:schemeClr val="accent1"/>
+          </a:lnRef>
+          <a:fillRef idx="0">
+            <a:schemeClr val="accent1"/>
+          </a:fillRef>
+          <a:effectRef idx="0">
+            <a:schemeClr val="accent1"/>
+          </a:effectRef>
+          <a:fontRef idx="minor">
+            <a:schemeClr val="tx1"/>
+          </a:fontRef>
+        </p:style>
+      </p:cxnSp>
+      <p:cxnSp>
+        <p:nvCxnSpPr>
+          <p:cNvPr id="81" name="직선 화살표 연결선 80">
+            <a:extLst>
+              <a:ext uri="{FF2B5EF4-FFF2-40B4-BE49-F238E27FC236}">
+                <a16:creationId xmlns:a16="http://schemas.microsoft.com/office/drawing/2014/main" id="{90AE2914-6FB7-4FF5-B5C0-60FC24381A0C}"/>
+              </a:ext>
+            </a:extLst>
+          </p:cNvPr>
+          <p:cNvCxnSpPr>
+            <a:cxnSpLocks/>
+          </p:cNvCxnSpPr>
+          <p:nvPr/>
+        </p:nvCxnSpPr>
+        <p:spPr>
+          <a:xfrm flipH="1">
+            <a:off x="9531007" y="3843707"/>
+            <a:ext cx="1157660" cy="470321"/>
+          </a:xfrm>
+          <a:prstGeom prst="straightConnector1">
+            <a:avLst/>
+          </a:prstGeom>
+          <a:ln>
+            <a:tailEnd type="triangle"/>
+          </a:ln>
+        </p:spPr>
+        <p:style>
+          <a:lnRef idx="1">
+            <a:schemeClr val="accent1"/>
+          </a:lnRef>
+          <a:fillRef idx="0">
+            <a:schemeClr val="accent1"/>
+          </a:fillRef>
+          <a:effectRef idx="0">
+            <a:schemeClr val="accent1"/>
+          </a:effectRef>
+          <a:fontRef idx="minor">
+            <a:schemeClr val="tx1"/>
+          </a:fontRef>
+        </p:style>
+      </p:cxnSp>
+      <p:sp>
+        <p:nvSpPr>
+          <p:cNvPr id="86" name="TextBox 85">
+            <a:extLst>
+              <a:ext uri="{FF2B5EF4-FFF2-40B4-BE49-F238E27FC236}">
+                <a16:creationId xmlns:a16="http://schemas.microsoft.com/office/drawing/2014/main" id="{903E4418-D9BC-4028-AB76-46AB6F4870A6}"/>
+              </a:ext>
+            </a:extLst>
+          </p:cNvPr>
+          <p:cNvSpPr txBox="1"/>
+          <p:nvPr/>
+        </p:nvSpPr>
+        <p:spPr>
+          <a:xfrm>
+            <a:off x="9747537" y="4138662"/>
+            <a:ext cx="1679390" cy="215444"/>
+          </a:xfrm>
+          <a:prstGeom prst="rect">
+            <a:avLst/>
+          </a:prstGeom>
+          <a:noFill/>
+        </p:spPr>
+        <p:txBody>
+          <a:bodyPr wrap="square" rtlCol="0">
+            <a:spAutoFit/>
+          </a:bodyPr>
+          <a:lstStyle/>
+          <a:p>
+            <a:pPr algn="ctr"/>
+            <a:r>
+              <a:rPr lang="ko-KR" altLang="en-US" sz="800" dirty="0"/>
+              <a:t>배포 과정 요청</a:t>
+            </a:r>
+          </a:p>
+        </p:txBody>
+      </p:sp>
+      <p:cxnSp>
+        <p:nvCxnSpPr>
+          <p:cNvPr id="88" name="직선 화살표 연결선 87">
+            <a:extLst>
+              <a:ext uri="{FF2B5EF4-FFF2-40B4-BE49-F238E27FC236}">
+                <a16:creationId xmlns:a16="http://schemas.microsoft.com/office/drawing/2014/main" id="{EE316765-CDF4-41EC-BEB2-A999544271C9}"/>
+              </a:ext>
+            </a:extLst>
+          </p:cNvPr>
+          <p:cNvCxnSpPr>
+            <a:cxnSpLocks/>
+          </p:cNvCxnSpPr>
+          <p:nvPr/>
+        </p:nvCxnSpPr>
+        <p:spPr>
+          <a:xfrm flipH="1" flipV="1">
+            <a:off x="7103212" y="3311335"/>
+            <a:ext cx="1563669" cy="917668"/>
+          </a:xfrm>
+          <a:prstGeom prst="straightConnector1">
+            <a:avLst/>
+          </a:prstGeom>
+          <a:ln>
+            <a:tailEnd type="triangle"/>
+          </a:ln>
+        </p:spPr>
+        <p:style>
+          <a:lnRef idx="1">
+            <a:schemeClr val="accent1"/>
+          </a:lnRef>
+          <a:fillRef idx="0">
+            <a:schemeClr val="accent1"/>
+          </a:fillRef>
+          <a:effectRef idx="0">
+            <a:schemeClr val="accent1"/>
+          </a:effectRef>
+          <a:fontRef idx="minor">
+            <a:schemeClr val="tx1"/>
+          </a:fontRef>
+        </p:style>
+      </p:cxnSp>
+      <p:sp>
+        <p:nvSpPr>
+          <p:cNvPr id="90" name="TextBox 89">
+            <a:extLst>
+              <a:ext uri="{FF2B5EF4-FFF2-40B4-BE49-F238E27FC236}">
+                <a16:creationId xmlns:a16="http://schemas.microsoft.com/office/drawing/2014/main" id="{81F36704-BDB0-484B-85D1-AC4CE942CB47}"/>
+              </a:ext>
+            </a:extLst>
+          </p:cNvPr>
+          <p:cNvSpPr txBox="1"/>
+          <p:nvPr/>
+        </p:nvSpPr>
+        <p:spPr>
+          <a:xfrm>
+            <a:off x="7094993" y="4022268"/>
+            <a:ext cx="1679390" cy="215444"/>
+          </a:xfrm>
+          <a:prstGeom prst="rect">
+            <a:avLst/>
+          </a:prstGeom>
+          <a:noFill/>
+        </p:spPr>
+        <p:txBody>
+          <a:bodyPr wrap="square" rtlCol="0">
+            <a:spAutoFit/>
+          </a:bodyPr>
+          <a:lstStyle/>
+          <a:p>
+            <a:pPr algn="ctr"/>
+            <a:r>
+              <a:rPr lang="ko-KR" altLang="en-US" sz="800" dirty="0"/>
+              <a:t>배포 요청 전송</a:t>
+            </a:r>
+          </a:p>
+        </p:txBody>
+      </p:sp>
+      <p:cxnSp>
+        <p:nvCxnSpPr>
+          <p:cNvPr id="92" name="직선 연결선 91">
+            <a:extLst>
+              <a:ext uri="{FF2B5EF4-FFF2-40B4-BE49-F238E27FC236}">
+                <a16:creationId xmlns:a16="http://schemas.microsoft.com/office/drawing/2014/main" id="{A03C7FCC-9381-40FA-A953-AA7FCD80F19A}"/>
+              </a:ext>
+            </a:extLst>
+          </p:cNvPr>
+          <p:cNvCxnSpPr>
+            <a:cxnSpLocks/>
+          </p:cNvCxnSpPr>
+          <p:nvPr/>
+        </p:nvCxnSpPr>
+        <p:spPr>
+          <a:xfrm flipV="1">
+            <a:off x="7074414" y="2786986"/>
+            <a:ext cx="1638880" cy="409502"/>
+          </a:xfrm>
+          <a:prstGeom prst="line">
+            <a:avLst/>
+          </a:prstGeom>
+        </p:spPr>
+        <p:style>
+          <a:lnRef idx="1">
+            <a:schemeClr val="accent1"/>
+          </a:lnRef>
+          <a:fillRef idx="0">
+            <a:schemeClr val="accent1"/>
+          </a:fillRef>
+          <a:effectRef idx="0">
+            <a:schemeClr val="accent1"/>
+          </a:effectRef>
+          <a:fontRef idx="minor">
+            <a:schemeClr val="tx1"/>
+          </a:fontRef>
+        </p:style>
+      </p:cxnSp>
+      <p:cxnSp>
+        <p:nvCxnSpPr>
+          <p:cNvPr id="93" name="직선 화살표 연결선 92">
+            <a:extLst>
+              <a:ext uri="{FF2B5EF4-FFF2-40B4-BE49-F238E27FC236}">
+                <a16:creationId xmlns:a16="http://schemas.microsoft.com/office/drawing/2014/main" id="{CFB44AA8-77A0-4E6B-92BC-30D28DA863D2}"/>
+              </a:ext>
+            </a:extLst>
+          </p:cNvPr>
+          <p:cNvCxnSpPr>
+            <a:cxnSpLocks/>
+          </p:cNvCxnSpPr>
+          <p:nvPr/>
+        </p:nvCxnSpPr>
+        <p:spPr>
+          <a:xfrm flipH="1">
+            <a:off x="7056799" y="2779837"/>
+            <a:ext cx="1672517" cy="261893"/>
+          </a:xfrm>
+          <a:prstGeom prst="straightConnector1">
+            <a:avLst/>
+          </a:prstGeom>
+          <a:ln>
+            <a:tailEnd type="triangle"/>
+          </a:ln>
+        </p:spPr>
+        <p:style>
+          <a:lnRef idx="1">
+            <a:schemeClr val="accent1"/>
+          </a:lnRef>
+          <a:fillRef idx="0">
+            <a:schemeClr val="accent1"/>
+          </a:fillRef>
+          <a:effectRef idx="0">
+            <a:schemeClr val="accent1"/>
+          </a:effectRef>
+          <a:fontRef idx="minor">
+            <a:schemeClr val="tx1"/>
+          </a:fontRef>
+        </p:style>
+      </p:cxnSp>
+      <p:sp>
+        <p:nvSpPr>
+          <p:cNvPr id="95" name="TextBox 94">
+            <a:extLst>
+              <a:ext uri="{FF2B5EF4-FFF2-40B4-BE49-F238E27FC236}">
+                <a16:creationId xmlns:a16="http://schemas.microsoft.com/office/drawing/2014/main" id="{09A67DBD-C530-4F97-97D9-05E871B96E7E}"/>
+              </a:ext>
+            </a:extLst>
+          </p:cNvPr>
+          <p:cNvSpPr txBox="1"/>
+          <p:nvPr/>
+        </p:nvSpPr>
+        <p:spPr>
+          <a:xfrm>
+            <a:off x="7095650" y="2338193"/>
+            <a:ext cx="1679390" cy="461665"/>
+          </a:xfrm>
+          <a:prstGeom prst="rect">
+            <a:avLst/>
+          </a:prstGeom>
+          <a:noFill/>
+        </p:spPr>
+        <p:txBody>
+          <a:bodyPr wrap="square" rtlCol="0">
+            <a:spAutoFit/>
+          </a:bodyPr>
+          <a:lstStyle/>
+          <a:p>
+            <a:pPr algn="ctr"/>
+            <a:r>
+              <a:rPr lang="en-US" altLang="ko-KR" sz="800" dirty="0"/>
+              <a:t>1) </a:t>
+            </a:r>
+            <a:r>
+              <a:rPr lang="ko-KR" altLang="en-US" sz="800" dirty="0"/>
+              <a:t>저장된 파일을 받아온 후</a:t>
+            </a:r>
+            <a:endParaRPr lang="en-US" altLang="ko-KR" sz="800" dirty="0"/>
+          </a:p>
+          <a:p>
+            <a:pPr algn="ctr"/>
+            <a:r>
+              <a:rPr lang="ko-KR" altLang="en-US" sz="800" dirty="0"/>
+              <a:t>빌드 및 배포</a:t>
+            </a:r>
+            <a:endParaRPr lang="en-US" altLang="ko-KR" sz="800" dirty="0"/>
+          </a:p>
+          <a:p>
+            <a:pPr algn="ctr"/>
+            <a:r>
+              <a:rPr lang="en-US" altLang="ko-KR" sz="800" dirty="0"/>
+              <a:t>2) Nginx</a:t>
+            </a:r>
+            <a:r>
+              <a:rPr lang="ko-KR" altLang="en-US" sz="800" dirty="0"/>
+              <a:t>의 </a:t>
+            </a:r>
+            <a:r>
+              <a:rPr lang="en-US" altLang="ko-KR" sz="800" dirty="0" err="1"/>
+              <a:t>proxy_pass</a:t>
+            </a:r>
+            <a:r>
+              <a:rPr lang="en-US" altLang="ko-KR" sz="800" dirty="0"/>
+              <a:t> </a:t>
+            </a:r>
+            <a:r>
+              <a:rPr lang="ko-KR" altLang="en-US" sz="800" dirty="0"/>
+              <a:t>변경 </a:t>
+            </a:r>
+          </a:p>
+        </p:txBody>
+      </p:sp>
+      <p:sp>
+        <p:nvSpPr>
+          <p:cNvPr id="104" name="타원 103">
+            <a:extLst>
+              <a:ext uri="{FF2B5EF4-FFF2-40B4-BE49-F238E27FC236}">
+                <a16:creationId xmlns:a16="http://schemas.microsoft.com/office/drawing/2014/main" id="{3EFA7D26-162B-4E9D-9660-AE7DF98FA1AB}"/>
+              </a:ext>
+            </a:extLst>
+          </p:cNvPr>
+          <p:cNvSpPr/>
+          <p:nvPr/>
+        </p:nvSpPr>
+        <p:spPr>
+          <a:xfrm>
+            <a:off x="9816792" y="2687504"/>
+            <a:ext cx="143826" cy="156146"/>
+          </a:xfrm>
+          <a:prstGeom prst="ellipse">
+            <a:avLst/>
+          </a:prstGeom>
+          <a:solidFill>
+            <a:schemeClr val="bg1"/>
+          </a:solidFill>
+        </p:spPr>
+        <p:style>
+          <a:lnRef idx="2">
+            <a:schemeClr val="accent1">
+              <a:shade val="50000"/>
+            </a:schemeClr>
+          </a:lnRef>
+          <a:fillRef idx="1">
+            <a:schemeClr val="accent1"/>
+          </a:fillRef>
+          <a:effectRef idx="0">
+            <a:schemeClr val="accent1"/>
+          </a:effectRef>
+          <a:fontRef idx="minor">
+            <a:schemeClr val="lt1"/>
+          </a:fontRef>
+        </p:style>
+        <p:txBody>
+          <a:bodyPr rtlCol="0" anchor="ctr"/>
+          <a:lstStyle/>
+          <a:p>
+            <a:pPr algn="ctr"/>
+            <a:r>
+              <a:rPr lang="en-US" altLang="ko-KR" sz="800" dirty="0">
+                <a:solidFill>
+                  <a:schemeClr val="tx1"/>
+                </a:solidFill>
+              </a:rPr>
+              <a:t>1</a:t>
+            </a:r>
+            <a:endParaRPr lang="ko-KR" altLang="en-US" sz="800" dirty="0">
+              <a:solidFill>
+                <a:schemeClr val="tx1"/>
+              </a:solidFill>
+            </a:endParaRPr>
+          </a:p>
+        </p:txBody>
+      </p:sp>
+      <p:sp>
+        <p:nvSpPr>
+          <p:cNvPr id="106" name="타원 105">
+            <a:extLst>
+              <a:ext uri="{FF2B5EF4-FFF2-40B4-BE49-F238E27FC236}">
+                <a16:creationId xmlns:a16="http://schemas.microsoft.com/office/drawing/2014/main" id="{740A9D6A-7EE4-430B-8F1C-945950BC8CA3}"/>
+              </a:ext>
+            </a:extLst>
+          </p:cNvPr>
+          <p:cNvSpPr/>
+          <p:nvPr/>
+        </p:nvSpPr>
+        <p:spPr>
+          <a:xfrm>
+            <a:off x="10058029" y="4164102"/>
+            <a:ext cx="143826" cy="156146"/>
+          </a:xfrm>
+          <a:prstGeom prst="ellipse">
+            <a:avLst/>
+          </a:prstGeom>
+          <a:solidFill>
+            <a:schemeClr val="bg1"/>
+          </a:solidFill>
+        </p:spPr>
+        <p:style>
+          <a:lnRef idx="2">
+            <a:schemeClr val="accent1">
+              <a:shade val="50000"/>
+            </a:schemeClr>
+          </a:lnRef>
+          <a:fillRef idx="1">
+            <a:schemeClr val="accent1"/>
+          </a:fillRef>
+          <a:effectRef idx="0">
+            <a:schemeClr val="accent1"/>
+          </a:effectRef>
+          <a:fontRef idx="minor">
+            <a:schemeClr val="lt1"/>
+          </a:fontRef>
+        </p:style>
+        <p:txBody>
+          <a:bodyPr rtlCol="0" anchor="ctr"/>
+          <a:lstStyle/>
+          <a:p>
+            <a:pPr algn="ctr"/>
+            <a:r>
+              <a:rPr lang="en-US" altLang="ko-KR" sz="800" dirty="0">
+                <a:solidFill>
+                  <a:schemeClr val="tx1"/>
+                </a:solidFill>
+              </a:rPr>
+              <a:t>2</a:t>
+            </a:r>
+            <a:endParaRPr lang="ko-KR" altLang="en-US" sz="800" dirty="0">
+              <a:solidFill>
+                <a:schemeClr val="tx1"/>
+              </a:solidFill>
+            </a:endParaRPr>
+          </a:p>
+        </p:txBody>
+      </p:sp>
+      <p:sp>
+        <p:nvSpPr>
+          <p:cNvPr id="107" name="타원 106">
+            <a:extLst>
+              <a:ext uri="{FF2B5EF4-FFF2-40B4-BE49-F238E27FC236}">
+                <a16:creationId xmlns:a16="http://schemas.microsoft.com/office/drawing/2014/main" id="{FBE8150B-AD90-4F8A-8F0F-77F95C452D9E}"/>
+              </a:ext>
+            </a:extLst>
+          </p:cNvPr>
+          <p:cNvSpPr/>
+          <p:nvPr/>
+        </p:nvSpPr>
+        <p:spPr>
+          <a:xfrm>
+            <a:off x="7410073" y="4057361"/>
+            <a:ext cx="143826" cy="156146"/>
+          </a:xfrm>
+          <a:prstGeom prst="ellipse">
+            <a:avLst/>
+          </a:prstGeom>
+          <a:solidFill>
+            <a:schemeClr val="bg1"/>
+          </a:solidFill>
+        </p:spPr>
+        <p:style>
+          <a:lnRef idx="2">
+            <a:schemeClr val="accent1">
+              <a:shade val="50000"/>
+            </a:schemeClr>
+          </a:lnRef>
+          <a:fillRef idx="1">
+            <a:schemeClr val="accent1"/>
+          </a:fillRef>
+          <a:effectRef idx="0">
+            <a:schemeClr val="accent1"/>
+          </a:effectRef>
+          <a:fontRef idx="minor">
+            <a:schemeClr val="lt1"/>
+          </a:fontRef>
+        </p:style>
+        <p:txBody>
+          <a:bodyPr rtlCol="0" anchor="ctr"/>
+          <a:lstStyle/>
+          <a:p>
+            <a:pPr algn="ctr"/>
+            <a:r>
+              <a:rPr lang="en-US" altLang="ko-KR" sz="800" dirty="0">
+                <a:solidFill>
+                  <a:schemeClr val="tx1"/>
+                </a:solidFill>
+              </a:rPr>
+              <a:t>3</a:t>
+            </a:r>
+            <a:endParaRPr lang="ko-KR" altLang="en-US" sz="800" dirty="0">
+              <a:solidFill>
+                <a:schemeClr val="tx1"/>
+              </a:solidFill>
+            </a:endParaRPr>
+          </a:p>
+        </p:txBody>
+      </p:sp>
+      <p:sp>
+        <p:nvSpPr>
+          <p:cNvPr id="108" name="타원 107">
+            <a:extLst>
+              <a:ext uri="{FF2B5EF4-FFF2-40B4-BE49-F238E27FC236}">
+                <a16:creationId xmlns:a16="http://schemas.microsoft.com/office/drawing/2014/main" id="{CDA4369C-36A3-4D41-B58C-A420D17F4A85}"/>
+              </a:ext>
+            </a:extLst>
+          </p:cNvPr>
+          <p:cNvSpPr/>
+          <p:nvPr/>
+        </p:nvSpPr>
+        <p:spPr>
+          <a:xfrm>
+            <a:off x="7082783" y="2498800"/>
+            <a:ext cx="143826" cy="156146"/>
+          </a:xfrm>
+          <a:prstGeom prst="ellipse">
+            <a:avLst/>
+          </a:prstGeom>
+          <a:solidFill>
+            <a:schemeClr val="bg1"/>
+          </a:solidFill>
+        </p:spPr>
+        <p:style>
+          <a:lnRef idx="2">
+            <a:schemeClr val="accent1">
+              <a:shade val="50000"/>
+            </a:schemeClr>
+          </a:lnRef>
+          <a:fillRef idx="1">
+            <a:schemeClr val="accent1"/>
+          </a:fillRef>
+          <a:effectRef idx="0">
+            <a:schemeClr val="accent1"/>
+          </a:effectRef>
+          <a:fontRef idx="minor">
+            <a:schemeClr val="lt1"/>
+          </a:fontRef>
+        </p:style>
+        <p:txBody>
+          <a:bodyPr rtlCol="0" anchor="ctr"/>
+          <a:lstStyle/>
+          <a:p>
+            <a:pPr algn="ctr"/>
+            <a:r>
+              <a:rPr lang="en-US" altLang="ko-KR" sz="800" dirty="0">
+                <a:solidFill>
+                  <a:schemeClr val="tx1"/>
+                </a:solidFill>
+              </a:rPr>
+              <a:t>4</a:t>
+            </a:r>
+            <a:endParaRPr lang="ko-KR" altLang="en-US" sz="800" dirty="0">
+              <a:solidFill>
+                <a:schemeClr val="tx1"/>
+              </a:solidFill>
+            </a:endParaRPr>
           </a:p>
         </p:txBody>
       </p:sp>
@@ -13136,7 +14046,7 @@
         </p:nvSpPr>
         <p:spPr>
           <a:xfrm>
-            <a:off x="5977276" y="717477"/>
+            <a:off x="5977276" y="611295"/>
             <a:ext cx="133449" cy="121059"/>
           </a:xfrm>
           <a:prstGeom prst="rect">
@@ -13171,7 +14081,7 @@
         </p:nvSpPr>
         <p:spPr>
           <a:xfrm>
-            <a:off x="6372837" y="567384"/>
+            <a:off x="6372837" y="461202"/>
             <a:ext cx="2509111" cy="369332"/>
           </a:xfrm>
           <a:prstGeom prst="rect">
@@ -13207,7 +14117,7 @@
         </p:nvSpPr>
         <p:spPr>
           <a:xfrm>
-            <a:off x="6393667" y="936716"/>
+            <a:off x="6393667" y="830534"/>
             <a:ext cx="2465385" cy="307777"/>
           </a:xfrm>
           <a:prstGeom prst="rect">
@@ -13243,7 +14153,7 @@
         </p:nvSpPr>
         <p:spPr>
           <a:xfrm>
-            <a:off x="5977275" y="1581713"/>
+            <a:off x="5977275" y="1546319"/>
             <a:ext cx="133449" cy="121059"/>
           </a:xfrm>
           <a:prstGeom prst="rect">
@@ -13278,7 +14188,7 @@
         </p:nvSpPr>
         <p:spPr>
           <a:xfrm>
-            <a:off x="6372837" y="1381430"/>
+            <a:off x="6372837" y="1346036"/>
             <a:ext cx="2509111" cy="369332"/>
           </a:xfrm>
           <a:prstGeom prst="rect">
@@ -13314,7 +14224,7 @@
         </p:nvSpPr>
         <p:spPr>
           <a:xfrm>
-            <a:off x="6372836" y="1820729"/>
+            <a:off x="6372836" y="1785335"/>
             <a:ext cx="4833045" cy="738664"/>
           </a:xfrm>
           <a:prstGeom prst="rect">
@@ -13364,26 +14274,34 @@
               <a:rPr lang="ko-KR" altLang="en-US" sz="1400" dirty="0"/>
               <a:t>라이브러리</a:t>
             </a:r>
+            <a:endParaRPr lang="en-US" altLang="ko-KR" sz="1400" dirty="0"/>
+          </a:p>
+          <a:p>
+            <a:r>
+              <a:rPr lang="en-US" altLang="ko-KR" sz="1400" dirty="0"/>
+              <a:t>- EC2, RDS</a:t>
+            </a:r>
+          </a:p>
+          <a:p>
+            <a:r>
+              <a:rPr lang="en-US" altLang="ko-KR" sz="1400" dirty="0"/>
+              <a:t>- CICD(</a:t>
+            </a:r>
+            <a:r>
+              <a:rPr lang="en-US" altLang="ko-KR" sz="1400" dirty="0" err="1"/>
+              <a:t>CodeDeploy</a:t>
+            </a:r>
             <a:r>
               <a:rPr lang="en-US" altLang="ko-KR" sz="1400" dirty="0"/>
               <a:t>, </a:t>
             </a:r>
             <a:r>
-              <a:rPr lang="ko-KR" altLang="en-US" sz="1400" dirty="0"/>
-              <a:t>카카오 </a:t>
+              <a:rPr lang="en-US" altLang="ko-KR" sz="1400" dirty="0" err="1"/>
+              <a:t>Github</a:t>
             </a:r>
             <a:r>
               <a:rPr lang="en-US" altLang="ko-KR" sz="1400" dirty="0"/>
-              <a:t>API</a:t>
-            </a:r>
-          </a:p>
-          <a:p>
-            <a:endParaRPr lang="en-US" altLang="ko-KR" sz="1400" dirty="0"/>
-          </a:p>
-          <a:p>
-            <a:r>
-              <a:rPr lang="en-US" altLang="ko-KR" sz="1400" dirty="0"/>
-              <a:t>- RDS, EC2</a:t>
+              <a:t> action)</a:t>
             </a:r>
             <a:endParaRPr lang="ko-KR" altLang="en-US" sz="1400" dirty="0"/>
           </a:p>
@@ -13475,7 +14393,7 @@
         <p:spPr>
           <a:xfrm>
             <a:off x="6372837" y="3098815"/>
-            <a:ext cx="4833045" cy="1200329"/>
+            <a:ext cx="4833045" cy="646331"/>
           </a:xfrm>
           <a:prstGeom prst="rect">
             <a:avLst/>
@@ -13523,41 +14441,26 @@
             </a:r>
             <a:r>
               <a:rPr lang="ko-KR" altLang="en-US" sz="1200" dirty="0"/>
-              <a:t>자동화를 통해 성능을 개선하였습니다</a:t>
+              <a:t>카카오 오픈 </a:t>
+            </a:r>
+            <a:r>
+              <a:rPr lang="ko-KR" altLang="en-US" sz="1200" dirty="0" err="1"/>
+              <a:t>빌더</a:t>
+            </a:r>
+            <a:r>
+              <a:rPr lang="ko-KR" altLang="en-US" sz="1200" dirty="0"/>
+              <a:t> </a:t>
             </a:r>
             <a:r>
               <a:rPr lang="en-US" altLang="ko-KR" sz="1200" dirty="0"/>
-              <a:t>.</a:t>
-            </a:r>
-          </a:p>
-          <a:p>
+              <a:t>API </a:t>
+            </a:r>
+            <a:r>
+              <a:rPr lang="ko-KR" altLang="en-US" sz="1200" dirty="0"/>
+              <a:t>활용</a:t>
+            </a:r>
             <a:endParaRPr lang="en-US" altLang="ko-KR" sz="1200" dirty="0"/>
           </a:p>
-          <a:p>
-            <a:r>
-              <a:rPr lang="en-US" altLang="ko-KR" sz="1200" dirty="0"/>
-              <a:t>3. </a:t>
-            </a:r>
-            <a:r>
-              <a:rPr lang="ko-KR" altLang="en-US" sz="1200" dirty="0"/>
-              <a:t>서비스 기획 </a:t>
-            </a:r>
-            <a:r>
-              <a:rPr lang="en-US" altLang="ko-KR" sz="1200" dirty="0"/>
-              <a:t>~ </a:t>
-            </a:r>
-            <a:r>
-              <a:rPr lang="ko-KR" altLang="en-US" sz="1200" dirty="0"/>
-              <a:t>배포까지의 모든 프로세스에 참여하였습니다</a:t>
-            </a:r>
-            <a:r>
-              <a:rPr lang="en-US" altLang="ko-KR" sz="1200" dirty="0"/>
-              <a:t>. </a:t>
-            </a:r>
-          </a:p>
-          <a:p>
-            <a:endParaRPr lang="en-US" altLang="ko-KR" sz="1200" dirty="0"/>
-          </a:p>
         </p:txBody>
       </p:sp>
       <p:sp>
@@ -13574,7 +14477,7 @@
         </p:nvSpPr>
         <p:spPr>
           <a:xfrm>
-            <a:off x="5978052" y="4342847"/>
+            <a:off x="5978052" y="4053780"/>
             <a:ext cx="133449" cy="121059"/>
           </a:xfrm>
           <a:prstGeom prst="rect">
@@ -13609,7 +14512,7 @@
         </p:nvSpPr>
         <p:spPr>
           <a:xfrm>
-            <a:off x="6372838" y="4218711"/>
+            <a:off x="6372838" y="3929644"/>
             <a:ext cx="2509111" cy="369332"/>
           </a:xfrm>
           <a:prstGeom prst="rect">
@@ -13645,8 +14548,8 @@
         </p:nvSpPr>
         <p:spPr>
           <a:xfrm>
-            <a:off x="6393669" y="4718206"/>
-            <a:ext cx="3189840" cy="1200329"/>
+            <a:off x="6393669" y="4429139"/>
+            <a:ext cx="4737597" cy="1200329"/>
           </a:xfrm>
           <a:prstGeom prst="rect">
             <a:avLst/>
@@ -13687,33 +14590,29 @@
           <a:p>
             <a:r>
               <a:rPr lang="ko-KR" altLang="en-US" sz="1200" dirty="0"/>
-              <a:t>⨀ 자동화를 통한 성능 개선</a:t>
-            </a:r>
+              <a:t>⨀ 자동화를 통한 </a:t>
+            </a:r>
+            <a:r>
+              <a:rPr lang="ko-KR" altLang="en-US" sz="1200" b="1" dirty="0"/>
+              <a:t>성능 개선</a:t>
+            </a:r>
+            <a:endParaRPr lang="en-US" altLang="ko-KR" sz="1200" b="1" dirty="0"/>
+          </a:p>
+          <a:p>
             <a:endParaRPr lang="en-US" altLang="ko-KR" sz="1200" dirty="0"/>
           </a:p>
           <a:p>
-            <a:endParaRPr lang="en-US" altLang="ko-KR" sz="1200" dirty="0"/>
-          </a:p>
-          <a:p>
             <a:r>
               <a:rPr lang="ko-KR" altLang="en-US" sz="1200" dirty="0"/>
-              <a:t>⨀ 카카오 오픈 </a:t>
-            </a:r>
-            <a:r>
-              <a:rPr lang="ko-KR" altLang="en-US" sz="1200" dirty="0" err="1"/>
-              <a:t>빌더</a:t>
+              <a:t>⨀ 서비스 기획 </a:t>
+            </a:r>
+            <a:r>
+              <a:rPr lang="en-US" altLang="ko-KR" sz="1200" dirty="0"/>
+              <a:t>~ </a:t>
             </a:r>
             <a:r>
               <a:rPr lang="ko-KR" altLang="en-US" sz="1200" dirty="0"/>
-              <a:t> </a:t>
-            </a:r>
-            <a:r>
-              <a:rPr lang="en-US" altLang="ko-KR" sz="1200" dirty="0"/>
-              <a:t>API </a:t>
-            </a:r>
-            <a:r>
-              <a:rPr lang="ko-KR" altLang="en-US" sz="1200" dirty="0"/>
-              <a:t>활용</a:t>
+              <a:t>배포 모든 과정 참여</a:t>
             </a:r>
             <a:endParaRPr lang="en-US" altLang="ko-KR" sz="1200" dirty="0"/>
           </a:p>
@@ -13856,7 +14755,7 @@
         </p:nvSpPr>
         <p:spPr>
           <a:xfrm>
-            <a:off x="5977276" y="6006650"/>
+            <a:off x="5977276" y="5817876"/>
             <a:ext cx="133449" cy="121059"/>
           </a:xfrm>
           <a:prstGeom prst="rect">
@@ -13891,7 +14790,7 @@
         </p:nvSpPr>
         <p:spPr>
           <a:xfrm>
-            <a:off x="6375970" y="5918873"/>
+            <a:off x="6375970" y="5730099"/>
             <a:ext cx="2509111" cy="369332"/>
           </a:xfrm>
           <a:prstGeom prst="rect">
@@ -13927,7 +14826,7 @@
         </p:nvSpPr>
         <p:spPr>
           <a:xfrm>
-            <a:off x="6372837" y="6307450"/>
+            <a:off x="6372837" y="6118676"/>
             <a:ext cx="4758429" cy="307777"/>
           </a:xfrm>
           <a:prstGeom prst="rect">
@@ -14004,7 +14903,7 @@
         </p:nvSpPr>
         <p:spPr>
           <a:xfrm>
-            <a:off x="6155144" y="367841"/>
+            <a:off x="6244784" y="409673"/>
             <a:ext cx="127155" cy="121059"/>
           </a:xfrm>
           <a:prstGeom prst="rect">
@@ -14039,7 +14938,7 @@
         </p:nvSpPr>
         <p:spPr>
           <a:xfrm>
-            <a:off x="6370297" y="243704"/>
+            <a:off x="6459937" y="285536"/>
             <a:ext cx="5241363" cy="369332"/>
           </a:xfrm>
           <a:prstGeom prst="rect">
@@ -14087,7 +14986,7 @@
         </p:nvSpPr>
         <p:spPr>
           <a:xfrm>
-            <a:off x="6282298" y="697085"/>
+            <a:off x="6371938" y="738917"/>
             <a:ext cx="5766807" cy="1754326"/>
           </a:xfrm>
           <a:prstGeom prst="rect">
@@ -14318,8 +15217,8 @@
         </p:nvSpPr>
         <p:spPr>
           <a:xfrm>
-            <a:off x="6315127" y="3365064"/>
-            <a:ext cx="5766807" cy="2369880"/>
+            <a:off x="6404767" y="3406896"/>
+            <a:ext cx="5766807" cy="2185214"/>
           </a:xfrm>
           <a:prstGeom prst="rect">
             <a:avLst/>
@@ -14417,7 +15316,7 @@
             </a:r>
             <a:r>
               <a:rPr lang="ko-KR" altLang="en-US" sz="1200" dirty="0"/>
-              <a:t> 사용하여 자동화 기능 추가</a:t>
+              <a:t> 사용하여 자동화</a:t>
             </a:r>
             <a:endParaRPr lang="en-US" altLang="ko-KR" sz="1200" dirty="0"/>
           </a:p>
@@ -14488,7 +15387,7 @@
         </p:nvSpPr>
         <p:spPr>
           <a:xfrm>
-            <a:off x="7763701" y="2332359"/>
+            <a:off x="7853341" y="2374191"/>
             <a:ext cx="607633" cy="800482"/>
           </a:xfrm>
           <a:prstGeom prst="downArrow">
@@ -14534,7 +15433,7 @@
         </p:nvSpPr>
         <p:spPr>
           <a:xfrm>
-            <a:off x="8628995" y="2537471"/>
+            <a:off x="8718635" y="2579303"/>
             <a:ext cx="2461942" cy="307777"/>
           </a:xfrm>
           <a:prstGeom prst="rect">
@@ -14872,7 +15771,7 @@
         <p:spPr>
           <a:xfrm>
             <a:off x="4635995" y="4431885"/>
-            <a:ext cx="1374648" cy="954858"/>
+            <a:ext cx="1157171" cy="954858"/>
           </a:xfrm>
           <a:prstGeom prst="rect">
             <a:avLst/>
@@ -15437,8 +16336,8 @@
         </p:nvSpPr>
         <p:spPr>
           <a:xfrm>
-            <a:off x="6057900" y="5728257"/>
-            <a:ext cx="6388770" cy="584775"/>
+            <a:off x="6147540" y="5770089"/>
+            <a:ext cx="5924931" cy="584775"/>
           </a:xfrm>
           <a:prstGeom prst="rect">
             <a:avLst/>

--- a/오진호 포트폴리오.pptx
+++ b/오진호 포트폴리오.pptx
@@ -12,7 +12,7 @@
     <p:sldId id="277" r:id="rId3"/>
     <p:sldId id="271" r:id="rId4"/>
     <p:sldId id="272" r:id="rId5"/>
-    <p:sldId id="273" r:id="rId6"/>
+    <p:sldId id="281" r:id="rId6"/>
     <p:sldId id="276" r:id="rId7"/>
     <p:sldId id="269" r:id="rId8"/>
     <p:sldId id="268" r:id="rId9"/>
@@ -209,7 +209,7 @@
           <a:p>
             <a:fld id="{67406EAE-9ED8-4493-8307-E0CBB87D5314}" type="datetimeFigureOut">
               <a:rPr lang="ko-KR" altLang="en-US" smtClean="0"/>
-              <a:t>2022-04-25</a:t>
+              <a:t>2022-04-30</a:t>
             </a:fld>
             <a:endParaRPr lang="ko-KR" altLang="en-US"/>
           </a:p>
@@ -623,7 +623,7 @@
           <a:p>
             <a:fld id="{7E1FD04A-7A57-4ABB-A4D2-40192FED31D2}" type="datetimeFigureOut">
               <a:rPr lang="ko-KR" altLang="en-US" smtClean="0"/>
-              <a:t>2022-04-25</a:t>
+              <a:t>2022-04-30</a:t>
             </a:fld>
             <a:endParaRPr lang="ko-KR" altLang="en-US"/>
           </a:p>
@@ -821,7 +821,7 @@
           <a:p>
             <a:fld id="{7E1FD04A-7A57-4ABB-A4D2-40192FED31D2}" type="datetimeFigureOut">
               <a:rPr lang="ko-KR" altLang="en-US" smtClean="0"/>
-              <a:t>2022-04-25</a:t>
+              <a:t>2022-04-30</a:t>
             </a:fld>
             <a:endParaRPr lang="ko-KR" altLang="en-US"/>
           </a:p>
@@ -1029,7 +1029,7 @@
           <a:p>
             <a:fld id="{7E1FD04A-7A57-4ABB-A4D2-40192FED31D2}" type="datetimeFigureOut">
               <a:rPr lang="ko-KR" altLang="en-US" smtClean="0"/>
-              <a:t>2022-04-25</a:t>
+              <a:t>2022-04-30</a:t>
             </a:fld>
             <a:endParaRPr lang="ko-KR" altLang="en-US"/>
           </a:p>
@@ -1227,7 +1227,7 @@
           <a:p>
             <a:fld id="{7E1FD04A-7A57-4ABB-A4D2-40192FED31D2}" type="datetimeFigureOut">
               <a:rPr lang="ko-KR" altLang="en-US" smtClean="0"/>
-              <a:t>2022-04-25</a:t>
+              <a:t>2022-04-30</a:t>
             </a:fld>
             <a:endParaRPr lang="ko-KR" altLang="en-US"/>
           </a:p>
@@ -1502,7 +1502,7 @@
           <a:p>
             <a:fld id="{7E1FD04A-7A57-4ABB-A4D2-40192FED31D2}" type="datetimeFigureOut">
               <a:rPr lang="ko-KR" altLang="en-US" smtClean="0"/>
-              <a:t>2022-04-25</a:t>
+              <a:t>2022-04-30</a:t>
             </a:fld>
             <a:endParaRPr lang="ko-KR" altLang="en-US"/>
           </a:p>
@@ -1767,7 +1767,7 @@
           <a:p>
             <a:fld id="{7E1FD04A-7A57-4ABB-A4D2-40192FED31D2}" type="datetimeFigureOut">
               <a:rPr lang="ko-KR" altLang="en-US" smtClean="0"/>
-              <a:t>2022-04-25</a:t>
+              <a:t>2022-04-30</a:t>
             </a:fld>
             <a:endParaRPr lang="ko-KR" altLang="en-US"/>
           </a:p>
@@ -2179,7 +2179,7 @@
           <a:p>
             <a:fld id="{7E1FD04A-7A57-4ABB-A4D2-40192FED31D2}" type="datetimeFigureOut">
               <a:rPr lang="ko-KR" altLang="en-US" smtClean="0"/>
-              <a:t>2022-04-25</a:t>
+              <a:t>2022-04-30</a:t>
             </a:fld>
             <a:endParaRPr lang="ko-KR" altLang="en-US"/>
           </a:p>
@@ -2320,7 +2320,7 @@
           <a:p>
             <a:fld id="{7E1FD04A-7A57-4ABB-A4D2-40192FED31D2}" type="datetimeFigureOut">
               <a:rPr lang="ko-KR" altLang="en-US" smtClean="0"/>
-              <a:t>2022-04-25</a:t>
+              <a:t>2022-04-30</a:t>
             </a:fld>
             <a:endParaRPr lang="ko-KR" altLang="en-US"/>
           </a:p>
@@ -2433,7 +2433,7 @@
           <a:p>
             <a:fld id="{7E1FD04A-7A57-4ABB-A4D2-40192FED31D2}" type="datetimeFigureOut">
               <a:rPr lang="ko-KR" altLang="en-US" smtClean="0"/>
-              <a:t>2022-04-25</a:t>
+              <a:t>2022-04-30</a:t>
             </a:fld>
             <a:endParaRPr lang="ko-KR" altLang="en-US"/>
           </a:p>
@@ -2744,7 +2744,7 @@
           <a:p>
             <a:fld id="{7E1FD04A-7A57-4ABB-A4D2-40192FED31D2}" type="datetimeFigureOut">
               <a:rPr lang="ko-KR" altLang="en-US" smtClean="0"/>
-              <a:t>2022-04-25</a:t>
+              <a:t>2022-04-30</a:t>
             </a:fld>
             <a:endParaRPr lang="ko-KR" altLang="en-US"/>
           </a:p>
@@ -3032,7 +3032,7 @@
           <a:p>
             <a:fld id="{7E1FD04A-7A57-4ABB-A4D2-40192FED31D2}" type="datetimeFigureOut">
               <a:rPr lang="ko-KR" altLang="en-US" smtClean="0"/>
-              <a:t>2022-04-25</a:t>
+              <a:t>2022-04-30</a:t>
             </a:fld>
             <a:endParaRPr lang="ko-KR" altLang="en-US"/>
           </a:p>
@@ -3273,7 +3273,7 @@
           <a:p>
             <a:fld id="{7E1FD04A-7A57-4ABB-A4D2-40192FED31D2}" type="datetimeFigureOut">
               <a:rPr lang="ko-KR" altLang="en-US" smtClean="0"/>
-              <a:t>2022-04-25</a:t>
+              <a:t>2022-04-30</a:t>
             </a:fld>
             <a:endParaRPr lang="ko-KR" altLang="en-US"/>
           </a:p>
@@ -3932,7 +3932,7 @@
               <a:rPr lang="ko-KR" altLang="en-US" sz="1600" dirty="0">
                 <a:latin typeface="Arial Rounded MT Bold" panose="020F0704030504030204" pitchFamily="34" charset="0"/>
               </a:rPr>
-              <a:t>더 좋은 코드를 고민하는 개발자 </a:t>
+              <a:t>더 좋은 방법을 고민하는 개발자 </a:t>
             </a:r>
             <a:r>
               <a:rPr lang="en-US" altLang="ko-KR" sz="1600" dirty="0" err="1">
@@ -4278,7 +4278,15 @@
             </a:r>
             <a:r>
               <a:rPr lang="ko-KR" altLang="en-US" sz="1100" dirty="0"/>
-              <a:t> 코리아</a:t>
+              <a:t> 코리아 </a:t>
+            </a:r>
+            <a:r>
+              <a:rPr lang="ko-KR" altLang="en-US" sz="1100" dirty="0" err="1"/>
+              <a:t>백엔드</a:t>
+            </a:r>
+            <a:r>
+              <a:rPr lang="ko-KR" altLang="en-US" sz="1100" dirty="0"/>
+              <a:t> 개발자</a:t>
             </a:r>
             <a:r>
               <a:rPr lang="en-US" altLang="ko-KR" sz="1100" dirty="0"/>
@@ -4286,7 +4294,7 @@
             </a:r>
             <a:r>
               <a:rPr lang="ko-KR" altLang="en-US" sz="1100" dirty="0"/>
-              <a:t>인턴</a:t>
+              <a:t>학점연계 인턴십</a:t>
             </a:r>
             <a:r>
               <a:rPr lang="en-US" altLang="ko-KR" sz="1100" dirty="0"/>
@@ -4295,14 +4303,6 @@
             <a:r>
               <a:rPr lang="ko-KR" altLang="en-US" sz="1100" dirty="0"/>
               <a:t> </a:t>
-            </a:r>
-            <a:r>
-              <a:rPr lang="ko-KR" altLang="en-US" sz="1100" dirty="0" err="1"/>
-              <a:t>백엔드</a:t>
-            </a:r>
-            <a:r>
-              <a:rPr lang="ko-KR" altLang="en-US" sz="1100" dirty="0"/>
-              <a:t> 개발자</a:t>
             </a:r>
             <a:r>
               <a:rPr lang="en-US" altLang="ko-KR" sz="1100" dirty="0"/>
@@ -5679,7 +5679,7 @@
         </p:nvSpPr>
         <p:spPr>
           <a:xfrm>
-            <a:off x="722039" y="608985"/>
+            <a:off x="722039" y="667976"/>
             <a:ext cx="3662925" cy="369332"/>
           </a:xfrm>
           <a:prstGeom prst="rect">
@@ -5715,8 +5715,8 @@
         </p:nvSpPr>
         <p:spPr>
           <a:xfrm>
-            <a:off x="822371" y="1157651"/>
-            <a:ext cx="9630884" cy="1600438"/>
+            <a:off x="822370" y="1216642"/>
+            <a:ext cx="11171017" cy="1692771"/>
           </a:xfrm>
           <a:prstGeom prst="rect">
             <a:avLst/>
@@ -5748,58 +5748,77 @@
             <a:endParaRPr lang="en-US" altLang="ko-KR" sz="1400" b="1" dirty="0"/>
           </a:p>
           <a:p>
+            <a:endParaRPr lang="en-US" altLang="ko-KR" sz="1400" dirty="0"/>
+          </a:p>
+          <a:p>
+            <a:r>
+              <a:rPr lang="en-US" altLang="ko-KR" sz="1200" dirty="0"/>
+              <a:t> - </a:t>
+            </a:r>
+            <a:r>
+              <a:rPr lang="ko-KR" altLang="en-US" sz="1200" dirty="0"/>
+              <a:t>단시간에 많은 요청이 예상되는 로직에 </a:t>
+            </a:r>
+            <a:r>
+              <a:rPr lang="ko-KR" altLang="en-US" sz="1200" dirty="0" err="1"/>
+              <a:t>캐싱을</a:t>
+            </a:r>
+            <a:r>
+              <a:rPr lang="ko-KR" altLang="en-US" sz="1200" dirty="0"/>
+              <a:t> 적용했습니다</a:t>
+            </a:r>
+            <a:r>
+              <a:rPr lang="en-US" altLang="ko-KR" sz="1200" dirty="0"/>
+              <a:t>.</a:t>
+            </a:r>
+          </a:p>
+          <a:p>
+            <a:endParaRPr lang="en-US" altLang="ko-KR" sz="1200" dirty="0"/>
+          </a:p>
+          <a:p>
+            <a:r>
+              <a:rPr lang="en-US" altLang="ko-KR" sz="1200" dirty="0"/>
+              <a:t> - DB</a:t>
+            </a:r>
+            <a:r>
+              <a:rPr lang="ko-KR" altLang="en-US" sz="1200" dirty="0"/>
+              <a:t>의 데이터가 변경되지 않는 로직이었기에</a:t>
+            </a:r>
+            <a:r>
+              <a:rPr lang="en-US" altLang="ko-KR" sz="1200" dirty="0"/>
+              <a:t> </a:t>
+            </a:r>
+            <a:r>
+              <a:rPr lang="ko-KR" altLang="en-US" sz="1200" dirty="0"/>
+              <a:t>데이터 정합성이 이슈가 되지 않았습니다</a:t>
+            </a:r>
+            <a:r>
+              <a:rPr lang="en-US" altLang="ko-KR" sz="1200" dirty="0"/>
+              <a:t>. </a:t>
+            </a:r>
+            <a:r>
+              <a:rPr lang="ko-KR" altLang="en-US" sz="1200" dirty="0"/>
+              <a:t>따라서 다른 인메모리 데이터 베이스보다 </a:t>
+            </a:r>
+            <a:r>
+              <a:rPr lang="en-US" altLang="ko-KR" sz="1200" dirty="0" err="1"/>
+              <a:t>memcached</a:t>
+            </a:r>
+            <a:r>
+              <a:rPr lang="ko-KR" altLang="en-US" sz="1200" dirty="0"/>
+              <a:t>가 적절하다고 판단하였습니다</a:t>
+            </a:r>
+            <a:r>
+              <a:rPr lang="en-US" altLang="ko-KR" sz="1200" dirty="0"/>
+              <a:t>.</a:t>
+            </a:r>
+          </a:p>
+          <a:p>
             <a:endParaRPr lang="en-US" altLang="ko-KR" sz="1400" b="1" dirty="0"/>
           </a:p>
           <a:p>
-            <a:r>
-              <a:rPr lang="en-US" altLang="ko-KR" sz="1400" b="1" dirty="0"/>
-              <a:t> - </a:t>
-            </a:r>
-            <a:r>
-              <a:rPr lang="ko-KR" altLang="en-US" sz="1400" b="1" dirty="0"/>
-              <a:t>단시간에 많은 요청이 예상되는 로직에 </a:t>
-            </a:r>
-            <a:r>
-              <a:rPr lang="ko-KR" altLang="en-US" sz="1400" b="1" dirty="0" err="1"/>
-              <a:t>캐싱</a:t>
-            </a:r>
-            <a:r>
-              <a:rPr lang="ko-KR" altLang="en-US" sz="1400" b="1" dirty="0"/>
-              <a:t> 적용</a:t>
-            </a:r>
-            <a:r>
-              <a:rPr lang="en-US" altLang="ko-KR" sz="1400" b="1" dirty="0"/>
-              <a:t>.</a:t>
-            </a:r>
-          </a:p>
-          <a:p>
             <a:endParaRPr lang="en-US" altLang="ko-KR" sz="1400" b="1" dirty="0"/>
           </a:p>
-          <a:p>
-            <a:r>
-              <a:rPr lang="en-US" altLang="ko-KR" sz="1400" b="1" dirty="0"/>
-              <a:t> - </a:t>
-            </a:r>
-            <a:r>
-              <a:rPr lang="ko-KR" altLang="en-US" sz="1400" b="1" dirty="0"/>
-              <a:t>메모리의 데이터가 날아가더라도 서비스에 장애를 일으키지 않았기에 </a:t>
-            </a:r>
-            <a:r>
-              <a:rPr lang="en-US" altLang="ko-KR" sz="1400" b="1" dirty="0" err="1"/>
-              <a:t>memcached</a:t>
-            </a:r>
-            <a:r>
-              <a:rPr lang="ko-KR" altLang="en-US" sz="1400" b="1" dirty="0"/>
-              <a:t>를 적용</a:t>
-            </a:r>
-            <a:endParaRPr lang="en-US" altLang="ko-KR" sz="1400" b="1" dirty="0"/>
-          </a:p>
-          <a:p>
-            <a:endParaRPr lang="en-US" altLang="ko-KR" sz="1400" b="1" dirty="0"/>
-          </a:p>
-          <a:p>
-            <a:endParaRPr lang="en-US" altLang="ko-KR" sz="1400" b="1" dirty="0"/>
-          </a:p>
         </p:txBody>
       </p:sp>
       <p:sp>
@@ -5816,7 +5835,7 @@
         </p:nvSpPr>
         <p:spPr>
           <a:xfrm>
-            <a:off x="588843" y="733286"/>
+            <a:off x="588843" y="792277"/>
             <a:ext cx="127155" cy="121059"/>
           </a:xfrm>
           <a:prstGeom prst="rect">
@@ -5851,7 +5870,7 @@
         </p:nvSpPr>
         <p:spPr>
           <a:xfrm>
-            <a:off x="722037" y="3583551"/>
+            <a:off x="722037" y="3866713"/>
             <a:ext cx="3662925" cy="369332"/>
           </a:xfrm>
           <a:prstGeom prst="rect">
@@ -5891,8 +5910,8 @@
         </p:nvSpPr>
         <p:spPr>
           <a:xfrm>
-            <a:off x="822371" y="4028309"/>
-            <a:ext cx="11093924" cy="2031325"/>
+            <a:off x="822371" y="4234782"/>
+            <a:ext cx="11093924" cy="1938992"/>
           </a:xfrm>
           <a:prstGeom prst="rect">
             <a:avLst/>
@@ -5930,119 +5949,111 @@
           </a:p>
           <a:p>
             <a:r>
-              <a:rPr lang="en-US" altLang="ko-KR" sz="1400" b="1" dirty="0"/>
+              <a:rPr lang="en-US" altLang="ko-KR" sz="1200" dirty="0"/>
               <a:t>   </a:t>
             </a:r>
             <a:r>
-              <a:rPr lang="ko-KR" altLang="en-US" sz="1400" b="1" dirty="0"/>
+              <a:rPr lang="ko-KR" altLang="en-US" sz="1200" dirty="0"/>
               <a:t>기존 방법 </a:t>
             </a:r>
             <a:r>
-              <a:rPr lang="en-US" altLang="ko-KR" sz="1400" b="1" dirty="0"/>
+              <a:rPr lang="en-US" altLang="ko-KR" sz="1200" dirty="0"/>
               <a:t>: For</a:t>
             </a:r>
             <a:r>
-              <a:rPr lang="ko-KR" altLang="en-US" sz="1400" b="1" dirty="0"/>
+              <a:rPr lang="ko-KR" altLang="en-US" sz="1200" dirty="0"/>
               <a:t>문을 돌며 데이터를 </a:t>
             </a:r>
             <a:r>
-              <a:rPr lang="en-US" altLang="ko-KR" sz="1400" b="1" dirty="0"/>
+              <a:rPr lang="en-US" altLang="ko-KR" sz="1200" dirty="0"/>
               <a:t>row</a:t>
             </a:r>
             <a:r>
-              <a:rPr lang="ko-KR" altLang="en-US" sz="1400" b="1" dirty="0"/>
+              <a:rPr lang="ko-KR" altLang="en-US" sz="1200" dirty="0"/>
               <a:t>별로 받아오는 방식을 사용했고</a:t>
             </a:r>
             <a:r>
-              <a:rPr lang="en-US" altLang="ko-KR" sz="1400" b="1" dirty="0"/>
+              <a:rPr lang="en-US" altLang="ko-KR" sz="1200" dirty="0"/>
               <a:t>, </a:t>
             </a:r>
             <a:r>
-              <a:rPr lang="ko-KR" altLang="en-US" sz="1400" b="1" dirty="0"/>
+              <a:rPr lang="ko-KR" altLang="en-US" sz="1200" dirty="0"/>
               <a:t>이에 따라 </a:t>
             </a:r>
             <a:r>
-              <a:rPr lang="en-US" altLang="ko-KR" sz="1400" b="1" dirty="0"/>
+              <a:rPr lang="en-US" altLang="ko-KR" sz="1200" dirty="0"/>
               <a:t>DB </a:t>
             </a:r>
             <a:r>
-              <a:rPr lang="ko-KR" altLang="en-US" sz="1400" b="1" dirty="0"/>
+              <a:rPr lang="ko-KR" altLang="en-US" sz="1200" dirty="0"/>
               <a:t>커넥션이 많이 발생하여 서버의 부하가 큼</a:t>
             </a:r>
+            <a:endParaRPr lang="en-US" altLang="ko-KR" sz="1200" dirty="0"/>
+          </a:p>
+          <a:p>
+            <a:endParaRPr lang="en-US" altLang="ko-KR" sz="1200" dirty="0"/>
+          </a:p>
+          <a:p>
+            <a:r>
+              <a:rPr lang="en-US" altLang="ko-KR" sz="1200" dirty="0"/>
+              <a:t>   </a:t>
+            </a:r>
+            <a:r>
+              <a:rPr lang="ko-KR" altLang="en-US" sz="1200" dirty="0" err="1"/>
+              <a:t>리팩토링</a:t>
+            </a:r>
+            <a:r>
+              <a:rPr lang="ko-KR" altLang="en-US" sz="1200" dirty="0"/>
+              <a:t> </a:t>
+            </a:r>
+            <a:r>
+              <a:rPr lang="en-US" altLang="ko-KR" sz="1200" dirty="0"/>
+              <a:t>: Stream</a:t>
+            </a:r>
+            <a:r>
+              <a:rPr lang="ko-KR" altLang="en-US" sz="1200" dirty="0"/>
+              <a:t>을 활용하여 필요로 하는 </a:t>
+            </a:r>
+            <a:r>
+              <a:rPr lang="en-US" altLang="ko-KR" sz="1200" dirty="0"/>
+              <a:t>Row</a:t>
+            </a:r>
+            <a:r>
+              <a:rPr lang="ko-KR" altLang="en-US" sz="1200" dirty="0"/>
+              <a:t>의 </a:t>
+            </a:r>
+            <a:r>
+              <a:rPr lang="en-US" altLang="ko-KR" sz="1200" dirty="0"/>
+              <a:t>PK</a:t>
+            </a:r>
+            <a:r>
+              <a:rPr lang="ko-KR" altLang="en-US" sz="1200" dirty="0"/>
+              <a:t>를 리스트로 한 번에 모아 쿼리를 </a:t>
+            </a:r>
+            <a:r>
+              <a:rPr lang="ko-KR" altLang="en-US" sz="1200" dirty="0" err="1"/>
+              <a:t>전송함으로서</a:t>
+            </a:r>
+            <a:r>
+              <a:rPr lang="ko-KR" altLang="en-US" sz="1200" dirty="0"/>
+              <a:t> </a:t>
+            </a:r>
+            <a:r>
+              <a:rPr lang="en-US" altLang="ko-KR" sz="1200" dirty="0"/>
+              <a:t>DB </a:t>
+            </a:r>
+            <a:r>
+              <a:rPr lang="ko-KR" altLang="en-US" sz="1200" dirty="0"/>
+              <a:t>커넥션을 감소시킴</a:t>
+            </a:r>
+            <a:endParaRPr lang="en-US" altLang="ko-KR" sz="1200" dirty="0"/>
+          </a:p>
+          <a:p>
+            <a:endParaRPr lang="en-US" altLang="ko-KR" sz="1400" dirty="0"/>
+          </a:p>
+          <a:p>
             <a:endParaRPr lang="en-US" altLang="ko-KR" sz="1400" b="1" dirty="0"/>
           </a:p>
-          <a:p>
-            <a:endParaRPr lang="en-US" altLang="ko-KR" sz="1400" b="1" dirty="0"/>
-          </a:p>
-          <a:p>
-            <a:r>
-              <a:rPr lang="en-US" altLang="ko-KR" sz="1400" b="1" dirty="0"/>
-              <a:t>   </a:t>
-            </a:r>
-            <a:r>
-              <a:rPr lang="ko-KR" altLang="en-US" sz="1400" b="1" dirty="0" err="1"/>
-              <a:t>리팩토링</a:t>
-            </a:r>
-            <a:r>
-              <a:rPr lang="ko-KR" altLang="en-US" sz="1400" b="1" dirty="0"/>
-              <a:t> </a:t>
-            </a:r>
-            <a:r>
-              <a:rPr lang="en-US" altLang="ko-KR" sz="1400" b="1" dirty="0"/>
-              <a:t>: Stream</a:t>
-            </a:r>
-            <a:r>
-              <a:rPr lang="ko-KR" altLang="en-US" sz="1400" b="1" dirty="0"/>
-              <a:t>을 활용하여 </a:t>
-            </a:r>
-            <a:r>
-              <a:rPr lang="ko-KR" altLang="en-US" sz="1400" b="1" dirty="0" err="1"/>
-              <a:t>필요로하는</a:t>
-            </a:r>
-            <a:r>
-              <a:rPr lang="ko-KR" altLang="en-US" sz="1400" b="1" dirty="0"/>
-              <a:t> </a:t>
-            </a:r>
-            <a:r>
-              <a:rPr lang="en-US" altLang="ko-KR" sz="1400" b="1" dirty="0"/>
-              <a:t>Row</a:t>
-            </a:r>
-            <a:r>
-              <a:rPr lang="ko-KR" altLang="en-US" sz="1400" b="1" dirty="0"/>
-              <a:t>의 </a:t>
-            </a:r>
-            <a:r>
-              <a:rPr lang="en-US" altLang="ko-KR" sz="1400" b="1" dirty="0"/>
-              <a:t>PK</a:t>
-            </a:r>
-            <a:r>
-              <a:rPr lang="ko-KR" altLang="en-US" sz="1400" b="1" dirty="0"/>
-              <a:t>를 리스트로 한 번에 모아 쿼리를 </a:t>
-            </a:r>
-            <a:r>
-              <a:rPr lang="ko-KR" altLang="en-US" sz="1400" b="1" dirty="0" err="1"/>
-              <a:t>전송함으로서</a:t>
-            </a:r>
-            <a:r>
-              <a:rPr lang="ko-KR" altLang="en-US" sz="1400" b="1" dirty="0"/>
-              <a:t> </a:t>
-            </a:r>
-            <a:r>
-              <a:rPr lang="en-US" altLang="ko-KR" sz="1400" b="1" dirty="0"/>
-              <a:t>DB </a:t>
-            </a:r>
-            <a:r>
-              <a:rPr lang="ko-KR" altLang="en-US" sz="1400" b="1" dirty="0"/>
-              <a:t>커넥션을 감소시킴</a:t>
-            </a:r>
-            <a:endParaRPr lang="en-US" altLang="ko-KR" sz="1400" b="1" dirty="0"/>
-          </a:p>
-          <a:p>
-            <a:endParaRPr lang="en-US" altLang="ko-KR" sz="1400" dirty="0"/>
-          </a:p>
-          <a:p>
-            <a:endParaRPr lang="en-US" altLang="ko-KR" sz="1400" b="1" dirty="0"/>
-          </a:p>
         </p:txBody>
       </p:sp>
       <p:sp>
@@ -6059,7 +6070,7 @@
         </p:nvSpPr>
         <p:spPr>
           <a:xfrm>
-            <a:off x="588841" y="3707852"/>
+            <a:off x="588841" y="3991014"/>
             <a:ext cx="127155" cy="121059"/>
           </a:xfrm>
           <a:prstGeom prst="rect">
@@ -6416,7 +6427,7 @@
         <p:spPr>
           <a:xfrm>
             <a:off x="1077259" y="4013017"/>
-            <a:ext cx="4833045" cy="954107"/>
+            <a:ext cx="4833045" cy="738664"/>
           </a:xfrm>
           <a:prstGeom prst="rect">
             <a:avLst/>
@@ -6451,7 +6462,7 @@
             </a:r>
             <a:r>
               <a:rPr lang="en-US" altLang="ko-KR" sz="1400" dirty="0" err="1"/>
-              <a:t>DataJpa</a:t>
+              <a:t>Jpa</a:t>
             </a:r>
             <a:r>
               <a:rPr lang="en-US" altLang="ko-KR" sz="1400" dirty="0"/>
@@ -6466,12 +6477,6 @@
               <a:t>라이브러리</a:t>
             </a:r>
             <a:endParaRPr lang="en-US" altLang="ko-KR" sz="1400" dirty="0"/>
-          </a:p>
-          <a:p>
-            <a:r>
-              <a:rPr lang="en-US" altLang="ko-KR" sz="1400" dirty="0"/>
-              <a:t>- EC2, RDS</a:t>
-            </a:r>
           </a:p>
           <a:p>
             <a:r>
@@ -8741,8 +8746,8 @@
         </p:nvSpPr>
         <p:spPr>
           <a:xfrm>
-            <a:off x="1118522" y="3170713"/>
-            <a:ext cx="2349112" cy="307777"/>
+            <a:off x="1118521" y="3170713"/>
+            <a:ext cx="2769153" cy="307777"/>
           </a:xfrm>
           <a:prstGeom prst="rect">
             <a:avLst/>
@@ -8757,7 +8762,7 @@
           <a:p>
             <a:r>
               <a:rPr lang="en-US" altLang="ko-KR" sz="1400" dirty="0"/>
-              <a:t>2021. 12 ~ 2022. 02</a:t>
+              <a:t>2021. 12. 28 ~ 2022. 02. 28</a:t>
             </a:r>
             <a:endParaRPr lang="ko-KR" altLang="en-US" sz="1400" dirty="0"/>
           </a:p>
@@ -8880,7 +8885,7 @@
             </a:r>
             <a:r>
               <a:rPr lang="en-US" altLang="ko-KR" sz="1400" dirty="0" err="1"/>
-              <a:t>DataJpa</a:t>
+              <a:t>Jpa</a:t>
             </a:r>
             <a:r>
               <a:rPr lang="en-US" altLang="ko-KR" sz="1400" dirty="0"/>
@@ -9086,7 +9091,7 @@
         <p:spPr>
           <a:xfrm>
             <a:off x="7436237" y="4407689"/>
-            <a:ext cx="3507469" cy="1615827"/>
+            <a:ext cx="3507469" cy="1785104"/>
           </a:xfrm>
           <a:prstGeom prst="rect">
             <a:avLst/>
@@ -9109,15 +9114,7 @@
             </a:r>
             <a:r>
               <a:rPr lang="ko-KR" altLang="en-US" sz="1100" dirty="0"/>
-              <a:t>구현</a:t>
-            </a:r>
-            <a:r>
-              <a:rPr lang="en-US" altLang="ko-KR" sz="1100" dirty="0"/>
-              <a:t> </a:t>
-            </a:r>
-            <a:r>
-              <a:rPr lang="ko-KR" altLang="en-US" sz="1100" dirty="0"/>
-              <a:t>및 비즈니스 로직 작성</a:t>
+              <a:t>구현 및 비즈니스 로직 작성</a:t>
             </a:r>
             <a:endParaRPr lang="en-US" altLang="ko-KR" sz="1100" dirty="0"/>
           </a:p>
@@ -9160,7 +9157,7 @@
             </a:r>
             <a:r>
               <a:rPr lang="ko-KR" altLang="en-US" sz="1100" dirty="0"/>
-              <a:t>와의 통신 </a:t>
+              <a:t>와의 통신</a:t>
             </a:r>
             <a:endParaRPr lang="en-US" altLang="ko-KR" sz="1100" dirty="0"/>
           </a:p>
@@ -9173,6 +9170,32 @@
               <a:t>⨀ </a:t>
             </a:r>
             <a:r>
+              <a:rPr lang="en-US" altLang="ko-KR" sz="1100" dirty="0"/>
+              <a:t>CICD</a:t>
+            </a:r>
+            <a:r>
+              <a:rPr lang="ko-KR" altLang="en-US" sz="1100" dirty="0"/>
+              <a:t>와 </a:t>
+            </a:r>
+            <a:r>
+              <a:rPr lang="ko-KR" altLang="en-US" sz="1100" dirty="0" err="1"/>
+              <a:t>무중단</a:t>
+            </a:r>
+            <a:r>
+              <a:rPr lang="ko-KR" altLang="en-US" sz="1100" dirty="0"/>
+              <a:t> 배포 </a:t>
+            </a:r>
+            <a:endParaRPr lang="en-US" altLang="ko-KR" sz="1100" dirty="0"/>
+          </a:p>
+          <a:p>
+            <a:endParaRPr lang="en-US" altLang="ko-KR" sz="1100" dirty="0"/>
+          </a:p>
+          <a:p>
+            <a:r>
+              <a:rPr lang="ko-KR" altLang="en-US" sz="1100" dirty="0"/>
+              <a:t>⨀ </a:t>
+            </a:r>
+            <a:r>
               <a:rPr lang="ko-KR" altLang="en-US" sz="1100" dirty="0" err="1"/>
               <a:t>스웨거를</a:t>
             </a:r>
@@ -9193,29 +9216,6 @@
           <a:p>
             <a:endParaRPr lang="en-US" altLang="ko-KR" sz="1100" dirty="0"/>
           </a:p>
-          <a:p>
-            <a:r>
-              <a:rPr lang="ko-KR" altLang="en-US" sz="1100" dirty="0"/>
-              <a:t>⨀ </a:t>
-            </a:r>
-            <a:r>
-              <a:rPr lang="en-US" altLang="ko-KR" sz="1100" dirty="0"/>
-              <a:t>CICD</a:t>
-            </a:r>
-            <a:r>
-              <a:rPr lang="ko-KR" altLang="en-US" sz="1100" dirty="0"/>
-              <a:t>와 </a:t>
-            </a:r>
-            <a:r>
-              <a:rPr lang="ko-KR" altLang="en-US" sz="1100" dirty="0" err="1"/>
-              <a:t>무중단</a:t>
-            </a:r>
-            <a:r>
-              <a:rPr lang="ko-KR" altLang="en-US" sz="1100" dirty="0"/>
-              <a:t> 배포</a:t>
-            </a:r>
-            <a:endParaRPr lang="en-US" altLang="ko-KR" sz="1100" dirty="0"/>
-          </a:p>
         </p:txBody>
       </p:sp>
       <p:sp>
@@ -9232,7 +9232,7 @@
         </p:nvSpPr>
         <p:spPr>
           <a:xfrm>
-            <a:off x="1018855" y="4176958"/>
+            <a:off x="1018855" y="4194655"/>
             <a:ext cx="5408880" cy="1200329"/>
           </a:xfrm>
           <a:prstGeom prst="rect">
@@ -9273,15 +9273,7 @@
             </a:pPr>
             <a:r>
               <a:rPr lang="ko-KR" altLang="en-US" sz="1200" dirty="0"/>
-              <a:t>매일 </a:t>
-            </a:r>
-            <a:r>
-              <a:rPr lang="en-US" altLang="ko-KR" sz="1200" dirty="0"/>
-              <a:t>9</a:t>
-            </a:r>
-            <a:r>
-              <a:rPr lang="ko-KR" altLang="en-US" sz="1200" dirty="0"/>
-              <a:t>명의 이성을 추천합니다</a:t>
+              <a:t>매일 새로운 이성을 추천합니다</a:t>
             </a:r>
             <a:r>
               <a:rPr lang="en-US" altLang="ko-KR" sz="1200" dirty="0"/>
@@ -11145,8 +11137,8 @@
         </p:nvSpPr>
         <p:spPr>
           <a:xfrm>
-            <a:off x="7095650" y="2338193"/>
-            <a:ext cx="1679390" cy="461665"/>
+            <a:off x="7095650" y="2524459"/>
+            <a:ext cx="1679390" cy="338554"/>
           </a:xfrm>
           <a:prstGeom prst="rect">
             <a:avLst/>
@@ -11162,7 +11154,7 @@
             <a:pPr algn="ctr"/>
             <a:r>
               <a:rPr lang="en-US" altLang="ko-KR" sz="800" dirty="0"/>
-              <a:t>1) </a:t>
+              <a:t> </a:t>
             </a:r>
             <a:r>
               <a:rPr lang="ko-KR" altLang="en-US" sz="800" dirty="0"/>
@@ -11174,31 +11166,7 @@
             <a:pPr algn="ctr"/>
             <a:r>
               <a:rPr lang="ko-KR" altLang="en-US" sz="800" dirty="0"/>
-              <a:t>빌드 및 배포</a:t>
-            </a:r>
-            <a:endParaRPr lang="en-US" altLang="ko-KR" sz="800" dirty="0"/>
-          </a:p>
-          <a:p>
-            <a:pPr algn="ctr"/>
-            <a:r>
-              <a:rPr lang="en-US" altLang="ko-KR" sz="800" dirty="0"/>
-              <a:t>2) Nginx</a:t>
-            </a:r>
-            <a:r>
-              <a:rPr lang="ko-KR" altLang="en-US" sz="800" dirty="0"/>
-              <a:t>의 </a:t>
-            </a:r>
-            <a:r>
-              <a:rPr lang="en-US" altLang="ko-KR" sz="800" dirty="0" err="1"/>
-              <a:t>proxy_pass</a:t>
-            </a:r>
-            <a:r>
-              <a:rPr lang="en-US" altLang="ko-KR" sz="800" dirty="0"/>
-              <a:t> </a:t>
-            </a:r>
-            <a:r>
-              <a:rPr lang="ko-KR" altLang="en-US" sz="800" dirty="0"/>
-              <a:t>변경 </a:t>
+              <a:t>빌드 및 배포 </a:t>
             </a:r>
           </a:p>
         </p:txBody>
@@ -11400,7 +11368,7 @@
         </p:nvSpPr>
         <p:spPr>
           <a:xfrm>
-            <a:off x="7082783" y="2498800"/>
+            <a:off x="7192851" y="2566536"/>
             <a:ext cx="143826" cy="156146"/>
           </a:xfrm>
           <a:prstGeom prst="ellipse">
@@ -11603,8 +11571,8 @@
         </p:nvSpPr>
         <p:spPr>
           <a:xfrm>
-            <a:off x="435378" y="1601881"/>
-            <a:ext cx="5195760" cy="784830"/>
+            <a:off x="435378" y="1551081"/>
+            <a:ext cx="5195760" cy="1200329"/>
           </a:xfrm>
           <a:prstGeom prst="rect">
             <a:avLst/>
@@ -11623,9 +11591,13 @@
             <a:endParaRPr lang="en-US" altLang="ko-KR" sz="1200" dirty="0"/>
           </a:p>
           <a:p>
-            <a:r>
-              <a:rPr lang="en-US" altLang="ko-KR" sz="1200" dirty="0"/>
-              <a:t>- ‘</a:t>
+            <a:pPr marL="171450" indent="-171450">
+              <a:buFontTx/>
+              <a:buChar char="-"/>
+            </a:pPr>
+            <a:r>
+              <a:rPr lang="en-US" altLang="ko-KR" sz="1200" dirty="0"/>
+              <a:t>‘</a:t>
             </a:r>
             <a:r>
               <a:rPr lang="ko-KR" altLang="en-US" sz="1200" dirty="0"/>
@@ -11645,6 +11617,33 @@
             </a:r>
           </a:p>
           <a:p>
+            <a:pPr marL="171450" indent="-171450">
+              <a:buFontTx/>
+              <a:buChar char="-"/>
+            </a:pPr>
+            <a:endParaRPr lang="en-US" altLang="ko-KR" sz="1200" dirty="0"/>
+          </a:p>
+          <a:p>
+            <a:pPr marL="171450" indent="-171450">
+              <a:buFontTx/>
+              <a:buChar char="-"/>
+            </a:pPr>
+            <a:r>
+              <a:rPr lang="ko-KR" altLang="en-US" sz="1200" dirty="0"/>
+              <a:t>서비스의 비즈니스 로직 대부분은 아는 사람 피하기 기능과 관련되어 동작합니다</a:t>
+            </a:r>
+            <a:r>
+              <a:rPr lang="en-US" altLang="ko-KR" sz="1200" dirty="0"/>
+              <a:t>. </a:t>
+            </a:r>
+            <a:r>
+              <a:rPr lang="ko-KR" altLang="en-US" sz="1200" dirty="0"/>
+              <a:t>따라서 속도를 빠르게 하기 위한 설계를 하였습니다</a:t>
+            </a:r>
+            <a:r>
+              <a:rPr lang="en-US" altLang="ko-KR" sz="1200" dirty="0"/>
+              <a:t>.</a:t>
+            </a:r>
             <a:endParaRPr lang="en-US" altLang="ko-KR" sz="900" dirty="0"/>
           </a:p>
         </p:txBody>
@@ -11663,7 +11662,7 @@
         </p:nvSpPr>
         <p:spPr>
           <a:xfrm>
-            <a:off x="435378" y="2858286"/>
+            <a:off x="435378" y="3321836"/>
             <a:ext cx="5036478" cy="3416320"/>
           </a:xfrm>
           <a:prstGeom prst="rect">
@@ -11690,19 +11689,19 @@
           </a:p>
           <a:p>
             <a:r>
-              <a:rPr lang="ko-KR" altLang="en-US" sz="1200" dirty="0"/>
+              <a:rPr lang="ko-KR" altLang="en-US" sz="1400" b="1" dirty="0"/>
               <a:t>⨀ 시나리오 예시 </a:t>
             </a:r>
             <a:r>
-              <a:rPr lang="en-US" altLang="ko-KR" sz="1200" dirty="0"/>
+              <a:rPr lang="en-US" altLang="ko-KR" sz="1400" b="1" dirty="0"/>
               <a:t>(</a:t>
             </a:r>
             <a:r>
-              <a:rPr lang="ko-KR" altLang="en-US" sz="1200" dirty="0"/>
+              <a:rPr lang="ko-KR" altLang="en-US" sz="1400" b="1" dirty="0"/>
               <a:t>순서</a:t>
             </a:r>
             <a:r>
-              <a:rPr lang="en-US" altLang="ko-KR" sz="1200" dirty="0"/>
+              <a:rPr lang="en-US" altLang="ko-KR" sz="1400" b="1" dirty="0"/>
               <a:t>)</a:t>
             </a:r>
           </a:p>
@@ -11857,7 +11856,7 @@
             </a:r>
             <a:r>
               <a:rPr lang="ko-KR" altLang="en-US" sz="1200" dirty="0"/>
-              <a:t>는 여전히 아는 사람을 피하기 기능을 사용하고 있고</a:t>
+              <a:t>는 여전히 아는 사람 피하기 기능을 사용하고 있고</a:t>
             </a:r>
             <a:r>
               <a:rPr lang="en-US" altLang="ko-KR" sz="1200" dirty="0"/>
@@ -11945,375 +11944,6 @@
       </p:cxnSp>
       <p:sp>
         <p:nvSpPr>
-          <p:cNvPr id="18" name="TextBox 17">
-            <a:extLst>
-              <a:ext uri="{FF2B5EF4-FFF2-40B4-BE49-F238E27FC236}">
-                <a16:creationId xmlns:a16="http://schemas.microsoft.com/office/drawing/2014/main" id="{D6894E1F-8DA6-41ED-9ADD-13B134F3F6E1}"/>
-              </a:ext>
-            </a:extLst>
-          </p:cNvPr>
-          <p:cNvSpPr txBox="1"/>
-          <p:nvPr/>
-        </p:nvSpPr>
-        <p:spPr>
-          <a:xfrm>
-            <a:off x="6288548" y="317047"/>
-            <a:ext cx="5940080" cy="4401205"/>
-          </a:xfrm>
-          <a:prstGeom prst="rect">
-            <a:avLst/>
-          </a:prstGeom>
-          <a:noFill/>
-        </p:spPr>
-        <p:txBody>
-          <a:bodyPr wrap="square" rtlCol="0">
-            <a:spAutoFit/>
-          </a:bodyPr>
-          <a:lstStyle/>
-          <a:p>
-            <a:endParaRPr lang="en-US" altLang="ko-KR" sz="1200" b="1" dirty="0"/>
-          </a:p>
-          <a:p>
-            <a:r>
-              <a:rPr lang="en-US" altLang="ko-KR" sz="1200" dirty="0"/>
-              <a:t> </a:t>
-            </a:r>
-          </a:p>
-          <a:p>
-            <a:pPr marL="228600" indent="-228600">
-              <a:buAutoNum type="arabicParenR"/>
-            </a:pPr>
-            <a:r>
-              <a:rPr lang="en-US" altLang="ko-KR" sz="1200" b="1" dirty="0"/>
-              <a:t>User </a:t>
-            </a:r>
-            <a:r>
-              <a:rPr lang="ko-KR" altLang="en-US" sz="1200" b="1" dirty="0"/>
-              <a:t>테이블에 기능 사용 여부 컬럼 추가</a:t>
-            </a:r>
-            <a:endParaRPr lang="en-US" altLang="ko-KR" sz="1200" b="1" dirty="0"/>
-          </a:p>
-          <a:p>
-            <a:pPr marL="228600" indent="-228600">
-              <a:buAutoNum type="arabicParenR"/>
-            </a:pPr>
-            <a:endParaRPr lang="en-US" altLang="ko-KR" sz="1200" dirty="0"/>
-          </a:p>
-          <a:p>
-            <a:r>
-              <a:rPr lang="en-US" altLang="ko-KR" sz="1200" dirty="0"/>
-              <a:t> - ‘</a:t>
-            </a:r>
-            <a:r>
-              <a:rPr lang="ko-KR" altLang="en-US" sz="1200" dirty="0"/>
-              <a:t>아는 사람 피하기 기능</a:t>
-            </a:r>
-            <a:r>
-              <a:rPr lang="en-US" altLang="ko-KR" sz="1200" dirty="0"/>
-              <a:t>’</a:t>
-            </a:r>
-            <a:r>
-              <a:rPr lang="ko-KR" altLang="en-US" sz="1200" dirty="0"/>
-              <a:t> 사용 여부를 알려주는 컬럼이 추가됩니다</a:t>
-            </a:r>
-            <a:r>
-              <a:rPr lang="en-US" altLang="ko-KR" sz="1200" dirty="0"/>
-              <a:t>.</a:t>
-            </a:r>
-          </a:p>
-          <a:p>
-            <a:endParaRPr lang="en-US" altLang="ko-KR" sz="1000" dirty="0"/>
-          </a:p>
-          <a:p>
-            <a:endParaRPr lang="en-US" altLang="ko-KR" sz="1000" dirty="0"/>
-          </a:p>
-          <a:p>
-            <a:endParaRPr lang="en-US" altLang="ko-KR" sz="1200" dirty="0"/>
-          </a:p>
-          <a:p>
-            <a:r>
-              <a:rPr lang="en-US" altLang="ko-KR" sz="1200" b="1" dirty="0"/>
-              <a:t>2) </a:t>
-            </a:r>
-            <a:r>
-              <a:rPr lang="en-US" altLang="ko-KR" sz="1200" b="1" dirty="0" err="1"/>
-              <a:t>AcquaintancePhoneNumber</a:t>
-            </a:r>
-            <a:r>
-              <a:rPr lang="en-US" altLang="ko-KR" sz="1200" b="1" dirty="0"/>
-              <a:t> </a:t>
-            </a:r>
-            <a:r>
-              <a:rPr lang="ko-KR" altLang="en-US" sz="1200" b="1" dirty="0"/>
-              <a:t>테이블</a:t>
-            </a:r>
-            <a:endParaRPr lang="en-US" altLang="ko-KR" sz="1200" b="1" dirty="0"/>
-          </a:p>
-          <a:p>
-            <a:endParaRPr lang="en-US" altLang="ko-KR" sz="1200" dirty="0"/>
-          </a:p>
-          <a:p>
-            <a:r>
-              <a:rPr lang="en-US" altLang="ko-KR" sz="1200" dirty="0"/>
-              <a:t> - user</a:t>
-            </a:r>
-            <a:r>
-              <a:rPr lang="ko-KR" altLang="en-US" sz="1200" dirty="0"/>
-              <a:t> 핸드폰에 등록된 번호 목록을 저장하는 테이블입니다</a:t>
-            </a:r>
-            <a:r>
-              <a:rPr lang="en-US" altLang="ko-KR" sz="1200" dirty="0"/>
-              <a:t>.</a:t>
-            </a:r>
-          </a:p>
-          <a:p>
-            <a:endParaRPr lang="en-US" altLang="ko-KR" sz="1200" dirty="0"/>
-          </a:p>
-          <a:p>
-            <a:r>
-              <a:rPr lang="en-US" altLang="ko-KR" sz="1200" dirty="0"/>
-              <a:t> - user</a:t>
-            </a:r>
-            <a:r>
-              <a:rPr lang="ko-KR" altLang="en-US" sz="1200" dirty="0"/>
-              <a:t> 테이블과 </a:t>
-            </a:r>
-            <a:r>
-              <a:rPr lang="en-US" altLang="ko-KR" sz="1200" dirty="0"/>
-              <a:t>N:1 </a:t>
-            </a:r>
-            <a:r>
-              <a:rPr lang="ko-KR" altLang="en-US" sz="1200" dirty="0"/>
-              <a:t>관계입니다</a:t>
-            </a:r>
-            <a:r>
-              <a:rPr lang="en-US" altLang="ko-KR" sz="1200" dirty="0"/>
-              <a:t>.</a:t>
-            </a:r>
-            <a:endParaRPr lang="en-US" altLang="ko-KR" sz="1000" dirty="0"/>
-          </a:p>
-          <a:p>
-            <a:endParaRPr lang="en-US" altLang="ko-KR" sz="1000" dirty="0"/>
-          </a:p>
-          <a:p>
-            <a:pPr marL="171450" indent="-171450">
-              <a:buFontTx/>
-              <a:buChar char="-"/>
-            </a:pPr>
-            <a:endParaRPr lang="en-US" altLang="ko-KR" sz="1200" b="1" dirty="0"/>
-          </a:p>
-          <a:p>
-            <a:r>
-              <a:rPr lang="en-US" altLang="ko-KR" sz="1200" b="1" dirty="0"/>
-              <a:t>3) </a:t>
-            </a:r>
-            <a:r>
-              <a:rPr lang="en-US" altLang="ko-KR" sz="1200" b="1" dirty="0" err="1"/>
-              <a:t>AcquaintanceRelation</a:t>
-            </a:r>
-            <a:r>
-              <a:rPr lang="en-US" altLang="ko-KR" sz="1200" b="1" dirty="0"/>
-              <a:t> </a:t>
-            </a:r>
-            <a:r>
-              <a:rPr lang="ko-KR" altLang="en-US" sz="1200" b="1" dirty="0"/>
-              <a:t>테이블</a:t>
-            </a:r>
-            <a:endParaRPr lang="en-US" altLang="ko-KR" sz="1200" b="1" dirty="0"/>
-          </a:p>
-          <a:p>
-            <a:endParaRPr lang="en-US" altLang="ko-KR" sz="1200" dirty="0"/>
-          </a:p>
-          <a:p>
-            <a:r>
-              <a:rPr lang="en-US" altLang="ko-KR" sz="1200" dirty="0"/>
-              <a:t> - </a:t>
-            </a:r>
-            <a:r>
-              <a:rPr lang="ko-KR" altLang="en-US" sz="1200" dirty="0"/>
-              <a:t>아는 사람 관계를 미리 저장하여 로직 수행 시간을 단축하기 위한 테이블입니다</a:t>
-            </a:r>
-            <a:r>
-              <a:rPr lang="en-US" altLang="ko-KR" sz="1200" dirty="0"/>
-              <a:t>.</a:t>
-            </a:r>
-          </a:p>
-          <a:p>
-            <a:endParaRPr lang="en-US" altLang="ko-KR" sz="1200" dirty="0"/>
-          </a:p>
-          <a:p>
-            <a:r>
-              <a:rPr lang="en-US" altLang="ko-KR" sz="1200" dirty="0"/>
-              <a:t> - </a:t>
-            </a:r>
-            <a:r>
-              <a:rPr lang="ko-KR" altLang="en-US" sz="1200" dirty="0"/>
-              <a:t>두 </a:t>
-            </a:r>
-            <a:r>
-              <a:rPr lang="en-US" altLang="ko-KR" sz="1200" dirty="0"/>
-              <a:t>user</a:t>
-            </a:r>
-            <a:r>
-              <a:rPr lang="ko-KR" altLang="en-US" sz="1200" dirty="0"/>
-              <a:t>가 아는 사이임을 나타냅니다</a:t>
-            </a:r>
-            <a:r>
-              <a:rPr lang="en-US" altLang="ko-KR" sz="1200" dirty="0"/>
-              <a:t>.</a:t>
-            </a:r>
-          </a:p>
-          <a:p>
-            <a:endParaRPr lang="en-US" altLang="ko-KR" sz="1200" dirty="0"/>
-          </a:p>
-          <a:p>
-            <a:r>
-              <a:rPr lang="en-US" altLang="ko-KR" sz="1200" dirty="0"/>
-              <a:t> - user </a:t>
-            </a:r>
-            <a:r>
-              <a:rPr lang="ko-KR" altLang="en-US" sz="1200" dirty="0"/>
-              <a:t>대 </a:t>
-            </a:r>
-            <a:r>
-              <a:rPr lang="en-US" altLang="ko-KR" sz="1200" dirty="0"/>
-              <a:t>user </a:t>
-            </a:r>
-            <a:r>
-              <a:rPr lang="ko-KR" altLang="en-US" sz="1200" dirty="0"/>
-              <a:t>의 </a:t>
-            </a:r>
-            <a:r>
-              <a:rPr lang="en-US" altLang="ko-KR" sz="1200" dirty="0"/>
-              <a:t>N:N </a:t>
-            </a:r>
-            <a:r>
-              <a:rPr lang="ko-KR" altLang="en-US" sz="1200" dirty="0"/>
-              <a:t>관계를 풀어냈습니다</a:t>
-            </a:r>
-            <a:r>
-              <a:rPr lang="en-US" altLang="ko-KR" sz="1200" dirty="0"/>
-              <a:t>.</a:t>
-            </a:r>
-          </a:p>
-          <a:p>
-            <a:pPr marL="228600" indent="-228600">
-              <a:buAutoNum type="arabicParenR"/>
-            </a:pPr>
-            <a:endParaRPr lang="en-US" altLang="ko-KR" sz="1200" dirty="0"/>
-          </a:p>
-        </p:txBody>
-      </p:sp>
-      <p:pic>
-        <p:nvPicPr>
-          <p:cNvPr id="4" name="그림 3">
-            <a:extLst>
-              <a:ext uri="{FF2B5EF4-FFF2-40B4-BE49-F238E27FC236}">
-                <a16:creationId xmlns:a16="http://schemas.microsoft.com/office/drawing/2014/main" id="{25F784CE-BE7D-42F3-8CCC-9BEEE70BAA23}"/>
-              </a:ext>
-            </a:extLst>
-          </p:cNvPr>
-          <p:cNvPicPr>
-            <a:picLocks noChangeAspect="1"/>
-          </p:cNvPicPr>
-          <p:nvPr/>
-        </p:nvPicPr>
-        <p:blipFill>
-          <a:blip r:embed="rId3">
-            <a:extLst>
-              <a:ext uri="{28A0092B-C50C-407E-A947-70E740481C1C}">
-                <a14:useLocalDpi xmlns:a14="http://schemas.microsoft.com/office/drawing/2010/main" val="0"/>
-              </a:ext>
-            </a:extLst>
-          </a:blip>
-          <a:stretch>
-            <a:fillRect/>
-          </a:stretch>
-        </p:blipFill>
-        <p:spPr>
-          <a:xfrm>
-            <a:off x="6377542" y="5248228"/>
-            <a:ext cx="5390185" cy="1477065"/>
-          </a:xfrm>
-          <a:prstGeom prst="rect">
-            <a:avLst/>
-          </a:prstGeom>
-        </p:spPr>
-      </p:pic>
-      <p:sp>
-        <p:nvSpPr>
-          <p:cNvPr id="22" name="TextBox 21">
-            <a:extLst>
-              <a:ext uri="{FF2B5EF4-FFF2-40B4-BE49-F238E27FC236}">
-                <a16:creationId xmlns:a16="http://schemas.microsoft.com/office/drawing/2014/main" id="{BCD0B254-7476-4EA5-8E9A-9DA1626DAF47}"/>
-              </a:ext>
-            </a:extLst>
-          </p:cNvPr>
-          <p:cNvSpPr txBox="1"/>
-          <p:nvPr/>
-        </p:nvSpPr>
-        <p:spPr>
-          <a:xfrm>
-            <a:off x="6171668" y="4804991"/>
-            <a:ext cx="2901783" cy="276999"/>
-          </a:xfrm>
-          <a:prstGeom prst="rect">
-            <a:avLst/>
-          </a:prstGeom>
-          <a:noFill/>
-        </p:spPr>
-        <p:txBody>
-          <a:bodyPr wrap="square" rtlCol="0">
-            <a:spAutoFit/>
-          </a:bodyPr>
-          <a:lstStyle/>
-          <a:p>
-            <a:r>
-              <a:rPr lang="ko-KR" altLang="en-US" sz="1200" dirty="0"/>
-              <a:t>⨀ 데이터 베이스 예시</a:t>
-            </a:r>
-            <a:endParaRPr lang="en-US" altLang="ko-KR" sz="1200" dirty="0"/>
-          </a:p>
-        </p:txBody>
-      </p:sp>
-      <p:sp>
-        <p:nvSpPr>
-          <p:cNvPr id="24" name="TextBox 23">
-            <a:extLst>
-              <a:ext uri="{FF2B5EF4-FFF2-40B4-BE49-F238E27FC236}">
-                <a16:creationId xmlns:a16="http://schemas.microsoft.com/office/drawing/2014/main" id="{7CF35CA0-340C-4E09-A591-4F9454FE3B47}"/>
-              </a:ext>
-            </a:extLst>
-          </p:cNvPr>
-          <p:cNvSpPr txBox="1"/>
-          <p:nvPr/>
-        </p:nvSpPr>
-        <p:spPr>
-          <a:xfrm>
-            <a:off x="6171668" y="219452"/>
-            <a:ext cx="5195760" cy="276999"/>
-          </a:xfrm>
-          <a:prstGeom prst="rect">
-            <a:avLst/>
-          </a:prstGeom>
-          <a:noFill/>
-        </p:spPr>
-        <p:txBody>
-          <a:bodyPr wrap="square" rtlCol="0">
-            <a:spAutoFit/>
-          </a:bodyPr>
-          <a:lstStyle/>
-          <a:p>
-            <a:r>
-              <a:rPr lang="ko-KR" altLang="en-US" sz="1200" dirty="0"/>
-              <a:t>⨀ 데이터 베이스 설계 </a:t>
-            </a:r>
-            <a:endParaRPr lang="en-US" altLang="ko-KR" sz="1200" dirty="0"/>
-          </a:p>
-        </p:txBody>
-      </p:sp>
-      <p:sp>
-        <p:nvSpPr>
           <p:cNvPr id="14" name="TextBox 13">
             <a:extLst>
               <a:ext uri="{FF2B5EF4-FFF2-40B4-BE49-F238E27FC236}">
@@ -12348,7 +11978,7 @@
           <a:p>
             <a:r>
               <a:rPr lang="en-US" altLang="ko-KR" sz="1200" dirty="0"/>
-              <a:t>- </a:t>
+              <a:t>-  </a:t>
             </a:r>
             <a:r>
               <a:rPr lang="ko-KR" altLang="en-US" sz="1200" dirty="0"/>
@@ -12359,6 +11989,138 @@
               <a:t>.</a:t>
             </a:r>
             <a:endParaRPr lang="en-US" altLang="ko-KR" sz="900" dirty="0"/>
+          </a:p>
+        </p:txBody>
+      </p:sp>
+      <p:sp>
+        <p:nvSpPr>
+          <p:cNvPr id="15" name="TextBox 14">
+            <a:extLst>
+              <a:ext uri="{FF2B5EF4-FFF2-40B4-BE49-F238E27FC236}">
+                <a16:creationId xmlns:a16="http://schemas.microsoft.com/office/drawing/2014/main" id="{80BD43C3-1CD3-4330-9988-8A3864288A65}"/>
+              </a:ext>
+            </a:extLst>
+          </p:cNvPr>
+          <p:cNvSpPr txBox="1"/>
+          <p:nvPr/>
+        </p:nvSpPr>
+        <p:spPr>
+          <a:xfrm>
+            <a:off x="6384654" y="917078"/>
+            <a:ext cx="5573924" cy="2339102"/>
+          </a:xfrm>
+          <a:prstGeom prst="rect">
+            <a:avLst/>
+          </a:prstGeom>
+          <a:noFill/>
+        </p:spPr>
+        <p:txBody>
+          <a:bodyPr wrap="square" rtlCol="0">
+            <a:spAutoFit/>
+          </a:bodyPr>
+          <a:lstStyle/>
+          <a:p>
+            <a:r>
+              <a:rPr lang="ko-KR" altLang="en-US" sz="1200" dirty="0"/>
+              <a:t> </a:t>
+            </a:r>
+            <a:endParaRPr lang="en-US" altLang="ko-KR" sz="1200" dirty="0"/>
+          </a:p>
+          <a:p>
+            <a:r>
+              <a:rPr lang="ko-KR" altLang="en-US" sz="1400" b="1" dirty="0"/>
+              <a:t>⨀ 지인 등록</a:t>
+            </a:r>
+            <a:endParaRPr lang="en-US" altLang="ko-KR" sz="1400" b="1" dirty="0"/>
+          </a:p>
+          <a:p>
+            <a:endParaRPr lang="en-US" altLang="ko-KR" sz="1200" dirty="0"/>
+          </a:p>
+          <a:p>
+            <a:r>
+              <a:rPr lang="ko-KR" altLang="en-US" sz="1200" dirty="0"/>
+              <a:t>지인 등록은 두가지 상황에서 동작합니다</a:t>
+            </a:r>
+            <a:r>
+              <a:rPr lang="en-US" altLang="ko-KR" sz="1200" dirty="0"/>
+              <a:t>.</a:t>
+            </a:r>
+          </a:p>
+          <a:p>
+            <a:endParaRPr lang="en-US" altLang="ko-KR" sz="1200" dirty="0"/>
+          </a:p>
+          <a:p>
+            <a:r>
+              <a:rPr lang="ko-KR" altLang="en-US" sz="1200" dirty="0"/>
+              <a:t>  </a:t>
+            </a:r>
+            <a:r>
+              <a:rPr lang="en-US" altLang="ko-KR" sz="1200" dirty="0"/>
+              <a:t>1)</a:t>
+            </a:r>
+            <a:r>
+              <a:rPr lang="ko-KR" altLang="en-US" sz="1200" dirty="0"/>
+              <a:t> 이미 가입한 유저가 아는 사람 피하기 기능을 요청할 때</a:t>
+            </a:r>
+            <a:endParaRPr lang="en-US" altLang="ko-KR" sz="1200" dirty="0"/>
+          </a:p>
+          <a:p>
+            <a:r>
+              <a:rPr lang="en-US" altLang="ko-KR" sz="1200" dirty="0"/>
+              <a:t>  2) </a:t>
+            </a:r>
+            <a:r>
+              <a:rPr lang="ko-KR" altLang="en-US" sz="1200" dirty="0"/>
+              <a:t>새로운 유저가 가입할 때</a:t>
+            </a:r>
+            <a:endParaRPr lang="en-US" altLang="ko-KR" sz="1200" dirty="0"/>
+          </a:p>
+          <a:p>
+            <a:endParaRPr lang="en-US" altLang="ko-KR" sz="1200" dirty="0"/>
+          </a:p>
+          <a:p>
+            <a:r>
+              <a:rPr lang="en-US" altLang="ko-KR" sz="1200" dirty="0"/>
+              <a:t>1</a:t>
+            </a:r>
+            <a:r>
+              <a:rPr lang="ko-KR" altLang="en-US" sz="1200" dirty="0"/>
+              <a:t>번 상황에서 지인의 번호 목록을 통해 기존에 가입한 지인들을 파악하고</a:t>
+            </a:r>
+            <a:r>
+              <a:rPr lang="en-US" altLang="ko-KR" sz="1200" dirty="0"/>
+              <a:t>,</a:t>
+            </a:r>
+          </a:p>
+          <a:p>
+            <a:r>
+              <a:rPr lang="en-US" altLang="ko-KR" sz="1200" dirty="0"/>
+              <a:t>2</a:t>
+            </a:r>
+            <a:r>
+              <a:rPr lang="ko-KR" altLang="en-US" sz="1200" dirty="0"/>
+              <a:t>번 상황마다 미리 </a:t>
+            </a:r>
+            <a:r>
+              <a:rPr lang="ko-KR" altLang="en-US" sz="1200" dirty="0" err="1"/>
+              <a:t>등록해놓은</a:t>
+            </a:r>
+            <a:r>
+              <a:rPr lang="ko-KR" altLang="en-US" sz="1200" dirty="0"/>
+              <a:t> 번호를 이용하여 지인 여부를 판단한다면 모든 상황을 대처할 수 있습니다</a:t>
+            </a:r>
+            <a:r>
+              <a:rPr lang="en-US" altLang="ko-KR" sz="1200" dirty="0"/>
+              <a:t>.</a:t>
+            </a:r>
+            <a:r>
+              <a:rPr lang="ko-KR" altLang="en-US" sz="1200" dirty="0"/>
+              <a:t> </a:t>
+            </a:r>
+            <a:endParaRPr lang="en-US" altLang="ko-KR" sz="1200" dirty="0"/>
+          </a:p>
+          <a:p>
+            <a:endParaRPr lang="en-US" altLang="ko-KR" sz="1200" b="1" dirty="0"/>
           </a:p>
         </p:txBody>
       </p:sp>
@@ -12406,7 +12168,7 @@
         </p:nvSpPr>
         <p:spPr>
           <a:xfrm>
-            <a:off x="341245" y="248258"/>
+            <a:off x="412139" y="505969"/>
             <a:ext cx="2901783" cy="369332"/>
           </a:xfrm>
           <a:prstGeom prst="rect">
@@ -12442,7 +12204,7 @@
         </p:nvSpPr>
         <p:spPr>
           <a:xfrm>
-            <a:off x="208048" y="372559"/>
+            <a:off x="272629" y="624370"/>
             <a:ext cx="139510" cy="121059"/>
           </a:xfrm>
           <a:prstGeom prst="rect">
@@ -12465,10 +12227,10 @@
       </p:sp>
       <p:sp>
         <p:nvSpPr>
-          <p:cNvPr id="138" name="TextBox 137">
-            <a:extLst>
-              <a:ext uri="{FF2B5EF4-FFF2-40B4-BE49-F238E27FC236}">
-                <a16:creationId xmlns:a16="http://schemas.microsoft.com/office/drawing/2014/main" id="{1102772D-1A8B-4FBE-9DE2-A45A8749E250}"/>
+          <p:cNvPr id="11" name="TextBox 10">
+            <a:extLst>
+              <a:ext uri="{FF2B5EF4-FFF2-40B4-BE49-F238E27FC236}">
+                <a16:creationId xmlns:a16="http://schemas.microsoft.com/office/drawing/2014/main" id="{C497C965-BC1A-49A6-8774-FBD81A10BD17}"/>
               </a:ext>
             </a:extLst>
           </p:cNvPr>
@@ -12477,8 +12239,8 @@
         </p:nvSpPr>
         <p:spPr>
           <a:xfrm>
-            <a:off x="244896" y="736677"/>
-            <a:ext cx="5190460" cy="5632311"/>
+            <a:off x="568218" y="1594041"/>
+            <a:ext cx="4771629" cy="600164"/>
           </a:xfrm>
           <a:prstGeom prst="rect">
             <a:avLst/>
@@ -12491,108 +12253,71 @@
           </a:bodyPr>
           <a:lstStyle/>
           <a:p>
-            <a:r>
-              <a:rPr lang="ko-KR" altLang="en-US" sz="1200" dirty="0"/>
+            <a:endParaRPr lang="en-US" altLang="ko-KR" sz="1200" dirty="0"/>
+          </a:p>
+          <a:p>
+            <a:endParaRPr lang="en-US" altLang="ko-KR" sz="900" dirty="0"/>
+          </a:p>
+          <a:p>
+            <a:pPr marL="228600" indent="-228600">
+              <a:buAutoNum type="arabicPeriod"/>
+            </a:pPr>
+            <a:endParaRPr lang="en-US" altLang="ko-KR" sz="1200" dirty="0"/>
+          </a:p>
+        </p:txBody>
+      </p:sp>
+      <p:sp>
+        <p:nvSpPr>
+          <p:cNvPr id="18" name="TextBox 17">
+            <a:extLst>
+              <a:ext uri="{FF2B5EF4-FFF2-40B4-BE49-F238E27FC236}">
+                <a16:creationId xmlns:a16="http://schemas.microsoft.com/office/drawing/2014/main" id="{D6894E1F-8DA6-41ED-9ADD-13B134F3F6E1}"/>
+              </a:ext>
+            </a:extLst>
+          </p:cNvPr>
+          <p:cNvSpPr txBox="1"/>
+          <p:nvPr/>
+        </p:nvSpPr>
+        <p:spPr>
+          <a:xfrm>
+            <a:off x="537270" y="1511543"/>
+            <a:ext cx="5848223" cy="4616648"/>
+          </a:xfrm>
+          <a:prstGeom prst="rect">
+            <a:avLst/>
+          </a:prstGeom>
+          <a:noFill/>
+        </p:spPr>
+        <p:txBody>
+          <a:bodyPr wrap="square" rtlCol="0">
+            <a:spAutoFit/>
+          </a:bodyPr>
+          <a:lstStyle/>
+          <a:p>
+            <a:endParaRPr lang="en-US" altLang="ko-KR" sz="1200" b="1" dirty="0"/>
+          </a:p>
+          <a:p>
+            <a:r>
+              <a:rPr lang="en-US" altLang="ko-KR" sz="1200" dirty="0"/>
               <a:t> </a:t>
             </a:r>
+          </a:p>
+          <a:p>
             <a:endParaRPr lang="en-US" altLang="ko-KR" sz="1200" dirty="0"/>
           </a:p>
           <a:p>
-            <a:endParaRPr lang="en-US" altLang="ko-KR" sz="1200" dirty="0"/>
-          </a:p>
-          <a:p>
-            <a:r>
-              <a:rPr lang="ko-KR" altLang="en-US" sz="1200" dirty="0"/>
-              <a:t>지인 등록은 두가지 상황에서 동작합니다</a:t>
-            </a:r>
-            <a:r>
-              <a:rPr lang="en-US" altLang="ko-KR" sz="1200" dirty="0"/>
-              <a:t>.</a:t>
-            </a:r>
-          </a:p>
-          <a:p>
-            <a:endParaRPr lang="en-US" altLang="ko-KR" sz="1200" dirty="0"/>
-          </a:p>
-          <a:p>
-            <a:r>
-              <a:rPr lang="ko-KR" altLang="en-US" sz="1200" dirty="0"/>
-              <a:t>  </a:t>
-            </a:r>
-            <a:r>
-              <a:rPr lang="en-US" altLang="ko-KR" sz="1200" dirty="0"/>
-              <a:t>1)</a:t>
-            </a:r>
-            <a:r>
-              <a:rPr lang="ko-KR" altLang="en-US" sz="1200" dirty="0"/>
-              <a:t> 이미 가입한 유저가 아는 사람 피하기 기능을 요청할 때</a:t>
-            </a:r>
-            <a:endParaRPr lang="en-US" altLang="ko-KR" sz="1200" dirty="0"/>
-          </a:p>
-          <a:p>
-            <a:r>
-              <a:rPr lang="en-US" altLang="ko-KR" sz="1200" dirty="0"/>
-              <a:t>  2) </a:t>
-            </a:r>
-            <a:r>
-              <a:rPr lang="ko-KR" altLang="en-US" sz="1200" dirty="0"/>
-              <a:t>새로운 유저가 가입할 때</a:t>
-            </a:r>
-            <a:endParaRPr lang="en-US" altLang="ko-KR" sz="1200" dirty="0"/>
-          </a:p>
-          <a:p>
-            <a:endParaRPr lang="en-US" altLang="ko-KR" sz="1200" dirty="0"/>
-          </a:p>
-          <a:p>
-            <a:r>
-              <a:rPr lang="en-US" altLang="ko-KR" sz="1200" dirty="0"/>
-              <a:t>1</a:t>
-            </a:r>
-            <a:r>
-              <a:rPr lang="ko-KR" altLang="en-US" sz="1200" dirty="0"/>
-              <a:t>번 상황에서 지인의 번호를 모두 받은 후 이미 </a:t>
-            </a:r>
-            <a:r>
-              <a:rPr lang="ko-KR" altLang="en-US" sz="1200" dirty="0" err="1"/>
-              <a:t>가입되어있는</a:t>
-            </a:r>
-            <a:r>
-              <a:rPr lang="ko-KR" altLang="en-US" sz="1200" dirty="0"/>
-              <a:t> 지인들을 피하고</a:t>
-            </a:r>
-            <a:r>
-              <a:rPr lang="en-US" altLang="ko-KR" sz="1200" dirty="0"/>
-              <a:t>,</a:t>
-            </a:r>
-          </a:p>
-          <a:p>
-            <a:r>
-              <a:rPr lang="en-US" altLang="ko-KR" sz="1200" dirty="0"/>
-              <a:t>2</a:t>
-            </a:r>
-            <a:r>
-              <a:rPr lang="ko-KR" altLang="en-US" sz="1200" dirty="0"/>
-              <a:t>번 상황마다 미리 </a:t>
-            </a:r>
-            <a:r>
-              <a:rPr lang="ko-KR" altLang="en-US" sz="1200" dirty="0" err="1"/>
-              <a:t>등록해놓은</a:t>
-            </a:r>
-            <a:r>
-              <a:rPr lang="ko-KR" altLang="en-US" sz="1200" dirty="0"/>
-              <a:t> 번호를 이용하여 지인 여부를 분별한다면 모든 상황을 대처할 수 있습니다</a:t>
-            </a:r>
-            <a:r>
-              <a:rPr lang="en-US" altLang="ko-KR" sz="1200" dirty="0"/>
-              <a:t>.</a:t>
-            </a:r>
-            <a:r>
-              <a:rPr lang="ko-KR" altLang="en-US" sz="1200" dirty="0"/>
-              <a:t> </a:t>
-            </a:r>
-            <a:endParaRPr lang="en-US" altLang="ko-KR" sz="1200" dirty="0"/>
-          </a:p>
-          <a:p>
-            <a:endParaRPr lang="en-US" altLang="ko-KR" sz="1200" dirty="0"/>
+            <a:pPr marL="228600" indent="-228600">
+              <a:buAutoNum type="arabicParenR"/>
+            </a:pPr>
+            <a:r>
+              <a:rPr lang="en-US" altLang="ko-KR" sz="1200" b="1" dirty="0"/>
+              <a:t>users </a:t>
+            </a:r>
+            <a:r>
+              <a:rPr lang="ko-KR" altLang="en-US" sz="1200" b="1" dirty="0"/>
+              <a:t>테이블에 기능 사용 여부 컬럼 추가</a:t>
+            </a:r>
+            <a:endParaRPr lang="en-US" altLang="ko-KR" sz="1200" b="1" dirty="0"/>
           </a:p>
           <a:p>
             <a:pPr marL="228600" indent="-228600">
@@ -12601,50 +12326,178 @@
             <a:endParaRPr lang="en-US" altLang="ko-KR" sz="1200" dirty="0"/>
           </a:p>
           <a:p>
+            <a:r>
+              <a:rPr lang="en-US" altLang="ko-KR" sz="1200" dirty="0"/>
+              <a:t> - ‘</a:t>
+            </a:r>
+            <a:r>
+              <a:rPr lang="ko-KR" altLang="en-US" sz="1200" dirty="0"/>
+              <a:t>아는 사람 피하기 기능</a:t>
+            </a:r>
+            <a:r>
+              <a:rPr lang="en-US" altLang="ko-KR" sz="1200" dirty="0"/>
+              <a:t>’</a:t>
+            </a:r>
+            <a:r>
+              <a:rPr lang="ko-KR" altLang="en-US" sz="1200" dirty="0"/>
+              <a:t> 사용 여부를 알려주는 컬럼이 추가됩니다</a:t>
+            </a:r>
+            <a:r>
+              <a:rPr lang="en-US" altLang="ko-KR" sz="1200" dirty="0"/>
+              <a:t>.</a:t>
+            </a:r>
+          </a:p>
+          <a:p>
+            <a:endParaRPr lang="en-US" altLang="ko-KR" sz="1000" dirty="0"/>
+          </a:p>
+          <a:p>
+            <a:endParaRPr lang="en-US" altLang="ko-KR" sz="1000" dirty="0"/>
+          </a:p>
+          <a:p>
             <a:endParaRPr lang="en-US" altLang="ko-KR" sz="1200" dirty="0"/>
+          </a:p>
+          <a:p>
+            <a:r>
+              <a:rPr lang="en-US" altLang="ko-KR" sz="1200" b="1" dirty="0"/>
+              <a:t>2) </a:t>
+            </a:r>
+            <a:r>
+              <a:rPr lang="en-US" altLang="ko-KR" sz="1200" b="1" dirty="0" err="1"/>
+              <a:t>acquaintance_phone_numbers</a:t>
+            </a:r>
+            <a:r>
+              <a:rPr lang="en-US" altLang="ko-KR" sz="1200" b="1" dirty="0"/>
+              <a:t> </a:t>
+            </a:r>
+            <a:r>
+              <a:rPr lang="ko-KR" altLang="en-US" sz="1200" b="1" dirty="0"/>
+              <a:t>테이블</a:t>
+            </a:r>
+            <a:endParaRPr lang="en-US" altLang="ko-KR" sz="1200" b="1" dirty="0"/>
+          </a:p>
+          <a:p>
+            <a:endParaRPr lang="en-US" altLang="ko-KR" sz="1200" dirty="0"/>
+          </a:p>
+          <a:p>
+            <a:r>
+              <a:rPr lang="en-US" altLang="ko-KR" sz="1200" dirty="0"/>
+              <a:t> - user</a:t>
+            </a:r>
+            <a:r>
+              <a:rPr lang="ko-KR" altLang="en-US" sz="1200" dirty="0"/>
+              <a:t> 핸드폰에 등록된 번호 목록을 저장하는 테이블입니다</a:t>
+            </a:r>
+            <a:r>
+              <a:rPr lang="en-US" altLang="ko-KR" sz="1200" dirty="0"/>
+              <a:t>.</a:t>
+            </a:r>
+          </a:p>
+          <a:p>
+            <a:endParaRPr lang="en-US" altLang="ko-KR" sz="1200" dirty="0"/>
+          </a:p>
+          <a:p>
+            <a:r>
+              <a:rPr lang="en-US" altLang="ko-KR" sz="1200" dirty="0"/>
+              <a:t> - user</a:t>
+            </a:r>
+            <a:r>
+              <a:rPr lang="ko-KR" altLang="en-US" sz="1200" dirty="0"/>
+              <a:t> 테이블과 </a:t>
+            </a:r>
+            <a:r>
+              <a:rPr lang="en-US" altLang="ko-KR" sz="1200" dirty="0"/>
+              <a:t>1:N </a:t>
+            </a:r>
+            <a:r>
+              <a:rPr lang="ko-KR" altLang="en-US" sz="1200" dirty="0"/>
+              <a:t>관계입니다</a:t>
+            </a:r>
+            <a:r>
+              <a:rPr lang="en-US" altLang="ko-KR" sz="1200" dirty="0"/>
+              <a:t>.</a:t>
+            </a:r>
+            <a:endParaRPr lang="en-US" altLang="ko-KR" sz="1000" dirty="0"/>
+          </a:p>
+          <a:p>
+            <a:endParaRPr lang="en-US" altLang="ko-KR" sz="1000" dirty="0"/>
           </a:p>
           <a:p>
             <a:pPr marL="171450" indent="-171450">
               <a:buFontTx/>
               <a:buChar char="-"/>
             </a:pPr>
+            <a:endParaRPr lang="en-US" altLang="ko-KR" sz="1200" b="1" dirty="0"/>
+          </a:p>
+          <a:p>
+            <a:r>
+              <a:rPr lang="en-US" altLang="ko-KR" sz="1200" b="1" dirty="0"/>
+              <a:t>3) </a:t>
+            </a:r>
+            <a:r>
+              <a:rPr lang="en-US" altLang="ko-KR" sz="1200" b="1" dirty="0" err="1"/>
+              <a:t>acquaintance_relations</a:t>
+            </a:r>
+            <a:r>
+              <a:rPr lang="en-US" altLang="ko-KR" sz="1200" b="1" dirty="0"/>
+              <a:t> </a:t>
+            </a:r>
+            <a:r>
+              <a:rPr lang="ko-KR" altLang="en-US" sz="1200" b="1" dirty="0"/>
+              <a:t>테이블 </a:t>
+            </a:r>
+            <a:r>
+              <a:rPr lang="en-US" altLang="ko-KR" sz="1200" b="1" dirty="0"/>
+              <a:t>(</a:t>
+            </a:r>
+            <a:r>
+              <a:rPr lang="ko-KR" altLang="en-US" sz="1200" b="1" dirty="0"/>
+              <a:t>매핑 테이블</a:t>
+            </a:r>
+            <a:r>
+              <a:rPr lang="en-US" altLang="ko-KR" sz="1200" b="1" dirty="0"/>
+              <a:t>)</a:t>
+            </a:r>
+          </a:p>
+          <a:p>
             <a:endParaRPr lang="en-US" altLang="ko-KR" sz="1200" dirty="0"/>
           </a:p>
           <a:p>
-            <a:pPr marL="171450" indent="-171450">
-              <a:buFontTx/>
-              <a:buChar char="-"/>
-            </a:pPr>
+            <a:r>
+              <a:rPr lang="en-US" altLang="ko-KR" sz="1200" dirty="0"/>
+              <a:t> - </a:t>
+            </a:r>
+            <a:r>
+              <a:rPr lang="ko-KR" altLang="en-US" sz="1200" dirty="0"/>
+              <a:t>아는 사람 관계를 미리 저장하여 로직 수행 시간을 단축하기 위한 테이블입니다</a:t>
+            </a:r>
+            <a:r>
+              <a:rPr lang="en-US" altLang="ko-KR" sz="1200" dirty="0"/>
+              <a:t>.</a:t>
+            </a:r>
+          </a:p>
+          <a:p>
             <a:endParaRPr lang="en-US" altLang="ko-KR" sz="1200" dirty="0"/>
           </a:p>
           <a:p>
-            <a:endParaRPr lang="en-US" altLang="ko-KR" sz="1200" b="1" dirty="0"/>
-          </a:p>
-          <a:p>
-            <a:endParaRPr lang="en-US" altLang="ko-KR" sz="1200" b="1" dirty="0"/>
-          </a:p>
-          <a:p>
-            <a:endParaRPr lang="en-US" altLang="ko-KR" sz="1200" b="1" dirty="0"/>
-          </a:p>
-          <a:p>
-            <a:endParaRPr lang="en-US" altLang="ko-KR" sz="1200" b="1" dirty="0"/>
-          </a:p>
-          <a:p>
-            <a:r>
-              <a:rPr lang="ko-KR" altLang="en-US" sz="1200" b="1" dirty="0"/>
-              <a:t>⨀ 상황 </a:t>
-            </a:r>
-            <a:r>
-              <a:rPr lang="en-US" altLang="ko-KR" sz="1200" b="1" dirty="0"/>
-              <a:t>1 –  </a:t>
-            </a:r>
-            <a:r>
-              <a:rPr lang="ko-KR" altLang="en-US" sz="1200" b="1" dirty="0"/>
-              <a:t>아는 사람 피하기 기능 </a:t>
-            </a:r>
-            <a:r>
-              <a:rPr lang="en-US" altLang="ko-KR" sz="1200" b="1" dirty="0"/>
-              <a:t>On</a:t>
+            <a:r>
+              <a:rPr lang="en-US" altLang="ko-KR" sz="1200" dirty="0"/>
+              <a:t> - </a:t>
+            </a:r>
+            <a:r>
+              <a:rPr lang="ko-KR" altLang="en-US" sz="1200" dirty="0"/>
+              <a:t>두 </a:t>
+            </a:r>
+            <a:r>
+              <a:rPr lang="en-US" altLang="ko-KR" sz="1200" dirty="0"/>
+              <a:t>user</a:t>
+            </a:r>
+            <a:r>
+              <a:rPr lang="ko-KR" altLang="en-US" sz="1200" dirty="0"/>
+              <a:t>가 아는 사이임을 나타냅니다</a:t>
+            </a:r>
+            <a:r>
+              <a:rPr lang="en-US" altLang="ko-KR" sz="1200" dirty="0"/>
+              <a:t>.</a:t>
             </a:r>
           </a:p>
           <a:p>
@@ -12653,35 +12506,27 @@
           <a:p>
             <a:r>
               <a:rPr lang="en-US" altLang="ko-KR" sz="1200" dirty="0"/>
-              <a:t>1) User </a:t>
+              <a:t> - user </a:t>
             </a:r>
             <a:r>
               <a:rPr lang="ko-KR" altLang="en-US" sz="1200" dirty="0"/>
-              <a:t>핸드폰에 저장된 모든 번호를 받아옵니다</a:t>
-            </a:r>
-            <a:r>
-              <a:rPr lang="en-US" altLang="ko-KR" sz="1200" dirty="0"/>
-              <a:t>. </a:t>
+              <a:t>대 </a:t>
+            </a:r>
+            <a:r>
+              <a:rPr lang="en-US" altLang="ko-KR" sz="1200" dirty="0"/>
+              <a:t>user </a:t>
             </a:r>
             <a:r>
               <a:rPr lang="ko-KR" altLang="en-US" sz="1200" dirty="0"/>
-              <a:t>이후 </a:t>
-            </a:r>
-            <a:r>
-              <a:rPr lang="en-US" altLang="ko-KR" sz="1200" dirty="0"/>
-              <a:t>Acquaintance </a:t>
-            </a:r>
-            <a:r>
-              <a:rPr lang="en-US" altLang="ko-KR" sz="1200" dirty="0" err="1"/>
-              <a:t>PhoneNumber</a:t>
-            </a:r>
-            <a:r>
-              <a:rPr lang="en-US" altLang="ko-KR" sz="1200" dirty="0"/>
-              <a:t> </a:t>
+              <a:t>의 </a:t>
+            </a:r>
+            <a:r>
+              <a:rPr lang="en-US" altLang="ko-KR" sz="1200" dirty="0"/>
+              <a:t>N:N </a:t>
             </a:r>
             <a:r>
               <a:rPr lang="ko-KR" altLang="en-US" sz="1200" dirty="0"/>
-              <a:t>테이블에 저장합니다</a:t>
+              <a:t>관계를 풀어냈습니다</a:t>
             </a:r>
             <a:r>
               <a:rPr lang="en-US" altLang="ko-KR" sz="1200" dirty="0"/>
@@ -12692,48 +12537,52 @@
             <a:endParaRPr lang="en-US" altLang="ko-KR" sz="1200" dirty="0"/>
           </a:p>
           <a:p>
-            <a:r>
-              <a:rPr lang="en-US" altLang="ko-KR" sz="1200" dirty="0"/>
-              <a:t>2) </a:t>
-            </a:r>
-            <a:r>
-              <a:rPr lang="ko-KR" altLang="en-US" sz="1200" dirty="0"/>
-              <a:t>등록한 번호 목록을 통해 아는 사이인 기존 유저들을 찾고  </a:t>
-            </a:r>
-            <a:r>
-              <a:rPr lang="en-US" altLang="ko-KR" sz="1200" dirty="0" err="1"/>
-              <a:t>AcquaintanceRelation</a:t>
-            </a:r>
-            <a:r>
-              <a:rPr lang="en-US" altLang="ko-KR" sz="1200" dirty="0"/>
-              <a:t> </a:t>
-            </a:r>
-            <a:r>
-              <a:rPr lang="ko-KR" altLang="en-US" sz="1200" dirty="0"/>
-              <a:t>테이블에 저장합니다</a:t>
-            </a:r>
-            <a:r>
-              <a:rPr lang="en-US" altLang="ko-KR" sz="1200" dirty="0"/>
-              <a:t>.</a:t>
-            </a:r>
-          </a:p>
-          <a:p>
             <a:endParaRPr lang="en-US" altLang="ko-KR" sz="1200" dirty="0"/>
           </a:p>
-          <a:p>
-            <a:endParaRPr lang="en-US" altLang="ko-KR" sz="1200" dirty="0"/>
-          </a:p>
-          <a:p>
-            <a:endParaRPr lang="en-US" altLang="ko-KR" sz="1200" dirty="0"/>
-          </a:p>
-        </p:txBody>
-      </p:sp>
-      <p:sp>
-        <p:nvSpPr>
-          <p:cNvPr id="28" name="TextBox 27">
-            <a:extLst>
-              <a:ext uri="{FF2B5EF4-FFF2-40B4-BE49-F238E27FC236}">
-                <a16:creationId xmlns:a16="http://schemas.microsoft.com/office/drawing/2014/main" id="{73909CA5-1DE6-43C9-83F4-147148F20DB1}"/>
+        </p:txBody>
+      </p:sp>
+      <p:pic>
+        <p:nvPicPr>
+          <p:cNvPr id="4" name="그림 3">
+            <a:extLst>
+              <a:ext uri="{FF2B5EF4-FFF2-40B4-BE49-F238E27FC236}">
+                <a16:creationId xmlns:a16="http://schemas.microsoft.com/office/drawing/2014/main" id="{25F784CE-BE7D-42F3-8CCC-9BEEE70BAA23}"/>
+              </a:ext>
+            </a:extLst>
+          </p:cNvPr>
+          <p:cNvPicPr>
+            <a:picLocks noChangeAspect="1"/>
+          </p:cNvPicPr>
+          <p:nvPr/>
+        </p:nvPicPr>
+        <p:blipFill>
+          <a:blip r:embed="rId3">
+            <a:extLst>
+              <a:ext uri="{28A0092B-C50C-407E-A947-70E740481C1C}">
+                <a14:useLocalDpi xmlns:a14="http://schemas.microsoft.com/office/drawing/2010/main" val="0"/>
+              </a:ext>
+            </a:extLst>
+          </a:blip>
+          <a:stretch>
+            <a:fillRect/>
+          </a:stretch>
+        </p:blipFill>
+        <p:spPr>
+          <a:xfrm>
+            <a:off x="6644383" y="4773321"/>
+            <a:ext cx="5390185" cy="1477065"/>
+          </a:xfrm>
+          <a:prstGeom prst="rect">
+            <a:avLst/>
+          </a:prstGeom>
+        </p:spPr>
+      </p:pic>
+      <p:sp>
+        <p:nvSpPr>
+          <p:cNvPr id="22" name="TextBox 21">
+            <a:extLst>
+              <a:ext uri="{FF2B5EF4-FFF2-40B4-BE49-F238E27FC236}">
+                <a16:creationId xmlns:a16="http://schemas.microsoft.com/office/drawing/2014/main" id="{BCD0B254-7476-4EA5-8E9A-9DA1626DAF47}"/>
               </a:ext>
             </a:extLst>
           </p:cNvPr>
@@ -12742,8 +12591,8 @@
         </p:nvSpPr>
         <p:spPr>
           <a:xfrm>
-            <a:off x="5692133" y="0"/>
-            <a:ext cx="6407835" cy="5632311"/>
+            <a:off x="6701058" y="4300819"/>
+            <a:ext cx="2901783" cy="307777"/>
           </a:xfrm>
           <a:prstGeom prst="rect">
             <a:avLst/>
@@ -12756,291 +12605,56 @@
           </a:bodyPr>
           <a:lstStyle/>
           <a:p>
-            <a:endParaRPr lang="en-US" altLang="ko-KR" sz="1200" dirty="0"/>
-          </a:p>
-          <a:p>
-            <a:endParaRPr lang="en-US" altLang="ko-KR" sz="1200" b="1" dirty="0"/>
-          </a:p>
-          <a:p>
-            <a:endParaRPr lang="en-US" altLang="ko-KR" sz="1200" b="1" dirty="0"/>
-          </a:p>
-          <a:p>
-            <a:endParaRPr lang="en-US" altLang="ko-KR" sz="1200" b="1" dirty="0"/>
-          </a:p>
-          <a:p>
-            <a:endParaRPr lang="en-US" altLang="ko-KR" sz="1200" b="1" dirty="0"/>
-          </a:p>
-          <a:p>
-            <a:endParaRPr lang="en-US" altLang="ko-KR" sz="1200" b="1" dirty="0"/>
-          </a:p>
-          <a:p>
-            <a:r>
-              <a:rPr lang="ko-KR" altLang="en-US" sz="1200" b="1" dirty="0"/>
-              <a:t>⨀ 상황 </a:t>
-            </a:r>
-            <a:r>
-              <a:rPr lang="en-US" altLang="ko-KR" sz="1200" b="1" dirty="0"/>
-              <a:t>2 - </a:t>
-            </a:r>
-            <a:r>
-              <a:rPr lang="ko-KR" altLang="en-US" sz="1200" b="1" dirty="0"/>
-              <a:t>새로운 유저 가입</a:t>
-            </a:r>
-            <a:endParaRPr lang="en-US" altLang="ko-KR" sz="1200" b="1" dirty="0"/>
-          </a:p>
-          <a:p>
-            <a:r>
-              <a:rPr lang="en-US" altLang="ko-KR" sz="1200" dirty="0"/>
-              <a:t> </a:t>
-            </a:r>
-          </a:p>
-          <a:p>
-            <a:pPr marL="228600" indent="-228600">
-              <a:buAutoNum type="arabicParenR"/>
-            </a:pPr>
-            <a:r>
-              <a:rPr lang="ko-KR" altLang="en-US" sz="1200" dirty="0"/>
-              <a:t>신규 가입자의 전화번호를 통해 기존 유저와 아는 사이임을 </a:t>
-            </a:r>
-            <a:r>
-              <a:rPr lang="en-US" altLang="ko-KR" sz="1200" dirty="0" err="1"/>
-              <a:t>AcquaintanceRelation</a:t>
-            </a:r>
-            <a:r>
-              <a:rPr lang="en-US" altLang="ko-KR" sz="1200" dirty="0"/>
-              <a:t>  Table</a:t>
-            </a:r>
-            <a:r>
-              <a:rPr lang="ko-KR" altLang="en-US" sz="1200" dirty="0"/>
-              <a:t>에 등록합니다</a:t>
-            </a:r>
-            <a:r>
-              <a:rPr lang="en-US" altLang="ko-KR" sz="1200" dirty="0"/>
-              <a:t>.</a:t>
-            </a:r>
-            <a:endParaRPr lang="en-US" altLang="ko-KR" sz="900" dirty="0"/>
-          </a:p>
-          <a:p>
-            <a:endParaRPr lang="en-US" altLang="ko-KR" sz="1200" dirty="0"/>
-          </a:p>
-          <a:p>
-            <a:endParaRPr lang="en-US" altLang="ko-KR" sz="1200" dirty="0"/>
-          </a:p>
-          <a:p>
-            <a:endParaRPr lang="en-US" altLang="ko-KR" sz="1200" dirty="0"/>
-          </a:p>
-          <a:p>
-            <a:endParaRPr lang="en-US" altLang="ko-KR" sz="1200" b="1" dirty="0"/>
-          </a:p>
-          <a:p>
-            <a:endParaRPr lang="en-US" altLang="ko-KR" sz="1200" b="1" dirty="0"/>
-          </a:p>
-          <a:p>
-            <a:endParaRPr lang="en-US" altLang="ko-KR" sz="1200" b="1" dirty="0"/>
-          </a:p>
-          <a:p>
-            <a:endParaRPr lang="en-US" altLang="ko-KR" sz="1200" b="1" dirty="0"/>
-          </a:p>
-          <a:p>
-            <a:endParaRPr lang="en-US" altLang="ko-KR" sz="1200" b="1" dirty="0"/>
-          </a:p>
-          <a:p>
-            <a:endParaRPr lang="en-US" altLang="ko-KR" sz="1200" b="1" dirty="0"/>
-          </a:p>
-          <a:p>
-            <a:r>
-              <a:rPr lang="ko-KR" altLang="en-US" sz="1200" b="1" dirty="0"/>
-              <a:t>⨀ 상황 </a:t>
-            </a:r>
-            <a:r>
-              <a:rPr lang="en-US" altLang="ko-KR" sz="1200" b="1" dirty="0"/>
-              <a:t>3 – </a:t>
-            </a:r>
-            <a:r>
-              <a:rPr lang="ko-KR" altLang="en-US" sz="1200" b="1" dirty="0"/>
-              <a:t>아는 사람 피하기 기능 </a:t>
-            </a:r>
-            <a:r>
-              <a:rPr lang="en-US" altLang="ko-KR" sz="1200" b="1" dirty="0"/>
-              <a:t>Off</a:t>
-            </a:r>
-          </a:p>
-          <a:p>
-            <a:r>
-              <a:rPr lang="en-US" altLang="ko-KR" sz="1200" dirty="0"/>
-              <a:t> </a:t>
-            </a:r>
-          </a:p>
-          <a:p>
-            <a:pPr marL="228600" indent="-228600">
-              <a:buAutoNum type="arabicParenR"/>
-            </a:pPr>
-            <a:r>
-              <a:rPr lang="en-US" altLang="ko-KR" sz="1200" dirty="0" err="1"/>
-              <a:t>AcquaintancePhoneNumber</a:t>
-            </a:r>
-            <a:r>
-              <a:rPr lang="ko-KR" altLang="en-US" sz="1200" dirty="0"/>
-              <a:t> 테이블에서 </a:t>
-            </a:r>
-            <a:r>
-              <a:rPr lang="en-US" altLang="ko-KR" sz="1200" dirty="0"/>
-              <a:t>User</a:t>
-            </a:r>
-            <a:r>
-              <a:rPr lang="ko-KR" altLang="en-US" sz="1200" dirty="0"/>
-              <a:t>와 </a:t>
-            </a:r>
-            <a:r>
-              <a:rPr lang="ko-KR" altLang="en-US" sz="1200" dirty="0" err="1"/>
-              <a:t>연결되어있는</a:t>
-            </a:r>
-            <a:r>
-              <a:rPr lang="ko-KR" altLang="en-US" sz="1200" dirty="0"/>
-              <a:t> 모든 </a:t>
-            </a:r>
-            <a:r>
-              <a:rPr lang="en-US" altLang="ko-KR" sz="1200" dirty="0"/>
-              <a:t>Row</a:t>
-            </a:r>
-            <a:r>
-              <a:rPr lang="ko-KR" altLang="en-US" sz="1200" dirty="0"/>
-              <a:t>를 삭제합니다</a:t>
-            </a:r>
-            <a:r>
-              <a:rPr lang="en-US" altLang="ko-KR" sz="1200" dirty="0"/>
-              <a:t>.</a:t>
-            </a:r>
-          </a:p>
-          <a:p>
-            <a:pPr marL="228600" indent="-228600">
-              <a:buAutoNum type="arabicParenR"/>
-            </a:pPr>
-            <a:endParaRPr lang="en-US" altLang="ko-KR" sz="1200" dirty="0"/>
-          </a:p>
-          <a:p>
-            <a:pPr marL="228600" indent="-228600">
-              <a:buAutoNum type="arabicParenR"/>
-            </a:pPr>
-            <a:endParaRPr lang="en-US" altLang="ko-KR" sz="1200" dirty="0"/>
-          </a:p>
-          <a:p>
-            <a:pPr marL="228600" indent="-228600">
-              <a:buAutoNum type="arabicParenR"/>
-            </a:pPr>
-            <a:r>
-              <a:rPr lang="en-US" altLang="ko-KR" sz="1200" dirty="0" err="1"/>
-              <a:t>AcquaintanceRelation</a:t>
-            </a:r>
-            <a:r>
-              <a:rPr lang="en-US" altLang="ko-KR" sz="1200" dirty="0"/>
-              <a:t> </a:t>
-            </a:r>
-            <a:r>
-              <a:rPr lang="ko-KR" altLang="en-US" sz="1200" dirty="0"/>
-              <a:t>테이블은 </a:t>
-            </a:r>
-            <a:r>
-              <a:rPr lang="en-US" altLang="ko-KR" sz="1200" dirty="0"/>
-              <a:t>User</a:t>
-            </a:r>
-            <a:r>
-              <a:rPr lang="ko-KR" altLang="en-US" sz="1200" dirty="0"/>
-              <a:t>와 연결되어 있는 모든 </a:t>
-            </a:r>
-            <a:r>
-              <a:rPr lang="en-US" altLang="ko-KR" sz="1200" dirty="0"/>
-              <a:t>Row</a:t>
-            </a:r>
-            <a:r>
-              <a:rPr lang="ko-KR" altLang="en-US" sz="1200" dirty="0"/>
-              <a:t>를 지우면 안됩니다</a:t>
-            </a:r>
-            <a:r>
-              <a:rPr lang="en-US" altLang="ko-KR" sz="1200" dirty="0"/>
-              <a:t>.</a:t>
-            </a:r>
-          </a:p>
-          <a:p>
-            <a:r>
-              <a:rPr lang="en-US" altLang="ko-KR" sz="1200" dirty="0"/>
-              <a:t>        </a:t>
-            </a:r>
-          </a:p>
-          <a:p>
-            <a:r>
-              <a:rPr lang="en-US" altLang="ko-KR" sz="1200" dirty="0"/>
-              <a:t>-</a:t>
-            </a:r>
-            <a:r>
-              <a:rPr lang="ko-KR" altLang="en-US" sz="1200" dirty="0"/>
-              <a:t> </a:t>
-            </a:r>
-            <a:r>
-              <a:rPr lang="ko-KR" altLang="en-US" sz="1200" dirty="0" err="1"/>
-              <a:t>UserA와</a:t>
-            </a:r>
-            <a:r>
-              <a:rPr lang="ko-KR" altLang="en-US" sz="1200" dirty="0"/>
-              <a:t> 아는 사이라고 </a:t>
-            </a:r>
-            <a:r>
-              <a:rPr lang="ko-KR" altLang="en-US" sz="1200" dirty="0" err="1"/>
-              <a:t>등록되어있는</a:t>
-            </a:r>
-            <a:r>
-              <a:rPr lang="ko-KR" altLang="en-US" sz="1200" dirty="0"/>
-              <a:t> </a:t>
-            </a:r>
-            <a:r>
-              <a:rPr lang="ko-KR" altLang="en-US" sz="1200" b="1" dirty="0" err="1"/>
-              <a:t>UserB가</a:t>
-            </a:r>
-            <a:r>
-              <a:rPr lang="ko-KR" altLang="en-US" sz="1200" b="1" dirty="0"/>
-              <a:t> 아는 사람 피하기 기능을 사용하고 있다면</a:t>
-            </a:r>
-            <a:r>
-              <a:rPr lang="ko-KR" altLang="en-US" sz="1200" dirty="0"/>
-              <a:t> </a:t>
-            </a:r>
-            <a:r>
-              <a:rPr lang="ko-KR" altLang="en-US" sz="1200" dirty="0" err="1"/>
-              <a:t>Row을</a:t>
-            </a:r>
-            <a:r>
-              <a:rPr lang="ko-KR" altLang="en-US" sz="1200" dirty="0"/>
-              <a:t> </a:t>
-            </a:r>
-            <a:r>
-              <a:rPr lang="ko-KR" altLang="en-US" sz="1200" b="1" dirty="0"/>
-              <a:t>삭제하지 않도록 </a:t>
-            </a:r>
-            <a:r>
-              <a:rPr lang="ko-KR" altLang="en-US" sz="1200" dirty="0"/>
-              <a:t>하였습니다 </a:t>
-            </a:r>
-          </a:p>
-          <a:p>
-            <a:pPr marL="228600" indent="-228600">
-              <a:buAutoNum type="arabicParenR"/>
-            </a:pPr>
-            <a:endParaRPr lang="en-US" altLang="ko-KR" sz="1200" dirty="0"/>
-          </a:p>
-          <a:p>
-            <a:pPr marL="228600" indent="-228600">
-              <a:buAutoNum type="arabicParenR"/>
-            </a:pPr>
-            <a:endParaRPr lang="en-US" altLang="ko-KR" sz="1200" dirty="0"/>
+            <a:r>
+              <a:rPr lang="ko-KR" altLang="en-US" sz="1400" b="1" dirty="0"/>
+              <a:t>⨀ 데이터 베이스 예시</a:t>
+            </a:r>
+            <a:endParaRPr lang="en-US" altLang="ko-KR" sz="1400" b="1" dirty="0"/>
+          </a:p>
+        </p:txBody>
+      </p:sp>
+      <p:sp>
+        <p:nvSpPr>
+          <p:cNvPr id="24" name="TextBox 23">
+            <a:extLst>
+              <a:ext uri="{FF2B5EF4-FFF2-40B4-BE49-F238E27FC236}">
+                <a16:creationId xmlns:a16="http://schemas.microsoft.com/office/drawing/2014/main" id="{7CF35CA0-340C-4E09-A591-4F9454FE3B47}"/>
+              </a:ext>
+            </a:extLst>
+          </p:cNvPr>
+          <p:cNvSpPr txBox="1"/>
+          <p:nvPr/>
+        </p:nvSpPr>
+        <p:spPr>
+          <a:xfrm>
+            <a:off x="349630" y="1381671"/>
+            <a:ext cx="5195760" cy="307777"/>
+          </a:xfrm>
+          <a:prstGeom prst="rect">
+            <a:avLst/>
+          </a:prstGeom>
+          <a:noFill/>
+        </p:spPr>
+        <p:txBody>
+          <a:bodyPr wrap="square" rtlCol="0">
+            <a:spAutoFit/>
+          </a:bodyPr>
+          <a:lstStyle/>
+          <a:p>
+            <a:r>
+              <a:rPr lang="ko-KR" altLang="en-US" sz="1400" b="1" dirty="0"/>
+              <a:t>⨀ 데이터 베이스 설계 </a:t>
+            </a:r>
+            <a:endParaRPr lang="en-US" altLang="ko-KR" sz="1400" b="1" dirty="0"/>
           </a:p>
         </p:txBody>
       </p:sp>
       <p:cxnSp>
         <p:nvCxnSpPr>
-          <p:cNvPr id="33" name="직선 연결선 32">
-            <a:extLst>
-              <a:ext uri="{FF2B5EF4-FFF2-40B4-BE49-F238E27FC236}">
-                <a16:creationId xmlns:a16="http://schemas.microsoft.com/office/drawing/2014/main" id="{785243D1-A0FB-4082-9E04-BCB027922D97}"/>
+          <p:cNvPr id="15" name="직선 연결선 14">
+            <a:extLst>
+              <a:ext uri="{FF2B5EF4-FFF2-40B4-BE49-F238E27FC236}">
+                <a16:creationId xmlns:a16="http://schemas.microsoft.com/office/drawing/2014/main" id="{591CDE29-B291-4EC9-B9BA-3F540A1FE283}"/>
               </a:ext>
             </a:extLst>
           </p:cNvPr>
@@ -13051,7 +12665,7 @@
         </p:nvCxnSpPr>
         <p:spPr>
           <a:xfrm flipH="1">
-            <a:off x="5470824" y="0"/>
+            <a:off x="6432590" y="0"/>
             <a:ext cx="17734" cy="6858000"/>
           </a:xfrm>
           <a:prstGeom prst="line">
@@ -13073,10 +12687,284 @@
           </a:fontRef>
         </p:style>
       </p:cxnSp>
+      <p:sp>
+        <p:nvSpPr>
+          <p:cNvPr id="17" name="TextBox 16">
+            <a:extLst>
+              <a:ext uri="{FF2B5EF4-FFF2-40B4-BE49-F238E27FC236}">
+                <a16:creationId xmlns:a16="http://schemas.microsoft.com/office/drawing/2014/main" id="{644F4F0F-B2E9-4DC2-BA50-7AFBB844CB10}"/>
+              </a:ext>
+            </a:extLst>
+          </p:cNvPr>
+          <p:cNvSpPr txBox="1"/>
+          <p:nvPr/>
+        </p:nvSpPr>
+        <p:spPr>
+          <a:xfrm>
+            <a:off x="6856542" y="788673"/>
+            <a:ext cx="5178026" cy="2893100"/>
+          </a:xfrm>
+          <a:prstGeom prst="rect">
+            <a:avLst/>
+          </a:prstGeom>
+          <a:noFill/>
+        </p:spPr>
+        <p:txBody>
+          <a:bodyPr wrap="square">
+            <a:spAutoFit/>
+          </a:bodyPr>
+          <a:lstStyle/>
+          <a:p>
+            <a:r>
+              <a:rPr lang="ko-KR" altLang="en-US" sz="1400" b="1" dirty="0"/>
+              <a:t>⨀ 지인 목록을 가져오는 경우 필요한 검색 조건 최소화</a:t>
+            </a:r>
+            <a:endParaRPr lang="en-US" altLang="ko-KR" sz="1400" b="1" dirty="0"/>
+          </a:p>
+          <a:p>
+            <a:endParaRPr lang="en-US" altLang="ko-KR" sz="1200" dirty="0"/>
+          </a:p>
+          <a:p>
+            <a:endParaRPr lang="en-US" altLang="ko-KR" sz="1200" dirty="0"/>
+          </a:p>
+          <a:p>
+            <a:r>
+              <a:rPr lang="en-US" altLang="ko-KR" sz="1200" dirty="0"/>
+              <a:t> - </a:t>
+            </a:r>
+            <a:r>
+              <a:rPr lang="ko-KR" altLang="en-US" sz="1200" dirty="0"/>
+              <a:t>하나의 지인 관계를 하나의 </a:t>
+            </a:r>
+            <a:r>
+              <a:rPr lang="en-US" altLang="ko-KR" sz="1200" dirty="0"/>
+              <a:t>row</a:t>
+            </a:r>
+            <a:r>
+              <a:rPr lang="ko-KR" altLang="en-US" sz="1200" dirty="0"/>
+              <a:t>로 표현 하는 방법 대신 </a:t>
+            </a:r>
+            <a:r>
+              <a:rPr lang="ko-KR" altLang="en-US" sz="1200" b="1" dirty="0"/>
+              <a:t>두개의 </a:t>
+            </a:r>
+            <a:r>
+              <a:rPr lang="en-US" altLang="ko-KR" sz="1200" b="1" dirty="0"/>
+              <a:t>row</a:t>
+            </a:r>
+            <a:r>
+              <a:rPr lang="ko-KR" altLang="en-US" sz="1200" b="1" dirty="0"/>
+              <a:t>로 표현하여 검색 속도를 빠르게 하였습니다</a:t>
+            </a:r>
+            <a:r>
+              <a:rPr lang="en-US" altLang="ko-KR" sz="1200" b="1" dirty="0"/>
+              <a:t>.</a:t>
+            </a:r>
+          </a:p>
+          <a:p>
+            <a:r>
+              <a:rPr lang="en-US" altLang="ko-KR" sz="1200" dirty="0"/>
+              <a:t> </a:t>
+            </a:r>
+          </a:p>
+          <a:p>
+            <a:r>
+              <a:rPr lang="en-US" altLang="ko-KR" sz="1200" dirty="0"/>
+              <a:t> user A</a:t>
+            </a:r>
+            <a:r>
+              <a:rPr lang="ko-KR" altLang="en-US" sz="1200" dirty="0"/>
+              <a:t>와 </a:t>
+            </a:r>
+            <a:r>
+              <a:rPr lang="en-US" altLang="ko-KR" sz="1200" dirty="0"/>
+              <a:t>user B</a:t>
+            </a:r>
+            <a:r>
+              <a:rPr lang="ko-KR" altLang="en-US" sz="1200" dirty="0"/>
+              <a:t>가 지인이라면 </a:t>
+            </a:r>
+            <a:r>
+              <a:rPr lang="en-US" altLang="ko-KR" sz="1200" dirty="0"/>
+              <a:t>user A</a:t>
+            </a:r>
+            <a:r>
+              <a:rPr lang="ko-KR" altLang="en-US" sz="1200" dirty="0"/>
+              <a:t>의 </a:t>
+            </a:r>
+            <a:r>
+              <a:rPr lang="en-US" altLang="ko-KR" sz="1200" dirty="0"/>
+              <a:t>pk</a:t>
+            </a:r>
+            <a:r>
+              <a:rPr lang="ko-KR" altLang="en-US" sz="1200" dirty="0"/>
+              <a:t>를 </a:t>
+            </a:r>
+            <a:r>
+              <a:rPr lang="en-US" altLang="ko-KR" sz="1200" dirty="0" err="1"/>
+              <a:t>user_id</a:t>
+            </a:r>
+            <a:r>
+              <a:rPr lang="ko-KR" altLang="en-US" sz="1200" dirty="0"/>
+              <a:t>로 </a:t>
+            </a:r>
+            <a:r>
+              <a:rPr lang="en-US" altLang="ko-KR" sz="1200" dirty="0"/>
+              <a:t>user B</a:t>
+            </a:r>
+            <a:r>
+              <a:rPr lang="ko-KR" altLang="en-US" sz="1200" dirty="0"/>
+              <a:t>의 </a:t>
+            </a:r>
+            <a:r>
+              <a:rPr lang="en-US" altLang="ko-KR" sz="1200" dirty="0"/>
+              <a:t>pk</a:t>
+            </a:r>
+            <a:r>
+              <a:rPr lang="ko-KR" altLang="en-US" sz="1200" dirty="0"/>
+              <a:t>를 </a:t>
+            </a:r>
+            <a:r>
+              <a:rPr lang="en-US" altLang="ko-KR" sz="1200" dirty="0" err="1"/>
+              <a:t>target_user_id</a:t>
+            </a:r>
+            <a:r>
+              <a:rPr lang="ko-KR" altLang="en-US" sz="1200" dirty="0"/>
+              <a:t>로 하는 </a:t>
+            </a:r>
+            <a:r>
+              <a:rPr lang="en-US" altLang="ko-KR" sz="1200" dirty="0"/>
+              <a:t>row</a:t>
+            </a:r>
+            <a:r>
+              <a:rPr lang="ko-KR" altLang="en-US" sz="1200" dirty="0"/>
+              <a:t>를 만든 후 반대로 </a:t>
+            </a:r>
+            <a:r>
+              <a:rPr lang="en-US" altLang="ko-KR" sz="1200" dirty="0"/>
+              <a:t>user B</a:t>
+            </a:r>
+            <a:r>
+              <a:rPr lang="ko-KR" altLang="en-US" sz="1200" dirty="0"/>
+              <a:t>의 </a:t>
+            </a:r>
+            <a:r>
+              <a:rPr lang="en-US" altLang="ko-KR" sz="1200" dirty="0"/>
+              <a:t>pk</a:t>
+            </a:r>
+            <a:r>
+              <a:rPr lang="ko-KR" altLang="en-US" sz="1200" dirty="0"/>
+              <a:t>를 </a:t>
+            </a:r>
+            <a:r>
+              <a:rPr lang="en-US" altLang="ko-KR" sz="1200" dirty="0" err="1"/>
+              <a:t>user_id</a:t>
+            </a:r>
+            <a:r>
+              <a:rPr lang="ko-KR" altLang="en-US" sz="1200" dirty="0"/>
+              <a:t>로 </a:t>
+            </a:r>
+            <a:r>
+              <a:rPr lang="en-US" altLang="ko-KR" sz="1200" dirty="0"/>
+              <a:t>user A</a:t>
+            </a:r>
+            <a:r>
+              <a:rPr lang="ko-KR" altLang="en-US" sz="1200" dirty="0"/>
+              <a:t>의 </a:t>
+            </a:r>
+            <a:r>
+              <a:rPr lang="en-US" altLang="ko-KR" sz="1200" dirty="0"/>
+              <a:t>pk</a:t>
+            </a:r>
+            <a:r>
+              <a:rPr lang="ko-KR" altLang="en-US" sz="1200" dirty="0"/>
+              <a:t>를 </a:t>
+            </a:r>
+            <a:r>
+              <a:rPr lang="en-US" altLang="ko-KR" sz="1200" dirty="0" err="1"/>
+              <a:t>target_user_id</a:t>
+            </a:r>
+            <a:r>
+              <a:rPr lang="ko-KR" altLang="en-US" sz="1200" dirty="0"/>
+              <a:t>로 하는 </a:t>
+            </a:r>
+            <a:r>
+              <a:rPr lang="en-US" altLang="ko-KR" sz="1200" dirty="0"/>
+              <a:t>row</a:t>
+            </a:r>
+            <a:r>
+              <a:rPr lang="ko-KR" altLang="en-US" sz="1200" dirty="0"/>
+              <a:t>를 추가</a:t>
+            </a:r>
+            <a:r>
+              <a:rPr lang="en-US" altLang="ko-KR" sz="1200" dirty="0"/>
+              <a:t>. </a:t>
+            </a:r>
+          </a:p>
+          <a:p>
+            <a:endParaRPr lang="en-US" altLang="ko-KR" sz="1200" dirty="0"/>
+          </a:p>
+          <a:p>
+            <a:endParaRPr lang="en-US" altLang="ko-KR" sz="1200" dirty="0"/>
+          </a:p>
+          <a:p>
+            <a:endParaRPr lang="en-US" altLang="ko-KR" sz="1200" dirty="0"/>
+          </a:p>
+          <a:p>
+            <a:endParaRPr lang="en-US" altLang="ko-KR" sz="1200" dirty="0"/>
+          </a:p>
+          <a:p>
+            <a:r>
+              <a:rPr lang="en-US" altLang="ko-KR" sz="1200" dirty="0"/>
+              <a:t> - </a:t>
+            </a:r>
+            <a:r>
+              <a:rPr lang="ko-KR" altLang="en-US" sz="1200" b="1" dirty="0"/>
+              <a:t>검색 조건이 되는 </a:t>
+            </a:r>
+            <a:r>
+              <a:rPr lang="en-US" altLang="ko-KR" sz="1200" b="1" dirty="0"/>
+              <a:t>column</a:t>
+            </a:r>
+            <a:r>
+              <a:rPr lang="ko-KR" altLang="en-US" sz="1200" b="1" dirty="0"/>
+              <a:t>을 하나의 컬럼</a:t>
+            </a:r>
+            <a:r>
+              <a:rPr lang="en-US" altLang="ko-KR" sz="1200" dirty="0"/>
+              <a:t>(</a:t>
+            </a:r>
+            <a:r>
+              <a:rPr lang="en-US" altLang="ko-KR" sz="1200" dirty="0" err="1"/>
+              <a:t>user_id</a:t>
+            </a:r>
+            <a:r>
+              <a:rPr lang="en-US" altLang="ko-KR" sz="1200" dirty="0"/>
+              <a:t>)</a:t>
+            </a:r>
+            <a:r>
+              <a:rPr lang="ko-KR" altLang="en-US" sz="1200" dirty="0"/>
+              <a:t>으로 한 후 </a:t>
+            </a:r>
+            <a:r>
+              <a:rPr lang="en-US" altLang="ko-KR" sz="1200" dirty="0"/>
+              <a:t>indexing</a:t>
+            </a:r>
+            <a:r>
+              <a:rPr lang="ko-KR" altLang="en-US" sz="1200" dirty="0"/>
+              <a:t>을 하는 방법을 선택했습니다</a:t>
+            </a:r>
+            <a:r>
+              <a:rPr lang="en-US" altLang="ko-KR" sz="1200" dirty="0"/>
+              <a:t>.</a:t>
+            </a:r>
+          </a:p>
+        </p:txBody>
+      </p:sp>
     </p:spTree>
     <p:extLst>
       <p:ext uri="{BB962C8B-B14F-4D97-AF65-F5344CB8AC3E}">
-        <p14:creationId xmlns:p14="http://schemas.microsoft.com/office/powerpoint/2010/main" val="750871224"/>
+        <p14:creationId xmlns:p14="http://schemas.microsoft.com/office/powerpoint/2010/main" val="3916274906"/>
       </p:ext>
     </p:extLst>
   </p:cSld>
@@ -13188,8 +13076,8 @@
         </p:nvSpPr>
         <p:spPr>
           <a:xfrm>
-            <a:off x="939002" y="1538842"/>
-            <a:ext cx="9306428" cy="4401205"/>
+            <a:off x="861999" y="1461839"/>
+            <a:ext cx="9306428" cy="4431983"/>
           </a:xfrm>
           <a:prstGeom prst="rect">
             <a:avLst/>
@@ -13202,6 +13090,9 @@
           </a:bodyPr>
           <a:lstStyle/>
           <a:p>
+            <a:endParaRPr lang="en-US" altLang="ko-KR" sz="1400" b="1" dirty="0"/>
+          </a:p>
+          <a:p>
             <a:r>
               <a:rPr lang="ko-KR" altLang="en-US" sz="1400" b="1" dirty="0"/>
               <a:t>⨀ </a:t>
@@ -13212,7 +13103,7 @@
             </a:r>
             <a:r>
               <a:rPr lang="ko-KR" altLang="en-US" sz="1400" b="1" dirty="0"/>
-              <a:t>인덱싱을 통한 부하 감소</a:t>
+              <a:t>인덱싱을 통한 속도 향상</a:t>
             </a:r>
             <a:endParaRPr lang="en-US" altLang="ko-KR" sz="1400" b="1" dirty="0"/>
           </a:p>
@@ -13226,7 +13117,7 @@
             </a:r>
             <a:r>
               <a:rPr lang="en-US" altLang="ko-KR" sz="1200" dirty="0" err="1"/>
-              <a:t>AcquaintanceRelation</a:t>
+              <a:t>acquaintance_relations</a:t>
             </a:r>
             <a:r>
               <a:rPr lang="en-US" altLang="ko-KR" sz="1200" dirty="0"/>
@@ -13234,7 +13125,19 @@
             </a:r>
             <a:r>
               <a:rPr lang="ko-KR" altLang="en-US" sz="1200" dirty="0"/>
-              <a:t>테이블에 </a:t>
+              <a:t>테이블의 </a:t>
+            </a:r>
+            <a:r>
+              <a:rPr lang="en-US" altLang="ko-KR" sz="1200" dirty="0" err="1"/>
+              <a:t>user_id</a:t>
+            </a:r>
+            <a:r>
+              <a:rPr lang="en-US" altLang="ko-KR" sz="1200" dirty="0"/>
+              <a:t> </a:t>
+            </a:r>
+            <a:r>
+              <a:rPr lang="ko-KR" altLang="en-US" sz="1200" dirty="0"/>
+              <a:t>컬럼에 </a:t>
             </a:r>
             <a:r>
               <a:rPr lang="en-US" altLang="ko-KR" sz="1200" dirty="0"/>
@@ -13267,6 +13170,12 @@
             <a:endParaRPr lang="en-US" altLang="ko-KR" sz="1200" b="1" dirty="0"/>
           </a:p>
           <a:p>
+            <a:endParaRPr lang="en-US" altLang="ko-KR" sz="1200" b="1" dirty="0"/>
+          </a:p>
+          <a:p>
+            <a:endParaRPr lang="en-US" altLang="ko-KR" sz="1200" b="1" dirty="0"/>
+          </a:p>
+          <a:p>
             <a:r>
               <a:rPr lang="ko-KR" altLang="en-US" sz="1400" b="1" dirty="0"/>
               <a:t>⨀ 인덱싱을 선택한 이유</a:t>
@@ -13317,7 +13226,7 @@
             </a:r>
             <a:r>
               <a:rPr lang="en-US" altLang="ko-KR" sz="1200" b="1" dirty="0"/>
-              <a:t>Select</a:t>
+              <a:t>select</a:t>
             </a:r>
             <a:r>
               <a:rPr lang="ko-KR" altLang="en-US" sz="1200" b="1" dirty="0"/>
@@ -13389,18 +13298,6 @@
               <a:rPr lang="en-US" altLang="ko-KR" sz="1200" dirty="0"/>
               <a:t>.</a:t>
             </a:r>
-          </a:p>
-          <a:p>
-            <a:endParaRPr lang="en-US" altLang="ko-KR" sz="1200" dirty="0"/>
-          </a:p>
-          <a:p>
-            <a:r>
-              <a:rPr lang="en-US" altLang="ko-KR" sz="1200" dirty="0"/>
-              <a:t> </a:t>
-            </a:r>
-          </a:p>
-          <a:p>
-            <a:endParaRPr lang="en-US" altLang="ko-KR" sz="1200" dirty="0"/>
           </a:p>
         </p:txBody>
       </p:sp>
@@ -13485,7 +13382,7 @@
         <p:spPr>
           <a:xfrm>
             <a:off x="771919" y="1427811"/>
-            <a:ext cx="9265704" cy="3585597"/>
+            <a:ext cx="9265704" cy="3385542"/>
           </a:xfrm>
           <a:prstGeom prst="rect">
             <a:avLst/>
@@ -13538,22 +13435,24 @@
           <a:p>
             <a:r>
               <a:rPr lang="en-US" altLang="ko-KR" sz="1300" dirty="0"/>
-              <a:t> 1. JWT</a:t>
+              <a:t> 1. </a:t>
             </a:r>
             <a:r>
               <a:rPr lang="ko-KR" altLang="en-US" sz="1300" dirty="0"/>
-              <a:t>를 사용하여 로그인 기능을 구현하였습니다</a:t>
+              <a:t>세션 로그인 방법 대신 </a:t>
+            </a:r>
+            <a:r>
+              <a:rPr lang="en-US" altLang="ko-KR" sz="1300" dirty="0"/>
+              <a:t>JWT</a:t>
+            </a:r>
+            <a:r>
+              <a:rPr lang="ko-KR" altLang="en-US" sz="1300" dirty="0"/>
+              <a:t>를 사용하여 서버 구조가 쉽게 확장 되도록 하였습니다</a:t>
             </a:r>
             <a:r>
               <a:rPr lang="en-US" altLang="ko-KR" sz="1300" dirty="0"/>
               <a:t>.</a:t>
             </a:r>
-          </a:p>
-          <a:p>
-            <a:pPr marL="228600" indent="-228600">
-              <a:buAutoNum type="arabicPeriod"/>
-            </a:pPr>
-            <a:endParaRPr lang="en-US" altLang="ko-KR" sz="1300" dirty="0"/>
           </a:p>
           <a:p>
             <a:endParaRPr lang="en-US" altLang="ko-KR" sz="1300" dirty="0"/>
@@ -13858,7 +13757,7 @@
         </p:nvSpPr>
         <p:spPr>
           <a:xfrm>
-            <a:off x="939002" y="1493122"/>
+            <a:off x="939002" y="1589373"/>
             <a:ext cx="9306428" cy="4585871"/>
           </a:xfrm>
           <a:prstGeom prst="rect">
@@ -13925,9 +13824,20 @@
             </a:r>
             <a:r>
               <a:rPr lang="ko-KR" altLang="en-US" sz="1400" b="1" dirty="0"/>
-              <a:t> 배포</a:t>
-            </a:r>
-            <a:endParaRPr lang="en-US" altLang="ko-KR" sz="1400" b="1" dirty="0"/>
+              <a:t> 배포 </a:t>
+            </a:r>
+            <a:r>
+              <a:rPr lang="en-US" altLang="ko-KR" sz="1400" b="1" dirty="0"/>
+              <a:t>(</a:t>
+            </a:r>
+            <a:r>
+              <a:rPr lang="ko-KR" altLang="en-US" sz="1400" b="1" dirty="0"/>
+              <a:t>블루그린 방식</a:t>
+            </a:r>
+            <a:r>
+              <a:rPr lang="en-US" altLang="ko-KR" sz="1400" b="1" dirty="0"/>
+              <a:t>)</a:t>
+            </a:r>
           </a:p>
           <a:p>
             <a:endParaRPr lang="en-US" altLang="ko-KR" sz="1400" b="1" dirty="0"/>
@@ -14107,10 +14017,82 @@
       </p:sp>
       <p:sp>
         <p:nvSpPr>
-          <p:cNvPr id="7" name="object 6">
-            <a:extLst>
-              <a:ext uri="{FF2B5EF4-FFF2-40B4-BE49-F238E27FC236}">
-                <a16:creationId xmlns:a16="http://schemas.microsoft.com/office/drawing/2014/main" id="{05453229-C69C-46B4-B575-5C14E564D955}"/>
+          <p:cNvPr id="11" name="TextBox 10">
+            <a:extLst>
+              <a:ext uri="{FF2B5EF4-FFF2-40B4-BE49-F238E27FC236}">
+                <a16:creationId xmlns:a16="http://schemas.microsoft.com/office/drawing/2014/main" id="{48B76A10-35E7-4DC2-AF2A-FCBF83B159FB}"/>
+              </a:ext>
+            </a:extLst>
+          </p:cNvPr>
+          <p:cNvSpPr txBox="1"/>
+          <p:nvPr/>
+        </p:nvSpPr>
+        <p:spPr>
+          <a:xfrm>
+            <a:off x="1183229" y="2615139"/>
+            <a:ext cx="2390775" cy="369332"/>
+          </a:xfrm>
+          <a:prstGeom prst="rect">
+            <a:avLst/>
+          </a:prstGeom>
+          <a:noFill/>
+        </p:spPr>
+        <p:txBody>
+          <a:bodyPr wrap="square" rtlCol="0">
+            <a:spAutoFit/>
+          </a:bodyPr>
+          <a:lstStyle/>
+          <a:p>
+            <a:r>
+              <a:rPr lang="ko-KR" altLang="en-US" b="1" dirty="0"/>
+              <a:t>인턴십 기간</a:t>
+            </a:r>
+            <a:endParaRPr lang="en-US" altLang="ko-KR" b="1" dirty="0"/>
+          </a:p>
+        </p:txBody>
+      </p:sp>
+      <p:sp>
+        <p:nvSpPr>
+          <p:cNvPr id="13" name="TextBox 12">
+            <a:extLst>
+              <a:ext uri="{FF2B5EF4-FFF2-40B4-BE49-F238E27FC236}">
+                <a16:creationId xmlns:a16="http://schemas.microsoft.com/office/drawing/2014/main" id="{E400076C-0F5F-4092-A177-2D82071AB988}"/>
+              </a:ext>
+            </a:extLst>
+          </p:cNvPr>
+          <p:cNvSpPr txBox="1"/>
+          <p:nvPr/>
+        </p:nvSpPr>
+        <p:spPr>
+          <a:xfrm>
+            <a:off x="1204060" y="2984471"/>
+            <a:ext cx="2349112" cy="307777"/>
+          </a:xfrm>
+          <a:prstGeom prst="rect">
+            <a:avLst/>
+          </a:prstGeom>
+          <a:noFill/>
+        </p:spPr>
+        <p:txBody>
+          <a:bodyPr wrap="square" rtlCol="0">
+            <a:spAutoFit/>
+          </a:bodyPr>
+          <a:lstStyle/>
+          <a:p>
+            <a:r>
+              <a:rPr lang="en-US" altLang="ko-KR" sz="1400" dirty="0"/>
+              <a:t>2022. 03 ~ 2022. 06</a:t>
+            </a:r>
+            <a:endParaRPr lang="ko-KR" altLang="en-US" sz="1400" dirty="0"/>
+          </a:p>
+        </p:txBody>
+      </p:sp>
+      <p:sp>
+        <p:nvSpPr>
+          <p:cNvPr id="20" name="object 6">
+            <a:extLst>
+              <a:ext uri="{FF2B5EF4-FFF2-40B4-BE49-F238E27FC236}">
+                <a16:creationId xmlns:a16="http://schemas.microsoft.com/office/drawing/2014/main" id="{439DEE50-AA2F-41D9-AE3A-503F35537DCF}"/>
               </a:ext>
             </a:extLst>
           </p:cNvPr>
@@ -14119,7 +14101,7 @@
         </p:nvSpPr>
         <p:spPr>
           <a:xfrm>
-            <a:off x="687000" y="2782929"/>
+            <a:off x="687695" y="3826073"/>
             <a:ext cx="127155" cy="121059"/>
           </a:xfrm>
           <a:prstGeom prst="rect">
@@ -14142,10 +14124,10 @@
       </p:sp>
       <p:sp>
         <p:nvSpPr>
-          <p:cNvPr id="11" name="TextBox 10">
-            <a:extLst>
-              <a:ext uri="{FF2B5EF4-FFF2-40B4-BE49-F238E27FC236}">
-                <a16:creationId xmlns:a16="http://schemas.microsoft.com/office/drawing/2014/main" id="{48B76A10-35E7-4DC2-AF2A-FCBF83B159FB}"/>
+          <p:cNvPr id="21" name="TextBox 20">
+            <a:extLst>
+              <a:ext uri="{FF2B5EF4-FFF2-40B4-BE49-F238E27FC236}">
+                <a16:creationId xmlns:a16="http://schemas.microsoft.com/office/drawing/2014/main" id="{5C109568-ED4B-474C-B8FC-D8DF923E81CF}"/>
               </a:ext>
             </a:extLst>
           </p:cNvPr>
@@ -14154,7 +14136,7 @@
         </p:nvSpPr>
         <p:spPr>
           <a:xfrm>
-            <a:off x="1183229" y="2632836"/>
+            <a:off x="1203903" y="3675980"/>
             <a:ext cx="2390775" cy="369332"/>
           </a:xfrm>
           <a:prstGeom prst="rect">
@@ -14170,7 +14152,7 @@
           <a:p>
             <a:r>
               <a:rPr lang="ko-KR" altLang="en-US" b="1" dirty="0"/>
-              <a:t>인턴십 기간</a:t>
+              <a:t>서비스 설명</a:t>
             </a:r>
             <a:endParaRPr lang="en-US" altLang="ko-KR" b="1" dirty="0"/>
           </a:p>
@@ -14178,46 +14160,10 @@
       </p:sp>
       <p:sp>
         <p:nvSpPr>
-          <p:cNvPr id="13" name="TextBox 12">
-            <a:extLst>
-              <a:ext uri="{FF2B5EF4-FFF2-40B4-BE49-F238E27FC236}">
-                <a16:creationId xmlns:a16="http://schemas.microsoft.com/office/drawing/2014/main" id="{E400076C-0F5F-4092-A177-2D82071AB988}"/>
-              </a:ext>
-            </a:extLst>
-          </p:cNvPr>
-          <p:cNvSpPr txBox="1"/>
-          <p:nvPr/>
-        </p:nvSpPr>
-        <p:spPr>
-          <a:xfrm>
-            <a:off x="1204060" y="3002168"/>
-            <a:ext cx="2349112" cy="307777"/>
-          </a:xfrm>
-          <a:prstGeom prst="rect">
-            <a:avLst/>
-          </a:prstGeom>
-          <a:noFill/>
-        </p:spPr>
-        <p:txBody>
-          <a:bodyPr wrap="square" rtlCol="0">
-            <a:spAutoFit/>
-          </a:bodyPr>
-          <a:lstStyle/>
-          <a:p>
-            <a:r>
-              <a:rPr lang="en-US" altLang="ko-KR" sz="1400" dirty="0"/>
-              <a:t>2022. 03 ~ 2022. 06</a:t>
-            </a:r>
-            <a:endParaRPr lang="ko-KR" altLang="en-US" sz="1400" dirty="0"/>
-          </a:p>
-        </p:txBody>
-      </p:sp>
-      <p:sp>
-        <p:nvSpPr>
-          <p:cNvPr id="20" name="object 6">
-            <a:extLst>
-              <a:ext uri="{FF2B5EF4-FFF2-40B4-BE49-F238E27FC236}">
-                <a16:creationId xmlns:a16="http://schemas.microsoft.com/office/drawing/2014/main" id="{439DEE50-AA2F-41D9-AE3A-503F35537DCF}"/>
+          <p:cNvPr id="23" name="object 6">
+            <a:extLst>
+              <a:ext uri="{FF2B5EF4-FFF2-40B4-BE49-F238E27FC236}">
+                <a16:creationId xmlns:a16="http://schemas.microsoft.com/office/drawing/2014/main" id="{B1AADEE6-DBEB-42E0-87F8-D260129E2BA8}"/>
               </a:ext>
             </a:extLst>
           </p:cNvPr>
@@ -14226,7 +14172,7 @@
         </p:nvSpPr>
         <p:spPr>
           <a:xfrm>
-            <a:off x="687695" y="3826073"/>
+            <a:off x="6849506" y="3926289"/>
             <a:ext cx="127155" cy="121059"/>
           </a:xfrm>
           <a:prstGeom prst="rect">
@@ -14249,10 +14195,10 @@
       </p:sp>
       <p:sp>
         <p:nvSpPr>
-          <p:cNvPr id="21" name="TextBox 20">
-            <a:extLst>
-              <a:ext uri="{FF2B5EF4-FFF2-40B4-BE49-F238E27FC236}">
-                <a16:creationId xmlns:a16="http://schemas.microsoft.com/office/drawing/2014/main" id="{5C109568-ED4B-474C-B8FC-D8DF923E81CF}"/>
+          <p:cNvPr id="24" name="TextBox 23">
+            <a:extLst>
+              <a:ext uri="{FF2B5EF4-FFF2-40B4-BE49-F238E27FC236}">
+                <a16:creationId xmlns:a16="http://schemas.microsoft.com/office/drawing/2014/main" id="{B6002A62-FFDD-4FC0-8B75-67D4CDA6615E}"/>
               </a:ext>
             </a:extLst>
           </p:cNvPr>
@@ -14261,7 +14207,7 @@
         </p:nvSpPr>
         <p:spPr>
           <a:xfrm>
-            <a:off x="1203903" y="3675980"/>
+            <a:off x="7345735" y="3776196"/>
             <a:ext cx="2390775" cy="369332"/>
           </a:xfrm>
           <a:prstGeom prst="rect">
@@ -14277,7 +14223,7 @@
           <a:p>
             <a:r>
               <a:rPr lang="ko-KR" altLang="en-US" b="1" dirty="0"/>
-              <a:t>서비스 설명</a:t>
+              <a:t>나의 구현 내용</a:t>
             </a:r>
             <a:endParaRPr lang="en-US" altLang="ko-KR" b="1" dirty="0"/>
           </a:p>
@@ -14285,10 +14231,235 @@
       </p:sp>
       <p:sp>
         <p:nvSpPr>
-          <p:cNvPr id="23" name="object 6">
-            <a:extLst>
-              <a:ext uri="{FF2B5EF4-FFF2-40B4-BE49-F238E27FC236}">
-                <a16:creationId xmlns:a16="http://schemas.microsoft.com/office/drawing/2014/main" id="{B1AADEE6-DBEB-42E0-87F8-D260129E2BA8}"/>
+          <p:cNvPr id="25" name="TextBox 24">
+            <a:extLst>
+              <a:ext uri="{FF2B5EF4-FFF2-40B4-BE49-F238E27FC236}">
+                <a16:creationId xmlns:a16="http://schemas.microsoft.com/office/drawing/2014/main" id="{60A8802D-994C-46BB-8F06-E3B54DD130A8}"/>
+              </a:ext>
+            </a:extLst>
+          </p:cNvPr>
+          <p:cNvSpPr txBox="1"/>
+          <p:nvPr/>
+        </p:nvSpPr>
+        <p:spPr>
+          <a:xfrm>
+            <a:off x="7366564" y="4168822"/>
+            <a:ext cx="3621533" cy="1277273"/>
+          </a:xfrm>
+          <a:prstGeom prst="rect">
+            <a:avLst/>
+          </a:prstGeom>
+          <a:noFill/>
+        </p:spPr>
+        <p:txBody>
+          <a:bodyPr wrap="square" rtlCol="0">
+            <a:spAutoFit/>
+          </a:bodyPr>
+          <a:lstStyle/>
+          <a:p>
+            <a:endParaRPr lang="en-US" altLang="ko-KR" sz="1100" dirty="0"/>
+          </a:p>
+          <a:p>
+            <a:r>
+              <a:rPr lang="ko-KR" altLang="en-US" sz="1100" dirty="0"/>
+              <a:t>⨀ 서버 </a:t>
+            </a:r>
+            <a:r>
+              <a:rPr lang="en-US" altLang="ko-KR" sz="1100" dirty="0"/>
+              <a:t>API </a:t>
+            </a:r>
+            <a:r>
+              <a:rPr lang="ko-KR" altLang="en-US" sz="1100" dirty="0"/>
+              <a:t>로직 작성</a:t>
+            </a:r>
+            <a:endParaRPr lang="en-US" altLang="ko-KR" sz="1100" dirty="0"/>
+          </a:p>
+          <a:p>
+            <a:endParaRPr lang="en-US" altLang="ko-KR" sz="1100" dirty="0"/>
+          </a:p>
+          <a:p>
+            <a:r>
+              <a:rPr lang="ko-KR" altLang="en-US" sz="1100" dirty="0"/>
+              <a:t>⨀ </a:t>
+            </a:r>
+            <a:r>
+              <a:rPr lang="en-US" altLang="ko-KR" sz="1100" dirty="0"/>
+              <a:t>mem-cached</a:t>
+            </a:r>
+            <a:r>
+              <a:rPr lang="ko-KR" altLang="en-US" sz="1100" dirty="0"/>
+              <a:t>를 이용한 </a:t>
+            </a:r>
+            <a:r>
+              <a:rPr lang="ko-KR" altLang="en-US" sz="1100" dirty="0" err="1"/>
+              <a:t>캐싱</a:t>
+            </a:r>
+            <a:endParaRPr lang="en-US" altLang="ko-KR" sz="1100" dirty="0"/>
+          </a:p>
+          <a:p>
+            <a:endParaRPr lang="en-US" altLang="ko-KR" sz="1100" dirty="0"/>
+          </a:p>
+          <a:p>
+            <a:r>
+              <a:rPr lang="ko-KR" altLang="en-US" sz="1100" dirty="0"/>
+              <a:t>⨀ </a:t>
+            </a:r>
+            <a:r>
+              <a:rPr lang="ko-KR" altLang="en-US" sz="1100" dirty="0" err="1"/>
+              <a:t>리팩토링을</a:t>
+            </a:r>
+            <a:r>
+              <a:rPr lang="ko-KR" altLang="en-US" sz="1100" dirty="0"/>
+              <a:t> 통한 시간 단축 및 코드 간소화</a:t>
+            </a:r>
+            <a:endParaRPr lang="en-US" altLang="ko-KR" sz="1100" dirty="0"/>
+          </a:p>
+          <a:p>
+            <a:endParaRPr lang="en-US" altLang="ko-KR" sz="1100" dirty="0"/>
+          </a:p>
+        </p:txBody>
+      </p:sp>
+      <p:sp>
+        <p:nvSpPr>
+          <p:cNvPr id="26" name="TextBox 25">
+            <a:extLst>
+              <a:ext uri="{FF2B5EF4-FFF2-40B4-BE49-F238E27FC236}">
+                <a16:creationId xmlns:a16="http://schemas.microsoft.com/office/drawing/2014/main" id="{C3427E50-B330-4DAB-8331-9469154D2C22}"/>
+              </a:ext>
+            </a:extLst>
+          </p:cNvPr>
+          <p:cNvSpPr txBox="1"/>
+          <p:nvPr/>
+        </p:nvSpPr>
+        <p:spPr>
+          <a:xfrm>
+            <a:off x="1050520" y="4000272"/>
+            <a:ext cx="4489268" cy="1200329"/>
+          </a:xfrm>
+          <a:prstGeom prst="rect">
+            <a:avLst/>
+          </a:prstGeom>
+          <a:noFill/>
+        </p:spPr>
+        <p:txBody>
+          <a:bodyPr wrap="square" rtlCol="0">
+            <a:spAutoFit/>
+          </a:bodyPr>
+          <a:lstStyle/>
+          <a:p>
+            <a:endParaRPr lang="en-US" altLang="ko-KR" sz="1200" dirty="0"/>
+          </a:p>
+          <a:p>
+            <a:pPr marL="171450" indent="-171450">
+              <a:buFontTx/>
+              <a:buChar char="-"/>
+            </a:pPr>
+            <a:r>
+              <a:rPr lang="ko-KR" altLang="en-US" sz="1200" dirty="0"/>
+              <a:t>라이브 영상을 시청하며 실시간으로 물건을 구매할 수 있는 서비스입니다</a:t>
+            </a:r>
+            <a:r>
+              <a:rPr lang="en-US" altLang="ko-KR" sz="1200" dirty="0"/>
+              <a:t>.</a:t>
+            </a:r>
+          </a:p>
+          <a:p>
+            <a:endParaRPr lang="en-US" altLang="ko-KR" sz="1200" dirty="0"/>
+          </a:p>
+          <a:p>
+            <a:pPr marL="171450" indent="-171450">
+              <a:buFontTx/>
+              <a:buChar char="-"/>
+            </a:pPr>
+            <a:r>
+              <a:rPr lang="en-US" altLang="ko-KR" sz="1200" dirty="0"/>
+              <a:t>B</a:t>
+            </a:r>
+            <a:r>
+              <a:rPr lang="ko-KR" altLang="en-US" sz="1200" dirty="0"/>
+              <a:t> </a:t>
+            </a:r>
+            <a:r>
+              <a:rPr lang="en-US" altLang="ko-KR" sz="1200" dirty="0"/>
+              <a:t>to</a:t>
+            </a:r>
+            <a:r>
+              <a:rPr lang="ko-KR" altLang="en-US" sz="1200" dirty="0"/>
+              <a:t> </a:t>
+            </a:r>
+            <a:r>
+              <a:rPr lang="en-US" altLang="ko-KR" sz="1200" dirty="0"/>
+              <a:t>B</a:t>
+            </a:r>
+            <a:r>
+              <a:rPr lang="ko-KR" altLang="en-US" sz="1200" dirty="0"/>
+              <a:t> 서비스로서 고객사의 </a:t>
+            </a:r>
+            <a:r>
+              <a:rPr lang="en-US" altLang="ko-KR" sz="1200" dirty="0"/>
+              <a:t>UI </a:t>
+            </a:r>
+            <a:r>
+              <a:rPr lang="ko-KR" altLang="en-US" sz="1200" dirty="0"/>
+              <a:t>화면에 플러그인 형식으로 서비스를 제공합니다</a:t>
+            </a:r>
+            <a:r>
+              <a:rPr lang="en-US" altLang="ko-KR" sz="1200" dirty="0"/>
+              <a:t>.</a:t>
+            </a:r>
+          </a:p>
+        </p:txBody>
+      </p:sp>
+      <p:sp>
+        <p:nvSpPr>
+          <p:cNvPr id="19" name="TextBox 18">
+            <a:extLst>
+              <a:ext uri="{FF2B5EF4-FFF2-40B4-BE49-F238E27FC236}">
+                <a16:creationId xmlns:a16="http://schemas.microsoft.com/office/drawing/2014/main" id="{EA1CF93A-764F-4F9D-8609-81213E855908}"/>
+              </a:ext>
+            </a:extLst>
+          </p:cNvPr>
+          <p:cNvSpPr txBox="1"/>
+          <p:nvPr/>
+        </p:nvSpPr>
+        <p:spPr>
+          <a:xfrm>
+            <a:off x="687695" y="1415992"/>
+            <a:ext cx="4562476" cy="369332"/>
+          </a:xfrm>
+          <a:prstGeom prst="rect">
+            <a:avLst/>
+          </a:prstGeom>
+          <a:noFill/>
+        </p:spPr>
+        <p:txBody>
+          <a:bodyPr wrap="square" rtlCol="0">
+            <a:spAutoFit/>
+          </a:bodyPr>
+          <a:lstStyle/>
+          <a:p>
+            <a:r>
+              <a:rPr lang="ko-KR" altLang="en-US" b="1" dirty="0"/>
+              <a:t>서비스 명 </a:t>
+            </a:r>
+            <a:r>
+              <a:rPr lang="en-US" altLang="ko-KR" b="1" dirty="0"/>
+              <a:t>: </a:t>
+            </a:r>
+            <a:r>
+              <a:rPr lang="ko-KR" altLang="en-US" b="1" dirty="0" err="1"/>
+              <a:t>샵라이브</a:t>
+            </a:r>
+            <a:endParaRPr lang="ko-KR" altLang="en-US" b="1" dirty="0"/>
+          </a:p>
+        </p:txBody>
+      </p:sp>
+      <p:sp>
+        <p:nvSpPr>
+          <p:cNvPr id="14" name="object 6">
+            <a:extLst>
+              <a:ext uri="{FF2B5EF4-FFF2-40B4-BE49-F238E27FC236}">
+                <a16:creationId xmlns:a16="http://schemas.microsoft.com/office/drawing/2014/main" id="{59A1C677-34F2-458B-A034-4C3F4C3032EB}"/>
               </a:ext>
             </a:extLst>
           </p:cNvPr>
@@ -14297,7 +14468,7 @@
         </p:nvSpPr>
         <p:spPr>
           <a:xfrm>
-            <a:off x="6849506" y="3926289"/>
+            <a:off x="6848098" y="2796623"/>
             <a:ext cx="127155" cy="121059"/>
           </a:xfrm>
           <a:prstGeom prst="rect">
@@ -14320,10 +14491,10 @@
       </p:sp>
       <p:sp>
         <p:nvSpPr>
-          <p:cNvPr id="24" name="TextBox 23">
-            <a:extLst>
-              <a:ext uri="{FF2B5EF4-FFF2-40B4-BE49-F238E27FC236}">
-                <a16:creationId xmlns:a16="http://schemas.microsoft.com/office/drawing/2014/main" id="{B6002A62-FFDD-4FC0-8B75-67D4CDA6615E}"/>
+          <p:cNvPr id="15" name="TextBox 14">
+            <a:extLst>
+              <a:ext uri="{FF2B5EF4-FFF2-40B4-BE49-F238E27FC236}">
+                <a16:creationId xmlns:a16="http://schemas.microsoft.com/office/drawing/2014/main" id="{9246F0F0-0293-4599-A93F-A00BC965088A}"/>
               </a:ext>
             </a:extLst>
           </p:cNvPr>
@@ -14332,7 +14503,7 @@
         </p:nvSpPr>
         <p:spPr>
           <a:xfrm>
-            <a:off x="7345735" y="3776196"/>
+            <a:off x="7153140" y="2646530"/>
             <a:ext cx="2390775" cy="369332"/>
           </a:xfrm>
           <a:prstGeom prst="rect">
@@ -14348,7 +14519,7 @@
           <a:p>
             <a:r>
               <a:rPr lang="ko-KR" altLang="en-US" b="1" dirty="0"/>
-              <a:t>나의 구현 내용</a:t>
+              <a:t>기술 스택</a:t>
             </a:r>
             <a:endParaRPr lang="en-US" altLang="ko-KR" b="1" dirty="0"/>
           </a:p>
@@ -14356,10 +14527,10 @@
       </p:sp>
       <p:sp>
         <p:nvSpPr>
-          <p:cNvPr id="25" name="TextBox 24">
-            <a:extLst>
-              <a:ext uri="{FF2B5EF4-FFF2-40B4-BE49-F238E27FC236}">
-                <a16:creationId xmlns:a16="http://schemas.microsoft.com/office/drawing/2014/main" id="{60A8802D-994C-46BB-8F06-E3B54DD130A8}"/>
+          <p:cNvPr id="16" name="TextBox 15">
+            <a:extLst>
+              <a:ext uri="{FF2B5EF4-FFF2-40B4-BE49-F238E27FC236}">
+                <a16:creationId xmlns:a16="http://schemas.microsoft.com/office/drawing/2014/main" id="{094678DA-0FEE-416F-A515-5D1F36F4A337}"/>
               </a:ext>
             </a:extLst>
           </p:cNvPr>
@@ -14368,8 +14539,8 @@
         </p:nvSpPr>
         <p:spPr>
           <a:xfrm>
-            <a:off x="7366564" y="4168822"/>
-            <a:ext cx="3621533" cy="1277273"/>
+            <a:off x="7153140" y="3026440"/>
+            <a:ext cx="2504104" cy="307777"/>
           </a:xfrm>
           <a:prstGeom prst="rect">
             <a:avLst/>
@@ -14382,211 +14553,62 @@
           </a:bodyPr>
           <a:lstStyle/>
           <a:p>
-            <a:endParaRPr lang="en-US" altLang="ko-KR" sz="1100" dirty="0"/>
-          </a:p>
-          <a:p>
-            <a:r>
-              <a:rPr lang="ko-KR" altLang="en-US" sz="1100" dirty="0"/>
-              <a:t>⨀ 서버 </a:t>
-            </a:r>
-            <a:r>
-              <a:rPr lang="en-US" altLang="ko-KR" sz="1100" dirty="0"/>
-              <a:t>API </a:t>
-            </a:r>
-            <a:r>
-              <a:rPr lang="ko-KR" altLang="en-US" sz="1100" dirty="0"/>
-              <a:t>로직 작성</a:t>
-            </a:r>
-            <a:endParaRPr lang="en-US" altLang="ko-KR" sz="1100" dirty="0"/>
-          </a:p>
-          <a:p>
-            <a:endParaRPr lang="en-US" altLang="ko-KR" sz="1100" dirty="0"/>
-          </a:p>
-          <a:p>
-            <a:r>
-              <a:rPr lang="ko-KR" altLang="en-US" sz="1100" dirty="0"/>
-              <a:t>⨀ </a:t>
-            </a:r>
-            <a:r>
-              <a:rPr lang="en-US" altLang="ko-KR" sz="1100" dirty="0"/>
-              <a:t>arcus(mem-cached)</a:t>
-            </a:r>
-            <a:r>
-              <a:rPr lang="ko-KR" altLang="en-US" sz="1100" dirty="0"/>
-              <a:t>를 이용한 </a:t>
-            </a:r>
-            <a:r>
-              <a:rPr lang="ko-KR" altLang="en-US" sz="1100" dirty="0" err="1"/>
-              <a:t>캐싱</a:t>
-            </a:r>
-            <a:endParaRPr lang="en-US" altLang="ko-KR" sz="1100" dirty="0"/>
-          </a:p>
-          <a:p>
-            <a:endParaRPr lang="en-US" altLang="ko-KR" sz="1100" dirty="0"/>
-          </a:p>
-          <a:p>
-            <a:r>
-              <a:rPr lang="ko-KR" altLang="en-US" sz="1100" dirty="0"/>
-              <a:t>⨀ </a:t>
-            </a:r>
-            <a:r>
-              <a:rPr lang="ko-KR" altLang="en-US" sz="1100" dirty="0" err="1"/>
-              <a:t>리팩토링을</a:t>
-            </a:r>
-            <a:r>
-              <a:rPr lang="ko-KR" altLang="en-US" sz="1100" dirty="0"/>
-              <a:t> 통한 시간 단축 및 코드 간소화</a:t>
-            </a:r>
-            <a:endParaRPr lang="en-US" altLang="ko-KR" sz="1100" dirty="0"/>
-          </a:p>
-          <a:p>
-            <a:endParaRPr lang="en-US" altLang="ko-KR" sz="1100" dirty="0"/>
-          </a:p>
-        </p:txBody>
-      </p:sp>
-      <p:sp>
-        <p:nvSpPr>
-          <p:cNvPr id="26" name="TextBox 25">
-            <a:extLst>
-              <a:ext uri="{FF2B5EF4-FFF2-40B4-BE49-F238E27FC236}">
-                <a16:creationId xmlns:a16="http://schemas.microsoft.com/office/drawing/2014/main" id="{C3427E50-B330-4DAB-8331-9469154D2C22}"/>
-              </a:ext>
-            </a:extLst>
-          </p:cNvPr>
-          <p:cNvSpPr txBox="1"/>
-          <p:nvPr/>
-        </p:nvSpPr>
-        <p:spPr>
-          <a:xfrm>
-            <a:off x="1150812" y="4098403"/>
-            <a:ext cx="4489268" cy="1384995"/>
-          </a:xfrm>
-          <a:prstGeom prst="rect">
-            <a:avLst/>
-          </a:prstGeom>
-          <a:noFill/>
-        </p:spPr>
-        <p:txBody>
-          <a:bodyPr wrap="square" rtlCol="0">
-            <a:spAutoFit/>
-          </a:bodyPr>
-          <a:lstStyle/>
-          <a:p>
-            <a:pPr marL="171450" indent="-171450">
-              <a:buFontTx/>
-              <a:buChar char="-"/>
-            </a:pPr>
-            <a:r>
-              <a:rPr lang="ko-KR" altLang="en-US" sz="1200" dirty="0"/>
-              <a:t>라이브 커머스 서비스</a:t>
-            </a:r>
-            <a:endParaRPr lang="en-US" altLang="ko-KR" sz="1200" dirty="0"/>
-          </a:p>
-          <a:p>
-            <a:endParaRPr lang="en-US" altLang="ko-KR" sz="1200" dirty="0"/>
-          </a:p>
-          <a:p>
-            <a:pPr marL="171450" indent="-171450">
-              <a:buFontTx/>
-              <a:buChar char="-"/>
-            </a:pPr>
-            <a:r>
-              <a:rPr lang="ko-KR" altLang="en-US" sz="1200" dirty="0"/>
-              <a:t>라이브 영상을 시청하며 실시간으로 물건을 구매할 수 있는 서비스입니다</a:t>
-            </a:r>
-            <a:r>
-              <a:rPr lang="en-US" altLang="ko-KR" sz="1200" dirty="0"/>
-              <a:t>.</a:t>
-            </a:r>
-          </a:p>
-          <a:p>
-            <a:endParaRPr lang="en-US" altLang="ko-KR" sz="1200" dirty="0"/>
-          </a:p>
-          <a:p>
-            <a:pPr marL="171450" indent="-171450">
-              <a:buFontTx/>
-              <a:buChar char="-"/>
-            </a:pPr>
-            <a:r>
-              <a:rPr lang="en-US" altLang="ko-KR" sz="1200" dirty="0"/>
-              <a:t>B</a:t>
-            </a:r>
-            <a:r>
-              <a:rPr lang="ko-KR" altLang="en-US" sz="1200" dirty="0"/>
+            <a:r>
+              <a:rPr lang="en-US" altLang="ko-KR" sz="1400" dirty="0"/>
+              <a:t>- Java,</a:t>
+            </a:r>
+            <a:r>
+              <a:rPr lang="ko-KR" altLang="en-US" sz="1400" dirty="0"/>
               <a:t> </a:t>
             </a:r>
             <a:r>
-              <a:rPr lang="en-US" altLang="ko-KR" sz="1200" dirty="0"/>
-              <a:t>to</a:t>
-            </a:r>
-            <a:r>
-              <a:rPr lang="ko-KR" altLang="en-US" sz="1200" dirty="0"/>
-              <a:t> </a:t>
-            </a:r>
-            <a:r>
-              <a:rPr lang="en-US" altLang="ko-KR" sz="1200" dirty="0"/>
-              <a:t>B</a:t>
-            </a:r>
-            <a:r>
-              <a:rPr lang="ko-KR" altLang="en-US" sz="1200" dirty="0"/>
-              <a:t> 서비스로서 고객사의 </a:t>
-            </a:r>
-            <a:r>
-              <a:rPr lang="en-US" altLang="ko-KR" sz="1200" dirty="0"/>
-              <a:t>UI </a:t>
-            </a:r>
-            <a:r>
-              <a:rPr lang="ko-KR" altLang="en-US" sz="1200" dirty="0"/>
-              <a:t>화면에 플러그인 형식으로 서비스를 제공합니다</a:t>
-            </a:r>
-            <a:r>
-              <a:rPr lang="en-US" altLang="ko-KR" sz="1200" dirty="0"/>
-              <a:t>.</a:t>
-            </a:r>
-          </a:p>
-        </p:txBody>
-      </p:sp>
-      <p:sp>
-        <p:nvSpPr>
-          <p:cNvPr id="19" name="TextBox 18">
-            <a:extLst>
-              <a:ext uri="{FF2B5EF4-FFF2-40B4-BE49-F238E27FC236}">
-                <a16:creationId xmlns:a16="http://schemas.microsoft.com/office/drawing/2014/main" id="{EA1CF93A-764F-4F9D-8609-81213E855908}"/>
-              </a:ext>
-            </a:extLst>
-          </p:cNvPr>
-          <p:cNvSpPr txBox="1"/>
-          <p:nvPr/>
-        </p:nvSpPr>
-        <p:spPr>
-          <a:xfrm>
-            <a:off x="687695" y="1415992"/>
-            <a:ext cx="4562476" cy="369332"/>
-          </a:xfrm>
-          <a:prstGeom prst="rect">
-            <a:avLst/>
-          </a:prstGeom>
-          <a:noFill/>
-        </p:spPr>
-        <p:txBody>
-          <a:bodyPr wrap="square" rtlCol="0">
-            <a:spAutoFit/>
-          </a:bodyPr>
-          <a:lstStyle/>
-          <a:p>
-            <a:r>
-              <a:rPr lang="ko-KR" altLang="en-US" b="1" dirty="0"/>
-              <a:t>서비스 명 </a:t>
-            </a:r>
-            <a:r>
-              <a:rPr lang="en-US" altLang="ko-KR" b="1" dirty="0"/>
-              <a:t>: </a:t>
-            </a:r>
-            <a:r>
-              <a:rPr lang="ko-KR" altLang="en-US" b="1" dirty="0" err="1"/>
-              <a:t>샵라이브</a:t>
-            </a:r>
-            <a:endParaRPr lang="ko-KR" altLang="en-US" b="1" dirty="0"/>
+              <a:rPr lang="en-US" altLang="ko-KR" sz="1400" dirty="0" err="1"/>
+              <a:t>SpringBoot</a:t>
+            </a:r>
+            <a:r>
+              <a:rPr lang="en-US" altLang="ko-KR" sz="1400" dirty="0"/>
+              <a:t>, </a:t>
+            </a:r>
+            <a:r>
+              <a:rPr lang="en-US" altLang="ko-KR" sz="1400" dirty="0" err="1"/>
+              <a:t>MySql</a:t>
+            </a:r>
+            <a:endParaRPr lang="en-US" altLang="ko-KR" sz="1400" dirty="0"/>
+          </a:p>
+        </p:txBody>
+      </p:sp>
+      <p:sp>
+        <p:nvSpPr>
+          <p:cNvPr id="17" name="object 6">
+            <a:extLst>
+              <a:ext uri="{FF2B5EF4-FFF2-40B4-BE49-F238E27FC236}">
+                <a16:creationId xmlns:a16="http://schemas.microsoft.com/office/drawing/2014/main" id="{38AFF7DF-C4DB-49BA-B65D-82B5E44E6A38}"/>
+              </a:ext>
+            </a:extLst>
+          </p:cNvPr>
+          <p:cNvSpPr/>
+          <p:nvPr/>
+        </p:nvSpPr>
+        <p:spPr>
+          <a:xfrm>
+            <a:off x="686714" y="2780914"/>
+            <a:ext cx="127155" cy="121059"/>
+          </a:xfrm>
+          <a:prstGeom prst="rect">
+            <a:avLst/>
+          </a:prstGeom>
+          <a:blipFill>
+            <a:blip r:embed="rId2" cstate="print"/>
+            <a:stretch>
+              <a:fillRect/>
+            </a:stretch>
+          </a:blipFill>
+        </p:spPr>
+        <p:txBody>
+          <a:bodyPr wrap="square" lIns="0" tIns="0" rIns="0" bIns="0" rtlCol="0"/>
+          <a:lstStyle/>
+          <a:p>
+            <a:endParaRPr/>
           </a:p>
         </p:txBody>
       </p:sp>

--- a/오진호 포트폴리오.pptx
+++ b/오진호 포트폴리오.pptx
@@ -209,7 +209,7 @@
           <a:p>
             <a:fld id="{67406EAE-9ED8-4493-8307-E0CBB87D5314}" type="datetimeFigureOut">
               <a:rPr lang="ko-KR" altLang="en-US" smtClean="0"/>
-              <a:t>2022-04-30</a:t>
+              <a:t>2022-05-01</a:t>
             </a:fld>
             <a:endParaRPr lang="ko-KR" altLang="en-US"/>
           </a:p>
@@ -623,7 +623,7 @@
           <a:p>
             <a:fld id="{7E1FD04A-7A57-4ABB-A4D2-40192FED31D2}" type="datetimeFigureOut">
               <a:rPr lang="ko-KR" altLang="en-US" smtClean="0"/>
-              <a:t>2022-04-30</a:t>
+              <a:t>2022-05-01</a:t>
             </a:fld>
             <a:endParaRPr lang="ko-KR" altLang="en-US"/>
           </a:p>
@@ -821,7 +821,7 @@
           <a:p>
             <a:fld id="{7E1FD04A-7A57-4ABB-A4D2-40192FED31D2}" type="datetimeFigureOut">
               <a:rPr lang="ko-KR" altLang="en-US" smtClean="0"/>
-              <a:t>2022-04-30</a:t>
+              <a:t>2022-05-01</a:t>
             </a:fld>
             <a:endParaRPr lang="ko-KR" altLang="en-US"/>
           </a:p>
@@ -1029,7 +1029,7 @@
           <a:p>
             <a:fld id="{7E1FD04A-7A57-4ABB-A4D2-40192FED31D2}" type="datetimeFigureOut">
               <a:rPr lang="ko-KR" altLang="en-US" smtClean="0"/>
-              <a:t>2022-04-30</a:t>
+              <a:t>2022-05-01</a:t>
             </a:fld>
             <a:endParaRPr lang="ko-KR" altLang="en-US"/>
           </a:p>
@@ -1227,7 +1227,7 @@
           <a:p>
             <a:fld id="{7E1FD04A-7A57-4ABB-A4D2-40192FED31D2}" type="datetimeFigureOut">
               <a:rPr lang="ko-KR" altLang="en-US" smtClean="0"/>
-              <a:t>2022-04-30</a:t>
+              <a:t>2022-05-01</a:t>
             </a:fld>
             <a:endParaRPr lang="ko-KR" altLang="en-US"/>
           </a:p>
@@ -1502,7 +1502,7 @@
           <a:p>
             <a:fld id="{7E1FD04A-7A57-4ABB-A4D2-40192FED31D2}" type="datetimeFigureOut">
               <a:rPr lang="ko-KR" altLang="en-US" smtClean="0"/>
-              <a:t>2022-04-30</a:t>
+              <a:t>2022-05-01</a:t>
             </a:fld>
             <a:endParaRPr lang="ko-KR" altLang="en-US"/>
           </a:p>
@@ -1767,7 +1767,7 @@
           <a:p>
             <a:fld id="{7E1FD04A-7A57-4ABB-A4D2-40192FED31D2}" type="datetimeFigureOut">
               <a:rPr lang="ko-KR" altLang="en-US" smtClean="0"/>
-              <a:t>2022-04-30</a:t>
+              <a:t>2022-05-01</a:t>
             </a:fld>
             <a:endParaRPr lang="ko-KR" altLang="en-US"/>
           </a:p>
@@ -2179,7 +2179,7 @@
           <a:p>
             <a:fld id="{7E1FD04A-7A57-4ABB-A4D2-40192FED31D2}" type="datetimeFigureOut">
               <a:rPr lang="ko-KR" altLang="en-US" smtClean="0"/>
-              <a:t>2022-04-30</a:t>
+              <a:t>2022-05-01</a:t>
             </a:fld>
             <a:endParaRPr lang="ko-KR" altLang="en-US"/>
           </a:p>
@@ -2320,7 +2320,7 @@
           <a:p>
             <a:fld id="{7E1FD04A-7A57-4ABB-A4D2-40192FED31D2}" type="datetimeFigureOut">
               <a:rPr lang="ko-KR" altLang="en-US" smtClean="0"/>
-              <a:t>2022-04-30</a:t>
+              <a:t>2022-05-01</a:t>
             </a:fld>
             <a:endParaRPr lang="ko-KR" altLang="en-US"/>
           </a:p>
@@ -2433,7 +2433,7 @@
           <a:p>
             <a:fld id="{7E1FD04A-7A57-4ABB-A4D2-40192FED31D2}" type="datetimeFigureOut">
               <a:rPr lang="ko-KR" altLang="en-US" smtClean="0"/>
-              <a:t>2022-04-30</a:t>
+              <a:t>2022-05-01</a:t>
             </a:fld>
             <a:endParaRPr lang="ko-KR" altLang="en-US"/>
           </a:p>
@@ -2744,7 +2744,7 @@
           <a:p>
             <a:fld id="{7E1FD04A-7A57-4ABB-A4D2-40192FED31D2}" type="datetimeFigureOut">
               <a:rPr lang="ko-KR" altLang="en-US" smtClean="0"/>
-              <a:t>2022-04-30</a:t>
+              <a:t>2022-05-01</a:t>
             </a:fld>
             <a:endParaRPr lang="ko-KR" altLang="en-US"/>
           </a:p>
@@ -3032,7 +3032,7 @@
           <a:p>
             <a:fld id="{7E1FD04A-7A57-4ABB-A4D2-40192FED31D2}" type="datetimeFigureOut">
               <a:rPr lang="ko-KR" altLang="en-US" smtClean="0"/>
-              <a:t>2022-04-30</a:t>
+              <a:t>2022-05-01</a:t>
             </a:fld>
             <a:endParaRPr lang="ko-KR" altLang="en-US"/>
           </a:p>
@@ -3273,7 +3273,7 @@
           <a:p>
             <a:fld id="{7E1FD04A-7A57-4ABB-A4D2-40192FED31D2}" type="datetimeFigureOut">
               <a:rPr lang="ko-KR" altLang="en-US" smtClean="0"/>
-              <a:t>2022-04-30</a:t>
+              <a:t>2022-05-01</a:t>
             </a:fld>
             <a:endParaRPr lang="ko-KR" altLang="en-US"/>
           </a:p>
@@ -6427,7 +6427,7 @@
         <p:spPr>
           <a:xfrm>
             <a:off x="1077259" y="4013017"/>
-            <a:ext cx="4833045" cy="738664"/>
+            <a:ext cx="4833045" cy="523220"/>
           </a:xfrm>
           <a:prstGeom prst="rect">
             <a:avLst/>
@@ -6470,6 +6470,14 @@
             </a:r>
             <a:r>
               <a:rPr lang="en-US" altLang="ko-KR" sz="1400" dirty="0" err="1"/>
+              <a:t>Mysql</a:t>
+            </a:r>
+            <a:r>
+              <a:rPr lang="en-US" altLang="ko-KR" sz="1400" dirty="0"/>
+              <a:t>, </a:t>
+            </a:r>
+            <a:r>
+              <a:rPr lang="en-US" altLang="ko-KR" sz="1400" dirty="0" err="1"/>
               <a:t>Jsoup</a:t>
             </a:r>
             <a:r>
@@ -6481,22 +6489,17 @@
           <a:p>
             <a:r>
               <a:rPr lang="en-US" altLang="ko-KR" sz="1400" dirty="0"/>
-              <a:t>- CICD</a:t>
-            </a:r>
-          </a:p>
-          <a:p>
+              <a:t>- </a:t>
+            </a:r>
+            <a:r>
+              <a:rPr lang="en-US" altLang="ko-KR" sz="1400" dirty="0" err="1"/>
+              <a:t>Github</a:t>
+            </a:r>
             <a:r>
               <a:rPr lang="en-US" altLang="ko-KR" sz="1400" dirty="0"/>
-              <a:t>- </a:t>
-            </a:r>
-            <a:r>
-              <a:rPr lang="ko-KR" altLang="en-US" sz="1400" dirty="0" err="1"/>
-              <a:t>무중단</a:t>
-            </a:r>
-            <a:r>
-              <a:rPr lang="ko-KR" altLang="en-US" sz="1400" dirty="0"/>
-              <a:t> 배포</a:t>
-            </a:r>
+              <a:t> Action, Code Deploy, S3, Nginx</a:t>
+            </a:r>
+            <a:endParaRPr lang="ko-KR" altLang="en-US" sz="1400" dirty="0"/>
           </a:p>
         </p:txBody>
       </p:sp>
@@ -8854,7 +8857,7 @@
         <p:spPr>
           <a:xfrm>
             <a:off x="7548397" y="2837668"/>
-            <a:ext cx="3865008" cy="954107"/>
+            <a:ext cx="3865008" cy="738664"/>
           </a:xfrm>
           <a:prstGeom prst="rect">
             <a:avLst/>
@@ -8914,23 +8917,17 @@
           <a:p>
             <a:r>
               <a:rPr lang="en-US" altLang="ko-KR" sz="1400" dirty="0"/>
-              <a:t>- CICD</a:t>
+              <a:t>- </a:t>
+            </a:r>
+            <a:r>
+              <a:rPr lang="en-US" altLang="ko-KR" sz="1400" dirty="0" err="1"/>
+              <a:t>Github</a:t>
+            </a:r>
+            <a:r>
+              <a:rPr lang="en-US" altLang="ko-KR" sz="1400" dirty="0"/>
+              <a:t> Action, Code Deploy, S3, Nginx</a:t>
             </a:r>
             <a:endParaRPr lang="ko-KR" altLang="en-US" sz="1400" dirty="0"/>
-          </a:p>
-          <a:p>
-            <a:r>
-              <a:rPr lang="en-US" altLang="ko-KR" sz="1400" dirty="0"/>
-              <a:t>- </a:t>
-            </a:r>
-            <a:r>
-              <a:rPr lang="ko-KR" altLang="en-US" sz="1400" dirty="0" err="1"/>
-              <a:t>무중단</a:t>
-            </a:r>
-            <a:r>
-              <a:rPr lang="ko-KR" altLang="en-US" sz="1400" dirty="0"/>
-              <a:t> 배포</a:t>
-            </a:r>
           </a:p>
         </p:txBody>
       </p:sp>
@@ -9091,7 +9088,7 @@
         <p:spPr>
           <a:xfrm>
             <a:off x="7436237" y="4407689"/>
-            <a:ext cx="3507469" cy="1785104"/>
+            <a:ext cx="4380171" cy="1785104"/>
           </a:xfrm>
           <a:prstGeom prst="rect">
             <a:avLst/>
@@ -9106,7 +9103,7 @@
           <a:p>
             <a:r>
               <a:rPr lang="ko-KR" altLang="en-US" sz="1100" dirty="0"/>
-              <a:t>⨀ 서버 </a:t>
+              <a:t>⨀ </a:t>
             </a:r>
             <a:r>
               <a:rPr lang="en-US" altLang="ko-KR" sz="1100" dirty="0"/>
@@ -9124,11 +9121,11 @@
           <a:p>
             <a:r>
               <a:rPr lang="ko-KR" altLang="en-US" sz="1100" dirty="0"/>
-              <a:t>⨀ 인프라 구축 </a:t>
+              <a:t>⨀ 프로젝트 초기 인프라 구축 </a:t>
             </a:r>
             <a:r>
               <a:rPr lang="en-US" altLang="ko-KR" sz="1100" dirty="0"/>
-              <a:t>- EC2, RDS, S3, CloudFront</a:t>
+              <a:t>– EC2, RDS, S3, CloudFront</a:t>
             </a:r>
           </a:p>
           <a:p>
@@ -9185,7 +9182,18 @@
               <a:rPr lang="ko-KR" altLang="en-US" sz="1100" dirty="0"/>
               <a:t> 배포 </a:t>
             </a:r>
-            <a:endParaRPr lang="en-US" altLang="ko-KR" sz="1100" dirty="0"/>
+            <a:r>
+              <a:rPr lang="en-US" altLang="ko-KR" sz="1100" dirty="0"/>
+              <a:t>- </a:t>
+            </a:r>
+            <a:r>
+              <a:rPr lang="en-US" altLang="ko-KR" sz="1100" dirty="0" err="1"/>
+              <a:t>Github</a:t>
+            </a:r>
+            <a:r>
+              <a:rPr lang="en-US" altLang="ko-KR" sz="1100" dirty="0"/>
+              <a:t> Action, Code Deploy, S3, Nginx</a:t>
+            </a:r>
           </a:p>
           <a:p>
             <a:endParaRPr lang="en-US" altLang="ko-KR" sz="1100" dirty="0"/>
@@ -13985,7 +13993,7 @@
         <p:spPr>
           <a:xfrm>
             <a:off x="687696" y="601440"/>
-            <a:ext cx="4711420" cy="707886"/>
+            <a:ext cx="4711420" cy="1138773"/>
           </a:xfrm>
           <a:prstGeom prst="rect">
             <a:avLst/>
@@ -14011,6 +14019,29 @@
                 <a:cs typeface="Arial" panose="020B0604020202020204" pitchFamily="34" charset="0"/>
               </a:rPr>
               <a:t> Korea</a:t>
+            </a:r>
+          </a:p>
+          <a:p>
+            <a:r>
+              <a:rPr lang="en-US" altLang="ko-KR" sz="2800" b="1" dirty="0">
+                <a:latin typeface="Arial" panose="020B0604020202020204" pitchFamily="34" charset="0"/>
+                <a:cs typeface="Arial" panose="020B0604020202020204" pitchFamily="34" charset="0"/>
+              </a:rPr>
+              <a:t>(</a:t>
+            </a:r>
+            <a:r>
+              <a:rPr lang="ko-KR" altLang="en-US" sz="2800" b="1" dirty="0">
+                <a:latin typeface="Arial" panose="020B0604020202020204" pitchFamily="34" charset="0"/>
+                <a:cs typeface="Arial" panose="020B0604020202020204" pitchFamily="34" charset="0"/>
+              </a:rPr>
+              <a:t>학점 연계 인턴십</a:t>
+            </a:r>
+            <a:r>
+              <a:rPr lang="en-US" altLang="ko-KR" sz="2800" b="1" dirty="0">
+                <a:latin typeface="Arial" panose="020B0604020202020204" pitchFamily="34" charset="0"/>
+                <a:cs typeface="Arial" panose="020B0604020202020204" pitchFamily="34" charset="0"/>
+              </a:rPr>
+              <a:t>)</a:t>
             </a:r>
           </a:p>
         </p:txBody>
@@ -14424,7 +14455,7 @@
         </p:nvSpPr>
         <p:spPr>
           <a:xfrm>
-            <a:off x="687695" y="1415992"/>
+            <a:off x="686714" y="1891546"/>
             <a:ext cx="4562476" cy="369332"/>
           </a:xfrm>
           <a:prstGeom prst="rect">
@@ -14439,18 +14470,18 @@
           <a:lstStyle/>
           <a:p>
             <a:r>
-              <a:rPr lang="ko-KR" altLang="en-US" b="1" dirty="0"/>
+              <a:rPr lang="ko-KR" altLang="en-US" dirty="0"/>
               <a:t>서비스 명 </a:t>
             </a:r>
             <a:r>
-              <a:rPr lang="en-US" altLang="ko-KR" b="1" dirty="0"/>
+              <a:rPr lang="en-US" altLang="ko-KR" dirty="0"/>
               <a:t>: </a:t>
             </a:r>
             <a:r>
-              <a:rPr lang="ko-KR" altLang="en-US" b="1" dirty="0" err="1"/>
+              <a:rPr lang="ko-KR" altLang="en-US" dirty="0" err="1"/>
               <a:t>샵라이브</a:t>
             </a:r>
-            <a:endParaRPr lang="ko-KR" altLang="en-US" b="1" dirty="0"/>
+            <a:endParaRPr lang="ko-KR" altLang="en-US" dirty="0"/>
           </a:p>
         </p:txBody>
       </p:sp>

--- a/오진호 포트폴리오.pptx
+++ b/오진호 포트폴리오.pptx
@@ -6466,15 +6466,7 @@
             </a:r>
             <a:r>
               <a:rPr lang="en-US" altLang="ko-KR" sz="1400" dirty="0"/>
-              <a:t>, </a:t>
-            </a:r>
-            <a:r>
-              <a:rPr lang="en-US" altLang="ko-KR" sz="1400" dirty="0" err="1"/>
-              <a:t>Mysql</a:t>
-            </a:r>
-            <a:r>
-              <a:rPr lang="en-US" altLang="ko-KR" sz="1400" dirty="0"/>
-              <a:t>, </a:t>
+              <a:t>, MySQL, </a:t>
             </a:r>
             <a:r>
               <a:rPr lang="en-US" altLang="ko-KR" sz="1400" dirty="0" err="1"/>
@@ -8900,13 +8892,8 @@
             </a:r>
             <a:r>
               <a:rPr lang="en-US" altLang="ko-KR" sz="1400" dirty="0"/>
-              <a:t>, </a:t>
-            </a:r>
-            <a:r>
-              <a:rPr lang="en-US" altLang="ko-KR" sz="1400" dirty="0" err="1"/>
-              <a:t>MySql</a:t>
-            </a:r>
-            <a:endParaRPr lang="en-US" altLang="ko-KR" sz="1400" dirty="0"/>
+              <a:t>, MySQL</a:t>
+            </a:r>
           </a:p>
           <a:p>
             <a:r>
@@ -9168,7 +9155,7 @@
             </a:r>
             <a:r>
               <a:rPr lang="en-US" altLang="ko-KR" sz="1100" dirty="0"/>
-              <a:t>CICD</a:t>
+              <a:t>CI/CD</a:t>
             </a:r>
             <a:r>
               <a:rPr lang="ko-KR" altLang="en-US" sz="1100" dirty="0"/>
@@ -14598,13 +14585,8 @@
             </a:r>
             <a:r>
               <a:rPr lang="en-US" altLang="ko-KR" sz="1400" dirty="0"/>
-              <a:t>, </a:t>
-            </a:r>
-            <a:r>
-              <a:rPr lang="en-US" altLang="ko-KR" sz="1400" dirty="0" err="1"/>
-              <a:t>MySql</a:t>
-            </a:r>
-            <a:endParaRPr lang="en-US" altLang="ko-KR" sz="1400" dirty="0"/>
+              <a:t>, MySQL</a:t>
+            </a:r>
           </a:p>
         </p:txBody>
       </p:sp>

--- a/오진호 포트폴리오.pptx
+++ b/오진호 포트폴리오.pptx
@@ -18,7 +18,7 @@
     <p:sldId id="268" r:id="rId9"/>
     <p:sldId id="278" r:id="rId10"/>
     <p:sldId id="280" r:id="rId11"/>
-    <p:sldId id="279" r:id="rId12"/>
+    <p:sldId id="284" r:id="rId12"/>
     <p:sldId id="260" r:id="rId13"/>
     <p:sldId id="261" r:id="rId14"/>
   </p:sldIdLst>
@@ -209,7 +209,7 @@
           <a:p>
             <a:fld id="{67406EAE-9ED8-4493-8307-E0CBB87D5314}" type="datetimeFigureOut">
               <a:rPr lang="ko-KR" altLang="en-US" smtClean="0"/>
-              <a:t>2022-05-01</a:t>
+              <a:t>2022-05-11</a:t>
             </a:fld>
             <a:endParaRPr lang="ko-KR" altLang="en-US"/>
           </a:p>
@@ -623,7 +623,7 @@
           <a:p>
             <a:fld id="{7E1FD04A-7A57-4ABB-A4D2-40192FED31D2}" type="datetimeFigureOut">
               <a:rPr lang="ko-KR" altLang="en-US" smtClean="0"/>
-              <a:t>2022-05-01</a:t>
+              <a:t>2022-05-11</a:t>
             </a:fld>
             <a:endParaRPr lang="ko-KR" altLang="en-US"/>
           </a:p>
@@ -821,7 +821,7 @@
           <a:p>
             <a:fld id="{7E1FD04A-7A57-4ABB-A4D2-40192FED31D2}" type="datetimeFigureOut">
               <a:rPr lang="ko-KR" altLang="en-US" smtClean="0"/>
-              <a:t>2022-05-01</a:t>
+              <a:t>2022-05-11</a:t>
             </a:fld>
             <a:endParaRPr lang="ko-KR" altLang="en-US"/>
           </a:p>
@@ -1029,7 +1029,7 @@
           <a:p>
             <a:fld id="{7E1FD04A-7A57-4ABB-A4D2-40192FED31D2}" type="datetimeFigureOut">
               <a:rPr lang="ko-KR" altLang="en-US" smtClean="0"/>
-              <a:t>2022-05-01</a:t>
+              <a:t>2022-05-11</a:t>
             </a:fld>
             <a:endParaRPr lang="ko-KR" altLang="en-US"/>
           </a:p>
@@ -1227,7 +1227,7 @@
           <a:p>
             <a:fld id="{7E1FD04A-7A57-4ABB-A4D2-40192FED31D2}" type="datetimeFigureOut">
               <a:rPr lang="ko-KR" altLang="en-US" smtClean="0"/>
-              <a:t>2022-05-01</a:t>
+              <a:t>2022-05-11</a:t>
             </a:fld>
             <a:endParaRPr lang="ko-KR" altLang="en-US"/>
           </a:p>
@@ -1502,7 +1502,7 @@
           <a:p>
             <a:fld id="{7E1FD04A-7A57-4ABB-A4D2-40192FED31D2}" type="datetimeFigureOut">
               <a:rPr lang="ko-KR" altLang="en-US" smtClean="0"/>
-              <a:t>2022-05-01</a:t>
+              <a:t>2022-05-11</a:t>
             </a:fld>
             <a:endParaRPr lang="ko-KR" altLang="en-US"/>
           </a:p>
@@ -1767,7 +1767,7 @@
           <a:p>
             <a:fld id="{7E1FD04A-7A57-4ABB-A4D2-40192FED31D2}" type="datetimeFigureOut">
               <a:rPr lang="ko-KR" altLang="en-US" smtClean="0"/>
-              <a:t>2022-05-01</a:t>
+              <a:t>2022-05-11</a:t>
             </a:fld>
             <a:endParaRPr lang="ko-KR" altLang="en-US"/>
           </a:p>
@@ -2179,7 +2179,7 @@
           <a:p>
             <a:fld id="{7E1FD04A-7A57-4ABB-A4D2-40192FED31D2}" type="datetimeFigureOut">
               <a:rPr lang="ko-KR" altLang="en-US" smtClean="0"/>
-              <a:t>2022-05-01</a:t>
+              <a:t>2022-05-11</a:t>
             </a:fld>
             <a:endParaRPr lang="ko-KR" altLang="en-US"/>
           </a:p>
@@ -2320,7 +2320,7 @@
           <a:p>
             <a:fld id="{7E1FD04A-7A57-4ABB-A4D2-40192FED31D2}" type="datetimeFigureOut">
               <a:rPr lang="ko-KR" altLang="en-US" smtClean="0"/>
-              <a:t>2022-05-01</a:t>
+              <a:t>2022-05-11</a:t>
             </a:fld>
             <a:endParaRPr lang="ko-KR" altLang="en-US"/>
           </a:p>
@@ -2433,7 +2433,7 @@
           <a:p>
             <a:fld id="{7E1FD04A-7A57-4ABB-A4D2-40192FED31D2}" type="datetimeFigureOut">
               <a:rPr lang="ko-KR" altLang="en-US" smtClean="0"/>
-              <a:t>2022-05-01</a:t>
+              <a:t>2022-05-11</a:t>
             </a:fld>
             <a:endParaRPr lang="ko-KR" altLang="en-US"/>
           </a:p>
@@ -2744,7 +2744,7 @@
           <a:p>
             <a:fld id="{7E1FD04A-7A57-4ABB-A4D2-40192FED31D2}" type="datetimeFigureOut">
               <a:rPr lang="ko-KR" altLang="en-US" smtClean="0"/>
-              <a:t>2022-05-01</a:t>
+              <a:t>2022-05-11</a:t>
             </a:fld>
             <a:endParaRPr lang="ko-KR" altLang="en-US"/>
           </a:p>
@@ -3032,7 +3032,7 @@
           <a:p>
             <a:fld id="{7E1FD04A-7A57-4ABB-A4D2-40192FED31D2}" type="datetimeFigureOut">
               <a:rPr lang="ko-KR" altLang="en-US" smtClean="0"/>
-              <a:t>2022-05-01</a:t>
+              <a:t>2022-05-11</a:t>
             </a:fld>
             <a:endParaRPr lang="ko-KR" altLang="en-US"/>
           </a:p>
@@ -3273,7 +3273,7 @@
           <a:p>
             <a:fld id="{7E1FD04A-7A57-4ABB-A4D2-40192FED31D2}" type="datetimeFigureOut">
               <a:rPr lang="ko-KR" altLang="en-US" smtClean="0"/>
-              <a:t>2022-05-01</a:t>
+              <a:t>2022-05-11</a:t>
             </a:fld>
             <a:endParaRPr lang="ko-KR" altLang="en-US"/>
           </a:p>
@@ -4273,6 +4273,10 @@
               <a:t>- </a:t>
             </a:r>
             <a:r>
+              <a:rPr lang="ko-KR" altLang="en-US" sz="1100" dirty="0"/>
+              <a:t>학점 연계 인턴십 </a:t>
+            </a:r>
+            <a:r>
               <a:rPr lang="ko-KR" altLang="en-US" sz="1100" dirty="0" err="1"/>
               <a:t>샵라이브</a:t>
             </a:r>
@@ -4286,23 +4290,7 @@
             </a:r>
             <a:r>
               <a:rPr lang="ko-KR" altLang="en-US" sz="1100" dirty="0"/>
-              <a:t> 개발자</a:t>
-            </a:r>
-            <a:r>
-              <a:rPr lang="en-US" altLang="ko-KR" sz="1100" dirty="0"/>
-              <a:t>(</a:t>
-            </a:r>
-            <a:r>
-              <a:rPr lang="ko-KR" altLang="en-US" sz="1100" dirty="0"/>
-              <a:t>학점연계 인턴십</a:t>
-            </a:r>
-            <a:r>
-              <a:rPr lang="en-US" altLang="ko-KR" sz="1100" dirty="0"/>
-              <a:t>)</a:t>
-            </a:r>
-            <a:r>
-              <a:rPr lang="ko-KR" altLang="en-US" sz="1100" dirty="0"/>
-              <a:t> </a:t>
+              <a:t> 개발자 </a:t>
             </a:r>
             <a:r>
               <a:rPr lang="en-US" altLang="ko-KR" sz="1100" dirty="0"/>
@@ -4597,7 +4585,7 @@
         <p:spPr>
           <a:xfrm>
             <a:off x="805743" y="629792"/>
-            <a:ext cx="10333312" cy="1600438"/>
+            <a:ext cx="10333312" cy="1785104"/>
           </a:xfrm>
           <a:prstGeom prst="rect">
             <a:avLst/>
@@ -4653,7 +4641,7 @@
             </a:r>
             <a:r>
               <a:rPr lang="ko-KR" altLang="en-US" sz="1200" dirty="0"/>
-              <a:t>비디오 클래스와 이미지 클래스는 다른 필드를 가지고 있으므로 요청에 대해 다른 </a:t>
+              <a:t>비디오 클래스와 이미지 클래스는 다른 필드를 가지고 있으므로 클라이언트의 요청에 대해 다른 </a:t>
             </a:r>
             <a:r>
               <a:rPr lang="en-US" altLang="ko-KR" sz="1200" dirty="0"/>
@@ -4661,7 +4649,7 @@
             </a:r>
             <a:r>
               <a:rPr lang="ko-KR" altLang="en-US" sz="1200" dirty="0"/>
-              <a:t>를 사용합니다</a:t>
+              <a:t>와 메서드를 사용합니다</a:t>
             </a:r>
             <a:r>
               <a:rPr lang="en-US" altLang="ko-KR" sz="1200" dirty="0"/>
@@ -4686,7 +4674,7 @@
             </a:r>
             <a:r>
               <a:rPr lang="ko-KR" altLang="en-US" sz="1200" dirty="0"/>
-              <a:t>미디어의 종류가 추가될 때마다 코드 중복이 다시 발생합니다</a:t>
+              <a:t>미디어의 종류가 추가될 때마다 코드 중복이 발생합니다</a:t>
             </a:r>
             <a:r>
               <a:rPr lang="en-US" altLang="ko-KR" sz="1200" dirty="0"/>
@@ -5522,7 +5510,7 @@
             </a:r>
             <a:r>
               <a:rPr lang="ko-KR" altLang="en-US" sz="1200" dirty="0"/>
-              <a:t>이를 통해 어떤 구체 클래스의 객체로 역직렬화가 되었는지 알 수 있습니다</a:t>
+              <a:t>이를 통해 어떤 구체 클래스의 객체로 역직렬화 되었는지 알 수 있습니다</a:t>
             </a:r>
             <a:r>
               <a:rPr lang="en-US" altLang="ko-KR" sz="1200" dirty="0"/>
@@ -5667,10 +5655,10 @@
       </p:grpSpPr>
       <p:sp>
         <p:nvSpPr>
-          <p:cNvPr id="8" name="TextBox 7">
-            <a:extLst>
-              <a:ext uri="{FF2B5EF4-FFF2-40B4-BE49-F238E27FC236}">
-                <a16:creationId xmlns:a16="http://schemas.microsoft.com/office/drawing/2014/main" id="{4594AA78-5634-4ABD-9C2B-FA205AAF2888}"/>
+          <p:cNvPr id="33" name="TextBox 32">
+            <a:extLst>
+              <a:ext uri="{FF2B5EF4-FFF2-40B4-BE49-F238E27FC236}">
+                <a16:creationId xmlns:a16="http://schemas.microsoft.com/office/drawing/2014/main" id="{19C77245-E42C-435C-A054-4651C4671B97}"/>
               </a:ext>
             </a:extLst>
           </p:cNvPr>
@@ -5679,7 +5667,7 @@
         </p:nvSpPr>
         <p:spPr>
           <a:xfrm>
-            <a:off x="722039" y="667976"/>
+            <a:off x="645345" y="386094"/>
             <a:ext cx="3662925" cy="369332"/>
           </a:xfrm>
           <a:prstGeom prst="rect">
@@ -5694,8 +5682,12 @@
           <a:lstStyle/>
           <a:p>
             <a:r>
+              <a:rPr lang="ko-KR" altLang="en-US" b="1" dirty="0"/>
+              <a:t>코드 </a:t>
+            </a:r>
+            <a:r>
               <a:rPr lang="ko-KR" altLang="en-US" b="1" dirty="0" err="1"/>
-              <a:t>캐싱</a:t>
+              <a:t>리팩토링</a:t>
             </a:r>
             <a:endParaRPr lang="en-US" altLang="ko-KR" b="1" dirty="0"/>
           </a:p>
@@ -5703,10 +5695,10 @@
       </p:sp>
       <p:sp>
         <p:nvSpPr>
-          <p:cNvPr id="9" name="TextBox 8">
-            <a:extLst>
-              <a:ext uri="{FF2B5EF4-FFF2-40B4-BE49-F238E27FC236}">
-                <a16:creationId xmlns:a16="http://schemas.microsoft.com/office/drawing/2014/main" id="{03C08083-D226-4FD5-8E5F-6CD98967450A}"/>
+          <p:cNvPr id="34" name="TextBox 33">
+            <a:extLst>
+              <a:ext uri="{FF2B5EF4-FFF2-40B4-BE49-F238E27FC236}">
+                <a16:creationId xmlns:a16="http://schemas.microsoft.com/office/drawing/2014/main" id="{0A1523E8-A352-4F9D-8E46-BC76EED9BB39}"/>
               </a:ext>
             </a:extLst>
           </p:cNvPr>
@@ -5715,8 +5707,8 @@
         </p:nvSpPr>
         <p:spPr>
           <a:xfrm>
-            <a:off x="822370" y="1216642"/>
-            <a:ext cx="11171017" cy="1692771"/>
+            <a:off x="745679" y="754163"/>
+            <a:ext cx="9330419" cy="1723549"/>
           </a:xfrm>
           <a:prstGeom prst="rect">
             <a:avLst/>
@@ -5729,43 +5721,69 @@
           </a:bodyPr>
           <a:lstStyle/>
           <a:p>
+            <a:endParaRPr lang="en-US" altLang="ko-KR" sz="1400" b="1" dirty="0"/>
+          </a:p>
+          <a:p>
+            <a:endParaRPr lang="en-US" altLang="ko-KR" sz="1400" b="1" dirty="0"/>
+          </a:p>
+          <a:p>
             <a:r>
               <a:rPr lang="ko-KR" altLang="en-US" sz="1400" b="1" dirty="0"/>
               <a:t>⨀ </a:t>
             </a:r>
             <a:r>
-              <a:rPr lang="en-US" altLang="ko-KR" sz="1400" b="1" dirty="0" err="1"/>
-              <a:t>memcached</a:t>
+              <a:rPr lang="en-US" altLang="ko-KR" sz="1400" b="1" dirty="0"/>
+              <a:t>DB </a:t>
             </a:r>
             <a:r>
               <a:rPr lang="ko-KR" altLang="en-US" sz="1400" b="1" dirty="0"/>
-              <a:t>를 이용한 </a:t>
-            </a:r>
-            <a:r>
-              <a:rPr lang="ko-KR" altLang="en-US" sz="1400" b="1" dirty="0" err="1"/>
-              <a:t>캐싱</a:t>
+              <a:t>부하 감소를 위해 하나의 요청이 실행 될 때마다 생기는 쿼리의 개수를 줄임</a:t>
             </a:r>
             <a:endParaRPr lang="en-US" altLang="ko-KR" sz="1400" b="1" dirty="0"/>
           </a:p>
           <a:p>
-            <a:endParaRPr lang="en-US" altLang="ko-KR" sz="1400" dirty="0"/>
+            <a:endParaRPr lang="en-US" altLang="ko-KR" sz="1400" b="1" dirty="0"/>
           </a:p>
           <a:p>
             <a:r>
               <a:rPr lang="en-US" altLang="ko-KR" sz="1200" dirty="0"/>
-              <a:t> - </a:t>
+              <a:t>   - </a:t>
             </a:r>
             <a:r>
               <a:rPr lang="ko-KR" altLang="en-US" sz="1200" dirty="0"/>
-              <a:t>단시간에 많은 요청이 예상되는 로직에 </a:t>
-            </a:r>
-            <a:r>
-              <a:rPr lang="ko-KR" altLang="en-US" sz="1200" dirty="0" err="1"/>
-              <a:t>캐싱을</a:t>
+              <a:t>기존 방법 </a:t>
+            </a:r>
+            <a:r>
+              <a:rPr lang="en-US" altLang="ko-KR" sz="1200" dirty="0"/>
+              <a:t>: For</a:t>
             </a:r>
             <a:r>
               <a:rPr lang="ko-KR" altLang="en-US" sz="1200" dirty="0"/>
-              <a:t> 적용했습니다</a:t>
+              <a:t>문을 돌며 데이터를 </a:t>
+            </a:r>
+            <a:r>
+              <a:rPr lang="en-US" altLang="ko-KR" sz="1200" dirty="0"/>
+              <a:t>row</a:t>
+            </a:r>
+            <a:r>
+              <a:rPr lang="ko-KR" altLang="en-US" sz="1200" dirty="0"/>
+              <a:t>별로 받아오는 방식을 사용했고</a:t>
+            </a:r>
+            <a:r>
+              <a:rPr lang="en-US" altLang="ko-KR" sz="1200" dirty="0"/>
+              <a:t>, </a:t>
+            </a:r>
+            <a:r>
+              <a:rPr lang="ko-KR" altLang="en-US" sz="1200" dirty="0"/>
+              <a:t>이에 따라</a:t>
+            </a:r>
+            <a:r>
+              <a:rPr lang="en-US" altLang="ko-KR" sz="1200" dirty="0"/>
+              <a:t> row</a:t>
+            </a:r>
+            <a:r>
+              <a:rPr lang="ko-KR" altLang="en-US" sz="1200" dirty="0"/>
+              <a:t>의 개수만큼 쿼리가 만들어졌습니다</a:t>
             </a:r>
             <a:r>
               <a:rPr lang="en-US" altLang="ko-KR" sz="1200" dirty="0"/>
@@ -5778,55 +5796,57 @@
           <a:p>
             <a:r>
               <a:rPr lang="en-US" altLang="ko-KR" sz="1200" dirty="0"/>
-              <a:t> - DB</a:t>
+              <a:t>   - </a:t>
+            </a:r>
+            <a:r>
+              <a:rPr lang="ko-KR" altLang="en-US" sz="1200" dirty="0" err="1"/>
+              <a:t>리팩토링</a:t>
             </a:r>
             <a:r>
               <a:rPr lang="ko-KR" altLang="en-US" sz="1200" dirty="0"/>
-              <a:t>의 데이터가 변경되지 않는 로직이었기에</a:t>
+              <a:t> </a:t>
             </a:r>
             <a:r>
               <a:rPr lang="en-US" altLang="ko-KR" sz="1200" dirty="0"/>
-              <a:t> </a:t>
+              <a:t>: Stream</a:t>
             </a:r>
             <a:r>
               <a:rPr lang="ko-KR" altLang="en-US" sz="1200" dirty="0"/>
-              <a:t>데이터 정합성이 이슈가 되지 않았습니다</a:t>
+              <a:t>을 활용하여 필요로 하는 </a:t>
             </a:r>
             <a:r>
               <a:rPr lang="en-US" altLang="ko-KR" sz="1200" dirty="0"/>
-              <a:t>. </a:t>
+              <a:t>Row</a:t>
             </a:r>
             <a:r>
               <a:rPr lang="ko-KR" altLang="en-US" sz="1200" dirty="0"/>
-              <a:t>따라서 다른 인메모리 데이터 베이스보다 </a:t>
-            </a:r>
-            <a:r>
-              <a:rPr lang="en-US" altLang="ko-KR" sz="1200" dirty="0" err="1"/>
-              <a:t>memcached</a:t>
+              <a:t>의 </a:t>
+            </a:r>
+            <a:r>
+              <a:rPr lang="en-US" altLang="ko-KR" sz="1200" dirty="0"/>
+              <a:t>PK</a:t>
             </a:r>
             <a:r>
               <a:rPr lang="ko-KR" altLang="en-US" sz="1200" dirty="0"/>
-              <a:t>가 적절하다고 판단하였습니다</a:t>
+              <a:t>를 리스트로 한 번에 모아 쿼리를 전송하여 서버 부하를 줄였습니다</a:t>
             </a:r>
             <a:r>
               <a:rPr lang="en-US" altLang="ko-KR" sz="1200" dirty="0"/>
               <a:t>.</a:t>
             </a:r>
+            <a:endParaRPr lang="en-US" altLang="ko-KR" sz="1400" dirty="0"/>
           </a:p>
           <a:p>
             <a:endParaRPr lang="en-US" altLang="ko-KR" sz="1400" b="1" dirty="0"/>
           </a:p>
-          <a:p>
-            <a:endParaRPr lang="en-US" altLang="ko-KR" sz="1400" b="1" dirty="0"/>
-          </a:p>
-        </p:txBody>
-      </p:sp>
-      <p:sp>
-        <p:nvSpPr>
-          <p:cNvPr id="79" name="object 6">
-            <a:extLst>
-              <a:ext uri="{FF2B5EF4-FFF2-40B4-BE49-F238E27FC236}">
-                <a16:creationId xmlns:a16="http://schemas.microsoft.com/office/drawing/2014/main" id="{4F544C21-56AA-4A5C-80E1-69AA06A445D6}"/>
+        </p:txBody>
+      </p:sp>
+      <p:sp>
+        <p:nvSpPr>
+          <p:cNvPr id="35" name="object 6">
+            <a:extLst>
+              <a:ext uri="{FF2B5EF4-FFF2-40B4-BE49-F238E27FC236}">
+                <a16:creationId xmlns:a16="http://schemas.microsoft.com/office/drawing/2014/main" id="{ECF97475-7B77-4BFB-9D63-4AC76764C508}"/>
               </a:ext>
             </a:extLst>
           </p:cNvPr>
@@ -5835,7 +5855,7 @@
         </p:nvSpPr>
         <p:spPr>
           <a:xfrm>
-            <a:off x="588843" y="792277"/>
+            <a:off x="512149" y="510395"/>
             <a:ext cx="127155" cy="121059"/>
           </a:xfrm>
           <a:prstGeom prst="rect">
@@ -5858,10 +5878,70 @@
       </p:sp>
       <p:sp>
         <p:nvSpPr>
-          <p:cNvPr id="33" name="TextBox 32">
-            <a:extLst>
-              <a:ext uri="{FF2B5EF4-FFF2-40B4-BE49-F238E27FC236}">
-                <a16:creationId xmlns:a16="http://schemas.microsoft.com/office/drawing/2014/main" id="{19C77245-E42C-435C-A054-4651C4671B97}"/>
+          <p:cNvPr id="21" name="직사각형 20">
+            <a:extLst>
+              <a:ext uri="{FF2B5EF4-FFF2-40B4-BE49-F238E27FC236}">
+                <a16:creationId xmlns:a16="http://schemas.microsoft.com/office/drawing/2014/main" id="{161B1B5E-64E6-94FE-43BC-D8762402710E}"/>
+              </a:ext>
+            </a:extLst>
+          </p:cNvPr>
+          <p:cNvSpPr/>
+          <p:nvPr/>
+        </p:nvSpPr>
+        <p:spPr>
+          <a:xfrm>
+            <a:off x="2573354" y="4482420"/>
+            <a:ext cx="1030027" cy="514335"/>
+          </a:xfrm>
+          <a:prstGeom prst="rect">
+            <a:avLst/>
+          </a:prstGeom>
+          <a:solidFill>
+            <a:schemeClr val="bg1"/>
+          </a:solidFill>
+        </p:spPr>
+        <p:style>
+          <a:lnRef idx="2">
+            <a:schemeClr val="accent1">
+              <a:shade val="50000"/>
+            </a:schemeClr>
+          </a:lnRef>
+          <a:fillRef idx="1">
+            <a:schemeClr val="accent1"/>
+          </a:fillRef>
+          <a:effectRef idx="0">
+            <a:schemeClr val="accent1"/>
+          </a:effectRef>
+          <a:fontRef idx="minor">
+            <a:schemeClr val="lt1"/>
+          </a:fontRef>
+        </p:style>
+        <p:txBody>
+          <a:bodyPr rtlCol="0" anchor="ctr"/>
+          <a:lstStyle/>
+          <a:p>
+            <a:r>
+              <a:rPr lang="ko-KR" altLang="en-US" sz="800" dirty="0">
+                <a:solidFill>
+                  <a:schemeClr val="tx1"/>
+                </a:solidFill>
+              </a:rPr>
+              <a:t>   서버</a:t>
+            </a:r>
+            <a:endParaRPr lang="en-US" altLang="ko-KR" sz="800" dirty="0">
+              <a:solidFill>
+                <a:schemeClr val="tx1"/>
+              </a:solidFill>
+            </a:endParaRPr>
+          </a:p>
+        </p:txBody>
+      </p:sp>
+      <p:sp>
+        <p:nvSpPr>
+          <p:cNvPr id="22" name="TextBox 21">
+            <a:extLst>
+              <a:ext uri="{FF2B5EF4-FFF2-40B4-BE49-F238E27FC236}">
+                <a16:creationId xmlns:a16="http://schemas.microsoft.com/office/drawing/2014/main" id="{D075B0A2-0037-7FAF-17C6-9B6362215245}"/>
               </a:ext>
             </a:extLst>
           </p:cNvPr>
@@ -5870,8 +5950,8 @@
         </p:nvSpPr>
         <p:spPr>
           <a:xfrm>
-            <a:off x="722037" y="3866713"/>
-            <a:ext cx="3662925" cy="369332"/>
+            <a:off x="745679" y="2648810"/>
+            <a:ext cx="10025415" cy="1569660"/>
           </a:xfrm>
           <a:prstGeom prst="rect">
             <a:avLst/>
@@ -5884,24 +5964,599 @@
           </a:bodyPr>
           <a:lstStyle/>
           <a:p>
-            <a:r>
-              <a:rPr lang="ko-KR" altLang="en-US" b="1" dirty="0"/>
-              <a:t>코드 </a:t>
-            </a:r>
-            <a:r>
-              <a:rPr lang="ko-KR" altLang="en-US" b="1" dirty="0" err="1"/>
-              <a:t>리팩토링</a:t>
-            </a:r>
-            <a:endParaRPr lang="en-US" altLang="ko-KR" b="1" dirty="0"/>
-          </a:p>
-        </p:txBody>
-      </p:sp>
-      <p:sp>
-        <p:nvSpPr>
-          <p:cNvPr id="34" name="TextBox 33">
-            <a:extLst>
-              <a:ext uri="{FF2B5EF4-FFF2-40B4-BE49-F238E27FC236}">
-                <a16:creationId xmlns:a16="http://schemas.microsoft.com/office/drawing/2014/main" id="{0A1523E8-A352-4F9D-8E46-BC76EED9BB39}"/>
+            <a:endParaRPr lang="en-US" altLang="ko-KR" sz="1200" dirty="0"/>
+          </a:p>
+          <a:p>
+            <a:br>
+              <a:rPr lang="en-US" altLang="ko-KR" sz="1200" dirty="0"/>
+            </a:br>
+            <a:endParaRPr lang="en-US" altLang="ko-KR" sz="1200" dirty="0"/>
+          </a:p>
+          <a:p>
+            <a:r>
+              <a:rPr lang="en-US" altLang="ko-KR" sz="1200" dirty="0"/>
+              <a:t>   - </a:t>
+            </a:r>
+            <a:r>
+              <a:rPr lang="ko-KR" altLang="en-US" sz="1200" dirty="0"/>
+              <a:t>짧은 시간에 많은 요청이 예상되는 로직에 캐시를 적용하였습니다</a:t>
+            </a:r>
+            <a:r>
+              <a:rPr lang="en-US" altLang="ko-KR" sz="1200" dirty="0"/>
+              <a:t>.</a:t>
+            </a:r>
+          </a:p>
+          <a:p>
+            <a:endParaRPr lang="en-US" altLang="ko-KR" sz="1200" dirty="0"/>
+          </a:p>
+          <a:p>
+            <a:r>
+              <a:rPr lang="en-US" altLang="ko-KR" sz="1200" dirty="0"/>
+              <a:t>   - </a:t>
+            </a:r>
+            <a:r>
+              <a:rPr lang="ko-KR" altLang="en-US" sz="1200" dirty="0"/>
+              <a:t>반환하는 데이터가 변하지 않는 로직이기 때문에</a:t>
+            </a:r>
+            <a:r>
+              <a:rPr lang="en-US" altLang="ko-KR" sz="1200" dirty="0"/>
+              <a:t> </a:t>
+            </a:r>
+            <a:r>
+              <a:rPr lang="ko-KR" altLang="en-US" sz="1200" dirty="0"/>
+              <a:t>별도의 캐시 서버가 필요하지 않습니다</a:t>
+            </a:r>
+            <a:r>
+              <a:rPr lang="en-US" altLang="ko-KR" sz="1200" dirty="0"/>
+              <a:t>.</a:t>
+            </a:r>
+          </a:p>
+          <a:p>
+            <a:endParaRPr lang="en-US" altLang="ko-KR" sz="1200" dirty="0"/>
+          </a:p>
+          <a:p>
+            <a:r>
+              <a:rPr lang="en-US" altLang="ko-KR" sz="1200" dirty="0"/>
+              <a:t>   - </a:t>
+            </a:r>
+            <a:r>
+              <a:rPr lang="ko-KR" altLang="en-US" sz="1200" dirty="0"/>
+              <a:t>예시</a:t>
+            </a:r>
+            <a:r>
+              <a:rPr lang="en-US" altLang="ko-KR" sz="1200" dirty="0"/>
+              <a:t>) </a:t>
+            </a:r>
+            <a:r>
+              <a:rPr lang="ko-KR" altLang="en-US" sz="1200" dirty="0"/>
+              <a:t>방송이 시작한 후에는 판매 중인 상품이 변동되지 않습니다</a:t>
+            </a:r>
+            <a:r>
+              <a:rPr lang="en-US" altLang="ko-KR" sz="1200" dirty="0"/>
+              <a:t>. </a:t>
+            </a:r>
+            <a:r>
+              <a:rPr lang="ko-KR" altLang="en-US" sz="1200" dirty="0"/>
+              <a:t>따라서 판매 상품을 반환해주는 로직은 항상 같은 데이터를 반환합니다</a:t>
+            </a:r>
+            <a:r>
+              <a:rPr lang="en-US" altLang="ko-KR" sz="1200" dirty="0"/>
+              <a:t>.</a:t>
+            </a:r>
+          </a:p>
+        </p:txBody>
+      </p:sp>
+      <p:sp>
+        <p:nvSpPr>
+          <p:cNvPr id="23" name="직사각형 22">
+            <a:extLst>
+              <a:ext uri="{FF2B5EF4-FFF2-40B4-BE49-F238E27FC236}">
+                <a16:creationId xmlns:a16="http://schemas.microsoft.com/office/drawing/2014/main" id="{290926F1-839D-D9A7-12B2-7097A4552B6E}"/>
+              </a:ext>
+            </a:extLst>
+          </p:cNvPr>
+          <p:cNvSpPr/>
+          <p:nvPr/>
+        </p:nvSpPr>
+        <p:spPr>
+          <a:xfrm>
+            <a:off x="4855421" y="5197603"/>
+            <a:ext cx="1030027" cy="514335"/>
+          </a:xfrm>
+          <a:prstGeom prst="rect">
+            <a:avLst/>
+          </a:prstGeom>
+          <a:solidFill>
+            <a:schemeClr val="bg1"/>
+          </a:solidFill>
+        </p:spPr>
+        <p:style>
+          <a:lnRef idx="2">
+            <a:schemeClr val="accent1">
+              <a:shade val="50000"/>
+            </a:schemeClr>
+          </a:lnRef>
+          <a:fillRef idx="1">
+            <a:schemeClr val="accent1"/>
+          </a:fillRef>
+          <a:effectRef idx="0">
+            <a:schemeClr val="accent1"/>
+          </a:effectRef>
+          <a:fontRef idx="minor">
+            <a:schemeClr val="lt1"/>
+          </a:fontRef>
+        </p:style>
+        <p:txBody>
+          <a:bodyPr rtlCol="0" anchor="ctr"/>
+          <a:lstStyle/>
+          <a:p>
+            <a:pPr algn="ctr"/>
+            <a:r>
+              <a:rPr lang="ko-KR" altLang="en-US" sz="800" dirty="0" err="1">
+                <a:solidFill>
+                  <a:schemeClr val="tx1"/>
+                </a:solidFill>
+              </a:rPr>
+              <a:t>로드밸런서</a:t>
+            </a:r>
+            <a:endParaRPr lang="en-US" altLang="ko-KR" sz="800" dirty="0">
+              <a:solidFill>
+                <a:schemeClr val="tx1"/>
+              </a:solidFill>
+            </a:endParaRPr>
+          </a:p>
+        </p:txBody>
+      </p:sp>
+      <p:sp>
+        <p:nvSpPr>
+          <p:cNvPr id="24" name="직사각형 23">
+            <a:extLst>
+              <a:ext uri="{FF2B5EF4-FFF2-40B4-BE49-F238E27FC236}">
+                <a16:creationId xmlns:a16="http://schemas.microsoft.com/office/drawing/2014/main" id="{83128BDB-EDA6-1728-0D48-FD81F15BC8E1}"/>
+              </a:ext>
+            </a:extLst>
+          </p:cNvPr>
+          <p:cNvSpPr/>
+          <p:nvPr/>
+        </p:nvSpPr>
+        <p:spPr>
+          <a:xfrm>
+            <a:off x="3018877" y="4620595"/>
+            <a:ext cx="505969" cy="237983"/>
+          </a:xfrm>
+          <a:prstGeom prst="rect">
+            <a:avLst/>
+          </a:prstGeom>
+          <a:solidFill>
+            <a:schemeClr val="bg1"/>
+          </a:solidFill>
+        </p:spPr>
+        <p:style>
+          <a:lnRef idx="2">
+            <a:schemeClr val="accent1">
+              <a:shade val="50000"/>
+            </a:schemeClr>
+          </a:lnRef>
+          <a:fillRef idx="1">
+            <a:schemeClr val="accent1"/>
+          </a:fillRef>
+          <a:effectRef idx="0">
+            <a:schemeClr val="accent1"/>
+          </a:effectRef>
+          <a:fontRef idx="minor">
+            <a:schemeClr val="lt1"/>
+          </a:fontRef>
+        </p:style>
+        <p:txBody>
+          <a:bodyPr rtlCol="0" anchor="ctr"/>
+          <a:lstStyle/>
+          <a:p>
+            <a:pPr algn="ctr"/>
+            <a:r>
+              <a:rPr lang="en-US" altLang="ko-KR" sz="800" dirty="0">
+                <a:solidFill>
+                  <a:schemeClr val="tx1"/>
+                </a:solidFill>
+              </a:rPr>
+              <a:t>Mem</a:t>
+            </a:r>
+          </a:p>
+          <a:p>
+            <a:pPr algn="ctr"/>
+            <a:r>
+              <a:rPr lang="en-US" altLang="ko-KR" sz="800" dirty="0">
+                <a:solidFill>
+                  <a:schemeClr val="tx1"/>
+                </a:solidFill>
+              </a:rPr>
+              <a:t>cached</a:t>
+            </a:r>
+          </a:p>
+        </p:txBody>
+      </p:sp>
+      <p:sp>
+        <p:nvSpPr>
+          <p:cNvPr id="25" name="직사각형 24">
+            <a:extLst>
+              <a:ext uri="{FF2B5EF4-FFF2-40B4-BE49-F238E27FC236}">
+                <a16:creationId xmlns:a16="http://schemas.microsoft.com/office/drawing/2014/main" id="{B251B0AD-16E9-FDA8-5C3A-286FD21CFB43}"/>
+              </a:ext>
+            </a:extLst>
+          </p:cNvPr>
+          <p:cNvSpPr/>
+          <p:nvPr/>
+        </p:nvSpPr>
+        <p:spPr>
+          <a:xfrm>
+            <a:off x="2573353" y="5905959"/>
+            <a:ext cx="1030027" cy="514335"/>
+          </a:xfrm>
+          <a:prstGeom prst="rect">
+            <a:avLst/>
+          </a:prstGeom>
+          <a:solidFill>
+            <a:schemeClr val="bg1"/>
+          </a:solidFill>
+        </p:spPr>
+        <p:style>
+          <a:lnRef idx="2">
+            <a:schemeClr val="accent1">
+              <a:shade val="50000"/>
+            </a:schemeClr>
+          </a:lnRef>
+          <a:fillRef idx="1">
+            <a:schemeClr val="accent1"/>
+          </a:fillRef>
+          <a:effectRef idx="0">
+            <a:schemeClr val="accent1"/>
+          </a:effectRef>
+          <a:fontRef idx="minor">
+            <a:schemeClr val="lt1"/>
+          </a:fontRef>
+        </p:style>
+        <p:txBody>
+          <a:bodyPr rtlCol="0" anchor="ctr"/>
+          <a:lstStyle/>
+          <a:p>
+            <a:r>
+              <a:rPr lang="ko-KR" altLang="en-US" sz="800" dirty="0">
+                <a:solidFill>
+                  <a:schemeClr val="tx1"/>
+                </a:solidFill>
+              </a:rPr>
+              <a:t>   서버</a:t>
+            </a:r>
+            <a:endParaRPr lang="en-US" altLang="ko-KR" sz="800" dirty="0">
+              <a:solidFill>
+                <a:schemeClr val="tx1"/>
+              </a:solidFill>
+            </a:endParaRPr>
+          </a:p>
+        </p:txBody>
+      </p:sp>
+      <p:sp>
+        <p:nvSpPr>
+          <p:cNvPr id="26" name="직사각형 25">
+            <a:extLst>
+              <a:ext uri="{FF2B5EF4-FFF2-40B4-BE49-F238E27FC236}">
+                <a16:creationId xmlns:a16="http://schemas.microsoft.com/office/drawing/2014/main" id="{98FB22AF-06D5-3D90-2FAC-07375A3509E9}"/>
+              </a:ext>
+            </a:extLst>
+          </p:cNvPr>
+          <p:cNvSpPr/>
+          <p:nvPr/>
+        </p:nvSpPr>
+        <p:spPr>
+          <a:xfrm>
+            <a:off x="3018877" y="6044134"/>
+            <a:ext cx="505969" cy="237983"/>
+          </a:xfrm>
+          <a:prstGeom prst="rect">
+            <a:avLst/>
+          </a:prstGeom>
+          <a:solidFill>
+            <a:schemeClr val="bg1"/>
+          </a:solidFill>
+        </p:spPr>
+        <p:style>
+          <a:lnRef idx="2">
+            <a:schemeClr val="accent1">
+              <a:shade val="50000"/>
+            </a:schemeClr>
+          </a:lnRef>
+          <a:fillRef idx="1">
+            <a:schemeClr val="accent1"/>
+          </a:fillRef>
+          <a:effectRef idx="0">
+            <a:schemeClr val="accent1"/>
+          </a:effectRef>
+          <a:fontRef idx="minor">
+            <a:schemeClr val="lt1"/>
+          </a:fontRef>
+        </p:style>
+        <p:txBody>
+          <a:bodyPr rtlCol="0" anchor="ctr"/>
+          <a:lstStyle/>
+          <a:p>
+            <a:pPr algn="ctr"/>
+            <a:r>
+              <a:rPr lang="en-US" altLang="ko-KR" sz="800" dirty="0">
+                <a:solidFill>
+                  <a:schemeClr val="tx1"/>
+                </a:solidFill>
+              </a:rPr>
+              <a:t>Mem</a:t>
+            </a:r>
+          </a:p>
+          <a:p>
+            <a:pPr algn="ctr"/>
+            <a:r>
+              <a:rPr lang="en-US" altLang="ko-KR" sz="800" dirty="0">
+                <a:solidFill>
+                  <a:schemeClr val="tx1"/>
+                </a:solidFill>
+              </a:rPr>
+              <a:t>cached</a:t>
+            </a:r>
+          </a:p>
+        </p:txBody>
+      </p:sp>
+      <p:sp>
+        <p:nvSpPr>
+          <p:cNvPr id="27" name="직사각형 26">
+            <a:extLst>
+              <a:ext uri="{FF2B5EF4-FFF2-40B4-BE49-F238E27FC236}">
+                <a16:creationId xmlns:a16="http://schemas.microsoft.com/office/drawing/2014/main" id="{28C806B2-4987-9D2D-3964-10EEAECC20CF}"/>
+              </a:ext>
+            </a:extLst>
+          </p:cNvPr>
+          <p:cNvSpPr/>
+          <p:nvPr/>
+        </p:nvSpPr>
+        <p:spPr>
+          <a:xfrm>
+            <a:off x="2573354" y="5201793"/>
+            <a:ext cx="1030027" cy="514335"/>
+          </a:xfrm>
+          <a:prstGeom prst="rect">
+            <a:avLst/>
+          </a:prstGeom>
+          <a:solidFill>
+            <a:schemeClr val="bg1"/>
+          </a:solidFill>
+        </p:spPr>
+        <p:style>
+          <a:lnRef idx="2">
+            <a:schemeClr val="accent1">
+              <a:shade val="50000"/>
+            </a:schemeClr>
+          </a:lnRef>
+          <a:fillRef idx="1">
+            <a:schemeClr val="accent1"/>
+          </a:fillRef>
+          <a:effectRef idx="0">
+            <a:schemeClr val="accent1"/>
+          </a:effectRef>
+          <a:fontRef idx="minor">
+            <a:schemeClr val="lt1"/>
+          </a:fontRef>
+        </p:style>
+        <p:txBody>
+          <a:bodyPr rtlCol="0" anchor="ctr"/>
+          <a:lstStyle/>
+          <a:p>
+            <a:r>
+              <a:rPr lang="ko-KR" altLang="en-US" sz="800" dirty="0">
+                <a:solidFill>
+                  <a:schemeClr val="tx1"/>
+                </a:solidFill>
+              </a:rPr>
+              <a:t>   서버</a:t>
+            </a:r>
+            <a:endParaRPr lang="en-US" altLang="ko-KR" sz="800" dirty="0">
+              <a:solidFill>
+                <a:schemeClr val="tx1"/>
+              </a:solidFill>
+            </a:endParaRPr>
+          </a:p>
+        </p:txBody>
+      </p:sp>
+      <p:sp>
+        <p:nvSpPr>
+          <p:cNvPr id="28" name="직사각형 27">
+            <a:extLst>
+              <a:ext uri="{FF2B5EF4-FFF2-40B4-BE49-F238E27FC236}">
+                <a16:creationId xmlns:a16="http://schemas.microsoft.com/office/drawing/2014/main" id="{16FBC387-17B4-29CC-4492-E4285F960117}"/>
+              </a:ext>
+            </a:extLst>
+          </p:cNvPr>
+          <p:cNvSpPr/>
+          <p:nvPr/>
+        </p:nvSpPr>
+        <p:spPr>
+          <a:xfrm>
+            <a:off x="3018877" y="5339968"/>
+            <a:ext cx="505969" cy="237983"/>
+          </a:xfrm>
+          <a:prstGeom prst="rect">
+            <a:avLst/>
+          </a:prstGeom>
+          <a:solidFill>
+            <a:schemeClr val="bg1"/>
+          </a:solidFill>
+        </p:spPr>
+        <p:style>
+          <a:lnRef idx="2">
+            <a:schemeClr val="accent1">
+              <a:shade val="50000"/>
+            </a:schemeClr>
+          </a:lnRef>
+          <a:fillRef idx="1">
+            <a:schemeClr val="accent1"/>
+          </a:fillRef>
+          <a:effectRef idx="0">
+            <a:schemeClr val="accent1"/>
+          </a:effectRef>
+          <a:fontRef idx="minor">
+            <a:schemeClr val="lt1"/>
+          </a:fontRef>
+        </p:style>
+        <p:txBody>
+          <a:bodyPr rtlCol="0" anchor="ctr"/>
+          <a:lstStyle/>
+          <a:p>
+            <a:pPr algn="ctr"/>
+            <a:r>
+              <a:rPr lang="en-US" altLang="ko-KR" sz="800" dirty="0">
+                <a:solidFill>
+                  <a:schemeClr val="tx1"/>
+                </a:solidFill>
+              </a:rPr>
+              <a:t>Mem</a:t>
+            </a:r>
+          </a:p>
+          <a:p>
+            <a:pPr algn="ctr"/>
+            <a:r>
+              <a:rPr lang="en-US" altLang="ko-KR" sz="800" dirty="0">
+                <a:solidFill>
+                  <a:schemeClr val="tx1"/>
+                </a:solidFill>
+              </a:rPr>
+              <a:t>cached</a:t>
+            </a:r>
+          </a:p>
+        </p:txBody>
+      </p:sp>
+      <p:cxnSp>
+        <p:nvCxnSpPr>
+          <p:cNvPr id="29" name="직선 화살표 연결선 28">
+            <a:extLst>
+              <a:ext uri="{FF2B5EF4-FFF2-40B4-BE49-F238E27FC236}">
+                <a16:creationId xmlns:a16="http://schemas.microsoft.com/office/drawing/2014/main" id="{C6519F8B-0ED4-084E-AAFB-E47A67D512AB}"/>
+              </a:ext>
+            </a:extLst>
+          </p:cNvPr>
+          <p:cNvCxnSpPr>
+            <a:cxnSpLocks/>
+          </p:cNvCxnSpPr>
+          <p:nvPr/>
+        </p:nvCxnSpPr>
+        <p:spPr>
+          <a:xfrm flipH="1">
+            <a:off x="3674374" y="5478714"/>
+            <a:ext cx="1056907" cy="0"/>
+          </a:xfrm>
+          <a:prstGeom prst="straightConnector1">
+            <a:avLst/>
+          </a:prstGeom>
+          <a:ln>
+            <a:tailEnd type="triangle"/>
+          </a:ln>
+        </p:spPr>
+        <p:style>
+          <a:lnRef idx="1">
+            <a:schemeClr val="accent1"/>
+          </a:lnRef>
+          <a:fillRef idx="0">
+            <a:schemeClr val="accent1"/>
+          </a:fillRef>
+          <a:effectRef idx="0">
+            <a:schemeClr val="accent1"/>
+          </a:effectRef>
+          <a:fontRef idx="minor">
+            <a:schemeClr val="tx1"/>
+          </a:fontRef>
+        </p:style>
+      </p:cxnSp>
+      <p:cxnSp>
+        <p:nvCxnSpPr>
+          <p:cNvPr id="30" name="직선 화살표 연결선 29">
+            <a:extLst>
+              <a:ext uri="{FF2B5EF4-FFF2-40B4-BE49-F238E27FC236}">
+                <a16:creationId xmlns:a16="http://schemas.microsoft.com/office/drawing/2014/main" id="{5A5C0297-BE99-CDDF-75FA-BBDE839C52B0}"/>
+              </a:ext>
+            </a:extLst>
+          </p:cNvPr>
+          <p:cNvCxnSpPr>
+            <a:cxnSpLocks/>
+          </p:cNvCxnSpPr>
+          <p:nvPr/>
+        </p:nvCxnSpPr>
+        <p:spPr>
+          <a:xfrm flipH="1">
+            <a:off x="3727520" y="5678893"/>
+            <a:ext cx="1070247" cy="421040"/>
+          </a:xfrm>
+          <a:prstGeom prst="straightConnector1">
+            <a:avLst/>
+          </a:prstGeom>
+          <a:ln>
+            <a:tailEnd type="triangle"/>
+          </a:ln>
+        </p:spPr>
+        <p:style>
+          <a:lnRef idx="1">
+            <a:schemeClr val="accent1"/>
+          </a:lnRef>
+          <a:fillRef idx="0">
+            <a:schemeClr val="accent1"/>
+          </a:fillRef>
+          <a:effectRef idx="0">
+            <a:schemeClr val="accent1"/>
+          </a:effectRef>
+          <a:fontRef idx="minor">
+            <a:schemeClr val="tx1"/>
+          </a:fontRef>
+        </p:style>
+      </p:cxnSp>
+      <p:cxnSp>
+        <p:nvCxnSpPr>
+          <p:cNvPr id="31" name="직선 화살표 연결선 30">
+            <a:extLst>
+              <a:ext uri="{FF2B5EF4-FFF2-40B4-BE49-F238E27FC236}">
+                <a16:creationId xmlns:a16="http://schemas.microsoft.com/office/drawing/2014/main" id="{C686CDD0-5C34-5D1B-B253-5791578F388C}"/>
+              </a:ext>
+            </a:extLst>
+          </p:cNvPr>
+          <p:cNvCxnSpPr>
+            <a:cxnSpLocks/>
+          </p:cNvCxnSpPr>
+          <p:nvPr/>
+        </p:nvCxnSpPr>
+        <p:spPr>
+          <a:xfrm flipH="1" flipV="1">
+            <a:off x="3727520" y="4897325"/>
+            <a:ext cx="1065831" cy="416998"/>
+          </a:xfrm>
+          <a:prstGeom prst="straightConnector1">
+            <a:avLst/>
+          </a:prstGeom>
+          <a:ln>
+            <a:tailEnd type="triangle"/>
+          </a:ln>
+        </p:spPr>
+        <p:style>
+          <a:lnRef idx="1">
+            <a:schemeClr val="accent1"/>
+          </a:lnRef>
+          <a:fillRef idx="0">
+            <a:schemeClr val="accent1"/>
+          </a:fillRef>
+          <a:effectRef idx="0">
+            <a:schemeClr val="accent1"/>
+          </a:effectRef>
+          <a:fontRef idx="minor">
+            <a:schemeClr val="tx1"/>
+          </a:fontRef>
+        </p:style>
+      </p:cxnSp>
+      <p:sp>
+        <p:nvSpPr>
+          <p:cNvPr id="32" name="TextBox 31">
+            <a:extLst>
+              <a:ext uri="{FF2B5EF4-FFF2-40B4-BE49-F238E27FC236}">
+                <a16:creationId xmlns:a16="http://schemas.microsoft.com/office/drawing/2014/main" id="{A3153E43-E22C-AA92-B965-AA77ECB4173A}"/>
               </a:ext>
             </a:extLst>
           </p:cNvPr>
@@ -5910,8 +6565,8 @@
         </p:nvSpPr>
         <p:spPr>
           <a:xfrm>
-            <a:off x="822371" y="4234782"/>
-            <a:ext cx="11093924" cy="1938992"/>
+            <a:off x="745679" y="2328907"/>
+            <a:ext cx="11093924" cy="738664"/>
           </a:xfrm>
           <a:prstGeom prst="rect">
             <a:avLst/>
@@ -5932,136 +6587,26 @@
           <a:p>
             <a:r>
               <a:rPr lang="ko-KR" altLang="en-US" sz="1400" b="1" dirty="0"/>
-              <a:t>⨀ </a:t>
+              <a:t>⨀ 인메모리 데이터베이스</a:t>
             </a:r>
             <a:r>
               <a:rPr lang="en-US" altLang="ko-KR" sz="1400" b="1" dirty="0"/>
-              <a:t>DB </a:t>
+              <a:t>(Memcached)</a:t>
             </a:r>
             <a:r>
               <a:rPr lang="ko-KR" altLang="en-US" sz="1400" b="1" dirty="0"/>
-              <a:t>부하 감소를 위해 하나의 요청이 실행 될 때마다 생기는 쿼리의 개수를 줄임</a:t>
+              <a:t>를 이용한 캐시</a:t>
             </a:r>
             <a:endParaRPr lang="en-US" altLang="ko-KR" sz="1400" b="1" dirty="0"/>
           </a:p>
-          <a:p>
-            <a:endParaRPr lang="en-US" altLang="ko-KR" sz="1400" b="1" dirty="0"/>
-          </a:p>
-          <a:p>
-            <a:r>
-              <a:rPr lang="en-US" altLang="ko-KR" sz="1200" dirty="0"/>
-              <a:t>   </a:t>
-            </a:r>
-            <a:r>
-              <a:rPr lang="ko-KR" altLang="en-US" sz="1200" dirty="0"/>
-              <a:t>기존 방법 </a:t>
-            </a:r>
-            <a:r>
-              <a:rPr lang="en-US" altLang="ko-KR" sz="1200" dirty="0"/>
-              <a:t>: For</a:t>
-            </a:r>
-            <a:r>
-              <a:rPr lang="ko-KR" altLang="en-US" sz="1200" dirty="0"/>
-              <a:t>문을 돌며 데이터를 </a:t>
-            </a:r>
-            <a:r>
-              <a:rPr lang="en-US" altLang="ko-KR" sz="1200" dirty="0"/>
-              <a:t>row</a:t>
-            </a:r>
-            <a:r>
-              <a:rPr lang="ko-KR" altLang="en-US" sz="1200" dirty="0"/>
-              <a:t>별로 받아오는 방식을 사용했고</a:t>
-            </a:r>
-            <a:r>
-              <a:rPr lang="en-US" altLang="ko-KR" sz="1200" dirty="0"/>
-              <a:t>, </a:t>
-            </a:r>
-            <a:r>
-              <a:rPr lang="ko-KR" altLang="en-US" sz="1200" dirty="0"/>
-              <a:t>이에 따라 </a:t>
-            </a:r>
-            <a:r>
-              <a:rPr lang="en-US" altLang="ko-KR" sz="1200" dirty="0"/>
-              <a:t>DB </a:t>
-            </a:r>
-            <a:r>
-              <a:rPr lang="ko-KR" altLang="en-US" sz="1200" dirty="0"/>
-              <a:t>커넥션이 많이 발생하여 서버의 부하가 큼</a:t>
-            </a:r>
-            <a:endParaRPr lang="en-US" altLang="ko-KR" sz="1200" dirty="0"/>
-          </a:p>
-          <a:p>
-            <a:endParaRPr lang="en-US" altLang="ko-KR" sz="1200" dirty="0"/>
-          </a:p>
-          <a:p>
-            <a:r>
-              <a:rPr lang="en-US" altLang="ko-KR" sz="1200" dirty="0"/>
-              <a:t>   </a:t>
-            </a:r>
-            <a:r>
-              <a:rPr lang="ko-KR" altLang="en-US" sz="1200" dirty="0" err="1"/>
-              <a:t>리팩토링</a:t>
-            </a:r>
-            <a:r>
-              <a:rPr lang="ko-KR" altLang="en-US" sz="1200" dirty="0"/>
-              <a:t> </a:t>
-            </a:r>
-            <a:r>
-              <a:rPr lang="en-US" altLang="ko-KR" sz="1200" dirty="0"/>
-              <a:t>: Stream</a:t>
-            </a:r>
-            <a:r>
-              <a:rPr lang="ko-KR" altLang="en-US" sz="1200" dirty="0"/>
-              <a:t>을 활용하여 필요로 하는 </a:t>
-            </a:r>
-            <a:r>
-              <a:rPr lang="en-US" altLang="ko-KR" sz="1200" dirty="0"/>
-              <a:t>Row</a:t>
-            </a:r>
-            <a:r>
-              <a:rPr lang="ko-KR" altLang="en-US" sz="1200" dirty="0"/>
-              <a:t>의 </a:t>
-            </a:r>
-            <a:r>
-              <a:rPr lang="en-US" altLang="ko-KR" sz="1200" dirty="0"/>
-              <a:t>PK</a:t>
-            </a:r>
-            <a:r>
-              <a:rPr lang="ko-KR" altLang="en-US" sz="1200" dirty="0"/>
-              <a:t>를 리스트로 한 번에 모아 쿼리를 </a:t>
-            </a:r>
-            <a:r>
-              <a:rPr lang="ko-KR" altLang="en-US" sz="1200" dirty="0" err="1"/>
-              <a:t>전송함으로서</a:t>
-            </a:r>
-            <a:r>
-              <a:rPr lang="ko-KR" altLang="en-US" sz="1200" dirty="0"/>
-              <a:t> </a:t>
-            </a:r>
-            <a:r>
-              <a:rPr lang="en-US" altLang="ko-KR" sz="1200" dirty="0"/>
-              <a:t>DB </a:t>
-            </a:r>
-            <a:r>
-              <a:rPr lang="ko-KR" altLang="en-US" sz="1200" dirty="0"/>
-              <a:t>커넥션을 감소시킴</a:t>
-            </a:r>
-            <a:endParaRPr lang="en-US" altLang="ko-KR" sz="1200" dirty="0"/>
-          </a:p>
-          <a:p>
-            <a:endParaRPr lang="en-US" altLang="ko-KR" sz="1400" dirty="0"/>
-          </a:p>
-          <a:p>
-            <a:endParaRPr lang="en-US" altLang="ko-KR" sz="1400" b="1" dirty="0"/>
-          </a:p>
-        </p:txBody>
-      </p:sp>
-      <p:sp>
-        <p:nvSpPr>
-          <p:cNvPr id="35" name="object 6">
-            <a:extLst>
-              <a:ext uri="{FF2B5EF4-FFF2-40B4-BE49-F238E27FC236}">
-                <a16:creationId xmlns:a16="http://schemas.microsoft.com/office/drawing/2014/main" id="{ECF97475-7B77-4BFB-9D63-4AC76764C508}"/>
+        </p:txBody>
+      </p:sp>
+      <p:sp>
+        <p:nvSpPr>
+          <p:cNvPr id="38" name="직사각형 37">
+            <a:extLst>
+              <a:ext uri="{FF2B5EF4-FFF2-40B4-BE49-F238E27FC236}">
+                <a16:creationId xmlns:a16="http://schemas.microsoft.com/office/drawing/2014/main" id="{5974AA33-48C2-6B25-2978-25A52E3EB56C}"/>
               </a:ext>
             </a:extLst>
           </p:cNvPr>
@@ -6070,31 +6615,98 @@
         </p:nvSpPr>
         <p:spPr>
           <a:xfrm>
-            <a:off x="588841" y="3991014"/>
-            <a:ext cx="127155" cy="121059"/>
-          </a:xfrm>
-          <a:prstGeom prst="rect">
-            <a:avLst/>
-          </a:prstGeom>
-          <a:blipFill>
-            <a:blip r:embed="rId2" cstate="print"/>
-            <a:stretch>
-              <a:fillRect/>
-            </a:stretch>
-          </a:blipFill>
-        </p:spPr>
-        <p:txBody>
-          <a:bodyPr wrap="square" lIns="0" tIns="0" rIns="0" bIns="0" rtlCol="0"/>
-          <a:lstStyle/>
-          <a:p>
-            <a:endParaRPr/>
-          </a:p>
-        </p:txBody>
-      </p:sp>
+            <a:off x="7228674" y="5197603"/>
+            <a:ext cx="1030027" cy="514335"/>
+          </a:xfrm>
+          <a:prstGeom prst="rect">
+            <a:avLst/>
+          </a:prstGeom>
+          <a:solidFill>
+            <a:schemeClr val="bg1"/>
+          </a:solidFill>
+        </p:spPr>
+        <p:style>
+          <a:lnRef idx="2">
+            <a:schemeClr val="accent1">
+              <a:shade val="50000"/>
+            </a:schemeClr>
+          </a:lnRef>
+          <a:fillRef idx="1">
+            <a:schemeClr val="accent1"/>
+          </a:fillRef>
+          <a:effectRef idx="0">
+            <a:schemeClr val="accent1"/>
+          </a:effectRef>
+          <a:fontRef idx="minor">
+            <a:schemeClr val="lt1"/>
+          </a:fontRef>
+        </p:style>
+        <p:txBody>
+          <a:bodyPr rtlCol="0" anchor="ctr"/>
+          <a:lstStyle/>
+          <a:p>
+            <a:pPr algn="ctr"/>
+            <a:r>
+              <a:rPr lang="ko-KR" altLang="en-US" sz="800" dirty="0">
+                <a:solidFill>
+                  <a:schemeClr val="tx1"/>
+                </a:solidFill>
+              </a:rPr>
+              <a:t>클라이언트</a:t>
+            </a:r>
+            <a:endParaRPr lang="en-US" altLang="ko-KR" sz="800" dirty="0">
+              <a:solidFill>
+                <a:schemeClr val="tx1"/>
+              </a:solidFill>
+            </a:endParaRPr>
+          </a:p>
+        </p:txBody>
+      </p:sp>
+      <p:cxnSp>
+        <p:nvCxnSpPr>
+          <p:cNvPr id="39" name="직선 화살표 연결선 38">
+            <a:extLst>
+              <a:ext uri="{FF2B5EF4-FFF2-40B4-BE49-F238E27FC236}">
+                <a16:creationId xmlns:a16="http://schemas.microsoft.com/office/drawing/2014/main" id="{2270F86B-03DC-3261-6FDD-9DB17C834FA7}"/>
+              </a:ext>
+            </a:extLst>
+          </p:cNvPr>
+          <p:cNvCxnSpPr>
+            <a:cxnSpLocks/>
+          </p:cNvCxnSpPr>
+          <p:nvPr/>
+        </p:nvCxnSpPr>
+        <p:spPr>
+          <a:xfrm flipH="1">
+            <a:off x="6047627" y="5478714"/>
+            <a:ext cx="1056907" cy="0"/>
+          </a:xfrm>
+          <a:prstGeom prst="straightConnector1">
+            <a:avLst/>
+          </a:prstGeom>
+          <a:ln>
+            <a:tailEnd type="triangle"/>
+          </a:ln>
+        </p:spPr>
+        <p:style>
+          <a:lnRef idx="1">
+            <a:schemeClr val="accent1"/>
+          </a:lnRef>
+          <a:fillRef idx="0">
+            <a:schemeClr val="accent1"/>
+          </a:fillRef>
+          <a:effectRef idx="0">
+            <a:schemeClr val="accent1"/>
+          </a:effectRef>
+          <a:fontRef idx="minor">
+            <a:schemeClr val="tx1"/>
+          </a:fontRef>
+        </p:style>
+      </p:cxnSp>
     </p:spTree>
     <p:extLst>
       <p:ext uri="{BB962C8B-B14F-4D97-AF65-F5344CB8AC3E}">
-        <p14:creationId xmlns:p14="http://schemas.microsoft.com/office/powerpoint/2010/main" val="1344714277"/>
+        <p14:creationId xmlns:p14="http://schemas.microsoft.com/office/powerpoint/2010/main" val="1739623465"/>
       </p:ext>
     </p:extLst>
   </p:cSld>
@@ -11625,7 +12237,7 @@
             </a:pPr>
             <a:r>
               <a:rPr lang="ko-KR" altLang="en-US" sz="1200" dirty="0"/>
-              <a:t>서비스의 비즈니스 로직 대부분은 아는 사람 피하기 기능과 관련되어 동작합니다</a:t>
+              <a:t>비즈니스 로직 대부분은 아는 사람 피하기 기능과 관련되어 동작합니다</a:t>
             </a:r>
             <a:r>
               <a:rPr lang="en-US" altLang="ko-KR" sz="1200" dirty="0"/>
@@ -13434,15 +14046,15 @@
             </a:r>
             <a:r>
               <a:rPr lang="ko-KR" altLang="en-US" sz="1300" dirty="0"/>
-              <a:t>세션 로그인 방법 대신 </a:t>
-            </a:r>
-            <a:r>
-              <a:rPr lang="en-US" altLang="ko-KR" sz="1300" dirty="0"/>
-              <a:t>JWT</a:t>
+              <a:t>프로젝트 초기였기에 확장이 용이한 </a:t>
+            </a:r>
+            <a:r>
+              <a:rPr lang="en-US" altLang="ko-KR" sz="1300" dirty="0" err="1"/>
+              <a:t>jwt</a:t>
             </a:r>
             <a:r>
               <a:rPr lang="ko-KR" altLang="en-US" sz="1300" dirty="0"/>
-              <a:t>를 사용하여 서버 구조가 쉽게 확장 되도록 하였습니다</a:t>
+              <a:t>를 선택했습니다</a:t>
             </a:r>
             <a:r>
               <a:rPr lang="en-US" altLang="ko-KR" sz="1300" dirty="0"/>
@@ -13787,12 +14399,6 @@
             <a:endParaRPr lang="en-US" altLang="ko-KR" sz="1400" b="1" dirty="0"/>
           </a:p>
           <a:p>
-            <a:endParaRPr lang="en-US" altLang="ko-KR" sz="1400" b="1" dirty="0"/>
-          </a:p>
-          <a:p>
-            <a:endParaRPr lang="en-US" altLang="ko-KR" sz="1400" b="1" dirty="0"/>
-          </a:p>
-          <a:p>
             <a:r>
               <a:rPr lang="ko-KR" altLang="en-US" sz="1400" b="1" dirty="0"/>
               <a:t>⨀ </a:t>
@@ -13856,6 +14462,12 @@
             <a:endParaRPr lang="en-US" altLang="ko-KR" sz="1400" b="1" dirty="0"/>
           </a:p>
           <a:p>
+            <a:endParaRPr lang="en-US" altLang="ko-KR" sz="1400" b="1" dirty="0"/>
+          </a:p>
+          <a:p>
+            <a:endParaRPr lang="en-US" altLang="ko-KR" sz="1400" b="1" dirty="0"/>
+          </a:p>
+          <a:p>
             <a:r>
               <a:rPr lang="ko-KR" altLang="en-US" sz="1400" b="1" dirty="0"/>
               <a:t>⨀ 순서</a:t>
@@ -13867,58 +14479,58 @@
           </a:p>
           <a:p>
             <a:r>
-              <a:rPr lang="en-US" altLang="ko-KR" sz="1400" b="1" dirty="0"/>
-              <a:t> - s3</a:t>
-            </a:r>
-            <a:r>
-              <a:rPr lang="ko-KR" altLang="en-US" sz="1400" b="1" dirty="0"/>
+              <a:rPr lang="en-US" altLang="ko-KR" sz="1400" dirty="0"/>
+              <a:t> 1. s3</a:t>
+            </a:r>
+            <a:r>
+              <a:rPr lang="ko-KR" altLang="en-US" sz="1400" dirty="0"/>
               <a:t>에 </a:t>
             </a:r>
             <a:r>
-              <a:rPr lang="en-US" altLang="ko-KR" sz="1400" b="1" dirty="0"/>
+              <a:rPr lang="en-US" altLang="ko-KR" sz="1400" dirty="0"/>
               <a:t>jar</a:t>
             </a:r>
             <a:r>
-              <a:rPr lang="ko-KR" altLang="en-US" sz="1400" b="1" dirty="0"/>
+              <a:rPr lang="ko-KR" altLang="en-US" sz="1400" dirty="0"/>
               <a:t>파일 업로드</a:t>
             </a:r>
-            <a:endParaRPr lang="en-US" altLang="ko-KR" sz="1400" b="1" dirty="0"/>
-          </a:p>
-          <a:p>
-            <a:endParaRPr lang="en-US" altLang="ko-KR" sz="1400" b="1" dirty="0"/>
-          </a:p>
-          <a:p>
-            <a:r>
-              <a:rPr lang="en-US" altLang="ko-KR" sz="1400" b="1" dirty="0"/>
-              <a:t> - code deploy</a:t>
-            </a:r>
-            <a:r>
-              <a:rPr lang="ko-KR" altLang="en-US" sz="1400" b="1" dirty="0"/>
+            <a:endParaRPr lang="en-US" altLang="ko-KR" sz="1400" dirty="0"/>
+          </a:p>
+          <a:p>
+            <a:endParaRPr lang="en-US" altLang="ko-KR" sz="1400" dirty="0"/>
+          </a:p>
+          <a:p>
+            <a:r>
+              <a:rPr lang="en-US" altLang="ko-KR" sz="1400" dirty="0"/>
+              <a:t> 2. code deploy</a:t>
+            </a:r>
+            <a:r>
+              <a:rPr lang="ko-KR" altLang="en-US" sz="1400" dirty="0"/>
               <a:t>를 이용하여 덮어쓰기 후 </a:t>
             </a:r>
             <a:r>
-              <a:rPr lang="en-US" altLang="ko-KR" sz="1400" b="1" dirty="0"/>
+              <a:rPr lang="en-US" altLang="ko-KR" sz="1400" dirty="0"/>
               <a:t>8081, 8082 </a:t>
             </a:r>
             <a:r>
-              <a:rPr lang="ko-KR" altLang="en-US" sz="1400" b="1" dirty="0"/>
+              <a:rPr lang="ko-KR" altLang="en-US" sz="1400" dirty="0"/>
               <a:t>중 사용하지 않는 포트로 배포</a:t>
             </a:r>
-            <a:endParaRPr lang="en-US" altLang="ko-KR" sz="1400" b="1" dirty="0"/>
-          </a:p>
-          <a:p>
-            <a:endParaRPr lang="en-US" altLang="ko-KR" sz="1400" b="1" dirty="0"/>
-          </a:p>
-          <a:p>
-            <a:r>
-              <a:rPr lang="en-US" altLang="ko-KR" sz="1400" b="1" dirty="0"/>
-              <a:t>- Nginx</a:t>
-            </a:r>
-            <a:r>
-              <a:rPr lang="ko-KR" altLang="en-US" sz="1400" b="1" dirty="0"/>
+            <a:endParaRPr lang="en-US" altLang="ko-KR" sz="1400" dirty="0"/>
+          </a:p>
+          <a:p>
+            <a:endParaRPr lang="en-US" altLang="ko-KR" sz="1400" dirty="0"/>
+          </a:p>
+          <a:p>
+            <a:r>
+              <a:rPr lang="en-US" altLang="ko-KR" sz="1400" dirty="0"/>
+              <a:t> 3. Nginx</a:t>
+            </a:r>
+            <a:r>
+              <a:rPr lang="ko-KR" altLang="en-US" sz="1400" dirty="0"/>
               <a:t> 리버스 프록시 포트 변경</a:t>
             </a:r>
-            <a:endParaRPr lang="en-US" altLang="ko-KR" sz="1400" b="1" dirty="0"/>
+            <a:endParaRPr lang="en-US" altLang="ko-KR" sz="1400" dirty="0"/>
           </a:p>
           <a:p>
             <a:r>
